--- a/presentations/02_transformers_attention.pptx
+++ b/presentations/02_transformers_attention.pptx
@@ -10,17 +10,17 @@
   <p:sldIdLst>
     <p:sldId id="326" r:id="rId2"/>
     <p:sldId id="336" r:id="rId3"/>
-    <p:sldId id="308" r:id="rId4"/>
-    <p:sldId id="335" r:id="rId5"/>
-    <p:sldId id="337" r:id="rId6"/>
-    <p:sldId id="338" r:id="rId7"/>
-    <p:sldId id="346" r:id="rId8"/>
+    <p:sldId id="337" r:id="rId4"/>
+    <p:sldId id="338" r:id="rId5"/>
+    <p:sldId id="346" r:id="rId6"/>
+    <p:sldId id="308" r:id="rId7"/>
+    <p:sldId id="335" r:id="rId8"/>
     <p:sldId id="339" r:id="rId9"/>
-    <p:sldId id="340" r:id="rId10"/>
-    <p:sldId id="347" r:id="rId11"/>
-    <p:sldId id="348" r:id="rId12"/>
-    <p:sldId id="345" r:id="rId13"/>
-    <p:sldId id="349" r:id="rId14"/>
+    <p:sldId id="347" r:id="rId10"/>
+    <p:sldId id="340" r:id="rId11"/>
+    <p:sldId id="345" r:id="rId12"/>
+    <p:sldId id="349" r:id="rId13"/>
+    <p:sldId id="348" r:id="rId14"/>
     <p:sldId id="279" r:id="rId15"/>
     <p:sldId id="344" r:id="rId16"/>
     <p:sldId id="341" r:id="rId17"/>
@@ -224,7 +224,7 @@
           <a:p>
             <a:fld id="{FD93C9B2-20F6-4DB1-B471-224337D0AC79}" type="datetimeFigureOut">
               <a:rPr lang="en-US" smtClean="0"/>
-              <a:t>7/6/2022</a:t>
+              <a:t>7/14/2022</a:t>
             </a:fld>
             <a:endParaRPr lang="en-US"/>
           </a:p>
@@ -642,34 +642,8 @@
               <a:defRPr/>
             </a:pPr>
             <a:r>
-              <a:rPr lang="en-US" b="0" i="0" dirty="0">
-                <a:solidFill>
-                  <a:srgbClr val="292929"/>
-                </a:solidFill>
-                <a:effectLst/>
-                <a:latin typeface="charter"/>
-              </a:rPr>
-              <a:t>Okay – let’s simulate </a:t>
-            </a:r>
-            <a:r>
-              <a:rPr lang="en-US" b="1" i="0" dirty="0">
-                <a:solidFill>
-                  <a:srgbClr val="292929"/>
-                </a:solidFill>
-                <a:effectLst/>
-                <a:latin typeface="charter"/>
-              </a:rPr>
-              <a:t>attention</a:t>
-            </a:r>
-            <a:r>
-              <a:rPr lang="en-US" b="0" i="0" dirty="0">
-                <a:solidFill>
-                  <a:srgbClr val="292929"/>
-                </a:solidFill>
-                <a:effectLst/>
-                <a:latin typeface="charter"/>
-              </a:rPr>
-              <a:t>.  Rather than encode the whole sentence in a single hidden state, each word’s hidden state is passed to the decoder.  All of these hidden states are then used at each step of the decoding stage.  The basic idea is that every word in a sentence might contain relevant information.  And for the decoder to be precise, it needs to consider each word in a sentence.</a:t>
+              <a:rPr lang="en-US" dirty="0"/>
+              <a:t>Attention led to much better translations, but it still had a major shortcoming.  The computations are inherently sequential and cannot be parallelized across the input sequence.</a:t>
             </a:r>
           </a:p>
           <a:p>
@@ -690,13 +664,78 @@
               <a:tabLst/>
               <a:defRPr/>
             </a:pPr>
-            <a:endParaRPr lang="en-US" b="0" i="0" dirty="0">
-              <a:solidFill>
-                <a:srgbClr val="292929"/>
-              </a:solidFill>
-              <a:effectLst/>
-              <a:latin typeface="charter"/>
-            </a:endParaRPr>
+            <a:endParaRPr lang="en-US" dirty="0"/>
+          </a:p>
+          <a:p>
+            <a:pPr marL="0" marR="0" lvl="0" indent="0" algn="l" defTabSz="914400" rtl="0" eaLnBrk="1" fontAlgn="auto" latinLnBrk="0" hangingPunct="1">
+              <a:lnSpc>
+                <a:spcPct val="100000"/>
+              </a:lnSpc>
+              <a:spcBef>
+                <a:spcPts val="0"/>
+              </a:spcBef>
+              <a:spcAft>
+                <a:spcPts val="0"/>
+              </a:spcAft>
+              <a:buClrTx/>
+              <a:buSzTx/>
+              <a:buFontTx/>
+              <a:buNone/>
+              <a:tabLst/>
+              <a:defRPr/>
+            </a:pPr>
+            <a:r>
+              <a:rPr lang="en-US" dirty="0"/>
+              <a:t>With the transformer, a new model architecture was introduced.  Drop recurrence altogether and use a special form of attention called </a:t>
+            </a:r>
+            <a:r>
+              <a:rPr lang="en-US" b="1" dirty="0"/>
+              <a:t>self-attention</a:t>
+            </a:r>
+            <a:r>
+              <a:rPr lang="en-US" dirty="0"/>
+              <a:t> instead.  The basic idea is to allow attention to operate on all the states in the same layer of the neural network.  As pictured here, both the encoder and decoder have their own self-attention mechanisms, with their outputs fed to feed-forward neural networks (FF NNs). This architecture trains much faster than recurrent models, and it paved the way for many NLP breakthroughs.</a:t>
+            </a:r>
+          </a:p>
+          <a:p>
+            <a:pPr marL="0" marR="0" lvl="0" indent="0" algn="l" defTabSz="914400" rtl="0" eaLnBrk="1" fontAlgn="auto" latinLnBrk="0" hangingPunct="1">
+              <a:lnSpc>
+                <a:spcPct val="100000"/>
+              </a:lnSpc>
+              <a:spcBef>
+                <a:spcPts val="0"/>
+              </a:spcBef>
+              <a:spcAft>
+                <a:spcPts val="0"/>
+              </a:spcAft>
+              <a:buClrTx/>
+              <a:buSzTx/>
+              <a:buFontTx/>
+              <a:buNone/>
+              <a:tabLst/>
+              <a:defRPr/>
+            </a:pPr>
+            <a:endParaRPr lang="en-US" dirty="0"/>
+          </a:p>
+          <a:p>
+            <a:pPr marL="0" marR="0" lvl="0" indent="0" algn="l" defTabSz="914400" rtl="0" eaLnBrk="1" fontAlgn="auto" latinLnBrk="0" hangingPunct="1">
+              <a:lnSpc>
+                <a:spcPct val="100000"/>
+              </a:lnSpc>
+              <a:spcBef>
+                <a:spcPts val="0"/>
+              </a:spcBef>
+              <a:spcAft>
+                <a:spcPts val="0"/>
+              </a:spcAft>
+              <a:buClrTx/>
+              <a:buSzTx/>
+              <a:buFontTx/>
+              <a:buNone/>
+              <a:tabLst/>
+              <a:defRPr/>
+            </a:pPr>
+            <a:endParaRPr lang="en-US" dirty="0"/>
           </a:p>
         </p:txBody>
       </p:sp>
@@ -726,7 +765,7 @@
     </p:spTree>
     <p:extLst>
       <p:ext uri="{BB962C8B-B14F-4D97-AF65-F5344CB8AC3E}">
-        <p14:creationId xmlns:p14="http://schemas.microsoft.com/office/powerpoint/2010/main" val="1875875773"/>
+        <p14:creationId xmlns:p14="http://schemas.microsoft.com/office/powerpoint/2010/main" val="627985707"/>
       </p:ext>
     </p:extLst>
   </p:cSld>
@@ -805,37 +844,7 @@
                 <a:effectLst/>
                 <a:latin typeface="charter"/>
               </a:rPr>
-              <a:t>When translating the sentence “Je suis étudiant</a:t>
-            </a:r>
-            <a:r>
-              <a:rPr lang="en-US" b="1" i="0" dirty="0">
-                <a:solidFill>
-                  <a:srgbClr val="292929"/>
-                </a:solidFill>
-                <a:effectLst/>
-                <a:latin typeface="charter"/>
-              </a:rPr>
-              <a:t>” </a:t>
-            </a:r>
-            <a:r>
-              <a:rPr lang="en-US" b="0" i="0" dirty="0">
-                <a:solidFill>
-                  <a:srgbClr val="292929"/>
-                </a:solidFill>
-                <a:effectLst/>
-                <a:latin typeface="charter"/>
-              </a:rPr>
-              <a:t>to English, the decoder differs in the level of attention it pays to the words in the original sequence as it decides what word to use in the target language.  </a:t>
-            </a:r>
-            <a:r>
-              <a:rPr lang="en-US" b="0" i="0" dirty="0">
-                <a:solidFill>
-                  <a:srgbClr val="757575"/>
-                </a:solidFill>
-                <a:effectLst/>
-                <a:latin typeface="sohne"/>
-              </a:rPr>
-              <a:t>This animation shows the weight given to each hidden state when translating the sentence “Je suis étudiant” to English. The darker the color, the more weight given to the associated word(s).</a:t>
+              <a:t>With multi-head attention, self-attention becomes multi-dimensional, giving it the ability to derive more nuanced translations.</a:t>
             </a:r>
             <a:endParaRPr lang="en-US" dirty="0"/>
           </a:p>
@@ -867,7 +876,7 @@
     </p:spTree>
     <p:extLst>
       <p:ext uri="{BB962C8B-B14F-4D97-AF65-F5344CB8AC3E}">
-        <p14:creationId xmlns:p14="http://schemas.microsoft.com/office/powerpoint/2010/main" val="88383915"/>
+        <p14:creationId xmlns:p14="http://schemas.microsoft.com/office/powerpoint/2010/main" val="666630874"/>
       </p:ext>
     </p:extLst>
   </p:cSld>
@@ -921,6 +930,148 @@
           <a:bodyPr/>
           <a:lstStyle/>
           <a:p>
+            <a:pPr algn="l"/>
+            <a:r>
+              <a:rPr lang="en-US" b="0" i="0" dirty="0">
+                <a:solidFill>
+                  <a:srgbClr val="292929"/>
+                </a:solidFill>
+                <a:effectLst/>
+                <a:latin typeface="charter"/>
+              </a:rPr>
+              <a:t>The basic idea behind </a:t>
+            </a:r>
+            <a:r>
+              <a:rPr lang="en-US" b="0" i="1" dirty="0">
+                <a:solidFill>
+                  <a:srgbClr val="292929"/>
+                </a:solidFill>
+                <a:effectLst/>
+                <a:latin typeface="charter"/>
+              </a:rPr>
+              <a:t>multi-head attention </a:t>
+            </a:r>
+            <a:r>
+              <a:rPr lang="en-US" b="0" i="0" dirty="0">
+                <a:solidFill>
+                  <a:srgbClr val="292929"/>
+                </a:solidFill>
+                <a:effectLst/>
+                <a:latin typeface="charter"/>
+              </a:rPr>
+              <a:t>is that a specific word in a sequence can be viewed in multiple ways.  Consider, for example, the three questions asked here, with each </a:t>
+            </a:r>
+            <a:r>
+              <a:rPr lang="en-US" b="1" i="0" dirty="0">
+                <a:solidFill>
+                  <a:srgbClr val="292929"/>
+                </a:solidFill>
+                <a:effectLst/>
+                <a:latin typeface="charter"/>
+              </a:rPr>
+              <a:t>attention head </a:t>
+            </a:r>
+            <a:r>
+              <a:rPr lang="en-US" b="0" i="0" dirty="0">
+                <a:solidFill>
+                  <a:srgbClr val="292929"/>
+                </a:solidFill>
+                <a:effectLst/>
+                <a:latin typeface="charter"/>
+              </a:rPr>
+              <a:t>being a different color – red, green, blue.   As shown here, attention changes, depending on the head and the question it asks.  With the green head, attention is on the first word, in response to the question of who did the action.  With the red head, attention shifts to the second word in response to the question – ‘Did what?’  And finally, the last word is the focus of attention in the blue head, in response to the question – ‘To whom?’.</a:t>
+            </a:r>
+          </a:p>
+          <a:p>
+            <a:pPr algn="l"/>
+            <a:endParaRPr lang="en-US" b="0" i="0" dirty="0">
+              <a:solidFill>
+                <a:srgbClr val="292929"/>
+              </a:solidFill>
+              <a:effectLst/>
+              <a:latin typeface="charter"/>
+            </a:endParaRPr>
+          </a:p>
+          <a:p>
+            <a:pPr algn="l"/>
+            <a:r>
+              <a:rPr lang="en-US" b="0" i="0" dirty="0">
+                <a:solidFill>
+                  <a:srgbClr val="292929"/>
+                </a:solidFill>
+                <a:effectLst/>
+                <a:latin typeface="charter"/>
+              </a:rPr>
+              <a:t>Of course, the translation of a given word to another language may vary, depending on the answer to each question.</a:t>
+            </a:r>
+          </a:p>
+          <a:p>
+            <a:pPr algn="l"/>
+            <a:endParaRPr lang="en-US" b="0" i="0" dirty="0">
+              <a:solidFill>
+                <a:srgbClr val="292929"/>
+              </a:solidFill>
+              <a:effectLst/>
+              <a:latin typeface="charter"/>
+            </a:endParaRPr>
+          </a:p>
+          <a:p>
+            <a:pPr algn="l"/>
+            <a:r>
+              <a:rPr lang="en-US" b="0" i="0" dirty="0">
+                <a:solidFill>
+                  <a:srgbClr val="292929"/>
+                </a:solidFill>
+                <a:effectLst/>
+                <a:latin typeface="charter"/>
+              </a:rPr>
+              <a:t>=====</a:t>
+            </a:r>
+          </a:p>
+          <a:p>
+            <a:pPr algn="l"/>
+            <a:endParaRPr lang="en-US" b="0" i="0" dirty="0">
+              <a:solidFill>
+                <a:srgbClr val="292929"/>
+              </a:solidFill>
+              <a:effectLst/>
+              <a:latin typeface="charter"/>
+            </a:endParaRPr>
+          </a:p>
+          <a:p>
+            <a:pPr algn="l"/>
+            <a:r>
+              <a:rPr lang="en-US" b="0" i="0" dirty="0">
+                <a:solidFill>
+                  <a:srgbClr val="292929"/>
+                </a:solidFill>
+                <a:effectLst/>
+                <a:latin typeface="charter"/>
+              </a:rPr>
+              <a:t>For example, instead of only paying attention to each other in one dimension, Transformers use the concept of </a:t>
+            </a:r>
+            <a:r>
+              <a:rPr lang="en-US" b="0" i="0" dirty="0" err="1">
+                <a:solidFill>
+                  <a:srgbClr val="292929"/>
+                </a:solidFill>
+                <a:effectLst/>
+                <a:latin typeface="charter"/>
+              </a:rPr>
+              <a:t>Multihead</a:t>
+            </a:r>
+            <a:r>
+              <a:rPr lang="en-US" b="0" i="0" dirty="0">
+                <a:solidFill>
+                  <a:srgbClr val="292929"/>
+                </a:solidFill>
+                <a:effectLst/>
+                <a:latin typeface="charter"/>
+              </a:rPr>
+              <a:t> attention. The idea behind it is that whenever you are translating a word, you may pay different attention to each word based on the type of question that you are asking. The images below show what that means. For example, whenever you are translating “kicked” in the sentence “I kicked the ball”, you may ask “Who kicked”. Depending on the answer, the translation of the word to another language can change. Or ask other questions, like “Did what?”, etc…</a:t>
+            </a:r>
+          </a:p>
+          <a:p>
             <a:pPr marL="0" marR="0" lvl="0" indent="0" algn="l" defTabSz="914400" rtl="0" eaLnBrk="1" fontAlgn="auto" latinLnBrk="0" hangingPunct="1">
               <a:lnSpc>
                 <a:spcPct val="100000"/>
@@ -938,16 +1089,6 @@
               <a:tabLst/>
               <a:defRPr/>
             </a:pPr>
-            <a:r>
-              <a:rPr lang="en-US" b="0" i="0" dirty="0">
-                <a:solidFill>
-                  <a:srgbClr val="292929"/>
-                </a:solidFill>
-                <a:effectLst/>
-                <a:latin typeface="charter"/>
-              </a:rPr>
-              <a:t>With multi-head attention, self-attention becomes multi-dimensional, giving it the ability to derive more nuanced translations.</a:t>
-            </a:r>
             <a:endParaRPr lang="en-US" dirty="0"/>
           </a:p>
         </p:txBody>
@@ -978,7 +1119,7 @@
     </p:spTree>
     <p:extLst>
       <p:ext uri="{BB962C8B-B14F-4D97-AF65-F5344CB8AC3E}">
-        <p14:creationId xmlns:p14="http://schemas.microsoft.com/office/powerpoint/2010/main" val="666630874"/>
+        <p14:creationId xmlns:p14="http://schemas.microsoft.com/office/powerpoint/2010/main" val="665525230"/>
       </p:ext>
     </p:extLst>
   </p:cSld>
@@ -1032,105 +1173,6 @@
           <a:bodyPr/>
           <a:lstStyle/>
           <a:p>
-            <a:pPr algn="l"/>
-            <a:r>
-              <a:rPr lang="en-US" b="0" i="0" dirty="0">
-                <a:solidFill>
-                  <a:srgbClr val="292929"/>
-                </a:solidFill>
-                <a:effectLst/>
-                <a:latin typeface="charter"/>
-              </a:rPr>
-              <a:t>The basic idea behind </a:t>
-            </a:r>
-            <a:r>
-              <a:rPr lang="en-US" b="0" i="1" dirty="0">
-                <a:solidFill>
-                  <a:srgbClr val="292929"/>
-                </a:solidFill>
-                <a:effectLst/>
-                <a:latin typeface="charter"/>
-              </a:rPr>
-              <a:t>multi-head attention </a:t>
-            </a:r>
-            <a:r>
-              <a:rPr lang="en-US" b="0" i="0" dirty="0">
-                <a:solidFill>
-                  <a:srgbClr val="292929"/>
-                </a:solidFill>
-                <a:effectLst/>
-                <a:latin typeface="charter"/>
-              </a:rPr>
-              <a:t>is that a specific word in a sequence can be viewed in multiple ways.  As pictured here, the algorithm pays attention to a different word, depending on the question being asked.  The green head focuses on the question of who kicked the ball while the red head focuses on the action, what was done.  And finally, the blue head focuses on the object of the action, or to whom it was done.  Of course, the translation of a given word to another language can vary, depending on the answer to each question.</a:t>
-            </a:r>
-          </a:p>
-          <a:p>
-            <a:pPr algn="l"/>
-            <a:endParaRPr lang="en-US" b="0" i="0" dirty="0">
-              <a:solidFill>
-                <a:srgbClr val="292929"/>
-              </a:solidFill>
-              <a:effectLst/>
-              <a:latin typeface="charter"/>
-            </a:endParaRPr>
-          </a:p>
-          <a:p>
-            <a:pPr algn="l"/>
-            <a:r>
-              <a:rPr lang="en-US" b="0" i="0" dirty="0">
-                <a:solidFill>
-                  <a:srgbClr val="292929"/>
-                </a:solidFill>
-                <a:effectLst/>
-                <a:latin typeface="charter"/>
-              </a:rPr>
-              <a:t>=====</a:t>
-            </a:r>
-          </a:p>
-          <a:p>
-            <a:pPr algn="l"/>
-            <a:endParaRPr lang="en-US" b="0" i="0" dirty="0">
-              <a:solidFill>
-                <a:srgbClr val="292929"/>
-              </a:solidFill>
-              <a:effectLst/>
-              <a:latin typeface="charter"/>
-            </a:endParaRPr>
-          </a:p>
-          <a:p>
-            <a:pPr algn="l"/>
-            <a:r>
-              <a:rPr lang="en-US" b="0" i="0" dirty="0">
-                <a:solidFill>
-                  <a:srgbClr val="292929"/>
-                </a:solidFill>
-                <a:effectLst/>
-                <a:latin typeface="charter"/>
-              </a:rPr>
-              <a:t>For example, instead of only paying attention to each other in one dimension, Transformers use the concept of </a:t>
-            </a:r>
-            <a:r>
-              <a:rPr lang="en-US" b="0" i="0" dirty="0" err="1">
-                <a:solidFill>
-                  <a:srgbClr val="292929"/>
-                </a:solidFill>
-                <a:effectLst/>
-                <a:latin typeface="charter"/>
-              </a:rPr>
-              <a:t>Multihead</a:t>
-            </a:r>
-            <a:r>
-              <a:rPr lang="en-US" b="0" i="0" dirty="0">
-                <a:solidFill>
-                  <a:srgbClr val="292929"/>
-                </a:solidFill>
-                <a:effectLst/>
-                <a:latin typeface="charter"/>
-              </a:rPr>
-              <a:t> attention. The idea behind it is that whenever you are translating a word, you may pay different attention to each word based on the type of question that you are asking. The images below show what that means. For example, whenever you are translating “kicked” in the sentence “I kicked the ball”, you may ask “Who kicked”. Depending on the answer, the translation of the word to another language can change. Or ask other questions, like “Did what?”, etc…</a:t>
-            </a:r>
-          </a:p>
-          <a:p>
             <a:pPr marL="0" marR="0" lvl="0" indent="0" algn="l" defTabSz="914400" rtl="0" eaLnBrk="1" fontAlgn="auto" latinLnBrk="0" hangingPunct="1">
               <a:lnSpc>
                 <a:spcPct val="100000"/>
@@ -1148,6 +1190,36 @@
               <a:tabLst/>
               <a:defRPr/>
             </a:pPr>
+            <a:r>
+              <a:rPr lang="en-US" b="0" i="0" dirty="0">
+                <a:solidFill>
+                  <a:srgbClr val="292929"/>
+                </a:solidFill>
+                <a:effectLst/>
+                <a:latin typeface="charter"/>
+              </a:rPr>
+              <a:t>We end this mini-lecture with another simulation.  Here we see how a decoder differs in the level of attention it pays to the words in a French sentence as it </a:t>
+            </a:r>
+            <a:r>
+              <a:rPr lang="en-US" b="0" i="0">
+                <a:solidFill>
+                  <a:srgbClr val="292929"/>
+                </a:solidFill>
+                <a:effectLst/>
+                <a:latin typeface="charter"/>
+              </a:rPr>
+              <a:t>predicts English equivalents.  </a:t>
+            </a:r>
+            <a:r>
+              <a:rPr lang="en-US" b="0" i="0" dirty="0">
+                <a:solidFill>
+                  <a:srgbClr val="757575"/>
+                </a:solidFill>
+                <a:effectLst/>
+                <a:latin typeface="sohne"/>
+              </a:rPr>
+              <a:t>This animation shows the weight given to each hidden state when translating the sentence “Je suis étudiant” to English. The darker the color, the more weight given to the associated word(s).</a:t>
+            </a:r>
             <a:endParaRPr lang="en-US" dirty="0"/>
           </a:p>
         </p:txBody>
@@ -1178,7 +1250,7 @@
     </p:spTree>
     <p:extLst>
       <p:ext uri="{BB962C8B-B14F-4D97-AF65-F5344CB8AC3E}">
-        <p14:creationId xmlns:p14="http://schemas.microsoft.com/office/powerpoint/2010/main" val="665525230"/>
+        <p14:creationId xmlns:p14="http://schemas.microsoft.com/office/powerpoint/2010/main" val="88383915"/>
       </p:ext>
     </p:extLst>
   </p:cSld>
@@ -1645,7 +1717,7 @@
             <a:pPr algn="l"/>
             <a:r>
               <a:rPr lang="en-US" dirty="0"/>
-              <a:t>In our last session, we discussed three transformer building blocks: 1) Layer Norm, 2) Positional Encoding, and 3) Skip Connections.  Word embeddings were covered in our NLP workshop series.</a:t>
+              <a:t>Now in our last session, we discussed three transformer building blocks: 1) Layer Norm, 2) Positional Encoding, and 3) Skip Connections.  Word embeddings were covered in our NLP workshop series.  In this session, we will focus on attention.</a:t>
             </a:r>
           </a:p>
         </p:txBody>
@@ -1730,73 +1802,26 @@
           <a:bodyPr/>
           <a:lstStyle/>
           <a:p>
-            <a:pPr algn="l"/>
-            <a:r>
-              <a:rPr lang="en-US" dirty="0">
-                <a:latin typeface="+mn-lt"/>
-              </a:rPr>
-              <a:t>Let’s begin our presentation with a concrete example.</a:t>
-            </a:r>
-          </a:p>
-          <a:p>
-            <a:pPr algn="l"/>
-            <a:endParaRPr lang="en-US" dirty="0">
-              <a:latin typeface="+mn-lt"/>
-            </a:endParaRPr>
-          </a:p>
-          <a:p>
-            <a:pPr algn="l"/>
-            <a:r>
-              <a:rPr lang="en-US" dirty="0">
-                <a:latin typeface="+mn-lt"/>
-              </a:rPr>
-              <a:t>Suppose we want to translate the sentence “I saw a big dog eat his dinner.”  Now when we translate the word ‘dog’, we probably don’t care about the word saw.  But to translate the pronoun ‘his’, we need to connect that to the two words – ‘big dog.’</a:t>
-            </a:r>
-          </a:p>
-          <a:p>
-            <a:pPr algn="l"/>
-            <a:endParaRPr lang="en-US" dirty="0">
-              <a:latin typeface="+mn-lt"/>
-            </a:endParaRPr>
-          </a:p>
-          <a:p>
-            <a:pPr algn="l"/>
-            <a:r>
-              <a:rPr lang="en-US" dirty="0">
-                <a:latin typeface="+mn-lt"/>
-              </a:rPr>
-              <a:t>This same logic holds true for all the other words in a particular sentence.  For each word, figure out what other words influence its translation – focus on just those words – ignore the others.  The algorithm that does this job is called </a:t>
-            </a:r>
-            <a:r>
-              <a:rPr lang="en-US" b="1" dirty="0">
-                <a:latin typeface="+mn-lt"/>
-              </a:rPr>
-              <a:t>attention</a:t>
-            </a:r>
-            <a:r>
-              <a:rPr lang="en-US" dirty="0">
-                <a:latin typeface="+mn-lt"/>
-              </a:rPr>
-              <a:t>, or </a:t>
-            </a:r>
-            <a:r>
-              <a:rPr lang="en-US" b="1" dirty="0">
-                <a:latin typeface="+mn-lt"/>
-              </a:rPr>
-              <a:t>self-attention</a:t>
-            </a:r>
-            <a:r>
-              <a:rPr lang="en-US" dirty="0">
-                <a:latin typeface="+mn-lt"/>
-              </a:rPr>
-              <a:t>. Attention lets us focus our resources on only the parts of the input that matter.  Let’s start with an analogy…</a:t>
-            </a:r>
-          </a:p>
-          <a:p>
-            <a:pPr algn="l"/>
-            <a:endParaRPr lang="en-US" dirty="0">
-              <a:latin typeface="+mn-lt"/>
-            </a:endParaRPr>
+            <a:pPr algn="l" fontAlgn="base"/>
+            <a:r>
+              <a:rPr lang="en-US" dirty="0"/>
+              <a:t>We begin our presentation of attention with a quick review of recurrent neural network (RNN) architecture.</a:t>
+            </a:r>
+          </a:p>
+          <a:p>
+            <a:pPr algn="l" fontAlgn="base"/>
+            <a:endParaRPr lang="en-US" dirty="0"/>
+          </a:p>
+          <a:p>
+            <a:pPr algn="l" fontAlgn="base"/>
+            <a:r>
+              <a:rPr lang="en-US" dirty="0"/>
+              <a:t>RNN models contain a feedback loop which allows information to move from one step to another, making them ideal for modeling sequential data like text. As illustrated on the left side of this image, an RNN receives some input (a word or character), feeds it through the network, and outputs a vector called the hidden state. At the same time, the model feeds some information back to itself through the feedback loop, which it can then use in the next step. This is clearly seen if we “unroll” the loop as shown on the right side of this image: the RNN passes information about its state at each step to the next operation in the sequence. This allows an RNN to keep track of information from previous steps and use it for its output predictions.</a:t>
+            </a:r>
+          </a:p>
+          <a:p>
+            <a:pPr algn="l" fontAlgn="base"/>
+            <a:endParaRPr lang="en-US" dirty="0"/>
           </a:p>
         </p:txBody>
       </p:sp>
@@ -1826,7 +1851,7 @@
     </p:spTree>
     <p:extLst>
       <p:ext uri="{BB962C8B-B14F-4D97-AF65-F5344CB8AC3E}">
-        <p14:creationId xmlns:p14="http://schemas.microsoft.com/office/powerpoint/2010/main" val="157207674"/>
+        <p14:creationId xmlns:p14="http://schemas.microsoft.com/office/powerpoint/2010/main" val="1047077964"/>
       </p:ext>
     </p:extLst>
   </p:cSld>
@@ -1880,66 +1905,110 @@
           <a:bodyPr/>
           <a:lstStyle/>
           <a:p>
-            <a:pPr algn="l"/>
-            <a:r>
-              <a:rPr lang="en-US" dirty="0"/>
-              <a:t>Suppose that you need to buy some paint, but all you’ve been told is that the color should be “light yellow with a bit of dark orange.”</a:t>
-            </a:r>
-          </a:p>
-          <a:p>
-            <a:pPr algn="l"/>
-            <a:endParaRPr lang="en-US" dirty="0"/>
-          </a:p>
-          <a:p>
-            <a:pPr algn="l"/>
-            <a:r>
-              <a:rPr lang="en-US" dirty="0"/>
-              <a:t>At the only paint store in town, the clerk on duty is new to the paint department and isn’t personally familiar with the colors. You both presume you’ll need to mix a few of their standard paints to get the color you want, but you don’t know which paints to choose or how much of each to use.</a:t>
-            </a:r>
-          </a:p>
-          <a:p>
-            <a:pPr algn="l"/>
-            <a:endParaRPr lang="en-US" dirty="0"/>
-          </a:p>
-          <a:p>
-            <a:pPr algn="l"/>
-            <a:r>
-              <a:rPr lang="en-US" dirty="0"/>
-              <a:t>The clerk suggests that you compare your desired color description with the color names on each can of paint they carry. Some names will probably match better than others. The clerk puts a funnel on top of an empty can and suggests that you pour in some of each can of paint on the shelves, guided by how well that can’s name matches your description. That is, you’ll compare your desired description “light yellow with a bit of dark orange” with what’s printed on the label of each can, and the better the match, the more of that paint you’ll pour into the funnel.</a:t>
-            </a:r>
-          </a:p>
-          <a:p>
-            <a:pPr algn="l"/>
-            <a:endParaRPr lang="en-US" dirty="0"/>
-          </a:p>
-          <a:p>
-            <a:pPr algn="l"/>
-            <a:r>
-              <a:rPr lang="en-US" dirty="0"/>
-              <a:t>The figure here shows the idea visually for six cans of paint. It shows their names and the quality of each name’s match with your desired color’s description. We got good matches on “Sunny Yellow” and “Orange Crush,” though a little bit of “Lunch with Teal” snuck in thanks to the match with the word “with.”</a:t>
-            </a:r>
-          </a:p>
-          <a:p>
-            <a:pPr algn="l"/>
-            <a:endParaRPr lang="en-US" dirty="0"/>
-          </a:p>
-          <a:p>
-            <a:pPr algn="l"/>
-            <a:r>
-              <a:rPr lang="en-US" dirty="0"/>
-              <a:t>There are three things to focus on in this story. First, there’s your request: “light yellow with a bit of dark orange.” Second, there’s the description on each can of paint, like “Sunny Yellow” or “Mellow Blue.” Third, there’s the content of the paint that’s actually inside each can. In the story, you compared your request with each can’s description to find out how well they match. The better the match, the more of that can’s content you used in the final mixture.</a:t>
-            </a:r>
-          </a:p>
-          <a:p>
-            <a:pPr algn="l"/>
-            <a:endParaRPr lang="en-US" dirty="0"/>
-          </a:p>
-          <a:p>
-            <a:pPr algn="l"/>
-            <a:r>
-              <a:rPr lang="en-US" dirty="0"/>
-              <a:t>That’s attention in a nutshell. Given a request, compare it to the description of each possible item and include some of the content of each item based on how well its description matches the request.</a:t>
-            </a:r>
+            <a:pPr marL="0" marR="0" lvl="0" indent="0" algn="l" defTabSz="914400" rtl="0" eaLnBrk="1" fontAlgn="auto" latinLnBrk="0" hangingPunct="1">
+              <a:lnSpc>
+                <a:spcPct val="100000"/>
+              </a:lnSpc>
+              <a:spcBef>
+                <a:spcPts val="0"/>
+              </a:spcBef>
+              <a:spcAft>
+                <a:spcPts val="0"/>
+              </a:spcAft>
+              <a:buClrTx/>
+              <a:buSzTx/>
+              <a:buFontTx/>
+              <a:buNone/>
+              <a:tabLst/>
+              <a:defRPr/>
+            </a:pPr>
+            <a:r>
+              <a:rPr lang="en-US" sz="1100" dirty="0">
+                <a:latin typeface="Palatino Linotype" panose="02040502050505030304" pitchFamily="18" charset="0"/>
+              </a:rPr>
+              <a:t>RNN architecture worked reasonably well, enabling early machine translation systems.  The way in which RNNs translate text is usually done by linking an Encoder to a Decoder.  This architecture works well when both the input and output sequences are of fixed length.  Here a short English sentence of 3 words plus exclamation point is translated into German.  The encoder ingests each sentence element sequentially while maintaining its state along the way.  The encoder’s last hidden state – a numerical representation of the entire sentence – is then passed to the decoder which, in turn, generates the German elements from top to bottom.</a:t>
+            </a:r>
+          </a:p>
+          <a:p>
+            <a:pPr marL="0" marR="0" lvl="0" indent="0" algn="l" defTabSz="914400" rtl="0" eaLnBrk="1" fontAlgn="auto" latinLnBrk="0" hangingPunct="1">
+              <a:lnSpc>
+                <a:spcPct val="100000"/>
+              </a:lnSpc>
+              <a:spcBef>
+                <a:spcPts val="0"/>
+              </a:spcBef>
+              <a:spcAft>
+                <a:spcPts val="0"/>
+              </a:spcAft>
+              <a:buClrTx/>
+              <a:buSzTx/>
+              <a:buFontTx/>
+              <a:buNone/>
+              <a:tabLst/>
+              <a:defRPr/>
+            </a:pPr>
+            <a:endParaRPr lang="en-US" sz="1100" dirty="0">
+              <a:latin typeface="Palatino Linotype" panose="02040502050505030304" pitchFamily="18" charset="0"/>
+            </a:endParaRPr>
+          </a:p>
+          <a:p>
+            <a:pPr marL="0" marR="0" lvl="0" indent="0" algn="l" defTabSz="914400" rtl="0" eaLnBrk="1" fontAlgn="auto" latinLnBrk="0" hangingPunct="1">
+              <a:lnSpc>
+                <a:spcPct val="100000"/>
+              </a:lnSpc>
+              <a:spcBef>
+                <a:spcPts val="0"/>
+              </a:spcBef>
+              <a:spcAft>
+                <a:spcPts val="0"/>
+              </a:spcAft>
+              <a:buClrTx/>
+              <a:buSzTx/>
+              <a:buFontTx/>
+              <a:buNone/>
+              <a:tabLst/>
+              <a:defRPr/>
+            </a:pPr>
+            <a:r>
+              <a:rPr lang="en-US" sz="1100" dirty="0">
+                <a:latin typeface="Palatino Linotype" panose="02040502050505030304" pitchFamily="18" charset="0"/>
+              </a:rPr>
+              <a:t>This architecture is simple and elegant, but it has one big weakness.  The encoder’s final hidden state is an information bottleneck.  That is, it must represent the meaning of the </a:t>
+            </a:r>
+            <a:r>
+              <a:rPr lang="en-US" sz="1100" u="sng" dirty="0">
+                <a:latin typeface="Palatino Linotype" panose="02040502050505030304" pitchFamily="18" charset="0"/>
+              </a:rPr>
+              <a:t>entire</a:t>
+            </a:r>
+            <a:r>
+              <a:rPr lang="en-US" sz="1100" dirty="0">
+                <a:latin typeface="Palatino Linotype" panose="02040502050505030304" pitchFamily="18" charset="0"/>
+              </a:rPr>
+              <a:t> input sequence in a compressed form.  With long sequences, this creates a challenge in that information at the start of the sequence might be lost in the process of compressing everything into a single (fixed) representation.  This can affect the decoder as that final state is all it has to do its job.  </a:t>
+            </a:r>
+          </a:p>
+          <a:p>
+            <a:pPr marL="0" marR="0" lvl="0" indent="0" algn="l" defTabSz="914400" rtl="0" eaLnBrk="1" fontAlgn="auto" latinLnBrk="0" hangingPunct="1">
+              <a:lnSpc>
+                <a:spcPct val="100000"/>
+              </a:lnSpc>
+              <a:spcBef>
+                <a:spcPts val="0"/>
+              </a:spcBef>
+              <a:spcAft>
+                <a:spcPts val="0"/>
+              </a:spcAft>
+              <a:buClrTx/>
+              <a:buSzTx/>
+              <a:buFontTx/>
+              <a:buNone/>
+              <a:tabLst/>
+              <a:defRPr/>
+            </a:pPr>
+            <a:endParaRPr lang="en-US" sz="1100" dirty="0">
+              <a:latin typeface="Palatino Linotype" panose="02040502050505030304" pitchFamily="18" charset="0"/>
+            </a:endParaRPr>
           </a:p>
         </p:txBody>
       </p:sp>
@@ -1969,7 +2038,7 @@
     </p:spTree>
     <p:extLst>
       <p:ext uri="{BB962C8B-B14F-4D97-AF65-F5344CB8AC3E}">
-        <p14:creationId xmlns:p14="http://schemas.microsoft.com/office/powerpoint/2010/main" val="832568139"/>
+        <p14:creationId xmlns:p14="http://schemas.microsoft.com/office/powerpoint/2010/main" val="2538481723"/>
       </p:ext>
     </p:extLst>
   </p:cSld>
@@ -2023,48 +2092,178 @@
           <a:bodyPr/>
           <a:lstStyle/>
           <a:p>
-            <a:pPr algn="l" fontAlgn="base"/>
-            <a:r>
-              <a:rPr lang="en-US" dirty="0"/>
-              <a:t>Prior to transformers, advanced recurrent architectures such as LSTMs were the state of the art in NLP.  RNN models contain a feedback loop which allows information to propagate from one step to another, making them ideal for modeling sequential data like text. As illustrated on the left side of this image, an RNN receives some input (which could be a word or character), feeds it through the network, and outputs a vector called the hidden state. At the same time, the model feeds some information back to itself through the feedback loop, which it can then use in the next step. This can be more clearly seen if we “unroll” the loop as shown on the right side of this image: the RNN passes information about its state at each step to the next operation in the sequence. This allows an RNN to keep track of information from previous steps and use it for its output predictions.</a:t>
-            </a:r>
-          </a:p>
-          <a:p>
-            <a:pPr algn="l" fontAlgn="base"/>
-            <a:endParaRPr lang="en-US" dirty="0"/>
-          </a:p>
-          <a:p>
-            <a:pPr algn="l" fontAlgn="base"/>
-            <a:r>
-              <a:rPr lang="en-US" dirty="0"/>
-              <a:t>These architectures were (and continue to be) widely used for NLP tasks, speech processing, and time series. You can find a wonderful exposition of their capabilities in Andrej Karpathy’s blog post, “The Unreasonable Effectiveness of Recurrent Neural Networks”.</a:t>
-            </a:r>
-          </a:p>
-          <a:p>
-            <a:pPr algn="l" fontAlgn="base"/>
-            <a:endParaRPr lang="en-US" dirty="0"/>
-          </a:p>
-          <a:p>
-            <a:pPr algn="l" fontAlgn="base"/>
-            <a:r>
-              <a:rPr lang="en-US" dirty="0"/>
-              <a:t>=====</a:t>
-            </a:r>
-          </a:p>
-          <a:p>
-            <a:pPr algn="l"/>
-            <a:r>
-              <a:rPr lang="en-US" dirty="0"/>
-              <a:t>Though powerful, RNNs have a few drawbacks. Because all the information about an input is represented in a single piece of state memory, or context vector, the networks inside each recurrent cell need to work hard to compress everything that’s needed into the available space. And no matter how large we make the state memory, we can always get an input that exceeds what the memory can hold, so something necessarily gets lost.  Another problem is that an RNN must be trained and used one word at a time. This can be a slow way to work, particularly with large databases.  Let’s start by reviewing basic RNN architecture….</a:t>
-            </a:r>
-          </a:p>
-          <a:p>
-            <a:pPr algn="l"/>
-            <a:endParaRPr lang="en-US" dirty="0"/>
-          </a:p>
-          <a:p>
-            <a:pPr algn="l" fontAlgn="base"/>
-            <a:endParaRPr lang="en-US" dirty="0"/>
+            <a:pPr marL="0" marR="0" lvl="0" indent="0" algn="l" defTabSz="914400" rtl="0" eaLnBrk="1" fontAlgn="auto" latinLnBrk="0" hangingPunct="1">
+              <a:lnSpc>
+                <a:spcPct val="100000"/>
+              </a:lnSpc>
+              <a:spcBef>
+                <a:spcPts val="0"/>
+              </a:spcBef>
+              <a:spcAft>
+                <a:spcPts val="0"/>
+              </a:spcAft>
+              <a:buClrTx/>
+              <a:buSzTx/>
+              <a:buFontTx/>
+              <a:buNone/>
+              <a:tabLst/>
+              <a:defRPr/>
+            </a:pPr>
+            <a:r>
+              <a:rPr lang="en-US" b="0" i="0" dirty="0">
+                <a:solidFill>
+                  <a:srgbClr val="292929"/>
+                </a:solidFill>
+                <a:effectLst/>
+                <a:latin typeface="charter"/>
+              </a:rPr>
+              <a:t>Before moving on, let’s visualize the bottleneck problem.  This animation shows how a RNN sequence-to-sequence model works. Each word is processed separately, with a single hidden state passed between words before being handed off to the decoder which generates the output.</a:t>
+            </a:r>
+          </a:p>
+          <a:p>
+            <a:pPr marL="0" marR="0" lvl="0" indent="0" algn="l" defTabSz="914400" rtl="0" eaLnBrk="1" fontAlgn="auto" latinLnBrk="0" hangingPunct="1">
+              <a:lnSpc>
+                <a:spcPct val="100000"/>
+              </a:lnSpc>
+              <a:spcBef>
+                <a:spcPts val="0"/>
+              </a:spcBef>
+              <a:spcAft>
+                <a:spcPts val="0"/>
+              </a:spcAft>
+              <a:buClrTx/>
+              <a:buSzTx/>
+              <a:buFontTx/>
+              <a:buNone/>
+              <a:tabLst/>
+              <a:defRPr/>
+            </a:pPr>
+            <a:endParaRPr lang="en-US" b="0" i="0" dirty="0">
+              <a:solidFill>
+                <a:srgbClr val="292929"/>
+              </a:solidFill>
+              <a:effectLst/>
+              <a:latin typeface="charter"/>
+            </a:endParaRPr>
+          </a:p>
+          <a:p>
+            <a:pPr marL="0" marR="0" lvl="0" indent="0" algn="l" defTabSz="914400" rtl="0" eaLnBrk="1" fontAlgn="auto" latinLnBrk="0" hangingPunct="1">
+              <a:lnSpc>
+                <a:spcPct val="100000"/>
+              </a:lnSpc>
+              <a:spcBef>
+                <a:spcPts val="0"/>
+              </a:spcBef>
+              <a:spcAft>
+                <a:spcPts val="0"/>
+              </a:spcAft>
+              <a:buClrTx/>
+              <a:buSzTx/>
+              <a:buFontTx/>
+              <a:buNone/>
+              <a:tabLst/>
+              <a:defRPr/>
+            </a:pPr>
+            <a:r>
+              <a:rPr lang="en-US" sz="1200" dirty="0">
+                <a:latin typeface="Palatino Linotype" panose="02040502050505030304" pitchFamily="18" charset="0"/>
+              </a:rPr>
+              <a:t>Fortunately, we can avoid this bottleneck altogether.  What if the decoder could access </a:t>
+            </a:r>
+            <a:r>
+              <a:rPr lang="en-US" sz="1200" u="sng" dirty="0">
+                <a:latin typeface="Palatino Linotype" panose="02040502050505030304" pitchFamily="18" charset="0"/>
+              </a:rPr>
+              <a:t>all</a:t>
+            </a:r>
+            <a:r>
+              <a:rPr lang="en-US" sz="1200" dirty="0">
+                <a:latin typeface="Palatino Linotype" panose="02040502050505030304" pitchFamily="18" charset="0"/>
+              </a:rPr>
+              <a:t> the encoder’s hidden states, not just the final one?  If that was the case, it could then pay </a:t>
+            </a:r>
+            <a:r>
+              <a:rPr lang="en-US" sz="1200" b="1" dirty="0">
+                <a:latin typeface="Palatino Linotype" panose="02040502050505030304" pitchFamily="18" charset="0"/>
+              </a:rPr>
+              <a:t>attention</a:t>
+            </a:r>
+            <a:r>
+              <a:rPr lang="en-US" sz="1200" dirty="0">
+                <a:latin typeface="Palatino Linotype" panose="02040502050505030304" pitchFamily="18" charset="0"/>
+              </a:rPr>
+              <a:t> to different combinations of hidden states as it translates each element in a sequence.</a:t>
+            </a:r>
+          </a:p>
+          <a:p>
+            <a:pPr marL="0" marR="0" lvl="0" indent="0" algn="l" defTabSz="914400" rtl="0" eaLnBrk="1" fontAlgn="auto" latinLnBrk="0" hangingPunct="1">
+              <a:lnSpc>
+                <a:spcPct val="100000"/>
+              </a:lnSpc>
+              <a:spcBef>
+                <a:spcPts val="0"/>
+              </a:spcBef>
+              <a:spcAft>
+                <a:spcPts val="0"/>
+              </a:spcAft>
+              <a:buClrTx/>
+              <a:buSzTx/>
+              <a:buFontTx/>
+              <a:buNone/>
+              <a:tabLst/>
+              <a:defRPr/>
+            </a:pPr>
+            <a:endParaRPr lang="en-US" sz="1200" dirty="0">
+              <a:latin typeface="Palatino Linotype" panose="02040502050505030304" pitchFamily="18" charset="0"/>
+            </a:endParaRPr>
+          </a:p>
+          <a:p>
+            <a:pPr marL="0" marR="0" lvl="0" indent="0" algn="l" defTabSz="914400" rtl="0" eaLnBrk="1" fontAlgn="auto" latinLnBrk="0" hangingPunct="1">
+              <a:lnSpc>
+                <a:spcPct val="100000"/>
+              </a:lnSpc>
+              <a:spcBef>
+                <a:spcPts val="0"/>
+              </a:spcBef>
+              <a:spcAft>
+                <a:spcPts val="0"/>
+              </a:spcAft>
+              <a:buClrTx/>
+              <a:buSzTx/>
+              <a:buFontTx/>
+              <a:buNone/>
+              <a:tabLst/>
+              <a:defRPr/>
+            </a:pPr>
+            <a:endParaRPr lang="en-US" sz="1200" dirty="0">
+              <a:latin typeface="Palatino Linotype" panose="02040502050505030304" pitchFamily="18" charset="0"/>
+            </a:endParaRPr>
+          </a:p>
+          <a:p>
+            <a:pPr marL="0" marR="0" lvl="0" indent="0" algn="l" defTabSz="914400" rtl="0" eaLnBrk="1" fontAlgn="auto" latinLnBrk="0" hangingPunct="1">
+              <a:lnSpc>
+                <a:spcPct val="100000"/>
+              </a:lnSpc>
+              <a:spcBef>
+                <a:spcPts val="0"/>
+              </a:spcBef>
+              <a:spcAft>
+                <a:spcPts val="0"/>
+              </a:spcAft>
+              <a:buClrTx/>
+              <a:buSzTx/>
+              <a:buFontTx/>
+              <a:buNone/>
+              <a:tabLst/>
+              <a:defRPr/>
+            </a:pPr>
+            <a:endParaRPr lang="en-US" b="0" i="0" dirty="0">
+              <a:solidFill>
+                <a:srgbClr val="292929"/>
+              </a:solidFill>
+              <a:effectLst/>
+              <a:latin typeface="charter"/>
+            </a:endParaRPr>
           </a:p>
         </p:txBody>
       </p:sp>
@@ -2094,7 +2293,7 @@
     </p:spTree>
     <p:extLst>
       <p:ext uri="{BB962C8B-B14F-4D97-AF65-F5344CB8AC3E}">
-        <p14:creationId xmlns:p14="http://schemas.microsoft.com/office/powerpoint/2010/main" val="1047077964"/>
+        <p14:creationId xmlns:p14="http://schemas.microsoft.com/office/powerpoint/2010/main" val="376527333"/>
       </p:ext>
     </p:extLst>
   </p:cSld>
@@ -2148,437 +2347,88 @@
           <a:bodyPr/>
           <a:lstStyle/>
           <a:p>
-            <a:pPr marL="0" marR="0" lvl="0" indent="0" algn="l" defTabSz="914400" rtl="0" eaLnBrk="1" fontAlgn="auto" latinLnBrk="0" hangingPunct="1">
-              <a:lnSpc>
-                <a:spcPct val="100000"/>
-              </a:lnSpc>
-              <a:spcBef>
-                <a:spcPts val="0"/>
-              </a:spcBef>
-              <a:spcAft>
-                <a:spcPts val="0"/>
-              </a:spcAft>
-              <a:buClrTx/>
-              <a:buSzTx/>
-              <a:buFontTx/>
-              <a:buNone/>
-              <a:tabLst/>
-              <a:defRPr/>
-            </a:pPr>
-            <a:r>
-              <a:rPr lang="en-US" sz="1100" dirty="0">
-                <a:latin typeface="Palatino Linotype" panose="02040502050505030304" pitchFamily="18" charset="0"/>
+            <a:pPr algn="l"/>
+            <a:r>
+              <a:rPr lang="en-US" dirty="0">
+                <a:latin typeface="+mn-lt"/>
               </a:rPr>
-              <a:t>Recurrent Neural Networks (RNNs) made machine translation systems possible.  The way in which RNNs translate text is usually done by linking an Encoder to a Decoder.  This architecture works well when both the input and output sequences are of fixed length.  Here a short English sentence of 3 words plus exclamation point is translated into German.  The encoder ingests each sentence element sequentially while maintaining its state along the way.  The encoder’s last hidden state – a numerical representation of the entire sentence – is then passed to the decoder which, in turn, generates the German elements from top to bottom.</a:t>
-            </a:r>
-          </a:p>
-          <a:p>
-            <a:pPr marL="0" marR="0" lvl="0" indent="0" algn="l" defTabSz="914400" rtl="0" eaLnBrk="1" fontAlgn="auto" latinLnBrk="0" hangingPunct="1">
-              <a:lnSpc>
-                <a:spcPct val="100000"/>
-              </a:lnSpc>
-              <a:spcBef>
-                <a:spcPts val="0"/>
-              </a:spcBef>
-              <a:spcAft>
-                <a:spcPts val="0"/>
-              </a:spcAft>
-              <a:buClrTx/>
-              <a:buSzTx/>
-              <a:buFontTx/>
-              <a:buNone/>
-              <a:tabLst/>
-              <a:defRPr/>
-            </a:pPr>
-            <a:endParaRPr lang="en-US" sz="1100" dirty="0">
-              <a:latin typeface="Palatino Linotype" panose="02040502050505030304" pitchFamily="18" charset="0"/>
+              <a:t>Let’s consider another sentence…</a:t>
+            </a:r>
+          </a:p>
+          <a:p>
+            <a:pPr algn="l"/>
+            <a:endParaRPr lang="en-US" dirty="0">
+              <a:latin typeface="+mn-lt"/>
             </a:endParaRPr>
           </a:p>
           <a:p>
-            <a:pPr marL="0" marR="0" lvl="0" indent="0" algn="l" defTabSz="914400" rtl="0" eaLnBrk="1" fontAlgn="auto" latinLnBrk="0" hangingPunct="1">
-              <a:lnSpc>
-                <a:spcPct val="100000"/>
-              </a:lnSpc>
-              <a:spcBef>
-                <a:spcPts val="0"/>
-              </a:spcBef>
-              <a:spcAft>
-                <a:spcPts val="0"/>
-              </a:spcAft>
-              <a:buClrTx/>
-              <a:buSzTx/>
-              <a:buFontTx/>
-              <a:buNone/>
-              <a:tabLst/>
-              <a:defRPr/>
-            </a:pPr>
-            <a:r>
-              <a:rPr lang="en-US" sz="1100" dirty="0">
-                <a:latin typeface="Palatino Linotype" panose="02040502050505030304" pitchFamily="18" charset="0"/>
+            <a:pPr algn="l"/>
+            <a:r>
+              <a:rPr lang="en-US" dirty="0">
+                <a:latin typeface="+mn-lt"/>
               </a:rPr>
-              <a:t>This architecture is simple and elegant, but it has one big weakness.  The encoder’s final hidden state is an information bottleneck.  That is, it must represent the meaning of the </a:t>
-            </a:r>
-            <a:r>
-              <a:rPr lang="en-US" sz="1100" u="sng" dirty="0">
-                <a:latin typeface="Palatino Linotype" panose="02040502050505030304" pitchFamily="18" charset="0"/>
+              <a:t>Suppose we want to translate the sentence “I saw a big dog eat his dinner.”  Now when we translate the word ‘dog’, we probably don’t care about the word saw.  But to translate the pronoun ‘his’, we need to connect that to the two words – ‘big dog.’</a:t>
+            </a:r>
+          </a:p>
+          <a:p>
+            <a:pPr algn="l"/>
+            <a:endParaRPr lang="en-US" dirty="0">
+              <a:latin typeface="+mn-lt"/>
+            </a:endParaRPr>
+          </a:p>
+          <a:p>
+            <a:pPr algn="l"/>
+            <a:r>
+              <a:rPr lang="en-US" dirty="0">
+                <a:latin typeface="+mn-lt"/>
               </a:rPr>
-              <a:t>entire</a:t>
-            </a:r>
-            <a:r>
-              <a:rPr lang="en-US" sz="1100" dirty="0">
-                <a:latin typeface="Palatino Linotype" panose="02040502050505030304" pitchFamily="18" charset="0"/>
-              </a:rPr>
-              <a:t> input sequence in a compressed form.  With long sequences, this creates a challenge in that information at the start of the sequence might be lost in the process of compressing everything into a single (fixed) representation.  This can affect the decoder as that final state is all it has to do its job.  </a:t>
-            </a:r>
-          </a:p>
-          <a:p>
-            <a:pPr marL="0" marR="0" lvl="0" indent="0" algn="l" defTabSz="914400" rtl="0" eaLnBrk="1" fontAlgn="auto" latinLnBrk="0" hangingPunct="1">
-              <a:lnSpc>
-                <a:spcPct val="100000"/>
-              </a:lnSpc>
-              <a:spcBef>
-                <a:spcPts val="0"/>
-              </a:spcBef>
-              <a:spcAft>
-                <a:spcPts val="0"/>
-              </a:spcAft>
-              <a:buClrTx/>
-              <a:buSzTx/>
-              <a:buFontTx/>
-              <a:buNone/>
-              <a:tabLst/>
-              <a:defRPr/>
-            </a:pPr>
-            <a:endParaRPr lang="en-US" sz="1100" dirty="0">
-              <a:latin typeface="Palatino Linotype" panose="02040502050505030304" pitchFamily="18" charset="0"/>
-            </a:endParaRPr>
-          </a:p>
-          <a:p>
-            <a:pPr marL="0" marR="0" lvl="0" indent="0" algn="l" defTabSz="914400" rtl="0" eaLnBrk="1" fontAlgn="auto" latinLnBrk="0" hangingPunct="1">
-              <a:lnSpc>
-                <a:spcPct val="100000"/>
-              </a:lnSpc>
-              <a:spcBef>
-                <a:spcPts val="0"/>
-              </a:spcBef>
-              <a:spcAft>
-                <a:spcPts val="0"/>
-              </a:spcAft>
-              <a:buClrTx/>
-              <a:buSzTx/>
-              <a:buFontTx/>
-              <a:buNone/>
-              <a:tabLst/>
-              <a:defRPr/>
-            </a:pPr>
-            <a:r>
-              <a:rPr lang="en-US" sz="1100" dirty="0">
-                <a:latin typeface="Palatino Linotype" panose="02040502050505030304" pitchFamily="18" charset="0"/>
-              </a:rPr>
-              <a:t>Fortunately, we can avoid this bottleneck altogether.  What if the decoder could access </a:t>
-            </a:r>
-            <a:r>
-              <a:rPr lang="en-US" sz="1100" u="sng" dirty="0">
-                <a:latin typeface="Palatino Linotype" panose="02040502050505030304" pitchFamily="18" charset="0"/>
-              </a:rPr>
-              <a:t>all</a:t>
-            </a:r>
-            <a:r>
-              <a:rPr lang="en-US" sz="1100" dirty="0">
-                <a:latin typeface="Palatino Linotype" panose="02040502050505030304" pitchFamily="18" charset="0"/>
-              </a:rPr>
-              <a:t> of the encoder’s hidden states and not just the final one?  This is done through a process called </a:t>
-            </a:r>
-            <a:r>
-              <a:rPr lang="en-US" sz="1100" b="1" dirty="0">
-                <a:latin typeface="Palatino Linotype" panose="02040502050505030304" pitchFamily="18" charset="0"/>
+              <a:t>This same logic holds true for all the other words in a particular sentence.  For each word, we must figure out what other words influence its translation and focus on just those words while ignoring the others.  And of course, the algorithm that does this job is called </a:t>
+            </a:r>
+            <a:r>
+              <a:rPr lang="en-US" b="1" dirty="0">
+                <a:latin typeface="+mn-lt"/>
               </a:rPr>
               <a:t>attention</a:t>
             </a:r>
             <a:r>
-              <a:rPr lang="en-US" sz="1100" b="0" dirty="0">
-                <a:latin typeface="Palatino Linotype" panose="02040502050505030304" pitchFamily="18" charset="0"/>
+              <a:rPr lang="en-US" dirty="0">
+                <a:latin typeface="+mn-lt"/>
               </a:rPr>
-              <a:t>.  Attention is one of the reasons transformers are so versatile and effective.</a:t>
-            </a:r>
-            <a:endParaRPr lang="en-US" sz="1100" dirty="0">
-              <a:latin typeface="Palatino Linotype" panose="02040502050505030304" pitchFamily="18" charset="0"/>
+              <a:t>, or </a:t>
+            </a:r>
+            <a:r>
+              <a:rPr lang="en-US" b="1" dirty="0">
+                <a:latin typeface="+mn-lt"/>
+              </a:rPr>
+              <a:t>self-attention</a:t>
+            </a:r>
+            <a:r>
+              <a:rPr lang="en-US" dirty="0">
+                <a:latin typeface="+mn-lt"/>
+              </a:rPr>
+              <a:t>. Attention lets us focus our resources on only the parts of the input that matter.  </a:t>
+            </a:r>
+          </a:p>
+          <a:p>
+            <a:pPr algn="l"/>
+            <a:endParaRPr lang="en-US" dirty="0">
+              <a:latin typeface="+mn-lt"/>
             </a:endParaRPr>
           </a:p>
           <a:p>
-            <a:pPr marL="0" marR="0" lvl="0" indent="0" algn="l" defTabSz="914400" rtl="0" eaLnBrk="1" fontAlgn="auto" latinLnBrk="0" hangingPunct="1">
-              <a:lnSpc>
-                <a:spcPct val="100000"/>
-              </a:lnSpc>
-              <a:spcBef>
-                <a:spcPts val="0"/>
-              </a:spcBef>
-              <a:spcAft>
-                <a:spcPts val="0"/>
-              </a:spcAft>
-              <a:buClrTx/>
-              <a:buSzTx/>
-              <a:buFontTx/>
-              <a:buNone/>
-              <a:tabLst/>
-              <a:defRPr/>
-            </a:pPr>
-            <a:endParaRPr lang="en-US" sz="1100" dirty="0">
-              <a:latin typeface="Palatino Linotype" panose="02040502050505030304" pitchFamily="18" charset="0"/>
+            <a:pPr algn="l"/>
+            <a:r>
+              <a:rPr lang="en-US" dirty="0">
+                <a:latin typeface="+mn-lt"/>
+              </a:rPr>
+              <a:t>The way in which attention works can be illustrated by way of a story.</a:t>
+            </a:r>
+          </a:p>
+          <a:p>
+            <a:pPr algn="l"/>
+            <a:endParaRPr lang="en-US" dirty="0">
+              <a:latin typeface="+mn-lt"/>
             </a:endParaRPr>
-          </a:p>
-          <a:p>
-            <a:pPr marL="0" marR="0" lvl="0" indent="0" algn="l" defTabSz="914400" rtl="0" eaLnBrk="1" fontAlgn="auto" latinLnBrk="0" hangingPunct="1">
-              <a:lnSpc>
-                <a:spcPct val="100000"/>
-              </a:lnSpc>
-              <a:spcBef>
-                <a:spcPts val="0"/>
-              </a:spcBef>
-              <a:spcAft>
-                <a:spcPts val="0"/>
-              </a:spcAft>
-              <a:buClrTx/>
-              <a:buSzTx/>
-              <a:buFontTx/>
-              <a:buNone/>
-              <a:tabLst/>
-              <a:defRPr/>
-            </a:pPr>
-            <a:r>
-              <a:rPr lang="en-US" sz="1100" dirty="0">
-                <a:latin typeface="Palatino Linotype" panose="02040502050505030304" pitchFamily="18" charset="0"/>
-              </a:rPr>
-              <a:t>=====</a:t>
-            </a:r>
-          </a:p>
-          <a:p>
-            <a:pPr marL="0" marR="0" lvl="0" indent="0" algn="l" defTabSz="914400" rtl="0" eaLnBrk="1" fontAlgn="auto" latinLnBrk="0" hangingPunct="1">
-              <a:lnSpc>
-                <a:spcPct val="100000"/>
-              </a:lnSpc>
-              <a:spcBef>
-                <a:spcPts val="0"/>
-              </a:spcBef>
-              <a:spcAft>
-                <a:spcPts val="0"/>
-              </a:spcAft>
-              <a:buClrTx/>
-              <a:buSzTx/>
-              <a:buFontTx/>
-              <a:buNone/>
-              <a:tabLst/>
-              <a:defRPr/>
-            </a:pPr>
-            <a:r>
-              <a:rPr lang="en-US" sz="1100" dirty="0">
-                <a:latin typeface="Palatino Linotype" panose="02040502050505030304" pitchFamily="18" charset="0"/>
-              </a:rPr>
-              <a:t>Original text from </a:t>
-            </a:r>
-            <a:r>
-              <a:rPr lang="en-US" sz="1100" i="1" dirty="0">
-                <a:latin typeface="Palatino Linotype" panose="02040502050505030304" pitchFamily="18" charset="0"/>
-              </a:rPr>
-              <a:t>Natural Language Processing with Transformers, </a:t>
-            </a:r>
-            <a:r>
-              <a:rPr lang="en-US" sz="1100" i="0" dirty="0">
-                <a:latin typeface="Palatino Linotype" panose="02040502050505030304" pitchFamily="18" charset="0"/>
-              </a:rPr>
-              <a:t>pages 3 - 4</a:t>
-            </a:r>
-            <a:endParaRPr lang="en-US" sz="1100" dirty="0">
-              <a:latin typeface="Palatino Linotype" panose="02040502050505030304" pitchFamily="18" charset="0"/>
-            </a:endParaRPr>
-          </a:p>
-          <a:p>
-            <a:pPr marL="0" marR="0" lvl="0" indent="0" algn="l" defTabSz="914400" rtl="0" eaLnBrk="1" fontAlgn="auto" latinLnBrk="0" hangingPunct="1">
-              <a:lnSpc>
-                <a:spcPct val="100000"/>
-              </a:lnSpc>
-              <a:spcBef>
-                <a:spcPts val="0"/>
-              </a:spcBef>
-              <a:spcAft>
-                <a:spcPts val="0"/>
-              </a:spcAft>
-              <a:buClrTx/>
-              <a:buSzTx/>
-              <a:buFontTx/>
-              <a:buNone/>
-              <a:tabLst/>
-              <a:defRPr/>
-            </a:pPr>
-            <a:endParaRPr lang="en-US" sz="1100" dirty="0">
-              <a:latin typeface="Palatino Linotype" panose="02040502050505030304" pitchFamily="18" charset="0"/>
-            </a:endParaRPr>
-          </a:p>
-          <a:p>
-            <a:pPr marL="0" marR="0" lvl="0" indent="0" algn="l" defTabSz="914400" rtl="0" eaLnBrk="1" fontAlgn="auto" latinLnBrk="0" hangingPunct="1">
-              <a:lnSpc>
-                <a:spcPct val="100000"/>
-              </a:lnSpc>
-              <a:spcBef>
-                <a:spcPts val="0"/>
-              </a:spcBef>
-              <a:spcAft>
-                <a:spcPts val="0"/>
-              </a:spcAft>
-              <a:buClrTx/>
-              <a:buSzTx/>
-              <a:buFontTx/>
-              <a:buNone/>
-              <a:tabLst/>
-              <a:defRPr/>
-            </a:pPr>
-            <a:r>
-              <a:rPr lang="en-US" sz="1100" dirty="0">
-                <a:latin typeface="Palatino Linotype" panose="02040502050505030304" pitchFamily="18" charset="0"/>
-              </a:rPr>
-              <a:t>One area where RNNs played an important role was in the development of machine translation systems, where the objective is to map a sequence of words in one language to another. This kind of task is usually tackled with an encoder-decoder or sequence-to-sequence architecture, which is well suited for situations where the input and output are both sequences of arbitrary length. The job of the encoder is to encode the information from the input sequence into a numerical representation that is often called the last hidden state. This state is then passed to the decoder, which generates the output sequence.</a:t>
-            </a:r>
-          </a:p>
-          <a:p>
-            <a:pPr marL="0" marR="0" lvl="0" indent="0" algn="l" defTabSz="914400" rtl="0" eaLnBrk="1" fontAlgn="auto" latinLnBrk="0" hangingPunct="1">
-              <a:lnSpc>
-                <a:spcPct val="100000"/>
-              </a:lnSpc>
-              <a:spcBef>
-                <a:spcPts val="0"/>
-              </a:spcBef>
-              <a:spcAft>
-                <a:spcPts val="0"/>
-              </a:spcAft>
-              <a:buClrTx/>
-              <a:buSzTx/>
-              <a:buFontTx/>
-              <a:buNone/>
-              <a:tabLst/>
-              <a:defRPr/>
-            </a:pPr>
-            <a:endParaRPr lang="en-US" sz="1100" dirty="0">
-              <a:latin typeface="Palatino Linotype" panose="02040502050505030304" pitchFamily="18" charset="0"/>
-            </a:endParaRPr>
-          </a:p>
-          <a:p>
-            <a:pPr marL="0" marR="0" lvl="0" indent="0" algn="l" defTabSz="914400" rtl="0" eaLnBrk="1" fontAlgn="auto" latinLnBrk="0" hangingPunct="1">
-              <a:lnSpc>
-                <a:spcPct val="100000"/>
-              </a:lnSpc>
-              <a:spcBef>
-                <a:spcPts val="0"/>
-              </a:spcBef>
-              <a:spcAft>
-                <a:spcPts val="0"/>
-              </a:spcAft>
-              <a:buClrTx/>
-              <a:buSzTx/>
-              <a:buFontTx/>
-              <a:buNone/>
-              <a:tabLst/>
-              <a:defRPr/>
-            </a:pPr>
-            <a:r>
-              <a:rPr lang="en-US" sz="1100" dirty="0">
-                <a:latin typeface="Palatino Linotype" panose="02040502050505030304" pitchFamily="18" charset="0"/>
-              </a:rPr>
-              <a:t>In general, the encoder and decoder components can be any kind of neural network architecture that can model sequences. This is illustrated for a pair of RNNs pictured here, where the English sentence “Transformers are great!” is encoded as a hidden state vector that is then decoded to produce the German translation “Transformer sind grossartig!” The input words are fed sequentially through the encoder and the output words are generated one at a time, from top to bottom.</a:t>
-            </a:r>
-          </a:p>
-          <a:p>
-            <a:pPr marL="0" marR="0" lvl="0" indent="0" algn="l" defTabSz="914400" rtl="0" eaLnBrk="1" fontAlgn="auto" latinLnBrk="0" hangingPunct="1">
-              <a:lnSpc>
-                <a:spcPct val="100000"/>
-              </a:lnSpc>
-              <a:spcBef>
-                <a:spcPts val="0"/>
-              </a:spcBef>
-              <a:spcAft>
-                <a:spcPts val="0"/>
-              </a:spcAft>
-              <a:buClrTx/>
-              <a:buSzTx/>
-              <a:buFontTx/>
-              <a:buNone/>
-              <a:tabLst/>
-              <a:defRPr/>
-            </a:pPr>
-            <a:endParaRPr lang="en-US" sz="1100" dirty="0">
-              <a:latin typeface="Palatino Linotype" panose="02040502050505030304" pitchFamily="18" charset="0"/>
-            </a:endParaRPr>
-          </a:p>
-          <a:p>
-            <a:pPr marL="0" marR="0" lvl="0" indent="0" algn="l" defTabSz="914400" rtl="0" eaLnBrk="1" fontAlgn="auto" latinLnBrk="0" hangingPunct="1">
-              <a:lnSpc>
-                <a:spcPct val="100000"/>
-              </a:lnSpc>
-              <a:spcBef>
-                <a:spcPts val="0"/>
-              </a:spcBef>
-              <a:spcAft>
-                <a:spcPts val="0"/>
-              </a:spcAft>
-              <a:buClrTx/>
-              <a:buSzTx/>
-              <a:buFontTx/>
-              <a:buNone/>
-              <a:tabLst/>
-              <a:defRPr/>
-            </a:pPr>
-            <a:r>
-              <a:rPr lang="en-US" sz="1100" dirty="0">
-                <a:latin typeface="Palatino Linotype" panose="02040502050505030304" pitchFamily="18" charset="0"/>
-              </a:rPr>
-              <a:t>Although elegant in its simplicity, one weakness of this architecture is that the final hidden state of the encoder creates an information bottleneck: it has to represent the meaning of the whole input sequence because this is all the decoder has access to when generating the output. This is especially challenging for long sequences, where information at the start of the sequence might be lost in the process of compressing everything to a single, fixed representation.</a:t>
-            </a:r>
-          </a:p>
-          <a:p>
-            <a:pPr marL="0" marR="0" lvl="0" indent="0" algn="l" defTabSz="914400" rtl="0" eaLnBrk="1" fontAlgn="auto" latinLnBrk="0" hangingPunct="1">
-              <a:lnSpc>
-                <a:spcPct val="100000"/>
-              </a:lnSpc>
-              <a:spcBef>
-                <a:spcPts val="0"/>
-              </a:spcBef>
-              <a:spcAft>
-                <a:spcPts val="0"/>
-              </a:spcAft>
-              <a:buClrTx/>
-              <a:buSzTx/>
-              <a:buFontTx/>
-              <a:buNone/>
-              <a:tabLst/>
-              <a:defRPr/>
-            </a:pPr>
-            <a:endParaRPr lang="en-US" sz="1100" dirty="0">
-              <a:latin typeface="Palatino Linotype" panose="02040502050505030304" pitchFamily="18" charset="0"/>
-            </a:endParaRPr>
-          </a:p>
-          <a:p>
-            <a:pPr marL="0" marR="0" lvl="0" indent="0" algn="l" defTabSz="914400" rtl="0" eaLnBrk="1" fontAlgn="auto" latinLnBrk="0" hangingPunct="1">
-              <a:lnSpc>
-                <a:spcPct val="100000"/>
-              </a:lnSpc>
-              <a:spcBef>
-                <a:spcPts val="0"/>
-              </a:spcBef>
-              <a:spcAft>
-                <a:spcPts val="0"/>
-              </a:spcAft>
-              <a:buClrTx/>
-              <a:buSzTx/>
-              <a:buFontTx/>
-              <a:buNone/>
-              <a:tabLst/>
-              <a:defRPr/>
-            </a:pPr>
-            <a:r>
-              <a:rPr lang="en-US" sz="1100" dirty="0">
-                <a:latin typeface="Palatino Linotype" panose="02040502050505030304" pitchFamily="18" charset="0"/>
-              </a:rPr>
-              <a:t>Fortunately, there is a way out of this bottleneck by allowing the decoder to have access to all of the encoder’s hidden states. The general mechanism for this is called attention, and it is a key component in many modern neural network architectures. </a:t>
-            </a:r>
           </a:p>
         </p:txBody>
       </p:sp>
@@ -2608,7 +2458,7 @@
     </p:spTree>
     <p:extLst>
       <p:ext uri="{BB962C8B-B14F-4D97-AF65-F5344CB8AC3E}">
-        <p14:creationId xmlns:p14="http://schemas.microsoft.com/office/powerpoint/2010/main" val="2538481723"/>
+        <p14:creationId xmlns:p14="http://schemas.microsoft.com/office/powerpoint/2010/main" val="157207674"/>
       </p:ext>
     </p:extLst>
   </p:cSld>
@@ -2662,32 +2512,104 @@
           <a:bodyPr/>
           <a:lstStyle/>
           <a:p>
-            <a:pPr marL="0" marR="0" lvl="0" indent="0" algn="l" defTabSz="914400" rtl="0" eaLnBrk="1" fontAlgn="auto" latinLnBrk="0" hangingPunct="1">
-              <a:lnSpc>
-                <a:spcPct val="100000"/>
-              </a:lnSpc>
-              <a:spcBef>
-                <a:spcPts val="0"/>
-              </a:spcBef>
-              <a:spcAft>
-                <a:spcPts val="0"/>
-              </a:spcAft>
-              <a:buClrTx/>
-              <a:buSzTx/>
-              <a:buFontTx/>
-              <a:buNone/>
-              <a:tabLst/>
-              <a:defRPr/>
+            <a:pPr algn="l"/>
+            <a:r>
+              <a:rPr lang="en-US" dirty="0"/>
+              <a:t>Suppose a friend sends us to the paint store with a request for a color that is </a:t>
+            </a:r>
+            <a:r>
+              <a:rPr lang="en-US" i="1" dirty="0"/>
+              <a:t>light yellow with a bit of dark orange</a:t>
+            </a:r>
+            <a:r>
+              <a:rPr lang="en-US" dirty="0"/>
+              <a:t>. But when we get there, the store has no color like that.  It looks like we'll have to mix a custom color.  So how do we do that?  Well, the first step is to search the store's existing inventory, checking the description on each can's label to see how closely it matches the request.  And to the extent it does, we include an appropriate amount of that color. As shown here, equal amounts of Sunny Yellow and Orange Crush have been used.  This makes sense because the labels on these two cans match our request for yellow and orange.  But what about Lunch *with* Teal?  Interestingly, that color is included because our request has the word 'with' in it, as does the can's label.  Thus, a small amount (10%) of Lunch **with** Teal is added to the mix.</a:t>
+            </a:r>
+          </a:p>
+          <a:p>
+            <a:pPr algn="l"/>
+            <a:endParaRPr lang="en-US" dirty="0"/>
+          </a:p>
+          <a:p>
+            <a:pPr marL="228600" indent="-228600" algn="l">
+              <a:buAutoNum type="arabicPeriod"/>
             </a:pPr>
             <a:r>
-              <a:rPr lang="en-US" b="0" i="0" dirty="0">
-                <a:solidFill>
-                  <a:srgbClr val="292929"/>
-                </a:solidFill>
-                <a:effectLst/>
-                <a:latin typeface="charter"/>
-              </a:rPr>
-              <a:t>Let’s visualize the bottleneck problem.  This animation shows how a RNN sequence-to-sequence model works. Each word is processed separately, with a single hidden state passed between words before being handed off to the decoder which generates the output.</a:t>
+              <a:rPr lang="en-US" dirty="0"/>
+              <a:t>So far, we've used everyday words to describe the attention process.  But in the literature, these terms are never used, only the technical equivalents listed in the table. You will encounter this technical vocabulary shortly in the hands-on exercise.</a:t>
+            </a:r>
+          </a:p>
+          <a:p>
+            <a:pPr algn="l"/>
+            <a:endParaRPr lang="en-US" dirty="0"/>
+          </a:p>
+          <a:p>
+            <a:pPr algn="l"/>
+            <a:r>
+              <a:rPr lang="en-US" dirty="0"/>
+              <a:t>=====</a:t>
+            </a:r>
+          </a:p>
+          <a:p>
+            <a:pPr algn="l"/>
+            <a:r>
+              <a:rPr lang="en-US" dirty="0"/>
+              <a:t>Suppose that you need to buy some paint, but all you’ve been told is that the color should be “light yellow with a bit of dark orange.”</a:t>
+            </a:r>
+          </a:p>
+          <a:p>
+            <a:pPr algn="l"/>
+            <a:endParaRPr lang="en-US" dirty="0"/>
+          </a:p>
+          <a:p>
+            <a:pPr algn="l"/>
+            <a:r>
+              <a:rPr lang="en-US" dirty="0"/>
+              <a:t>At the only paint store in town, the clerk on duty is new to the paint department and isn’t personally familiar with the colors. You both presume you’ll need to mix a few of their standard paints to get the color you want, but you don’t know which paints to choose or how much of each to use.</a:t>
+            </a:r>
+          </a:p>
+          <a:p>
+            <a:pPr algn="l"/>
+            <a:endParaRPr lang="en-US" dirty="0"/>
+          </a:p>
+          <a:p>
+            <a:pPr algn="l"/>
+            <a:r>
+              <a:rPr lang="en-US" dirty="0"/>
+              <a:t>The clerk suggests that you compare your desired color description with the color names on each can of paint they carry. Some names will probably match better than others. The clerk puts a funnel on top of an empty can and suggests that you pour in some of each can of paint on the shelves, guided by how well that can’s name matches your description. That is, you’ll compare your desired description “light yellow with a bit of dark orange” with what’s printed on the label of each can, and the better the match, the more of that paint you’ll pour into the funnel.</a:t>
+            </a:r>
+          </a:p>
+          <a:p>
+            <a:pPr algn="l"/>
+            <a:endParaRPr lang="en-US" dirty="0"/>
+          </a:p>
+          <a:p>
+            <a:pPr algn="l"/>
+            <a:r>
+              <a:rPr lang="en-US" dirty="0"/>
+              <a:t>The figure here shows the idea visually for six cans of paint. It shows their names and the quality of each name’s match with your desired color’s description. We got good matches on “Sunny Yellow” and “Orange Crush,” though a little bit of “Lunch with Teal” snuck in thanks to the match with the word “with.”</a:t>
+            </a:r>
+          </a:p>
+          <a:p>
+            <a:pPr algn="l"/>
+            <a:endParaRPr lang="en-US" dirty="0"/>
+          </a:p>
+          <a:p>
+            <a:pPr algn="l"/>
+            <a:r>
+              <a:rPr lang="en-US" dirty="0"/>
+              <a:t>There are three things to focus on in this story. First, there’s your request: “light yellow with a bit of dark orange.” Second, there’s the description on each can of paint, like “Sunny Yellow” or “Mellow Blue.” Third, there’s the content of the paint that’s actually inside each can. In the story, you compared your request with each can’s description to find out how well they match. The better the match, the more of that can’s content you used in the final mixture.</a:t>
+            </a:r>
+          </a:p>
+          <a:p>
+            <a:pPr algn="l"/>
+            <a:endParaRPr lang="en-US" dirty="0"/>
+          </a:p>
+          <a:p>
+            <a:pPr algn="l"/>
+            <a:r>
+              <a:rPr lang="en-US" dirty="0"/>
+              <a:t>That’s attention in a nutshell. Given a request, compare it to the description of each possible item and include some of the content of each item based on how well its description matches the request.</a:t>
             </a:r>
           </a:p>
         </p:txBody>
@@ -2718,7 +2640,7 @@
     </p:spTree>
     <p:extLst>
       <p:ext uri="{BB962C8B-B14F-4D97-AF65-F5344CB8AC3E}">
-        <p14:creationId xmlns:p14="http://schemas.microsoft.com/office/powerpoint/2010/main" val="376527333"/>
+        <p14:creationId xmlns:p14="http://schemas.microsoft.com/office/powerpoint/2010/main" val="832568139"/>
       </p:ext>
     </p:extLst>
   </p:cSld>
@@ -2791,7 +2713,7 @@
             </a:pPr>
             <a:r>
               <a:rPr lang="en-US" dirty="0"/>
-              <a:t>The main idea behind attention is that instead of producing a single hidden state for the input sequence, the encoder outputs a hidden state at each step that the decoder can access. However, using all the states at the same time would create a huge input for the decoder, so some mechanism is needed to prioritize which states to use. This is where attention comes in: it lets the decoder assign a different amount of weight, or “attention,” to each of the encoder states at every decoding timestep. This process is illustrated here, where the role of attention is shown for predicting the third token in the output sequence.</a:t>
+              <a:t>The key idea behind attention is as follows:  rather than produce a single (or final) hidden state to represent an input sequence, the encoder outputs a hidden state at each step, with all states accessible to the decoder.  However, using all those states at the same time would create a huge input for the decoder.  Thus, we need a mechanism to prioritize which states to use.  Attention does just that.  It lets the decoder assign a different amount of weight, or “attention,” to each of the encoder states at each decoding timestep.  The role of attention is shown here as the decoder predicts the second token in an output sequence.</a:t>
             </a:r>
           </a:p>
           <a:p>
@@ -2834,7 +2756,7 @@
             </a:pPr>
             <a:r>
               <a:rPr lang="en-US" dirty="0"/>
-              <a:t>By focusing on which input tokens are most relevant at each timestep, these attention-based models are able to learn nontrivial alignments between the words in a generated translation and those in a source sentence. </a:t>
+              <a:t>By focusing on which input tokens are most relevant at each timestep, attention-based models can learn nontrivial alignments between the words in a generated translation and those in a source sentence. </a:t>
             </a:r>
           </a:p>
         </p:txBody>
@@ -2937,8 +2859,14 @@
               <a:defRPr/>
             </a:pPr>
             <a:r>
-              <a:rPr lang="en-US" dirty="0"/>
-              <a:t>Although attention enabled the production of much better translations, there was still a major shortcoming with using recurrent models for the encoder and decoder: the computations are inherently sequential and cannot be parallelized across the input sequence.</a:t>
+              <a:rPr lang="en-US" b="0" i="0" dirty="0">
+                <a:solidFill>
+                  <a:srgbClr val="292929"/>
+                </a:solidFill>
+                <a:effectLst/>
+                <a:latin typeface="charter"/>
+              </a:rPr>
+              <a:t>… and here’s what attention looks like as a simulation.  Rather than encode the whole sentence in a single hidden state, each word’s hidden state is passed to the decoder.  All of these hidden states, in turn, are then used at each step of the decoding process.  </a:t>
             </a:r>
           </a:p>
           <a:p>
@@ -2959,7 +2887,13 @@
               <a:tabLst/>
               <a:defRPr/>
             </a:pPr>
-            <a:endParaRPr lang="en-US" dirty="0"/>
+            <a:endParaRPr lang="en-US" b="0" i="0" dirty="0">
+              <a:solidFill>
+                <a:srgbClr val="292929"/>
+              </a:solidFill>
+              <a:effectLst/>
+              <a:latin typeface="charter"/>
+            </a:endParaRPr>
           </a:p>
           <a:p>
             <a:pPr marL="0" marR="0" lvl="0" indent="0" algn="l" defTabSz="914400" rtl="0" eaLnBrk="1" fontAlgn="auto" latinLnBrk="0" hangingPunct="1">
@@ -2979,50 +2913,13 @@
               <a:tabLst/>
               <a:defRPr/>
             </a:pPr>
-            <a:r>
-              <a:rPr lang="en-US" dirty="0"/>
-              <a:t>With the transformer, a new modeling paradigm was introduced: dispense with recurrence altogether, and instead rely entirely on a special form of attention called self-attention. The basic idea is to allow attention to operate on all the states in the same layer of the neural network. This is shown here, where both the encoder and the decoder have their own self-attention mechanisms, whose outputs are fed to feed-forward neural networks (FF NNs). This architecture can be trained much faster than recurrent models and paved the way for many of the recent breakthroughs in NLP.</a:t>
-            </a:r>
-          </a:p>
-          <a:p>
-            <a:pPr marL="0" marR="0" lvl="0" indent="0" algn="l" defTabSz="914400" rtl="0" eaLnBrk="1" fontAlgn="auto" latinLnBrk="0" hangingPunct="1">
-              <a:lnSpc>
-                <a:spcPct val="100000"/>
-              </a:lnSpc>
-              <a:spcBef>
-                <a:spcPts val="0"/>
-              </a:spcBef>
-              <a:spcAft>
-                <a:spcPts val="0"/>
-              </a:spcAft>
-              <a:buClrTx/>
-              <a:buSzTx/>
-              <a:buFontTx/>
-              <a:buNone/>
-              <a:tabLst/>
-              <a:defRPr/>
-            </a:pPr>
-            <a:endParaRPr lang="en-US" dirty="0"/>
-          </a:p>
-          <a:p>
-            <a:pPr marL="0" marR="0" lvl="0" indent="0" algn="l" defTabSz="914400" rtl="0" eaLnBrk="1" fontAlgn="auto" latinLnBrk="0" hangingPunct="1">
-              <a:lnSpc>
-                <a:spcPct val="100000"/>
-              </a:lnSpc>
-              <a:spcBef>
-                <a:spcPts val="0"/>
-              </a:spcBef>
-              <a:spcAft>
-                <a:spcPts val="0"/>
-              </a:spcAft>
-              <a:buClrTx/>
-              <a:buSzTx/>
-              <a:buFontTx/>
-              <a:buNone/>
-              <a:tabLst/>
-              <a:defRPr/>
-            </a:pPr>
-            <a:endParaRPr lang="en-US" dirty="0"/>
+            <a:endParaRPr lang="en-US" b="0" i="0" dirty="0">
+              <a:solidFill>
+                <a:srgbClr val="292929"/>
+              </a:solidFill>
+              <a:effectLst/>
+              <a:latin typeface="charter"/>
+            </a:endParaRPr>
           </a:p>
         </p:txBody>
       </p:sp>
@@ -3052,7 +2949,7 @@
     </p:spTree>
     <p:extLst>
       <p:ext uri="{BB962C8B-B14F-4D97-AF65-F5344CB8AC3E}">
-        <p14:creationId xmlns:p14="http://schemas.microsoft.com/office/powerpoint/2010/main" val="627985707"/>
+        <p14:creationId xmlns:p14="http://schemas.microsoft.com/office/powerpoint/2010/main" val="1875875773"/>
       </p:ext>
     </p:extLst>
   </p:cSld>
@@ -3209,7 +3106,7 @@
           <a:p>
             <a:fld id="{C3F78080-8D0A-4BE8-A5B4-CB115102D524}" type="datetimeFigureOut">
               <a:rPr lang="en-US" smtClean="0"/>
-              <a:t>7/6/2022</a:t>
+              <a:t>7/14/2022</a:t>
             </a:fld>
             <a:endParaRPr lang="en-US"/>
           </a:p>
@@ -3407,7 +3304,7 @@
           <a:p>
             <a:fld id="{C3F78080-8D0A-4BE8-A5B4-CB115102D524}" type="datetimeFigureOut">
               <a:rPr lang="en-US" smtClean="0"/>
-              <a:t>7/6/2022</a:t>
+              <a:t>7/14/2022</a:t>
             </a:fld>
             <a:endParaRPr lang="en-US"/>
           </a:p>
@@ -3615,7 +3512,7 @@
           <a:p>
             <a:fld id="{C3F78080-8D0A-4BE8-A5B4-CB115102D524}" type="datetimeFigureOut">
               <a:rPr lang="en-US" smtClean="0"/>
-              <a:t>7/6/2022</a:t>
+              <a:t>7/14/2022</a:t>
             </a:fld>
             <a:endParaRPr lang="en-US"/>
           </a:p>
@@ -3813,7 +3710,7 @@
           <a:p>
             <a:fld id="{C3F78080-8D0A-4BE8-A5B4-CB115102D524}" type="datetimeFigureOut">
               <a:rPr lang="en-US" smtClean="0"/>
-              <a:t>7/6/2022</a:t>
+              <a:t>7/14/2022</a:t>
             </a:fld>
             <a:endParaRPr lang="en-US"/>
           </a:p>
@@ -4088,7 +3985,7 @@
           <a:p>
             <a:fld id="{C3F78080-8D0A-4BE8-A5B4-CB115102D524}" type="datetimeFigureOut">
               <a:rPr lang="en-US" smtClean="0"/>
-              <a:t>7/6/2022</a:t>
+              <a:t>7/14/2022</a:t>
             </a:fld>
             <a:endParaRPr lang="en-US"/>
           </a:p>
@@ -4353,7 +4250,7 @@
           <a:p>
             <a:fld id="{C3F78080-8D0A-4BE8-A5B4-CB115102D524}" type="datetimeFigureOut">
               <a:rPr lang="en-US" smtClean="0"/>
-              <a:t>7/6/2022</a:t>
+              <a:t>7/14/2022</a:t>
             </a:fld>
             <a:endParaRPr lang="en-US"/>
           </a:p>
@@ -4765,7 +4662,7 @@
           <a:p>
             <a:fld id="{C3F78080-8D0A-4BE8-A5B4-CB115102D524}" type="datetimeFigureOut">
               <a:rPr lang="en-US" smtClean="0"/>
-              <a:t>7/6/2022</a:t>
+              <a:t>7/14/2022</a:t>
             </a:fld>
             <a:endParaRPr lang="en-US"/>
           </a:p>
@@ -4906,7 +4803,7 @@
           <a:p>
             <a:fld id="{C3F78080-8D0A-4BE8-A5B4-CB115102D524}" type="datetimeFigureOut">
               <a:rPr lang="en-US" smtClean="0"/>
-              <a:t>7/6/2022</a:t>
+              <a:t>7/14/2022</a:t>
             </a:fld>
             <a:endParaRPr lang="en-US"/>
           </a:p>
@@ -5019,7 +4916,7 @@
           <a:p>
             <a:fld id="{C3F78080-8D0A-4BE8-A5B4-CB115102D524}" type="datetimeFigureOut">
               <a:rPr lang="en-US" smtClean="0"/>
-              <a:t>7/6/2022</a:t>
+              <a:t>7/14/2022</a:t>
             </a:fld>
             <a:endParaRPr lang="en-US"/>
           </a:p>
@@ -5330,7 +5227,7 @@
           <a:p>
             <a:fld id="{C3F78080-8D0A-4BE8-A5B4-CB115102D524}" type="datetimeFigureOut">
               <a:rPr lang="en-US" smtClean="0"/>
-              <a:t>7/6/2022</a:t>
+              <a:t>7/14/2022</a:t>
             </a:fld>
             <a:endParaRPr lang="en-US"/>
           </a:p>
@@ -5618,7 +5515,7 @@
           <a:p>
             <a:fld id="{C3F78080-8D0A-4BE8-A5B4-CB115102D524}" type="datetimeFigureOut">
               <a:rPr lang="en-US" smtClean="0"/>
-              <a:t>7/6/2022</a:t>
+              <a:t>7/14/2022</a:t>
             </a:fld>
             <a:endParaRPr lang="en-US"/>
           </a:p>
@@ -5859,7 +5756,7 @@
           <a:p>
             <a:fld id="{C3F78080-8D0A-4BE8-A5B4-CB115102D524}" type="datetimeFigureOut">
               <a:rPr lang="en-US" smtClean="0"/>
-              <a:t>7/6/2022</a:t>
+              <a:t>7/14/2022</a:t>
             </a:fld>
             <a:endParaRPr lang="en-US"/>
           </a:p>
@@ -6392,30 +6289,20 @@
       </p:grpSpPr>
       <p:pic>
         <p:nvPicPr>
-          <p:cNvPr id="2050" name="Picture 2">
+          <p:cNvPr id="4098" name="Picture 2" descr="transformer-self-attn">
             <a:extLst>
               <a:ext uri="{FF2B5EF4-FFF2-40B4-BE49-F238E27FC236}">
-                <a16:creationId xmlns:a16="http://schemas.microsoft.com/office/drawing/2014/main" id="{E896329B-50C0-4434-8083-5AF2A8C36B9F}"/>
+                <a16:creationId xmlns:a16="http://schemas.microsoft.com/office/drawing/2014/main" id="{E48BEBC0-7E08-4B16-BA46-BE71D8FF1C97}"/>
               </a:ext>
             </a:extLst>
           </p:cNvPr>
           <p:cNvPicPr>
-            <a:picLocks noChangeAspect="1" noChangeArrowheads="1" noCrop="1"/>
+            <a:picLocks noChangeAspect="1" noChangeArrowheads="1"/>
           </p:cNvPicPr>
           <p:nvPr/>
         </p:nvPicPr>
         <p:blipFill>
           <a:blip r:embed="rId3">
-            <a:clrChange>
-              <a:clrFrom>
-                <a:srgbClr val="FEFCFE"/>
-              </a:clrFrom>
-              <a:clrTo>
-                <a:srgbClr val="FEFCFE">
-                  <a:alpha val="0"/>
-                </a:srgbClr>
-              </a:clrTo>
-            </a:clrChange>
             <a:extLst>
               <a:ext uri="{28A0092B-C50C-407E-A947-70E740481C1C}">
                 <a14:useLocalDpi xmlns:a14="http://schemas.microsoft.com/office/drawing/2010/main" val="0"/>
@@ -6429,8 +6316,8 @@
         </p:blipFill>
         <p:spPr bwMode="auto">
           <a:xfrm>
-            <a:off x="1935474" y="1828120"/>
-            <a:ext cx="8321051" cy="3647394"/>
+            <a:off x="1123950" y="2235708"/>
+            <a:ext cx="9944100" cy="2386584"/>
           </a:xfrm>
           <a:prstGeom prst="rect">
             <a:avLst/>
@@ -6449,10 +6336,10 @@
       </p:pic>
       <p:sp>
         <p:nvSpPr>
-          <p:cNvPr id="3" name="TextBox 2">
+          <p:cNvPr id="4" name="TextBox 3">
             <a:extLst>
               <a:ext uri="{FF2B5EF4-FFF2-40B4-BE49-F238E27FC236}">
-                <a16:creationId xmlns:a16="http://schemas.microsoft.com/office/drawing/2014/main" id="{63D11E46-A811-4E72-888D-3A814E300EDA}"/>
+                <a16:creationId xmlns:a16="http://schemas.microsoft.com/office/drawing/2014/main" id="{7530BD8D-AB63-44BD-962E-C622287F485F}"/>
               </a:ext>
             </a:extLst>
           </p:cNvPr>
@@ -6486,15 +6373,92 @@
                 <a:latin typeface="+mj-lt"/>
                 <a:ea typeface="Verdana" panose="020B0604030504040204" pitchFamily="34" charset="0"/>
               </a:rPr>
-              <a:t>Image Credit: https://towardsdatascience.com/transformers-141e32e69591 </a:t>
-            </a:r>
+              <a:t>Source: Tunstall, L., et al (2022). </a:t>
+            </a:r>
+            <a:r>
+              <a:rPr lang="en-US" sz="1400" i="1" dirty="0">
+                <a:solidFill>
+                  <a:schemeClr val="tx1">
+                    <a:lumMod val="65000"/>
+                    <a:lumOff val="35000"/>
+                  </a:schemeClr>
+                </a:solidFill>
+                <a:latin typeface="+mj-lt"/>
+                <a:ea typeface="Verdana" panose="020B0604030504040204" pitchFamily="34" charset="0"/>
+              </a:rPr>
+              <a:t>Natural Language Processing with Transformers</a:t>
+            </a:r>
+            <a:r>
+              <a:rPr lang="en-US" sz="1400" dirty="0">
+                <a:solidFill>
+                  <a:schemeClr val="tx1">
+                    <a:lumMod val="65000"/>
+                    <a:lumOff val="35000"/>
+                  </a:schemeClr>
+                </a:solidFill>
+                <a:latin typeface="+mj-lt"/>
+                <a:ea typeface="Verdana" panose="020B0604030504040204" pitchFamily="34" charset="0"/>
+              </a:rPr>
+              <a:t>. </a:t>
+            </a:r>
+            <a:r>
+              <a:rPr lang="en-US" sz="1400" b="0" i="0" dirty="0">
+                <a:solidFill>
+                  <a:schemeClr val="tx1">
+                    <a:lumMod val="65000"/>
+                    <a:lumOff val="35000"/>
+                  </a:schemeClr>
+                </a:solidFill>
+                <a:effectLst/>
+                <a:latin typeface="+mj-lt"/>
+                <a:ea typeface="Verdana" panose="020B0604030504040204" pitchFamily="34" charset="0"/>
+              </a:rPr>
+              <a:t>Sebastopol, CA: </a:t>
+            </a:r>
+            <a:r>
+              <a:rPr lang="en-US" sz="1400" dirty="0">
+                <a:solidFill>
+                  <a:schemeClr val="tx1">
+                    <a:lumMod val="65000"/>
+                    <a:lumOff val="35000"/>
+                  </a:schemeClr>
+                </a:solidFill>
+                <a:latin typeface="+mj-lt"/>
+                <a:ea typeface="Verdana" panose="020B0604030504040204" pitchFamily="34" charset="0"/>
+              </a:rPr>
+              <a:t>O’Reilly Publishing</a:t>
+            </a:r>
+            <a:r>
+              <a:rPr lang="en-US" sz="1400" b="0" i="0" dirty="0">
+                <a:solidFill>
+                  <a:schemeClr val="tx1">
+                    <a:lumMod val="65000"/>
+                    <a:lumOff val="35000"/>
+                  </a:schemeClr>
+                </a:solidFill>
+                <a:effectLst/>
+                <a:latin typeface="+mj-lt"/>
+                <a:ea typeface="Verdana" panose="020B0604030504040204" pitchFamily="34" charset="0"/>
+              </a:rPr>
+              <a:t>. (Chapter 1)</a:t>
+            </a:r>
+            <a:endParaRPr lang="en-US" sz="1400" dirty="0">
+              <a:solidFill>
+                <a:schemeClr val="tx1">
+                  <a:lumMod val="65000"/>
+                  <a:lumOff val="35000"/>
+                </a:schemeClr>
+              </a:solidFill>
+              <a:latin typeface="+mj-lt"/>
+              <a:ea typeface="Verdana" panose="020B0604030504040204" pitchFamily="34" charset="0"/>
+            </a:endParaRPr>
           </a:p>
         </p:txBody>
       </p:sp>
     </p:spTree>
     <p:extLst>
       <p:ext uri="{BB962C8B-B14F-4D97-AF65-F5344CB8AC3E}">
-        <p14:creationId xmlns:p14="http://schemas.microsoft.com/office/powerpoint/2010/main" val="1412244647"/>
+        <p14:creationId xmlns:p14="http://schemas.microsoft.com/office/powerpoint/2010/main" val="1684263449"/>
       </p:ext>
     </p:extLst>
   </p:cSld>
@@ -6535,10 +6499,71 @@
       </p:grpSpPr>
       <p:sp>
         <p:nvSpPr>
-          <p:cNvPr id="2" name="TextBox 1">
+          <p:cNvPr id="4" name="Title 3">
             <a:extLst>
               <a:ext uri="{FF2B5EF4-FFF2-40B4-BE49-F238E27FC236}">
-                <a16:creationId xmlns:a16="http://schemas.microsoft.com/office/drawing/2014/main" id="{972AA37F-DBAA-4EE3-8C19-A1FD245B7F39}"/>
+                <a16:creationId xmlns:a16="http://schemas.microsoft.com/office/drawing/2014/main" id="{5EBC47B3-2231-4C7D-9F46-767148520D27}"/>
+              </a:ext>
+            </a:extLst>
+          </p:cNvPr>
+          <p:cNvSpPr>
+            <a:spLocks noGrp="1"/>
+          </p:cNvSpPr>
+          <p:nvPr>
+            <p:ph type="title"/>
+          </p:nvPr>
+        </p:nvSpPr>
+        <p:spPr/>
+        <p:txBody>
+          <a:bodyPr/>
+          <a:lstStyle/>
+          <a:p>
+            <a:endParaRPr lang="en-US"/>
+          </a:p>
+        </p:txBody>
+      </p:sp>
+      <p:pic>
+        <p:nvPicPr>
+          <p:cNvPr id="3" name="Picture 2" descr="Diagram, text&#10;&#10;Description automatically generated">
+            <a:extLst>
+              <a:ext uri="{FF2B5EF4-FFF2-40B4-BE49-F238E27FC236}">
+                <a16:creationId xmlns:a16="http://schemas.microsoft.com/office/drawing/2014/main" id="{FB501741-390D-4668-9BDF-1DA4FFB3392E}"/>
+              </a:ext>
+            </a:extLst>
+          </p:cNvPr>
+          <p:cNvPicPr>
+            <a:picLocks noChangeAspect="1"/>
+          </p:cNvPicPr>
+          <p:nvPr/>
+        </p:nvPicPr>
+        <p:blipFill>
+          <a:blip r:embed="rId3">
+            <a:extLst>
+              <a:ext uri="{28A0092B-C50C-407E-A947-70E740481C1C}">
+                <a14:useLocalDpi xmlns:a14="http://schemas.microsoft.com/office/drawing/2010/main" val="0"/>
+              </a:ext>
+            </a:extLst>
+          </a:blip>
+          <a:stretch>
+            <a:fillRect/>
+          </a:stretch>
+        </p:blipFill>
+        <p:spPr>
+          <a:xfrm>
+            <a:off x="3665043" y="2511044"/>
+            <a:ext cx="5405096" cy="2327312"/>
+          </a:xfrm>
+          <a:prstGeom prst="rect">
+            <a:avLst/>
+          </a:prstGeom>
+        </p:spPr>
+      </p:pic>
+      <p:sp>
+        <p:nvSpPr>
+          <p:cNvPr id="5" name="TextBox 4">
+            <a:extLst>
+              <a:ext uri="{FF2B5EF4-FFF2-40B4-BE49-F238E27FC236}">
+                <a16:creationId xmlns:a16="http://schemas.microsoft.com/office/drawing/2014/main" id="{378615B4-A275-4B59-A557-CEA636308EDE}"/>
               </a:ext>
             </a:extLst>
           </p:cNvPr>
@@ -6572,72 +6597,92 @@
                 <a:latin typeface="+mj-lt"/>
                 <a:ea typeface="Verdana" panose="020B0604030504040204" pitchFamily="34" charset="0"/>
               </a:rPr>
-              <a:t>Image Credit: https://towardsdatascience.com/transformers-141e32e69591 </a:t>
-            </a:r>
-          </a:p>
-        </p:txBody>
-      </p:sp>
-      <p:pic>
-        <p:nvPicPr>
-          <p:cNvPr id="1026" name="Picture 2">
-            <a:extLst>
-              <a:ext uri="{FF2B5EF4-FFF2-40B4-BE49-F238E27FC236}">
-                <a16:creationId xmlns:a16="http://schemas.microsoft.com/office/drawing/2014/main" id="{C22DAAE5-0F26-4DE4-8828-750AFF652D04}"/>
-              </a:ext>
-            </a:extLst>
-          </p:cNvPr>
-          <p:cNvPicPr>
-            <a:picLocks noChangeAspect="1" noChangeArrowheads="1" noCrop="1"/>
-          </p:cNvPicPr>
-          <p:nvPr/>
-        </p:nvPicPr>
-        <p:blipFill>
-          <a:blip r:embed="rId3">
-            <a:clrChange>
-              <a:clrFrom>
-                <a:srgbClr val="FFFDFF"/>
-              </a:clrFrom>
-              <a:clrTo>
-                <a:srgbClr val="FFFDFF">
-                  <a:alpha val="0"/>
-                </a:srgbClr>
-              </a:clrTo>
-            </a:clrChange>
-            <a:extLst>
-              <a:ext uri="{28A0092B-C50C-407E-A947-70E740481C1C}">
-                <a14:useLocalDpi xmlns:a14="http://schemas.microsoft.com/office/drawing/2010/main" val="0"/>
-              </a:ext>
-            </a:extLst>
-          </a:blip>
-          <a:srcRect/>
-          <a:stretch>
-            <a:fillRect/>
-          </a:stretch>
-        </p:blipFill>
-        <p:spPr bwMode="auto">
-          <a:xfrm>
-            <a:off x="2214837" y="1740694"/>
-            <a:ext cx="7762326" cy="3376612"/>
-          </a:xfrm>
-          <a:prstGeom prst="rect">
-            <a:avLst/>
-          </a:prstGeom>
-          <a:noFill/>
-          <a:extLst>
-            <a:ext uri="{909E8E84-426E-40DD-AFC4-6F175D3DCCD1}">
-              <a14:hiddenFill xmlns:a14="http://schemas.microsoft.com/office/drawing/2010/main">
+              <a:t>Source: Tunstall, L., et al (2022). </a:t>
+            </a:r>
+            <a:r>
+              <a:rPr lang="en-US" sz="1400" i="1" dirty="0">
                 <a:solidFill>
-                  <a:srgbClr val="FFFFFF"/>
+                  <a:schemeClr val="tx1">
+                    <a:lumMod val="65000"/>
+                    <a:lumOff val="35000"/>
+                  </a:schemeClr>
                 </a:solidFill>
-              </a14:hiddenFill>
-            </a:ext>
-          </a:extLst>
-        </p:spPr>
-      </p:pic>
+                <a:latin typeface="+mj-lt"/>
+                <a:ea typeface="Verdana" panose="020B0604030504040204" pitchFamily="34" charset="0"/>
+              </a:rPr>
+              <a:t>Natural Language Processing with Transformers</a:t>
+            </a:r>
+            <a:r>
+              <a:rPr lang="en-US" sz="1400" dirty="0">
+                <a:solidFill>
+                  <a:schemeClr val="tx1">
+                    <a:lumMod val="65000"/>
+                    <a:lumOff val="35000"/>
+                  </a:schemeClr>
+                </a:solidFill>
+                <a:latin typeface="+mj-lt"/>
+                <a:ea typeface="Verdana" panose="020B0604030504040204" pitchFamily="34" charset="0"/>
+              </a:rPr>
+              <a:t>. </a:t>
+            </a:r>
+            <a:r>
+              <a:rPr lang="en-US" sz="1400" b="0" i="0" dirty="0">
+                <a:solidFill>
+                  <a:schemeClr val="tx1">
+                    <a:lumMod val="65000"/>
+                    <a:lumOff val="35000"/>
+                  </a:schemeClr>
+                </a:solidFill>
+                <a:effectLst/>
+                <a:latin typeface="+mj-lt"/>
+                <a:ea typeface="Verdana" panose="020B0604030504040204" pitchFamily="34" charset="0"/>
+              </a:rPr>
+              <a:t>Sebastopol, CA: </a:t>
+            </a:r>
+            <a:r>
+              <a:rPr lang="en-US" sz="1400" dirty="0">
+                <a:solidFill>
+                  <a:schemeClr val="tx1">
+                    <a:lumMod val="65000"/>
+                    <a:lumOff val="35000"/>
+                  </a:schemeClr>
+                </a:solidFill>
+                <a:latin typeface="+mj-lt"/>
+                <a:ea typeface="Verdana" panose="020B0604030504040204" pitchFamily="34" charset="0"/>
+              </a:rPr>
+              <a:t>O’Reilly Publishing</a:t>
+            </a:r>
+            <a:r>
+              <a:rPr lang="en-US" sz="1400" b="0" i="0" dirty="0">
+                <a:solidFill>
+                  <a:schemeClr val="tx1">
+                    <a:lumMod val="65000"/>
+                    <a:lumOff val="35000"/>
+                  </a:schemeClr>
+                </a:solidFill>
+                <a:effectLst/>
+                <a:latin typeface="+mj-lt"/>
+                <a:ea typeface="Verdana" panose="020B0604030504040204" pitchFamily="34" charset="0"/>
+              </a:rPr>
+              <a:t>. (Chapter 1)</a:t>
+            </a:r>
+            <a:endParaRPr lang="en-US" sz="1400" dirty="0">
+              <a:solidFill>
+                <a:schemeClr val="tx1">
+                  <a:lumMod val="65000"/>
+                  <a:lumOff val="35000"/>
+                </a:schemeClr>
+              </a:solidFill>
+              <a:latin typeface="+mj-lt"/>
+              <a:ea typeface="Verdana" panose="020B0604030504040204" pitchFamily="34" charset="0"/>
+            </a:endParaRPr>
+          </a:p>
+        </p:txBody>
+      </p:sp>
     </p:spTree>
     <p:extLst>
       <p:ext uri="{BB962C8B-B14F-4D97-AF65-F5344CB8AC3E}">
-        <p14:creationId xmlns:p14="http://schemas.microsoft.com/office/powerpoint/2010/main" val="3058826215"/>
+        <p14:creationId xmlns:p14="http://schemas.microsoft.com/office/powerpoint/2010/main" val="1795047914"/>
       </p:ext>
     </p:extLst>
   </p:cSld>
@@ -6676,42 +6721,17 @@
           <a:chExt cx="0" cy="0"/>
         </a:xfrm>
       </p:grpSpPr>
-      <p:sp>
-        <p:nvSpPr>
-          <p:cNvPr id="4" name="Title 3">
-            <a:extLst>
-              <a:ext uri="{FF2B5EF4-FFF2-40B4-BE49-F238E27FC236}">
-                <a16:creationId xmlns:a16="http://schemas.microsoft.com/office/drawing/2014/main" id="{5EBC47B3-2231-4C7D-9F46-767148520D27}"/>
-              </a:ext>
-            </a:extLst>
-          </p:cNvPr>
-          <p:cNvSpPr>
-            <a:spLocks noGrp="1"/>
-          </p:cNvSpPr>
-          <p:nvPr>
-            <p:ph type="title"/>
-          </p:nvPr>
-        </p:nvSpPr>
-        <p:spPr/>
-        <p:txBody>
-          <a:bodyPr/>
-          <a:lstStyle/>
-          <a:p>
-            <a:endParaRPr lang="en-US"/>
-          </a:p>
-        </p:txBody>
-      </p:sp>
       <p:pic>
         <p:nvPicPr>
-          <p:cNvPr id="3" name="Picture 2" descr="Diagram, text&#10;&#10;Description automatically generated">
+          <p:cNvPr id="2050" name="Picture 2">
             <a:extLst>
               <a:ext uri="{FF2B5EF4-FFF2-40B4-BE49-F238E27FC236}">
-                <a16:creationId xmlns:a16="http://schemas.microsoft.com/office/drawing/2014/main" id="{FB501741-390D-4668-9BDF-1DA4FFB3392E}"/>
+                <a16:creationId xmlns:a16="http://schemas.microsoft.com/office/drawing/2014/main" id="{D6FBD5FB-F364-404F-BA46-9C6009146A13}"/>
               </a:ext>
             </a:extLst>
           </p:cNvPr>
           <p:cNvPicPr>
-            <a:picLocks noChangeAspect="1"/>
+            <a:picLocks noChangeAspect="1" noChangeArrowheads="1"/>
           </p:cNvPicPr>
           <p:nvPr/>
         </p:nvPicPr>
@@ -6723,26 +6743,37 @@
               </a:ext>
             </a:extLst>
           </a:blip>
+          <a:srcRect/>
           <a:stretch>
             <a:fillRect/>
           </a:stretch>
         </p:blipFill>
-        <p:spPr>
+        <p:spPr bwMode="auto">
           <a:xfrm>
-            <a:off x="3665043" y="2511044"/>
-            <a:ext cx="5405096" cy="2327312"/>
+            <a:off x="603130" y="388304"/>
+            <a:ext cx="10985740" cy="6081392"/>
           </a:xfrm>
           <a:prstGeom prst="rect">
             <a:avLst/>
           </a:prstGeom>
+          <a:noFill/>
+          <a:extLst>
+            <a:ext uri="{909E8E84-426E-40DD-AFC4-6F175D3DCCD1}">
+              <a14:hiddenFill xmlns:a14="http://schemas.microsoft.com/office/drawing/2010/main">
+                <a:solidFill>
+                  <a:srgbClr val="FFFFFF"/>
+                </a:solidFill>
+              </a14:hiddenFill>
+            </a:ext>
+          </a:extLst>
         </p:spPr>
       </p:pic>
       <p:sp>
         <p:nvSpPr>
-          <p:cNvPr id="5" name="TextBox 4">
+          <p:cNvPr id="3" name="TextBox 2">
             <a:extLst>
               <a:ext uri="{FF2B5EF4-FFF2-40B4-BE49-F238E27FC236}">
-                <a16:creationId xmlns:a16="http://schemas.microsoft.com/office/drawing/2014/main" id="{378615B4-A275-4B59-A557-CEA636308EDE}"/>
+                <a16:creationId xmlns:a16="http://schemas.microsoft.com/office/drawing/2014/main" id="{3EDE0501-7B98-4E41-A070-AA3D936E6885}"/>
               </a:ext>
             </a:extLst>
           </p:cNvPr>
@@ -6776,92 +6807,15 @@
                 <a:latin typeface="+mj-lt"/>
                 <a:ea typeface="Verdana" panose="020B0604030504040204" pitchFamily="34" charset="0"/>
               </a:rPr>
-              <a:t>Source: Tunstall, L., et al (2022). </a:t>
-            </a:r>
-            <a:r>
-              <a:rPr lang="en-US" sz="1400" i="1" dirty="0">
-                <a:solidFill>
-                  <a:schemeClr val="tx1">
-                    <a:lumMod val="65000"/>
-                    <a:lumOff val="35000"/>
-                  </a:schemeClr>
-                </a:solidFill>
-                <a:latin typeface="+mj-lt"/>
-                <a:ea typeface="Verdana" panose="020B0604030504040204" pitchFamily="34" charset="0"/>
-              </a:rPr>
-              <a:t>Natural Language Processing with Transformers</a:t>
-            </a:r>
-            <a:r>
-              <a:rPr lang="en-US" sz="1400" dirty="0">
-                <a:solidFill>
-                  <a:schemeClr val="tx1">
-                    <a:lumMod val="65000"/>
-                    <a:lumOff val="35000"/>
-                  </a:schemeClr>
-                </a:solidFill>
-                <a:latin typeface="+mj-lt"/>
-                <a:ea typeface="Verdana" panose="020B0604030504040204" pitchFamily="34" charset="0"/>
-              </a:rPr>
-              <a:t>. </a:t>
-            </a:r>
-            <a:r>
-              <a:rPr lang="en-US" sz="1400" b="0" i="0" dirty="0">
-                <a:solidFill>
-                  <a:schemeClr val="tx1">
-                    <a:lumMod val="65000"/>
-                    <a:lumOff val="35000"/>
-                  </a:schemeClr>
-                </a:solidFill>
-                <a:effectLst/>
-                <a:latin typeface="+mj-lt"/>
-                <a:ea typeface="Verdana" panose="020B0604030504040204" pitchFamily="34" charset="0"/>
-              </a:rPr>
-              <a:t>Sebastopol, CA: </a:t>
-            </a:r>
-            <a:r>
-              <a:rPr lang="en-US" sz="1400" dirty="0">
-                <a:solidFill>
-                  <a:schemeClr val="tx1">
-                    <a:lumMod val="65000"/>
-                    <a:lumOff val="35000"/>
-                  </a:schemeClr>
-                </a:solidFill>
-                <a:latin typeface="+mj-lt"/>
-                <a:ea typeface="Verdana" panose="020B0604030504040204" pitchFamily="34" charset="0"/>
-              </a:rPr>
-              <a:t>O’Reilly Publishing</a:t>
-            </a:r>
-            <a:r>
-              <a:rPr lang="en-US" sz="1400" b="0" i="0" dirty="0">
-                <a:solidFill>
-                  <a:schemeClr val="tx1">
-                    <a:lumMod val="65000"/>
-                    <a:lumOff val="35000"/>
-                  </a:schemeClr>
-                </a:solidFill>
-                <a:effectLst/>
-                <a:latin typeface="+mj-lt"/>
-                <a:ea typeface="Verdana" panose="020B0604030504040204" pitchFamily="34" charset="0"/>
-              </a:rPr>
-              <a:t>. (Chapter 1)</a:t>
-            </a:r>
-            <a:endParaRPr lang="en-US" sz="1400" dirty="0">
-              <a:solidFill>
-                <a:schemeClr val="tx1">
-                  <a:lumMod val="65000"/>
-                  <a:lumOff val="35000"/>
-                </a:schemeClr>
-              </a:solidFill>
-              <a:latin typeface="+mj-lt"/>
-              <a:ea typeface="Verdana" panose="020B0604030504040204" pitchFamily="34" charset="0"/>
-            </a:endParaRPr>
+              <a:t>Image Credit: https://towardsdatascience.com/transformers-141e32e69591 </a:t>
+            </a:r>
           </a:p>
         </p:txBody>
       </p:sp>
     </p:spTree>
     <p:extLst>
       <p:ext uri="{BB962C8B-B14F-4D97-AF65-F5344CB8AC3E}">
-        <p14:creationId xmlns:p14="http://schemas.microsoft.com/office/powerpoint/2010/main" val="1795047914"/>
+        <p14:creationId xmlns:p14="http://schemas.microsoft.com/office/powerpoint/2010/main" val="2772687448"/>
       </p:ext>
     </p:extLst>
   </p:cSld>
@@ -6900,22 +6854,76 @@
           <a:chExt cx="0" cy="0"/>
         </a:xfrm>
       </p:grpSpPr>
+      <p:sp>
+        <p:nvSpPr>
+          <p:cNvPr id="2" name="TextBox 1">
+            <a:extLst>
+              <a:ext uri="{FF2B5EF4-FFF2-40B4-BE49-F238E27FC236}">
+                <a16:creationId xmlns:a16="http://schemas.microsoft.com/office/drawing/2014/main" id="{972AA37F-DBAA-4EE3-8C19-A1FD245B7F39}"/>
+              </a:ext>
+            </a:extLst>
+          </p:cNvPr>
+          <p:cNvSpPr txBox="1"/>
+          <p:nvPr/>
+        </p:nvSpPr>
+        <p:spPr>
+          <a:xfrm>
+            <a:off x="0" y="6550223"/>
+            <a:ext cx="12192000" cy="307777"/>
+          </a:xfrm>
+          <a:prstGeom prst="rect">
+            <a:avLst/>
+          </a:prstGeom>
+          <a:noFill/>
+        </p:spPr>
+        <p:txBody>
+          <a:bodyPr wrap="square" rtlCol="0">
+            <a:spAutoFit/>
+          </a:bodyPr>
+          <a:lstStyle/>
+          <a:p>
+            <a:r>
+              <a:rPr lang="en-US" sz="1400" dirty="0">
+                <a:solidFill>
+                  <a:schemeClr val="tx1">
+                    <a:lumMod val="65000"/>
+                    <a:lumOff val="35000"/>
+                  </a:schemeClr>
+                </a:solidFill>
+                <a:latin typeface="+mj-lt"/>
+                <a:ea typeface="Verdana" panose="020B0604030504040204" pitchFamily="34" charset="0"/>
+              </a:rPr>
+              <a:t>Image Credit: https://towardsdatascience.com/transformers-141e32e69591 </a:t>
+            </a:r>
+          </a:p>
+        </p:txBody>
+      </p:sp>
       <p:pic>
         <p:nvPicPr>
-          <p:cNvPr id="2050" name="Picture 2">
+          <p:cNvPr id="1026" name="Picture 2">
             <a:extLst>
               <a:ext uri="{FF2B5EF4-FFF2-40B4-BE49-F238E27FC236}">
-                <a16:creationId xmlns:a16="http://schemas.microsoft.com/office/drawing/2014/main" id="{D6FBD5FB-F364-404F-BA46-9C6009146A13}"/>
+                <a16:creationId xmlns:a16="http://schemas.microsoft.com/office/drawing/2014/main" id="{C22DAAE5-0F26-4DE4-8828-750AFF652D04}"/>
               </a:ext>
             </a:extLst>
           </p:cNvPr>
           <p:cNvPicPr>
-            <a:picLocks noChangeAspect="1" noChangeArrowheads="1"/>
+            <a:picLocks noChangeAspect="1" noChangeArrowheads="1" noCrop="1"/>
           </p:cNvPicPr>
           <p:nvPr/>
         </p:nvPicPr>
         <p:blipFill>
           <a:blip r:embed="rId3">
+            <a:clrChange>
+              <a:clrFrom>
+                <a:srgbClr val="FFFDFF"/>
+              </a:clrFrom>
+              <a:clrTo>
+                <a:srgbClr val="FFFDFF">
+                  <a:alpha val="0"/>
+                </a:srgbClr>
+              </a:clrTo>
+            </a:clrChange>
             <a:extLst>
               <a:ext uri="{28A0092B-C50C-407E-A947-70E740481C1C}">
                 <a14:useLocalDpi xmlns:a14="http://schemas.microsoft.com/office/drawing/2010/main" val="0"/>
@@ -6929,8 +6937,8 @@
         </p:blipFill>
         <p:spPr bwMode="auto">
           <a:xfrm>
-            <a:off x="603130" y="388304"/>
-            <a:ext cx="10985740" cy="6081392"/>
+            <a:off x="2214837" y="1740694"/>
+            <a:ext cx="7762326" cy="3376612"/>
           </a:xfrm>
           <a:prstGeom prst="rect">
             <a:avLst/>
@@ -6947,54 +6955,10 @@
           </a:extLst>
         </p:spPr>
       </p:pic>
-      <p:sp>
-        <p:nvSpPr>
-          <p:cNvPr id="3" name="TextBox 2">
-            <a:extLst>
-              <a:ext uri="{FF2B5EF4-FFF2-40B4-BE49-F238E27FC236}">
-                <a16:creationId xmlns:a16="http://schemas.microsoft.com/office/drawing/2014/main" id="{3EDE0501-7B98-4E41-A070-AA3D936E6885}"/>
-              </a:ext>
-            </a:extLst>
-          </p:cNvPr>
-          <p:cNvSpPr txBox="1"/>
-          <p:nvPr/>
-        </p:nvSpPr>
-        <p:spPr>
-          <a:xfrm>
-            <a:off x="0" y="6550223"/>
-            <a:ext cx="12192000" cy="307777"/>
-          </a:xfrm>
-          <a:prstGeom prst="rect">
-            <a:avLst/>
-          </a:prstGeom>
-          <a:noFill/>
-        </p:spPr>
-        <p:txBody>
-          <a:bodyPr wrap="square" rtlCol="0">
-            <a:spAutoFit/>
-          </a:bodyPr>
-          <a:lstStyle/>
-          <a:p>
-            <a:r>
-              <a:rPr lang="en-US" sz="1400" dirty="0">
-                <a:solidFill>
-                  <a:schemeClr val="tx1">
-                    <a:lumMod val="65000"/>
-                    <a:lumOff val="35000"/>
-                  </a:schemeClr>
-                </a:solidFill>
-                <a:latin typeface="+mj-lt"/>
-                <a:ea typeface="Verdana" panose="020B0604030504040204" pitchFamily="34" charset="0"/>
-              </a:rPr>
-              <a:t>Image Credit: https://towardsdatascience.com/transformers-141e32e69591 </a:t>
-            </a:r>
-          </a:p>
-        </p:txBody>
-      </p:sp>
     </p:spTree>
     <p:extLst>
       <p:ext uri="{BB962C8B-B14F-4D97-AF65-F5344CB8AC3E}">
-        <p14:creationId xmlns:p14="http://schemas.microsoft.com/office/powerpoint/2010/main" val="2772687448"/>
+        <p14:creationId xmlns:p14="http://schemas.microsoft.com/office/powerpoint/2010/main" val="3058826215"/>
       </p:ext>
     </p:extLst>
   </p:cSld>
@@ -7993,12 +7957,59 @@
           <a:chExt cx="0" cy="0"/>
         </a:xfrm>
       </p:grpSpPr>
-      <p:sp>
-        <p:nvSpPr>
-          <p:cNvPr id="3" name="TextBox 2">
+      <p:pic>
+        <p:nvPicPr>
+          <p:cNvPr id="1026" name="Picture 2" descr="rnn">
             <a:extLst>
               <a:ext uri="{FF2B5EF4-FFF2-40B4-BE49-F238E27FC236}">
-                <a16:creationId xmlns:a16="http://schemas.microsoft.com/office/drawing/2014/main" id="{E90DC7AC-FE00-4591-931C-A07C2562C5A0}"/>
+                <a16:creationId xmlns:a16="http://schemas.microsoft.com/office/drawing/2014/main" id="{561207FA-3A34-4741-93B0-069226A91387}"/>
+              </a:ext>
+            </a:extLst>
+          </p:cNvPr>
+          <p:cNvPicPr>
+            <a:picLocks noChangeAspect="1" noChangeArrowheads="1"/>
+          </p:cNvPicPr>
+          <p:nvPr/>
+        </p:nvPicPr>
+        <p:blipFill>
+          <a:blip r:embed="rId3">
+            <a:extLst>
+              <a:ext uri="{28A0092B-C50C-407E-A947-70E740481C1C}">
+                <a14:useLocalDpi xmlns:a14="http://schemas.microsoft.com/office/drawing/2010/main" val="0"/>
+              </a:ext>
+            </a:extLst>
+          </a:blip>
+          <a:srcRect/>
+          <a:stretch>
+            <a:fillRect/>
+          </a:stretch>
+        </p:blipFill>
+        <p:spPr bwMode="auto">
+          <a:xfrm>
+            <a:off x="2419251" y="2240184"/>
+            <a:ext cx="7353498" cy="2377631"/>
+          </a:xfrm>
+          <a:prstGeom prst="rect">
+            <a:avLst/>
+          </a:prstGeom>
+          <a:noFill/>
+          <a:extLst>
+            <a:ext uri="{909E8E84-426E-40DD-AFC4-6F175D3DCCD1}">
+              <a14:hiddenFill xmlns:a14="http://schemas.microsoft.com/office/drawing/2010/main">
+                <a:solidFill>
+                  <a:srgbClr val="FFFFFF"/>
+                </a:solidFill>
+              </a14:hiddenFill>
+            </a:ext>
+          </a:extLst>
+        </p:spPr>
+      </p:pic>
+      <p:sp>
+        <p:nvSpPr>
+          <p:cNvPr id="8" name="TextBox 7">
+            <a:extLst>
+              <a:ext uri="{FF2B5EF4-FFF2-40B4-BE49-F238E27FC236}">
+                <a16:creationId xmlns:a16="http://schemas.microsoft.com/office/drawing/2014/main" id="{63A07B37-0A00-4021-BDD3-1302B867EFEA}"/>
               </a:ext>
             </a:extLst>
           </p:cNvPr>
@@ -8032,7 +8043,7 @@
                 <a:latin typeface="+mj-lt"/>
                 <a:ea typeface="Verdana" panose="020B0604030504040204" pitchFamily="34" charset="0"/>
               </a:rPr>
-              <a:t>Source: Glassner, A. (2021). </a:t>
+              <a:t>Source: Tunstall, L., et al (2022). </a:t>
             </a:r>
             <a:r>
               <a:rPr lang="en-US" sz="1400" i="1" dirty="0">
@@ -8045,7 +8056,7 @@
                 <a:latin typeface="+mj-lt"/>
                 <a:ea typeface="Verdana" panose="020B0604030504040204" pitchFamily="34" charset="0"/>
               </a:rPr>
-              <a:t>Deep learning: A visual approach</a:t>
+              <a:t>Natural Language Processing with Transformers</a:t>
             </a:r>
             <a:r>
               <a:rPr lang="en-US" sz="1400" dirty="0">
@@ -8072,7 +8083,7 @@
                 <a:latin typeface="+mj-lt"/>
                 <a:ea typeface="Verdana" panose="020B0604030504040204" pitchFamily="34" charset="0"/>
               </a:rPr>
-              <a:t>San Francisco, CA: No Starch Press. (Chapter </a:t>
+              <a:t>Sebastopol, CA: </a:t>
             </a:r>
             <a:r>
               <a:rPr lang="en-US" sz="1400" dirty="0">
@@ -8085,7 +8096,7 @@
                 <a:latin typeface="+mj-lt"/>
                 <a:ea typeface="Verdana" panose="020B0604030504040204" pitchFamily="34" charset="0"/>
               </a:rPr>
-              <a:t>20</a:t>
+              <a:t>O’Reilly Publishing</a:t>
             </a:r>
             <a:r>
               <a:rPr lang="en-US" sz="1400" b="0" i="0" dirty="0">
@@ -8099,7 +8110,7 @@
                 <a:latin typeface="+mj-lt"/>
                 <a:ea typeface="Verdana" panose="020B0604030504040204" pitchFamily="34" charset="0"/>
               </a:rPr>
-              <a:t>)</a:t>
+              <a:t>. (Chapter 1)</a:t>
             </a:r>
             <a:endParaRPr lang="en-US" sz="1400" dirty="0">
               <a:solidFill>
@@ -8114,85 +8125,10 @@
           </a:p>
         </p:txBody>
       </p:sp>
-      <p:sp>
-        <p:nvSpPr>
-          <p:cNvPr id="8" name="TextBox 7">
-            <a:extLst>
-              <a:ext uri="{FF2B5EF4-FFF2-40B4-BE49-F238E27FC236}">
-                <a16:creationId xmlns:a16="http://schemas.microsoft.com/office/drawing/2014/main" id="{6422EA5F-8454-4344-A7DE-423FF92B8601}"/>
-              </a:ext>
-            </a:extLst>
-          </p:cNvPr>
-          <p:cNvSpPr txBox="1"/>
-          <p:nvPr/>
-        </p:nvSpPr>
-        <p:spPr>
-          <a:xfrm>
-            <a:off x="3175000" y="3136612"/>
-            <a:ext cx="6616700" cy="584775"/>
-          </a:xfrm>
-          <a:prstGeom prst="rect">
-            <a:avLst/>
-          </a:prstGeom>
-          <a:noFill/>
-        </p:spPr>
-        <p:txBody>
-          <a:bodyPr wrap="square" rtlCol="0">
-            <a:spAutoFit/>
-          </a:bodyPr>
-          <a:lstStyle/>
-          <a:p>
-            <a:pPr algn="ctr"/>
-            <a:r>
-              <a:rPr lang="en-US" sz="3200" dirty="0">
-                <a:latin typeface="Palatino Linotype" panose="02040502050505030304" pitchFamily="18" charset="0"/>
-              </a:rPr>
-              <a:t>I saw a big dog eat his dinner</a:t>
-            </a:r>
-          </a:p>
-        </p:txBody>
-      </p:sp>
-      <p:pic>
-        <p:nvPicPr>
-          <p:cNvPr id="5" name="Picture 4">
-            <a:extLst>
-              <a:ext uri="{FF2B5EF4-FFF2-40B4-BE49-F238E27FC236}">
-                <a16:creationId xmlns:a16="http://schemas.microsoft.com/office/drawing/2014/main" id="{F6257FCE-BB0F-47BC-A1F4-AE5CF1E6292F}"/>
-              </a:ext>
-            </a:extLst>
-          </p:cNvPr>
-          <p:cNvPicPr>
-            <a:picLocks noChangeAspect="1"/>
-          </p:cNvPicPr>
-          <p:nvPr/>
-        </p:nvPicPr>
-        <p:blipFill>
-          <a:blip r:embed="rId3"/>
-          <a:stretch>
-            <a:fillRect/>
-          </a:stretch>
-        </p:blipFill>
-        <p:spPr>
-          <a:xfrm>
-            <a:off x="-13855" y="20775"/>
-            <a:ext cx="1790700" cy="635000"/>
-          </a:xfrm>
-          <a:prstGeom prst="rect">
-            <a:avLst/>
-          </a:prstGeom>
-          <a:effectLst>
-            <a:outerShdw blurRad="50800" dist="38100" dir="2700000" algn="tl" rotWithShape="0">
-              <a:prstClr val="black">
-                <a:alpha val="40000"/>
-              </a:prstClr>
-            </a:outerShdw>
-          </a:effectLst>
-        </p:spPr>
-      </p:pic>
     </p:spTree>
     <p:extLst>
       <p:ext uri="{BB962C8B-B14F-4D97-AF65-F5344CB8AC3E}">
-        <p14:creationId xmlns:p14="http://schemas.microsoft.com/office/powerpoint/2010/main" val="3848559915"/>
+        <p14:creationId xmlns:p14="http://schemas.microsoft.com/office/powerpoint/2010/main" val="1123888976"/>
       </p:ext>
     </p:extLst>
   </p:cSld>
@@ -8233,10 +8169,10 @@
       </p:grpSpPr>
       <p:pic>
         <p:nvPicPr>
-          <p:cNvPr id="1026" name="Picture 2" descr="F20010">
+          <p:cNvPr id="2050" name="Picture 2" descr="enc-dec">
             <a:extLst>
               <a:ext uri="{FF2B5EF4-FFF2-40B4-BE49-F238E27FC236}">
-                <a16:creationId xmlns:a16="http://schemas.microsoft.com/office/drawing/2014/main" id="{114ECFDE-71CF-45E4-85CE-E8B3576A5F7F}"/>
+                <a16:creationId xmlns:a16="http://schemas.microsoft.com/office/drawing/2014/main" id="{3932E7A2-AC74-4616-8E73-8BE6E621CA05}"/>
               </a:ext>
             </a:extLst>
           </p:cNvPr>
@@ -8247,16 +8183,6 @@
         </p:nvPicPr>
         <p:blipFill>
           <a:blip r:embed="rId3">
-            <a:clrChange>
-              <a:clrFrom>
-                <a:srgbClr val="FFFFFF"/>
-              </a:clrFrom>
-              <a:clrTo>
-                <a:srgbClr val="FFFFFF">
-                  <a:alpha val="0"/>
-                </a:srgbClr>
-              </a:clrTo>
-            </a:clrChange>
             <a:extLst>
               <a:ext uri="{28A0092B-C50C-407E-A947-70E740481C1C}">
                 <a14:useLocalDpi xmlns:a14="http://schemas.microsoft.com/office/drawing/2010/main" val="0"/>
@@ -8270,8 +8196,8 @@
         </p:blipFill>
         <p:spPr bwMode="auto">
           <a:xfrm>
-            <a:off x="1484378" y="2593521"/>
-            <a:ext cx="9223243" cy="1670957"/>
+            <a:off x="2304409" y="1925002"/>
+            <a:ext cx="7583181" cy="3007995"/>
           </a:xfrm>
           <a:prstGeom prst="rect">
             <a:avLst/>
@@ -8290,10 +8216,10 @@
       </p:pic>
       <p:sp>
         <p:nvSpPr>
-          <p:cNvPr id="3" name="TextBox 2">
+          <p:cNvPr id="4" name="TextBox 3">
             <a:extLst>
               <a:ext uri="{FF2B5EF4-FFF2-40B4-BE49-F238E27FC236}">
-                <a16:creationId xmlns:a16="http://schemas.microsoft.com/office/drawing/2014/main" id="{E90DC7AC-FE00-4591-931C-A07C2562C5A0}"/>
+                <a16:creationId xmlns:a16="http://schemas.microsoft.com/office/drawing/2014/main" id="{62096B2A-7B7D-4F4B-B458-A97B0FDB961D}"/>
               </a:ext>
             </a:extLst>
           </p:cNvPr>
@@ -8327,7 +8253,7 @@
                 <a:latin typeface="+mj-lt"/>
                 <a:ea typeface="Verdana" panose="020B0604030504040204" pitchFamily="34" charset="0"/>
               </a:rPr>
-              <a:t>Source: Glassner, A. (2021). </a:t>
+              <a:t>Source: Tunstall, L., et al (2022). </a:t>
             </a:r>
             <a:r>
               <a:rPr lang="en-US" sz="1400" i="1" dirty="0">
@@ -8340,7 +8266,7 @@
                 <a:latin typeface="+mj-lt"/>
                 <a:ea typeface="Verdana" panose="020B0604030504040204" pitchFamily="34" charset="0"/>
               </a:rPr>
-              <a:t>Deep learning: A visual approach</a:t>
+              <a:t>Natural Language Processing with Transformers</a:t>
             </a:r>
             <a:r>
               <a:rPr lang="en-US" sz="1400" dirty="0">
@@ -8367,7 +8293,7 @@
                 <a:latin typeface="+mj-lt"/>
                 <a:ea typeface="Verdana" panose="020B0604030504040204" pitchFamily="34" charset="0"/>
               </a:rPr>
-              <a:t>San Francisco, CA: No Starch Press. (Chapter </a:t>
+              <a:t>Sebastopol, CA: </a:t>
             </a:r>
             <a:r>
               <a:rPr lang="en-US" sz="1400" dirty="0">
@@ -8380,7 +8306,7 @@
                 <a:latin typeface="+mj-lt"/>
                 <a:ea typeface="Verdana" panose="020B0604030504040204" pitchFamily="34" charset="0"/>
               </a:rPr>
-              <a:t>20</a:t>
+              <a:t>O’Reilly Publishing</a:t>
             </a:r>
             <a:r>
               <a:rPr lang="en-US" sz="1400" b="0" i="0" dirty="0">
@@ -8394,7 +8320,7 @@
                 <a:latin typeface="+mj-lt"/>
                 <a:ea typeface="Verdana" panose="020B0604030504040204" pitchFamily="34" charset="0"/>
               </a:rPr>
-              <a:t>)</a:t>
+              <a:t>. (Chapter 1)</a:t>
             </a:r>
             <a:endParaRPr lang="en-US" sz="1400" dirty="0">
               <a:solidFill>
@@ -8409,47 +8335,10 @@
           </a:p>
         </p:txBody>
       </p:sp>
-      <p:pic>
-        <p:nvPicPr>
-          <p:cNvPr id="6" name="Picture 5">
-            <a:extLst>
-              <a:ext uri="{FF2B5EF4-FFF2-40B4-BE49-F238E27FC236}">
-                <a16:creationId xmlns:a16="http://schemas.microsoft.com/office/drawing/2014/main" id="{6735E562-6BDB-4BAF-9A39-63881DBFE630}"/>
-              </a:ext>
-            </a:extLst>
-          </p:cNvPr>
-          <p:cNvPicPr>
-            <a:picLocks noChangeAspect="1"/>
-          </p:cNvPicPr>
-          <p:nvPr/>
-        </p:nvPicPr>
-        <p:blipFill>
-          <a:blip r:embed="rId4"/>
-          <a:stretch>
-            <a:fillRect/>
-          </a:stretch>
-        </p:blipFill>
-        <p:spPr>
-          <a:xfrm>
-            <a:off x="-13855" y="20775"/>
-            <a:ext cx="1790700" cy="635000"/>
-          </a:xfrm>
-          <a:prstGeom prst="rect">
-            <a:avLst/>
-          </a:prstGeom>
-          <a:effectLst>
-            <a:outerShdw blurRad="50800" dist="38100" dir="2700000" algn="tl" rotWithShape="0">
-              <a:prstClr val="black">
-                <a:alpha val="40000"/>
-              </a:prstClr>
-            </a:outerShdw>
-          </a:effectLst>
-        </p:spPr>
-      </p:pic>
     </p:spTree>
     <p:extLst>
       <p:ext uri="{BB962C8B-B14F-4D97-AF65-F5344CB8AC3E}">
-        <p14:creationId xmlns:p14="http://schemas.microsoft.com/office/powerpoint/2010/main" val="3783675430"/>
+        <p14:creationId xmlns:p14="http://schemas.microsoft.com/office/powerpoint/2010/main" val="2431498119"/>
       </p:ext>
     </p:extLst>
   </p:cSld>
@@ -8490,20 +8379,30 @@
       </p:grpSpPr>
       <p:pic>
         <p:nvPicPr>
-          <p:cNvPr id="1026" name="Picture 2" descr="rnn">
+          <p:cNvPr id="1026" name="Picture 2">
             <a:extLst>
               <a:ext uri="{FF2B5EF4-FFF2-40B4-BE49-F238E27FC236}">
-                <a16:creationId xmlns:a16="http://schemas.microsoft.com/office/drawing/2014/main" id="{561207FA-3A34-4741-93B0-069226A91387}"/>
+                <a16:creationId xmlns:a16="http://schemas.microsoft.com/office/drawing/2014/main" id="{C47ED13A-501C-4362-B556-F2503F6187F3}"/>
               </a:ext>
             </a:extLst>
           </p:cNvPr>
           <p:cNvPicPr>
-            <a:picLocks noChangeAspect="1" noChangeArrowheads="1"/>
+            <a:picLocks noChangeAspect="1" noChangeArrowheads="1" noCrop="1"/>
           </p:cNvPicPr>
           <p:nvPr/>
         </p:nvPicPr>
         <p:blipFill>
           <a:blip r:embed="rId3">
+            <a:clrChange>
+              <a:clrFrom>
+                <a:srgbClr val="FEFCFE"/>
+              </a:clrFrom>
+              <a:clrTo>
+                <a:srgbClr val="FEFCFE">
+                  <a:alpha val="0"/>
+                </a:srgbClr>
+              </a:clrTo>
+            </a:clrChange>
             <a:extLst>
               <a:ext uri="{28A0092B-C50C-407E-A947-70E740481C1C}">
                 <a14:useLocalDpi xmlns:a14="http://schemas.microsoft.com/office/drawing/2010/main" val="0"/>
@@ -8517,8 +8416,8 @@
         </p:blipFill>
         <p:spPr bwMode="auto">
           <a:xfrm>
-            <a:off x="2419251" y="2240184"/>
-            <a:ext cx="7353498" cy="2377631"/>
+            <a:off x="1672651" y="1807709"/>
+            <a:ext cx="8846697" cy="3907291"/>
           </a:xfrm>
           <a:prstGeom prst="rect">
             <a:avLst/>
@@ -8537,10 +8436,10 @@
       </p:pic>
       <p:sp>
         <p:nvSpPr>
-          <p:cNvPr id="8" name="TextBox 7">
+          <p:cNvPr id="5" name="TextBox 4">
             <a:extLst>
               <a:ext uri="{FF2B5EF4-FFF2-40B4-BE49-F238E27FC236}">
-                <a16:creationId xmlns:a16="http://schemas.microsoft.com/office/drawing/2014/main" id="{63A07B37-0A00-4021-BDD3-1302B867EFEA}"/>
+                <a16:creationId xmlns:a16="http://schemas.microsoft.com/office/drawing/2014/main" id="{81F4C7A8-209C-474B-BBCF-98F1EE29E285}"/>
               </a:ext>
             </a:extLst>
           </p:cNvPr>
@@ -8574,92 +8473,15 @@
                 <a:latin typeface="+mj-lt"/>
                 <a:ea typeface="Verdana" panose="020B0604030504040204" pitchFamily="34" charset="0"/>
               </a:rPr>
-              <a:t>Source: Tunstall, L., et al (2022). </a:t>
-            </a:r>
-            <a:r>
-              <a:rPr lang="en-US" sz="1400" i="1" dirty="0">
-                <a:solidFill>
-                  <a:schemeClr val="tx1">
-                    <a:lumMod val="65000"/>
-                    <a:lumOff val="35000"/>
-                  </a:schemeClr>
-                </a:solidFill>
-                <a:latin typeface="+mj-lt"/>
-                <a:ea typeface="Verdana" panose="020B0604030504040204" pitchFamily="34" charset="0"/>
-              </a:rPr>
-              <a:t>Natural Language Processing with Transformers</a:t>
-            </a:r>
-            <a:r>
-              <a:rPr lang="en-US" sz="1400" dirty="0">
-                <a:solidFill>
-                  <a:schemeClr val="tx1">
-                    <a:lumMod val="65000"/>
-                    <a:lumOff val="35000"/>
-                  </a:schemeClr>
-                </a:solidFill>
-                <a:latin typeface="+mj-lt"/>
-                <a:ea typeface="Verdana" panose="020B0604030504040204" pitchFamily="34" charset="0"/>
-              </a:rPr>
-              <a:t>. </a:t>
-            </a:r>
-            <a:r>
-              <a:rPr lang="en-US" sz="1400" b="0" i="0" dirty="0">
-                <a:solidFill>
-                  <a:schemeClr val="tx1">
-                    <a:lumMod val="65000"/>
-                    <a:lumOff val="35000"/>
-                  </a:schemeClr>
-                </a:solidFill>
-                <a:effectLst/>
-                <a:latin typeface="+mj-lt"/>
-                <a:ea typeface="Verdana" panose="020B0604030504040204" pitchFamily="34" charset="0"/>
-              </a:rPr>
-              <a:t>Sebastopol, CA: </a:t>
-            </a:r>
-            <a:r>
-              <a:rPr lang="en-US" sz="1400" dirty="0">
-                <a:solidFill>
-                  <a:schemeClr val="tx1">
-                    <a:lumMod val="65000"/>
-                    <a:lumOff val="35000"/>
-                  </a:schemeClr>
-                </a:solidFill>
-                <a:latin typeface="+mj-lt"/>
-                <a:ea typeface="Verdana" panose="020B0604030504040204" pitchFamily="34" charset="0"/>
-              </a:rPr>
-              <a:t>O’Reilly Publishing</a:t>
-            </a:r>
-            <a:r>
-              <a:rPr lang="en-US" sz="1400" b="0" i="0" dirty="0">
-                <a:solidFill>
-                  <a:schemeClr val="tx1">
-                    <a:lumMod val="65000"/>
-                    <a:lumOff val="35000"/>
-                  </a:schemeClr>
-                </a:solidFill>
-                <a:effectLst/>
-                <a:latin typeface="+mj-lt"/>
-                <a:ea typeface="Verdana" panose="020B0604030504040204" pitchFamily="34" charset="0"/>
-              </a:rPr>
-              <a:t>. (Chapter 1)</a:t>
-            </a:r>
-            <a:endParaRPr lang="en-US" sz="1400" dirty="0">
-              <a:solidFill>
-                <a:schemeClr val="tx1">
-                  <a:lumMod val="65000"/>
-                  <a:lumOff val="35000"/>
-                </a:schemeClr>
-              </a:solidFill>
-              <a:latin typeface="+mj-lt"/>
-              <a:ea typeface="Verdana" panose="020B0604030504040204" pitchFamily="34" charset="0"/>
-            </a:endParaRPr>
+              <a:t>Image Credit: https://towardsdatascience.com/transformers-141e32e69591 </a:t>
+            </a:r>
           </a:p>
         </p:txBody>
       </p:sp>
     </p:spTree>
     <p:extLst>
       <p:ext uri="{BB962C8B-B14F-4D97-AF65-F5344CB8AC3E}">
-        <p14:creationId xmlns:p14="http://schemas.microsoft.com/office/powerpoint/2010/main" val="1123888976"/>
+        <p14:creationId xmlns:p14="http://schemas.microsoft.com/office/powerpoint/2010/main" val="2843395467"/>
       </p:ext>
     </p:extLst>
   </p:cSld>
@@ -8698,59 +8520,12 @@
           <a:chExt cx="0" cy="0"/>
         </a:xfrm>
       </p:grpSpPr>
-      <p:pic>
-        <p:nvPicPr>
-          <p:cNvPr id="2050" name="Picture 2" descr="enc-dec">
+      <p:sp>
+        <p:nvSpPr>
+          <p:cNvPr id="3" name="TextBox 2">
             <a:extLst>
               <a:ext uri="{FF2B5EF4-FFF2-40B4-BE49-F238E27FC236}">
-                <a16:creationId xmlns:a16="http://schemas.microsoft.com/office/drawing/2014/main" id="{3932E7A2-AC74-4616-8E73-8BE6E621CA05}"/>
-              </a:ext>
-            </a:extLst>
-          </p:cNvPr>
-          <p:cNvPicPr>
-            <a:picLocks noChangeAspect="1" noChangeArrowheads="1"/>
-          </p:cNvPicPr>
-          <p:nvPr/>
-        </p:nvPicPr>
-        <p:blipFill>
-          <a:blip r:embed="rId3">
-            <a:extLst>
-              <a:ext uri="{28A0092B-C50C-407E-A947-70E740481C1C}">
-                <a14:useLocalDpi xmlns:a14="http://schemas.microsoft.com/office/drawing/2010/main" val="0"/>
-              </a:ext>
-            </a:extLst>
-          </a:blip>
-          <a:srcRect/>
-          <a:stretch>
-            <a:fillRect/>
-          </a:stretch>
-        </p:blipFill>
-        <p:spPr bwMode="auto">
-          <a:xfrm>
-            <a:off x="2304409" y="1925002"/>
-            <a:ext cx="7583181" cy="3007995"/>
-          </a:xfrm>
-          <a:prstGeom prst="rect">
-            <a:avLst/>
-          </a:prstGeom>
-          <a:noFill/>
-          <a:extLst>
-            <a:ext uri="{909E8E84-426E-40DD-AFC4-6F175D3DCCD1}">
-              <a14:hiddenFill xmlns:a14="http://schemas.microsoft.com/office/drawing/2010/main">
-                <a:solidFill>
-                  <a:srgbClr val="FFFFFF"/>
-                </a:solidFill>
-              </a14:hiddenFill>
-            </a:ext>
-          </a:extLst>
-        </p:spPr>
-      </p:pic>
-      <p:sp>
-        <p:nvSpPr>
-          <p:cNvPr id="4" name="TextBox 3">
-            <a:extLst>
-              <a:ext uri="{FF2B5EF4-FFF2-40B4-BE49-F238E27FC236}">
-                <a16:creationId xmlns:a16="http://schemas.microsoft.com/office/drawing/2014/main" id="{62096B2A-7B7D-4F4B-B458-A97B0FDB961D}"/>
+                <a16:creationId xmlns:a16="http://schemas.microsoft.com/office/drawing/2014/main" id="{E90DC7AC-FE00-4591-931C-A07C2562C5A0}"/>
               </a:ext>
             </a:extLst>
           </p:cNvPr>
@@ -8784,7 +8559,7 @@
                 <a:latin typeface="+mj-lt"/>
                 <a:ea typeface="Verdana" panose="020B0604030504040204" pitchFamily="34" charset="0"/>
               </a:rPr>
-              <a:t>Source: Tunstall, L., et al (2022). </a:t>
+              <a:t>Source: Glassner, A. (2021). </a:t>
             </a:r>
             <a:r>
               <a:rPr lang="en-US" sz="1400" i="1" dirty="0">
@@ -8797,7 +8572,7 @@
                 <a:latin typeface="+mj-lt"/>
                 <a:ea typeface="Verdana" panose="020B0604030504040204" pitchFamily="34" charset="0"/>
               </a:rPr>
-              <a:t>Natural Language Processing with Transformers</a:t>
+              <a:t>Deep learning: A visual approach</a:t>
             </a:r>
             <a:r>
               <a:rPr lang="en-US" sz="1400" dirty="0">
@@ -8824,7 +8599,7 @@
                 <a:latin typeface="+mj-lt"/>
                 <a:ea typeface="Verdana" panose="020B0604030504040204" pitchFamily="34" charset="0"/>
               </a:rPr>
-              <a:t>Sebastopol, CA: </a:t>
+              <a:t>San Francisco, CA: No Starch Press. (Chapter </a:t>
             </a:r>
             <a:r>
               <a:rPr lang="en-US" sz="1400" dirty="0">
@@ -8837,7 +8612,7 @@
                 <a:latin typeface="+mj-lt"/>
                 <a:ea typeface="Verdana" panose="020B0604030504040204" pitchFamily="34" charset="0"/>
               </a:rPr>
-              <a:t>O’Reilly Publishing</a:t>
+              <a:t>20</a:t>
             </a:r>
             <a:r>
               <a:rPr lang="en-US" sz="1400" b="0" i="0" dirty="0">
@@ -8851,7 +8626,7 @@
                 <a:latin typeface="+mj-lt"/>
                 <a:ea typeface="Verdana" panose="020B0604030504040204" pitchFamily="34" charset="0"/>
               </a:rPr>
-              <a:t>. (Chapter 1)</a:t>
+              <a:t>)</a:t>
             </a:r>
             <a:endParaRPr lang="en-US" sz="1400" dirty="0">
               <a:solidFill>
@@ -8866,10 +8641,48 @@
           </a:p>
         </p:txBody>
       </p:sp>
+      <p:sp>
+        <p:nvSpPr>
+          <p:cNvPr id="8" name="TextBox 7">
+            <a:extLst>
+              <a:ext uri="{FF2B5EF4-FFF2-40B4-BE49-F238E27FC236}">
+                <a16:creationId xmlns:a16="http://schemas.microsoft.com/office/drawing/2014/main" id="{6422EA5F-8454-4344-A7DE-423FF92B8601}"/>
+              </a:ext>
+            </a:extLst>
+          </p:cNvPr>
+          <p:cNvSpPr txBox="1"/>
+          <p:nvPr/>
+        </p:nvSpPr>
+        <p:spPr>
+          <a:xfrm>
+            <a:off x="3175000" y="3136612"/>
+            <a:ext cx="6616700" cy="584775"/>
+          </a:xfrm>
+          <a:prstGeom prst="rect">
+            <a:avLst/>
+          </a:prstGeom>
+          <a:noFill/>
+        </p:spPr>
+        <p:txBody>
+          <a:bodyPr wrap="square" rtlCol="0">
+            <a:spAutoFit/>
+          </a:bodyPr>
+          <a:lstStyle/>
+          <a:p>
+            <a:pPr algn="ctr"/>
+            <a:r>
+              <a:rPr lang="en-US" sz="3200" dirty="0">
+                <a:latin typeface="Palatino Linotype" panose="02040502050505030304" pitchFamily="18" charset="0"/>
+              </a:rPr>
+              <a:t>I saw a big dog eat his dinner</a:t>
+            </a:r>
+          </a:p>
+        </p:txBody>
+      </p:sp>
     </p:spTree>
     <p:extLst>
       <p:ext uri="{BB962C8B-B14F-4D97-AF65-F5344CB8AC3E}">
-        <p14:creationId xmlns:p14="http://schemas.microsoft.com/office/powerpoint/2010/main" val="2431498119"/>
+        <p14:creationId xmlns:p14="http://schemas.microsoft.com/office/powerpoint/2010/main" val="3848559915"/>
       </p:ext>
     </p:extLst>
   </p:cSld>
@@ -8910,15 +8723,15 @@
       </p:grpSpPr>
       <p:pic>
         <p:nvPicPr>
-          <p:cNvPr id="1026" name="Picture 2">
+          <p:cNvPr id="1026" name="Picture 2" descr="F20010">
             <a:extLst>
               <a:ext uri="{FF2B5EF4-FFF2-40B4-BE49-F238E27FC236}">
-                <a16:creationId xmlns:a16="http://schemas.microsoft.com/office/drawing/2014/main" id="{C47ED13A-501C-4362-B556-F2503F6187F3}"/>
+                <a16:creationId xmlns:a16="http://schemas.microsoft.com/office/drawing/2014/main" id="{114ECFDE-71CF-45E4-85CE-E8B3576A5F7F}"/>
               </a:ext>
             </a:extLst>
           </p:cNvPr>
           <p:cNvPicPr>
-            <a:picLocks noChangeAspect="1" noChangeArrowheads="1" noCrop="1"/>
+            <a:picLocks noChangeAspect="1" noChangeArrowheads="1"/>
           </p:cNvPicPr>
           <p:nvPr/>
         </p:nvPicPr>
@@ -8926,10 +8739,10 @@
           <a:blip r:embed="rId3">
             <a:clrChange>
               <a:clrFrom>
-                <a:srgbClr val="FEFCFE"/>
+                <a:srgbClr val="FFFFFF"/>
               </a:clrFrom>
               <a:clrTo>
-                <a:srgbClr val="FEFCFE">
+                <a:srgbClr val="FFFFFF">
                   <a:alpha val="0"/>
                 </a:srgbClr>
               </a:clrTo>
@@ -8947,8 +8760,8 @@
         </p:blipFill>
         <p:spPr bwMode="auto">
           <a:xfrm>
-            <a:off x="1672651" y="1807709"/>
-            <a:ext cx="8846697" cy="3907291"/>
+            <a:off x="1484378" y="1758043"/>
+            <a:ext cx="9223243" cy="1670957"/>
           </a:xfrm>
           <a:prstGeom prst="rect">
             <a:avLst/>
@@ -8967,10 +8780,10 @@
       </p:pic>
       <p:sp>
         <p:nvSpPr>
-          <p:cNvPr id="5" name="TextBox 4">
+          <p:cNvPr id="3" name="TextBox 2">
             <a:extLst>
               <a:ext uri="{FF2B5EF4-FFF2-40B4-BE49-F238E27FC236}">
-                <a16:creationId xmlns:a16="http://schemas.microsoft.com/office/drawing/2014/main" id="{81F4C7A8-209C-474B-BBCF-98F1EE29E285}"/>
+                <a16:creationId xmlns:a16="http://schemas.microsoft.com/office/drawing/2014/main" id="{E90DC7AC-FE00-4591-931C-A07C2562C5A0}"/>
               </a:ext>
             </a:extLst>
           </p:cNvPr>
@@ -9004,15 +8817,369 @@
                 <a:latin typeface="+mj-lt"/>
                 <a:ea typeface="Verdana" panose="020B0604030504040204" pitchFamily="34" charset="0"/>
               </a:rPr>
-              <a:t>Image Credit: https://towardsdatascience.com/transformers-141e32e69591 </a:t>
-            </a:r>
-          </a:p>
-        </p:txBody>
-      </p:sp>
+              <a:t>Source: Glassner, A. (2021). </a:t>
+            </a:r>
+            <a:r>
+              <a:rPr lang="en-US" sz="1400" i="1" dirty="0">
+                <a:solidFill>
+                  <a:schemeClr val="tx1">
+                    <a:lumMod val="65000"/>
+                    <a:lumOff val="35000"/>
+                  </a:schemeClr>
+                </a:solidFill>
+                <a:latin typeface="+mj-lt"/>
+                <a:ea typeface="Verdana" panose="020B0604030504040204" pitchFamily="34" charset="0"/>
+              </a:rPr>
+              <a:t>Deep learning: A visual approach</a:t>
+            </a:r>
+            <a:r>
+              <a:rPr lang="en-US" sz="1400" dirty="0">
+                <a:solidFill>
+                  <a:schemeClr val="tx1">
+                    <a:lumMod val="65000"/>
+                    <a:lumOff val="35000"/>
+                  </a:schemeClr>
+                </a:solidFill>
+                <a:latin typeface="+mj-lt"/>
+                <a:ea typeface="Verdana" panose="020B0604030504040204" pitchFamily="34" charset="0"/>
+              </a:rPr>
+              <a:t>. </a:t>
+            </a:r>
+            <a:r>
+              <a:rPr lang="en-US" sz="1400" b="0" i="0" dirty="0">
+                <a:solidFill>
+                  <a:schemeClr val="tx1">
+                    <a:lumMod val="65000"/>
+                    <a:lumOff val="35000"/>
+                  </a:schemeClr>
+                </a:solidFill>
+                <a:effectLst/>
+                <a:latin typeface="+mj-lt"/>
+                <a:ea typeface="Verdana" panose="020B0604030504040204" pitchFamily="34" charset="0"/>
+              </a:rPr>
+              <a:t>San Francisco, CA: No Starch Press. (Chapter </a:t>
+            </a:r>
+            <a:r>
+              <a:rPr lang="en-US" sz="1400" dirty="0">
+                <a:solidFill>
+                  <a:schemeClr val="tx1">
+                    <a:lumMod val="65000"/>
+                    <a:lumOff val="35000"/>
+                  </a:schemeClr>
+                </a:solidFill>
+                <a:latin typeface="+mj-lt"/>
+                <a:ea typeface="Verdana" panose="020B0604030504040204" pitchFamily="34" charset="0"/>
+              </a:rPr>
+              <a:t>20</a:t>
+            </a:r>
+            <a:r>
+              <a:rPr lang="en-US" sz="1400" b="0" i="0" dirty="0">
+                <a:solidFill>
+                  <a:schemeClr val="tx1">
+                    <a:lumMod val="65000"/>
+                    <a:lumOff val="35000"/>
+                  </a:schemeClr>
+                </a:solidFill>
+                <a:effectLst/>
+                <a:latin typeface="+mj-lt"/>
+                <a:ea typeface="Verdana" panose="020B0604030504040204" pitchFamily="34" charset="0"/>
+              </a:rPr>
+              <a:t>)</a:t>
+            </a:r>
+            <a:endParaRPr lang="en-US" sz="1400" dirty="0">
+              <a:solidFill>
+                <a:schemeClr val="tx1">
+                  <a:lumMod val="65000"/>
+                  <a:lumOff val="35000"/>
+                </a:schemeClr>
+              </a:solidFill>
+              <a:latin typeface="+mj-lt"/>
+              <a:ea typeface="Verdana" panose="020B0604030504040204" pitchFamily="34" charset="0"/>
+            </a:endParaRPr>
+          </a:p>
+        </p:txBody>
+      </p:sp>
+      <p:graphicFrame>
+        <p:nvGraphicFramePr>
+          <p:cNvPr id="2" name="Table 3">
+            <a:extLst>
+              <a:ext uri="{FF2B5EF4-FFF2-40B4-BE49-F238E27FC236}">
+                <a16:creationId xmlns:a16="http://schemas.microsoft.com/office/drawing/2014/main" id="{51BEA894-E4F9-4DCB-AD5C-428A30038547}"/>
+              </a:ext>
+            </a:extLst>
+          </p:cNvPr>
+          <p:cNvGraphicFramePr>
+            <a:graphicFrameLocks noGrp="1"/>
+          </p:cNvGraphicFramePr>
+          <p:nvPr>
+            <p:extLst>
+              <p:ext uri="{D42A27DB-BD31-4B8C-83A1-F6EECF244321}">
+                <p14:modId xmlns:p14="http://schemas.microsoft.com/office/powerpoint/2010/main" val="776093031"/>
+              </p:ext>
+            </p:extLst>
+          </p:nvPr>
+        </p:nvGraphicFramePr>
+        <p:xfrm>
+          <a:off x="2031999" y="4071467"/>
+          <a:ext cx="8127999" cy="1584960"/>
+        </p:xfrm>
+        <a:graphic>
+          <a:graphicData uri="http://schemas.openxmlformats.org/drawingml/2006/table">
+            <a:tbl>
+              <a:tblPr firstRow="1" bandRow="1">
+                <a:tableStyleId>{C083E6E3-FA7D-4D7B-A595-EF9225AFEA82}</a:tableStyleId>
+              </a:tblPr>
+              <a:tblGrid>
+                <a:gridCol w="1529348">
+                  <a:extLst>
+                    <a:ext uri="{9D8B030D-6E8A-4147-A177-3AD203B41FA5}">
+                      <a16:colId xmlns:a16="http://schemas.microsoft.com/office/drawing/2014/main" val="1841398651"/>
+                    </a:ext>
+                  </a:extLst>
+                </a:gridCol>
+                <a:gridCol w="1812758">
+                  <a:extLst>
+                    <a:ext uri="{9D8B030D-6E8A-4147-A177-3AD203B41FA5}">
+                      <a16:colId xmlns:a16="http://schemas.microsoft.com/office/drawing/2014/main" val="2758826956"/>
+                    </a:ext>
+                  </a:extLst>
+                </a:gridCol>
+                <a:gridCol w="4785893">
+                  <a:extLst>
+                    <a:ext uri="{9D8B030D-6E8A-4147-A177-3AD203B41FA5}">
+                      <a16:colId xmlns:a16="http://schemas.microsoft.com/office/drawing/2014/main" val="2399057874"/>
+                    </a:ext>
+                  </a:extLst>
+                </a:gridCol>
+              </a:tblGrid>
+              <a:tr h="370840">
+                <a:tc>
+                  <a:txBody>
+                    <a:bodyPr/>
+                    <a:lstStyle/>
+                    <a:p>
+                      <a:r>
+                        <a:rPr lang="en-US" sz="2000" dirty="0"/>
+                        <a:t>Everyday</a:t>
+                      </a:r>
+                      <a:endParaRPr lang="en-US" sz="2000" dirty="0">
+                        <a:latin typeface="+mj-lt"/>
+                      </a:endParaRPr>
+                    </a:p>
+                  </a:txBody>
+                  <a:tcPr/>
+                </a:tc>
+                <a:tc>
+                  <a:txBody>
+                    <a:bodyPr/>
+                    <a:lstStyle/>
+                    <a:p>
+                      <a:r>
+                        <a:rPr lang="en-US" sz="2000" dirty="0"/>
+                        <a:t>Technical</a:t>
+                      </a:r>
+                      <a:endParaRPr lang="en-US" sz="2000" dirty="0">
+                        <a:latin typeface="+mj-lt"/>
+                      </a:endParaRPr>
+                    </a:p>
+                  </a:txBody>
+                  <a:tcPr/>
+                </a:tc>
+                <a:tc>
+                  <a:txBody>
+                    <a:bodyPr/>
+                    <a:lstStyle/>
+                    <a:p>
+                      <a:r>
+                        <a:rPr lang="en-US" sz="2000" dirty="0"/>
+                        <a:t>Description</a:t>
+                      </a:r>
+                      <a:endParaRPr lang="en-US" sz="2000" dirty="0">
+                        <a:latin typeface="+mj-lt"/>
+                      </a:endParaRPr>
+                    </a:p>
+                  </a:txBody>
+                  <a:tcPr/>
+                </a:tc>
+                <a:extLst>
+                  <a:ext uri="{0D108BD9-81ED-4DB2-BD59-A6C34878D82A}">
+                    <a16:rowId xmlns:a16="http://schemas.microsoft.com/office/drawing/2014/main" val="887281444"/>
+                  </a:ext>
+                </a:extLst>
+              </a:tr>
+              <a:tr h="370840">
+                <a:tc>
+                  <a:txBody>
+                    <a:bodyPr/>
+                    <a:lstStyle/>
+                    <a:p>
+                      <a:r>
+                        <a:rPr lang="en-US" sz="2000" dirty="0"/>
+                        <a:t>Request</a:t>
+                      </a:r>
+                      <a:endParaRPr lang="en-US" sz="2000" dirty="0">
+                        <a:latin typeface="+mj-lt"/>
+                      </a:endParaRPr>
+                    </a:p>
+                  </a:txBody>
+                  <a:tcPr/>
+                </a:tc>
+                <a:tc>
+                  <a:txBody>
+                    <a:bodyPr/>
+                    <a:lstStyle/>
+                    <a:p>
+                      <a:r>
+                        <a:rPr lang="en-US" sz="2000" dirty="0"/>
+                        <a:t>Query</a:t>
+                      </a:r>
+                      <a:endParaRPr lang="en-US" sz="2000" dirty="0">
+                        <a:latin typeface="+mj-lt"/>
+                      </a:endParaRPr>
+                    </a:p>
+                  </a:txBody>
+                  <a:tcPr/>
+                </a:tc>
+                <a:tc>
+                  <a:txBody>
+                    <a:bodyPr/>
+                    <a:lstStyle/>
+                    <a:p>
+                      <a:r>
+                        <a:rPr lang="en-US" sz="2000" dirty="0"/>
+                        <a:t>“Light yellow with a bit of dark orange…”</a:t>
+                      </a:r>
+                      <a:endParaRPr lang="en-US" sz="2000" dirty="0">
+                        <a:latin typeface="+mj-lt"/>
+                      </a:endParaRPr>
+                    </a:p>
+                  </a:txBody>
+                  <a:tcPr/>
+                </a:tc>
+                <a:extLst>
+                  <a:ext uri="{0D108BD9-81ED-4DB2-BD59-A6C34878D82A}">
+                    <a16:rowId xmlns:a16="http://schemas.microsoft.com/office/drawing/2014/main" val="295825102"/>
+                  </a:ext>
+                </a:extLst>
+              </a:tr>
+              <a:tr h="370840">
+                <a:tc>
+                  <a:txBody>
+                    <a:bodyPr/>
+                    <a:lstStyle/>
+                    <a:p>
+                      <a:r>
+                        <a:rPr lang="en-US" sz="2000" dirty="0"/>
+                        <a:t>Description</a:t>
+                      </a:r>
+                      <a:endParaRPr lang="en-US" sz="2000" dirty="0">
+                        <a:latin typeface="+mj-lt"/>
+                      </a:endParaRPr>
+                    </a:p>
+                  </a:txBody>
+                  <a:tcPr/>
+                </a:tc>
+                <a:tc>
+                  <a:txBody>
+                    <a:bodyPr/>
+                    <a:lstStyle/>
+                    <a:p>
+                      <a:r>
+                        <a:rPr lang="en-US" sz="2000" dirty="0"/>
+                        <a:t>Key</a:t>
+                      </a:r>
+                      <a:endParaRPr lang="en-US" sz="2000" dirty="0">
+                        <a:latin typeface="+mj-lt"/>
+                      </a:endParaRPr>
+                    </a:p>
+                  </a:txBody>
+                  <a:tcPr/>
+                </a:tc>
+                <a:tc>
+                  <a:txBody>
+                    <a:bodyPr/>
+                    <a:lstStyle/>
+                    <a:p>
+                      <a:r>
+                        <a:rPr lang="en-US" sz="2000" dirty="0"/>
+                        <a:t>Descriptive label on each can of paint</a:t>
+                      </a:r>
+                      <a:endParaRPr lang="en-US" sz="2000" dirty="0">
+                        <a:latin typeface="+mj-lt"/>
+                      </a:endParaRPr>
+                    </a:p>
+                  </a:txBody>
+                  <a:tcPr/>
+                </a:tc>
+                <a:extLst>
+                  <a:ext uri="{0D108BD9-81ED-4DB2-BD59-A6C34878D82A}">
+                    <a16:rowId xmlns:a16="http://schemas.microsoft.com/office/drawing/2014/main" val="4146590804"/>
+                  </a:ext>
+                </a:extLst>
+              </a:tr>
+              <a:tr h="370840">
+                <a:tc>
+                  <a:txBody>
+                    <a:bodyPr/>
+                    <a:lstStyle/>
+                    <a:p>
+                      <a:r>
+                        <a:rPr lang="en-US" sz="2000" dirty="0"/>
+                        <a:t>Content</a:t>
+                      </a:r>
+                      <a:endParaRPr lang="en-US" sz="2000" dirty="0">
+                        <a:latin typeface="+mj-lt"/>
+                      </a:endParaRPr>
+                    </a:p>
+                  </a:txBody>
+                  <a:tcPr/>
+                </a:tc>
+                <a:tc>
+                  <a:txBody>
+                    <a:bodyPr/>
+                    <a:lstStyle/>
+                    <a:p>
+                      <a:r>
+                        <a:rPr lang="en-US" sz="2000" dirty="0"/>
+                        <a:t>Value</a:t>
+                      </a:r>
+                      <a:endParaRPr lang="en-US" sz="2000" dirty="0">
+                        <a:latin typeface="+mj-lt"/>
+                      </a:endParaRPr>
+                    </a:p>
+                  </a:txBody>
+                  <a:tcPr/>
+                </a:tc>
+                <a:tc>
+                  <a:txBody>
+                    <a:bodyPr/>
+                    <a:lstStyle/>
+                    <a:p>
+                      <a:r>
+                        <a:rPr lang="en-US" sz="2000" dirty="0"/>
+                        <a:t>Actual contents of each can of paint</a:t>
+                      </a:r>
+                      <a:endParaRPr lang="en-US" sz="2000" dirty="0">
+                        <a:latin typeface="+mj-lt"/>
+                      </a:endParaRPr>
+                    </a:p>
+                  </a:txBody>
+                  <a:tcPr/>
+                </a:tc>
+                <a:extLst>
+                  <a:ext uri="{0D108BD9-81ED-4DB2-BD59-A6C34878D82A}">
+                    <a16:rowId xmlns:a16="http://schemas.microsoft.com/office/drawing/2014/main" val="2628534499"/>
+                  </a:ext>
+                </a:extLst>
+              </a:tr>
+            </a:tbl>
+          </a:graphicData>
+        </a:graphic>
+      </p:graphicFrame>
     </p:spTree>
     <p:extLst>
       <p:ext uri="{BB962C8B-B14F-4D97-AF65-F5344CB8AC3E}">
-        <p14:creationId xmlns:p14="http://schemas.microsoft.com/office/powerpoint/2010/main" val="2843395467"/>
+        <p14:creationId xmlns:p14="http://schemas.microsoft.com/office/powerpoint/2010/main" val="3783675430"/>
       </p:ext>
     </p:extLst>
   </p:cSld>
@@ -9031,6 +9198,89 @@
       </p:transition>
     </mc:Fallback>
   </mc:AlternateContent>
+  <p:timing>
+    <p:tnLst>
+      <p:par>
+        <p:cTn id="1" dur="indefinite" restart="never" nodeType="tmRoot">
+          <p:childTnLst>
+            <p:seq concurrent="1" nextAc="seek">
+              <p:cTn id="2" dur="indefinite" nodeType="mainSeq">
+                <p:childTnLst>
+                  <p:par>
+                    <p:cTn id="3" fill="hold">
+                      <p:stCondLst>
+                        <p:cond delay="indefinite"/>
+                      </p:stCondLst>
+                      <p:childTnLst>
+                        <p:par>
+                          <p:cTn id="4" fill="hold">
+                            <p:stCondLst>
+                              <p:cond delay="0"/>
+                            </p:stCondLst>
+                            <p:childTnLst>
+                              <p:par>
+                                <p:cTn id="5" presetID="10" presetClass="entr" presetSubtype="0" fill="hold" nodeType="clickEffect">
+                                  <p:stCondLst>
+                                    <p:cond delay="0"/>
+                                  </p:stCondLst>
+                                  <p:childTnLst>
+                                    <p:set>
+                                      <p:cBhvr>
+                                        <p:cTn id="6" dur="1" fill="hold">
+                                          <p:stCondLst>
+                                            <p:cond delay="0"/>
+                                          </p:stCondLst>
+                                        </p:cTn>
+                                        <p:tgtEl>
+                                          <p:spTgt spid="2"/>
+                                        </p:tgtEl>
+                                        <p:attrNameLst>
+                                          <p:attrName>style.visibility</p:attrName>
+                                        </p:attrNameLst>
+                                      </p:cBhvr>
+                                      <p:to>
+                                        <p:strVal val="visible"/>
+                                      </p:to>
+                                    </p:set>
+                                    <p:animEffect transition="in" filter="fade">
+                                      <p:cBhvr>
+                                        <p:cTn id="7" dur="500"/>
+                                        <p:tgtEl>
+                                          <p:spTgt spid="2"/>
+                                        </p:tgtEl>
+                                      </p:cBhvr>
+                                    </p:animEffect>
+                                  </p:childTnLst>
+                                </p:cTn>
+                              </p:par>
+                            </p:childTnLst>
+                          </p:cTn>
+                        </p:par>
+                      </p:childTnLst>
+                    </p:cTn>
+                  </p:par>
+                </p:childTnLst>
+              </p:cTn>
+              <p:prevCondLst>
+                <p:cond evt="onPrev" delay="0">
+                  <p:tgtEl>
+                    <p:sldTgt/>
+                  </p:tgtEl>
+                </p:cond>
+              </p:prevCondLst>
+              <p:nextCondLst>
+                <p:cond evt="onNext" delay="0">
+                  <p:tgtEl>
+                    <p:sldTgt/>
+                  </p:tgtEl>
+                </p:cond>
+              </p:nextCondLst>
+            </p:seq>
+          </p:childTnLst>
+        </p:cTn>
+      </p:par>
+    </p:tnLst>
+  </p:timing>
 </p:sld>
 </file>
 
@@ -9263,20 +9513,30 @@
       </p:grpSpPr>
       <p:pic>
         <p:nvPicPr>
-          <p:cNvPr id="4098" name="Picture 2" descr="transformer-self-attn">
+          <p:cNvPr id="2050" name="Picture 2">
             <a:extLst>
               <a:ext uri="{FF2B5EF4-FFF2-40B4-BE49-F238E27FC236}">
-                <a16:creationId xmlns:a16="http://schemas.microsoft.com/office/drawing/2014/main" id="{E48BEBC0-7E08-4B16-BA46-BE71D8FF1C97}"/>
+                <a16:creationId xmlns:a16="http://schemas.microsoft.com/office/drawing/2014/main" id="{E896329B-50C0-4434-8083-5AF2A8C36B9F}"/>
               </a:ext>
             </a:extLst>
           </p:cNvPr>
           <p:cNvPicPr>
-            <a:picLocks noChangeAspect="1" noChangeArrowheads="1"/>
+            <a:picLocks noChangeAspect="1" noChangeArrowheads="1" noCrop="1"/>
           </p:cNvPicPr>
           <p:nvPr/>
         </p:nvPicPr>
         <p:blipFill>
           <a:blip r:embed="rId3">
+            <a:clrChange>
+              <a:clrFrom>
+                <a:srgbClr val="FEFCFE"/>
+              </a:clrFrom>
+              <a:clrTo>
+                <a:srgbClr val="FEFCFE">
+                  <a:alpha val="0"/>
+                </a:srgbClr>
+              </a:clrTo>
+            </a:clrChange>
             <a:extLst>
               <a:ext uri="{28A0092B-C50C-407E-A947-70E740481C1C}">
                 <a14:useLocalDpi xmlns:a14="http://schemas.microsoft.com/office/drawing/2010/main" val="0"/>
@@ -9290,8 +9550,8 @@
         </p:blipFill>
         <p:spPr bwMode="auto">
           <a:xfrm>
-            <a:off x="1123950" y="2235708"/>
-            <a:ext cx="9944100" cy="2386584"/>
+            <a:off x="1935474" y="1828120"/>
+            <a:ext cx="8321051" cy="3647394"/>
           </a:xfrm>
           <a:prstGeom prst="rect">
             <a:avLst/>
@@ -9310,10 +9570,10 @@
       </p:pic>
       <p:sp>
         <p:nvSpPr>
-          <p:cNvPr id="4" name="TextBox 3">
+          <p:cNvPr id="3" name="TextBox 2">
             <a:extLst>
               <a:ext uri="{FF2B5EF4-FFF2-40B4-BE49-F238E27FC236}">
-                <a16:creationId xmlns:a16="http://schemas.microsoft.com/office/drawing/2014/main" id="{7530BD8D-AB63-44BD-962E-C622287F485F}"/>
+                <a16:creationId xmlns:a16="http://schemas.microsoft.com/office/drawing/2014/main" id="{63D11E46-A811-4E72-888D-3A814E300EDA}"/>
               </a:ext>
             </a:extLst>
           </p:cNvPr>
@@ -9347,92 +9607,15 @@
                 <a:latin typeface="+mj-lt"/>
                 <a:ea typeface="Verdana" panose="020B0604030504040204" pitchFamily="34" charset="0"/>
               </a:rPr>
-              <a:t>Source: Tunstall, L., et al (2022). </a:t>
-            </a:r>
-            <a:r>
-              <a:rPr lang="en-US" sz="1400" i="1" dirty="0">
-                <a:solidFill>
-                  <a:schemeClr val="tx1">
-                    <a:lumMod val="65000"/>
-                    <a:lumOff val="35000"/>
-                  </a:schemeClr>
-                </a:solidFill>
-                <a:latin typeface="+mj-lt"/>
-                <a:ea typeface="Verdana" panose="020B0604030504040204" pitchFamily="34" charset="0"/>
-              </a:rPr>
-              <a:t>Natural Language Processing with Transformers</a:t>
-            </a:r>
-            <a:r>
-              <a:rPr lang="en-US" sz="1400" dirty="0">
-                <a:solidFill>
-                  <a:schemeClr val="tx1">
-                    <a:lumMod val="65000"/>
-                    <a:lumOff val="35000"/>
-                  </a:schemeClr>
-                </a:solidFill>
-                <a:latin typeface="+mj-lt"/>
-                <a:ea typeface="Verdana" panose="020B0604030504040204" pitchFamily="34" charset="0"/>
-              </a:rPr>
-              <a:t>. </a:t>
-            </a:r>
-            <a:r>
-              <a:rPr lang="en-US" sz="1400" b="0" i="0" dirty="0">
-                <a:solidFill>
-                  <a:schemeClr val="tx1">
-                    <a:lumMod val="65000"/>
-                    <a:lumOff val="35000"/>
-                  </a:schemeClr>
-                </a:solidFill>
-                <a:effectLst/>
-                <a:latin typeface="+mj-lt"/>
-                <a:ea typeface="Verdana" panose="020B0604030504040204" pitchFamily="34" charset="0"/>
-              </a:rPr>
-              <a:t>Sebastopol, CA: </a:t>
-            </a:r>
-            <a:r>
-              <a:rPr lang="en-US" sz="1400" dirty="0">
-                <a:solidFill>
-                  <a:schemeClr val="tx1">
-                    <a:lumMod val="65000"/>
-                    <a:lumOff val="35000"/>
-                  </a:schemeClr>
-                </a:solidFill>
-                <a:latin typeface="+mj-lt"/>
-                <a:ea typeface="Verdana" panose="020B0604030504040204" pitchFamily="34" charset="0"/>
-              </a:rPr>
-              <a:t>O’Reilly Publishing</a:t>
-            </a:r>
-            <a:r>
-              <a:rPr lang="en-US" sz="1400" b="0" i="0" dirty="0">
-                <a:solidFill>
-                  <a:schemeClr val="tx1">
-                    <a:lumMod val="65000"/>
-                    <a:lumOff val="35000"/>
-                  </a:schemeClr>
-                </a:solidFill>
-                <a:effectLst/>
-                <a:latin typeface="+mj-lt"/>
-                <a:ea typeface="Verdana" panose="020B0604030504040204" pitchFamily="34" charset="0"/>
-              </a:rPr>
-              <a:t>. (Chapter 1)</a:t>
-            </a:r>
-            <a:endParaRPr lang="en-US" sz="1400" dirty="0">
-              <a:solidFill>
-                <a:schemeClr val="tx1">
-                  <a:lumMod val="65000"/>
-                  <a:lumOff val="35000"/>
-                </a:schemeClr>
-              </a:solidFill>
-              <a:latin typeface="+mj-lt"/>
-              <a:ea typeface="Verdana" panose="020B0604030504040204" pitchFamily="34" charset="0"/>
-            </a:endParaRPr>
+              <a:t>Image Credit: https://towardsdatascience.com/transformers-141e32e69591 </a:t>
+            </a:r>
           </a:p>
         </p:txBody>
       </p:sp>
     </p:spTree>
     <p:extLst>
       <p:ext uri="{BB962C8B-B14F-4D97-AF65-F5344CB8AC3E}">
-        <p14:creationId xmlns:p14="http://schemas.microsoft.com/office/powerpoint/2010/main" val="1684263449"/>
+        <p14:creationId xmlns:p14="http://schemas.microsoft.com/office/powerpoint/2010/main" val="1412244647"/>
       </p:ext>
     </p:extLst>
   </p:cSld>

--- a/presentations/02_transformers_attention.pptx
+++ b/presentations/02_transformers_attention.pptx
@@ -5,7 +5,7 @@
     <p:sldMasterId id="2147483648" r:id="rId1"/>
   </p:sldMasterIdLst>
   <p:notesMasterIdLst>
-    <p:notesMasterId r:id="rId19"/>
+    <p:notesMasterId r:id="rId21"/>
   </p:notesMasterIdLst>
   <p:sldIdLst>
     <p:sldId id="326" r:id="rId2"/>
@@ -13,18 +13,20 @@
     <p:sldId id="337" r:id="rId4"/>
     <p:sldId id="338" r:id="rId5"/>
     <p:sldId id="346" r:id="rId6"/>
-    <p:sldId id="308" r:id="rId7"/>
-    <p:sldId id="335" r:id="rId8"/>
-    <p:sldId id="339" r:id="rId9"/>
-    <p:sldId id="347" r:id="rId10"/>
-    <p:sldId id="340" r:id="rId11"/>
-    <p:sldId id="345" r:id="rId12"/>
-    <p:sldId id="349" r:id="rId13"/>
-    <p:sldId id="348" r:id="rId14"/>
-    <p:sldId id="279" r:id="rId15"/>
-    <p:sldId id="344" r:id="rId16"/>
-    <p:sldId id="341" r:id="rId17"/>
-    <p:sldId id="328" r:id="rId18"/>
+    <p:sldId id="339" r:id="rId7"/>
+    <p:sldId id="340" r:id="rId8"/>
+    <p:sldId id="347" r:id="rId9"/>
+    <p:sldId id="335" r:id="rId10"/>
+    <p:sldId id="350" r:id="rId11"/>
+    <p:sldId id="308" r:id="rId12"/>
+    <p:sldId id="351" r:id="rId13"/>
+    <p:sldId id="345" r:id="rId14"/>
+    <p:sldId id="349" r:id="rId15"/>
+    <p:sldId id="348" r:id="rId16"/>
+    <p:sldId id="279" r:id="rId17"/>
+    <p:sldId id="341" r:id="rId18"/>
+    <p:sldId id="344" r:id="rId19"/>
+    <p:sldId id="328" r:id="rId20"/>
   </p:sldIdLst>
   <p:sldSz cx="12192000" cy="6858000"/>
   <p:notesSz cx="6858000" cy="9144000"/>
@@ -224,7 +226,7 @@
           <a:p>
             <a:fld id="{FD93C9B2-20F6-4DB1-B471-224337D0AC79}" type="datetimeFigureOut">
               <a:rPr lang="en-US" smtClean="0"/>
-              <a:t>7/14/2022</a:t>
+              <a:t>8/12/2022</a:t>
             </a:fld>
             <a:endParaRPr lang="en-US"/>
           </a:p>
@@ -542,6 +544,19 @@
               <a:t>Transformers are increasingly important -- Add agenda slide…</a:t>
             </a:r>
           </a:p>
+          <a:p>
+            <a:endParaRPr lang="en-US" dirty="0">
+              <a:latin typeface="Palatino Linotype" panose="02040502050505030304" pitchFamily="18" charset="0"/>
+            </a:endParaRPr>
+          </a:p>
+          <a:p>
+            <a:r>
+              <a:rPr lang="en-US" dirty="0">
+                <a:latin typeface="Palatino Linotype" panose="02040502050505030304" pitchFamily="18" charset="0"/>
+              </a:rPr>
+              <a:t>Matt – One example all the way through…</a:t>
+            </a:r>
+          </a:p>
         </p:txBody>
       </p:sp>
       <p:sp>
@@ -624,117 +639,16 @@
           <a:bodyPr/>
           <a:lstStyle/>
           <a:p>
-            <a:pPr marL="0" marR="0" lvl="0" indent="0" algn="l" defTabSz="914400" rtl="0" eaLnBrk="1" fontAlgn="auto" latinLnBrk="0" hangingPunct="1">
-              <a:lnSpc>
-                <a:spcPct val="100000"/>
-              </a:lnSpc>
-              <a:spcBef>
-                <a:spcPts val="0"/>
-              </a:spcBef>
-              <a:spcAft>
-                <a:spcPts val="0"/>
-              </a:spcAft>
-              <a:buClrTx/>
-              <a:buSzTx/>
-              <a:buFontTx/>
+            <a:pPr marL="0" indent="0" algn="l">
               <a:buNone/>
-              <a:tabLst/>
-              <a:defRPr/>
             </a:pPr>
             <a:r>
               <a:rPr lang="en-US" dirty="0"/>
-              <a:t>Attention led to much better translations, but it still had a major shortcoming.  The computations are inherently sequential and cannot be parallelized across the input sequence.</a:t>
-            </a:r>
-          </a:p>
-          <a:p>
-            <a:pPr marL="0" marR="0" lvl="0" indent="0" algn="l" defTabSz="914400" rtl="0" eaLnBrk="1" fontAlgn="auto" latinLnBrk="0" hangingPunct="1">
-              <a:lnSpc>
-                <a:spcPct val="100000"/>
-              </a:lnSpc>
-              <a:spcBef>
-                <a:spcPts val="0"/>
-              </a:spcBef>
-              <a:spcAft>
-                <a:spcPts val="0"/>
-              </a:spcAft>
-              <a:buClrTx/>
-              <a:buSzTx/>
-              <a:buFontTx/>
-              <a:buNone/>
-              <a:tabLst/>
-              <a:defRPr/>
-            </a:pPr>
-            <a:endParaRPr lang="en-US" dirty="0"/>
-          </a:p>
-          <a:p>
-            <a:pPr marL="0" marR="0" lvl="0" indent="0" algn="l" defTabSz="914400" rtl="0" eaLnBrk="1" fontAlgn="auto" latinLnBrk="0" hangingPunct="1">
-              <a:lnSpc>
-                <a:spcPct val="100000"/>
-              </a:lnSpc>
-              <a:spcBef>
-                <a:spcPts val="0"/>
-              </a:spcBef>
-              <a:spcAft>
-                <a:spcPts val="0"/>
-              </a:spcAft>
-              <a:buClrTx/>
-              <a:buSzTx/>
-              <a:buFontTx/>
-              <a:buNone/>
-              <a:tabLst/>
-              <a:defRPr/>
-            </a:pPr>
-            <a:r>
-              <a:rPr lang="en-US" dirty="0"/>
-              <a:t>With the transformer, a new model architecture was introduced.  Drop recurrence altogether and use a special form of attention called </a:t>
-            </a:r>
-            <a:r>
-              <a:rPr lang="en-US" b="1" dirty="0"/>
-              <a:t>self-attention</a:t>
-            </a:r>
-            <a:r>
-              <a:rPr lang="en-US" dirty="0"/>
-              <a:t> instead.  The basic idea is to allow attention to operate on all the states in the same layer of the neural network.  As pictured here, both the encoder and decoder have their own self-attention mechanisms, with their outputs fed to feed-forward neural networks (FF NNs). This architecture trains much faster than recurrent models, and it paved the way for many NLP breakthroughs.</a:t>
-            </a:r>
-          </a:p>
-          <a:p>
-            <a:pPr marL="0" marR="0" lvl="0" indent="0" algn="l" defTabSz="914400" rtl="0" eaLnBrk="1" fontAlgn="auto" latinLnBrk="0" hangingPunct="1">
-              <a:lnSpc>
-                <a:spcPct val="100000"/>
-              </a:lnSpc>
-              <a:spcBef>
-                <a:spcPts val="0"/>
-              </a:spcBef>
-              <a:spcAft>
-                <a:spcPts val="0"/>
-              </a:spcAft>
-              <a:buClrTx/>
-              <a:buSzTx/>
-              <a:buFontTx/>
-              <a:buNone/>
-              <a:tabLst/>
-              <a:defRPr/>
-            </a:pPr>
-            <a:endParaRPr lang="en-US" dirty="0"/>
-          </a:p>
-          <a:p>
-            <a:pPr marL="0" marR="0" lvl="0" indent="0" algn="l" defTabSz="914400" rtl="0" eaLnBrk="1" fontAlgn="auto" latinLnBrk="0" hangingPunct="1">
-              <a:lnSpc>
-                <a:spcPct val="100000"/>
-              </a:lnSpc>
-              <a:spcBef>
-                <a:spcPts val="0"/>
-              </a:spcBef>
-              <a:spcAft>
-                <a:spcPts val="0"/>
-              </a:spcAft>
-              <a:buClrTx/>
-              <a:buSzTx/>
-              <a:buFontTx/>
-              <a:buNone/>
-              <a:tabLst/>
-              <a:defRPr/>
-            </a:pPr>
+              <a:t>In our short story, we used everyday words to describe the attention process.  But in the literature, these terms are never used, only the technical equivalents listed in this table. You will encounter this technical vocabulary shortly in the hands-on exercise.</a:t>
+            </a:r>
+          </a:p>
+          <a:p>
+            <a:pPr algn="l"/>
             <a:endParaRPr lang="en-US" dirty="0"/>
           </a:p>
         </p:txBody>
@@ -765,7 +679,7 @@
     </p:spTree>
     <p:extLst>
       <p:ext uri="{BB962C8B-B14F-4D97-AF65-F5344CB8AC3E}">
-        <p14:creationId xmlns:p14="http://schemas.microsoft.com/office/powerpoint/2010/main" val="627985707"/>
+        <p14:creationId xmlns:p14="http://schemas.microsoft.com/office/powerpoint/2010/main" val="1949968952"/>
       </p:ext>
     </p:extLst>
   </p:cSld>
@@ -819,34 +733,130 @@
           <a:bodyPr/>
           <a:lstStyle/>
           <a:p>
-            <a:pPr marL="0" marR="0" lvl="0" indent="0" algn="l" defTabSz="914400" rtl="0" eaLnBrk="1" fontAlgn="auto" latinLnBrk="0" hangingPunct="1">
-              <a:lnSpc>
-                <a:spcPct val="100000"/>
-              </a:lnSpc>
-              <a:spcBef>
-                <a:spcPts val="0"/>
-              </a:spcBef>
-              <a:spcAft>
-                <a:spcPts val="0"/>
-              </a:spcAft>
-              <a:buClrTx/>
-              <a:buSzTx/>
-              <a:buFontTx/>
-              <a:buNone/>
-              <a:tabLst/>
-              <a:defRPr/>
-            </a:pPr>
-            <a:r>
-              <a:rPr lang="en-US" b="0" i="0" dirty="0">
-                <a:solidFill>
-                  <a:srgbClr val="292929"/>
-                </a:solidFill>
-                <a:effectLst/>
-                <a:latin typeface="charter"/>
-              </a:rPr>
-              <a:t>With multi-head attention, self-attention becomes multi-dimensional, giving it the ability to derive more nuanced translations.</a:t>
-            </a:r>
-            <a:endParaRPr lang="en-US" dirty="0"/>
+            <a:pPr algn="l"/>
+            <a:r>
+              <a:rPr lang="en-US" dirty="0">
+                <a:latin typeface="+mn-lt"/>
+              </a:rPr>
+              <a:t>The paint story provided us with an intuitive introduction to attention.  Let’s now extend that analogy to a concrete example.  Here we see two sentences with the word </a:t>
+            </a:r>
+            <a:r>
+              <a:rPr lang="en-US" i="0" u="sng" dirty="0">
+                <a:latin typeface="+mn-lt"/>
+              </a:rPr>
+              <a:t>flies</a:t>
+            </a:r>
+            <a:r>
+              <a:rPr lang="en-US" dirty="0">
+                <a:latin typeface="+mn-lt"/>
+              </a:rPr>
+              <a:t> highlighted in blue.  Interestingly, the meaning of this word differs dramatically depending on the context.  In the first, “flies” is a verb indicating movement whereas it acts as a subject (a pesky insect) in the second.</a:t>
+            </a:r>
+          </a:p>
+          <a:p>
+            <a:pPr algn="l"/>
+            <a:endParaRPr lang="en-US" dirty="0">
+              <a:latin typeface="+mn-lt"/>
+            </a:endParaRPr>
+          </a:p>
+          <a:p>
+            <a:pPr algn="l"/>
+            <a:r>
+              <a:rPr lang="en-US" dirty="0">
+                <a:latin typeface="+mn-lt"/>
+              </a:rPr>
+              <a:t>So, how does a reader arrive at a correct definition?  In each sentence, the key is to figure out what other words influence the meaning of “flies” and focus on just those words while ignoring the others.   We then </a:t>
+            </a:r>
+            <a:r>
+              <a:rPr lang="en-US" b="1" dirty="0">
+                <a:latin typeface="+mn-lt"/>
+              </a:rPr>
+              <a:t>blend</a:t>
+            </a:r>
+            <a:r>
+              <a:rPr lang="en-US" dirty="0">
+                <a:latin typeface="+mn-lt"/>
+              </a:rPr>
+              <a:t> our understanding of those words to arrive at a correct definition.  Take, for instance, the 2</a:t>
+            </a:r>
+            <a:r>
+              <a:rPr lang="en-US" baseline="30000" dirty="0">
+                <a:latin typeface="+mn-lt"/>
+              </a:rPr>
+              <a:t>nd</a:t>
+            </a:r>
+            <a:r>
+              <a:rPr lang="en-US" dirty="0">
+                <a:latin typeface="+mn-lt"/>
+              </a:rPr>
+              <a:t> sentence.  Here “fruit” and “banana” are important as they point to a food source of interest to a mammal or insect of some sort. </a:t>
+            </a:r>
+          </a:p>
+          <a:p>
+            <a:pPr algn="l"/>
+            <a:endParaRPr lang="en-US" dirty="0">
+              <a:latin typeface="+mn-lt"/>
+            </a:endParaRPr>
+          </a:p>
+          <a:p>
+            <a:pPr algn="l"/>
+            <a:r>
+              <a:rPr lang="en-US" b="1" dirty="0">
+                <a:latin typeface="+mn-lt"/>
+              </a:rPr>
+              <a:t>Attention</a:t>
+            </a:r>
+            <a:r>
+              <a:rPr lang="en-US" dirty="0">
+                <a:latin typeface="+mn-lt"/>
+              </a:rPr>
+              <a:t> or </a:t>
+            </a:r>
+            <a:r>
+              <a:rPr lang="en-US" b="1" dirty="0">
+                <a:latin typeface="+mn-lt"/>
+              </a:rPr>
+              <a:t>self-attention</a:t>
+            </a:r>
+            <a:r>
+              <a:rPr lang="en-US" dirty="0">
+                <a:latin typeface="+mn-lt"/>
+              </a:rPr>
+              <a:t> mimics this same process. Attention focuses on only the parts of the context (sentence) that matter.</a:t>
+            </a:r>
+          </a:p>
+          <a:p>
+            <a:pPr algn="l"/>
+            <a:endParaRPr lang="en-US" dirty="0">
+              <a:latin typeface="+mn-lt"/>
+            </a:endParaRPr>
+          </a:p>
+          <a:p>
+            <a:pPr algn="l"/>
+            <a:r>
+              <a:rPr lang="en-US" dirty="0">
+                <a:latin typeface="+mn-lt"/>
+              </a:rPr>
+              <a:t>Let’s visualize this in color, just as we did in our paint story!  </a:t>
+            </a:r>
+          </a:p>
+          <a:p>
+            <a:pPr algn="l"/>
+            <a:endParaRPr lang="en-US" dirty="0">
+              <a:latin typeface="+mn-lt"/>
+            </a:endParaRPr>
+          </a:p>
+          <a:p>
+            <a:pPr algn="l"/>
+            <a:endParaRPr lang="en-US" dirty="0">
+              <a:latin typeface="+mn-lt"/>
+            </a:endParaRPr>
+          </a:p>
+          <a:p>
+            <a:pPr algn="l"/>
+            <a:endParaRPr lang="en-US" dirty="0">
+              <a:latin typeface="+mn-lt"/>
+            </a:endParaRPr>
           </a:p>
         </p:txBody>
       </p:sp>
@@ -876,7 +886,7 @@
     </p:spTree>
     <p:extLst>
       <p:ext uri="{BB962C8B-B14F-4D97-AF65-F5344CB8AC3E}">
-        <p14:creationId xmlns:p14="http://schemas.microsoft.com/office/powerpoint/2010/main" val="666630874"/>
+        <p14:creationId xmlns:p14="http://schemas.microsoft.com/office/powerpoint/2010/main" val="157207674"/>
       </p:ext>
     </p:extLst>
   </p:cSld>
@@ -930,145 +940,26 @@
           <a:bodyPr/>
           <a:lstStyle/>
           <a:p>
-            <a:pPr algn="l"/>
-            <a:r>
-              <a:rPr lang="en-US" b="0" i="0" dirty="0">
-                <a:solidFill>
-                  <a:srgbClr val="292929"/>
-                </a:solidFill>
-                <a:effectLst/>
-                <a:latin typeface="charter"/>
-              </a:rPr>
-              <a:t>The basic idea behind </a:t>
-            </a:r>
-            <a:r>
-              <a:rPr lang="en-US" b="0" i="1" dirty="0">
-                <a:solidFill>
-                  <a:srgbClr val="292929"/>
-                </a:solidFill>
-                <a:effectLst/>
-                <a:latin typeface="charter"/>
-              </a:rPr>
-              <a:t>multi-head attention </a:t>
-            </a:r>
-            <a:r>
-              <a:rPr lang="en-US" b="0" i="0" dirty="0">
-                <a:solidFill>
-                  <a:srgbClr val="292929"/>
-                </a:solidFill>
-                <a:effectLst/>
-                <a:latin typeface="charter"/>
-              </a:rPr>
-              <a:t>is that a specific word in a sequence can be viewed in multiple ways.  Consider, for example, the three questions asked here, with each </a:t>
-            </a:r>
-            <a:r>
-              <a:rPr lang="en-US" b="1" i="0" dirty="0">
-                <a:solidFill>
-                  <a:srgbClr val="292929"/>
-                </a:solidFill>
-                <a:effectLst/>
-                <a:latin typeface="charter"/>
-              </a:rPr>
-              <a:t>attention head </a:t>
-            </a:r>
-            <a:r>
-              <a:rPr lang="en-US" b="0" i="0" dirty="0">
-                <a:solidFill>
-                  <a:srgbClr val="292929"/>
-                </a:solidFill>
-                <a:effectLst/>
-                <a:latin typeface="charter"/>
-              </a:rPr>
-              <a:t>being a different color – red, green, blue.   As shown here, attention changes, depending on the head and the question it asks.  With the green head, attention is on the first word, in response to the question of who did the action.  With the red head, attention shifts to the second word in response to the question – ‘Did what?’  And finally, the last word is the focus of attention in the blue head, in response to the question – ‘To whom?’.</a:t>
-            </a:r>
-          </a:p>
-          <a:p>
-            <a:pPr algn="l"/>
-            <a:endParaRPr lang="en-US" b="0" i="0" dirty="0">
-              <a:solidFill>
-                <a:srgbClr val="292929"/>
-              </a:solidFill>
-              <a:effectLst/>
-              <a:latin typeface="charter"/>
-            </a:endParaRPr>
-          </a:p>
-          <a:p>
-            <a:pPr algn="l"/>
-            <a:r>
-              <a:rPr lang="en-US" b="0" i="0" dirty="0">
-                <a:solidFill>
-                  <a:srgbClr val="292929"/>
-                </a:solidFill>
-                <a:effectLst/>
-                <a:latin typeface="charter"/>
-              </a:rPr>
-              <a:t>Of course, the translation of a given word to another language may vary, depending on the answer to each question.</a:t>
-            </a:r>
-          </a:p>
-          <a:p>
-            <a:pPr algn="l"/>
-            <a:endParaRPr lang="en-US" b="0" i="0" dirty="0">
-              <a:solidFill>
-                <a:srgbClr val="292929"/>
-              </a:solidFill>
-              <a:effectLst/>
-              <a:latin typeface="charter"/>
-            </a:endParaRPr>
-          </a:p>
-          <a:p>
-            <a:pPr algn="l"/>
-            <a:r>
-              <a:rPr lang="en-US" b="0" i="0" dirty="0">
-                <a:solidFill>
-                  <a:srgbClr val="292929"/>
-                </a:solidFill>
-                <a:effectLst/>
-                <a:latin typeface="charter"/>
-              </a:rPr>
-              <a:t>=====</a:t>
-            </a:r>
-          </a:p>
-          <a:p>
-            <a:pPr algn="l"/>
-            <a:endParaRPr lang="en-US" b="0" i="0" dirty="0">
-              <a:solidFill>
-                <a:srgbClr val="292929"/>
-              </a:solidFill>
-              <a:effectLst/>
-              <a:latin typeface="charter"/>
-            </a:endParaRPr>
-          </a:p>
-          <a:p>
-            <a:pPr algn="l"/>
-            <a:r>
-              <a:rPr lang="en-US" b="0" i="0" dirty="0">
-                <a:solidFill>
-                  <a:srgbClr val="292929"/>
-                </a:solidFill>
-                <a:effectLst/>
-                <a:latin typeface="charter"/>
-              </a:rPr>
-              <a:t>For example, instead of only paying attention to each other in one dimension, Transformers use the concept of </a:t>
-            </a:r>
-            <a:r>
-              <a:rPr lang="en-US" b="0" i="0" dirty="0" err="1">
-                <a:solidFill>
-                  <a:srgbClr val="292929"/>
-                </a:solidFill>
-                <a:effectLst/>
-                <a:latin typeface="charter"/>
-              </a:rPr>
-              <a:t>Multihead</a:t>
-            </a:r>
-            <a:r>
-              <a:rPr lang="en-US" b="0" i="0" dirty="0">
-                <a:solidFill>
-                  <a:srgbClr val="292929"/>
-                </a:solidFill>
-                <a:effectLst/>
-                <a:latin typeface="charter"/>
-              </a:rPr>
-              <a:t> attention. The idea behind it is that whenever you are translating a word, you may pay different attention to each word based on the type of question that you are asking. The images below show what that means. For example, whenever you are translating “kicked” in the sentence “I kicked the ball”, you may ask “Who kicked”. Depending on the answer, the translation of the word to another language can change. Or ask other questions, like “Did what?”, etc…</a:t>
+            <a:pPr marL="0" marR="0" lvl="0" indent="0" algn="l" defTabSz="914400" rtl="0" eaLnBrk="1" fontAlgn="auto" latinLnBrk="0" hangingPunct="1">
+              <a:lnSpc>
+                <a:spcPct val="100000"/>
+              </a:lnSpc>
+              <a:spcBef>
+                <a:spcPts val="0"/>
+              </a:spcBef>
+              <a:spcAft>
+                <a:spcPts val="0"/>
+              </a:spcAft>
+              <a:buClrTx/>
+              <a:buSzTx/>
+              <a:buFontTx/>
+              <a:buNone/>
+              <a:tabLst/>
+              <a:defRPr/>
+            </a:pPr>
+            <a:r>
+              <a:rPr lang="en-US" dirty="0"/>
+              <a:t>And here’s the visualization of the self-attention mechanism for the two sentences from the previous slide.  This looks familiar, doesn’t it?  Rather than talk about paint, the colors in this picture represent specific words.  And as we see, self-attention has discovered the most important context words, blending their colors, creating a unique stack of mixed hues at the bottom.</a:t>
             </a:r>
           </a:p>
           <a:p>
@@ -1091,6 +982,92 @@
             </a:pPr>
             <a:endParaRPr lang="en-US" dirty="0"/>
           </a:p>
+          <a:p>
+            <a:pPr marL="0" marR="0" lvl="0" indent="0" algn="l" defTabSz="914400" rtl="0" eaLnBrk="1" fontAlgn="auto" latinLnBrk="0" hangingPunct="1">
+              <a:lnSpc>
+                <a:spcPct val="100000"/>
+              </a:lnSpc>
+              <a:spcBef>
+                <a:spcPts val="0"/>
+              </a:spcBef>
+              <a:spcAft>
+                <a:spcPts val="0"/>
+              </a:spcAft>
+              <a:buClrTx/>
+              <a:buSzTx/>
+              <a:buFontTx/>
+              <a:buNone/>
+              <a:tabLst/>
+              <a:defRPr/>
+            </a:pPr>
+            <a:r>
+              <a:rPr lang="en-US" dirty="0"/>
+              <a:t>For the first sentence (time flies like an arrow), the self-attention color chips are blends of blue and green.  Hence, the words “time” and “arrow” act as key influencers, resulting in the word embedding for “soars”.  </a:t>
+            </a:r>
+          </a:p>
+          <a:p>
+            <a:pPr marL="0" marR="0" lvl="0" indent="0" algn="l" defTabSz="914400" rtl="0" eaLnBrk="1" fontAlgn="auto" latinLnBrk="0" hangingPunct="1">
+              <a:lnSpc>
+                <a:spcPct val="100000"/>
+              </a:lnSpc>
+              <a:spcBef>
+                <a:spcPts val="0"/>
+              </a:spcBef>
+              <a:spcAft>
+                <a:spcPts val="0"/>
+              </a:spcAft>
+              <a:buClrTx/>
+              <a:buSzTx/>
+              <a:buFontTx/>
+              <a:buNone/>
+              <a:tabLst/>
+              <a:defRPr/>
+            </a:pPr>
+            <a:endParaRPr lang="en-US" dirty="0"/>
+          </a:p>
+          <a:p>
+            <a:pPr marL="0" marR="0" lvl="0" indent="0" algn="l" defTabSz="914400" rtl="0" eaLnBrk="1" fontAlgn="auto" latinLnBrk="0" hangingPunct="1">
+              <a:lnSpc>
+                <a:spcPct val="100000"/>
+              </a:lnSpc>
+              <a:spcBef>
+                <a:spcPts val="0"/>
+              </a:spcBef>
+              <a:spcAft>
+                <a:spcPts val="0"/>
+              </a:spcAft>
+              <a:buClrTx/>
+              <a:buSzTx/>
+              <a:buFontTx/>
+              <a:buNone/>
+              <a:tabLst/>
+              <a:defRPr/>
+            </a:pPr>
+            <a:r>
+              <a:rPr lang="en-US" dirty="0"/>
+              <a:t>The context is quite different in the second sentence.  The self-attention color chips in this stack are blends of purple, orange, and red.  Hence, the words “fruit” and “banana” play an influential role in this case, resulting in the word embedding for “insect”.</a:t>
+            </a:r>
+          </a:p>
+          <a:p>
+            <a:pPr marL="0" marR="0" lvl="0" indent="0" algn="l" defTabSz="914400" rtl="0" eaLnBrk="1" fontAlgn="auto" latinLnBrk="0" hangingPunct="1">
+              <a:lnSpc>
+                <a:spcPct val="100000"/>
+              </a:lnSpc>
+              <a:spcBef>
+                <a:spcPts val="0"/>
+              </a:spcBef>
+              <a:spcAft>
+                <a:spcPts val="0"/>
+              </a:spcAft>
+              <a:buClrTx/>
+              <a:buSzTx/>
+              <a:buFontTx/>
+              <a:buNone/>
+              <a:tabLst/>
+              <a:defRPr/>
+            </a:pPr>
+            <a:endParaRPr lang="en-US" dirty="0"/>
+          </a:p>
         </p:txBody>
       </p:sp>
       <p:sp>
@@ -1119,7 +1096,7 @@
     </p:spTree>
     <p:extLst>
       <p:ext uri="{BB962C8B-B14F-4D97-AF65-F5344CB8AC3E}">
-        <p14:creationId xmlns:p14="http://schemas.microsoft.com/office/powerpoint/2010/main" val="665525230"/>
+        <p14:creationId xmlns:p14="http://schemas.microsoft.com/office/powerpoint/2010/main" val="3595887585"/>
       </p:ext>
     </p:extLst>
   </p:cSld>
@@ -1198,27 +1175,7 @@
                 <a:effectLst/>
                 <a:latin typeface="charter"/>
               </a:rPr>
-              <a:t>We end this mini-lecture with another simulation.  Here we see how a decoder differs in the level of attention it pays to the words in a French sentence as it </a:t>
-            </a:r>
-            <a:r>
-              <a:rPr lang="en-US" b="0" i="0">
-                <a:solidFill>
-                  <a:srgbClr val="292929"/>
-                </a:solidFill>
-                <a:effectLst/>
-                <a:latin typeface="charter"/>
-              </a:rPr>
-              <a:t>predicts English equivalents.  </a:t>
-            </a:r>
-            <a:r>
-              <a:rPr lang="en-US" b="0" i="0" dirty="0">
-                <a:solidFill>
-                  <a:srgbClr val="757575"/>
-                </a:solidFill>
-                <a:effectLst/>
-                <a:latin typeface="sohne"/>
-              </a:rPr>
-              <a:t>This animation shows the weight given to each hidden state when translating the sentence “Je suis étudiant” to English. The darker the color, the more weight given to the associated word(s).</a:t>
+              <a:t>With multi-head attention, self-attention becomes multi-dimensional, giving it the ability to derive more nuanced translations.</a:t>
             </a:r>
             <a:endParaRPr lang="en-US" dirty="0"/>
           </a:p>
@@ -1250,7 +1207,7 @@
     </p:spTree>
     <p:extLst>
       <p:ext uri="{BB962C8B-B14F-4D97-AF65-F5344CB8AC3E}">
-        <p14:creationId xmlns:p14="http://schemas.microsoft.com/office/powerpoint/2010/main" val="88383915"/>
+        <p14:creationId xmlns:p14="http://schemas.microsoft.com/office/powerpoint/2010/main" val="666630874"/>
       </p:ext>
     </p:extLst>
   </p:cSld>
@@ -1304,6 +1261,148 @@
           <a:bodyPr/>
           <a:lstStyle/>
           <a:p>
+            <a:pPr algn="l"/>
+            <a:r>
+              <a:rPr lang="en-US" b="0" i="0" dirty="0">
+                <a:solidFill>
+                  <a:srgbClr val="292929"/>
+                </a:solidFill>
+                <a:effectLst/>
+                <a:latin typeface="charter"/>
+              </a:rPr>
+              <a:t>The basic idea behind </a:t>
+            </a:r>
+            <a:r>
+              <a:rPr lang="en-US" b="0" i="1" dirty="0">
+                <a:solidFill>
+                  <a:srgbClr val="292929"/>
+                </a:solidFill>
+                <a:effectLst/>
+                <a:latin typeface="charter"/>
+              </a:rPr>
+              <a:t>multi-head attention </a:t>
+            </a:r>
+            <a:r>
+              <a:rPr lang="en-US" b="0" i="0" dirty="0">
+                <a:solidFill>
+                  <a:srgbClr val="292929"/>
+                </a:solidFill>
+                <a:effectLst/>
+                <a:latin typeface="charter"/>
+              </a:rPr>
+              <a:t>is that a specific word in a sequence can be viewed in multiple ways.  Consider, for example, the three questions asked here, with each </a:t>
+            </a:r>
+            <a:r>
+              <a:rPr lang="en-US" b="1" i="0" dirty="0">
+                <a:solidFill>
+                  <a:srgbClr val="292929"/>
+                </a:solidFill>
+                <a:effectLst/>
+                <a:latin typeface="charter"/>
+              </a:rPr>
+              <a:t>attention head </a:t>
+            </a:r>
+            <a:r>
+              <a:rPr lang="en-US" b="0" i="0" dirty="0">
+                <a:solidFill>
+                  <a:srgbClr val="292929"/>
+                </a:solidFill>
+                <a:effectLst/>
+                <a:latin typeface="charter"/>
+              </a:rPr>
+              <a:t>being a different color – red, green, blue.   As shown here, attention changes, depending on the head and the question it asks.  With the green head, attention is on the first word, in response to the question of who did the action.  With the red head, attention shifts to the second word in response to the question – ‘Did what?’  And finally, the last word is the focus of attention in the blue head, in response to the question – ‘To whom?’.</a:t>
+            </a:r>
+          </a:p>
+          <a:p>
+            <a:pPr algn="l"/>
+            <a:endParaRPr lang="en-US" b="0" i="0" dirty="0">
+              <a:solidFill>
+                <a:srgbClr val="292929"/>
+              </a:solidFill>
+              <a:effectLst/>
+              <a:latin typeface="charter"/>
+            </a:endParaRPr>
+          </a:p>
+          <a:p>
+            <a:pPr algn="l"/>
+            <a:r>
+              <a:rPr lang="en-US" b="0" i="0" dirty="0">
+                <a:solidFill>
+                  <a:srgbClr val="292929"/>
+                </a:solidFill>
+                <a:effectLst/>
+                <a:latin typeface="charter"/>
+              </a:rPr>
+              <a:t>Of course, the translation of a given word to another language may vary, depending on the answer to each question.</a:t>
+            </a:r>
+          </a:p>
+          <a:p>
+            <a:pPr algn="l"/>
+            <a:endParaRPr lang="en-US" b="0" i="0" dirty="0">
+              <a:solidFill>
+                <a:srgbClr val="292929"/>
+              </a:solidFill>
+              <a:effectLst/>
+              <a:latin typeface="charter"/>
+            </a:endParaRPr>
+          </a:p>
+          <a:p>
+            <a:pPr algn="l"/>
+            <a:r>
+              <a:rPr lang="en-US" b="0" i="0" dirty="0">
+                <a:solidFill>
+                  <a:srgbClr val="292929"/>
+                </a:solidFill>
+                <a:effectLst/>
+                <a:latin typeface="charter"/>
+              </a:rPr>
+              <a:t>=====</a:t>
+            </a:r>
+          </a:p>
+          <a:p>
+            <a:pPr algn="l"/>
+            <a:endParaRPr lang="en-US" b="0" i="0" dirty="0">
+              <a:solidFill>
+                <a:srgbClr val="292929"/>
+              </a:solidFill>
+              <a:effectLst/>
+              <a:latin typeface="charter"/>
+            </a:endParaRPr>
+          </a:p>
+          <a:p>
+            <a:pPr algn="l"/>
+            <a:r>
+              <a:rPr lang="en-US" b="0" i="0" dirty="0">
+                <a:solidFill>
+                  <a:srgbClr val="292929"/>
+                </a:solidFill>
+                <a:effectLst/>
+                <a:latin typeface="charter"/>
+              </a:rPr>
+              <a:t>For example, instead of only paying attention to each other in one dimension, Transformers use the concept of </a:t>
+            </a:r>
+            <a:r>
+              <a:rPr lang="en-US" b="0" i="0" dirty="0" err="1">
+                <a:solidFill>
+                  <a:srgbClr val="292929"/>
+                </a:solidFill>
+                <a:effectLst/>
+                <a:latin typeface="charter"/>
+              </a:rPr>
+              <a:t>Multihead</a:t>
+            </a:r>
+            <a:r>
+              <a:rPr lang="en-US" b="0" i="0" dirty="0">
+                <a:solidFill>
+                  <a:srgbClr val="292929"/>
+                </a:solidFill>
+                <a:effectLst/>
+                <a:latin typeface="charter"/>
+              </a:rPr>
+              <a:t> attention. The idea behind it is that whenever you are translating a word, you may pay different attention to each word based on the type of question that you are asking. The images below show what that means. For example, whenever you are translating “kicked” in the sentence “I kicked the ball”, you may ask “Who kicked”. Depending on the answer, the translation of the word to another language can change. Or ask other questions, like “Did what?”, etc…</a:t>
+            </a:r>
+          </a:p>
+          <a:p>
             <a:pPr marL="0" marR="0" lvl="0" indent="0" algn="l" defTabSz="914400" rtl="0" eaLnBrk="1" fontAlgn="auto" latinLnBrk="0" hangingPunct="1">
               <a:lnSpc>
                 <a:spcPct val="100000"/>
@@ -1351,7 +1450,7 @@
     </p:spTree>
     <p:extLst>
       <p:ext uri="{BB962C8B-B14F-4D97-AF65-F5344CB8AC3E}">
-        <p14:creationId xmlns:p14="http://schemas.microsoft.com/office/powerpoint/2010/main" val="1985664105"/>
+        <p14:creationId xmlns:p14="http://schemas.microsoft.com/office/powerpoint/2010/main" val="665525230"/>
       </p:ext>
     </p:extLst>
   </p:cSld>
@@ -1422,6 +1521,36 @@
               <a:tabLst/>
               <a:defRPr/>
             </a:pPr>
+            <a:r>
+              <a:rPr lang="en-US" b="0" i="0" dirty="0">
+                <a:solidFill>
+                  <a:srgbClr val="292929"/>
+                </a:solidFill>
+                <a:effectLst/>
+                <a:latin typeface="charter"/>
+              </a:rPr>
+              <a:t>We end this mini-lecture with another simulation.  Here we see how a decoder differs in the level of attention it pays to the words in a French sentence as it </a:t>
+            </a:r>
+            <a:r>
+              <a:rPr lang="en-US" b="0" i="0">
+                <a:solidFill>
+                  <a:srgbClr val="292929"/>
+                </a:solidFill>
+                <a:effectLst/>
+                <a:latin typeface="charter"/>
+              </a:rPr>
+              <a:t>predicts English equivalents.  </a:t>
+            </a:r>
+            <a:r>
+              <a:rPr lang="en-US" b="0" i="0" dirty="0">
+                <a:solidFill>
+                  <a:srgbClr val="757575"/>
+                </a:solidFill>
+                <a:effectLst/>
+                <a:latin typeface="sohne"/>
+              </a:rPr>
+              <a:t>This animation shows the weight given to each hidden state when translating the sentence “Je suis étudiant” to English. The darker the color, the more weight given to the associated word(s).</a:t>
+            </a:r>
             <a:endParaRPr lang="en-US" dirty="0"/>
           </a:p>
         </p:txBody>
@@ -1452,7 +1581,7 @@
     </p:spTree>
     <p:extLst>
       <p:ext uri="{BB962C8B-B14F-4D97-AF65-F5344CB8AC3E}">
-        <p14:creationId xmlns:p14="http://schemas.microsoft.com/office/powerpoint/2010/main" val="4095264016"/>
+        <p14:creationId xmlns:p14="http://schemas.microsoft.com/office/powerpoint/2010/main" val="88383915"/>
       </p:ext>
     </p:extLst>
   </p:cSld>
@@ -1553,7 +1682,7 @@
     </p:spTree>
     <p:extLst>
       <p:ext uri="{BB962C8B-B14F-4D97-AF65-F5344CB8AC3E}">
-        <p14:creationId xmlns:p14="http://schemas.microsoft.com/office/powerpoint/2010/main" val="3333302820"/>
+        <p14:creationId xmlns:p14="http://schemas.microsoft.com/office/powerpoint/2010/main" val="1985664105"/>
       </p:ext>
     </p:extLst>
   </p:cSld>
@@ -1607,30 +1736,24 @@
           <a:bodyPr/>
           <a:lstStyle/>
           <a:p>
-            <a:pPr algn="l"/>
-            <a:r>
-              <a:rPr lang="en-US" dirty="0"/>
-              <a:t>Though powerful, RNNs have a few drawbacks. Because all the information about an input is represented in a single piece of state memory, or context vector, the networks inside each recurrent cell need to work hard to compress everything that’s needed into the available space. And no matter how large we make the state memory, we can always get an input that exceeds what the memory can hold, so something necessarily gets lost.  Another problem is that an RNN must be trained and used one word at a time. This can be a slow way to work, particularly with large databases.  Let’s start by reviewing basic RNN architecture….</a:t>
-            </a:r>
-          </a:p>
-          <a:p>
-            <a:pPr algn="l"/>
+            <a:pPr marL="0" marR="0" lvl="0" indent="0" algn="l" defTabSz="914400" rtl="0" eaLnBrk="1" fontAlgn="auto" latinLnBrk="0" hangingPunct="1">
+              <a:lnSpc>
+                <a:spcPct val="100000"/>
+              </a:lnSpc>
+              <a:spcBef>
+                <a:spcPts val="0"/>
+              </a:spcBef>
+              <a:spcAft>
+                <a:spcPts val="0"/>
+              </a:spcAft>
+              <a:buClrTx/>
+              <a:buSzTx/>
+              <a:buFontTx/>
+              <a:buNone/>
+              <a:tabLst/>
+              <a:defRPr/>
+            </a:pPr>
             <a:endParaRPr lang="en-US" dirty="0"/>
-          </a:p>
-          <a:p>
-            <a:pPr algn="l"/>
-            <a:r>
-              <a:rPr lang="en-US" dirty="0"/>
-              <a:t>An attention network is an alternative approach.  Attention networks do not have a state memory and can be trained and used in parallel. They can also be combined into larger structures called transformers; large language models capable of performing complex tasks like translation.  In fact, the building blocks of </a:t>
-            </a:r>
-            <a:r>
-              <a:rPr lang="en-US" b="1" dirty="0"/>
-              <a:t>transformers</a:t>
-            </a:r>
-            <a:r>
-              <a:rPr lang="en-US" dirty="0"/>
-              <a:t> can be used in other architectures that provide even more powerful language models, including generators.</a:t>
-            </a:r>
           </a:p>
         </p:txBody>
       </p:sp>
@@ -1652,6 +1775,223 @@
             <a:fld id="{3148858F-F1DB-4027-9C85-CCA6849540DD}" type="slidenum">
               <a:rPr lang="en-US" smtClean="0"/>
               <a:t>17</a:t>
+            </a:fld>
+            <a:endParaRPr lang="en-US"/>
+          </a:p>
+        </p:txBody>
+      </p:sp>
+    </p:spTree>
+    <p:extLst>
+      <p:ext uri="{BB962C8B-B14F-4D97-AF65-F5344CB8AC3E}">
+        <p14:creationId xmlns:p14="http://schemas.microsoft.com/office/powerpoint/2010/main" val="3333302820"/>
+      </p:ext>
+    </p:extLst>
+  </p:cSld>
+  <p:clrMapOvr>
+    <a:masterClrMapping/>
+  </p:clrMapOvr>
+</p:notes>
+</file>
+
+<file path=ppt/notesSlides/notesSlide18.xml><?xml version="1.0" encoding="utf-8"?>
+<p:notes xmlns:a="http://schemas.openxmlformats.org/drawingml/2006/main" xmlns:r="http://schemas.openxmlformats.org/officeDocument/2006/relationships" xmlns:p="http://schemas.openxmlformats.org/presentationml/2006/main">
+  <p:cSld>
+    <p:spTree>
+      <p:nvGrpSpPr>
+        <p:cNvPr id="1" name=""/>
+        <p:cNvGrpSpPr/>
+        <p:nvPr/>
+      </p:nvGrpSpPr>
+      <p:grpSpPr>
+        <a:xfrm>
+          <a:off x="0" y="0"/>
+          <a:ext cx="0" cy="0"/>
+          <a:chOff x="0" y="0"/>
+          <a:chExt cx="0" cy="0"/>
+        </a:xfrm>
+      </p:grpSpPr>
+      <p:sp>
+        <p:nvSpPr>
+          <p:cNvPr id="2" name="Slide Image Placeholder 1"/>
+          <p:cNvSpPr>
+            <a:spLocks noGrp="1" noRot="1" noChangeAspect="1"/>
+          </p:cNvSpPr>
+          <p:nvPr>
+            <p:ph type="sldImg"/>
+          </p:nvPr>
+        </p:nvSpPr>
+        <p:spPr/>
+      </p:sp>
+      <p:sp>
+        <p:nvSpPr>
+          <p:cNvPr id="3" name="Notes Placeholder 2"/>
+          <p:cNvSpPr>
+            <a:spLocks noGrp="1"/>
+          </p:cNvSpPr>
+          <p:nvPr>
+            <p:ph type="body" idx="1"/>
+          </p:nvPr>
+        </p:nvSpPr>
+        <p:spPr/>
+        <p:txBody>
+          <a:bodyPr/>
+          <a:lstStyle/>
+          <a:p>
+            <a:pPr marL="0" marR="0" lvl="0" indent="0" algn="l" defTabSz="914400" rtl="0" eaLnBrk="1" fontAlgn="auto" latinLnBrk="0" hangingPunct="1">
+              <a:lnSpc>
+                <a:spcPct val="100000"/>
+              </a:lnSpc>
+              <a:spcBef>
+                <a:spcPts val="0"/>
+              </a:spcBef>
+              <a:spcAft>
+                <a:spcPts val="0"/>
+              </a:spcAft>
+              <a:buClrTx/>
+              <a:buSzTx/>
+              <a:buFontTx/>
+              <a:buNone/>
+              <a:tabLst/>
+              <a:defRPr/>
+            </a:pPr>
+            <a:endParaRPr lang="en-US" dirty="0"/>
+          </a:p>
+        </p:txBody>
+      </p:sp>
+      <p:sp>
+        <p:nvSpPr>
+          <p:cNvPr id="4" name="Slide Number Placeholder 3"/>
+          <p:cNvSpPr>
+            <a:spLocks noGrp="1"/>
+          </p:cNvSpPr>
+          <p:nvPr>
+            <p:ph type="sldNum" sz="quarter" idx="5"/>
+          </p:nvPr>
+        </p:nvSpPr>
+        <p:spPr/>
+        <p:txBody>
+          <a:bodyPr/>
+          <a:lstStyle/>
+          <a:p>
+            <a:fld id="{3148858F-F1DB-4027-9C85-CCA6849540DD}" type="slidenum">
+              <a:rPr lang="en-US" smtClean="0"/>
+              <a:t>18</a:t>
+            </a:fld>
+            <a:endParaRPr lang="en-US"/>
+          </a:p>
+        </p:txBody>
+      </p:sp>
+    </p:spTree>
+    <p:extLst>
+      <p:ext uri="{BB962C8B-B14F-4D97-AF65-F5344CB8AC3E}">
+        <p14:creationId xmlns:p14="http://schemas.microsoft.com/office/powerpoint/2010/main" val="4095264016"/>
+      </p:ext>
+    </p:extLst>
+  </p:cSld>
+  <p:clrMapOvr>
+    <a:masterClrMapping/>
+  </p:clrMapOvr>
+</p:notes>
+</file>
+
+<file path=ppt/notesSlides/notesSlide19.xml><?xml version="1.0" encoding="utf-8"?>
+<p:notes xmlns:a="http://schemas.openxmlformats.org/drawingml/2006/main" xmlns:r="http://schemas.openxmlformats.org/officeDocument/2006/relationships" xmlns:p="http://schemas.openxmlformats.org/presentationml/2006/main">
+  <p:cSld>
+    <p:spTree>
+      <p:nvGrpSpPr>
+        <p:cNvPr id="1" name=""/>
+        <p:cNvGrpSpPr/>
+        <p:nvPr/>
+      </p:nvGrpSpPr>
+      <p:grpSpPr>
+        <a:xfrm>
+          <a:off x="0" y="0"/>
+          <a:ext cx="0" cy="0"/>
+          <a:chOff x="0" y="0"/>
+          <a:chExt cx="0" cy="0"/>
+        </a:xfrm>
+      </p:grpSpPr>
+      <p:sp>
+        <p:nvSpPr>
+          <p:cNvPr id="2" name="Slide Image Placeholder 1"/>
+          <p:cNvSpPr>
+            <a:spLocks noGrp="1" noRot="1" noChangeAspect="1"/>
+          </p:cNvSpPr>
+          <p:nvPr>
+            <p:ph type="sldImg"/>
+          </p:nvPr>
+        </p:nvSpPr>
+        <p:spPr/>
+      </p:sp>
+      <p:sp>
+        <p:nvSpPr>
+          <p:cNvPr id="3" name="Notes Placeholder 2"/>
+          <p:cNvSpPr>
+            <a:spLocks noGrp="1"/>
+          </p:cNvSpPr>
+          <p:nvPr>
+            <p:ph type="body" idx="1"/>
+          </p:nvPr>
+        </p:nvSpPr>
+        <p:spPr/>
+        <p:txBody>
+          <a:bodyPr/>
+          <a:lstStyle/>
+          <a:p>
+            <a:pPr algn="l"/>
+            <a:r>
+              <a:rPr lang="en-US" dirty="0"/>
+              <a:t>Though powerful, RNN architecture suffers from two significant limitations: </a:t>
+            </a:r>
+          </a:p>
+          <a:p>
+            <a:pPr algn="l"/>
+            <a:endParaRPr lang="en-US" dirty="0"/>
+          </a:p>
+          <a:p>
+            <a:pPr marL="228600" indent="-228600" algn="l">
+              <a:buAutoNum type="arabicPeriod"/>
+            </a:pPr>
+            <a:r>
+              <a:rPr lang="en-US" dirty="0"/>
+              <a:t>Because all the information about an input is represented in a single piece of state memory, or context vector, the networks inside each recurrent cell must compress everything that’s needed into the available space. And no matter how large we make the state memory, we can always get an input that exceeds available memory.   Inevitably, vital information is lost.  </a:t>
+            </a:r>
+          </a:p>
+          <a:p>
+            <a:pPr marL="228600" indent="-228600" algn="l">
+              <a:buAutoNum type="arabicPeriod"/>
+            </a:pPr>
+            <a:r>
+              <a:rPr lang="en-US" dirty="0"/>
+              <a:t>A second problem is that a RNN must be trained and used one word at a time. This can be a slow way to work, especially with large datasets. </a:t>
+            </a:r>
+          </a:p>
+          <a:p>
+            <a:pPr marL="0" indent="0" algn="l">
+              <a:buNone/>
+            </a:pPr>
+            <a:endParaRPr lang="en-US" dirty="0"/>
+          </a:p>
+        </p:txBody>
+      </p:sp>
+      <p:sp>
+        <p:nvSpPr>
+          <p:cNvPr id="4" name="Slide Number Placeholder 3"/>
+          <p:cNvSpPr>
+            <a:spLocks noGrp="1"/>
+          </p:cNvSpPr>
+          <p:nvPr>
+            <p:ph type="sldNum" sz="quarter" idx="5"/>
+          </p:nvPr>
+        </p:nvSpPr>
+        <p:spPr/>
+        <p:txBody>
+          <a:bodyPr/>
+          <a:lstStyle/>
+          <a:p>
+            <a:fld id="{3148858F-F1DB-4027-9C85-CCA6849540DD}" type="slidenum">
+              <a:rPr lang="en-US" smtClean="0"/>
+              <a:t>19</a:t>
             </a:fld>
             <a:endParaRPr lang="en-US"/>
           </a:p>
@@ -1816,7 +2156,18 @@
             <a:pPr algn="l" fontAlgn="base"/>
             <a:r>
               <a:rPr lang="en-US" dirty="0"/>
-              <a:t>RNN models contain a feedback loop which allows information to move from one step to another, making them ideal for modeling sequential data like text. As illustrated on the left side of this image, an RNN receives some input (a word or character), feeds it through the network, and outputs a vector called the hidden state. At the same time, the model feeds some information back to itself through the feedback loop, which it can then use in the next step. This is clearly seen if we “unroll” the loop as shown on the right side of this image: the RNN passes information about its state at each step to the next operation in the sequence. This allows an RNN to keep track of information from previous steps and use it for its output predictions.</a:t>
+              <a:t>RNN models contain a feedback loop which allows information to move from one step to another.  As such, they’re ideal for modeling sequential data like text. As illustrated here, an RNN receives some input (a word or character), feeds it through the network, and outputs a vector called the hidden state. At the same time, the model feeds some information back to itself via the feedback loop, which it can then use in the next step. </a:t>
+            </a:r>
+          </a:p>
+          <a:p>
+            <a:pPr algn="l" fontAlgn="base"/>
+            <a:endParaRPr lang="en-US" dirty="0"/>
+          </a:p>
+          <a:p>
+            <a:pPr algn="l" fontAlgn="base"/>
+            <a:r>
+              <a:rPr lang="en-US" dirty="0"/>
+              <a:t>To the right of the equal sign, the RNN process is unrolled. During each iteration, the RNN cell passes information about its state to the next operation in the sequence. This allows the cell to retain information from previous steps and use it for its output predictions.</a:t>
             </a:r>
           </a:p>
           <a:p>
@@ -1926,7 +2277,7 @@
               <a:rPr lang="en-US" sz="1100" dirty="0">
                 <a:latin typeface="Palatino Linotype" panose="02040502050505030304" pitchFamily="18" charset="0"/>
               </a:rPr>
-              <a:t>RNN architecture worked reasonably well, enabling early machine translation systems.  The way in which RNNs translate text is usually done by linking an Encoder to a Decoder.  This architecture works well when both the input and output sequences are of fixed length.  Here a short English sentence of 3 words plus exclamation point is translated into German.  The encoder ingests each sentence element sequentially while maintaining its state along the way.  The encoder’s last hidden state – a numerical representation of the entire sentence – is then passed to the decoder which, in turn, generates the German elements from top to bottom.</a:t>
+              <a:t>The RNN architecture enabled early machine translation systems.  The way in which RNNs translate text is usually done by linking an Encoder to a Decoder.  This architecture works well when both the input and output sequences are of fixed length.  Here a short English sentence of 3 words plus exclamation point is translated into German.  The encoder ingests each sentence element sequentially while maintaining its state along the way.  The encoder’s last hidden state – a numerical representation of the entire sentence – is then passed to the decoder.  The decoder, in turn, generates the German equivalents from top to bottom.</a:t>
             </a:r>
           </a:p>
           <a:p>
@@ -1985,7 +2336,54 @@
               <a:rPr lang="en-US" sz="1100" dirty="0">
                 <a:latin typeface="Palatino Linotype" panose="02040502050505030304" pitchFamily="18" charset="0"/>
               </a:rPr>
-              <a:t> input sequence in a compressed form.  With long sequences, this creates a challenge in that information at the start of the sequence might be lost in the process of compressing everything into a single (fixed) representation.  This can affect the decoder as that final state is all it has to do its job.  </a:t>
+              <a:t> input sequence in a compressed form.  With long sequences, this creates a challenge.  The information at the start of the sequence might be lost in the process of compressing everything into a single (fixed) representation.  </a:t>
+            </a:r>
+          </a:p>
+          <a:p>
+            <a:pPr marL="0" marR="0" lvl="0" indent="0" algn="l" defTabSz="914400" rtl="0" eaLnBrk="1" fontAlgn="auto" latinLnBrk="0" hangingPunct="1">
+              <a:lnSpc>
+                <a:spcPct val="100000"/>
+              </a:lnSpc>
+              <a:spcBef>
+                <a:spcPts val="0"/>
+              </a:spcBef>
+              <a:spcAft>
+                <a:spcPts val="0"/>
+              </a:spcAft>
+              <a:buClrTx/>
+              <a:buSzTx/>
+              <a:buFontTx/>
+              <a:buNone/>
+              <a:tabLst/>
+              <a:defRPr/>
+            </a:pPr>
+            <a:endParaRPr lang="en-US" sz="1100" dirty="0">
+              <a:latin typeface="Palatino Linotype" panose="02040502050505030304" pitchFamily="18" charset="0"/>
+            </a:endParaRPr>
+          </a:p>
+          <a:p>
+            <a:pPr marL="0" marR="0" lvl="0" indent="0" algn="l" defTabSz="914400" rtl="0" eaLnBrk="1" fontAlgn="auto" latinLnBrk="0" hangingPunct="1">
+              <a:lnSpc>
+                <a:spcPct val="100000"/>
+              </a:lnSpc>
+              <a:spcBef>
+                <a:spcPts val="0"/>
+              </a:spcBef>
+              <a:spcAft>
+                <a:spcPts val="0"/>
+              </a:spcAft>
+              <a:buClrTx/>
+              <a:buSzTx/>
+              <a:buFontTx/>
+              <a:buNone/>
+              <a:tabLst/>
+              <a:defRPr/>
+            </a:pPr>
+            <a:r>
+              <a:rPr lang="en-US" sz="1100" dirty="0">
+                <a:latin typeface="Palatino Linotype" panose="02040502050505030304" pitchFamily="18" charset="0"/>
+              </a:rPr>
+              <a:t>When that happens, the decoder is unable to do its job well.</a:t>
             </a:r>
           </a:p>
           <a:p>
@@ -2117,7 +2515,7 @@
                 <a:effectLst/>
                 <a:latin typeface="charter"/>
               </a:rPr>
-              <a:t>Before moving on, let’s visualize the bottleneck problem.  This animation shows how a RNN sequence-to-sequence model works. Each word is processed separately, with a single hidden state passed between words before being handed off to the decoder which generates the output.</a:t>
+              <a:t>Let’s simulate the bottleneck problem.  This animation shows how a RNN sequence-to-sequence model works. Each word is processed separately, with a single hidden state passed between words before being handed off to the decoder which generates the output.</a:t>
             </a:r>
           </a:p>
           <a:p>
@@ -2347,88 +2745,187 @@
           <a:bodyPr/>
           <a:lstStyle/>
           <a:p>
-            <a:pPr algn="l"/>
-            <a:r>
-              <a:rPr lang="en-US" dirty="0">
-                <a:latin typeface="+mn-lt"/>
-              </a:rPr>
-              <a:t>Let’s consider another sentence…</a:t>
-            </a:r>
-          </a:p>
-          <a:p>
-            <a:pPr algn="l"/>
-            <a:endParaRPr lang="en-US" dirty="0">
-              <a:latin typeface="+mn-lt"/>
-            </a:endParaRPr>
-          </a:p>
-          <a:p>
-            <a:pPr algn="l"/>
-            <a:r>
-              <a:rPr lang="en-US" dirty="0">
-                <a:latin typeface="+mn-lt"/>
-              </a:rPr>
-              <a:t>Suppose we want to translate the sentence “I saw a big dog eat his dinner.”  Now when we translate the word ‘dog’, we probably don’t care about the word saw.  But to translate the pronoun ‘his’, we need to connect that to the two words – ‘big dog.’</a:t>
-            </a:r>
-          </a:p>
-          <a:p>
-            <a:pPr algn="l"/>
-            <a:endParaRPr lang="en-US" dirty="0">
-              <a:latin typeface="+mn-lt"/>
-            </a:endParaRPr>
-          </a:p>
-          <a:p>
-            <a:pPr algn="l"/>
-            <a:r>
-              <a:rPr lang="en-US" dirty="0">
-                <a:latin typeface="+mn-lt"/>
-              </a:rPr>
-              <a:t>This same logic holds true for all the other words in a particular sentence.  For each word, we must figure out what other words influence its translation and focus on just those words while ignoring the others.  And of course, the algorithm that does this job is called </a:t>
-            </a:r>
-            <a:r>
-              <a:rPr lang="en-US" b="1" dirty="0">
-                <a:latin typeface="+mn-lt"/>
-              </a:rPr>
-              <a:t>attention</a:t>
-            </a:r>
-            <a:r>
-              <a:rPr lang="en-US" dirty="0">
-                <a:latin typeface="+mn-lt"/>
-              </a:rPr>
-              <a:t>, or </a:t>
-            </a:r>
-            <a:r>
-              <a:rPr lang="en-US" b="1" dirty="0">
-                <a:latin typeface="+mn-lt"/>
-              </a:rPr>
-              <a:t>self-attention</a:t>
-            </a:r>
-            <a:r>
-              <a:rPr lang="en-US" dirty="0">
-                <a:latin typeface="+mn-lt"/>
-              </a:rPr>
-              <a:t>. Attention lets us focus our resources on only the parts of the input that matter.  </a:t>
-            </a:r>
-          </a:p>
-          <a:p>
-            <a:pPr algn="l"/>
-            <a:endParaRPr lang="en-US" dirty="0">
-              <a:latin typeface="+mn-lt"/>
-            </a:endParaRPr>
-          </a:p>
-          <a:p>
-            <a:pPr algn="l"/>
-            <a:r>
-              <a:rPr lang="en-US" dirty="0">
-                <a:latin typeface="+mn-lt"/>
-              </a:rPr>
-              <a:t>The way in which attention works can be illustrated by way of a story.</a:t>
-            </a:r>
-          </a:p>
-          <a:p>
-            <a:pPr algn="l"/>
-            <a:endParaRPr lang="en-US" dirty="0">
-              <a:latin typeface="+mn-lt"/>
-            </a:endParaRPr>
+            <a:pPr marL="0" marR="0" lvl="0" indent="0" algn="l" defTabSz="914400" rtl="0" eaLnBrk="1" fontAlgn="auto" latinLnBrk="0" hangingPunct="1">
+              <a:lnSpc>
+                <a:spcPct val="100000"/>
+              </a:lnSpc>
+              <a:spcBef>
+                <a:spcPts val="0"/>
+              </a:spcBef>
+              <a:spcAft>
+                <a:spcPts val="0"/>
+              </a:spcAft>
+              <a:buClrTx/>
+              <a:buSzTx/>
+              <a:buFontTx/>
+              <a:buNone/>
+              <a:tabLst/>
+              <a:defRPr/>
+            </a:pPr>
+            <a:r>
+              <a:rPr lang="en-US" dirty="0"/>
+              <a:t>Attention is a relatively simple idea.  Rather than produce a single (or final) hidden state to represent an input sequence, the encoder outputs a hidden state at each step, with all states accessible to the decoder.  In this image, the hidden state for each word in the English sentence is available to the 2</a:t>
+            </a:r>
+            <a:r>
+              <a:rPr lang="en-US" baseline="30000" dirty="0"/>
+              <a:t>nd</a:t>
+            </a:r>
+            <a:r>
+              <a:rPr lang="en-US" dirty="0"/>
+              <a:t> decoder cell.  </a:t>
+            </a:r>
+          </a:p>
+          <a:p>
+            <a:pPr marL="0" marR="0" lvl="0" indent="0" algn="l" defTabSz="914400" rtl="0" eaLnBrk="1" fontAlgn="auto" latinLnBrk="0" hangingPunct="1">
+              <a:lnSpc>
+                <a:spcPct val="100000"/>
+              </a:lnSpc>
+              <a:spcBef>
+                <a:spcPts val="0"/>
+              </a:spcBef>
+              <a:spcAft>
+                <a:spcPts val="0"/>
+              </a:spcAft>
+              <a:buClrTx/>
+              <a:buSzTx/>
+              <a:buFontTx/>
+              <a:buNone/>
+              <a:tabLst/>
+              <a:defRPr/>
+            </a:pPr>
+            <a:endParaRPr lang="en-US" dirty="0"/>
+          </a:p>
+          <a:p>
+            <a:pPr marL="0" marR="0" lvl="0" indent="0" algn="l" defTabSz="914400" rtl="0" eaLnBrk="1" fontAlgn="auto" latinLnBrk="0" hangingPunct="1">
+              <a:lnSpc>
+                <a:spcPct val="100000"/>
+              </a:lnSpc>
+              <a:spcBef>
+                <a:spcPts val="0"/>
+              </a:spcBef>
+              <a:spcAft>
+                <a:spcPts val="0"/>
+              </a:spcAft>
+              <a:buClrTx/>
+              <a:buSzTx/>
+              <a:buFontTx/>
+              <a:buNone/>
+              <a:tabLst/>
+              <a:defRPr/>
+            </a:pPr>
+            <a:r>
+              <a:rPr lang="en-US" dirty="0"/>
+              <a:t>This strategy works well for short sentences, but it breaks when a sequence is long.  Accessing thousands of hidden states at the same time creates a lot of work for the decoder.   Attention reduces this workload by assigning a different amount of weight or “attention” to each state.  </a:t>
+            </a:r>
+          </a:p>
+          <a:p>
+            <a:pPr marL="0" marR="0" lvl="0" indent="0" algn="l" defTabSz="914400" rtl="0" eaLnBrk="1" fontAlgn="auto" latinLnBrk="0" hangingPunct="1">
+              <a:lnSpc>
+                <a:spcPct val="100000"/>
+              </a:lnSpc>
+              <a:spcBef>
+                <a:spcPts val="0"/>
+              </a:spcBef>
+              <a:spcAft>
+                <a:spcPts val="0"/>
+              </a:spcAft>
+              <a:buClrTx/>
+              <a:buSzTx/>
+              <a:buFontTx/>
+              <a:buNone/>
+              <a:tabLst/>
+              <a:defRPr/>
+            </a:pPr>
+            <a:endParaRPr lang="en-US" dirty="0"/>
+          </a:p>
+          <a:p>
+            <a:pPr marL="0" marR="0" lvl="0" indent="0" algn="l" defTabSz="914400" rtl="0" eaLnBrk="1" fontAlgn="auto" latinLnBrk="0" hangingPunct="1">
+              <a:lnSpc>
+                <a:spcPct val="100000"/>
+              </a:lnSpc>
+              <a:spcBef>
+                <a:spcPts val="0"/>
+              </a:spcBef>
+              <a:spcAft>
+                <a:spcPts val="0"/>
+              </a:spcAft>
+              <a:buClrTx/>
+              <a:buSzTx/>
+              <a:buFontTx/>
+              <a:buNone/>
+              <a:tabLst/>
+              <a:defRPr/>
+            </a:pPr>
+            <a:r>
+              <a:rPr lang="en-US" dirty="0"/>
+              <a:t>===== </a:t>
+            </a:r>
+          </a:p>
+          <a:p>
+            <a:pPr marL="0" marR="0" lvl="0" indent="0" algn="l" defTabSz="914400" rtl="0" eaLnBrk="1" fontAlgn="auto" latinLnBrk="0" hangingPunct="1">
+              <a:lnSpc>
+                <a:spcPct val="100000"/>
+              </a:lnSpc>
+              <a:spcBef>
+                <a:spcPts val="0"/>
+              </a:spcBef>
+              <a:spcAft>
+                <a:spcPts val="0"/>
+              </a:spcAft>
+              <a:buClrTx/>
+              <a:buSzTx/>
+              <a:buFontTx/>
+              <a:buNone/>
+              <a:tabLst/>
+              <a:defRPr/>
+            </a:pPr>
+            <a:r>
+              <a:rPr lang="en-US" dirty="0"/>
+              <a:t>The key idea behind attention is as follows:  rather than produce a single (or final) hidden state to represent an input sequence, the encoder outputs a hidden state at each step, with all states accessible to the decoder.  However, using all those states at the same time would create a huge input for the decoder.  Thus, we need a mechanism to prioritize which states to use.  Attention does just that.  It lets the decoder assign a different amount of weight, or “attention,” to each of the encoder states at each decoding timestep.  The role of attention is shown here as the decoder predicts the second token in an output sequence.</a:t>
+            </a:r>
+          </a:p>
+          <a:p>
+            <a:pPr marL="0" marR="0" lvl="0" indent="0" algn="l" defTabSz="914400" rtl="0" eaLnBrk="1" fontAlgn="auto" latinLnBrk="0" hangingPunct="1">
+              <a:lnSpc>
+                <a:spcPct val="100000"/>
+              </a:lnSpc>
+              <a:spcBef>
+                <a:spcPts val="0"/>
+              </a:spcBef>
+              <a:spcAft>
+                <a:spcPts val="0"/>
+              </a:spcAft>
+              <a:buClrTx/>
+              <a:buSzTx/>
+              <a:buFontTx/>
+              <a:buNone/>
+              <a:tabLst/>
+              <a:defRPr/>
+            </a:pPr>
+            <a:endParaRPr lang="en-US" dirty="0"/>
+          </a:p>
+          <a:p>
+            <a:pPr marL="0" marR="0" lvl="0" indent="0" algn="l" defTabSz="914400" rtl="0" eaLnBrk="1" fontAlgn="auto" latinLnBrk="0" hangingPunct="1">
+              <a:lnSpc>
+                <a:spcPct val="100000"/>
+              </a:lnSpc>
+              <a:spcBef>
+                <a:spcPts val="0"/>
+              </a:spcBef>
+              <a:spcAft>
+                <a:spcPts val="0"/>
+              </a:spcAft>
+              <a:buClrTx/>
+              <a:buSzTx/>
+              <a:buFontTx/>
+              <a:buNone/>
+              <a:tabLst/>
+              <a:defRPr/>
+            </a:pPr>
+            <a:r>
+              <a:rPr lang="en-US" dirty="0"/>
+              <a:t>By focusing on which input tokens are most relevant at each timestep, attention-based models can learn nontrivial alignments between the words in a generated translation and those in a source sentence. </a:t>
+            </a:r>
           </a:p>
         </p:txBody>
       </p:sp>
@@ -2458,7 +2955,7 @@
     </p:spTree>
     <p:extLst>
       <p:ext uri="{BB962C8B-B14F-4D97-AF65-F5344CB8AC3E}">
-        <p14:creationId xmlns:p14="http://schemas.microsoft.com/office/powerpoint/2010/main" val="157207674"/>
+        <p14:creationId xmlns:p14="http://schemas.microsoft.com/office/powerpoint/2010/main" val="4057235265"/>
       </p:ext>
     </p:extLst>
   </p:cSld>
@@ -2512,105 +3009,118 @@
           <a:bodyPr/>
           <a:lstStyle/>
           <a:p>
-            <a:pPr algn="l"/>
+            <a:pPr marL="0" marR="0" lvl="0" indent="0" algn="l" defTabSz="914400" rtl="0" eaLnBrk="1" fontAlgn="auto" latinLnBrk="0" hangingPunct="1">
+              <a:lnSpc>
+                <a:spcPct val="100000"/>
+              </a:lnSpc>
+              <a:spcBef>
+                <a:spcPts val="0"/>
+              </a:spcBef>
+              <a:spcAft>
+                <a:spcPts val="0"/>
+              </a:spcAft>
+              <a:buClrTx/>
+              <a:buSzTx/>
+              <a:buFontTx/>
+              <a:buNone/>
+              <a:tabLst/>
+              <a:defRPr/>
+            </a:pPr>
             <a:r>
               <a:rPr lang="en-US" dirty="0"/>
-              <a:t>Suppose a friend sends us to the paint store with a request for a color that is </a:t>
-            </a:r>
-            <a:r>
-              <a:rPr lang="en-US" i="1" dirty="0"/>
-              <a:t>light yellow with a bit of dark orange</a:t>
-            </a:r>
+              <a:t>Attention led to much better translations, but it still had a major shortcoming.  The computations are inherently sequential and cannot be parallelized across the input sequence.</a:t>
+            </a:r>
+          </a:p>
+          <a:p>
+            <a:pPr marL="0" marR="0" lvl="0" indent="0" algn="l" defTabSz="914400" rtl="0" eaLnBrk="1" fontAlgn="auto" latinLnBrk="0" hangingPunct="1">
+              <a:lnSpc>
+                <a:spcPct val="100000"/>
+              </a:lnSpc>
+              <a:spcBef>
+                <a:spcPts val="0"/>
+              </a:spcBef>
+              <a:spcAft>
+                <a:spcPts val="0"/>
+              </a:spcAft>
+              <a:buClrTx/>
+              <a:buSzTx/>
+              <a:buFontTx/>
+              <a:buNone/>
+              <a:tabLst/>
+              <a:defRPr/>
+            </a:pPr>
+            <a:endParaRPr lang="en-US" dirty="0"/>
+          </a:p>
+          <a:p>
+            <a:pPr marL="0" marR="0" lvl="0" indent="0" algn="l" defTabSz="914400" rtl="0" eaLnBrk="1" fontAlgn="auto" latinLnBrk="0" hangingPunct="1">
+              <a:lnSpc>
+                <a:spcPct val="100000"/>
+              </a:lnSpc>
+              <a:spcBef>
+                <a:spcPts val="0"/>
+              </a:spcBef>
+              <a:spcAft>
+                <a:spcPts val="0"/>
+              </a:spcAft>
+              <a:buClrTx/>
+              <a:buSzTx/>
+              <a:buFontTx/>
+              <a:buNone/>
+              <a:tabLst/>
+              <a:defRPr/>
+            </a:pPr>
             <a:r>
               <a:rPr lang="en-US" dirty="0"/>
-              <a:t>. But when we get there, the store has no color like that.  It looks like we'll have to mix a custom color.  So how do we do that?  Well, the first step is to search the store's existing inventory, checking the description on each can's label to see how closely it matches the request.  And to the extent it does, we include an appropriate amount of that color. As shown here, equal amounts of Sunny Yellow and Orange Crush have been used.  This makes sense because the labels on these two cans match our request for yellow and orange.  But what about Lunch *with* Teal?  Interestingly, that color is included because our request has the word 'with' in it, as does the can's label.  Thus, a small amount (10%) of Lunch **with** Teal is added to the mix.</a:t>
-            </a:r>
-          </a:p>
-          <a:p>
-            <a:pPr algn="l"/>
+              <a:t>With the transformer, a new model architecture was introduced.  Drop recurrence altogether and use a special form of attention called </a:t>
+            </a:r>
+            <a:r>
+              <a:rPr lang="en-US" b="1" dirty="0"/>
+              <a:t>self-attention</a:t>
+            </a:r>
+            <a:r>
+              <a:rPr lang="en-US" dirty="0"/>
+              <a:t> instead.  The basic idea is to allow attention to operate on all the states in the same layer of the neural network.  As pictured here, both the encoder and decoder have their own self-attention mechanisms, with their outputs fed to feed-forward neural networks (FF NNs). This architecture trains much faster than recurrent models, and it paved the way for many NLP breakthroughs.</a:t>
+            </a:r>
+          </a:p>
+          <a:p>
+            <a:pPr marL="0" marR="0" lvl="0" indent="0" algn="l" defTabSz="914400" rtl="0" eaLnBrk="1" fontAlgn="auto" latinLnBrk="0" hangingPunct="1">
+              <a:lnSpc>
+                <a:spcPct val="100000"/>
+              </a:lnSpc>
+              <a:spcBef>
+                <a:spcPts val="0"/>
+              </a:spcBef>
+              <a:spcAft>
+                <a:spcPts val="0"/>
+              </a:spcAft>
+              <a:buClrTx/>
+              <a:buSzTx/>
+              <a:buFontTx/>
+              <a:buNone/>
+              <a:tabLst/>
+              <a:defRPr/>
+            </a:pPr>
             <a:endParaRPr lang="en-US" dirty="0"/>
           </a:p>
           <a:p>
-            <a:pPr marL="228600" indent="-228600" algn="l">
-              <a:buAutoNum type="arabicPeriod"/>
+            <a:pPr marL="0" marR="0" lvl="0" indent="0" algn="l" defTabSz="914400" rtl="0" eaLnBrk="1" fontAlgn="auto" latinLnBrk="0" hangingPunct="1">
+              <a:lnSpc>
+                <a:spcPct val="100000"/>
+              </a:lnSpc>
+              <a:spcBef>
+                <a:spcPts val="0"/>
+              </a:spcBef>
+              <a:spcAft>
+                <a:spcPts val="0"/>
+              </a:spcAft>
+              <a:buClrTx/>
+              <a:buSzTx/>
+              <a:buFontTx/>
+              <a:buNone/>
+              <a:tabLst/>
+              <a:defRPr/>
             </a:pPr>
-            <a:r>
-              <a:rPr lang="en-US" dirty="0"/>
-              <a:t>So far, we've used everyday words to describe the attention process.  But in the literature, these terms are never used, only the technical equivalents listed in the table. You will encounter this technical vocabulary shortly in the hands-on exercise.</a:t>
-            </a:r>
-          </a:p>
-          <a:p>
-            <a:pPr algn="l"/>
             <a:endParaRPr lang="en-US" dirty="0"/>
-          </a:p>
-          <a:p>
-            <a:pPr algn="l"/>
-            <a:r>
-              <a:rPr lang="en-US" dirty="0"/>
-              <a:t>=====</a:t>
-            </a:r>
-          </a:p>
-          <a:p>
-            <a:pPr algn="l"/>
-            <a:r>
-              <a:rPr lang="en-US" dirty="0"/>
-              <a:t>Suppose that you need to buy some paint, but all you’ve been told is that the color should be “light yellow with a bit of dark orange.”</a:t>
-            </a:r>
-          </a:p>
-          <a:p>
-            <a:pPr algn="l"/>
-            <a:endParaRPr lang="en-US" dirty="0"/>
-          </a:p>
-          <a:p>
-            <a:pPr algn="l"/>
-            <a:r>
-              <a:rPr lang="en-US" dirty="0"/>
-              <a:t>At the only paint store in town, the clerk on duty is new to the paint department and isn’t personally familiar with the colors. You both presume you’ll need to mix a few of their standard paints to get the color you want, but you don’t know which paints to choose or how much of each to use.</a:t>
-            </a:r>
-          </a:p>
-          <a:p>
-            <a:pPr algn="l"/>
-            <a:endParaRPr lang="en-US" dirty="0"/>
-          </a:p>
-          <a:p>
-            <a:pPr algn="l"/>
-            <a:r>
-              <a:rPr lang="en-US" dirty="0"/>
-              <a:t>The clerk suggests that you compare your desired color description with the color names on each can of paint they carry. Some names will probably match better than others. The clerk puts a funnel on top of an empty can and suggests that you pour in some of each can of paint on the shelves, guided by how well that can’s name matches your description. That is, you’ll compare your desired description “light yellow with a bit of dark orange” with what’s printed on the label of each can, and the better the match, the more of that paint you’ll pour into the funnel.</a:t>
-            </a:r>
-          </a:p>
-          <a:p>
-            <a:pPr algn="l"/>
-            <a:endParaRPr lang="en-US" dirty="0"/>
-          </a:p>
-          <a:p>
-            <a:pPr algn="l"/>
-            <a:r>
-              <a:rPr lang="en-US" dirty="0"/>
-              <a:t>The figure here shows the idea visually for six cans of paint. It shows their names and the quality of each name’s match with your desired color’s description. We got good matches on “Sunny Yellow” and “Orange Crush,” though a little bit of “Lunch with Teal” snuck in thanks to the match with the word “with.”</a:t>
-            </a:r>
-          </a:p>
-          <a:p>
-            <a:pPr algn="l"/>
-            <a:endParaRPr lang="en-US" dirty="0"/>
-          </a:p>
-          <a:p>
-            <a:pPr algn="l"/>
-            <a:r>
-              <a:rPr lang="en-US" dirty="0"/>
-              <a:t>There are three things to focus on in this story. First, there’s your request: “light yellow with a bit of dark orange.” Second, there’s the description on each can of paint, like “Sunny Yellow” or “Mellow Blue.” Third, there’s the content of the paint that’s actually inside each can. In the story, you compared your request with each can’s description to find out how well they match. The better the match, the more of that can’s content you used in the final mixture.</a:t>
-            </a:r>
-          </a:p>
-          <a:p>
-            <a:pPr algn="l"/>
-            <a:endParaRPr lang="en-US" dirty="0"/>
-          </a:p>
-          <a:p>
-            <a:pPr algn="l"/>
-            <a:r>
-              <a:rPr lang="en-US" dirty="0"/>
-              <a:t>That’s attention in a nutshell. Given a request, compare it to the description of each possible item and include some of the content of each item based on how well its description matches the request.</a:t>
-            </a:r>
           </a:p>
         </p:txBody>
       </p:sp>
@@ -2640,7 +3150,7 @@
     </p:spTree>
     <p:extLst>
       <p:ext uri="{BB962C8B-B14F-4D97-AF65-F5344CB8AC3E}">
-        <p14:creationId xmlns:p14="http://schemas.microsoft.com/office/powerpoint/2010/main" val="832568139"/>
+        <p14:creationId xmlns:p14="http://schemas.microsoft.com/office/powerpoint/2010/main" val="627985707"/>
       </p:ext>
     </p:extLst>
   </p:cSld>
@@ -2712,8 +3222,14 @@
               <a:defRPr/>
             </a:pPr>
             <a:r>
-              <a:rPr lang="en-US" dirty="0"/>
-              <a:t>The key idea behind attention is as follows:  rather than produce a single (or final) hidden state to represent an input sequence, the encoder outputs a hidden state at each step, with all states accessible to the decoder.  However, using all those states at the same time would create a huge input for the decoder.  Thus, we need a mechanism to prioritize which states to use.  Attention does just that.  It lets the decoder assign a different amount of weight, or “attention,” to each of the encoder states at each decoding timestep.  The role of attention is shown here as the decoder predicts the second token in an output sequence.</a:t>
+              <a:rPr lang="en-US" b="0" i="0" dirty="0">
+                <a:solidFill>
+                  <a:srgbClr val="292929"/>
+                </a:solidFill>
+                <a:effectLst/>
+                <a:latin typeface="charter"/>
+              </a:rPr>
+              <a:t>Let’s simulate the attention mechanism of our simple English/German translator.  Rather than encode the whole sentence in a single hidden state, each word’s hidden state is passed to the decoder.  All these hidden states, in turn, are then used at each step of the decoding process.  </a:t>
             </a:r>
           </a:p>
           <a:p>
@@ -2734,7 +3250,13 @@
               <a:tabLst/>
               <a:defRPr/>
             </a:pPr>
-            <a:endParaRPr lang="en-US" dirty="0"/>
+            <a:endParaRPr lang="en-US" b="0" i="0" dirty="0">
+              <a:solidFill>
+                <a:srgbClr val="292929"/>
+              </a:solidFill>
+              <a:effectLst/>
+              <a:latin typeface="charter"/>
+            </a:endParaRPr>
           </a:p>
           <a:p>
             <a:pPr marL="0" marR="0" lvl="0" indent="0" algn="l" defTabSz="914400" rtl="0" eaLnBrk="1" fontAlgn="auto" latinLnBrk="0" hangingPunct="1">
@@ -2754,10 +3276,13 @@
               <a:tabLst/>
               <a:defRPr/>
             </a:pPr>
-            <a:r>
-              <a:rPr lang="en-US" dirty="0"/>
-              <a:t>By focusing on which input tokens are most relevant at each timestep, attention-based models can learn nontrivial alignments between the words in a generated translation and those in a source sentence. </a:t>
-            </a:r>
+            <a:endParaRPr lang="en-US" b="0" i="0" dirty="0">
+              <a:solidFill>
+                <a:srgbClr val="292929"/>
+              </a:solidFill>
+              <a:effectLst/>
+              <a:latin typeface="charter"/>
+            </a:endParaRPr>
           </a:p>
         </p:txBody>
       </p:sp>
@@ -2787,7 +3312,7 @@
     </p:spTree>
     <p:extLst>
       <p:ext uri="{BB962C8B-B14F-4D97-AF65-F5344CB8AC3E}">
-        <p14:creationId xmlns:p14="http://schemas.microsoft.com/office/powerpoint/2010/main" val="4057235265"/>
+        <p14:creationId xmlns:p14="http://schemas.microsoft.com/office/powerpoint/2010/main" val="1875875773"/>
       </p:ext>
     </p:extLst>
   </p:cSld>
@@ -2841,85 +3366,114 @@
           <a:bodyPr/>
           <a:lstStyle/>
           <a:p>
-            <a:pPr marL="0" marR="0" lvl="0" indent="0" algn="l" defTabSz="914400" rtl="0" eaLnBrk="1" fontAlgn="auto" latinLnBrk="0" hangingPunct="1">
-              <a:lnSpc>
-                <a:spcPct val="100000"/>
-              </a:lnSpc>
-              <a:spcBef>
-                <a:spcPts val="0"/>
-              </a:spcBef>
-              <a:spcAft>
-                <a:spcPts val="0"/>
-              </a:spcAft>
-              <a:buClrTx/>
-              <a:buSzTx/>
-              <a:buFontTx/>
-              <a:buNone/>
-              <a:tabLst/>
-              <a:defRPr/>
-            </a:pPr>
-            <a:r>
-              <a:rPr lang="en-US" b="0" i="0" dirty="0">
-                <a:solidFill>
-                  <a:srgbClr val="292929"/>
-                </a:solidFill>
-                <a:effectLst/>
-                <a:latin typeface="charter"/>
-              </a:rPr>
-              <a:t>… and here’s what attention looks like as a simulation.  Rather than encode the whole sentence in a single hidden state, each word’s hidden state is passed to the decoder.  All of these hidden states, in turn, are then used at each step of the decoding process.  </a:t>
-            </a:r>
-          </a:p>
-          <a:p>
-            <a:pPr marL="0" marR="0" lvl="0" indent="0" algn="l" defTabSz="914400" rtl="0" eaLnBrk="1" fontAlgn="auto" latinLnBrk="0" hangingPunct="1">
-              <a:lnSpc>
-                <a:spcPct val="100000"/>
-              </a:lnSpc>
-              <a:spcBef>
-                <a:spcPts val="0"/>
-              </a:spcBef>
-              <a:spcAft>
-                <a:spcPts val="0"/>
-              </a:spcAft>
-              <a:buClrTx/>
-              <a:buSzTx/>
-              <a:buFontTx/>
-              <a:buNone/>
-              <a:tabLst/>
-              <a:defRPr/>
-            </a:pPr>
-            <a:endParaRPr lang="en-US" b="0" i="0" dirty="0">
-              <a:solidFill>
-                <a:srgbClr val="292929"/>
-              </a:solidFill>
-              <a:effectLst/>
-              <a:latin typeface="charter"/>
-            </a:endParaRPr>
-          </a:p>
-          <a:p>
-            <a:pPr marL="0" marR="0" lvl="0" indent="0" algn="l" defTabSz="914400" rtl="0" eaLnBrk="1" fontAlgn="auto" latinLnBrk="0" hangingPunct="1">
-              <a:lnSpc>
-                <a:spcPct val="100000"/>
-              </a:lnSpc>
-              <a:spcBef>
-                <a:spcPts val="0"/>
-              </a:spcBef>
-              <a:spcAft>
-                <a:spcPts val="0"/>
-              </a:spcAft>
-              <a:buClrTx/>
-              <a:buSzTx/>
-              <a:buFontTx/>
-              <a:buNone/>
-              <a:tabLst/>
-              <a:defRPr/>
-            </a:pPr>
-            <a:endParaRPr lang="en-US" b="0" i="0" dirty="0">
-              <a:solidFill>
-                <a:srgbClr val="292929"/>
-              </a:solidFill>
-              <a:effectLst/>
-              <a:latin typeface="charter"/>
-            </a:endParaRPr>
+            <a:pPr algn="l"/>
+            <a:r>
+              <a:rPr lang="en-US" dirty="0"/>
+              <a:t>To solidify our understanding of attention, consider the following story.</a:t>
+            </a:r>
+          </a:p>
+          <a:p>
+            <a:pPr algn="l"/>
+            <a:endParaRPr lang="en-US" dirty="0"/>
+          </a:p>
+          <a:p>
+            <a:pPr algn="l"/>
+            <a:r>
+              <a:rPr lang="en-US" dirty="0"/>
+              <a:t>A friend has decided to repaint her house, and she sends us to the paint store to find a color that is </a:t>
+            </a:r>
+            <a:r>
+              <a:rPr lang="en-US" i="1" dirty="0"/>
+              <a:t>light yellow with a bit of dark orange</a:t>
+            </a:r>
+            <a:r>
+              <a:rPr lang="en-US" dirty="0"/>
+              <a:t>. But when we get there, the store has no color like that.  It looks like we'll have to mix a custom color.  </a:t>
+            </a:r>
+          </a:p>
+          <a:p>
+            <a:pPr algn="l"/>
+            <a:endParaRPr lang="en-US" dirty="0"/>
+          </a:p>
+          <a:p>
+            <a:pPr algn="l"/>
+            <a:r>
+              <a:rPr lang="en-US" dirty="0"/>
+              <a:t>But how do we do that?  Well, the first step is to search the store's existing inventory, checking the description on each can's label to see how closely it matches the request.  And to the extent it does, we include an appropriate amount of that color. As pictured here, equal amounts of Sunny Yellow and Orange Crush have been used.  This makes sense because the labels on these two cans match our request for yellow and orange.  But what about Lunch *with* Teal?  Interestingly, that color is included because our request has the word 'with' in it, as does the can's label.  Thus, a small amount (10%) of Lunch **with** Teal is added to the mix.</a:t>
+            </a:r>
+          </a:p>
+          <a:p>
+            <a:pPr algn="l"/>
+            <a:endParaRPr lang="en-US" dirty="0"/>
+          </a:p>
+          <a:p>
+            <a:pPr algn="l"/>
+            <a:r>
+              <a:rPr lang="en-US" dirty="0"/>
+              <a:t>=====</a:t>
+            </a:r>
+          </a:p>
+          <a:p>
+            <a:pPr algn="l"/>
+            <a:r>
+              <a:rPr lang="en-US" dirty="0"/>
+              <a:t>Suppose that you need to buy some paint, but all you’ve been told is that the color should be “light yellow with a bit of dark orange.”</a:t>
+            </a:r>
+          </a:p>
+          <a:p>
+            <a:pPr algn="l"/>
+            <a:endParaRPr lang="en-US" dirty="0"/>
+          </a:p>
+          <a:p>
+            <a:pPr algn="l"/>
+            <a:r>
+              <a:rPr lang="en-US" dirty="0"/>
+              <a:t>At the only paint store in town, the clerk on duty is new to the paint department and isn’t personally familiar with the colors. You both presume you’ll need to mix a few of their standard paints to get the color you want, but you don’t know which paints to choose or how much of each to use.</a:t>
+            </a:r>
+          </a:p>
+          <a:p>
+            <a:pPr algn="l"/>
+            <a:endParaRPr lang="en-US" dirty="0"/>
+          </a:p>
+          <a:p>
+            <a:pPr algn="l"/>
+            <a:r>
+              <a:rPr lang="en-US" dirty="0"/>
+              <a:t>The clerk suggests that you compare your desired color description with the color names on each can of paint they carry. Some names will probably match better than others. The clerk puts a funnel on top of an empty can and suggests that you pour in some of each can of paint on the shelves, guided by how well that can’s name matches your description. That is, you’ll compare your desired description “light yellow with a bit of dark orange” with what’s printed on the label of each can, and the better the match, the more of that paint you’ll pour into the funnel.</a:t>
+            </a:r>
+          </a:p>
+          <a:p>
+            <a:pPr algn="l"/>
+            <a:endParaRPr lang="en-US" dirty="0"/>
+          </a:p>
+          <a:p>
+            <a:pPr algn="l"/>
+            <a:r>
+              <a:rPr lang="en-US" dirty="0"/>
+              <a:t>The figure here shows the idea visually for six cans of paint. It shows their names and the quality of each name’s match with your desired color’s description. We got good matches on “Sunny Yellow” and “Orange Crush,” though a little bit of “Lunch with Teal” snuck in thanks to the match with the word “with.”</a:t>
+            </a:r>
+          </a:p>
+          <a:p>
+            <a:pPr algn="l"/>
+            <a:endParaRPr lang="en-US" dirty="0"/>
+          </a:p>
+          <a:p>
+            <a:pPr algn="l"/>
+            <a:r>
+              <a:rPr lang="en-US" dirty="0"/>
+              <a:t>There are three things to focus on in this story. First, there’s your request: “light yellow with a bit of dark orange.” Second, there’s the description on each can of paint, like “Sunny Yellow” or “Mellow Blue.” Third, there’s the content of the paint that’s actually inside each can. In the story, you compared your request with each can’s description to find out how well they match. The better the match, the more of that can’s content you used in the final mixture.</a:t>
+            </a:r>
+          </a:p>
+          <a:p>
+            <a:pPr algn="l"/>
+            <a:endParaRPr lang="en-US" dirty="0"/>
+          </a:p>
+          <a:p>
+            <a:pPr algn="l"/>
+            <a:r>
+              <a:rPr lang="en-US" dirty="0"/>
+              <a:t>That’s attention in a nutshell. Given a request, compare it to the description of each possible item and include some of the content of each item based on how well its description matches the request.</a:t>
+            </a:r>
           </a:p>
         </p:txBody>
       </p:sp>
@@ -2949,7 +3503,7 @@
     </p:spTree>
     <p:extLst>
       <p:ext uri="{BB962C8B-B14F-4D97-AF65-F5344CB8AC3E}">
-        <p14:creationId xmlns:p14="http://schemas.microsoft.com/office/powerpoint/2010/main" val="1875875773"/>
+        <p14:creationId xmlns:p14="http://schemas.microsoft.com/office/powerpoint/2010/main" val="832568139"/>
       </p:ext>
     </p:extLst>
   </p:cSld>
@@ -3106,7 +3660,7 @@
           <a:p>
             <a:fld id="{C3F78080-8D0A-4BE8-A5B4-CB115102D524}" type="datetimeFigureOut">
               <a:rPr lang="en-US" smtClean="0"/>
-              <a:t>7/14/2022</a:t>
+              <a:t>8/12/2022</a:t>
             </a:fld>
             <a:endParaRPr lang="en-US"/>
           </a:p>
@@ -3304,7 +3858,7 @@
           <a:p>
             <a:fld id="{C3F78080-8D0A-4BE8-A5B4-CB115102D524}" type="datetimeFigureOut">
               <a:rPr lang="en-US" smtClean="0"/>
-              <a:t>7/14/2022</a:t>
+              <a:t>8/12/2022</a:t>
             </a:fld>
             <a:endParaRPr lang="en-US"/>
           </a:p>
@@ -3512,7 +4066,7 @@
           <a:p>
             <a:fld id="{C3F78080-8D0A-4BE8-A5B4-CB115102D524}" type="datetimeFigureOut">
               <a:rPr lang="en-US" smtClean="0"/>
-              <a:t>7/14/2022</a:t>
+              <a:t>8/12/2022</a:t>
             </a:fld>
             <a:endParaRPr lang="en-US"/>
           </a:p>
@@ -3710,7 +4264,7 @@
           <a:p>
             <a:fld id="{C3F78080-8D0A-4BE8-A5B4-CB115102D524}" type="datetimeFigureOut">
               <a:rPr lang="en-US" smtClean="0"/>
-              <a:t>7/14/2022</a:t>
+              <a:t>8/12/2022</a:t>
             </a:fld>
             <a:endParaRPr lang="en-US"/>
           </a:p>
@@ -3985,7 +4539,7 @@
           <a:p>
             <a:fld id="{C3F78080-8D0A-4BE8-A5B4-CB115102D524}" type="datetimeFigureOut">
               <a:rPr lang="en-US" smtClean="0"/>
-              <a:t>7/14/2022</a:t>
+              <a:t>8/12/2022</a:t>
             </a:fld>
             <a:endParaRPr lang="en-US"/>
           </a:p>
@@ -4250,7 +4804,7 @@
           <a:p>
             <a:fld id="{C3F78080-8D0A-4BE8-A5B4-CB115102D524}" type="datetimeFigureOut">
               <a:rPr lang="en-US" smtClean="0"/>
-              <a:t>7/14/2022</a:t>
+              <a:t>8/12/2022</a:t>
             </a:fld>
             <a:endParaRPr lang="en-US"/>
           </a:p>
@@ -4662,7 +5216,7 @@
           <a:p>
             <a:fld id="{C3F78080-8D0A-4BE8-A5B4-CB115102D524}" type="datetimeFigureOut">
               <a:rPr lang="en-US" smtClean="0"/>
-              <a:t>7/14/2022</a:t>
+              <a:t>8/12/2022</a:t>
             </a:fld>
             <a:endParaRPr lang="en-US"/>
           </a:p>
@@ -4803,7 +5357,7 @@
           <a:p>
             <a:fld id="{C3F78080-8D0A-4BE8-A5B4-CB115102D524}" type="datetimeFigureOut">
               <a:rPr lang="en-US" smtClean="0"/>
-              <a:t>7/14/2022</a:t>
+              <a:t>8/12/2022</a:t>
             </a:fld>
             <a:endParaRPr lang="en-US"/>
           </a:p>
@@ -4916,7 +5470,7 @@
           <a:p>
             <a:fld id="{C3F78080-8D0A-4BE8-A5B4-CB115102D524}" type="datetimeFigureOut">
               <a:rPr lang="en-US" smtClean="0"/>
-              <a:t>7/14/2022</a:t>
+              <a:t>8/12/2022</a:t>
             </a:fld>
             <a:endParaRPr lang="en-US"/>
           </a:p>
@@ -5227,7 +5781,7 @@
           <a:p>
             <a:fld id="{C3F78080-8D0A-4BE8-A5B4-CB115102D524}" type="datetimeFigureOut">
               <a:rPr lang="en-US" smtClean="0"/>
-              <a:t>7/14/2022</a:t>
+              <a:t>8/12/2022</a:t>
             </a:fld>
             <a:endParaRPr lang="en-US"/>
           </a:p>
@@ -5515,7 +6069,7 @@
           <a:p>
             <a:fld id="{C3F78080-8D0A-4BE8-A5B4-CB115102D524}" type="datetimeFigureOut">
               <a:rPr lang="en-US" smtClean="0"/>
-              <a:t>7/14/2022</a:t>
+              <a:t>8/12/2022</a:t>
             </a:fld>
             <a:endParaRPr lang="en-US"/>
           </a:p>
@@ -5756,7 +6310,7 @@
           <a:p>
             <a:fld id="{C3F78080-8D0A-4BE8-A5B4-CB115102D524}" type="datetimeFigureOut">
               <a:rPr lang="en-US" smtClean="0"/>
-              <a:t>7/14/2022</a:t>
+              <a:t>8/12/2022</a:t>
             </a:fld>
             <a:endParaRPr lang="en-US"/>
           </a:p>
@@ -6287,59 +6841,12 @@
           <a:chExt cx="0" cy="0"/>
         </a:xfrm>
       </p:grpSpPr>
-      <p:pic>
-        <p:nvPicPr>
-          <p:cNvPr id="4098" name="Picture 2" descr="transformer-self-attn">
+      <p:sp>
+        <p:nvSpPr>
+          <p:cNvPr id="3" name="TextBox 2">
             <a:extLst>
               <a:ext uri="{FF2B5EF4-FFF2-40B4-BE49-F238E27FC236}">
-                <a16:creationId xmlns:a16="http://schemas.microsoft.com/office/drawing/2014/main" id="{E48BEBC0-7E08-4B16-BA46-BE71D8FF1C97}"/>
-              </a:ext>
-            </a:extLst>
-          </p:cNvPr>
-          <p:cNvPicPr>
-            <a:picLocks noChangeAspect="1" noChangeArrowheads="1"/>
-          </p:cNvPicPr>
-          <p:nvPr/>
-        </p:nvPicPr>
-        <p:blipFill>
-          <a:blip r:embed="rId3">
-            <a:extLst>
-              <a:ext uri="{28A0092B-C50C-407E-A947-70E740481C1C}">
-                <a14:useLocalDpi xmlns:a14="http://schemas.microsoft.com/office/drawing/2010/main" val="0"/>
-              </a:ext>
-            </a:extLst>
-          </a:blip>
-          <a:srcRect/>
-          <a:stretch>
-            <a:fillRect/>
-          </a:stretch>
-        </p:blipFill>
-        <p:spPr bwMode="auto">
-          <a:xfrm>
-            <a:off x="1123950" y="2235708"/>
-            <a:ext cx="9944100" cy="2386584"/>
-          </a:xfrm>
-          <a:prstGeom prst="rect">
-            <a:avLst/>
-          </a:prstGeom>
-          <a:noFill/>
-          <a:extLst>
-            <a:ext uri="{909E8E84-426E-40DD-AFC4-6F175D3DCCD1}">
-              <a14:hiddenFill xmlns:a14="http://schemas.microsoft.com/office/drawing/2010/main">
-                <a:solidFill>
-                  <a:srgbClr val="FFFFFF"/>
-                </a:solidFill>
-              </a14:hiddenFill>
-            </a:ext>
-          </a:extLst>
-        </p:spPr>
-      </p:pic>
-      <p:sp>
-        <p:nvSpPr>
-          <p:cNvPr id="4" name="TextBox 3">
-            <a:extLst>
-              <a:ext uri="{FF2B5EF4-FFF2-40B4-BE49-F238E27FC236}">
-                <a16:creationId xmlns:a16="http://schemas.microsoft.com/office/drawing/2014/main" id="{7530BD8D-AB63-44BD-962E-C622287F485F}"/>
+                <a16:creationId xmlns:a16="http://schemas.microsoft.com/office/drawing/2014/main" id="{E90DC7AC-FE00-4591-931C-A07C2562C5A0}"/>
               </a:ext>
             </a:extLst>
           </p:cNvPr>
@@ -6373,7 +6880,7 @@
                 <a:latin typeface="+mj-lt"/>
                 <a:ea typeface="Verdana" panose="020B0604030504040204" pitchFamily="34" charset="0"/>
               </a:rPr>
-              <a:t>Source: Tunstall, L., et al (2022). </a:t>
+              <a:t>Source: Glassner, A. (2021). </a:t>
             </a:r>
             <a:r>
               <a:rPr lang="en-US" sz="1400" i="1" dirty="0">
@@ -6386,7 +6893,7 @@
                 <a:latin typeface="+mj-lt"/>
                 <a:ea typeface="Verdana" panose="020B0604030504040204" pitchFamily="34" charset="0"/>
               </a:rPr>
-              <a:t>Natural Language Processing with Transformers</a:t>
+              <a:t>Deep learning: A visual approach</a:t>
             </a:r>
             <a:r>
               <a:rPr lang="en-US" sz="1400" dirty="0">
@@ -6413,7 +6920,7 @@
                 <a:latin typeface="+mj-lt"/>
                 <a:ea typeface="Verdana" panose="020B0604030504040204" pitchFamily="34" charset="0"/>
               </a:rPr>
-              <a:t>Sebastopol, CA: </a:t>
+              <a:t>San Francisco, CA: No Starch Press. (Chapter </a:t>
             </a:r>
             <a:r>
               <a:rPr lang="en-US" sz="1400" dirty="0">
@@ -6426,7 +6933,7 @@
                 <a:latin typeface="+mj-lt"/>
                 <a:ea typeface="Verdana" panose="020B0604030504040204" pitchFamily="34" charset="0"/>
               </a:rPr>
-              <a:t>O’Reilly Publishing</a:t>
+              <a:t>20</a:t>
             </a:r>
             <a:r>
               <a:rPr lang="en-US" sz="1400" b="0" i="0" dirty="0">
@@ -6440,7 +6947,7 @@
                 <a:latin typeface="+mj-lt"/>
                 <a:ea typeface="Verdana" panose="020B0604030504040204" pitchFamily="34" charset="0"/>
               </a:rPr>
-              <a:t>. (Chapter 1)</a:t>
+              <a:t>)</a:t>
             </a:r>
             <a:endParaRPr lang="en-US" sz="1400" dirty="0">
               <a:solidFill>
@@ -6455,2450 +6962,6 @@
           </a:p>
         </p:txBody>
       </p:sp>
-    </p:spTree>
-    <p:extLst>
-      <p:ext uri="{BB962C8B-B14F-4D97-AF65-F5344CB8AC3E}">
-        <p14:creationId xmlns:p14="http://schemas.microsoft.com/office/powerpoint/2010/main" val="1684263449"/>
-      </p:ext>
-    </p:extLst>
-  </p:cSld>
-  <p:clrMapOvr>
-    <a:masterClrMapping/>
-  </p:clrMapOvr>
-  <mc:AlternateContent xmlns:mc="http://schemas.openxmlformats.org/markup-compatibility/2006" xmlns:p14="http://schemas.microsoft.com/office/powerpoint/2010/main">
-    <mc:Choice Requires="p14">
-      <p:transition spd="med" p14:dur="700">
-        <p:fade/>
-      </p:transition>
-    </mc:Choice>
-    <mc:Fallback xmlns="">
-      <p:transition spd="med">
-        <p:fade/>
-      </p:transition>
-    </mc:Fallback>
-  </mc:AlternateContent>
-</p:sld>
-</file>
-
-<file path=ppt/slides/slide11.xml><?xml version="1.0" encoding="utf-8"?>
-<p:sld xmlns:a="http://schemas.openxmlformats.org/drawingml/2006/main" xmlns:r="http://schemas.openxmlformats.org/officeDocument/2006/relationships" xmlns:p="http://schemas.openxmlformats.org/presentationml/2006/main">
-  <p:cSld>
-    <p:spTree>
-      <p:nvGrpSpPr>
-        <p:cNvPr id="1" name=""/>
-        <p:cNvGrpSpPr/>
-        <p:nvPr/>
-      </p:nvGrpSpPr>
-      <p:grpSpPr>
-        <a:xfrm>
-          <a:off x="0" y="0"/>
-          <a:ext cx="0" cy="0"/>
-          <a:chOff x="0" y="0"/>
-          <a:chExt cx="0" cy="0"/>
-        </a:xfrm>
-      </p:grpSpPr>
-      <p:sp>
-        <p:nvSpPr>
-          <p:cNvPr id="4" name="Title 3">
-            <a:extLst>
-              <a:ext uri="{FF2B5EF4-FFF2-40B4-BE49-F238E27FC236}">
-                <a16:creationId xmlns:a16="http://schemas.microsoft.com/office/drawing/2014/main" id="{5EBC47B3-2231-4C7D-9F46-767148520D27}"/>
-              </a:ext>
-            </a:extLst>
-          </p:cNvPr>
-          <p:cNvSpPr>
-            <a:spLocks noGrp="1"/>
-          </p:cNvSpPr>
-          <p:nvPr>
-            <p:ph type="title"/>
-          </p:nvPr>
-        </p:nvSpPr>
-        <p:spPr/>
-        <p:txBody>
-          <a:bodyPr/>
-          <a:lstStyle/>
-          <a:p>
-            <a:endParaRPr lang="en-US"/>
-          </a:p>
-        </p:txBody>
-      </p:sp>
-      <p:pic>
-        <p:nvPicPr>
-          <p:cNvPr id="3" name="Picture 2" descr="Diagram, text&#10;&#10;Description automatically generated">
-            <a:extLst>
-              <a:ext uri="{FF2B5EF4-FFF2-40B4-BE49-F238E27FC236}">
-                <a16:creationId xmlns:a16="http://schemas.microsoft.com/office/drawing/2014/main" id="{FB501741-390D-4668-9BDF-1DA4FFB3392E}"/>
-              </a:ext>
-            </a:extLst>
-          </p:cNvPr>
-          <p:cNvPicPr>
-            <a:picLocks noChangeAspect="1"/>
-          </p:cNvPicPr>
-          <p:nvPr/>
-        </p:nvPicPr>
-        <p:blipFill>
-          <a:blip r:embed="rId3">
-            <a:extLst>
-              <a:ext uri="{28A0092B-C50C-407E-A947-70E740481C1C}">
-                <a14:useLocalDpi xmlns:a14="http://schemas.microsoft.com/office/drawing/2010/main" val="0"/>
-              </a:ext>
-            </a:extLst>
-          </a:blip>
-          <a:stretch>
-            <a:fillRect/>
-          </a:stretch>
-        </p:blipFill>
-        <p:spPr>
-          <a:xfrm>
-            <a:off x="3665043" y="2511044"/>
-            <a:ext cx="5405096" cy="2327312"/>
-          </a:xfrm>
-          <a:prstGeom prst="rect">
-            <a:avLst/>
-          </a:prstGeom>
-        </p:spPr>
-      </p:pic>
-      <p:sp>
-        <p:nvSpPr>
-          <p:cNvPr id="5" name="TextBox 4">
-            <a:extLst>
-              <a:ext uri="{FF2B5EF4-FFF2-40B4-BE49-F238E27FC236}">
-                <a16:creationId xmlns:a16="http://schemas.microsoft.com/office/drawing/2014/main" id="{378615B4-A275-4B59-A557-CEA636308EDE}"/>
-              </a:ext>
-            </a:extLst>
-          </p:cNvPr>
-          <p:cNvSpPr txBox="1"/>
-          <p:nvPr/>
-        </p:nvSpPr>
-        <p:spPr>
-          <a:xfrm>
-            <a:off x="0" y="6550223"/>
-            <a:ext cx="12192000" cy="307777"/>
-          </a:xfrm>
-          <a:prstGeom prst="rect">
-            <a:avLst/>
-          </a:prstGeom>
-          <a:noFill/>
-        </p:spPr>
-        <p:txBody>
-          <a:bodyPr wrap="square" rtlCol="0">
-            <a:spAutoFit/>
-          </a:bodyPr>
-          <a:lstStyle/>
-          <a:p>
-            <a:r>
-              <a:rPr lang="en-US" sz="1400" dirty="0">
-                <a:solidFill>
-                  <a:schemeClr val="tx1">
-                    <a:lumMod val="65000"/>
-                    <a:lumOff val="35000"/>
-                  </a:schemeClr>
-                </a:solidFill>
-                <a:latin typeface="+mj-lt"/>
-                <a:ea typeface="Verdana" panose="020B0604030504040204" pitchFamily="34" charset="0"/>
-              </a:rPr>
-              <a:t>Source: Tunstall, L., et al (2022). </a:t>
-            </a:r>
-            <a:r>
-              <a:rPr lang="en-US" sz="1400" i="1" dirty="0">
-                <a:solidFill>
-                  <a:schemeClr val="tx1">
-                    <a:lumMod val="65000"/>
-                    <a:lumOff val="35000"/>
-                  </a:schemeClr>
-                </a:solidFill>
-                <a:latin typeface="+mj-lt"/>
-                <a:ea typeface="Verdana" panose="020B0604030504040204" pitchFamily="34" charset="0"/>
-              </a:rPr>
-              <a:t>Natural Language Processing with Transformers</a:t>
-            </a:r>
-            <a:r>
-              <a:rPr lang="en-US" sz="1400" dirty="0">
-                <a:solidFill>
-                  <a:schemeClr val="tx1">
-                    <a:lumMod val="65000"/>
-                    <a:lumOff val="35000"/>
-                  </a:schemeClr>
-                </a:solidFill>
-                <a:latin typeface="+mj-lt"/>
-                <a:ea typeface="Verdana" panose="020B0604030504040204" pitchFamily="34" charset="0"/>
-              </a:rPr>
-              <a:t>. </a:t>
-            </a:r>
-            <a:r>
-              <a:rPr lang="en-US" sz="1400" b="0" i="0" dirty="0">
-                <a:solidFill>
-                  <a:schemeClr val="tx1">
-                    <a:lumMod val="65000"/>
-                    <a:lumOff val="35000"/>
-                  </a:schemeClr>
-                </a:solidFill>
-                <a:effectLst/>
-                <a:latin typeface="+mj-lt"/>
-                <a:ea typeface="Verdana" panose="020B0604030504040204" pitchFamily="34" charset="0"/>
-              </a:rPr>
-              <a:t>Sebastopol, CA: </a:t>
-            </a:r>
-            <a:r>
-              <a:rPr lang="en-US" sz="1400" dirty="0">
-                <a:solidFill>
-                  <a:schemeClr val="tx1">
-                    <a:lumMod val="65000"/>
-                    <a:lumOff val="35000"/>
-                  </a:schemeClr>
-                </a:solidFill>
-                <a:latin typeface="+mj-lt"/>
-                <a:ea typeface="Verdana" panose="020B0604030504040204" pitchFamily="34" charset="0"/>
-              </a:rPr>
-              <a:t>O’Reilly Publishing</a:t>
-            </a:r>
-            <a:r>
-              <a:rPr lang="en-US" sz="1400" b="0" i="0" dirty="0">
-                <a:solidFill>
-                  <a:schemeClr val="tx1">
-                    <a:lumMod val="65000"/>
-                    <a:lumOff val="35000"/>
-                  </a:schemeClr>
-                </a:solidFill>
-                <a:effectLst/>
-                <a:latin typeface="+mj-lt"/>
-                <a:ea typeface="Verdana" panose="020B0604030504040204" pitchFamily="34" charset="0"/>
-              </a:rPr>
-              <a:t>. (Chapter 1)</a:t>
-            </a:r>
-            <a:endParaRPr lang="en-US" sz="1400" dirty="0">
-              <a:solidFill>
-                <a:schemeClr val="tx1">
-                  <a:lumMod val="65000"/>
-                  <a:lumOff val="35000"/>
-                </a:schemeClr>
-              </a:solidFill>
-              <a:latin typeface="+mj-lt"/>
-              <a:ea typeface="Verdana" panose="020B0604030504040204" pitchFamily="34" charset="0"/>
-            </a:endParaRPr>
-          </a:p>
-        </p:txBody>
-      </p:sp>
-    </p:spTree>
-    <p:extLst>
-      <p:ext uri="{BB962C8B-B14F-4D97-AF65-F5344CB8AC3E}">
-        <p14:creationId xmlns:p14="http://schemas.microsoft.com/office/powerpoint/2010/main" val="1795047914"/>
-      </p:ext>
-    </p:extLst>
-  </p:cSld>
-  <p:clrMapOvr>
-    <a:masterClrMapping/>
-  </p:clrMapOvr>
-  <mc:AlternateContent xmlns:mc="http://schemas.openxmlformats.org/markup-compatibility/2006" xmlns:p14="http://schemas.microsoft.com/office/powerpoint/2010/main">
-    <mc:Choice Requires="p14">
-      <p:transition spd="med" p14:dur="700">
-        <p:fade/>
-      </p:transition>
-    </mc:Choice>
-    <mc:Fallback xmlns="">
-      <p:transition spd="med">
-        <p:fade/>
-      </p:transition>
-    </mc:Fallback>
-  </mc:AlternateContent>
-</p:sld>
-</file>
-
-<file path=ppt/slides/slide12.xml><?xml version="1.0" encoding="utf-8"?>
-<p:sld xmlns:a="http://schemas.openxmlformats.org/drawingml/2006/main" xmlns:r="http://schemas.openxmlformats.org/officeDocument/2006/relationships" xmlns:p="http://schemas.openxmlformats.org/presentationml/2006/main">
-  <p:cSld>
-    <p:spTree>
-      <p:nvGrpSpPr>
-        <p:cNvPr id="1" name=""/>
-        <p:cNvGrpSpPr/>
-        <p:nvPr/>
-      </p:nvGrpSpPr>
-      <p:grpSpPr>
-        <a:xfrm>
-          <a:off x="0" y="0"/>
-          <a:ext cx="0" cy="0"/>
-          <a:chOff x="0" y="0"/>
-          <a:chExt cx="0" cy="0"/>
-        </a:xfrm>
-      </p:grpSpPr>
-      <p:pic>
-        <p:nvPicPr>
-          <p:cNvPr id="2050" name="Picture 2">
-            <a:extLst>
-              <a:ext uri="{FF2B5EF4-FFF2-40B4-BE49-F238E27FC236}">
-                <a16:creationId xmlns:a16="http://schemas.microsoft.com/office/drawing/2014/main" id="{D6FBD5FB-F364-404F-BA46-9C6009146A13}"/>
-              </a:ext>
-            </a:extLst>
-          </p:cNvPr>
-          <p:cNvPicPr>
-            <a:picLocks noChangeAspect="1" noChangeArrowheads="1"/>
-          </p:cNvPicPr>
-          <p:nvPr/>
-        </p:nvPicPr>
-        <p:blipFill>
-          <a:blip r:embed="rId3">
-            <a:extLst>
-              <a:ext uri="{28A0092B-C50C-407E-A947-70E740481C1C}">
-                <a14:useLocalDpi xmlns:a14="http://schemas.microsoft.com/office/drawing/2010/main" val="0"/>
-              </a:ext>
-            </a:extLst>
-          </a:blip>
-          <a:srcRect/>
-          <a:stretch>
-            <a:fillRect/>
-          </a:stretch>
-        </p:blipFill>
-        <p:spPr bwMode="auto">
-          <a:xfrm>
-            <a:off x="603130" y="388304"/>
-            <a:ext cx="10985740" cy="6081392"/>
-          </a:xfrm>
-          <a:prstGeom prst="rect">
-            <a:avLst/>
-          </a:prstGeom>
-          <a:noFill/>
-          <a:extLst>
-            <a:ext uri="{909E8E84-426E-40DD-AFC4-6F175D3DCCD1}">
-              <a14:hiddenFill xmlns:a14="http://schemas.microsoft.com/office/drawing/2010/main">
-                <a:solidFill>
-                  <a:srgbClr val="FFFFFF"/>
-                </a:solidFill>
-              </a14:hiddenFill>
-            </a:ext>
-          </a:extLst>
-        </p:spPr>
-      </p:pic>
-      <p:sp>
-        <p:nvSpPr>
-          <p:cNvPr id="3" name="TextBox 2">
-            <a:extLst>
-              <a:ext uri="{FF2B5EF4-FFF2-40B4-BE49-F238E27FC236}">
-                <a16:creationId xmlns:a16="http://schemas.microsoft.com/office/drawing/2014/main" id="{3EDE0501-7B98-4E41-A070-AA3D936E6885}"/>
-              </a:ext>
-            </a:extLst>
-          </p:cNvPr>
-          <p:cNvSpPr txBox="1"/>
-          <p:nvPr/>
-        </p:nvSpPr>
-        <p:spPr>
-          <a:xfrm>
-            <a:off x="0" y="6550223"/>
-            <a:ext cx="12192000" cy="307777"/>
-          </a:xfrm>
-          <a:prstGeom prst="rect">
-            <a:avLst/>
-          </a:prstGeom>
-          <a:noFill/>
-        </p:spPr>
-        <p:txBody>
-          <a:bodyPr wrap="square" rtlCol="0">
-            <a:spAutoFit/>
-          </a:bodyPr>
-          <a:lstStyle/>
-          <a:p>
-            <a:r>
-              <a:rPr lang="en-US" sz="1400" dirty="0">
-                <a:solidFill>
-                  <a:schemeClr val="tx1">
-                    <a:lumMod val="65000"/>
-                    <a:lumOff val="35000"/>
-                  </a:schemeClr>
-                </a:solidFill>
-                <a:latin typeface="+mj-lt"/>
-                <a:ea typeface="Verdana" panose="020B0604030504040204" pitchFamily="34" charset="0"/>
-              </a:rPr>
-              <a:t>Image Credit: https://towardsdatascience.com/transformers-141e32e69591 </a:t>
-            </a:r>
-          </a:p>
-        </p:txBody>
-      </p:sp>
-    </p:spTree>
-    <p:extLst>
-      <p:ext uri="{BB962C8B-B14F-4D97-AF65-F5344CB8AC3E}">
-        <p14:creationId xmlns:p14="http://schemas.microsoft.com/office/powerpoint/2010/main" val="2772687448"/>
-      </p:ext>
-    </p:extLst>
-  </p:cSld>
-  <p:clrMapOvr>
-    <a:masterClrMapping/>
-  </p:clrMapOvr>
-  <mc:AlternateContent xmlns:mc="http://schemas.openxmlformats.org/markup-compatibility/2006" xmlns:p14="http://schemas.microsoft.com/office/powerpoint/2010/main">
-    <mc:Choice Requires="p14">
-      <p:transition spd="med" p14:dur="700">
-        <p:fade/>
-      </p:transition>
-    </mc:Choice>
-    <mc:Fallback xmlns="">
-      <p:transition spd="med">
-        <p:fade/>
-      </p:transition>
-    </mc:Fallback>
-  </mc:AlternateContent>
-</p:sld>
-</file>
-
-<file path=ppt/slides/slide13.xml><?xml version="1.0" encoding="utf-8"?>
-<p:sld xmlns:a="http://schemas.openxmlformats.org/drawingml/2006/main" xmlns:r="http://schemas.openxmlformats.org/officeDocument/2006/relationships" xmlns:p="http://schemas.openxmlformats.org/presentationml/2006/main">
-  <p:cSld>
-    <p:spTree>
-      <p:nvGrpSpPr>
-        <p:cNvPr id="1" name=""/>
-        <p:cNvGrpSpPr/>
-        <p:nvPr/>
-      </p:nvGrpSpPr>
-      <p:grpSpPr>
-        <a:xfrm>
-          <a:off x="0" y="0"/>
-          <a:ext cx="0" cy="0"/>
-          <a:chOff x="0" y="0"/>
-          <a:chExt cx="0" cy="0"/>
-        </a:xfrm>
-      </p:grpSpPr>
-      <p:sp>
-        <p:nvSpPr>
-          <p:cNvPr id="2" name="TextBox 1">
-            <a:extLst>
-              <a:ext uri="{FF2B5EF4-FFF2-40B4-BE49-F238E27FC236}">
-                <a16:creationId xmlns:a16="http://schemas.microsoft.com/office/drawing/2014/main" id="{972AA37F-DBAA-4EE3-8C19-A1FD245B7F39}"/>
-              </a:ext>
-            </a:extLst>
-          </p:cNvPr>
-          <p:cNvSpPr txBox="1"/>
-          <p:nvPr/>
-        </p:nvSpPr>
-        <p:spPr>
-          <a:xfrm>
-            <a:off x="0" y="6550223"/>
-            <a:ext cx="12192000" cy="307777"/>
-          </a:xfrm>
-          <a:prstGeom prst="rect">
-            <a:avLst/>
-          </a:prstGeom>
-          <a:noFill/>
-        </p:spPr>
-        <p:txBody>
-          <a:bodyPr wrap="square" rtlCol="0">
-            <a:spAutoFit/>
-          </a:bodyPr>
-          <a:lstStyle/>
-          <a:p>
-            <a:r>
-              <a:rPr lang="en-US" sz="1400" dirty="0">
-                <a:solidFill>
-                  <a:schemeClr val="tx1">
-                    <a:lumMod val="65000"/>
-                    <a:lumOff val="35000"/>
-                  </a:schemeClr>
-                </a:solidFill>
-                <a:latin typeface="+mj-lt"/>
-                <a:ea typeface="Verdana" panose="020B0604030504040204" pitchFamily="34" charset="0"/>
-              </a:rPr>
-              <a:t>Image Credit: https://towardsdatascience.com/transformers-141e32e69591 </a:t>
-            </a:r>
-          </a:p>
-        </p:txBody>
-      </p:sp>
-      <p:pic>
-        <p:nvPicPr>
-          <p:cNvPr id="1026" name="Picture 2">
-            <a:extLst>
-              <a:ext uri="{FF2B5EF4-FFF2-40B4-BE49-F238E27FC236}">
-                <a16:creationId xmlns:a16="http://schemas.microsoft.com/office/drawing/2014/main" id="{C22DAAE5-0F26-4DE4-8828-750AFF652D04}"/>
-              </a:ext>
-            </a:extLst>
-          </p:cNvPr>
-          <p:cNvPicPr>
-            <a:picLocks noChangeAspect="1" noChangeArrowheads="1" noCrop="1"/>
-          </p:cNvPicPr>
-          <p:nvPr/>
-        </p:nvPicPr>
-        <p:blipFill>
-          <a:blip r:embed="rId3">
-            <a:clrChange>
-              <a:clrFrom>
-                <a:srgbClr val="FFFDFF"/>
-              </a:clrFrom>
-              <a:clrTo>
-                <a:srgbClr val="FFFDFF">
-                  <a:alpha val="0"/>
-                </a:srgbClr>
-              </a:clrTo>
-            </a:clrChange>
-            <a:extLst>
-              <a:ext uri="{28A0092B-C50C-407E-A947-70E740481C1C}">
-                <a14:useLocalDpi xmlns:a14="http://schemas.microsoft.com/office/drawing/2010/main" val="0"/>
-              </a:ext>
-            </a:extLst>
-          </a:blip>
-          <a:srcRect/>
-          <a:stretch>
-            <a:fillRect/>
-          </a:stretch>
-        </p:blipFill>
-        <p:spPr bwMode="auto">
-          <a:xfrm>
-            <a:off x="2214837" y="1740694"/>
-            <a:ext cx="7762326" cy="3376612"/>
-          </a:xfrm>
-          <a:prstGeom prst="rect">
-            <a:avLst/>
-          </a:prstGeom>
-          <a:noFill/>
-          <a:extLst>
-            <a:ext uri="{909E8E84-426E-40DD-AFC4-6F175D3DCCD1}">
-              <a14:hiddenFill xmlns:a14="http://schemas.microsoft.com/office/drawing/2010/main">
-                <a:solidFill>
-                  <a:srgbClr val="FFFFFF"/>
-                </a:solidFill>
-              </a14:hiddenFill>
-            </a:ext>
-          </a:extLst>
-        </p:spPr>
-      </p:pic>
-    </p:spTree>
-    <p:extLst>
-      <p:ext uri="{BB962C8B-B14F-4D97-AF65-F5344CB8AC3E}">
-        <p14:creationId xmlns:p14="http://schemas.microsoft.com/office/powerpoint/2010/main" val="3058826215"/>
-      </p:ext>
-    </p:extLst>
-  </p:cSld>
-  <p:clrMapOvr>
-    <a:masterClrMapping/>
-  </p:clrMapOvr>
-  <mc:AlternateContent xmlns:mc="http://schemas.openxmlformats.org/markup-compatibility/2006" xmlns:p14="http://schemas.microsoft.com/office/powerpoint/2010/main">
-    <mc:Choice Requires="p14">
-      <p:transition spd="med" p14:dur="700">
-        <p:fade/>
-      </p:transition>
-    </mc:Choice>
-    <mc:Fallback xmlns="">
-      <p:transition spd="med">
-        <p:fade/>
-      </p:transition>
-    </mc:Fallback>
-  </mc:AlternateContent>
-</p:sld>
-</file>
-
-<file path=ppt/slides/slide14.xml><?xml version="1.0" encoding="utf-8"?>
-<p:sld xmlns:a="http://schemas.openxmlformats.org/drawingml/2006/main" xmlns:r="http://schemas.openxmlformats.org/officeDocument/2006/relationships" xmlns:p="http://schemas.openxmlformats.org/presentationml/2006/main">
-  <p:cSld>
-    <p:spTree>
-      <p:nvGrpSpPr>
-        <p:cNvPr id="1" name=""/>
-        <p:cNvGrpSpPr/>
-        <p:nvPr/>
-      </p:nvGrpSpPr>
-      <p:grpSpPr>
-        <a:xfrm>
-          <a:off x="0" y="0"/>
-          <a:ext cx="0" cy="0"/>
-          <a:chOff x="0" y="0"/>
-          <a:chExt cx="0" cy="0"/>
-        </a:xfrm>
-      </p:grpSpPr>
-      <p:pic>
-        <p:nvPicPr>
-          <p:cNvPr id="3" name="Picture 2">
-            <a:extLst>
-              <a:ext uri="{FF2B5EF4-FFF2-40B4-BE49-F238E27FC236}">
-                <a16:creationId xmlns:a16="http://schemas.microsoft.com/office/drawing/2014/main" id="{88CC7D4C-7D31-4E3C-92F7-200A7C7F587F}"/>
-              </a:ext>
-            </a:extLst>
-          </p:cNvPr>
-          <p:cNvPicPr>
-            <a:picLocks noChangeAspect="1"/>
-          </p:cNvPicPr>
-          <p:nvPr/>
-        </p:nvPicPr>
-        <p:blipFill>
-          <a:blip r:embed="rId3"/>
-          <a:stretch>
-            <a:fillRect/>
-          </a:stretch>
-        </p:blipFill>
-        <p:spPr>
-          <a:xfrm>
-            <a:off x="0" y="365760"/>
-            <a:ext cx="3233668" cy="805144"/>
-          </a:xfrm>
-          <a:prstGeom prst="rect">
-            <a:avLst/>
-          </a:prstGeom>
-        </p:spPr>
-      </p:pic>
-      <p:sp>
-        <p:nvSpPr>
-          <p:cNvPr id="4" name="Title 1">
-            <a:extLst>
-              <a:ext uri="{FF2B5EF4-FFF2-40B4-BE49-F238E27FC236}">
-                <a16:creationId xmlns:a16="http://schemas.microsoft.com/office/drawing/2014/main" id="{474EB2BC-3221-47A1-8ADF-BF3126732B5F}"/>
-              </a:ext>
-            </a:extLst>
-          </p:cNvPr>
-          <p:cNvSpPr txBox="1">
-            <a:spLocks/>
-          </p:cNvSpPr>
-          <p:nvPr/>
-        </p:nvSpPr>
-        <p:spPr>
-          <a:xfrm>
-            <a:off x="0" y="2705764"/>
-            <a:ext cx="12192000" cy="1446472"/>
-          </a:xfrm>
-          <a:prstGeom prst="rect">
-            <a:avLst/>
-          </a:prstGeom>
-          <a:noFill/>
-        </p:spPr>
-        <p:txBody>
-          <a:bodyPr vert="horz" lIns="91440" tIns="45720" rIns="91440" bIns="45720" rtlCol="0" anchor="ctr">
-            <a:noAutofit/>
-          </a:bodyPr>
-          <a:lstStyle>
-            <a:lvl1pPr algn="l" defTabSz="914400" rtl="0" eaLnBrk="1" latinLnBrk="0" hangingPunct="1">
-              <a:lnSpc>
-                <a:spcPct val="90000"/>
-              </a:lnSpc>
-              <a:spcBef>
-                <a:spcPct val="0"/>
-              </a:spcBef>
-              <a:buNone/>
-              <a:defRPr sz="4400" kern="1200">
-                <a:solidFill>
-                  <a:schemeClr val="tx1"/>
-                </a:solidFill>
-                <a:latin typeface="+mj-lt"/>
-                <a:ea typeface="+mj-ea"/>
-                <a:cs typeface="+mj-cs"/>
-              </a:defRPr>
-            </a:lvl1pPr>
-          </a:lstStyle>
-          <a:p>
-            <a:pPr algn="ctr"/>
-            <a:r>
-              <a:rPr lang="en-US" sz="3600" dirty="0">
-                <a:solidFill>
-                  <a:schemeClr val="tx1">
-                    <a:lumMod val="65000"/>
-                    <a:lumOff val="35000"/>
-                  </a:schemeClr>
-                </a:solidFill>
-                <a:latin typeface="Palatino Linotype" panose="02040502050505030304" pitchFamily="18" charset="0"/>
-              </a:rPr>
-              <a:t>Transformer Anatomy</a:t>
-            </a:r>
-            <a:br>
-              <a:rPr lang="en-US" sz="3600" dirty="0">
-                <a:solidFill>
-                  <a:schemeClr val="tx1">
-                    <a:lumMod val="65000"/>
-                    <a:lumOff val="35000"/>
-                  </a:schemeClr>
-                </a:solidFill>
-                <a:latin typeface="Palatino Linotype" panose="02040502050505030304" pitchFamily="18" charset="0"/>
-              </a:rPr>
-            </a:br>
-            <a:r>
-              <a:rPr lang="en-US" sz="3600" dirty="0">
-                <a:solidFill>
-                  <a:schemeClr val="tx1">
-                    <a:lumMod val="65000"/>
-                    <a:lumOff val="35000"/>
-                  </a:schemeClr>
-                </a:solidFill>
-                <a:latin typeface="Palatino Linotype" panose="02040502050505030304" pitchFamily="18" charset="0"/>
-              </a:rPr>
-              <a:t>02.2_transformer_anatomy.ipynb</a:t>
-            </a:r>
-            <a:endParaRPr lang="en-US" sz="3600" dirty="0">
-              <a:solidFill>
-                <a:schemeClr val="tx1">
-                  <a:lumMod val="65000"/>
-                  <a:lumOff val="35000"/>
-                </a:schemeClr>
-              </a:solidFill>
-              <a:latin typeface="Palatino Linotype" panose="02040502050505030304" pitchFamily="18" charset="0"/>
-              <a:cs typeface="Segoe UI Light" panose="020B0502040204020203" pitchFamily="34" charset="0"/>
-            </a:endParaRPr>
-          </a:p>
-        </p:txBody>
-      </p:sp>
-    </p:spTree>
-    <p:extLst>
-      <p:ext uri="{BB962C8B-B14F-4D97-AF65-F5344CB8AC3E}">
-        <p14:creationId xmlns:p14="http://schemas.microsoft.com/office/powerpoint/2010/main" val="2261991877"/>
-      </p:ext>
-    </p:extLst>
-  </p:cSld>
-  <p:clrMapOvr>
-    <a:masterClrMapping/>
-  </p:clrMapOvr>
-  <mc:AlternateContent xmlns:mc="http://schemas.openxmlformats.org/markup-compatibility/2006" xmlns:p14="http://schemas.microsoft.com/office/powerpoint/2010/main">
-    <mc:Choice Requires="p14">
-      <p:transition spd="med" p14:dur="700">
-        <p:fade/>
-      </p:transition>
-    </mc:Choice>
-    <mc:Fallback xmlns="">
-      <p:transition spd="med">
-        <p:fade/>
-      </p:transition>
-    </mc:Fallback>
-  </mc:AlternateContent>
-</p:sld>
-</file>
-
-<file path=ppt/slides/slide15.xml><?xml version="1.0" encoding="utf-8"?>
-<p:sld xmlns:a="http://schemas.openxmlformats.org/drawingml/2006/main" xmlns:r="http://schemas.openxmlformats.org/officeDocument/2006/relationships" xmlns:p="http://schemas.openxmlformats.org/presentationml/2006/main">
-  <p:cSld>
-    <p:spTree>
-      <p:nvGrpSpPr>
-        <p:cNvPr id="1" name=""/>
-        <p:cNvGrpSpPr/>
-        <p:nvPr/>
-      </p:nvGrpSpPr>
-      <p:grpSpPr>
-        <a:xfrm>
-          <a:off x="0" y="0"/>
-          <a:ext cx="0" cy="0"/>
-          <a:chOff x="0" y="0"/>
-          <a:chExt cx="0" cy="0"/>
-        </a:xfrm>
-      </p:grpSpPr>
-    </p:spTree>
-    <p:extLst>
-      <p:ext uri="{BB962C8B-B14F-4D97-AF65-F5344CB8AC3E}">
-        <p14:creationId xmlns:p14="http://schemas.microsoft.com/office/powerpoint/2010/main" val="2516832135"/>
-      </p:ext>
-    </p:extLst>
-  </p:cSld>
-  <p:clrMapOvr>
-    <a:masterClrMapping/>
-  </p:clrMapOvr>
-  <mc:AlternateContent xmlns:mc="http://schemas.openxmlformats.org/markup-compatibility/2006" xmlns:p14="http://schemas.microsoft.com/office/powerpoint/2010/main">
-    <mc:Choice Requires="p14">
-      <p:transition spd="med" p14:dur="700">
-        <p:fade/>
-      </p:transition>
-    </mc:Choice>
-    <mc:Fallback xmlns="">
-      <p:transition spd="med">
-        <p:fade/>
-      </p:transition>
-    </mc:Fallback>
-  </mc:AlternateContent>
-</p:sld>
-</file>
-
-<file path=ppt/slides/slide16.xml><?xml version="1.0" encoding="utf-8"?>
-<p:sld xmlns:a="http://schemas.openxmlformats.org/drawingml/2006/main" xmlns:r="http://schemas.openxmlformats.org/officeDocument/2006/relationships" xmlns:p="http://schemas.openxmlformats.org/presentationml/2006/main">
-  <p:cSld>
-    <p:spTree>
-      <p:nvGrpSpPr>
-        <p:cNvPr id="1" name=""/>
-        <p:cNvGrpSpPr/>
-        <p:nvPr/>
-      </p:nvGrpSpPr>
-      <p:grpSpPr>
-        <a:xfrm>
-          <a:off x="0" y="0"/>
-          <a:ext cx="0" cy="0"/>
-          <a:chOff x="0" y="0"/>
-          <a:chExt cx="0" cy="0"/>
-        </a:xfrm>
-      </p:grpSpPr>
-      <p:pic>
-        <p:nvPicPr>
-          <p:cNvPr id="3" name="Picture 2">
-            <a:extLst>
-              <a:ext uri="{FF2B5EF4-FFF2-40B4-BE49-F238E27FC236}">
-                <a16:creationId xmlns:a16="http://schemas.microsoft.com/office/drawing/2014/main" id="{88CC7D4C-7D31-4E3C-92F7-200A7C7F587F}"/>
-              </a:ext>
-            </a:extLst>
-          </p:cNvPr>
-          <p:cNvPicPr>
-            <a:picLocks noChangeAspect="1"/>
-          </p:cNvPicPr>
-          <p:nvPr/>
-        </p:nvPicPr>
-        <p:blipFill>
-          <a:blip r:embed="rId3"/>
-          <a:stretch>
-            <a:fillRect/>
-          </a:stretch>
-        </p:blipFill>
-        <p:spPr>
-          <a:xfrm>
-            <a:off x="0" y="365760"/>
-            <a:ext cx="3233668" cy="805144"/>
-          </a:xfrm>
-          <a:prstGeom prst="rect">
-            <a:avLst/>
-          </a:prstGeom>
-        </p:spPr>
-      </p:pic>
-      <p:sp>
-        <p:nvSpPr>
-          <p:cNvPr id="12" name="Title 1">
-            <a:extLst>
-              <a:ext uri="{FF2B5EF4-FFF2-40B4-BE49-F238E27FC236}">
-                <a16:creationId xmlns:a16="http://schemas.microsoft.com/office/drawing/2014/main" id="{E2FB948E-5ACE-4C88-8B2D-233F4E9F4797}"/>
-              </a:ext>
-            </a:extLst>
-          </p:cNvPr>
-          <p:cNvSpPr>
-            <a:spLocks noGrp="1"/>
-          </p:cNvSpPr>
-          <p:nvPr>
-            <p:ph type="title"/>
-          </p:nvPr>
-        </p:nvSpPr>
-        <p:spPr>
-          <a:xfrm>
-            <a:off x="0" y="2705764"/>
-            <a:ext cx="12192000" cy="1446472"/>
-          </a:xfrm>
-          <a:noFill/>
-        </p:spPr>
-        <p:txBody>
-          <a:bodyPr>
-            <a:noAutofit/>
-          </a:bodyPr>
-          <a:lstStyle/>
-          <a:p>
-            <a:pPr algn="ctr"/>
-            <a:r>
-              <a:rPr lang="en-US" sz="3600" dirty="0">
-                <a:solidFill>
-                  <a:schemeClr val="tx1">
-                    <a:lumMod val="65000"/>
-                    <a:lumOff val="35000"/>
-                  </a:schemeClr>
-                </a:solidFill>
-                <a:latin typeface="Palatino Linotype" panose="02040502050505030304" pitchFamily="18" charset="0"/>
-              </a:rPr>
-              <a:t>Emotion Detector</a:t>
-            </a:r>
-            <a:br>
-              <a:rPr lang="en-US" sz="3600" dirty="0">
-                <a:solidFill>
-                  <a:schemeClr val="tx1">
-                    <a:lumMod val="65000"/>
-                    <a:lumOff val="35000"/>
-                  </a:schemeClr>
-                </a:solidFill>
-                <a:latin typeface="Palatino Linotype" panose="02040502050505030304" pitchFamily="18" charset="0"/>
-              </a:rPr>
-            </a:br>
-            <a:r>
-              <a:rPr lang="en-US" sz="3600" dirty="0">
-                <a:solidFill>
-                  <a:schemeClr val="tx1">
-                    <a:lumMod val="65000"/>
-                    <a:lumOff val="35000"/>
-                  </a:schemeClr>
-                </a:solidFill>
-                <a:latin typeface="Palatino Linotype" panose="02040502050505030304" pitchFamily="18" charset="0"/>
-              </a:rPr>
-              <a:t>01.2_emotion_detector.ipynb</a:t>
-            </a:r>
-            <a:endParaRPr lang="en-US" sz="3600" dirty="0">
-              <a:solidFill>
-                <a:schemeClr val="tx1">
-                  <a:lumMod val="65000"/>
-                  <a:lumOff val="35000"/>
-                </a:schemeClr>
-              </a:solidFill>
-              <a:latin typeface="Palatino Linotype" panose="02040502050505030304" pitchFamily="18" charset="0"/>
-              <a:cs typeface="Segoe UI Light" panose="020B0502040204020203" pitchFamily="34" charset="0"/>
-            </a:endParaRPr>
-          </a:p>
-        </p:txBody>
-      </p:sp>
-    </p:spTree>
-    <p:extLst>
-      <p:ext uri="{BB962C8B-B14F-4D97-AF65-F5344CB8AC3E}">
-        <p14:creationId xmlns:p14="http://schemas.microsoft.com/office/powerpoint/2010/main" val="1595263659"/>
-      </p:ext>
-    </p:extLst>
-  </p:cSld>
-  <p:clrMapOvr>
-    <a:masterClrMapping/>
-  </p:clrMapOvr>
-  <mc:AlternateContent xmlns:mc="http://schemas.openxmlformats.org/markup-compatibility/2006" xmlns:p14="http://schemas.microsoft.com/office/powerpoint/2010/main">
-    <mc:Choice Requires="p14">
-      <p:transition spd="med" p14:dur="700">
-        <p:fade/>
-      </p:transition>
-    </mc:Choice>
-    <mc:Fallback xmlns="">
-      <p:transition spd="med">
-        <p:fade/>
-      </p:transition>
-    </mc:Fallback>
-  </mc:AlternateContent>
-</p:sld>
-</file>
-
-<file path=ppt/slides/slide17.xml><?xml version="1.0" encoding="utf-8"?>
-<p:sld xmlns:a="http://schemas.openxmlformats.org/drawingml/2006/main" xmlns:r="http://schemas.openxmlformats.org/officeDocument/2006/relationships" xmlns:p="http://schemas.openxmlformats.org/presentationml/2006/main">
-  <p:cSld>
-    <p:spTree>
-      <p:nvGrpSpPr>
-        <p:cNvPr id="1" name=""/>
-        <p:cNvGrpSpPr/>
-        <p:nvPr/>
-      </p:nvGrpSpPr>
-      <p:grpSpPr>
-        <a:xfrm>
-          <a:off x="0" y="0"/>
-          <a:ext cx="0" cy="0"/>
-          <a:chOff x="0" y="0"/>
-          <a:chExt cx="0" cy="0"/>
-        </a:xfrm>
-      </p:grpSpPr>
-      <p:sp>
-        <p:nvSpPr>
-          <p:cNvPr id="3" name="TextBox 2">
-            <a:extLst>
-              <a:ext uri="{FF2B5EF4-FFF2-40B4-BE49-F238E27FC236}">
-                <a16:creationId xmlns:a16="http://schemas.microsoft.com/office/drawing/2014/main" id="{C1E53685-A9F7-4FE0-ABDB-9B755F275882}"/>
-              </a:ext>
-            </a:extLst>
-          </p:cNvPr>
-          <p:cNvSpPr txBox="1"/>
-          <p:nvPr/>
-        </p:nvSpPr>
-        <p:spPr>
-          <a:xfrm>
-            <a:off x="0" y="6550223"/>
-            <a:ext cx="12192000" cy="307777"/>
-          </a:xfrm>
-          <a:prstGeom prst="rect">
-            <a:avLst/>
-          </a:prstGeom>
-          <a:noFill/>
-        </p:spPr>
-        <p:txBody>
-          <a:bodyPr wrap="square" rtlCol="0">
-            <a:spAutoFit/>
-          </a:bodyPr>
-          <a:lstStyle/>
-          <a:p>
-            <a:r>
-              <a:rPr lang="en-US" sz="1400" dirty="0">
-                <a:solidFill>
-                  <a:schemeClr val="tx1">
-                    <a:lumMod val="65000"/>
-                    <a:lumOff val="35000"/>
-                  </a:schemeClr>
-                </a:solidFill>
-                <a:latin typeface="+mj-lt"/>
-                <a:ea typeface="Verdana" panose="020B0604030504040204" pitchFamily="34" charset="0"/>
-              </a:rPr>
-              <a:t>Image Credit: </a:t>
-            </a:r>
-            <a:r>
-              <a:rPr lang="en-US" sz="1400" dirty="0">
-                <a:solidFill>
-                  <a:schemeClr val="tx1">
-                    <a:lumMod val="65000"/>
-                    <a:lumOff val="35000"/>
-                  </a:schemeClr>
-                </a:solidFill>
-                <a:latin typeface="+mj-lt"/>
-              </a:rPr>
-              <a:t>https://www.shutterstock.com/search/limit</a:t>
-            </a:r>
-          </a:p>
-        </p:txBody>
-      </p:sp>
-      <p:sp>
-        <p:nvSpPr>
-          <p:cNvPr id="8" name="Title 1">
-            <a:extLst>
-              <a:ext uri="{FF2B5EF4-FFF2-40B4-BE49-F238E27FC236}">
-                <a16:creationId xmlns:a16="http://schemas.microsoft.com/office/drawing/2014/main" id="{195DAE60-9F77-4ED0-836D-1B7F2B48FCA1}"/>
-              </a:ext>
-            </a:extLst>
-          </p:cNvPr>
-          <p:cNvSpPr>
-            <a:spLocks noGrp="1"/>
-          </p:cNvSpPr>
-          <p:nvPr>
-            <p:ph type="title"/>
-          </p:nvPr>
-        </p:nvSpPr>
-        <p:spPr>
-          <a:xfrm>
-            <a:off x="0" y="793808"/>
-            <a:ext cx="12192000" cy="606943"/>
-          </a:xfrm>
-          <a:noFill/>
-        </p:spPr>
-        <p:txBody>
-          <a:bodyPr>
-            <a:noAutofit/>
-          </a:bodyPr>
-          <a:lstStyle/>
-          <a:p>
-            <a:pPr algn="ctr"/>
-            <a:r>
-              <a:rPr lang="en-US" sz="3600" dirty="0">
-                <a:solidFill>
-                  <a:schemeClr val="tx1">
-                    <a:lumMod val="65000"/>
-                    <a:lumOff val="35000"/>
-                  </a:schemeClr>
-                </a:solidFill>
-                <a:latin typeface="Palatino Linotype" panose="02040502050505030304" pitchFamily="18" charset="0"/>
-              </a:rPr>
-              <a:t>Limits of Recurrent Neural Networks</a:t>
-            </a:r>
-            <a:endParaRPr lang="en-US" sz="3600" dirty="0">
-              <a:solidFill>
-                <a:schemeClr val="tx1">
-                  <a:lumMod val="65000"/>
-                  <a:lumOff val="35000"/>
-                </a:schemeClr>
-              </a:solidFill>
-              <a:latin typeface="Palatino Linotype" panose="02040502050505030304" pitchFamily="18" charset="0"/>
-              <a:cs typeface="Segoe UI Light" panose="020B0502040204020203" pitchFamily="34" charset="0"/>
-            </a:endParaRPr>
-          </a:p>
-        </p:txBody>
-      </p:sp>
-      <p:pic>
-        <p:nvPicPr>
-          <p:cNvPr id="4" name="Picture 3" descr="Text&#10;&#10;Description automatically generated">
-            <a:extLst>
-              <a:ext uri="{FF2B5EF4-FFF2-40B4-BE49-F238E27FC236}">
-                <a16:creationId xmlns:a16="http://schemas.microsoft.com/office/drawing/2014/main" id="{AA3BA86B-7925-47BE-8EE7-F5C705D20C00}"/>
-              </a:ext>
-            </a:extLst>
-          </p:cNvPr>
-          <p:cNvPicPr>
-            <a:picLocks noChangeAspect="1"/>
-          </p:cNvPicPr>
-          <p:nvPr/>
-        </p:nvPicPr>
-        <p:blipFill>
-          <a:blip r:embed="rId3">
-            <a:extLst>
-              <a:ext uri="{28A0092B-C50C-407E-A947-70E740481C1C}">
-                <a14:useLocalDpi xmlns:a14="http://schemas.microsoft.com/office/drawing/2010/main" val="0"/>
-              </a:ext>
-            </a:extLst>
-          </a:blip>
-          <a:stretch>
-            <a:fillRect/>
-          </a:stretch>
-        </p:blipFill>
-        <p:spPr>
-          <a:xfrm>
-            <a:off x="4014080" y="2654934"/>
-            <a:ext cx="4163839" cy="2214245"/>
-          </a:xfrm>
-          <a:prstGeom prst="rect">
-            <a:avLst/>
-          </a:prstGeom>
-          <a:effectLst>
-            <a:outerShdw blurRad="50800" dist="38100" dir="2700000" algn="tl" rotWithShape="0">
-              <a:prstClr val="black">
-                <a:alpha val="40000"/>
-              </a:prstClr>
-            </a:outerShdw>
-          </a:effectLst>
-        </p:spPr>
-      </p:pic>
-    </p:spTree>
-    <p:extLst>
-      <p:ext uri="{BB962C8B-B14F-4D97-AF65-F5344CB8AC3E}">
-        <p14:creationId xmlns:p14="http://schemas.microsoft.com/office/powerpoint/2010/main" val="3452552887"/>
-      </p:ext>
-    </p:extLst>
-  </p:cSld>
-  <p:clrMapOvr>
-    <a:masterClrMapping/>
-  </p:clrMapOvr>
-  <mc:AlternateContent xmlns:mc="http://schemas.openxmlformats.org/markup-compatibility/2006" xmlns:p14="http://schemas.microsoft.com/office/powerpoint/2010/main">
-    <mc:Choice Requires="p14">
-      <p:transition spd="med" p14:dur="700">
-        <p:fade/>
-      </p:transition>
-    </mc:Choice>
-    <mc:Fallback xmlns="">
-      <p:transition spd="med">
-        <p:fade/>
-      </p:transition>
-    </mc:Fallback>
-  </mc:AlternateContent>
-</p:sld>
-</file>
-
-<file path=ppt/slides/slide2.xml><?xml version="1.0" encoding="utf-8"?>
-<p:sld xmlns:a="http://schemas.openxmlformats.org/drawingml/2006/main" xmlns:r="http://schemas.openxmlformats.org/officeDocument/2006/relationships" xmlns:p="http://schemas.openxmlformats.org/presentationml/2006/main">
-  <p:cSld>
-    <p:spTree>
-      <p:nvGrpSpPr>
-        <p:cNvPr id="1" name=""/>
-        <p:cNvGrpSpPr/>
-        <p:nvPr/>
-      </p:nvGrpSpPr>
-      <p:grpSpPr>
-        <a:xfrm>
-          <a:off x="0" y="0"/>
-          <a:ext cx="0" cy="0"/>
-          <a:chOff x="0" y="0"/>
-          <a:chExt cx="0" cy="0"/>
-        </a:xfrm>
-      </p:grpSpPr>
-      <p:sp>
-        <p:nvSpPr>
-          <p:cNvPr id="3" name="TextBox 2">
-            <a:extLst>
-              <a:ext uri="{FF2B5EF4-FFF2-40B4-BE49-F238E27FC236}">
-                <a16:creationId xmlns:a16="http://schemas.microsoft.com/office/drawing/2014/main" id="{C1E53685-A9F7-4FE0-ABDB-9B755F275882}"/>
-              </a:ext>
-            </a:extLst>
-          </p:cNvPr>
-          <p:cNvSpPr txBox="1"/>
-          <p:nvPr/>
-        </p:nvSpPr>
-        <p:spPr>
-          <a:xfrm>
-            <a:off x="0" y="6550223"/>
-            <a:ext cx="12192000" cy="307777"/>
-          </a:xfrm>
-          <a:prstGeom prst="rect">
-            <a:avLst/>
-          </a:prstGeom>
-          <a:noFill/>
-        </p:spPr>
-        <p:txBody>
-          <a:bodyPr wrap="square" rtlCol="0">
-            <a:spAutoFit/>
-          </a:bodyPr>
-          <a:lstStyle/>
-          <a:p>
-            <a:r>
-              <a:rPr lang="en-US" sz="1400" dirty="0">
-                <a:solidFill>
-                  <a:schemeClr val="tx1">
-                    <a:lumMod val="65000"/>
-                    <a:lumOff val="35000"/>
-                  </a:schemeClr>
-                </a:solidFill>
-                <a:latin typeface="+mj-lt"/>
-                <a:ea typeface="Verdana" panose="020B0604030504040204" pitchFamily="34" charset="0"/>
-              </a:rPr>
-              <a:t>Source: Glassner, A. (2021). </a:t>
-            </a:r>
-            <a:r>
-              <a:rPr lang="en-US" sz="1400" i="1" dirty="0">
-                <a:solidFill>
-                  <a:schemeClr val="tx1">
-                    <a:lumMod val="65000"/>
-                    <a:lumOff val="35000"/>
-                  </a:schemeClr>
-                </a:solidFill>
-                <a:latin typeface="+mj-lt"/>
-                <a:ea typeface="Verdana" panose="020B0604030504040204" pitchFamily="34" charset="0"/>
-              </a:rPr>
-              <a:t>Deep learning: A visual approach</a:t>
-            </a:r>
-            <a:r>
-              <a:rPr lang="en-US" sz="1400" dirty="0">
-                <a:solidFill>
-                  <a:schemeClr val="tx1">
-                    <a:lumMod val="65000"/>
-                    <a:lumOff val="35000"/>
-                  </a:schemeClr>
-                </a:solidFill>
-                <a:latin typeface="+mj-lt"/>
-                <a:ea typeface="Verdana" panose="020B0604030504040204" pitchFamily="34" charset="0"/>
-              </a:rPr>
-              <a:t>. </a:t>
-            </a:r>
-            <a:r>
-              <a:rPr lang="en-US" sz="1400" b="0" i="0" dirty="0">
-                <a:solidFill>
-                  <a:schemeClr val="tx1">
-                    <a:lumMod val="65000"/>
-                    <a:lumOff val="35000"/>
-                  </a:schemeClr>
-                </a:solidFill>
-                <a:effectLst/>
-                <a:latin typeface="+mj-lt"/>
-                <a:ea typeface="Verdana" panose="020B0604030504040204" pitchFamily="34" charset="0"/>
-              </a:rPr>
-              <a:t>San Francisco, CA: No Starch Press. (Chapter </a:t>
-            </a:r>
-            <a:r>
-              <a:rPr lang="en-US" sz="1400" dirty="0">
-                <a:solidFill>
-                  <a:schemeClr val="tx1">
-                    <a:lumMod val="65000"/>
-                    <a:lumOff val="35000"/>
-                  </a:schemeClr>
-                </a:solidFill>
-                <a:latin typeface="+mj-lt"/>
-                <a:ea typeface="Verdana" panose="020B0604030504040204" pitchFamily="34" charset="0"/>
-              </a:rPr>
-              <a:t>20</a:t>
-            </a:r>
-            <a:r>
-              <a:rPr lang="en-US" sz="1400" b="0" i="0" dirty="0">
-                <a:solidFill>
-                  <a:schemeClr val="tx1">
-                    <a:lumMod val="65000"/>
-                    <a:lumOff val="35000"/>
-                  </a:schemeClr>
-                </a:solidFill>
-                <a:effectLst/>
-                <a:latin typeface="+mj-lt"/>
-                <a:ea typeface="Verdana" panose="020B0604030504040204" pitchFamily="34" charset="0"/>
-              </a:rPr>
-              <a:t>)</a:t>
-            </a:r>
-            <a:endParaRPr lang="en-US" sz="1400" dirty="0">
-              <a:solidFill>
-                <a:schemeClr val="tx1">
-                  <a:lumMod val="65000"/>
-                  <a:lumOff val="35000"/>
-                </a:schemeClr>
-              </a:solidFill>
-              <a:latin typeface="+mj-lt"/>
-              <a:ea typeface="Verdana" panose="020B0604030504040204" pitchFamily="34" charset="0"/>
-            </a:endParaRPr>
-          </a:p>
-        </p:txBody>
-      </p:sp>
-      <p:pic>
-        <p:nvPicPr>
-          <p:cNvPr id="6" name="Picture 5">
-            <a:extLst>
-              <a:ext uri="{FF2B5EF4-FFF2-40B4-BE49-F238E27FC236}">
-                <a16:creationId xmlns:a16="http://schemas.microsoft.com/office/drawing/2014/main" id="{6D6EB62B-2AF5-414F-AE49-8A9F33BF1690}"/>
-              </a:ext>
-            </a:extLst>
-          </p:cNvPr>
-          <p:cNvPicPr>
-            <a:picLocks noChangeAspect="1"/>
-          </p:cNvPicPr>
-          <p:nvPr/>
-        </p:nvPicPr>
-        <p:blipFill>
-          <a:blip r:embed="rId3"/>
-          <a:stretch>
-            <a:fillRect/>
-          </a:stretch>
-        </p:blipFill>
-        <p:spPr>
-          <a:xfrm>
-            <a:off x="2694334" y="3645875"/>
-            <a:ext cx="2635250" cy="635000"/>
-          </a:xfrm>
-          <a:prstGeom prst="rect">
-            <a:avLst/>
-          </a:prstGeom>
-          <a:effectLst>
-            <a:outerShdw blurRad="50800" dist="38100" dir="2700000" algn="tl" rotWithShape="0">
-              <a:prstClr val="black">
-                <a:alpha val="40000"/>
-              </a:prstClr>
-            </a:outerShdw>
-          </a:effectLst>
-        </p:spPr>
-      </p:pic>
-      <p:sp>
-        <p:nvSpPr>
-          <p:cNvPr id="20" name="Title 1">
-            <a:extLst>
-              <a:ext uri="{FF2B5EF4-FFF2-40B4-BE49-F238E27FC236}">
-                <a16:creationId xmlns:a16="http://schemas.microsoft.com/office/drawing/2014/main" id="{A768B6E7-76B8-4DF1-9B5C-732BFB29136A}"/>
-              </a:ext>
-            </a:extLst>
-          </p:cNvPr>
-          <p:cNvSpPr>
-            <a:spLocks noGrp="1"/>
-          </p:cNvSpPr>
-          <p:nvPr>
-            <p:ph type="title"/>
-          </p:nvPr>
-        </p:nvSpPr>
-        <p:spPr>
-          <a:xfrm>
-            <a:off x="0" y="793808"/>
-            <a:ext cx="12192000" cy="606943"/>
-          </a:xfrm>
-          <a:noFill/>
-        </p:spPr>
-        <p:txBody>
-          <a:bodyPr>
-            <a:noAutofit/>
-          </a:bodyPr>
-          <a:lstStyle/>
-          <a:p>
-            <a:pPr algn="ctr"/>
-            <a:r>
-              <a:rPr lang="en-US" sz="3600" dirty="0">
-                <a:solidFill>
-                  <a:schemeClr val="tx1">
-                    <a:lumMod val="65000"/>
-                    <a:lumOff val="35000"/>
-                  </a:schemeClr>
-                </a:solidFill>
-                <a:latin typeface="Palatino Linotype" panose="02040502050505030304" pitchFamily="18" charset="0"/>
-              </a:rPr>
-              <a:t>Transformer Building Blocks</a:t>
-            </a:r>
-            <a:endParaRPr lang="en-US" sz="3600" dirty="0">
-              <a:solidFill>
-                <a:schemeClr val="tx1">
-                  <a:lumMod val="65000"/>
-                  <a:lumOff val="35000"/>
-                </a:schemeClr>
-              </a:solidFill>
-              <a:latin typeface="Palatino Linotype" panose="02040502050505030304" pitchFamily="18" charset="0"/>
-              <a:cs typeface="Segoe UI Light" panose="020B0502040204020203" pitchFamily="34" charset="0"/>
-            </a:endParaRPr>
-          </a:p>
-        </p:txBody>
-      </p:sp>
-      <p:pic>
-        <p:nvPicPr>
-          <p:cNvPr id="4" name="Picture 3">
-            <a:extLst>
-              <a:ext uri="{FF2B5EF4-FFF2-40B4-BE49-F238E27FC236}">
-                <a16:creationId xmlns:a16="http://schemas.microsoft.com/office/drawing/2014/main" id="{49A6F357-2B30-46BD-8FDD-0411E11694D1}"/>
-              </a:ext>
-            </a:extLst>
-          </p:cNvPr>
-          <p:cNvPicPr>
-            <a:picLocks noChangeAspect="1"/>
-          </p:cNvPicPr>
-          <p:nvPr/>
-        </p:nvPicPr>
-        <p:blipFill>
-          <a:blip r:embed="rId4"/>
-          <a:stretch>
-            <a:fillRect/>
-          </a:stretch>
-        </p:blipFill>
-        <p:spPr>
-          <a:xfrm>
-            <a:off x="5379858" y="3636516"/>
-            <a:ext cx="1790700" cy="635000"/>
-          </a:xfrm>
-          <a:prstGeom prst="rect">
-            <a:avLst/>
-          </a:prstGeom>
-          <a:effectLst>
-            <a:outerShdw blurRad="50800" dist="38100" dir="2700000" algn="tl" rotWithShape="0">
-              <a:prstClr val="black">
-                <a:alpha val="40000"/>
-              </a:prstClr>
-            </a:outerShdw>
-          </a:effectLst>
-        </p:spPr>
-      </p:pic>
-      <p:pic>
-        <p:nvPicPr>
-          <p:cNvPr id="7" name="Picture 6">
-            <a:extLst>
-              <a:ext uri="{FF2B5EF4-FFF2-40B4-BE49-F238E27FC236}">
-                <a16:creationId xmlns:a16="http://schemas.microsoft.com/office/drawing/2014/main" id="{D5D9F89A-4E53-49F5-A27C-956248F9D86B}"/>
-              </a:ext>
-            </a:extLst>
-          </p:cNvPr>
-          <p:cNvPicPr>
-            <a:picLocks noChangeAspect="1"/>
-          </p:cNvPicPr>
-          <p:nvPr/>
-        </p:nvPicPr>
-        <p:blipFill>
-          <a:blip r:embed="rId5"/>
-          <a:stretch>
-            <a:fillRect/>
-          </a:stretch>
-        </p:blipFill>
-        <p:spPr>
-          <a:xfrm>
-            <a:off x="3928194" y="3059733"/>
-            <a:ext cx="2260600" cy="635000"/>
-          </a:xfrm>
-          <a:prstGeom prst="rect">
-            <a:avLst/>
-          </a:prstGeom>
-          <a:effectLst>
-            <a:outerShdw blurRad="50800" dist="38100" dir="2700000" algn="tl" rotWithShape="0">
-              <a:prstClr val="black">
-                <a:alpha val="40000"/>
-              </a:prstClr>
-            </a:outerShdw>
-          </a:effectLst>
-        </p:spPr>
-      </p:pic>
-      <p:pic>
-        <p:nvPicPr>
-          <p:cNvPr id="11" name="Picture 10">
-            <a:extLst>
-              <a:ext uri="{FF2B5EF4-FFF2-40B4-BE49-F238E27FC236}">
-                <a16:creationId xmlns:a16="http://schemas.microsoft.com/office/drawing/2014/main" id="{64C5ADC0-26B7-477C-8BC1-FD66E3F58AB9}"/>
-              </a:ext>
-            </a:extLst>
-          </p:cNvPr>
-          <p:cNvPicPr>
-            <a:picLocks noChangeAspect="1"/>
-          </p:cNvPicPr>
-          <p:nvPr/>
-        </p:nvPicPr>
-        <p:blipFill>
-          <a:blip r:embed="rId6"/>
-          <a:stretch>
-            <a:fillRect/>
-          </a:stretch>
-        </p:blipFill>
-        <p:spPr>
-          <a:xfrm>
-            <a:off x="6195607" y="3058464"/>
-            <a:ext cx="2755900" cy="635000"/>
-          </a:xfrm>
-          <a:prstGeom prst="rect">
-            <a:avLst/>
-          </a:prstGeom>
-          <a:effectLst>
-            <a:outerShdw blurRad="50800" dist="38100" dir="2700000" algn="tl" rotWithShape="0">
-              <a:prstClr val="black">
-                <a:alpha val="40000"/>
-              </a:prstClr>
-            </a:outerShdw>
-          </a:effectLst>
-        </p:spPr>
-      </p:pic>
-      <p:pic>
-        <p:nvPicPr>
-          <p:cNvPr id="15" name="Picture 14">
-            <a:extLst>
-              <a:ext uri="{FF2B5EF4-FFF2-40B4-BE49-F238E27FC236}">
-                <a16:creationId xmlns:a16="http://schemas.microsoft.com/office/drawing/2014/main" id="{1E147A74-E88F-4F6E-B05A-2153D3561A60}"/>
-              </a:ext>
-            </a:extLst>
-          </p:cNvPr>
-          <p:cNvPicPr>
-            <a:picLocks noChangeAspect="1"/>
-          </p:cNvPicPr>
-          <p:nvPr/>
-        </p:nvPicPr>
-        <p:blipFill>
-          <a:blip r:embed="rId7"/>
-          <a:stretch>
-            <a:fillRect/>
-          </a:stretch>
-        </p:blipFill>
-        <p:spPr>
-          <a:xfrm>
-            <a:off x="7150680" y="3645710"/>
-            <a:ext cx="2451100" cy="635000"/>
-          </a:xfrm>
-          <a:prstGeom prst="rect">
-            <a:avLst/>
-          </a:prstGeom>
-          <a:effectLst>
-            <a:outerShdw blurRad="50800" dist="38100" dir="2700000" algn="tl" rotWithShape="0">
-              <a:prstClr val="black">
-                <a:alpha val="40000"/>
-              </a:prstClr>
-            </a:outerShdw>
-          </a:effectLst>
-        </p:spPr>
-      </p:pic>
-    </p:spTree>
-    <p:extLst>
-      <p:ext uri="{BB962C8B-B14F-4D97-AF65-F5344CB8AC3E}">
-        <p14:creationId xmlns:p14="http://schemas.microsoft.com/office/powerpoint/2010/main" val="3602552699"/>
-      </p:ext>
-    </p:extLst>
-  </p:cSld>
-  <p:clrMapOvr>
-    <a:masterClrMapping/>
-  </p:clrMapOvr>
-  <mc:AlternateContent xmlns:mc="http://schemas.openxmlformats.org/markup-compatibility/2006" xmlns:p14="http://schemas.microsoft.com/office/powerpoint/2010/main">
-    <mc:Choice Requires="p14">
-      <p:transition spd="med" p14:dur="700">
-        <p:fade/>
-      </p:transition>
-    </mc:Choice>
-    <mc:Fallback xmlns="">
-      <p:transition spd="med">
-        <p:fade/>
-      </p:transition>
-    </mc:Fallback>
-  </mc:AlternateContent>
-</p:sld>
-</file>
-
-<file path=ppt/slides/slide3.xml><?xml version="1.0" encoding="utf-8"?>
-<p:sld xmlns:a="http://schemas.openxmlformats.org/drawingml/2006/main" xmlns:r="http://schemas.openxmlformats.org/officeDocument/2006/relationships" xmlns:p="http://schemas.openxmlformats.org/presentationml/2006/main">
-  <p:cSld>
-    <p:spTree>
-      <p:nvGrpSpPr>
-        <p:cNvPr id="1" name=""/>
-        <p:cNvGrpSpPr/>
-        <p:nvPr/>
-      </p:nvGrpSpPr>
-      <p:grpSpPr>
-        <a:xfrm>
-          <a:off x="0" y="0"/>
-          <a:ext cx="0" cy="0"/>
-          <a:chOff x="0" y="0"/>
-          <a:chExt cx="0" cy="0"/>
-        </a:xfrm>
-      </p:grpSpPr>
-      <p:pic>
-        <p:nvPicPr>
-          <p:cNvPr id="1026" name="Picture 2" descr="rnn">
-            <a:extLst>
-              <a:ext uri="{FF2B5EF4-FFF2-40B4-BE49-F238E27FC236}">
-                <a16:creationId xmlns:a16="http://schemas.microsoft.com/office/drawing/2014/main" id="{561207FA-3A34-4741-93B0-069226A91387}"/>
-              </a:ext>
-            </a:extLst>
-          </p:cNvPr>
-          <p:cNvPicPr>
-            <a:picLocks noChangeAspect="1" noChangeArrowheads="1"/>
-          </p:cNvPicPr>
-          <p:nvPr/>
-        </p:nvPicPr>
-        <p:blipFill>
-          <a:blip r:embed="rId3">
-            <a:extLst>
-              <a:ext uri="{28A0092B-C50C-407E-A947-70E740481C1C}">
-                <a14:useLocalDpi xmlns:a14="http://schemas.microsoft.com/office/drawing/2010/main" val="0"/>
-              </a:ext>
-            </a:extLst>
-          </a:blip>
-          <a:srcRect/>
-          <a:stretch>
-            <a:fillRect/>
-          </a:stretch>
-        </p:blipFill>
-        <p:spPr bwMode="auto">
-          <a:xfrm>
-            <a:off x="2419251" y="2240184"/>
-            <a:ext cx="7353498" cy="2377631"/>
-          </a:xfrm>
-          <a:prstGeom prst="rect">
-            <a:avLst/>
-          </a:prstGeom>
-          <a:noFill/>
-          <a:extLst>
-            <a:ext uri="{909E8E84-426E-40DD-AFC4-6F175D3DCCD1}">
-              <a14:hiddenFill xmlns:a14="http://schemas.microsoft.com/office/drawing/2010/main">
-                <a:solidFill>
-                  <a:srgbClr val="FFFFFF"/>
-                </a:solidFill>
-              </a14:hiddenFill>
-            </a:ext>
-          </a:extLst>
-        </p:spPr>
-      </p:pic>
-      <p:sp>
-        <p:nvSpPr>
-          <p:cNvPr id="8" name="TextBox 7">
-            <a:extLst>
-              <a:ext uri="{FF2B5EF4-FFF2-40B4-BE49-F238E27FC236}">
-                <a16:creationId xmlns:a16="http://schemas.microsoft.com/office/drawing/2014/main" id="{63A07B37-0A00-4021-BDD3-1302B867EFEA}"/>
-              </a:ext>
-            </a:extLst>
-          </p:cNvPr>
-          <p:cNvSpPr txBox="1"/>
-          <p:nvPr/>
-        </p:nvSpPr>
-        <p:spPr>
-          <a:xfrm>
-            <a:off x="0" y="6550223"/>
-            <a:ext cx="12192000" cy="307777"/>
-          </a:xfrm>
-          <a:prstGeom prst="rect">
-            <a:avLst/>
-          </a:prstGeom>
-          <a:noFill/>
-        </p:spPr>
-        <p:txBody>
-          <a:bodyPr wrap="square" rtlCol="0">
-            <a:spAutoFit/>
-          </a:bodyPr>
-          <a:lstStyle/>
-          <a:p>
-            <a:r>
-              <a:rPr lang="en-US" sz="1400" dirty="0">
-                <a:solidFill>
-                  <a:schemeClr val="tx1">
-                    <a:lumMod val="65000"/>
-                    <a:lumOff val="35000"/>
-                  </a:schemeClr>
-                </a:solidFill>
-                <a:latin typeface="+mj-lt"/>
-                <a:ea typeface="Verdana" panose="020B0604030504040204" pitchFamily="34" charset="0"/>
-              </a:rPr>
-              <a:t>Source: Tunstall, L., et al (2022). </a:t>
-            </a:r>
-            <a:r>
-              <a:rPr lang="en-US" sz="1400" i="1" dirty="0">
-                <a:solidFill>
-                  <a:schemeClr val="tx1">
-                    <a:lumMod val="65000"/>
-                    <a:lumOff val="35000"/>
-                  </a:schemeClr>
-                </a:solidFill>
-                <a:latin typeface="+mj-lt"/>
-                <a:ea typeface="Verdana" panose="020B0604030504040204" pitchFamily="34" charset="0"/>
-              </a:rPr>
-              <a:t>Natural Language Processing with Transformers</a:t>
-            </a:r>
-            <a:r>
-              <a:rPr lang="en-US" sz="1400" dirty="0">
-                <a:solidFill>
-                  <a:schemeClr val="tx1">
-                    <a:lumMod val="65000"/>
-                    <a:lumOff val="35000"/>
-                  </a:schemeClr>
-                </a:solidFill>
-                <a:latin typeface="+mj-lt"/>
-                <a:ea typeface="Verdana" panose="020B0604030504040204" pitchFamily="34" charset="0"/>
-              </a:rPr>
-              <a:t>. </a:t>
-            </a:r>
-            <a:r>
-              <a:rPr lang="en-US" sz="1400" b="0" i="0" dirty="0">
-                <a:solidFill>
-                  <a:schemeClr val="tx1">
-                    <a:lumMod val="65000"/>
-                    <a:lumOff val="35000"/>
-                  </a:schemeClr>
-                </a:solidFill>
-                <a:effectLst/>
-                <a:latin typeface="+mj-lt"/>
-                <a:ea typeface="Verdana" panose="020B0604030504040204" pitchFamily="34" charset="0"/>
-              </a:rPr>
-              <a:t>Sebastopol, CA: </a:t>
-            </a:r>
-            <a:r>
-              <a:rPr lang="en-US" sz="1400" dirty="0">
-                <a:solidFill>
-                  <a:schemeClr val="tx1">
-                    <a:lumMod val="65000"/>
-                    <a:lumOff val="35000"/>
-                  </a:schemeClr>
-                </a:solidFill>
-                <a:latin typeface="+mj-lt"/>
-                <a:ea typeface="Verdana" panose="020B0604030504040204" pitchFamily="34" charset="0"/>
-              </a:rPr>
-              <a:t>O’Reilly Publishing</a:t>
-            </a:r>
-            <a:r>
-              <a:rPr lang="en-US" sz="1400" b="0" i="0" dirty="0">
-                <a:solidFill>
-                  <a:schemeClr val="tx1">
-                    <a:lumMod val="65000"/>
-                    <a:lumOff val="35000"/>
-                  </a:schemeClr>
-                </a:solidFill>
-                <a:effectLst/>
-                <a:latin typeface="+mj-lt"/>
-                <a:ea typeface="Verdana" panose="020B0604030504040204" pitchFamily="34" charset="0"/>
-              </a:rPr>
-              <a:t>. (Chapter 1)</a:t>
-            </a:r>
-            <a:endParaRPr lang="en-US" sz="1400" dirty="0">
-              <a:solidFill>
-                <a:schemeClr val="tx1">
-                  <a:lumMod val="65000"/>
-                  <a:lumOff val="35000"/>
-                </a:schemeClr>
-              </a:solidFill>
-              <a:latin typeface="+mj-lt"/>
-              <a:ea typeface="Verdana" panose="020B0604030504040204" pitchFamily="34" charset="0"/>
-            </a:endParaRPr>
-          </a:p>
-        </p:txBody>
-      </p:sp>
-    </p:spTree>
-    <p:extLst>
-      <p:ext uri="{BB962C8B-B14F-4D97-AF65-F5344CB8AC3E}">
-        <p14:creationId xmlns:p14="http://schemas.microsoft.com/office/powerpoint/2010/main" val="1123888976"/>
-      </p:ext>
-    </p:extLst>
-  </p:cSld>
-  <p:clrMapOvr>
-    <a:masterClrMapping/>
-  </p:clrMapOvr>
-  <mc:AlternateContent xmlns:mc="http://schemas.openxmlformats.org/markup-compatibility/2006" xmlns:p14="http://schemas.microsoft.com/office/powerpoint/2010/main">
-    <mc:Choice Requires="p14">
-      <p:transition spd="med" p14:dur="700">
-        <p:fade/>
-      </p:transition>
-    </mc:Choice>
-    <mc:Fallback xmlns="">
-      <p:transition spd="med">
-        <p:fade/>
-      </p:transition>
-    </mc:Fallback>
-  </mc:AlternateContent>
-</p:sld>
-</file>
-
-<file path=ppt/slides/slide4.xml><?xml version="1.0" encoding="utf-8"?>
-<p:sld xmlns:a="http://schemas.openxmlformats.org/drawingml/2006/main" xmlns:r="http://schemas.openxmlformats.org/officeDocument/2006/relationships" xmlns:p="http://schemas.openxmlformats.org/presentationml/2006/main">
-  <p:cSld>
-    <p:spTree>
-      <p:nvGrpSpPr>
-        <p:cNvPr id="1" name=""/>
-        <p:cNvGrpSpPr/>
-        <p:nvPr/>
-      </p:nvGrpSpPr>
-      <p:grpSpPr>
-        <a:xfrm>
-          <a:off x="0" y="0"/>
-          <a:ext cx="0" cy="0"/>
-          <a:chOff x="0" y="0"/>
-          <a:chExt cx="0" cy="0"/>
-        </a:xfrm>
-      </p:grpSpPr>
-      <p:pic>
-        <p:nvPicPr>
-          <p:cNvPr id="2050" name="Picture 2" descr="enc-dec">
-            <a:extLst>
-              <a:ext uri="{FF2B5EF4-FFF2-40B4-BE49-F238E27FC236}">
-                <a16:creationId xmlns:a16="http://schemas.microsoft.com/office/drawing/2014/main" id="{3932E7A2-AC74-4616-8E73-8BE6E621CA05}"/>
-              </a:ext>
-            </a:extLst>
-          </p:cNvPr>
-          <p:cNvPicPr>
-            <a:picLocks noChangeAspect="1" noChangeArrowheads="1"/>
-          </p:cNvPicPr>
-          <p:nvPr/>
-        </p:nvPicPr>
-        <p:blipFill>
-          <a:blip r:embed="rId3">
-            <a:extLst>
-              <a:ext uri="{28A0092B-C50C-407E-A947-70E740481C1C}">
-                <a14:useLocalDpi xmlns:a14="http://schemas.microsoft.com/office/drawing/2010/main" val="0"/>
-              </a:ext>
-            </a:extLst>
-          </a:blip>
-          <a:srcRect/>
-          <a:stretch>
-            <a:fillRect/>
-          </a:stretch>
-        </p:blipFill>
-        <p:spPr bwMode="auto">
-          <a:xfrm>
-            <a:off x="2304409" y="1925002"/>
-            <a:ext cx="7583181" cy="3007995"/>
-          </a:xfrm>
-          <a:prstGeom prst="rect">
-            <a:avLst/>
-          </a:prstGeom>
-          <a:noFill/>
-          <a:extLst>
-            <a:ext uri="{909E8E84-426E-40DD-AFC4-6F175D3DCCD1}">
-              <a14:hiddenFill xmlns:a14="http://schemas.microsoft.com/office/drawing/2010/main">
-                <a:solidFill>
-                  <a:srgbClr val="FFFFFF"/>
-                </a:solidFill>
-              </a14:hiddenFill>
-            </a:ext>
-          </a:extLst>
-        </p:spPr>
-      </p:pic>
-      <p:sp>
-        <p:nvSpPr>
-          <p:cNvPr id="4" name="TextBox 3">
-            <a:extLst>
-              <a:ext uri="{FF2B5EF4-FFF2-40B4-BE49-F238E27FC236}">
-                <a16:creationId xmlns:a16="http://schemas.microsoft.com/office/drawing/2014/main" id="{62096B2A-7B7D-4F4B-B458-A97B0FDB961D}"/>
-              </a:ext>
-            </a:extLst>
-          </p:cNvPr>
-          <p:cNvSpPr txBox="1"/>
-          <p:nvPr/>
-        </p:nvSpPr>
-        <p:spPr>
-          <a:xfrm>
-            <a:off x="0" y="6550223"/>
-            <a:ext cx="12192000" cy="307777"/>
-          </a:xfrm>
-          <a:prstGeom prst="rect">
-            <a:avLst/>
-          </a:prstGeom>
-          <a:noFill/>
-        </p:spPr>
-        <p:txBody>
-          <a:bodyPr wrap="square" rtlCol="0">
-            <a:spAutoFit/>
-          </a:bodyPr>
-          <a:lstStyle/>
-          <a:p>
-            <a:r>
-              <a:rPr lang="en-US" sz="1400" dirty="0">
-                <a:solidFill>
-                  <a:schemeClr val="tx1">
-                    <a:lumMod val="65000"/>
-                    <a:lumOff val="35000"/>
-                  </a:schemeClr>
-                </a:solidFill>
-                <a:latin typeface="+mj-lt"/>
-                <a:ea typeface="Verdana" panose="020B0604030504040204" pitchFamily="34" charset="0"/>
-              </a:rPr>
-              <a:t>Source: Tunstall, L., et al (2022). </a:t>
-            </a:r>
-            <a:r>
-              <a:rPr lang="en-US" sz="1400" i="1" dirty="0">
-                <a:solidFill>
-                  <a:schemeClr val="tx1">
-                    <a:lumMod val="65000"/>
-                    <a:lumOff val="35000"/>
-                  </a:schemeClr>
-                </a:solidFill>
-                <a:latin typeface="+mj-lt"/>
-                <a:ea typeface="Verdana" panose="020B0604030504040204" pitchFamily="34" charset="0"/>
-              </a:rPr>
-              <a:t>Natural Language Processing with Transformers</a:t>
-            </a:r>
-            <a:r>
-              <a:rPr lang="en-US" sz="1400" dirty="0">
-                <a:solidFill>
-                  <a:schemeClr val="tx1">
-                    <a:lumMod val="65000"/>
-                    <a:lumOff val="35000"/>
-                  </a:schemeClr>
-                </a:solidFill>
-                <a:latin typeface="+mj-lt"/>
-                <a:ea typeface="Verdana" panose="020B0604030504040204" pitchFamily="34" charset="0"/>
-              </a:rPr>
-              <a:t>. </a:t>
-            </a:r>
-            <a:r>
-              <a:rPr lang="en-US" sz="1400" b="0" i="0" dirty="0">
-                <a:solidFill>
-                  <a:schemeClr val="tx1">
-                    <a:lumMod val="65000"/>
-                    <a:lumOff val="35000"/>
-                  </a:schemeClr>
-                </a:solidFill>
-                <a:effectLst/>
-                <a:latin typeface="+mj-lt"/>
-                <a:ea typeface="Verdana" panose="020B0604030504040204" pitchFamily="34" charset="0"/>
-              </a:rPr>
-              <a:t>Sebastopol, CA: </a:t>
-            </a:r>
-            <a:r>
-              <a:rPr lang="en-US" sz="1400" dirty="0">
-                <a:solidFill>
-                  <a:schemeClr val="tx1">
-                    <a:lumMod val="65000"/>
-                    <a:lumOff val="35000"/>
-                  </a:schemeClr>
-                </a:solidFill>
-                <a:latin typeface="+mj-lt"/>
-                <a:ea typeface="Verdana" panose="020B0604030504040204" pitchFamily="34" charset="0"/>
-              </a:rPr>
-              <a:t>O’Reilly Publishing</a:t>
-            </a:r>
-            <a:r>
-              <a:rPr lang="en-US" sz="1400" b="0" i="0" dirty="0">
-                <a:solidFill>
-                  <a:schemeClr val="tx1">
-                    <a:lumMod val="65000"/>
-                    <a:lumOff val="35000"/>
-                  </a:schemeClr>
-                </a:solidFill>
-                <a:effectLst/>
-                <a:latin typeface="+mj-lt"/>
-                <a:ea typeface="Verdana" panose="020B0604030504040204" pitchFamily="34" charset="0"/>
-              </a:rPr>
-              <a:t>. (Chapter 1)</a:t>
-            </a:r>
-            <a:endParaRPr lang="en-US" sz="1400" dirty="0">
-              <a:solidFill>
-                <a:schemeClr val="tx1">
-                  <a:lumMod val="65000"/>
-                  <a:lumOff val="35000"/>
-                </a:schemeClr>
-              </a:solidFill>
-              <a:latin typeface="+mj-lt"/>
-              <a:ea typeface="Verdana" panose="020B0604030504040204" pitchFamily="34" charset="0"/>
-            </a:endParaRPr>
-          </a:p>
-        </p:txBody>
-      </p:sp>
-    </p:spTree>
-    <p:extLst>
-      <p:ext uri="{BB962C8B-B14F-4D97-AF65-F5344CB8AC3E}">
-        <p14:creationId xmlns:p14="http://schemas.microsoft.com/office/powerpoint/2010/main" val="2431498119"/>
-      </p:ext>
-    </p:extLst>
-  </p:cSld>
-  <p:clrMapOvr>
-    <a:masterClrMapping/>
-  </p:clrMapOvr>
-  <mc:AlternateContent xmlns:mc="http://schemas.openxmlformats.org/markup-compatibility/2006" xmlns:p14="http://schemas.microsoft.com/office/powerpoint/2010/main">
-    <mc:Choice Requires="p14">
-      <p:transition spd="med" p14:dur="700">
-        <p:fade/>
-      </p:transition>
-    </mc:Choice>
-    <mc:Fallback xmlns="">
-      <p:transition spd="med">
-        <p:fade/>
-      </p:transition>
-    </mc:Fallback>
-  </mc:AlternateContent>
-</p:sld>
-</file>
-
-<file path=ppt/slides/slide5.xml><?xml version="1.0" encoding="utf-8"?>
-<p:sld xmlns:a="http://schemas.openxmlformats.org/drawingml/2006/main" xmlns:r="http://schemas.openxmlformats.org/officeDocument/2006/relationships" xmlns:p="http://schemas.openxmlformats.org/presentationml/2006/main">
-  <p:cSld>
-    <p:spTree>
-      <p:nvGrpSpPr>
-        <p:cNvPr id="1" name=""/>
-        <p:cNvGrpSpPr/>
-        <p:nvPr/>
-      </p:nvGrpSpPr>
-      <p:grpSpPr>
-        <a:xfrm>
-          <a:off x="0" y="0"/>
-          <a:ext cx="0" cy="0"/>
-          <a:chOff x="0" y="0"/>
-          <a:chExt cx="0" cy="0"/>
-        </a:xfrm>
-      </p:grpSpPr>
-      <p:pic>
-        <p:nvPicPr>
-          <p:cNvPr id="1026" name="Picture 2">
-            <a:extLst>
-              <a:ext uri="{FF2B5EF4-FFF2-40B4-BE49-F238E27FC236}">
-                <a16:creationId xmlns:a16="http://schemas.microsoft.com/office/drawing/2014/main" id="{C47ED13A-501C-4362-B556-F2503F6187F3}"/>
-              </a:ext>
-            </a:extLst>
-          </p:cNvPr>
-          <p:cNvPicPr>
-            <a:picLocks noChangeAspect="1" noChangeArrowheads="1" noCrop="1"/>
-          </p:cNvPicPr>
-          <p:nvPr/>
-        </p:nvPicPr>
-        <p:blipFill>
-          <a:blip r:embed="rId3">
-            <a:clrChange>
-              <a:clrFrom>
-                <a:srgbClr val="FEFCFE"/>
-              </a:clrFrom>
-              <a:clrTo>
-                <a:srgbClr val="FEFCFE">
-                  <a:alpha val="0"/>
-                </a:srgbClr>
-              </a:clrTo>
-            </a:clrChange>
-            <a:extLst>
-              <a:ext uri="{28A0092B-C50C-407E-A947-70E740481C1C}">
-                <a14:useLocalDpi xmlns:a14="http://schemas.microsoft.com/office/drawing/2010/main" val="0"/>
-              </a:ext>
-            </a:extLst>
-          </a:blip>
-          <a:srcRect/>
-          <a:stretch>
-            <a:fillRect/>
-          </a:stretch>
-        </p:blipFill>
-        <p:spPr bwMode="auto">
-          <a:xfrm>
-            <a:off x="1672651" y="1807709"/>
-            <a:ext cx="8846697" cy="3907291"/>
-          </a:xfrm>
-          <a:prstGeom prst="rect">
-            <a:avLst/>
-          </a:prstGeom>
-          <a:noFill/>
-          <a:extLst>
-            <a:ext uri="{909E8E84-426E-40DD-AFC4-6F175D3DCCD1}">
-              <a14:hiddenFill xmlns:a14="http://schemas.microsoft.com/office/drawing/2010/main">
-                <a:solidFill>
-                  <a:srgbClr val="FFFFFF"/>
-                </a:solidFill>
-              </a14:hiddenFill>
-            </a:ext>
-          </a:extLst>
-        </p:spPr>
-      </p:pic>
-      <p:sp>
-        <p:nvSpPr>
-          <p:cNvPr id="5" name="TextBox 4">
-            <a:extLst>
-              <a:ext uri="{FF2B5EF4-FFF2-40B4-BE49-F238E27FC236}">
-                <a16:creationId xmlns:a16="http://schemas.microsoft.com/office/drawing/2014/main" id="{81F4C7A8-209C-474B-BBCF-98F1EE29E285}"/>
-              </a:ext>
-            </a:extLst>
-          </p:cNvPr>
-          <p:cNvSpPr txBox="1"/>
-          <p:nvPr/>
-        </p:nvSpPr>
-        <p:spPr>
-          <a:xfrm>
-            <a:off x="0" y="6550223"/>
-            <a:ext cx="12192000" cy="307777"/>
-          </a:xfrm>
-          <a:prstGeom prst="rect">
-            <a:avLst/>
-          </a:prstGeom>
-          <a:noFill/>
-        </p:spPr>
-        <p:txBody>
-          <a:bodyPr wrap="square" rtlCol="0">
-            <a:spAutoFit/>
-          </a:bodyPr>
-          <a:lstStyle/>
-          <a:p>
-            <a:r>
-              <a:rPr lang="en-US" sz="1400" dirty="0">
-                <a:solidFill>
-                  <a:schemeClr val="tx1">
-                    <a:lumMod val="65000"/>
-                    <a:lumOff val="35000"/>
-                  </a:schemeClr>
-                </a:solidFill>
-                <a:latin typeface="+mj-lt"/>
-                <a:ea typeface="Verdana" panose="020B0604030504040204" pitchFamily="34" charset="0"/>
-              </a:rPr>
-              <a:t>Image Credit: https://towardsdatascience.com/transformers-141e32e69591 </a:t>
-            </a:r>
-          </a:p>
-        </p:txBody>
-      </p:sp>
-    </p:spTree>
-    <p:extLst>
-      <p:ext uri="{BB962C8B-B14F-4D97-AF65-F5344CB8AC3E}">
-        <p14:creationId xmlns:p14="http://schemas.microsoft.com/office/powerpoint/2010/main" val="2843395467"/>
-      </p:ext>
-    </p:extLst>
-  </p:cSld>
-  <p:clrMapOvr>
-    <a:masterClrMapping/>
-  </p:clrMapOvr>
-  <mc:AlternateContent xmlns:mc="http://schemas.openxmlformats.org/markup-compatibility/2006" xmlns:p14="http://schemas.microsoft.com/office/powerpoint/2010/main">
-    <mc:Choice Requires="p14">
-      <p:transition spd="med" p14:dur="700">
-        <p:fade/>
-      </p:transition>
-    </mc:Choice>
-    <mc:Fallback xmlns="">
-      <p:transition spd="med">
-        <p:fade/>
-      </p:transition>
-    </mc:Fallback>
-  </mc:AlternateContent>
-</p:sld>
-</file>
-
-<file path=ppt/slides/slide6.xml><?xml version="1.0" encoding="utf-8"?>
-<p:sld xmlns:a="http://schemas.openxmlformats.org/drawingml/2006/main" xmlns:r="http://schemas.openxmlformats.org/officeDocument/2006/relationships" xmlns:p="http://schemas.openxmlformats.org/presentationml/2006/main">
-  <p:cSld>
-    <p:spTree>
-      <p:nvGrpSpPr>
-        <p:cNvPr id="1" name=""/>
-        <p:cNvGrpSpPr/>
-        <p:nvPr/>
-      </p:nvGrpSpPr>
-      <p:grpSpPr>
-        <a:xfrm>
-          <a:off x="0" y="0"/>
-          <a:ext cx="0" cy="0"/>
-          <a:chOff x="0" y="0"/>
-          <a:chExt cx="0" cy="0"/>
-        </a:xfrm>
-      </p:grpSpPr>
-      <p:sp>
-        <p:nvSpPr>
-          <p:cNvPr id="3" name="TextBox 2">
-            <a:extLst>
-              <a:ext uri="{FF2B5EF4-FFF2-40B4-BE49-F238E27FC236}">
-                <a16:creationId xmlns:a16="http://schemas.microsoft.com/office/drawing/2014/main" id="{E90DC7AC-FE00-4591-931C-A07C2562C5A0}"/>
-              </a:ext>
-            </a:extLst>
-          </p:cNvPr>
-          <p:cNvSpPr txBox="1"/>
-          <p:nvPr/>
-        </p:nvSpPr>
-        <p:spPr>
-          <a:xfrm>
-            <a:off x="0" y="6550223"/>
-            <a:ext cx="12192000" cy="307777"/>
-          </a:xfrm>
-          <a:prstGeom prst="rect">
-            <a:avLst/>
-          </a:prstGeom>
-          <a:noFill/>
-        </p:spPr>
-        <p:txBody>
-          <a:bodyPr wrap="square" rtlCol="0">
-            <a:spAutoFit/>
-          </a:bodyPr>
-          <a:lstStyle/>
-          <a:p>
-            <a:r>
-              <a:rPr lang="en-US" sz="1400" dirty="0">
-                <a:solidFill>
-                  <a:schemeClr val="tx1">
-                    <a:lumMod val="65000"/>
-                    <a:lumOff val="35000"/>
-                  </a:schemeClr>
-                </a:solidFill>
-                <a:latin typeface="+mj-lt"/>
-                <a:ea typeface="Verdana" panose="020B0604030504040204" pitchFamily="34" charset="0"/>
-              </a:rPr>
-              <a:t>Source: Glassner, A. (2021). </a:t>
-            </a:r>
-            <a:r>
-              <a:rPr lang="en-US" sz="1400" i="1" dirty="0">
-                <a:solidFill>
-                  <a:schemeClr val="tx1">
-                    <a:lumMod val="65000"/>
-                    <a:lumOff val="35000"/>
-                  </a:schemeClr>
-                </a:solidFill>
-                <a:latin typeface="+mj-lt"/>
-                <a:ea typeface="Verdana" panose="020B0604030504040204" pitchFamily="34" charset="0"/>
-              </a:rPr>
-              <a:t>Deep learning: A visual approach</a:t>
-            </a:r>
-            <a:r>
-              <a:rPr lang="en-US" sz="1400" dirty="0">
-                <a:solidFill>
-                  <a:schemeClr val="tx1">
-                    <a:lumMod val="65000"/>
-                    <a:lumOff val="35000"/>
-                  </a:schemeClr>
-                </a:solidFill>
-                <a:latin typeface="+mj-lt"/>
-                <a:ea typeface="Verdana" panose="020B0604030504040204" pitchFamily="34" charset="0"/>
-              </a:rPr>
-              <a:t>. </a:t>
-            </a:r>
-            <a:r>
-              <a:rPr lang="en-US" sz="1400" b="0" i="0" dirty="0">
-                <a:solidFill>
-                  <a:schemeClr val="tx1">
-                    <a:lumMod val="65000"/>
-                    <a:lumOff val="35000"/>
-                  </a:schemeClr>
-                </a:solidFill>
-                <a:effectLst/>
-                <a:latin typeface="+mj-lt"/>
-                <a:ea typeface="Verdana" panose="020B0604030504040204" pitchFamily="34" charset="0"/>
-              </a:rPr>
-              <a:t>San Francisco, CA: No Starch Press. (Chapter </a:t>
-            </a:r>
-            <a:r>
-              <a:rPr lang="en-US" sz="1400" dirty="0">
-                <a:solidFill>
-                  <a:schemeClr val="tx1">
-                    <a:lumMod val="65000"/>
-                    <a:lumOff val="35000"/>
-                  </a:schemeClr>
-                </a:solidFill>
-                <a:latin typeface="+mj-lt"/>
-                <a:ea typeface="Verdana" panose="020B0604030504040204" pitchFamily="34" charset="0"/>
-              </a:rPr>
-              <a:t>20</a:t>
-            </a:r>
-            <a:r>
-              <a:rPr lang="en-US" sz="1400" b="0" i="0" dirty="0">
-                <a:solidFill>
-                  <a:schemeClr val="tx1">
-                    <a:lumMod val="65000"/>
-                    <a:lumOff val="35000"/>
-                  </a:schemeClr>
-                </a:solidFill>
-                <a:effectLst/>
-                <a:latin typeface="+mj-lt"/>
-                <a:ea typeface="Verdana" panose="020B0604030504040204" pitchFamily="34" charset="0"/>
-              </a:rPr>
-              <a:t>)</a:t>
-            </a:r>
-            <a:endParaRPr lang="en-US" sz="1400" dirty="0">
-              <a:solidFill>
-                <a:schemeClr val="tx1">
-                  <a:lumMod val="65000"/>
-                  <a:lumOff val="35000"/>
-                </a:schemeClr>
-              </a:solidFill>
-              <a:latin typeface="+mj-lt"/>
-              <a:ea typeface="Verdana" panose="020B0604030504040204" pitchFamily="34" charset="0"/>
-            </a:endParaRPr>
-          </a:p>
-        </p:txBody>
-      </p:sp>
-      <p:sp>
-        <p:nvSpPr>
-          <p:cNvPr id="8" name="TextBox 7">
-            <a:extLst>
-              <a:ext uri="{FF2B5EF4-FFF2-40B4-BE49-F238E27FC236}">
-                <a16:creationId xmlns:a16="http://schemas.microsoft.com/office/drawing/2014/main" id="{6422EA5F-8454-4344-A7DE-423FF92B8601}"/>
-              </a:ext>
-            </a:extLst>
-          </p:cNvPr>
-          <p:cNvSpPr txBox="1"/>
-          <p:nvPr/>
-        </p:nvSpPr>
-        <p:spPr>
-          <a:xfrm>
-            <a:off x="3175000" y="3136612"/>
-            <a:ext cx="6616700" cy="584775"/>
-          </a:xfrm>
-          <a:prstGeom prst="rect">
-            <a:avLst/>
-          </a:prstGeom>
-          <a:noFill/>
-        </p:spPr>
-        <p:txBody>
-          <a:bodyPr wrap="square" rtlCol="0">
-            <a:spAutoFit/>
-          </a:bodyPr>
-          <a:lstStyle/>
-          <a:p>
-            <a:pPr algn="ctr"/>
-            <a:r>
-              <a:rPr lang="en-US" sz="3200" dirty="0">
-                <a:latin typeface="Palatino Linotype" panose="02040502050505030304" pitchFamily="18" charset="0"/>
-              </a:rPr>
-              <a:t>I saw a big dog eat his dinner</a:t>
-            </a:r>
-          </a:p>
-        </p:txBody>
-      </p:sp>
-    </p:spTree>
-    <p:extLst>
-      <p:ext uri="{BB962C8B-B14F-4D97-AF65-F5344CB8AC3E}">
-        <p14:creationId xmlns:p14="http://schemas.microsoft.com/office/powerpoint/2010/main" val="3848559915"/>
-      </p:ext>
-    </p:extLst>
-  </p:cSld>
-  <p:clrMapOvr>
-    <a:masterClrMapping/>
-  </p:clrMapOvr>
-  <mc:AlternateContent xmlns:mc="http://schemas.openxmlformats.org/markup-compatibility/2006" xmlns:p14="http://schemas.microsoft.com/office/powerpoint/2010/main">
-    <mc:Choice Requires="p14">
-      <p:transition spd="med" p14:dur="700">
-        <p:fade/>
-      </p:transition>
-    </mc:Choice>
-    <mc:Fallback xmlns="">
-      <p:transition spd="med">
-        <p:fade/>
-      </p:transition>
-    </mc:Fallback>
-  </mc:AlternateContent>
-</p:sld>
-</file>
-
-<file path=ppt/slides/slide7.xml><?xml version="1.0" encoding="utf-8"?>
-<p:sld xmlns:a="http://schemas.openxmlformats.org/drawingml/2006/main" xmlns:r="http://schemas.openxmlformats.org/officeDocument/2006/relationships" xmlns:p="http://schemas.openxmlformats.org/presentationml/2006/main">
-  <p:cSld>
-    <p:spTree>
-      <p:nvGrpSpPr>
-        <p:cNvPr id="1" name=""/>
-        <p:cNvGrpSpPr/>
-        <p:nvPr/>
-      </p:nvGrpSpPr>
-      <p:grpSpPr>
-        <a:xfrm>
-          <a:off x="0" y="0"/>
-          <a:ext cx="0" cy="0"/>
-          <a:chOff x="0" y="0"/>
-          <a:chExt cx="0" cy="0"/>
-        </a:xfrm>
-      </p:grpSpPr>
-      <p:pic>
-        <p:nvPicPr>
-          <p:cNvPr id="1026" name="Picture 2" descr="F20010">
-            <a:extLst>
-              <a:ext uri="{FF2B5EF4-FFF2-40B4-BE49-F238E27FC236}">
-                <a16:creationId xmlns:a16="http://schemas.microsoft.com/office/drawing/2014/main" id="{114ECFDE-71CF-45E4-85CE-E8B3576A5F7F}"/>
-              </a:ext>
-            </a:extLst>
-          </p:cNvPr>
-          <p:cNvPicPr>
-            <a:picLocks noChangeAspect="1" noChangeArrowheads="1"/>
-          </p:cNvPicPr>
-          <p:nvPr/>
-        </p:nvPicPr>
-        <p:blipFill>
-          <a:blip r:embed="rId3">
-            <a:clrChange>
-              <a:clrFrom>
-                <a:srgbClr val="FFFFFF"/>
-              </a:clrFrom>
-              <a:clrTo>
-                <a:srgbClr val="FFFFFF">
-                  <a:alpha val="0"/>
-                </a:srgbClr>
-              </a:clrTo>
-            </a:clrChange>
-            <a:extLst>
-              <a:ext uri="{28A0092B-C50C-407E-A947-70E740481C1C}">
-                <a14:useLocalDpi xmlns:a14="http://schemas.microsoft.com/office/drawing/2010/main" val="0"/>
-              </a:ext>
-            </a:extLst>
-          </a:blip>
-          <a:srcRect/>
-          <a:stretch>
-            <a:fillRect/>
-          </a:stretch>
-        </p:blipFill>
-        <p:spPr bwMode="auto">
-          <a:xfrm>
-            <a:off x="1484378" y="1758043"/>
-            <a:ext cx="9223243" cy="1670957"/>
-          </a:xfrm>
-          <a:prstGeom prst="rect">
-            <a:avLst/>
-          </a:prstGeom>
-          <a:noFill/>
-          <a:extLst>
-            <a:ext uri="{909E8E84-426E-40DD-AFC4-6F175D3DCCD1}">
-              <a14:hiddenFill xmlns:a14="http://schemas.microsoft.com/office/drawing/2010/main">
-                <a:solidFill>
-                  <a:srgbClr val="FFFFFF"/>
-                </a:solidFill>
-              </a14:hiddenFill>
-            </a:ext>
-          </a:extLst>
-        </p:spPr>
-      </p:pic>
-      <p:sp>
-        <p:nvSpPr>
-          <p:cNvPr id="3" name="TextBox 2">
-            <a:extLst>
-              <a:ext uri="{FF2B5EF4-FFF2-40B4-BE49-F238E27FC236}">
-                <a16:creationId xmlns:a16="http://schemas.microsoft.com/office/drawing/2014/main" id="{E90DC7AC-FE00-4591-931C-A07C2562C5A0}"/>
-              </a:ext>
-            </a:extLst>
-          </p:cNvPr>
-          <p:cNvSpPr txBox="1"/>
-          <p:nvPr/>
-        </p:nvSpPr>
-        <p:spPr>
-          <a:xfrm>
-            <a:off x="0" y="6550223"/>
-            <a:ext cx="12192000" cy="307777"/>
-          </a:xfrm>
-          <a:prstGeom prst="rect">
-            <a:avLst/>
-          </a:prstGeom>
-          <a:noFill/>
-        </p:spPr>
-        <p:txBody>
-          <a:bodyPr wrap="square" rtlCol="0">
-            <a:spAutoFit/>
-          </a:bodyPr>
-          <a:lstStyle/>
-          <a:p>
-            <a:r>
-              <a:rPr lang="en-US" sz="1400" dirty="0">
-                <a:solidFill>
-                  <a:schemeClr val="tx1">
-                    <a:lumMod val="65000"/>
-                    <a:lumOff val="35000"/>
-                  </a:schemeClr>
-                </a:solidFill>
-                <a:latin typeface="+mj-lt"/>
-                <a:ea typeface="Verdana" panose="020B0604030504040204" pitchFamily="34" charset="0"/>
-              </a:rPr>
-              <a:t>Source: Glassner, A. (2021). </a:t>
-            </a:r>
-            <a:r>
-              <a:rPr lang="en-US" sz="1400" i="1" dirty="0">
-                <a:solidFill>
-                  <a:schemeClr val="tx1">
-                    <a:lumMod val="65000"/>
-                    <a:lumOff val="35000"/>
-                  </a:schemeClr>
-                </a:solidFill>
-                <a:latin typeface="+mj-lt"/>
-                <a:ea typeface="Verdana" panose="020B0604030504040204" pitchFamily="34" charset="0"/>
-              </a:rPr>
-              <a:t>Deep learning: A visual approach</a:t>
-            </a:r>
-            <a:r>
-              <a:rPr lang="en-US" sz="1400" dirty="0">
-                <a:solidFill>
-                  <a:schemeClr val="tx1">
-                    <a:lumMod val="65000"/>
-                    <a:lumOff val="35000"/>
-                  </a:schemeClr>
-                </a:solidFill>
-                <a:latin typeface="+mj-lt"/>
-                <a:ea typeface="Verdana" panose="020B0604030504040204" pitchFamily="34" charset="0"/>
-              </a:rPr>
-              <a:t>. </a:t>
-            </a:r>
-            <a:r>
-              <a:rPr lang="en-US" sz="1400" b="0" i="0" dirty="0">
-                <a:solidFill>
-                  <a:schemeClr val="tx1">
-                    <a:lumMod val="65000"/>
-                    <a:lumOff val="35000"/>
-                  </a:schemeClr>
-                </a:solidFill>
-                <a:effectLst/>
-                <a:latin typeface="+mj-lt"/>
-                <a:ea typeface="Verdana" panose="020B0604030504040204" pitchFamily="34" charset="0"/>
-              </a:rPr>
-              <a:t>San Francisco, CA: No Starch Press. (Chapter </a:t>
-            </a:r>
-            <a:r>
-              <a:rPr lang="en-US" sz="1400" dirty="0">
-                <a:solidFill>
-                  <a:schemeClr val="tx1">
-                    <a:lumMod val="65000"/>
-                    <a:lumOff val="35000"/>
-                  </a:schemeClr>
-                </a:solidFill>
-                <a:latin typeface="+mj-lt"/>
-                <a:ea typeface="Verdana" panose="020B0604030504040204" pitchFamily="34" charset="0"/>
-              </a:rPr>
-              <a:t>20</a:t>
-            </a:r>
-            <a:r>
-              <a:rPr lang="en-US" sz="1400" b="0" i="0" dirty="0">
-                <a:solidFill>
-                  <a:schemeClr val="tx1">
-                    <a:lumMod val="65000"/>
-                    <a:lumOff val="35000"/>
-                  </a:schemeClr>
-                </a:solidFill>
-                <a:effectLst/>
-                <a:latin typeface="+mj-lt"/>
-                <a:ea typeface="Verdana" panose="020B0604030504040204" pitchFamily="34" charset="0"/>
-              </a:rPr>
-              <a:t>)</a:t>
-            </a:r>
-            <a:endParaRPr lang="en-US" sz="1400" dirty="0">
-              <a:solidFill>
-                <a:schemeClr val="tx1">
-                  <a:lumMod val="65000"/>
-                  <a:lumOff val="35000"/>
-                </a:schemeClr>
-              </a:solidFill>
-              <a:latin typeface="+mj-lt"/>
-              <a:ea typeface="Verdana" panose="020B0604030504040204" pitchFamily="34" charset="0"/>
-            </a:endParaRPr>
-          </a:p>
-        </p:txBody>
-      </p:sp>
       <p:graphicFrame>
         <p:nvGraphicFramePr>
           <p:cNvPr id="2" name="Table 3">
@@ -8914,13 +6977,13 @@
           <p:nvPr>
             <p:extLst>
               <p:ext uri="{D42A27DB-BD31-4B8C-83A1-F6EECF244321}">
-                <p14:modId xmlns:p14="http://schemas.microsoft.com/office/powerpoint/2010/main" val="776093031"/>
+                <p14:modId xmlns:p14="http://schemas.microsoft.com/office/powerpoint/2010/main" val="2762410758"/>
               </p:ext>
             </p:extLst>
           </p:nvPr>
         </p:nvGraphicFramePr>
         <p:xfrm>
-          <a:off x="2031999" y="4071467"/>
+          <a:off x="2032000" y="2636520"/>
           <a:ext cx="8127999" cy="1584960"/>
         </p:xfrm>
         <a:graphic>
@@ -9179,7 +7242,7 @@
     </p:spTree>
     <p:extLst>
       <p:ext uri="{BB962C8B-B14F-4D97-AF65-F5344CB8AC3E}">
-        <p14:creationId xmlns:p14="http://schemas.microsoft.com/office/powerpoint/2010/main" val="3783675430"/>
+        <p14:creationId xmlns:p14="http://schemas.microsoft.com/office/powerpoint/2010/main" val="1127361256"/>
       </p:ext>
     </p:extLst>
   </p:cSld>
@@ -9198,93 +7261,2384 @@
       </p:transition>
     </mc:Fallback>
   </mc:AlternateContent>
-  <p:timing>
-    <p:tnLst>
-      <p:par>
-        <p:cTn id="1" dur="indefinite" restart="never" nodeType="tmRoot">
-          <p:childTnLst>
-            <p:seq concurrent="1" nextAc="seek">
-              <p:cTn id="2" dur="indefinite" nodeType="mainSeq">
-                <p:childTnLst>
-                  <p:par>
-                    <p:cTn id="3" fill="hold">
-                      <p:stCondLst>
-                        <p:cond delay="indefinite"/>
-                      </p:stCondLst>
-                      <p:childTnLst>
-                        <p:par>
-                          <p:cTn id="4" fill="hold">
-                            <p:stCondLst>
-                              <p:cond delay="0"/>
-                            </p:stCondLst>
-                            <p:childTnLst>
-                              <p:par>
-                                <p:cTn id="5" presetID="10" presetClass="entr" presetSubtype="0" fill="hold" nodeType="clickEffect">
-                                  <p:stCondLst>
-                                    <p:cond delay="0"/>
-                                  </p:stCondLst>
-                                  <p:childTnLst>
-                                    <p:set>
-                                      <p:cBhvr>
-                                        <p:cTn id="6" dur="1" fill="hold">
-                                          <p:stCondLst>
-                                            <p:cond delay="0"/>
-                                          </p:stCondLst>
-                                        </p:cTn>
-                                        <p:tgtEl>
-                                          <p:spTgt spid="2"/>
-                                        </p:tgtEl>
-                                        <p:attrNameLst>
-                                          <p:attrName>style.visibility</p:attrName>
-                                        </p:attrNameLst>
-                                      </p:cBhvr>
-                                      <p:to>
-                                        <p:strVal val="visible"/>
-                                      </p:to>
-                                    </p:set>
-                                    <p:animEffect transition="in" filter="fade">
-                                      <p:cBhvr>
-                                        <p:cTn id="7" dur="500"/>
-                                        <p:tgtEl>
-                                          <p:spTgt spid="2"/>
-                                        </p:tgtEl>
-                                      </p:cBhvr>
-                                    </p:animEffect>
-                                  </p:childTnLst>
-                                </p:cTn>
-                              </p:par>
-                            </p:childTnLst>
-                          </p:cTn>
-                        </p:par>
-                      </p:childTnLst>
-                    </p:cTn>
-                  </p:par>
-                </p:childTnLst>
-              </p:cTn>
-              <p:prevCondLst>
-                <p:cond evt="onPrev" delay="0">
-                  <p:tgtEl>
-                    <p:sldTgt/>
-                  </p:tgtEl>
-                </p:cond>
-              </p:prevCondLst>
-              <p:nextCondLst>
-                <p:cond evt="onNext" delay="0">
-                  <p:tgtEl>
-                    <p:sldTgt/>
-                  </p:tgtEl>
-                </p:cond>
-              </p:nextCondLst>
-            </p:seq>
-          </p:childTnLst>
-        </p:cTn>
-      </p:par>
-    </p:tnLst>
-  </p:timing>
 </p:sld>
 </file>
 
-<file path=ppt/slides/slide8.xml><?xml version="1.0" encoding="utf-8"?>
+<file path=ppt/slides/slide11.xml><?xml version="1.0" encoding="utf-8"?>
+<p:sld xmlns:a="http://schemas.openxmlformats.org/drawingml/2006/main" xmlns:r="http://schemas.openxmlformats.org/officeDocument/2006/relationships" xmlns:p="http://schemas.openxmlformats.org/presentationml/2006/main">
+  <p:cSld>
+    <p:spTree>
+      <p:nvGrpSpPr>
+        <p:cNvPr id="1" name=""/>
+        <p:cNvGrpSpPr/>
+        <p:nvPr/>
+      </p:nvGrpSpPr>
+      <p:grpSpPr>
+        <a:xfrm>
+          <a:off x="0" y="0"/>
+          <a:ext cx="0" cy="0"/>
+          <a:chOff x="0" y="0"/>
+          <a:chExt cx="0" cy="0"/>
+        </a:xfrm>
+      </p:grpSpPr>
+      <p:sp>
+        <p:nvSpPr>
+          <p:cNvPr id="8" name="TextBox 7">
+            <a:extLst>
+              <a:ext uri="{FF2B5EF4-FFF2-40B4-BE49-F238E27FC236}">
+                <a16:creationId xmlns:a16="http://schemas.microsoft.com/office/drawing/2014/main" id="{6422EA5F-8454-4344-A7DE-423FF92B8601}"/>
+              </a:ext>
+            </a:extLst>
+          </p:cNvPr>
+          <p:cNvSpPr txBox="1"/>
+          <p:nvPr/>
+        </p:nvSpPr>
+        <p:spPr>
+          <a:xfrm>
+            <a:off x="3175000" y="3136612"/>
+            <a:ext cx="6616700" cy="584775"/>
+          </a:xfrm>
+          <a:prstGeom prst="rect">
+            <a:avLst/>
+          </a:prstGeom>
+          <a:noFill/>
+        </p:spPr>
+        <p:txBody>
+          <a:bodyPr wrap="square" rtlCol="0">
+            <a:spAutoFit/>
+          </a:bodyPr>
+          <a:lstStyle/>
+          <a:p>
+            <a:pPr algn="ctr"/>
+            <a:r>
+              <a:rPr lang="en-US" sz="3200" dirty="0">
+                <a:latin typeface="Palatino Linotype" panose="02040502050505030304" pitchFamily="18" charset="0"/>
+              </a:rPr>
+              <a:t>Time </a:t>
+            </a:r>
+            <a:r>
+              <a:rPr lang="en-US" sz="3200" dirty="0">
+                <a:solidFill>
+                  <a:schemeClr val="accent5">
+                    <a:lumMod val="75000"/>
+                  </a:schemeClr>
+                </a:solidFill>
+                <a:latin typeface="Palatino Linotype" panose="02040502050505030304" pitchFamily="18" charset="0"/>
+              </a:rPr>
+              <a:t>flies</a:t>
+            </a:r>
+            <a:r>
+              <a:rPr lang="en-US" sz="3200" dirty="0">
+                <a:latin typeface="Palatino Linotype" panose="02040502050505030304" pitchFamily="18" charset="0"/>
+              </a:rPr>
+              <a:t> like an arrow</a:t>
+            </a:r>
+          </a:p>
+        </p:txBody>
+      </p:sp>
+      <p:sp>
+        <p:nvSpPr>
+          <p:cNvPr id="4" name="TextBox 3">
+            <a:extLst>
+              <a:ext uri="{FF2B5EF4-FFF2-40B4-BE49-F238E27FC236}">
+                <a16:creationId xmlns:a16="http://schemas.microsoft.com/office/drawing/2014/main" id="{C534E602-04A6-45DD-A2D8-9E592B7A1A09}"/>
+              </a:ext>
+            </a:extLst>
+          </p:cNvPr>
+          <p:cNvSpPr txBox="1"/>
+          <p:nvPr/>
+        </p:nvSpPr>
+        <p:spPr>
+          <a:xfrm>
+            <a:off x="3175000" y="3789217"/>
+            <a:ext cx="6616700" cy="584775"/>
+          </a:xfrm>
+          <a:prstGeom prst="rect">
+            <a:avLst/>
+          </a:prstGeom>
+          <a:noFill/>
+        </p:spPr>
+        <p:txBody>
+          <a:bodyPr wrap="square" rtlCol="0">
+            <a:spAutoFit/>
+          </a:bodyPr>
+          <a:lstStyle/>
+          <a:p>
+            <a:pPr algn="ctr"/>
+            <a:r>
+              <a:rPr lang="en-US" sz="3200" dirty="0">
+                <a:latin typeface="Palatino Linotype" panose="02040502050505030304" pitchFamily="18" charset="0"/>
+              </a:rPr>
+              <a:t>Fruit </a:t>
+            </a:r>
+            <a:r>
+              <a:rPr lang="en-US" sz="3200" dirty="0">
+                <a:solidFill>
+                  <a:schemeClr val="accent5">
+                    <a:lumMod val="75000"/>
+                  </a:schemeClr>
+                </a:solidFill>
+                <a:latin typeface="Palatino Linotype" panose="02040502050505030304" pitchFamily="18" charset="0"/>
+              </a:rPr>
+              <a:t>flies</a:t>
+            </a:r>
+            <a:r>
+              <a:rPr lang="en-US" sz="3200" dirty="0">
+                <a:latin typeface="Palatino Linotype" panose="02040502050505030304" pitchFamily="18" charset="0"/>
+              </a:rPr>
+              <a:t> like a banana</a:t>
+            </a:r>
+          </a:p>
+        </p:txBody>
+      </p:sp>
+    </p:spTree>
+    <p:extLst>
+      <p:ext uri="{BB962C8B-B14F-4D97-AF65-F5344CB8AC3E}">
+        <p14:creationId xmlns:p14="http://schemas.microsoft.com/office/powerpoint/2010/main" val="3848559915"/>
+      </p:ext>
+    </p:extLst>
+  </p:cSld>
+  <p:clrMapOvr>
+    <a:masterClrMapping/>
+  </p:clrMapOvr>
+  <mc:AlternateContent xmlns:mc="http://schemas.openxmlformats.org/markup-compatibility/2006" xmlns:p14="http://schemas.microsoft.com/office/powerpoint/2010/main">
+    <mc:Choice Requires="p14">
+      <p:transition spd="med" p14:dur="700">
+        <p:fade/>
+      </p:transition>
+    </mc:Choice>
+    <mc:Fallback xmlns="">
+      <p:transition spd="med">
+        <p:fade/>
+      </p:transition>
+    </mc:Fallback>
+  </mc:AlternateContent>
+</p:sld>
+</file>
+
+<file path=ppt/slides/slide12.xml><?xml version="1.0" encoding="utf-8"?>
+<p:sld xmlns:a="http://schemas.openxmlformats.org/drawingml/2006/main" xmlns:r="http://schemas.openxmlformats.org/officeDocument/2006/relationships" xmlns:p="http://schemas.openxmlformats.org/presentationml/2006/main">
+  <p:cSld>
+    <p:spTree>
+      <p:nvGrpSpPr>
+        <p:cNvPr id="1" name=""/>
+        <p:cNvGrpSpPr/>
+        <p:nvPr/>
+      </p:nvGrpSpPr>
+      <p:grpSpPr>
+        <a:xfrm>
+          <a:off x="0" y="0"/>
+          <a:ext cx="0" cy="0"/>
+          <a:chOff x="0" y="0"/>
+          <a:chExt cx="0" cy="0"/>
+        </a:xfrm>
+      </p:grpSpPr>
+      <p:pic>
+        <p:nvPicPr>
+          <p:cNvPr id="3" name="Picture 2" descr="A picture containing graphical user interface&#10;&#10;Description automatically generated">
+            <a:extLst>
+              <a:ext uri="{FF2B5EF4-FFF2-40B4-BE49-F238E27FC236}">
+                <a16:creationId xmlns:a16="http://schemas.microsoft.com/office/drawing/2014/main" id="{98F97174-53FA-49C2-A89A-57E989942421}"/>
+              </a:ext>
+            </a:extLst>
+          </p:cNvPr>
+          <p:cNvPicPr>
+            <a:picLocks noChangeAspect="1"/>
+          </p:cNvPicPr>
+          <p:nvPr/>
+        </p:nvPicPr>
+        <p:blipFill>
+          <a:blip r:embed="rId3">
+            <a:extLst>
+              <a:ext uri="{28A0092B-C50C-407E-A947-70E740481C1C}">
+                <a14:useLocalDpi xmlns:a14="http://schemas.microsoft.com/office/drawing/2010/main" val="0"/>
+              </a:ext>
+            </a:extLst>
+          </a:blip>
+          <a:stretch>
+            <a:fillRect/>
+          </a:stretch>
+        </p:blipFill>
+        <p:spPr>
+          <a:xfrm>
+            <a:off x="2587802" y="1179283"/>
+            <a:ext cx="7016395" cy="4499434"/>
+          </a:xfrm>
+          <a:prstGeom prst="rect">
+            <a:avLst/>
+          </a:prstGeom>
+        </p:spPr>
+      </p:pic>
+      <p:sp>
+        <p:nvSpPr>
+          <p:cNvPr id="4" name="TextBox 3">
+            <a:extLst>
+              <a:ext uri="{FF2B5EF4-FFF2-40B4-BE49-F238E27FC236}">
+                <a16:creationId xmlns:a16="http://schemas.microsoft.com/office/drawing/2014/main" id="{3245D491-8ABE-4D30-B646-27CE4511CB11}"/>
+              </a:ext>
+            </a:extLst>
+          </p:cNvPr>
+          <p:cNvSpPr txBox="1"/>
+          <p:nvPr/>
+        </p:nvSpPr>
+        <p:spPr>
+          <a:xfrm>
+            <a:off x="0" y="6550223"/>
+            <a:ext cx="12192000" cy="307777"/>
+          </a:xfrm>
+          <a:prstGeom prst="rect">
+            <a:avLst/>
+          </a:prstGeom>
+          <a:noFill/>
+        </p:spPr>
+        <p:txBody>
+          <a:bodyPr wrap="square" rtlCol="0">
+            <a:spAutoFit/>
+          </a:bodyPr>
+          <a:lstStyle/>
+          <a:p>
+            <a:r>
+              <a:rPr lang="en-US" sz="1400" dirty="0">
+                <a:solidFill>
+                  <a:schemeClr val="tx1">
+                    <a:lumMod val="65000"/>
+                    <a:lumOff val="35000"/>
+                  </a:schemeClr>
+                </a:solidFill>
+                <a:latin typeface="+mj-lt"/>
+                <a:ea typeface="Verdana" panose="020B0604030504040204" pitchFamily="34" charset="0"/>
+              </a:rPr>
+              <a:t>Source: Tunstall, L., et al (2022). </a:t>
+            </a:r>
+            <a:r>
+              <a:rPr lang="en-US" sz="1400" i="1" dirty="0">
+                <a:solidFill>
+                  <a:schemeClr val="tx1">
+                    <a:lumMod val="65000"/>
+                    <a:lumOff val="35000"/>
+                  </a:schemeClr>
+                </a:solidFill>
+                <a:latin typeface="+mj-lt"/>
+                <a:ea typeface="Verdana" panose="020B0604030504040204" pitchFamily="34" charset="0"/>
+              </a:rPr>
+              <a:t>Natural Language Processing with Transformers</a:t>
+            </a:r>
+            <a:r>
+              <a:rPr lang="en-US" sz="1400" dirty="0">
+                <a:solidFill>
+                  <a:schemeClr val="tx1">
+                    <a:lumMod val="65000"/>
+                    <a:lumOff val="35000"/>
+                  </a:schemeClr>
+                </a:solidFill>
+                <a:latin typeface="+mj-lt"/>
+                <a:ea typeface="Verdana" panose="020B0604030504040204" pitchFamily="34" charset="0"/>
+              </a:rPr>
+              <a:t>. </a:t>
+            </a:r>
+            <a:r>
+              <a:rPr lang="en-US" sz="1400" b="0" i="0" dirty="0">
+                <a:solidFill>
+                  <a:schemeClr val="tx1">
+                    <a:lumMod val="65000"/>
+                    <a:lumOff val="35000"/>
+                  </a:schemeClr>
+                </a:solidFill>
+                <a:effectLst/>
+                <a:latin typeface="+mj-lt"/>
+                <a:ea typeface="Verdana" panose="020B0604030504040204" pitchFamily="34" charset="0"/>
+              </a:rPr>
+              <a:t>Sebastopol, CA: </a:t>
+            </a:r>
+            <a:r>
+              <a:rPr lang="en-US" sz="1400" dirty="0">
+                <a:solidFill>
+                  <a:schemeClr val="tx1">
+                    <a:lumMod val="65000"/>
+                    <a:lumOff val="35000"/>
+                  </a:schemeClr>
+                </a:solidFill>
+                <a:latin typeface="+mj-lt"/>
+                <a:ea typeface="Verdana" panose="020B0604030504040204" pitchFamily="34" charset="0"/>
+              </a:rPr>
+              <a:t>O’Reilly Publishing</a:t>
+            </a:r>
+            <a:r>
+              <a:rPr lang="en-US" sz="1400" b="0" i="0" dirty="0">
+                <a:solidFill>
+                  <a:schemeClr val="tx1">
+                    <a:lumMod val="65000"/>
+                    <a:lumOff val="35000"/>
+                  </a:schemeClr>
+                </a:solidFill>
+                <a:effectLst/>
+                <a:latin typeface="+mj-lt"/>
+                <a:ea typeface="Verdana" panose="020B0604030504040204" pitchFamily="34" charset="0"/>
+              </a:rPr>
+              <a:t>. (Chapter 1)</a:t>
+            </a:r>
+            <a:endParaRPr lang="en-US" sz="1400" dirty="0">
+              <a:solidFill>
+                <a:schemeClr val="tx1">
+                  <a:lumMod val="65000"/>
+                  <a:lumOff val="35000"/>
+                </a:schemeClr>
+              </a:solidFill>
+              <a:latin typeface="+mj-lt"/>
+              <a:ea typeface="Verdana" panose="020B0604030504040204" pitchFamily="34" charset="0"/>
+            </a:endParaRPr>
+          </a:p>
+        </p:txBody>
+      </p:sp>
+    </p:spTree>
+    <p:extLst>
+      <p:ext uri="{BB962C8B-B14F-4D97-AF65-F5344CB8AC3E}">
+        <p14:creationId xmlns:p14="http://schemas.microsoft.com/office/powerpoint/2010/main" val="1690706731"/>
+      </p:ext>
+    </p:extLst>
+  </p:cSld>
+  <p:clrMapOvr>
+    <a:masterClrMapping/>
+  </p:clrMapOvr>
+  <mc:AlternateContent xmlns:mc="http://schemas.openxmlformats.org/markup-compatibility/2006" xmlns:p14="http://schemas.microsoft.com/office/powerpoint/2010/main">
+    <mc:Choice Requires="p14">
+      <p:transition spd="med" p14:dur="700">
+        <p:fade/>
+      </p:transition>
+    </mc:Choice>
+    <mc:Fallback xmlns="">
+      <p:transition spd="med">
+        <p:fade/>
+      </p:transition>
+    </mc:Fallback>
+  </mc:AlternateContent>
+</p:sld>
+</file>
+
+<file path=ppt/slides/slide13.xml><?xml version="1.0" encoding="utf-8"?>
+<p:sld xmlns:a="http://schemas.openxmlformats.org/drawingml/2006/main" xmlns:r="http://schemas.openxmlformats.org/officeDocument/2006/relationships" xmlns:p="http://schemas.openxmlformats.org/presentationml/2006/main">
+  <p:cSld>
+    <p:spTree>
+      <p:nvGrpSpPr>
+        <p:cNvPr id="1" name=""/>
+        <p:cNvGrpSpPr/>
+        <p:nvPr/>
+      </p:nvGrpSpPr>
+      <p:grpSpPr>
+        <a:xfrm>
+          <a:off x="0" y="0"/>
+          <a:ext cx="0" cy="0"/>
+          <a:chOff x="0" y="0"/>
+          <a:chExt cx="0" cy="0"/>
+        </a:xfrm>
+      </p:grpSpPr>
+      <p:sp>
+        <p:nvSpPr>
+          <p:cNvPr id="4" name="Title 3">
+            <a:extLst>
+              <a:ext uri="{FF2B5EF4-FFF2-40B4-BE49-F238E27FC236}">
+                <a16:creationId xmlns:a16="http://schemas.microsoft.com/office/drawing/2014/main" id="{5EBC47B3-2231-4C7D-9F46-767148520D27}"/>
+              </a:ext>
+            </a:extLst>
+          </p:cNvPr>
+          <p:cNvSpPr>
+            <a:spLocks noGrp="1"/>
+          </p:cNvSpPr>
+          <p:nvPr>
+            <p:ph type="title"/>
+          </p:nvPr>
+        </p:nvSpPr>
+        <p:spPr/>
+        <p:txBody>
+          <a:bodyPr/>
+          <a:lstStyle/>
+          <a:p>
+            <a:endParaRPr lang="en-US"/>
+          </a:p>
+        </p:txBody>
+      </p:sp>
+      <p:pic>
+        <p:nvPicPr>
+          <p:cNvPr id="3" name="Picture 2" descr="Diagram, text&#10;&#10;Description automatically generated">
+            <a:extLst>
+              <a:ext uri="{FF2B5EF4-FFF2-40B4-BE49-F238E27FC236}">
+                <a16:creationId xmlns:a16="http://schemas.microsoft.com/office/drawing/2014/main" id="{FB501741-390D-4668-9BDF-1DA4FFB3392E}"/>
+              </a:ext>
+            </a:extLst>
+          </p:cNvPr>
+          <p:cNvPicPr>
+            <a:picLocks noChangeAspect="1"/>
+          </p:cNvPicPr>
+          <p:nvPr/>
+        </p:nvPicPr>
+        <p:blipFill>
+          <a:blip r:embed="rId3">
+            <a:extLst>
+              <a:ext uri="{28A0092B-C50C-407E-A947-70E740481C1C}">
+                <a14:useLocalDpi xmlns:a14="http://schemas.microsoft.com/office/drawing/2010/main" val="0"/>
+              </a:ext>
+            </a:extLst>
+          </a:blip>
+          <a:stretch>
+            <a:fillRect/>
+          </a:stretch>
+        </p:blipFill>
+        <p:spPr>
+          <a:xfrm>
+            <a:off x="3665043" y="2511044"/>
+            <a:ext cx="5405096" cy="2327312"/>
+          </a:xfrm>
+          <a:prstGeom prst="rect">
+            <a:avLst/>
+          </a:prstGeom>
+        </p:spPr>
+      </p:pic>
+      <p:sp>
+        <p:nvSpPr>
+          <p:cNvPr id="5" name="TextBox 4">
+            <a:extLst>
+              <a:ext uri="{FF2B5EF4-FFF2-40B4-BE49-F238E27FC236}">
+                <a16:creationId xmlns:a16="http://schemas.microsoft.com/office/drawing/2014/main" id="{378615B4-A275-4B59-A557-CEA636308EDE}"/>
+              </a:ext>
+            </a:extLst>
+          </p:cNvPr>
+          <p:cNvSpPr txBox="1"/>
+          <p:nvPr/>
+        </p:nvSpPr>
+        <p:spPr>
+          <a:xfrm>
+            <a:off x="0" y="6550223"/>
+            <a:ext cx="12192000" cy="307777"/>
+          </a:xfrm>
+          <a:prstGeom prst="rect">
+            <a:avLst/>
+          </a:prstGeom>
+          <a:noFill/>
+        </p:spPr>
+        <p:txBody>
+          <a:bodyPr wrap="square" rtlCol="0">
+            <a:spAutoFit/>
+          </a:bodyPr>
+          <a:lstStyle/>
+          <a:p>
+            <a:r>
+              <a:rPr lang="en-US" sz="1400" dirty="0">
+                <a:solidFill>
+                  <a:schemeClr val="tx1">
+                    <a:lumMod val="65000"/>
+                    <a:lumOff val="35000"/>
+                  </a:schemeClr>
+                </a:solidFill>
+                <a:latin typeface="+mj-lt"/>
+                <a:ea typeface="Verdana" panose="020B0604030504040204" pitchFamily="34" charset="0"/>
+              </a:rPr>
+              <a:t>Source: Tunstall, L., et al (2022). </a:t>
+            </a:r>
+            <a:r>
+              <a:rPr lang="en-US" sz="1400" i="1" dirty="0">
+                <a:solidFill>
+                  <a:schemeClr val="tx1">
+                    <a:lumMod val="65000"/>
+                    <a:lumOff val="35000"/>
+                  </a:schemeClr>
+                </a:solidFill>
+                <a:latin typeface="+mj-lt"/>
+                <a:ea typeface="Verdana" panose="020B0604030504040204" pitchFamily="34" charset="0"/>
+              </a:rPr>
+              <a:t>Natural Language Processing with Transformers</a:t>
+            </a:r>
+            <a:r>
+              <a:rPr lang="en-US" sz="1400" dirty="0">
+                <a:solidFill>
+                  <a:schemeClr val="tx1">
+                    <a:lumMod val="65000"/>
+                    <a:lumOff val="35000"/>
+                  </a:schemeClr>
+                </a:solidFill>
+                <a:latin typeface="+mj-lt"/>
+                <a:ea typeface="Verdana" panose="020B0604030504040204" pitchFamily="34" charset="0"/>
+              </a:rPr>
+              <a:t>. </a:t>
+            </a:r>
+            <a:r>
+              <a:rPr lang="en-US" sz="1400" b="0" i="0" dirty="0">
+                <a:solidFill>
+                  <a:schemeClr val="tx1">
+                    <a:lumMod val="65000"/>
+                    <a:lumOff val="35000"/>
+                  </a:schemeClr>
+                </a:solidFill>
+                <a:effectLst/>
+                <a:latin typeface="+mj-lt"/>
+                <a:ea typeface="Verdana" panose="020B0604030504040204" pitchFamily="34" charset="0"/>
+              </a:rPr>
+              <a:t>Sebastopol, CA: </a:t>
+            </a:r>
+            <a:r>
+              <a:rPr lang="en-US" sz="1400" dirty="0">
+                <a:solidFill>
+                  <a:schemeClr val="tx1">
+                    <a:lumMod val="65000"/>
+                    <a:lumOff val="35000"/>
+                  </a:schemeClr>
+                </a:solidFill>
+                <a:latin typeface="+mj-lt"/>
+                <a:ea typeface="Verdana" panose="020B0604030504040204" pitchFamily="34" charset="0"/>
+              </a:rPr>
+              <a:t>O’Reilly Publishing</a:t>
+            </a:r>
+            <a:r>
+              <a:rPr lang="en-US" sz="1400" b="0" i="0" dirty="0">
+                <a:solidFill>
+                  <a:schemeClr val="tx1">
+                    <a:lumMod val="65000"/>
+                    <a:lumOff val="35000"/>
+                  </a:schemeClr>
+                </a:solidFill>
+                <a:effectLst/>
+                <a:latin typeface="+mj-lt"/>
+                <a:ea typeface="Verdana" panose="020B0604030504040204" pitchFamily="34" charset="0"/>
+              </a:rPr>
+              <a:t>. (Chapter 1)</a:t>
+            </a:r>
+            <a:endParaRPr lang="en-US" sz="1400" dirty="0">
+              <a:solidFill>
+                <a:schemeClr val="tx1">
+                  <a:lumMod val="65000"/>
+                  <a:lumOff val="35000"/>
+                </a:schemeClr>
+              </a:solidFill>
+              <a:latin typeface="+mj-lt"/>
+              <a:ea typeface="Verdana" panose="020B0604030504040204" pitchFamily="34" charset="0"/>
+            </a:endParaRPr>
+          </a:p>
+        </p:txBody>
+      </p:sp>
+    </p:spTree>
+    <p:extLst>
+      <p:ext uri="{BB962C8B-B14F-4D97-AF65-F5344CB8AC3E}">
+        <p14:creationId xmlns:p14="http://schemas.microsoft.com/office/powerpoint/2010/main" val="1795047914"/>
+      </p:ext>
+    </p:extLst>
+  </p:cSld>
+  <p:clrMapOvr>
+    <a:masterClrMapping/>
+  </p:clrMapOvr>
+  <mc:AlternateContent xmlns:mc="http://schemas.openxmlformats.org/markup-compatibility/2006" xmlns:p14="http://schemas.microsoft.com/office/powerpoint/2010/main">
+    <mc:Choice Requires="p14">
+      <p:transition spd="med" p14:dur="700">
+        <p:fade/>
+      </p:transition>
+    </mc:Choice>
+    <mc:Fallback xmlns="">
+      <p:transition spd="med">
+        <p:fade/>
+      </p:transition>
+    </mc:Fallback>
+  </mc:AlternateContent>
+</p:sld>
+</file>
+
+<file path=ppt/slides/slide14.xml><?xml version="1.0" encoding="utf-8"?>
+<p:sld xmlns:a="http://schemas.openxmlformats.org/drawingml/2006/main" xmlns:r="http://schemas.openxmlformats.org/officeDocument/2006/relationships" xmlns:p="http://schemas.openxmlformats.org/presentationml/2006/main">
+  <p:cSld>
+    <p:spTree>
+      <p:nvGrpSpPr>
+        <p:cNvPr id="1" name=""/>
+        <p:cNvGrpSpPr/>
+        <p:nvPr/>
+      </p:nvGrpSpPr>
+      <p:grpSpPr>
+        <a:xfrm>
+          <a:off x="0" y="0"/>
+          <a:ext cx="0" cy="0"/>
+          <a:chOff x="0" y="0"/>
+          <a:chExt cx="0" cy="0"/>
+        </a:xfrm>
+      </p:grpSpPr>
+      <p:pic>
+        <p:nvPicPr>
+          <p:cNvPr id="2050" name="Picture 2">
+            <a:extLst>
+              <a:ext uri="{FF2B5EF4-FFF2-40B4-BE49-F238E27FC236}">
+                <a16:creationId xmlns:a16="http://schemas.microsoft.com/office/drawing/2014/main" id="{D6FBD5FB-F364-404F-BA46-9C6009146A13}"/>
+              </a:ext>
+            </a:extLst>
+          </p:cNvPr>
+          <p:cNvPicPr>
+            <a:picLocks noChangeAspect="1" noChangeArrowheads="1"/>
+          </p:cNvPicPr>
+          <p:nvPr/>
+        </p:nvPicPr>
+        <p:blipFill>
+          <a:blip r:embed="rId3">
+            <a:extLst>
+              <a:ext uri="{28A0092B-C50C-407E-A947-70E740481C1C}">
+                <a14:useLocalDpi xmlns:a14="http://schemas.microsoft.com/office/drawing/2010/main" val="0"/>
+              </a:ext>
+            </a:extLst>
+          </a:blip>
+          <a:srcRect/>
+          <a:stretch>
+            <a:fillRect/>
+          </a:stretch>
+        </p:blipFill>
+        <p:spPr bwMode="auto">
+          <a:xfrm>
+            <a:off x="603130" y="388304"/>
+            <a:ext cx="10985740" cy="6081392"/>
+          </a:xfrm>
+          <a:prstGeom prst="rect">
+            <a:avLst/>
+          </a:prstGeom>
+          <a:noFill/>
+          <a:extLst>
+            <a:ext uri="{909E8E84-426E-40DD-AFC4-6F175D3DCCD1}">
+              <a14:hiddenFill xmlns:a14="http://schemas.microsoft.com/office/drawing/2010/main">
+                <a:solidFill>
+                  <a:srgbClr val="FFFFFF"/>
+                </a:solidFill>
+              </a14:hiddenFill>
+            </a:ext>
+          </a:extLst>
+        </p:spPr>
+      </p:pic>
+      <p:sp>
+        <p:nvSpPr>
+          <p:cNvPr id="3" name="TextBox 2">
+            <a:extLst>
+              <a:ext uri="{FF2B5EF4-FFF2-40B4-BE49-F238E27FC236}">
+                <a16:creationId xmlns:a16="http://schemas.microsoft.com/office/drawing/2014/main" id="{3EDE0501-7B98-4E41-A070-AA3D936E6885}"/>
+              </a:ext>
+            </a:extLst>
+          </p:cNvPr>
+          <p:cNvSpPr txBox="1"/>
+          <p:nvPr/>
+        </p:nvSpPr>
+        <p:spPr>
+          <a:xfrm>
+            <a:off x="0" y="6550223"/>
+            <a:ext cx="12192000" cy="307777"/>
+          </a:xfrm>
+          <a:prstGeom prst="rect">
+            <a:avLst/>
+          </a:prstGeom>
+          <a:noFill/>
+        </p:spPr>
+        <p:txBody>
+          <a:bodyPr wrap="square" rtlCol="0">
+            <a:spAutoFit/>
+          </a:bodyPr>
+          <a:lstStyle/>
+          <a:p>
+            <a:r>
+              <a:rPr lang="en-US" sz="1400" dirty="0">
+                <a:solidFill>
+                  <a:schemeClr val="tx1">
+                    <a:lumMod val="65000"/>
+                    <a:lumOff val="35000"/>
+                  </a:schemeClr>
+                </a:solidFill>
+                <a:latin typeface="+mj-lt"/>
+                <a:ea typeface="Verdana" panose="020B0604030504040204" pitchFamily="34" charset="0"/>
+              </a:rPr>
+              <a:t>Image Credit: https://towardsdatascience.com/transformers-141e32e69591 </a:t>
+            </a:r>
+          </a:p>
+        </p:txBody>
+      </p:sp>
+    </p:spTree>
+    <p:extLst>
+      <p:ext uri="{BB962C8B-B14F-4D97-AF65-F5344CB8AC3E}">
+        <p14:creationId xmlns:p14="http://schemas.microsoft.com/office/powerpoint/2010/main" val="2772687448"/>
+      </p:ext>
+    </p:extLst>
+  </p:cSld>
+  <p:clrMapOvr>
+    <a:masterClrMapping/>
+  </p:clrMapOvr>
+  <mc:AlternateContent xmlns:mc="http://schemas.openxmlformats.org/markup-compatibility/2006" xmlns:p14="http://schemas.microsoft.com/office/powerpoint/2010/main">
+    <mc:Choice Requires="p14">
+      <p:transition spd="med" p14:dur="700">
+        <p:fade/>
+      </p:transition>
+    </mc:Choice>
+    <mc:Fallback xmlns="">
+      <p:transition spd="med">
+        <p:fade/>
+      </p:transition>
+    </mc:Fallback>
+  </mc:AlternateContent>
+</p:sld>
+</file>
+
+<file path=ppt/slides/slide15.xml><?xml version="1.0" encoding="utf-8"?>
+<p:sld xmlns:a="http://schemas.openxmlformats.org/drawingml/2006/main" xmlns:r="http://schemas.openxmlformats.org/officeDocument/2006/relationships" xmlns:p="http://schemas.openxmlformats.org/presentationml/2006/main">
+  <p:cSld>
+    <p:spTree>
+      <p:nvGrpSpPr>
+        <p:cNvPr id="1" name=""/>
+        <p:cNvGrpSpPr/>
+        <p:nvPr/>
+      </p:nvGrpSpPr>
+      <p:grpSpPr>
+        <a:xfrm>
+          <a:off x="0" y="0"/>
+          <a:ext cx="0" cy="0"/>
+          <a:chOff x="0" y="0"/>
+          <a:chExt cx="0" cy="0"/>
+        </a:xfrm>
+      </p:grpSpPr>
+      <p:sp>
+        <p:nvSpPr>
+          <p:cNvPr id="2" name="TextBox 1">
+            <a:extLst>
+              <a:ext uri="{FF2B5EF4-FFF2-40B4-BE49-F238E27FC236}">
+                <a16:creationId xmlns:a16="http://schemas.microsoft.com/office/drawing/2014/main" id="{972AA37F-DBAA-4EE3-8C19-A1FD245B7F39}"/>
+              </a:ext>
+            </a:extLst>
+          </p:cNvPr>
+          <p:cNvSpPr txBox="1"/>
+          <p:nvPr/>
+        </p:nvSpPr>
+        <p:spPr>
+          <a:xfrm>
+            <a:off x="0" y="6550223"/>
+            <a:ext cx="12192000" cy="307777"/>
+          </a:xfrm>
+          <a:prstGeom prst="rect">
+            <a:avLst/>
+          </a:prstGeom>
+          <a:noFill/>
+        </p:spPr>
+        <p:txBody>
+          <a:bodyPr wrap="square" rtlCol="0">
+            <a:spAutoFit/>
+          </a:bodyPr>
+          <a:lstStyle/>
+          <a:p>
+            <a:r>
+              <a:rPr lang="en-US" sz="1400" dirty="0">
+                <a:solidFill>
+                  <a:schemeClr val="tx1">
+                    <a:lumMod val="65000"/>
+                    <a:lumOff val="35000"/>
+                  </a:schemeClr>
+                </a:solidFill>
+                <a:latin typeface="+mj-lt"/>
+                <a:ea typeface="Verdana" panose="020B0604030504040204" pitchFamily="34" charset="0"/>
+              </a:rPr>
+              <a:t>Image Credit: https://towardsdatascience.com/transformers-141e32e69591 </a:t>
+            </a:r>
+          </a:p>
+        </p:txBody>
+      </p:sp>
+      <p:pic>
+        <p:nvPicPr>
+          <p:cNvPr id="1026" name="Picture 2">
+            <a:extLst>
+              <a:ext uri="{FF2B5EF4-FFF2-40B4-BE49-F238E27FC236}">
+                <a16:creationId xmlns:a16="http://schemas.microsoft.com/office/drawing/2014/main" id="{C22DAAE5-0F26-4DE4-8828-750AFF652D04}"/>
+              </a:ext>
+            </a:extLst>
+          </p:cNvPr>
+          <p:cNvPicPr>
+            <a:picLocks noChangeAspect="1" noChangeArrowheads="1" noCrop="1"/>
+          </p:cNvPicPr>
+          <p:nvPr/>
+        </p:nvPicPr>
+        <p:blipFill>
+          <a:blip r:embed="rId3">
+            <a:clrChange>
+              <a:clrFrom>
+                <a:srgbClr val="FFFDFF"/>
+              </a:clrFrom>
+              <a:clrTo>
+                <a:srgbClr val="FFFDFF">
+                  <a:alpha val="0"/>
+                </a:srgbClr>
+              </a:clrTo>
+            </a:clrChange>
+            <a:extLst>
+              <a:ext uri="{28A0092B-C50C-407E-A947-70E740481C1C}">
+                <a14:useLocalDpi xmlns:a14="http://schemas.microsoft.com/office/drawing/2010/main" val="0"/>
+              </a:ext>
+            </a:extLst>
+          </a:blip>
+          <a:srcRect/>
+          <a:stretch>
+            <a:fillRect/>
+          </a:stretch>
+        </p:blipFill>
+        <p:spPr bwMode="auto">
+          <a:xfrm>
+            <a:off x="2214837" y="1740694"/>
+            <a:ext cx="7762326" cy="3376612"/>
+          </a:xfrm>
+          <a:prstGeom prst="rect">
+            <a:avLst/>
+          </a:prstGeom>
+          <a:noFill/>
+          <a:extLst>
+            <a:ext uri="{909E8E84-426E-40DD-AFC4-6F175D3DCCD1}">
+              <a14:hiddenFill xmlns:a14="http://schemas.microsoft.com/office/drawing/2010/main">
+                <a:solidFill>
+                  <a:srgbClr val="FFFFFF"/>
+                </a:solidFill>
+              </a14:hiddenFill>
+            </a:ext>
+          </a:extLst>
+        </p:spPr>
+      </p:pic>
+    </p:spTree>
+    <p:extLst>
+      <p:ext uri="{BB962C8B-B14F-4D97-AF65-F5344CB8AC3E}">
+        <p14:creationId xmlns:p14="http://schemas.microsoft.com/office/powerpoint/2010/main" val="3058826215"/>
+      </p:ext>
+    </p:extLst>
+  </p:cSld>
+  <p:clrMapOvr>
+    <a:masterClrMapping/>
+  </p:clrMapOvr>
+  <mc:AlternateContent xmlns:mc="http://schemas.openxmlformats.org/markup-compatibility/2006" xmlns:p14="http://schemas.microsoft.com/office/powerpoint/2010/main">
+    <mc:Choice Requires="p14">
+      <p:transition spd="med" p14:dur="700">
+        <p:fade/>
+      </p:transition>
+    </mc:Choice>
+    <mc:Fallback xmlns="">
+      <p:transition spd="med">
+        <p:fade/>
+      </p:transition>
+    </mc:Fallback>
+  </mc:AlternateContent>
+</p:sld>
+</file>
+
+<file path=ppt/slides/slide16.xml><?xml version="1.0" encoding="utf-8"?>
+<p:sld xmlns:a="http://schemas.openxmlformats.org/drawingml/2006/main" xmlns:r="http://schemas.openxmlformats.org/officeDocument/2006/relationships" xmlns:p="http://schemas.openxmlformats.org/presentationml/2006/main">
+  <p:cSld>
+    <p:spTree>
+      <p:nvGrpSpPr>
+        <p:cNvPr id="1" name=""/>
+        <p:cNvGrpSpPr/>
+        <p:nvPr/>
+      </p:nvGrpSpPr>
+      <p:grpSpPr>
+        <a:xfrm>
+          <a:off x="0" y="0"/>
+          <a:ext cx="0" cy="0"/>
+          <a:chOff x="0" y="0"/>
+          <a:chExt cx="0" cy="0"/>
+        </a:xfrm>
+      </p:grpSpPr>
+      <p:pic>
+        <p:nvPicPr>
+          <p:cNvPr id="3" name="Picture 2">
+            <a:extLst>
+              <a:ext uri="{FF2B5EF4-FFF2-40B4-BE49-F238E27FC236}">
+                <a16:creationId xmlns:a16="http://schemas.microsoft.com/office/drawing/2014/main" id="{88CC7D4C-7D31-4E3C-92F7-200A7C7F587F}"/>
+              </a:ext>
+            </a:extLst>
+          </p:cNvPr>
+          <p:cNvPicPr>
+            <a:picLocks noChangeAspect="1"/>
+          </p:cNvPicPr>
+          <p:nvPr/>
+        </p:nvPicPr>
+        <p:blipFill>
+          <a:blip r:embed="rId3"/>
+          <a:stretch>
+            <a:fillRect/>
+          </a:stretch>
+        </p:blipFill>
+        <p:spPr>
+          <a:xfrm>
+            <a:off x="0" y="365760"/>
+            <a:ext cx="3233668" cy="805144"/>
+          </a:xfrm>
+          <a:prstGeom prst="rect">
+            <a:avLst/>
+          </a:prstGeom>
+        </p:spPr>
+      </p:pic>
+      <p:sp>
+        <p:nvSpPr>
+          <p:cNvPr id="4" name="Title 1">
+            <a:extLst>
+              <a:ext uri="{FF2B5EF4-FFF2-40B4-BE49-F238E27FC236}">
+                <a16:creationId xmlns:a16="http://schemas.microsoft.com/office/drawing/2014/main" id="{474EB2BC-3221-47A1-8ADF-BF3126732B5F}"/>
+              </a:ext>
+            </a:extLst>
+          </p:cNvPr>
+          <p:cNvSpPr txBox="1">
+            <a:spLocks/>
+          </p:cNvSpPr>
+          <p:nvPr/>
+        </p:nvSpPr>
+        <p:spPr>
+          <a:xfrm>
+            <a:off x="0" y="2705764"/>
+            <a:ext cx="12192000" cy="1446472"/>
+          </a:xfrm>
+          <a:prstGeom prst="rect">
+            <a:avLst/>
+          </a:prstGeom>
+          <a:noFill/>
+        </p:spPr>
+        <p:txBody>
+          <a:bodyPr vert="horz" lIns="91440" tIns="45720" rIns="91440" bIns="45720" rtlCol="0" anchor="ctr">
+            <a:noAutofit/>
+          </a:bodyPr>
+          <a:lstStyle>
+            <a:lvl1pPr algn="l" defTabSz="914400" rtl="0" eaLnBrk="1" latinLnBrk="0" hangingPunct="1">
+              <a:lnSpc>
+                <a:spcPct val="90000"/>
+              </a:lnSpc>
+              <a:spcBef>
+                <a:spcPct val="0"/>
+              </a:spcBef>
+              <a:buNone/>
+              <a:defRPr sz="4400" kern="1200">
+                <a:solidFill>
+                  <a:schemeClr val="tx1"/>
+                </a:solidFill>
+                <a:latin typeface="+mj-lt"/>
+                <a:ea typeface="+mj-ea"/>
+                <a:cs typeface="+mj-cs"/>
+              </a:defRPr>
+            </a:lvl1pPr>
+          </a:lstStyle>
+          <a:p>
+            <a:pPr algn="ctr"/>
+            <a:r>
+              <a:rPr lang="en-US" sz="3600" dirty="0">
+                <a:solidFill>
+                  <a:schemeClr val="tx1">
+                    <a:lumMod val="65000"/>
+                    <a:lumOff val="35000"/>
+                  </a:schemeClr>
+                </a:solidFill>
+                <a:latin typeface="Palatino Linotype" panose="02040502050505030304" pitchFamily="18" charset="0"/>
+              </a:rPr>
+              <a:t>Transformer Anatomy</a:t>
+            </a:r>
+            <a:br>
+              <a:rPr lang="en-US" sz="3600" dirty="0">
+                <a:solidFill>
+                  <a:schemeClr val="tx1">
+                    <a:lumMod val="65000"/>
+                    <a:lumOff val="35000"/>
+                  </a:schemeClr>
+                </a:solidFill>
+                <a:latin typeface="Palatino Linotype" panose="02040502050505030304" pitchFamily="18" charset="0"/>
+              </a:rPr>
+            </a:br>
+            <a:r>
+              <a:rPr lang="en-US" sz="3600" dirty="0">
+                <a:solidFill>
+                  <a:schemeClr val="tx1">
+                    <a:lumMod val="65000"/>
+                    <a:lumOff val="35000"/>
+                  </a:schemeClr>
+                </a:solidFill>
+                <a:latin typeface="Palatino Linotype" panose="02040502050505030304" pitchFamily="18" charset="0"/>
+              </a:rPr>
+              <a:t>02.2_transformer_anatomy.ipynb</a:t>
+            </a:r>
+            <a:endParaRPr lang="en-US" sz="3600" dirty="0">
+              <a:solidFill>
+                <a:schemeClr val="tx1">
+                  <a:lumMod val="65000"/>
+                  <a:lumOff val="35000"/>
+                </a:schemeClr>
+              </a:solidFill>
+              <a:latin typeface="Palatino Linotype" panose="02040502050505030304" pitchFamily="18" charset="0"/>
+              <a:cs typeface="Segoe UI Light" panose="020B0502040204020203" pitchFamily="34" charset="0"/>
+            </a:endParaRPr>
+          </a:p>
+        </p:txBody>
+      </p:sp>
+    </p:spTree>
+    <p:extLst>
+      <p:ext uri="{BB962C8B-B14F-4D97-AF65-F5344CB8AC3E}">
+        <p14:creationId xmlns:p14="http://schemas.microsoft.com/office/powerpoint/2010/main" val="2261991877"/>
+      </p:ext>
+    </p:extLst>
+  </p:cSld>
+  <p:clrMapOvr>
+    <a:masterClrMapping/>
+  </p:clrMapOvr>
+  <mc:AlternateContent xmlns:mc="http://schemas.openxmlformats.org/markup-compatibility/2006" xmlns:p14="http://schemas.microsoft.com/office/powerpoint/2010/main">
+    <mc:Choice Requires="p14">
+      <p:transition spd="med" p14:dur="700">
+        <p:fade/>
+      </p:transition>
+    </mc:Choice>
+    <mc:Fallback xmlns="">
+      <p:transition spd="med">
+        <p:fade/>
+      </p:transition>
+    </mc:Fallback>
+  </mc:AlternateContent>
+</p:sld>
+</file>
+
+<file path=ppt/slides/slide17.xml><?xml version="1.0" encoding="utf-8"?>
+<p:sld xmlns:a="http://schemas.openxmlformats.org/drawingml/2006/main" xmlns:r="http://schemas.openxmlformats.org/officeDocument/2006/relationships" xmlns:p="http://schemas.openxmlformats.org/presentationml/2006/main">
+  <p:cSld>
+    <p:spTree>
+      <p:nvGrpSpPr>
+        <p:cNvPr id="1" name=""/>
+        <p:cNvGrpSpPr/>
+        <p:nvPr/>
+      </p:nvGrpSpPr>
+      <p:grpSpPr>
+        <a:xfrm>
+          <a:off x="0" y="0"/>
+          <a:ext cx="0" cy="0"/>
+          <a:chOff x="0" y="0"/>
+          <a:chExt cx="0" cy="0"/>
+        </a:xfrm>
+      </p:grpSpPr>
+      <p:sp>
+        <p:nvSpPr>
+          <p:cNvPr id="12" name="Title 1">
+            <a:extLst>
+              <a:ext uri="{FF2B5EF4-FFF2-40B4-BE49-F238E27FC236}">
+                <a16:creationId xmlns:a16="http://schemas.microsoft.com/office/drawing/2014/main" id="{E2FB948E-5ACE-4C88-8B2D-233F4E9F4797}"/>
+              </a:ext>
+            </a:extLst>
+          </p:cNvPr>
+          <p:cNvSpPr>
+            <a:spLocks noGrp="1"/>
+          </p:cNvSpPr>
+          <p:nvPr>
+            <p:ph type="title"/>
+          </p:nvPr>
+        </p:nvSpPr>
+        <p:spPr>
+          <a:xfrm>
+            <a:off x="0" y="2705764"/>
+            <a:ext cx="12192000" cy="1446472"/>
+          </a:xfrm>
+          <a:noFill/>
+        </p:spPr>
+        <p:txBody>
+          <a:bodyPr>
+            <a:noAutofit/>
+          </a:bodyPr>
+          <a:lstStyle/>
+          <a:p>
+            <a:pPr algn="ctr"/>
+            <a:r>
+              <a:rPr lang="en-US" sz="3600" dirty="0">
+                <a:solidFill>
+                  <a:schemeClr val="tx1">
+                    <a:lumMod val="65000"/>
+                    <a:lumOff val="35000"/>
+                  </a:schemeClr>
+                </a:solidFill>
+                <a:latin typeface="Palatino Linotype" panose="02040502050505030304" pitchFamily="18" charset="0"/>
+              </a:rPr>
+              <a:t>Emotion Detector</a:t>
+            </a:r>
+            <a:br>
+              <a:rPr lang="en-US" sz="3600" dirty="0">
+                <a:solidFill>
+                  <a:schemeClr val="tx1">
+                    <a:lumMod val="65000"/>
+                    <a:lumOff val="35000"/>
+                  </a:schemeClr>
+                </a:solidFill>
+                <a:latin typeface="Palatino Linotype" panose="02040502050505030304" pitchFamily="18" charset="0"/>
+              </a:rPr>
+            </a:br>
+            <a:r>
+              <a:rPr lang="en-US" sz="3600" dirty="0">
+                <a:solidFill>
+                  <a:schemeClr val="tx1">
+                    <a:lumMod val="65000"/>
+                    <a:lumOff val="35000"/>
+                  </a:schemeClr>
+                </a:solidFill>
+                <a:latin typeface="Palatino Linotype" panose="02040502050505030304" pitchFamily="18" charset="0"/>
+              </a:rPr>
+              <a:t>01.2_emotion_detector.ipynb</a:t>
+            </a:r>
+            <a:endParaRPr lang="en-US" sz="3600" dirty="0">
+              <a:solidFill>
+                <a:schemeClr val="tx1">
+                  <a:lumMod val="65000"/>
+                  <a:lumOff val="35000"/>
+                </a:schemeClr>
+              </a:solidFill>
+              <a:latin typeface="Palatino Linotype" panose="02040502050505030304" pitchFamily="18" charset="0"/>
+              <a:cs typeface="Segoe UI Light" panose="020B0502040204020203" pitchFamily="34" charset="0"/>
+            </a:endParaRPr>
+          </a:p>
+        </p:txBody>
+      </p:sp>
+      <p:pic>
+        <p:nvPicPr>
+          <p:cNvPr id="5" name="Picture 4">
+            <a:extLst>
+              <a:ext uri="{FF2B5EF4-FFF2-40B4-BE49-F238E27FC236}">
+                <a16:creationId xmlns:a16="http://schemas.microsoft.com/office/drawing/2014/main" id="{07EA4DA9-6C60-4994-B678-CCC306BD97DB}"/>
+              </a:ext>
+            </a:extLst>
+          </p:cNvPr>
+          <p:cNvPicPr>
+            <a:picLocks noChangeAspect="1"/>
+          </p:cNvPicPr>
+          <p:nvPr/>
+        </p:nvPicPr>
+        <p:blipFill>
+          <a:blip r:embed="rId3"/>
+          <a:stretch>
+            <a:fillRect/>
+          </a:stretch>
+        </p:blipFill>
+        <p:spPr>
+          <a:xfrm>
+            <a:off x="0" y="324192"/>
+            <a:ext cx="3233668" cy="840754"/>
+          </a:xfrm>
+          <a:prstGeom prst="rect">
+            <a:avLst/>
+          </a:prstGeom>
+        </p:spPr>
+      </p:pic>
+    </p:spTree>
+    <p:extLst>
+      <p:ext uri="{BB962C8B-B14F-4D97-AF65-F5344CB8AC3E}">
+        <p14:creationId xmlns:p14="http://schemas.microsoft.com/office/powerpoint/2010/main" val="1595263659"/>
+      </p:ext>
+    </p:extLst>
+  </p:cSld>
+  <p:clrMapOvr>
+    <a:masterClrMapping/>
+  </p:clrMapOvr>
+  <mc:AlternateContent xmlns:mc="http://schemas.openxmlformats.org/markup-compatibility/2006" xmlns:p14="http://schemas.microsoft.com/office/powerpoint/2010/main">
+    <mc:Choice Requires="p14">
+      <p:transition spd="med" p14:dur="700">
+        <p:fade/>
+      </p:transition>
+    </mc:Choice>
+    <mc:Fallback xmlns="">
+      <p:transition spd="med">
+        <p:fade/>
+      </p:transition>
+    </mc:Fallback>
+  </mc:AlternateContent>
+</p:sld>
+</file>
+
+<file path=ppt/slides/slide18.xml><?xml version="1.0" encoding="utf-8"?>
+<p:sld xmlns:a="http://schemas.openxmlformats.org/drawingml/2006/main" xmlns:r="http://schemas.openxmlformats.org/officeDocument/2006/relationships" xmlns:p="http://schemas.openxmlformats.org/presentationml/2006/main">
+  <p:cSld>
+    <p:spTree>
+      <p:nvGrpSpPr>
+        <p:cNvPr id="1" name=""/>
+        <p:cNvGrpSpPr/>
+        <p:nvPr/>
+      </p:nvGrpSpPr>
+      <p:grpSpPr>
+        <a:xfrm>
+          <a:off x="0" y="0"/>
+          <a:ext cx="0" cy="0"/>
+          <a:chOff x="0" y="0"/>
+          <a:chExt cx="0" cy="0"/>
+        </a:xfrm>
+      </p:grpSpPr>
+    </p:spTree>
+    <p:extLst>
+      <p:ext uri="{BB962C8B-B14F-4D97-AF65-F5344CB8AC3E}">
+        <p14:creationId xmlns:p14="http://schemas.microsoft.com/office/powerpoint/2010/main" val="2516832135"/>
+      </p:ext>
+    </p:extLst>
+  </p:cSld>
+  <p:clrMapOvr>
+    <a:masterClrMapping/>
+  </p:clrMapOvr>
+  <mc:AlternateContent xmlns:mc="http://schemas.openxmlformats.org/markup-compatibility/2006" xmlns:p14="http://schemas.microsoft.com/office/powerpoint/2010/main">
+    <mc:Choice Requires="p14">
+      <p:transition spd="med" p14:dur="700">
+        <p:fade/>
+      </p:transition>
+    </mc:Choice>
+    <mc:Fallback xmlns="">
+      <p:transition spd="med">
+        <p:fade/>
+      </p:transition>
+    </mc:Fallback>
+  </mc:AlternateContent>
+</p:sld>
+</file>
+
+<file path=ppt/slides/slide19.xml><?xml version="1.0" encoding="utf-8"?>
+<p:sld xmlns:a="http://schemas.openxmlformats.org/drawingml/2006/main" xmlns:r="http://schemas.openxmlformats.org/officeDocument/2006/relationships" xmlns:p="http://schemas.openxmlformats.org/presentationml/2006/main">
+  <p:cSld>
+    <p:spTree>
+      <p:nvGrpSpPr>
+        <p:cNvPr id="1" name=""/>
+        <p:cNvGrpSpPr/>
+        <p:nvPr/>
+      </p:nvGrpSpPr>
+      <p:grpSpPr>
+        <a:xfrm>
+          <a:off x="0" y="0"/>
+          <a:ext cx="0" cy="0"/>
+          <a:chOff x="0" y="0"/>
+          <a:chExt cx="0" cy="0"/>
+        </a:xfrm>
+      </p:grpSpPr>
+      <p:sp>
+        <p:nvSpPr>
+          <p:cNvPr id="3" name="TextBox 2">
+            <a:extLst>
+              <a:ext uri="{FF2B5EF4-FFF2-40B4-BE49-F238E27FC236}">
+                <a16:creationId xmlns:a16="http://schemas.microsoft.com/office/drawing/2014/main" id="{C1E53685-A9F7-4FE0-ABDB-9B755F275882}"/>
+              </a:ext>
+            </a:extLst>
+          </p:cNvPr>
+          <p:cNvSpPr txBox="1"/>
+          <p:nvPr/>
+        </p:nvSpPr>
+        <p:spPr>
+          <a:xfrm>
+            <a:off x="0" y="6550223"/>
+            <a:ext cx="12192000" cy="307777"/>
+          </a:xfrm>
+          <a:prstGeom prst="rect">
+            <a:avLst/>
+          </a:prstGeom>
+          <a:noFill/>
+        </p:spPr>
+        <p:txBody>
+          <a:bodyPr wrap="square" rtlCol="0">
+            <a:spAutoFit/>
+          </a:bodyPr>
+          <a:lstStyle/>
+          <a:p>
+            <a:r>
+              <a:rPr lang="en-US" sz="1400" dirty="0">
+                <a:solidFill>
+                  <a:schemeClr val="tx1">
+                    <a:lumMod val="65000"/>
+                    <a:lumOff val="35000"/>
+                  </a:schemeClr>
+                </a:solidFill>
+                <a:latin typeface="+mj-lt"/>
+                <a:ea typeface="Verdana" panose="020B0604030504040204" pitchFamily="34" charset="0"/>
+              </a:rPr>
+              <a:t>Image Credit: </a:t>
+            </a:r>
+            <a:r>
+              <a:rPr lang="en-US" sz="1400" dirty="0">
+                <a:solidFill>
+                  <a:schemeClr val="tx1">
+                    <a:lumMod val="65000"/>
+                    <a:lumOff val="35000"/>
+                  </a:schemeClr>
+                </a:solidFill>
+                <a:latin typeface="+mj-lt"/>
+              </a:rPr>
+              <a:t>https://www.shutterstock.com/search/limit</a:t>
+            </a:r>
+          </a:p>
+        </p:txBody>
+      </p:sp>
+      <p:sp>
+        <p:nvSpPr>
+          <p:cNvPr id="8" name="Title 1">
+            <a:extLst>
+              <a:ext uri="{FF2B5EF4-FFF2-40B4-BE49-F238E27FC236}">
+                <a16:creationId xmlns:a16="http://schemas.microsoft.com/office/drawing/2014/main" id="{195DAE60-9F77-4ED0-836D-1B7F2B48FCA1}"/>
+              </a:ext>
+            </a:extLst>
+          </p:cNvPr>
+          <p:cNvSpPr>
+            <a:spLocks noGrp="1"/>
+          </p:cNvSpPr>
+          <p:nvPr>
+            <p:ph type="title"/>
+          </p:nvPr>
+        </p:nvSpPr>
+        <p:spPr>
+          <a:xfrm>
+            <a:off x="0" y="793808"/>
+            <a:ext cx="12192000" cy="606943"/>
+          </a:xfrm>
+          <a:noFill/>
+        </p:spPr>
+        <p:txBody>
+          <a:bodyPr>
+            <a:noAutofit/>
+          </a:bodyPr>
+          <a:lstStyle/>
+          <a:p>
+            <a:pPr algn="ctr"/>
+            <a:r>
+              <a:rPr lang="en-US" sz="3600" dirty="0">
+                <a:solidFill>
+                  <a:schemeClr val="tx1">
+                    <a:lumMod val="65000"/>
+                    <a:lumOff val="35000"/>
+                  </a:schemeClr>
+                </a:solidFill>
+                <a:latin typeface="Palatino Linotype" panose="02040502050505030304" pitchFamily="18" charset="0"/>
+              </a:rPr>
+              <a:t>Limits of Recurrent Neural Networks</a:t>
+            </a:r>
+            <a:endParaRPr lang="en-US" sz="3600" dirty="0">
+              <a:solidFill>
+                <a:schemeClr val="tx1">
+                  <a:lumMod val="65000"/>
+                  <a:lumOff val="35000"/>
+                </a:schemeClr>
+              </a:solidFill>
+              <a:latin typeface="Palatino Linotype" panose="02040502050505030304" pitchFamily="18" charset="0"/>
+              <a:cs typeface="Segoe UI Light" panose="020B0502040204020203" pitchFamily="34" charset="0"/>
+            </a:endParaRPr>
+          </a:p>
+        </p:txBody>
+      </p:sp>
+      <p:pic>
+        <p:nvPicPr>
+          <p:cNvPr id="4" name="Picture 3" descr="Text&#10;&#10;Description automatically generated">
+            <a:extLst>
+              <a:ext uri="{FF2B5EF4-FFF2-40B4-BE49-F238E27FC236}">
+                <a16:creationId xmlns:a16="http://schemas.microsoft.com/office/drawing/2014/main" id="{AA3BA86B-7925-47BE-8EE7-F5C705D20C00}"/>
+              </a:ext>
+            </a:extLst>
+          </p:cNvPr>
+          <p:cNvPicPr>
+            <a:picLocks noChangeAspect="1"/>
+          </p:cNvPicPr>
+          <p:nvPr/>
+        </p:nvPicPr>
+        <p:blipFill>
+          <a:blip r:embed="rId3">
+            <a:extLst>
+              <a:ext uri="{28A0092B-C50C-407E-A947-70E740481C1C}">
+                <a14:useLocalDpi xmlns:a14="http://schemas.microsoft.com/office/drawing/2010/main" val="0"/>
+              </a:ext>
+            </a:extLst>
+          </a:blip>
+          <a:stretch>
+            <a:fillRect/>
+          </a:stretch>
+        </p:blipFill>
+        <p:spPr>
+          <a:xfrm>
+            <a:off x="4014080" y="2654934"/>
+            <a:ext cx="4163839" cy="2214245"/>
+          </a:xfrm>
+          <a:prstGeom prst="rect">
+            <a:avLst/>
+          </a:prstGeom>
+          <a:effectLst>
+            <a:outerShdw blurRad="50800" dist="38100" dir="2700000" algn="tl" rotWithShape="0">
+              <a:prstClr val="black">
+                <a:alpha val="40000"/>
+              </a:prstClr>
+            </a:outerShdw>
+          </a:effectLst>
+        </p:spPr>
+      </p:pic>
+    </p:spTree>
+    <p:extLst>
+      <p:ext uri="{BB962C8B-B14F-4D97-AF65-F5344CB8AC3E}">
+        <p14:creationId xmlns:p14="http://schemas.microsoft.com/office/powerpoint/2010/main" val="3452552887"/>
+      </p:ext>
+    </p:extLst>
+  </p:cSld>
+  <p:clrMapOvr>
+    <a:masterClrMapping/>
+  </p:clrMapOvr>
+  <mc:AlternateContent xmlns:mc="http://schemas.openxmlformats.org/markup-compatibility/2006" xmlns:p14="http://schemas.microsoft.com/office/powerpoint/2010/main">
+    <mc:Choice Requires="p14">
+      <p:transition spd="med" p14:dur="700">
+        <p:fade/>
+      </p:transition>
+    </mc:Choice>
+    <mc:Fallback xmlns="">
+      <p:transition spd="med">
+        <p:fade/>
+      </p:transition>
+    </mc:Fallback>
+  </mc:AlternateContent>
+</p:sld>
+</file>
+
+<file path=ppt/slides/slide2.xml><?xml version="1.0" encoding="utf-8"?>
+<p:sld xmlns:a="http://schemas.openxmlformats.org/drawingml/2006/main" xmlns:r="http://schemas.openxmlformats.org/officeDocument/2006/relationships" xmlns:p="http://schemas.openxmlformats.org/presentationml/2006/main">
+  <p:cSld>
+    <p:spTree>
+      <p:nvGrpSpPr>
+        <p:cNvPr id="1" name=""/>
+        <p:cNvGrpSpPr/>
+        <p:nvPr/>
+      </p:nvGrpSpPr>
+      <p:grpSpPr>
+        <a:xfrm>
+          <a:off x="0" y="0"/>
+          <a:ext cx="0" cy="0"/>
+          <a:chOff x="0" y="0"/>
+          <a:chExt cx="0" cy="0"/>
+        </a:xfrm>
+      </p:grpSpPr>
+      <p:sp>
+        <p:nvSpPr>
+          <p:cNvPr id="3" name="TextBox 2">
+            <a:extLst>
+              <a:ext uri="{FF2B5EF4-FFF2-40B4-BE49-F238E27FC236}">
+                <a16:creationId xmlns:a16="http://schemas.microsoft.com/office/drawing/2014/main" id="{C1E53685-A9F7-4FE0-ABDB-9B755F275882}"/>
+              </a:ext>
+            </a:extLst>
+          </p:cNvPr>
+          <p:cNvSpPr txBox="1"/>
+          <p:nvPr/>
+        </p:nvSpPr>
+        <p:spPr>
+          <a:xfrm>
+            <a:off x="0" y="6550223"/>
+            <a:ext cx="12192000" cy="307777"/>
+          </a:xfrm>
+          <a:prstGeom prst="rect">
+            <a:avLst/>
+          </a:prstGeom>
+          <a:noFill/>
+        </p:spPr>
+        <p:txBody>
+          <a:bodyPr wrap="square" rtlCol="0">
+            <a:spAutoFit/>
+          </a:bodyPr>
+          <a:lstStyle/>
+          <a:p>
+            <a:r>
+              <a:rPr lang="en-US" sz="1400" dirty="0">
+                <a:solidFill>
+                  <a:schemeClr val="tx1">
+                    <a:lumMod val="65000"/>
+                    <a:lumOff val="35000"/>
+                  </a:schemeClr>
+                </a:solidFill>
+                <a:latin typeface="+mj-lt"/>
+                <a:ea typeface="Verdana" panose="020B0604030504040204" pitchFamily="34" charset="0"/>
+              </a:rPr>
+              <a:t>Source: Glassner, A. (2021). </a:t>
+            </a:r>
+            <a:r>
+              <a:rPr lang="en-US" sz="1400" i="1" dirty="0">
+                <a:solidFill>
+                  <a:schemeClr val="tx1">
+                    <a:lumMod val="65000"/>
+                    <a:lumOff val="35000"/>
+                  </a:schemeClr>
+                </a:solidFill>
+                <a:latin typeface="+mj-lt"/>
+                <a:ea typeface="Verdana" panose="020B0604030504040204" pitchFamily="34" charset="0"/>
+              </a:rPr>
+              <a:t>Deep learning: A visual approach</a:t>
+            </a:r>
+            <a:r>
+              <a:rPr lang="en-US" sz="1400" dirty="0">
+                <a:solidFill>
+                  <a:schemeClr val="tx1">
+                    <a:lumMod val="65000"/>
+                    <a:lumOff val="35000"/>
+                  </a:schemeClr>
+                </a:solidFill>
+                <a:latin typeface="+mj-lt"/>
+                <a:ea typeface="Verdana" panose="020B0604030504040204" pitchFamily="34" charset="0"/>
+              </a:rPr>
+              <a:t>. </a:t>
+            </a:r>
+            <a:r>
+              <a:rPr lang="en-US" sz="1400" b="0" i="0" dirty="0">
+                <a:solidFill>
+                  <a:schemeClr val="tx1">
+                    <a:lumMod val="65000"/>
+                    <a:lumOff val="35000"/>
+                  </a:schemeClr>
+                </a:solidFill>
+                <a:effectLst/>
+                <a:latin typeface="+mj-lt"/>
+                <a:ea typeface="Verdana" panose="020B0604030504040204" pitchFamily="34" charset="0"/>
+              </a:rPr>
+              <a:t>San Francisco, CA: No Starch Press. (Chapter </a:t>
+            </a:r>
+            <a:r>
+              <a:rPr lang="en-US" sz="1400" dirty="0">
+                <a:solidFill>
+                  <a:schemeClr val="tx1">
+                    <a:lumMod val="65000"/>
+                    <a:lumOff val="35000"/>
+                  </a:schemeClr>
+                </a:solidFill>
+                <a:latin typeface="+mj-lt"/>
+                <a:ea typeface="Verdana" panose="020B0604030504040204" pitchFamily="34" charset="0"/>
+              </a:rPr>
+              <a:t>20</a:t>
+            </a:r>
+            <a:r>
+              <a:rPr lang="en-US" sz="1400" b="0" i="0" dirty="0">
+                <a:solidFill>
+                  <a:schemeClr val="tx1">
+                    <a:lumMod val="65000"/>
+                    <a:lumOff val="35000"/>
+                  </a:schemeClr>
+                </a:solidFill>
+                <a:effectLst/>
+                <a:latin typeface="+mj-lt"/>
+                <a:ea typeface="Verdana" panose="020B0604030504040204" pitchFamily="34" charset="0"/>
+              </a:rPr>
+              <a:t>)</a:t>
+            </a:r>
+            <a:endParaRPr lang="en-US" sz="1400" dirty="0">
+              <a:solidFill>
+                <a:schemeClr val="tx1">
+                  <a:lumMod val="65000"/>
+                  <a:lumOff val="35000"/>
+                </a:schemeClr>
+              </a:solidFill>
+              <a:latin typeface="+mj-lt"/>
+              <a:ea typeface="Verdana" panose="020B0604030504040204" pitchFamily="34" charset="0"/>
+            </a:endParaRPr>
+          </a:p>
+        </p:txBody>
+      </p:sp>
+      <p:pic>
+        <p:nvPicPr>
+          <p:cNvPr id="6" name="Picture 5">
+            <a:extLst>
+              <a:ext uri="{FF2B5EF4-FFF2-40B4-BE49-F238E27FC236}">
+                <a16:creationId xmlns:a16="http://schemas.microsoft.com/office/drawing/2014/main" id="{6D6EB62B-2AF5-414F-AE49-8A9F33BF1690}"/>
+              </a:ext>
+            </a:extLst>
+          </p:cNvPr>
+          <p:cNvPicPr>
+            <a:picLocks noChangeAspect="1"/>
+          </p:cNvPicPr>
+          <p:nvPr/>
+        </p:nvPicPr>
+        <p:blipFill>
+          <a:blip r:embed="rId3"/>
+          <a:stretch>
+            <a:fillRect/>
+          </a:stretch>
+        </p:blipFill>
+        <p:spPr>
+          <a:xfrm>
+            <a:off x="2694334" y="3645875"/>
+            <a:ext cx="2635250" cy="635000"/>
+          </a:xfrm>
+          <a:prstGeom prst="rect">
+            <a:avLst/>
+          </a:prstGeom>
+          <a:effectLst>
+            <a:outerShdw blurRad="50800" dist="38100" dir="2700000" algn="tl" rotWithShape="0">
+              <a:prstClr val="black">
+                <a:alpha val="40000"/>
+              </a:prstClr>
+            </a:outerShdw>
+          </a:effectLst>
+        </p:spPr>
+      </p:pic>
+      <p:sp>
+        <p:nvSpPr>
+          <p:cNvPr id="20" name="Title 1">
+            <a:extLst>
+              <a:ext uri="{FF2B5EF4-FFF2-40B4-BE49-F238E27FC236}">
+                <a16:creationId xmlns:a16="http://schemas.microsoft.com/office/drawing/2014/main" id="{A768B6E7-76B8-4DF1-9B5C-732BFB29136A}"/>
+              </a:ext>
+            </a:extLst>
+          </p:cNvPr>
+          <p:cNvSpPr>
+            <a:spLocks noGrp="1"/>
+          </p:cNvSpPr>
+          <p:nvPr>
+            <p:ph type="title"/>
+          </p:nvPr>
+        </p:nvSpPr>
+        <p:spPr>
+          <a:xfrm>
+            <a:off x="0" y="793808"/>
+            <a:ext cx="12192000" cy="606943"/>
+          </a:xfrm>
+          <a:noFill/>
+        </p:spPr>
+        <p:txBody>
+          <a:bodyPr>
+            <a:noAutofit/>
+          </a:bodyPr>
+          <a:lstStyle/>
+          <a:p>
+            <a:pPr algn="ctr"/>
+            <a:r>
+              <a:rPr lang="en-US" sz="3600" dirty="0">
+                <a:solidFill>
+                  <a:schemeClr val="tx1">
+                    <a:lumMod val="65000"/>
+                    <a:lumOff val="35000"/>
+                  </a:schemeClr>
+                </a:solidFill>
+                <a:latin typeface="Palatino Linotype" panose="02040502050505030304" pitchFamily="18" charset="0"/>
+              </a:rPr>
+              <a:t>Transformer Building Blocks</a:t>
+            </a:r>
+            <a:endParaRPr lang="en-US" sz="3600" dirty="0">
+              <a:solidFill>
+                <a:schemeClr val="tx1">
+                  <a:lumMod val="65000"/>
+                  <a:lumOff val="35000"/>
+                </a:schemeClr>
+              </a:solidFill>
+              <a:latin typeface="Palatino Linotype" panose="02040502050505030304" pitchFamily="18" charset="0"/>
+              <a:cs typeface="Segoe UI Light" panose="020B0502040204020203" pitchFamily="34" charset="0"/>
+            </a:endParaRPr>
+          </a:p>
+        </p:txBody>
+      </p:sp>
+      <p:pic>
+        <p:nvPicPr>
+          <p:cNvPr id="4" name="Picture 3">
+            <a:extLst>
+              <a:ext uri="{FF2B5EF4-FFF2-40B4-BE49-F238E27FC236}">
+                <a16:creationId xmlns:a16="http://schemas.microsoft.com/office/drawing/2014/main" id="{49A6F357-2B30-46BD-8FDD-0411E11694D1}"/>
+              </a:ext>
+            </a:extLst>
+          </p:cNvPr>
+          <p:cNvPicPr>
+            <a:picLocks noChangeAspect="1"/>
+          </p:cNvPicPr>
+          <p:nvPr/>
+        </p:nvPicPr>
+        <p:blipFill>
+          <a:blip r:embed="rId4"/>
+          <a:stretch>
+            <a:fillRect/>
+          </a:stretch>
+        </p:blipFill>
+        <p:spPr>
+          <a:xfrm>
+            <a:off x="5379858" y="3636516"/>
+            <a:ext cx="1790700" cy="635000"/>
+          </a:xfrm>
+          <a:prstGeom prst="rect">
+            <a:avLst/>
+          </a:prstGeom>
+          <a:effectLst>
+            <a:outerShdw blurRad="50800" dist="38100" dir="2700000" algn="tl" rotWithShape="0">
+              <a:prstClr val="black">
+                <a:alpha val="40000"/>
+              </a:prstClr>
+            </a:outerShdw>
+          </a:effectLst>
+        </p:spPr>
+      </p:pic>
+      <p:pic>
+        <p:nvPicPr>
+          <p:cNvPr id="7" name="Picture 6">
+            <a:extLst>
+              <a:ext uri="{FF2B5EF4-FFF2-40B4-BE49-F238E27FC236}">
+                <a16:creationId xmlns:a16="http://schemas.microsoft.com/office/drawing/2014/main" id="{D5D9F89A-4E53-49F5-A27C-956248F9D86B}"/>
+              </a:ext>
+            </a:extLst>
+          </p:cNvPr>
+          <p:cNvPicPr>
+            <a:picLocks noChangeAspect="1"/>
+          </p:cNvPicPr>
+          <p:nvPr/>
+        </p:nvPicPr>
+        <p:blipFill>
+          <a:blip r:embed="rId5"/>
+          <a:stretch>
+            <a:fillRect/>
+          </a:stretch>
+        </p:blipFill>
+        <p:spPr>
+          <a:xfrm>
+            <a:off x="3928194" y="3059733"/>
+            <a:ext cx="2260600" cy="635000"/>
+          </a:xfrm>
+          <a:prstGeom prst="rect">
+            <a:avLst/>
+          </a:prstGeom>
+          <a:effectLst>
+            <a:outerShdw blurRad="50800" dist="38100" dir="2700000" algn="tl" rotWithShape="0">
+              <a:prstClr val="black">
+                <a:alpha val="40000"/>
+              </a:prstClr>
+            </a:outerShdw>
+          </a:effectLst>
+        </p:spPr>
+      </p:pic>
+      <p:pic>
+        <p:nvPicPr>
+          <p:cNvPr id="11" name="Picture 10">
+            <a:extLst>
+              <a:ext uri="{FF2B5EF4-FFF2-40B4-BE49-F238E27FC236}">
+                <a16:creationId xmlns:a16="http://schemas.microsoft.com/office/drawing/2014/main" id="{64C5ADC0-26B7-477C-8BC1-FD66E3F58AB9}"/>
+              </a:ext>
+            </a:extLst>
+          </p:cNvPr>
+          <p:cNvPicPr>
+            <a:picLocks noChangeAspect="1"/>
+          </p:cNvPicPr>
+          <p:nvPr/>
+        </p:nvPicPr>
+        <p:blipFill>
+          <a:blip r:embed="rId6"/>
+          <a:stretch>
+            <a:fillRect/>
+          </a:stretch>
+        </p:blipFill>
+        <p:spPr>
+          <a:xfrm>
+            <a:off x="6195607" y="3058464"/>
+            <a:ext cx="2755900" cy="635000"/>
+          </a:xfrm>
+          <a:prstGeom prst="rect">
+            <a:avLst/>
+          </a:prstGeom>
+          <a:effectLst>
+            <a:outerShdw blurRad="50800" dist="38100" dir="2700000" algn="tl" rotWithShape="0">
+              <a:prstClr val="black">
+                <a:alpha val="40000"/>
+              </a:prstClr>
+            </a:outerShdw>
+          </a:effectLst>
+        </p:spPr>
+      </p:pic>
+      <p:pic>
+        <p:nvPicPr>
+          <p:cNvPr id="15" name="Picture 14">
+            <a:extLst>
+              <a:ext uri="{FF2B5EF4-FFF2-40B4-BE49-F238E27FC236}">
+                <a16:creationId xmlns:a16="http://schemas.microsoft.com/office/drawing/2014/main" id="{1E147A74-E88F-4F6E-B05A-2153D3561A60}"/>
+              </a:ext>
+            </a:extLst>
+          </p:cNvPr>
+          <p:cNvPicPr>
+            <a:picLocks noChangeAspect="1"/>
+          </p:cNvPicPr>
+          <p:nvPr/>
+        </p:nvPicPr>
+        <p:blipFill>
+          <a:blip r:embed="rId7"/>
+          <a:stretch>
+            <a:fillRect/>
+          </a:stretch>
+        </p:blipFill>
+        <p:spPr>
+          <a:xfrm>
+            <a:off x="7150680" y="3645710"/>
+            <a:ext cx="2451100" cy="635000"/>
+          </a:xfrm>
+          <a:prstGeom prst="rect">
+            <a:avLst/>
+          </a:prstGeom>
+          <a:effectLst>
+            <a:outerShdw blurRad="50800" dist="38100" dir="2700000" algn="tl" rotWithShape="0">
+              <a:prstClr val="black">
+                <a:alpha val="40000"/>
+              </a:prstClr>
+            </a:outerShdw>
+          </a:effectLst>
+        </p:spPr>
+      </p:pic>
+    </p:spTree>
+    <p:extLst>
+      <p:ext uri="{BB962C8B-B14F-4D97-AF65-F5344CB8AC3E}">
+        <p14:creationId xmlns:p14="http://schemas.microsoft.com/office/powerpoint/2010/main" val="3602552699"/>
+      </p:ext>
+    </p:extLst>
+  </p:cSld>
+  <p:clrMapOvr>
+    <a:masterClrMapping/>
+  </p:clrMapOvr>
+  <mc:AlternateContent xmlns:mc="http://schemas.openxmlformats.org/markup-compatibility/2006" xmlns:p14="http://schemas.microsoft.com/office/powerpoint/2010/main">
+    <mc:Choice Requires="p14">
+      <p:transition spd="med" p14:dur="700">
+        <p:fade/>
+      </p:transition>
+    </mc:Choice>
+    <mc:Fallback xmlns="">
+      <p:transition spd="med">
+        <p:fade/>
+      </p:transition>
+    </mc:Fallback>
+  </mc:AlternateContent>
+</p:sld>
+</file>
+
+<file path=ppt/slides/slide3.xml><?xml version="1.0" encoding="utf-8"?>
+<p:sld xmlns:a="http://schemas.openxmlformats.org/drawingml/2006/main" xmlns:r="http://schemas.openxmlformats.org/officeDocument/2006/relationships" xmlns:p="http://schemas.openxmlformats.org/presentationml/2006/main">
+  <p:cSld>
+    <p:spTree>
+      <p:nvGrpSpPr>
+        <p:cNvPr id="1" name=""/>
+        <p:cNvGrpSpPr/>
+        <p:nvPr/>
+      </p:nvGrpSpPr>
+      <p:grpSpPr>
+        <a:xfrm>
+          <a:off x="0" y="0"/>
+          <a:ext cx="0" cy="0"/>
+          <a:chOff x="0" y="0"/>
+          <a:chExt cx="0" cy="0"/>
+        </a:xfrm>
+      </p:grpSpPr>
+      <p:pic>
+        <p:nvPicPr>
+          <p:cNvPr id="1026" name="Picture 2" descr="rnn">
+            <a:extLst>
+              <a:ext uri="{FF2B5EF4-FFF2-40B4-BE49-F238E27FC236}">
+                <a16:creationId xmlns:a16="http://schemas.microsoft.com/office/drawing/2014/main" id="{561207FA-3A34-4741-93B0-069226A91387}"/>
+              </a:ext>
+            </a:extLst>
+          </p:cNvPr>
+          <p:cNvPicPr>
+            <a:picLocks noChangeAspect="1" noChangeArrowheads="1"/>
+          </p:cNvPicPr>
+          <p:nvPr/>
+        </p:nvPicPr>
+        <p:blipFill>
+          <a:blip r:embed="rId3">
+            <a:extLst>
+              <a:ext uri="{28A0092B-C50C-407E-A947-70E740481C1C}">
+                <a14:useLocalDpi xmlns:a14="http://schemas.microsoft.com/office/drawing/2010/main" val="0"/>
+              </a:ext>
+            </a:extLst>
+          </a:blip>
+          <a:srcRect/>
+          <a:stretch>
+            <a:fillRect/>
+          </a:stretch>
+        </p:blipFill>
+        <p:spPr bwMode="auto">
+          <a:xfrm>
+            <a:off x="2419251" y="2240184"/>
+            <a:ext cx="7353498" cy="2377631"/>
+          </a:xfrm>
+          <a:prstGeom prst="rect">
+            <a:avLst/>
+          </a:prstGeom>
+          <a:noFill/>
+          <a:extLst>
+            <a:ext uri="{909E8E84-426E-40DD-AFC4-6F175D3DCCD1}">
+              <a14:hiddenFill xmlns:a14="http://schemas.microsoft.com/office/drawing/2010/main">
+                <a:solidFill>
+                  <a:srgbClr val="FFFFFF"/>
+                </a:solidFill>
+              </a14:hiddenFill>
+            </a:ext>
+          </a:extLst>
+        </p:spPr>
+      </p:pic>
+      <p:sp>
+        <p:nvSpPr>
+          <p:cNvPr id="8" name="TextBox 7">
+            <a:extLst>
+              <a:ext uri="{FF2B5EF4-FFF2-40B4-BE49-F238E27FC236}">
+                <a16:creationId xmlns:a16="http://schemas.microsoft.com/office/drawing/2014/main" id="{63A07B37-0A00-4021-BDD3-1302B867EFEA}"/>
+              </a:ext>
+            </a:extLst>
+          </p:cNvPr>
+          <p:cNvSpPr txBox="1"/>
+          <p:nvPr/>
+        </p:nvSpPr>
+        <p:spPr>
+          <a:xfrm>
+            <a:off x="0" y="6550223"/>
+            <a:ext cx="12192000" cy="307777"/>
+          </a:xfrm>
+          <a:prstGeom prst="rect">
+            <a:avLst/>
+          </a:prstGeom>
+          <a:noFill/>
+        </p:spPr>
+        <p:txBody>
+          <a:bodyPr wrap="square" rtlCol="0">
+            <a:spAutoFit/>
+          </a:bodyPr>
+          <a:lstStyle/>
+          <a:p>
+            <a:r>
+              <a:rPr lang="en-US" sz="1400" dirty="0">
+                <a:solidFill>
+                  <a:schemeClr val="tx1">
+                    <a:lumMod val="65000"/>
+                    <a:lumOff val="35000"/>
+                  </a:schemeClr>
+                </a:solidFill>
+                <a:latin typeface="+mj-lt"/>
+                <a:ea typeface="Verdana" panose="020B0604030504040204" pitchFamily="34" charset="0"/>
+              </a:rPr>
+              <a:t>Source: Tunstall, L., et al (2022). </a:t>
+            </a:r>
+            <a:r>
+              <a:rPr lang="en-US" sz="1400" i="1" dirty="0">
+                <a:solidFill>
+                  <a:schemeClr val="tx1">
+                    <a:lumMod val="65000"/>
+                    <a:lumOff val="35000"/>
+                  </a:schemeClr>
+                </a:solidFill>
+                <a:latin typeface="+mj-lt"/>
+                <a:ea typeface="Verdana" panose="020B0604030504040204" pitchFamily="34" charset="0"/>
+              </a:rPr>
+              <a:t>Natural Language Processing with Transformers</a:t>
+            </a:r>
+            <a:r>
+              <a:rPr lang="en-US" sz="1400" dirty="0">
+                <a:solidFill>
+                  <a:schemeClr val="tx1">
+                    <a:lumMod val="65000"/>
+                    <a:lumOff val="35000"/>
+                  </a:schemeClr>
+                </a:solidFill>
+                <a:latin typeface="+mj-lt"/>
+                <a:ea typeface="Verdana" panose="020B0604030504040204" pitchFamily="34" charset="0"/>
+              </a:rPr>
+              <a:t>. </a:t>
+            </a:r>
+            <a:r>
+              <a:rPr lang="en-US" sz="1400" b="0" i="0" dirty="0">
+                <a:solidFill>
+                  <a:schemeClr val="tx1">
+                    <a:lumMod val="65000"/>
+                    <a:lumOff val="35000"/>
+                  </a:schemeClr>
+                </a:solidFill>
+                <a:effectLst/>
+                <a:latin typeface="+mj-lt"/>
+                <a:ea typeface="Verdana" panose="020B0604030504040204" pitchFamily="34" charset="0"/>
+              </a:rPr>
+              <a:t>Sebastopol, CA: </a:t>
+            </a:r>
+            <a:r>
+              <a:rPr lang="en-US" sz="1400" dirty="0">
+                <a:solidFill>
+                  <a:schemeClr val="tx1">
+                    <a:lumMod val="65000"/>
+                    <a:lumOff val="35000"/>
+                  </a:schemeClr>
+                </a:solidFill>
+                <a:latin typeface="+mj-lt"/>
+                <a:ea typeface="Verdana" panose="020B0604030504040204" pitchFamily="34" charset="0"/>
+              </a:rPr>
+              <a:t>O’Reilly Publishing</a:t>
+            </a:r>
+            <a:r>
+              <a:rPr lang="en-US" sz="1400" b="0" i="0" dirty="0">
+                <a:solidFill>
+                  <a:schemeClr val="tx1">
+                    <a:lumMod val="65000"/>
+                    <a:lumOff val="35000"/>
+                  </a:schemeClr>
+                </a:solidFill>
+                <a:effectLst/>
+                <a:latin typeface="+mj-lt"/>
+                <a:ea typeface="Verdana" panose="020B0604030504040204" pitchFamily="34" charset="0"/>
+              </a:rPr>
+              <a:t>. (Chapter 1)</a:t>
+            </a:r>
+            <a:endParaRPr lang="en-US" sz="1400" dirty="0">
+              <a:solidFill>
+                <a:schemeClr val="tx1">
+                  <a:lumMod val="65000"/>
+                  <a:lumOff val="35000"/>
+                </a:schemeClr>
+              </a:solidFill>
+              <a:latin typeface="+mj-lt"/>
+              <a:ea typeface="Verdana" panose="020B0604030504040204" pitchFamily="34" charset="0"/>
+            </a:endParaRPr>
+          </a:p>
+        </p:txBody>
+      </p:sp>
+    </p:spTree>
+    <p:extLst>
+      <p:ext uri="{BB962C8B-B14F-4D97-AF65-F5344CB8AC3E}">
+        <p14:creationId xmlns:p14="http://schemas.microsoft.com/office/powerpoint/2010/main" val="1123888976"/>
+      </p:ext>
+    </p:extLst>
+  </p:cSld>
+  <p:clrMapOvr>
+    <a:masterClrMapping/>
+  </p:clrMapOvr>
+  <mc:AlternateContent xmlns:mc="http://schemas.openxmlformats.org/markup-compatibility/2006" xmlns:p14="http://schemas.microsoft.com/office/powerpoint/2010/main">
+    <mc:Choice Requires="p14">
+      <p:transition spd="med" p14:dur="700">
+        <p:fade/>
+      </p:transition>
+    </mc:Choice>
+    <mc:Fallback xmlns="">
+      <p:transition spd="med">
+        <p:fade/>
+      </p:transition>
+    </mc:Fallback>
+  </mc:AlternateContent>
+</p:sld>
+</file>
+
+<file path=ppt/slides/slide4.xml><?xml version="1.0" encoding="utf-8"?>
+<p:sld xmlns:a="http://schemas.openxmlformats.org/drawingml/2006/main" xmlns:r="http://schemas.openxmlformats.org/officeDocument/2006/relationships" xmlns:p="http://schemas.openxmlformats.org/presentationml/2006/main">
+  <p:cSld>
+    <p:spTree>
+      <p:nvGrpSpPr>
+        <p:cNvPr id="1" name=""/>
+        <p:cNvGrpSpPr/>
+        <p:nvPr/>
+      </p:nvGrpSpPr>
+      <p:grpSpPr>
+        <a:xfrm>
+          <a:off x="0" y="0"/>
+          <a:ext cx="0" cy="0"/>
+          <a:chOff x="0" y="0"/>
+          <a:chExt cx="0" cy="0"/>
+        </a:xfrm>
+      </p:grpSpPr>
+      <p:pic>
+        <p:nvPicPr>
+          <p:cNvPr id="2050" name="Picture 2" descr="enc-dec">
+            <a:extLst>
+              <a:ext uri="{FF2B5EF4-FFF2-40B4-BE49-F238E27FC236}">
+                <a16:creationId xmlns:a16="http://schemas.microsoft.com/office/drawing/2014/main" id="{3932E7A2-AC74-4616-8E73-8BE6E621CA05}"/>
+              </a:ext>
+            </a:extLst>
+          </p:cNvPr>
+          <p:cNvPicPr>
+            <a:picLocks noChangeAspect="1" noChangeArrowheads="1"/>
+          </p:cNvPicPr>
+          <p:nvPr/>
+        </p:nvPicPr>
+        <p:blipFill>
+          <a:blip r:embed="rId3">
+            <a:extLst>
+              <a:ext uri="{28A0092B-C50C-407E-A947-70E740481C1C}">
+                <a14:useLocalDpi xmlns:a14="http://schemas.microsoft.com/office/drawing/2010/main" val="0"/>
+              </a:ext>
+            </a:extLst>
+          </a:blip>
+          <a:srcRect/>
+          <a:stretch>
+            <a:fillRect/>
+          </a:stretch>
+        </p:blipFill>
+        <p:spPr bwMode="auto">
+          <a:xfrm>
+            <a:off x="2304409" y="1925002"/>
+            <a:ext cx="7583181" cy="3007995"/>
+          </a:xfrm>
+          <a:prstGeom prst="rect">
+            <a:avLst/>
+          </a:prstGeom>
+          <a:noFill/>
+          <a:extLst>
+            <a:ext uri="{909E8E84-426E-40DD-AFC4-6F175D3DCCD1}">
+              <a14:hiddenFill xmlns:a14="http://schemas.microsoft.com/office/drawing/2010/main">
+                <a:solidFill>
+                  <a:srgbClr val="FFFFFF"/>
+                </a:solidFill>
+              </a14:hiddenFill>
+            </a:ext>
+          </a:extLst>
+        </p:spPr>
+      </p:pic>
+      <p:sp>
+        <p:nvSpPr>
+          <p:cNvPr id="4" name="TextBox 3">
+            <a:extLst>
+              <a:ext uri="{FF2B5EF4-FFF2-40B4-BE49-F238E27FC236}">
+                <a16:creationId xmlns:a16="http://schemas.microsoft.com/office/drawing/2014/main" id="{62096B2A-7B7D-4F4B-B458-A97B0FDB961D}"/>
+              </a:ext>
+            </a:extLst>
+          </p:cNvPr>
+          <p:cNvSpPr txBox="1"/>
+          <p:nvPr/>
+        </p:nvSpPr>
+        <p:spPr>
+          <a:xfrm>
+            <a:off x="0" y="6550223"/>
+            <a:ext cx="12192000" cy="307777"/>
+          </a:xfrm>
+          <a:prstGeom prst="rect">
+            <a:avLst/>
+          </a:prstGeom>
+          <a:noFill/>
+        </p:spPr>
+        <p:txBody>
+          <a:bodyPr wrap="square" rtlCol="0">
+            <a:spAutoFit/>
+          </a:bodyPr>
+          <a:lstStyle/>
+          <a:p>
+            <a:r>
+              <a:rPr lang="en-US" sz="1400" dirty="0">
+                <a:solidFill>
+                  <a:schemeClr val="tx1">
+                    <a:lumMod val="65000"/>
+                    <a:lumOff val="35000"/>
+                  </a:schemeClr>
+                </a:solidFill>
+                <a:latin typeface="+mj-lt"/>
+                <a:ea typeface="Verdana" panose="020B0604030504040204" pitchFamily="34" charset="0"/>
+              </a:rPr>
+              <a:t>Source: Tunstall, L., et al (2022). </a:t>
+            </a:r>
+            <a:r>
+              <a:rPr lang="en-US" sz="1400" i="1" dirty="0">
+                <a:solidFill>
+                  <a:schemeClr val="tx1">
+                    <a:lumMod val="65000"/>
+                    <a:lumOff val="35000"/>
+                  </a:schemeClr>
+                </a:solidFill>
+                <a:latin typeface="+mj-lt"/>
+                <a:ea typeface="Verdana" panose="020B0604030504040204" pitchFamily="34" charset="0"/>
+              </a:rPr>
+              <a:t>Natural Language Processing with Transformers</a:t>
+            </a:r>
+            <a:r>
+              <a:rPr lang="en-US" sz="1400" dirty="0">
+                <a:solidFill>
+                  <a:schemeClr val="tx1">
+                    <a:lumMod val="65000"/>
+                    <a:lumOff val="35000"/>
+                  </a:schemeClr>
+                </a:solidFill>
+                <a:latin typeface="+mj-lt"/>
+                <a:ea typeface="Verdana" panose="020B0604030504040204" pitchFamily="34" charset="0"/>
+              </a:rPr>
+              <a:t>. </a:t>
+            </a:r>
+            <a:r>
+              <a:rPr lang="en-US" sz="1400" b="0" i="0" dirty="0">
+                <a:solidFill>
+                  <a:schemeClr val="tx1">
+                    <a:lumMod val="65000"/>
+                    <a:lumOff val="35000"/>
+                  </a:schemeClr>
+                </a:solidFill>
+                <a:effectLst/>
+                <a:latin typeface="+mj-lt"/>
+                <a:ea typeface="Verdana" panose="020B0604030504040204" pitchFamily="34" charset="0"/>
+              </a:rPr>
+              <a:t>Sebastopol, CA: </a:t>
+            </a:r>
+            <a:r>
+              <a:rPr lang="en-US" sz="1400" dirty="0">
+                <a:solidFill>
+                  <a:schemeClr val="tx1">
+                    <a:lumMod val="65000"/>
+                    <a:lumOff val="35000"/>
+                  </a:schemeClr>
+                </a:solidFill>
+                <a:latin typeface="+mj-lt"/>
+                <a:ea typeface="Verdana" panose="020B0604030504040204" pitchFamily="34" charset="0"/>
+              </a:rPr>
+              <a:t>O’Reilly Publishing</a:t>
+            </a:r>
+            <a:r>
+              <a:rPr lang="en-US" sz="1400" b="0" i="0" dirty="0">
+                <a:solidFill>
+                  <a:schemeClr val="tx1">
+                    <a:lumMod val="65000"/>
+                    <a:lumOff val="35000"/>
+                  </a:schemeClr>
+                </a:solidFill>
+                <a:effectLst/>
+                <a:latin typeface="+mj-lt"/>
+                <a:ea typeface="Verdana" panose="020B0604030504040204" pitchFamily="34" charset="0"/>
+              </a:rPr>
+              <a:t>. (Chapter 1)</a:t>
+            </a:r>
+            <a:endParaRPr lang="en-US" sz="1400" dirty="0">
+              <a:solidFill>
+                <a:schemeClr val="tx1">
+                  <a:lumMod val="65000"/>
+                  <a:lumOff val="35000"/>
+                </a:schemeClr>
+              </a:solidFill>
+              <a:latin typeface="+mj-lt"/>
+              <a:ea typeface="Verdana" panose="020B0604030504040204" pitchFamily="34" charset="0"/>
+            </a:endParaRPr>
+          </a:p>
+        </p:txBody>
+      </p:sp>
+    </p:spTree>
+    <p:extLst>
+      <p:ext uri="{BB962C8B-B14F-4D97-AF65-F5344CB8AC3E}">
+        <p14:creationId xmlns:p14="http://schemas.microsoft.com/office/powerpoint/2010/main" val="2431498119"/>
+      </p:ext>
+    </p:extLst>
+  </p:cSld>
+  <p:clrMapOvr>
+    <a:masterClrMapping/>
+  </p:clrMapOvr>
+  <mc:AlternateContent xmlns:mc="http://schemas.openxmlformats.org/markup-compatibility/2006" xmlns:p14="http://schemas.microsoft.com/office/powerpoint/2010/main">
+    <mc:Choice Requires="p14">
+      <p:transition spd="med" p14:dur="700">
+        <p:fade/>
+      </p:transition>
+    </mc:Choice>
+    <mc:Fallback xmlns="">
+      <p:transition spd="med">
+        <p:fade/>
+      </p:transition>
+    </mc:Fallback>
+  </mc:AlternateContent>
+</p:sld>
+</file>
+
+<file path=ppt/slides/slide5.xml><?xml version="1.0" encoding="utf-8"?>
+<p:sld xmlns:a="http://schemas.openxmlformats.org/drawingml/2006/main" xmlns:r="http://schemas.openxmlformats.org/officeDocument/2006/relationships" xmlns:p="http://schemas.openxmlformats.org/presentationml/2006/main">
+  <p:cSld>
+    <p:spTree>
+      <p:nvGrpSpPr>
+        <p:cNvPr id="1" name=""/>
+        <p:cNvGrpSpPr/>
+        <p:nvPr/>
+      </p:nvGrpSpPr>
+      <p:grpSpPr>
+        <a:xfrm>
+          <a:off x="0" y="0"/>
+          <a:ext cx="0" cy="0"/>
+          <a:chOff x="0" y="0"/>
+          <a:chExt cx="0" cy="0"/>
+        </a:xfrm>
+      </p:grpSpPr>
+      <p:pic>
+        <p:nvPicPr>
+          <p:cNvPr id="1026" name="Picture 2">
+            <a:extLst>
+              <a:ext uri="{FF2B5EF4-FFF2-40B4-BE49-F238E27FC236}">
+                <a16:creationId xmlns:a16="http://schemas.microsoft.com/office/drawing/2014/main" id="{C47ED13A-501C-4362-B556-F2503F6187F3}"/>
+              </a:ext>
+            </a:extLst>
+          </p:cNvPr>
+          <p:cNvPicPr>
+            <a:picLocks noChangeAspect="1" noChangeArrowheads="1" noCrop="1"/>
+          </p:cNvPicPr>
+          <p:nvPr/>
+        </p:nvPicPr>
+        <p:blipFill>
+          <a:blip r:embed="rId3">
+            <a:clrChange>
+              <a:clrFrom>
+                <a:srgbClr val="FEFCFE"/>
+              </a:clrFrom>
+              <a:clrTo>
+                <a:srgbClr val="FEFCFE">
+                  <a:alpha val="0"/>
+                </a:srgbClr>
+              </a:clrTo>
+            </a:clrChange>
+            <a:extLst>
+              <a:ext uri="{28A0092B-C50C-407E-A947-70E740481C1C}">
+                <a14:useLocalDpi xmlns:a14="http://schemas.microsoft.com/office/drawing/2010/main" val="0"/>
+              </a:ext>
+            </a:extLst>
+          </a:blip>
+          <a:srcRect/>
+          <a:stretch>
+            <a:fillRect/>
+          </a:stretch>
+        </p:blipFill>
+        <p:spPr bwMode="auto">
+          <a:xfrm>
+            <a:off x="1672651" y="1807709"/>
+            <a:ext cx="8846697" cy="3907291"/>
+          </a:xfrm>
+          <a:prstGeom prst="rect">
+            <a:avLst/>
+          </a:prstGeom>
+          <a:noFill/>
+          <a:extLst>
+            <a:ext uri="{909E8E84-426E-40DD-AFC4-6F175D3DCCD1}">
+              <a14:hiddenFill xmlns:a14="http://schemas.microsoft.com/office/drawing/2010/main">
+                <a:solidFill>
+                  <a:srgbClr val="FFFFFF"/>
+                </a:solidFill>
+              </a14:hiddenFill>
+            </a:ext>
+          </a:extLst>
+        </p:spPr>
+      </p:pic>
+      <p:sp>
+        <p:nvSpPr>
+          <p:cNvPr id="5" name="TextBox 4">
+            <a:extLst>
+              <a:ext uri="{FF2B5EF4-FFF2-40B4-BE49-F238E27FC236}">
+                <a16:creationId xmlns:a16="http://schemas.microsoft.com/office/drawing/2014/main" id="{81F4C7A8-209C-474B-BBCF-98F1EE29E285}"/>
+              </a:ext>
+            </a:extLst>
+          </p:cNvPr>
+          <p:cNvSpPr txBox="1"/>
+          <p:nvPr/>
+        </p:nvSpPr>
+        <p:spPr>
+          <a:xfrm>
+            <a:off x="0" y="6550223"/>
+            <a:ext cx="12192000" cy="307777"/>
+          </a:xfrm>
+          <a:prstGeom prst="rect">
+            <a:avLst/>
+          </a:prstGeom>
+          <a:noFill/>
+        </p:spPr>
+        <p:txBody>
+          <a:bodyPr wrap="square" rtlCol="0">
+            <a:spAutoFit/>
+          </a:bodyPr>
+          <a:lstStyle/>
+          <a:p>
+            <a:r>
+              <a:rPr lang="en-US" sz="1400" dirty="0">
+                <a:solidFill>
+                  <a:schemeClr val="tx1">
+                    <a:lumMod val="65000"/>
+                    <a:lumOff val="35000"/>
+                  </a:schemeClr>
+                </a:solidFill>
+                <a:latin typeface="+mj-lt"/>
+                <a:ea typeface="Verdana" panose="020B0604030504040204" pitchFamily="34" charset="0"/>
+              </a:rPr>
+              <a:t>Image Credit: https://towardsdatascience.com/transformers-141e32e69591 </a:t>
+            </a:r>
+          </a:p>
+        </p:txBody>
+      </p:sp>
+    </p:spTree>
+    <p:extLst>
+      <p:ext uri="{BB962C8B-B14F-4D97-AF65-F5344CB8AC3E}">
+        <p14:creationId xmlns:p14="http://schemas.microsoft.com/office/powerpoint/2010/main" val="2843395467"/>
+      </p:ext>
+    </p:extLst>
+  </p:cSld>
+  <p:clrMapOvr>
+    <a:masterClrMapping/>
+  </p:clrMapOvr>
+  <mc:AlternateContent xmlns:mc="http://schemas.openxmlformats.org/markup-compatibility/2006" xmlns:p14="http://schemas.microsoft.com/office/powerpoint/2010/main">
+    <mc:Choice Requires="p14">
+      <p:transition spd="med" p14:dur="700">
+        <p:fade/>
+      </p:transition>
+    </mc:Choice>
+    <mc:Fallback xmlns="">
+      <p:transition spd="med">
+        <p:fade/>
+      </p:transition>
+    </mc:Fallback>
+  </mc:AlternateContent>
+</p:sld>
+</file>
+
+<file path=ppt/slides/slide6.xml><?xml version="1.0" encoding="utf-8"?>
 <p:sld xmlns:a="http://schemas.openxmlformats.org/drawingml/2006/main" xmlns:r="http://schemas.openxmlformats.org/officeDocument/2006/relationships" xmlns:p="http://schemas.openxmlformats.org/presentationml/2006/main">
   <p:cSld>
     <p:spTree>
@@ -9473,6 +9827,359 @@
     <p:extLst>
       <p:ext uri="{BB962C8B-B14F-4D97-AF65-F5344CB8AC3E}">
         <p14:creationId xmlns:p14="http://schemas.microsoft.com/office/powerpoint/2010/main" val="1677845898"/>
+      </p:ext>
+    </p:extLst>
+  </p:cSld>
+  <p:clrMapOvr>
+    <a:masterClrMapping/>
+  </p:clrMapOvr>
+  <mc:AlternateContent xmlns:mc="http://schemas.openxmlformats.org/markup-compatibility/2006" xmlns:p14="http://schemas.microsoft.com/office/powerpoint/2010/main">
+    <mc:Choice Requires="p14">
+      <p:transition spd="med" p14:dur="700">
+        <p:fade/>
+      </p:transition>
+    </mc:Choice>
+    <mc:Fallback xmlns="">
+      <p:transition spd="med">
+        <p:fade/>
+      </p:transition>
+    </mc:Fallback>
+  </mc:AlternateContent>
+</p:sld>
+</file>
+
+<file path=ppt/slides/slide7.xml><?xml version="1.0" encoding="utf-8"?>
+<p:sld xmlns:a="http://schemas.openxmlformats.org/drawingml/2006/main" xmlns:r="http://schemas.openxmlformats.org/officeDocument/2006/relationships" xmlns:p="http://schemas.openxmlformats.org/presentationml/2006/main">
+  <p:cSld>
+    <p:spTree>
+      <p:nvGrpSpPr>
+        <p:cNvPr id="1" name=""/>
+        <p:cNvGrpSpPr/>
+        <p:nvPr/>
+      </p:nvGrpSpPr>
+      <p:grpSpPr>
+        <a:xfrm>
+          <a:off x="0" y="0"/>
+          <a:ext cx="0" cy="0"/>
+          <a:chOff x="0" y="0"/>
+          <a:chExt cx="0" cy="0"/>
+        </a:xfrm>
+      </p:grpSpPr>
+      <p:pic>
+        <p:nvPicPr>
+          <p:cNvPr id="4098" name="Picture 2" descr="transformer-self-attn">
+            <a:extLst>
+              <a:ext uri="{FF2B5EF4-FFF2-40B4-BE49-F238E27FC236}">
+                <a16:creationId xmlns:a16="http://schemas.microsoft.com/office/drawing/2014/main" id="{E48BEBC0-7E08-4B16-BA46-BE71D8FF1C97}"/>
+              </a:ext>
+            </a:extLst>
+          </p:cNvPr>
+          <p:cNvPicPr>
+            <a:picLocks noChangeAspect="1" noChangeArrowheads="1"/>
+          </p:cNvPicPr>
+          <p:nvPr/>
+        </p:nvPicPr>
+        <p:blipFill>
+          <a:blip r:embed="rId3">
+            <a:extLst>
+              <a:ext uri="{28A0092B-C50C-407E-A947-70E740481C1C}">
+                <a14:useLocalDpi xmlns:a14="http://schemas.microsoft.com/office/drawing/2010/main" val="0"/>
+              </a:ext>
+            </a:extLst>
+          </a:blip>
+          <a:srcRect/>
+          <a:stretch>
+            <a:fillRect/>
+          </a:stretch>
+        </p:blipFill>
+        <p:spPr bwMode="auto">
+          <a:xfrm>
+            <a:off x="1123950" y="2235708"/>
+            <a:ext cx="9944100" cy="2386584"/>
+          </a:xfrm>
+          <a:prstGeom prst="rect">
+            <a:avLst/>
+          </a:prstGeom>
+          <a:noFill/>
+          <a:extLst>
+            <a:ext uri="{909E8E84-426E-40DD-AFC4-6F175D3DCCD1}">
+              <a14:hiddenFill xmlns:a14="http://schemas.microsoft.com/office/drawing/2010/main">
+                <a:solidFill>
+                  <a:srgbClr val="FFFFFF"/>
+                </a:solidFill>
+              </a14:hiddenFill>
+            </a:ext>
+          </a:extLst>
+        </p:spPr>
+      </p:pic>
+      <p:sp>
+        <p:nvSpPr>
+          <p:cNvPr id="4" name="TextBox 3">
+            <a:extLst>
+              <a:ext uri="{FF2B5EF4-FFF2-40B4-BE49-F238E27FC236}">
+                <a16:creationId xmlns:a16="http://schemas.microsoft.com/office/drawing/2014/main" id="{7530BD8D-AB63-44BD-962E-C622287F485F}"/>
+              </a:ext>
+            </a:extLst>
+          </p:cNvPr>
+          <p:cNvSpPr txBox="1"/>
+          <p:nvPr/>
+        </p:nvSpPr>
+        <p:spPr>
+          <a:xfrm>
+            <a:off x="0" y="6550223"/>
+            <a:ext cx="12192000" cy="307777"/>
+          </a:xfrm>
+          <a:prstGeom prst="rect">
+            <a:avLst/>
+          </a:prstGeom>
+          <a:noFill/>
+        </p:spPr>
+        <p:txBody>
+          <a:bodyPr wrap="square" rtlCol="0">
+            <a:spAutoFit/>
+          </a:bodyPr>
+          <a:lstStyle/>
+          <a:p>
+            <a:r>
+              <a:rPr lang="en-US" sz="1400" dirty="0">
+                <a:solidFill>
+                  <a:schemeClr val="tx1">
+                    <a:lumMod val="65000"/>
+                    <a:lumOff val="35000"/>
+                  </a:schemeClr>
+                </a:solidFill>
+                <a:latin typeface="+mj-lt"/>
+                <a:ea typeface="Verdana" panose="020B0604030504040204" pitchFamily="34" charset="0"/>
+              </a:rPr>
+              <a:t>Source: Tunstall, L., et al (2022). </a:t>
+            </a:r>
+            <a:r>
+              <a:rPr lang="en-US" sz="1400" i="1" dirty="0">
+                <a:solidFill>
+                  <a:schemeClr val="tx1">
+                    <a:lumMod val="65000"/>
+                    <a:lumOff val="35000"/>
+                  </a:schemeClr>
+                </a:solidFill>
+                <a:latin typeface="+mj-lt"/>
+                <a:ea typeface="Verdana" panose="020B0604030504040204" pitchFamily="34" charset="0"/>
+              </a:rPr>
+              <a:t>Natural Language Processing with Transformers</a:t>
+            </a:r>
+            <a:r>
+              <a:rPr lang="en-US" sz="1400" dirty="0">
+                <a:solidFill>
+                  <a:schemeClr val="tx1">
+                    <a:lumMod val="65000"/>
+                    <a:lumOff val="35000"/>
+                  </a:schemeClr>
+                </a:solidFill>
+                <a:latin typeface="+mj-lt"/>
+                <a:ea typeface="Verdana" panose="020B0604030504040204" pitchFamily="34" charset="0"/>
+              </a:rPr>
+              <a:t>. </a:t>
+            </a:r>
+            <a:r>
+              <a:rPr lang="en-US" sz="1400" b="0" i="0" dirty="0">
+                <a:solidFill>
+                  <a:schemeClr val="tx1">
+                    <a:lumMod val="65000"/>
+                    <a:lumOff val="35000"/>
+                  </a:schemeClr>
+                </a:solidFill>
+                <a:effectLst/>
+                <a:latin typeface="+mj-lt"/>
+                <a:ea typeface="Verdana" panose="020B0604030504040204" pitchFamily="34" charset="0"/>
+              </a:rPr>
+              <a:t>Sebastopol, CA: </a:t>
+            </a:r>
+            <a:r>
+              <a:rPr lang="en-US" sz="1400" dirty="0">
+                <a:solidFill>
+                  <a:schemeClr val="tx1">
+                    <a:lumMod val="65000"/>
+                    <a:lumOff val="35000"/>
+                  </a:schemeClr>
+                </a:solidFill>
+                <a:latin typeface="+mj-lt"/>
+                <a:ea typeface="Verdana" panose="020B0604030504040204" pitchFamily="34" charset="0"/>
+              </a:rPr>
+              <a:t>O’Reilly Publishing</a:t>
+            </a:r>
+            <a:r>
+              <a:rPr lang="en-US" sz="1400" b="0" i="0" dirty="0">
+                <a:solidFill>
+                  <a:schemeClr val="tx1">
+                    <a:lumMod val="65000"/>
+                    <a:lumOff val="35000"/>
+                  </a:schemeClr>
+                </a:solidFill>
+                <a:effectLst/>
+                <a:latin typeface="+mj-lt"/>
+                <a:ea typeface="Verdana" panose="020B0604030504040204" pitchFamily="34" charset="0"/>
+              </a:rPr>
+              <a:t>. (Chapter 1)</a:t>
+            </a:r>
+            <a:endParaRPr lang="en-US" sz="1400" dirty="0">
+              <a:solidFill>
+                <a:schemeClr val="tx1">
+                  <a:lumMod val="65000"/>
+                  <a:lumOff val="35000"/>
+                </a:schemeClr>
+              </a:solidFill>
+              <a:latin typeface="+mj-lt"/>
+              <a:ea typeface="Verdana" panose="020B0604030504040204" pitchFamily="34" charset="0"/>
+            </a:endParaRPr>
+          </a:p>
+        </p:txBody>
+      </p:sp>
+    </p:spTree>
+    <p:extLst>
+      <p:ext uri="{BB962C8B-B14F-4D97-AF65-F5344CB8AC3E}">
+        <p14:creationId xmlns:p14="http://schemas.microsoft.com/office/powerpoint/2010/main" val="1684263449"/>
+      </p:ext>
+    </p:extLst>
+  </p:cSld>
+  <p:clrMapOvr>
+    <a:masterClrMapping/>
+  </p:clrMapOvr>
+  <mc:AlternateContent xmlns:mc="http://schemas.openxmlformats.org/markup-compatibility/2006" xmlns:p14="http://schemas.microsoft.com/office/powerpoint/2010/main">
+    <mc:Choice Requires="p14">
+      <p:transition spd="med" p14:dur="700">
+        <p:fade/>
+      </p:transition>
+    </mc:Choice>
+    <mc:Fallback xmlns="">
+      <p:transition spd="med">
+        <p:fade/>
+      </p:transition>
+    </mc:Fallback>
+  </mc:AlternateContent>
+</p:sld>
+</file>
+
+<file path=ppt/slides/slide8.xml><?xml version="1.0" encoding="utf-8"?>
+<p:sld xmlns:a="http://schemas.openxmlformats.org/drawingml/2006/main" xmlns:r="http://schemas.openxmlformats.org/officeDocument/2006/relationships" xmlns:p="http://schemas.openxmlformats.org/presentationml/2006/main">
+  <p:cSld>
+    <p:spTree>
+      <p:nvGrpSpPr>
+        <p:cNvPr id="1" name=""/>
+        <p:cNvGrpSpPr/>
+        <p:nvPr/>
+      </p:nvGrpSpPr>
+      <p:grpSpPr>
+        <a:xfrm>
+          <a:off x="0" y="0"/>
+          <a:ext cx="0" cy="0"/>
+          <a:chOff x="0" y="0"/>
+          <a:chExt cx="0" cy="0"/>
+        </a:xfrm>
+      </p:grpSpPr>
+      <p:pic>
+        <p:nvPicPr>
+          <p:cNvPr id="2050" name="Picture 2">
+            <a:extLst>
+              <a:ext uri="{FF2B5EF4-FFF2-40B4-BE49-F238E27FC236}">
+                <a16:creationId xmlns:a16="http://schemas.microsoft.com/office/drawing/2014/main" id="{E896329B-50C0-4434-8083-5AF2A8C36B9F}"/>
+              </a:ext>
+            </a:extLst>
+          </p:cNvPr>
+          <p:cNvPicPr>
+            <a:picLocks noChangeAspect="1" noChangeArrowheads="1" noCrop="1"/>
+          </p:cNvPicPr>
+          <p:nvPr/>
+        </p:nvPicPr>
+        <p:blipFill>
+          <a:blip r:embed="rId3">
+            <a:clrChange>
+              <a:clrFrom>
+                <a:srgbClr val="FEFCFE"/>
+              </a:clrFrom>
+              <a:clrTo>
+                <a:srgbClr val="FEFCFE">
+                  <a:alpha val="0"/>
+                </a:srgbClr>
+              </a:clrTo>
+            </a:clrChange>
+            <a:extLst>
+              <a:ext uri="{28A0092B-C50C-407E-A947-70E740481C1C}">
+                <a14:useLocalDpi xmlns:a14="http://schemas.microsoft.com/office/drawing/2010/main" val="0"/>
+              </a:ext>
+            </a:extLst>
+          </a:blip>
+          <a:srcRect/>
+          <a:stretch>
+            <a:fillRect/>
+          </a:stretch>
+        </p:blipFill>
+        <p:spPr bwMode="auto">
+          <a:xfrm>
+            <a:off x="1935474" y="1828120"/>
+            <a:ext cx="8321051" cy="3647394"/>
+          </a:xfrm>
+          <a:prstGeom prst="rect">
+            <a:avLst/>
+          </a:prstGeom>
+          <a:noFill/>
+          <a:extLst>
+            <a:ext uri="{909E8E84-426E-40DD-AFC4-6F175D3DCCD1}">
+              <a14:hiddenFill xmlns:a14="http://schemas.microsoft.com/office/drawing/2010/main">
+                <a:solidFill>
+                  <a:srgbClr val="FFFFFF"/>
+                </a:solidFill>
+              </a14:hiddenFill>
+            </a:ext>
+          </a:extLst>
+        </p:spPr>
+      </p:pic>
+      <p:sp>
+        <p:nvSpPr>
+          <p:cNvPr id="3" name="TextBox 2">
+            <a:extLst>
+              <a:ext uri="{FF2B5EF4-FFF2-40B4-BE49-F238E27FC236}">
+                <a16:creationId xmlns:a16="http://schemas.microsoft.com/office/drawing/2014/main" id="{63D11E46-A811-4E72-888D-3A814E300EDA}"/>
+              </a:ext>
+            </a:extLst>
+          </p:cNvPr>
+          <p:cNvSpPr txBox="1"/>
+          <p:nvPr/>
+        </p:nvSpPr>
+        <p:spPr>
+          <a:xfrm>
+            <a:off x="0" y="6550223"/>
+            <a:ext cx="12192000" cy="307777"/>
+          </a:xfrm>
+          <a:prstGeom prst="rect">
+            <a:avLst/>
+          </a:prstGeom>
+          <a:noFill/>
+        </p:spPr>
+        <p:txBody>
+          <a:bodyPr wrap="square" rtlCol="0">
+            <a:spAutoFit/>
+          </a:bodyPr>
+          <a:lstStyle/>
+          <a:p>
+            <a:r>
+              <a:rPr lang="en-US" sz="1400" dirty="0">
+                <a:solidFill>
+                  <a:schemeClr val="tx1">
+                    <a:lumMod val="65000"/>
+                    <a:lumOff val="35000"/>
+                  </a:schemeClr>
+                </a:solidFill>
+                <a:latin typeface="+mj-lt"/>
+                <a:ea typeface="Verdana" panose="020B0604030504040204" pitchFamily="34" charset="0"/>
+              </a:rPr>
+              <a:t>Image Credit: https://towardsdatascience.com/transformers-141e32e69591 </a:t>
+            </a:r>
+          </a:p>
+        </p:txBody>
+      </p:sp>
+    </p:spTree>
+    <p:extLst>
+      <p:ext uri="{BB962C8B-B14F-4D97-AF65-F5344CB8AC3E}">
+        <p14:creationId xmlns:p14="http://schemas.microsoft.com/office/powerpoint/2010/main" val="1412244647"/>
       </p:ext>
     </p:extLst>
   </p:cSld>
@@ -9513,15 +10220,15 @@
       </p:grpSpPr>
       <p:pic>
         <p:nvPicPr>
-          <p:cNvPr id="2050" name="Picture 2">
+          <p:cNvPr id="1026" name="Picture 2" descr="F20010">
             <a:extLst>
               <a:ext uri="{FF2B5EF4-FFF2-40B4-BE49-F238E27FC236}">
-                <a16:creationId xmlns:a16="http://schemas.microsoft.com/office/drawing/2014/main" id="{E896329B-50C0-4434-8083-5AF2A8C36B9F}"/>
+                <a16:creationId xmlns:a16="http://schemas.microsoft.com/office/drawing/2014/main" id="{114ECFDE-71CF-45E4-85CE-E8B3576A5F7F}"/>
               </a:ext>
             </a:extLst>
           </p:cNvPr>
           <p:cNvPicPr>
-            <a:picLocks noChangeAspect="1" noChangeArrowheads="1" noCrop="1"/>
+            <a:picLocks noChangeAspect="1" noChangeArrowheads="1"/>
           </p:cNvPicPr>
           <p:nvPr/>
         </p:nvPicPr>
@@ -9529,10 +10236,10 @@
           <a:blip r:embed="rId3">
             <a:clrChange>
               <a:clrFrom>
-                <a:srgbClr val="FEFCFE"/>
+                <a:srgbClr val="FFFFFF"/>
               </a:clrFrom>
               <a:clrTo>
-                <a:srgbClr val="FEFCFE">
+                <a:srgbClr val="FFFFFF">
                   <a:alpha val="0"/>
                 </a:srgbClr>
               </a:clrTo>
@@ -9550,8 +10257,8 @@
         </p:blipFill>
         <p:spPr bwMode="auto">
           <a:xfrm>
-            <a:off x="1935474" y="1828120"/>
-            <a:ext cx="8321051" cy="3647394"/>
+            <a:off x="1484378" y="2593521"/>
+            <a:ext cx="9223243" cy="1670957"/>
           </a:xfrm>
           <a:prstGeom prst="rect">
             <a:avLst/>
@@ -9573,7 +10280,7 @@
           <p:cNvPr id="3" name="TextBox 2">
             <a:extLst>
               <a:ext uri="{FF2B5EF4-FFF2-40B4-BE49-F238E27FC236}">
-                <a16:creationId xmlns:a16="http://schemas.microsoft.com/office/drawing/2014/main" id="{63D11E46-A811-4E72-888D-3A814E300EDA}"/>
+                <a16:creationId xmlns:a16="http://schemas.microsoft.com/office/drawing/2014/main" id="{E90DC7AC-FE00-4591-931C-A07C2562C5A0}"/>
               </a:ext>
             </a:extLst>
           </p:cNvPr>
@@ -9607,15 +10314,122 @@
                 <a:latin typeface="+mj-lt"/>
                 <a:ea typeface="Verdana" panose="020B0604030504040204" pitchFamily="34" charset="0"/>
               </a:rPr>
-              <a:t>Image Credit: https://towardsdatascience.com/transformers-141e32e69591 </a:t>
-            </a:r>
-          </a:p>
-        </p:txBody>
-      </p:sp>
+              <a:t>Source: Glassner, A. (2021). </a:t>
+            </a:r>
+            <a:r>
+              <a:rPr lang="en-US" sz="1400" i="1" dirty="0">
+                <a:solidFill>
+                  <a:schemeClr val="tx1">
+                    <a:lumMod val="65000"/>
+                    <a:lumOff val="35000"/>
+                  </a:schemeClr>
+                </a:solidFill>
+                <a:latin typeface="+mj-lt"/>
+                <a:ea typeface="Verdana" panose="020B0604030504040204" pitchFamily="34" charset="0"/>
+              </a:rPr>
+              <a:t>Deep learning: A visual approach</a:t>
+            </a:r>
+            <a:r>
+              <a:rPr lang="en-US" sz="1400" dirty="0">
+                <a:solidFill>
+                  <a:schemeClr val="tx1">
+                    <a:lumMod val="65000"/>
+                    <a:lumOff val="35000"/>
+                  </a:schemeClr>
+                </a:solidFill>
+                <a:latin typeface="+mj-lt"/>
+                <a:ea typeface="Verdana" panose="020B0604030504040204" pitchFamily="34" charset="0"/>
+              </a:rPr>
+              <a:t>. </a:t>
+            </a:r>
+            <a:r>
+              <a:rPr lang="en-US" sz="1400" b="0" i="0" dirty="0">
+                <a:solidFill>
+                  <a:schemeClr val="tx1">
+                    <a:lumMod val="65000"/>
+                    <a:lumOff val="35000"/>
+                  </a:schemeClr>
+                </a:solidFill>
+                <a:effectLst/>
+                <a:latin typeface="+mj-lt"/>
+                <a:ea typeface="Verdana" panose="020B0604030504040204" pitchFamily="34" charset="0"/>
+              </a:rPr>
+              <a:t>San Francisco, CA: No Starch Press. (Chapter </a:t>
+            </a:r>
+            <a:r>
+              <a:rPr lang="en-US" sz="1400" dirty="0">
+                <a:solidFill>
+                  <a:schemeClr val="tx1">
+                    <a:lumMod val="65000"/>
+                    <a:lumOff val="35000"/>
+                  </a:schemeClr>
+                </a:solidFill>
+                <a:latin typeface="+mj-lt"/>
+                <a:ea typeface="Verdana" panose="020B0604030504040204" pitchFamily="34" charset="0"/>
+              </a:rPr>
+              <a:t>20</a:t>
+            </a:r>
+            <a:r>
+              <a:rPr lang="en-US" sz="1400" b="0" i="0" dirty="0">
+                <a:solidFill>
+                  <a:schemeClr val="tx1">
+                    <a:lumMod val="65000"/>
+                    <a:lumOff val="35000"/>
+                  </a:schemeClr>
+                </a:solidFill>
+                <a:effectLst/>
+                <a:latin typeface="+mj-lt"/>
+                <a:ea typeface="Verdana" panose="020B0604030504040204" pitchFamily="34" charset="0"/>
+              </a:rPr>
+              <a:t>)</a:t>
+            </a:r>
+            <a:endParaRPr lang="en-US" sz="1400" dirty="0">
+              <a:solidFill>
+                <a:schemeClr val="tx1">
+                  <a:lumMod val="65000"/>
+                  <a:lumOff val="35000"/>
+                </a:schemeClr>
+              </a:solidFill>
+              <a:latin typeface="+mj-lt"/>
+              <a:ea typeface="Verdana" panose="020B0604030504040204" pitchFamily="34" charset="0"/>
+            </a:endParaRPr>
+          </a:p>
+        </p:txBody>
+      </p:sp>
+      <p:pic>
+        <p:nvPicPr>
+          <p:cNvPr id="4" name="Picture 3">
+            <a:extLst>
+              <a:ext uri="{FF2B5EF4-FFF2-40B4-BE49-F238E27FC236}">
+                <a16:creationId xmlns:a16="http://schemas.microsoft.com/office/drawing/2014/main" id="{67CFB3F0-89CF-4872-B9B0-66954BEE410B}"/>
+              </a:ext>
+            </a:extLst>
+          </p:cNvPr>
+          <p:cNvPicPr>
+            <a:picLocks noChangeAspect="1"/>
+          </p:cNvPicPr>
+          <p:nvPr/>
+        </p:nvPicPr>
+        <p:blipFill>
+          <a:blip r:embed="rId4"/>
+          <a:stretch>
+            <a:fillRect/>
+          </a:stretch>
+        </p:blipFill>
+        <p:spPr>
+          <a:xfrm>
+            <a:off x="3325430" y="4583151"/>
+            <a:ext cx="840170" cy="1069117"/>
+          </a:xfrm>
+          <a:prstGeom prst="rect">
+            <a:avLst/>
+          </a:prstGeom>
+        </p:spPr>
+      </p:pic>
     </p:spTree>
     <p:extLst>
       <p:ext uri="{BB962C8B-B14F-4D97-AF65-F5344CB8AC3E}">
-        <p14:creationId xmlns:p14="http://schemas.microsoft.com/office/powerpoint/2010/main" val="1412244647"/>
+        <p14:creationId xmlns:p14="http://schemas.microsoft.com/office/powerpoint/2010/main" val="3783675430"/>
       </p:ext>
     </p:extLst>
   </p:cSld>

--- a/presentations/02_transformers_attention.pptx
+++ b/presentations/02_transformers_attention.pptx
@@ -5,7 +5,7 @@
     <p:sldMasterId id="2147483648" r:id="rId1"/>
   </p:sldMasterIdLst>
   <p:notesMasterIdLst>
-    <p:notesMasterId r:id="rId24"/>
+    <p:notesMasterId r:id="rId26"/>
   </p:notesMasterIdLst>
   <p:sldIdLst>
     <p:sldId id="326" r:id="rId2"/>
@@ -20,16 +20,18 @@
     <p:sldId id="356" r:id="rId11"/>
     <p:sldId id="357" r:id="rId12"/>
     <p:sldId id="345" r:id="rId13"/>
-    <p:sldId id="353" r:id="rId14"/>
+    <p:sldId id="349" r:id="rId14"/>
     <p:sldId id="279" r:id="rId15"/>
     <p:sldId id="339" r:id="rId16"/>
     <p:sldId id="340" r:id="rId17"/>
     <p:sldId id="347" r:id="rId18"/>
     <p:sldId id="358" r:id="rId19"/>
-    <p:sldId id="349" r:id="rId20"/>
-    <p:sldId id="341" r:id="rId21"/>
-    <p:sldId id="344" r:id="rId22"/>
-    <p:sldId id="348" r:id="rId23"/>
+    <p:sldId id="359" r:id="rId20"/>
+    <p:sldId id="360" r:id="rId21"/>
+    <p:sldId id="353" r:id="rId22"/>
+    <p:sldId id="341" r:id="rId23"/>
+    <p:sldId id="344" r:id="rId24"/>
+    <p:sldId id="348" r:id="rId25"/>
   </p:sldIdLst>
   <p:sldSz cx="12192000" cy="6858000"/>
   <p:notesSz cx="6858000" cy="9144000"/>
@@ -229,7 +231,7 @@
           <a:p>
             <a:fld id="{FD93C9B2-20F6-4DB1-B471-224337D0AC79}" type="datetimeFigureOut">
               <a:rPr lang="en-US" smtClean="0"/>
-              <a:t>8/19/2022</a:t>
+              <a:t>8/23/2022</a:t>
             </a:fld>
             <a:endParaRPr lang="en-US"/>
           </a:p>
@@ -642,186 +644,17 @@
           <a:bodyPr/>
           <a:lstStyle/>
           <a:p>
-            <a:pPr marL="0" marR="0" lvl="0" indent="0" algn="l" defTabSz="914400" rtl="0" eaLnBrk="1" fontAlgn="auto" latinLnBrk="0" hangingPunct="1">
-              <a:lnSpc>
-                <a:spcPct val="100000"/>
-              </a:lnSpc>
-              <a:spcBef>
-                <a:spcPts val="0"/>
-              </a:spcBef>
-              <a:spcAft>
-                <a:spcPts val="0"/>
-              </a:spcAft>
-              <a:buClrTx/>
-              <a:buSzTx/>
-              <a:buFontTx/>
-              <a:buNone/>
-              <a:tabLst/>
-              <a:defRPr/>
-            </a:pPr>
             <a:r>
               <a:rPr lang="en-US" dirty="0"/>
-              <a:t>Attention is a relatively simple idea.  Rather than produce a single (or final) hidden state to represent an input sequence, the encoder outputs a hidden state at each step, with all states accessible to the decoder.  In this image, the hidden state for each word in the English sentence is available to the 2</a:t>
-            </a:r>
-            <a:r>
-              <a:rPr lang="en-US" baseline="30000" dirty="0"/>
-              <a:t>nd</a:t>
+              <a:t>A variant of self-attention is called Q/KV attention.  With Q/KV attention, the queries come from one source and the keys and values from another.  The queries in the seq2seq model, for example, come from the encoder and the keys and values from the decoder.  This is sometimes called an </a:t>
+            </a:r>
+            <a:r>
+              <a:rPr lang="en-US" b="1" dirty="0"/>
+              <a:t>encoder-decoder</a:t>
             </a:r>
             <a:r>
               <a:rPr lang="en-US" dirty="0"/>
-              <a:t> decoder cell.  </a:t>
-            </a:r>
-          </a:p>
-          <a:p>
-            <a:pPr marL="0" marR="0" lvl="0" indent="0" algn="l" defTabSz="914400" rtl="0" eaLnBrk="1" fontAlgn="auto" latinLnBrk="0" hangingPunct="1">
-              <a:lnSpc>
-                <a:spcPct val="100000"/>
-              </a:lnSpc>
-              <a:spcBef>
-                <a:spcPts val="0"/>
-              </a:spcBef>
-              <a:spcAft>
-                <a:spcPts val="0"/>
-              </a:spcAft>
-              <a:buClrTx/>
-              <a:buSzTx/>
-              <a:buFontTx/>
-              <a:buNone/>
-              <a:tabLst/>
-              <a:defRPr/>
-            </a:pPr>
-            <a:endParaRPr lang="en-US" dirty="0"/>
-          </a:p>
-          <a:p>
-            <a:pPr marL="0" marR="0" lvl="0" indent="0" algn="l" defTabSz="914400" rtl="0" eaLnBrk="1" fontAlgn="auto" latinLnBrk="0" hangingPunct="1">
-              <a:lnSpc>
-                <a:spcPct val="100000"/>
-              </a:lnSpc>
-              <a:spcBef>
-                <a:spcPts val="0"/>
-              </a:spcBef>
-              <a:spcAft>
-                <a:spcPts val="0"/>
-              </a:spcAft>
-              <a:buClrTx/>
-              <a:buSzTx/>
-              <a:buFontTx/>
-              <a:buNone/>
-              <a:tabLst/>
-              <a:defRPr/>
-            </a:pPr>
-            <a:r>
-              <a:rPr lang="en-US" dirty="0"/>
-              <a:t>This strategy works well for short sentences, but it breaks when a sequence is long.  Accessing thousands of hidden states at the same time creates a lot of work for the decoder.   Attention reduces this workload by assigning a different amount of weight or “attention” to each state.  </a:t>
-            </a:r>
-          </a:p>
-          <a:p>
-            <a:pPr marL="0" marR="0" lvl="0" indent="0" algn="l" defTabSz="914400" rtl="0" eaLnBrk="1" fontAlgn="auto" latinLnBrk="0" hangingPunct="1">
-              <a:lnSpc>
-                <a:spcPct val="100000"/>
-              </a:lnSpc>
-              <a:spcBef>
-                <a:spcPts val="0"/>
-              </a:spcBef>
-              <a:spcAft>
-                <a:spcPts val="0"/>
-              </a:spcAft>
-              <a:buClrTx/>
-              <a:buSzTx/>
-              <a:buFontTx/>
-              <a:buNone/>
-              <a:tabLst/>
-              <a:defRPr/>
-            </a:pPr>
-            <a:endParaRPr lang="en-US" dirty="0"/>
-          </a:p>
-          <a:p>
-            <a:pPr marL="0" marR="0" lvl="0" indent="0" algn="l" defTabSz="914400" rtl="0" eaLnBrk="1" fontAlgn="auto" latinLnBrk="0" hangingPunct="1">
-              <a:lnSpc>
-                <a:spcPct val="100000"/>
-              </a:lnSpc>
-              <a:spcBef>
-                <a:spcPts val="0"/>
-              </a:spcBef>
-              <a:spcAft>
-                <a:spcPts val="0"/>
-              </a:spcAft>
-              <a:buClrTx/>
-              <a:buSzTx/>
-              <a:buFontTx/>
-              <a:buNone/>
-              <a:tabLst/>
-              <a:defRPr/>
-            </a:pPr>
-            <a:r>
-              <a:rPr lang="en-US" dirty="0"/>
-              <a:t>===== </a:t>
-            </a:r>
-          </a:p>
-          <a:p>
-            <a:pPr marL="0" marR="0" lvl="0" indent="0" algn="l" defTabSz="914400" rtl="0" eaLnBrk="1" fontAlgn="auto" latinLnBrk="0" hangingPunct="1">
-              <a:lnSpc>
-                <a:spcPct val="100000"/>
-              </a:lnSpc>
-              <a:spcBef>
-                <a:spcPts val="0"/>
-              </a:spcBef>
-              <a:spcAft>
-                <a:spcPts val="0"/>
-              </a:spcAft>
-              <a:buClrTx/>
-              <a:buSzTx/>
-              <a:buFontTx/>
-              <a:buNone/>
-              <a:tabLst/>
-              <a:defRPr/>
-            </a:pPr>
-            <a:r>
-              <a:rPr lang="en-US" dirty="0"/>
-              <a:t>The key idea behind attention is as follows:  rather than produce a single (or final) hidden state to represent an input sequence, the encoder outputs a hidden state at each step, with all states accessible to the decoder.  However, using all those states at the same time would create a huge input for the decoder.  Thus, we need a mechanism to prioritize which states to use.  Attention does just that.  It lets the decoder assign a different amount of weight, or “attention,” to each of the encoder states at each decoding timestep.  The role of attention is shown here as the decoder predicts the second token in an output sequence.</a:t>
-            </a:r>
-          </a:p>
-          <a:p>
-            <a:pPr marL="0" marR="0" lvl="0" indent="0" algn="l" defTabSz="914400" rtl="0" eaLnBrk="1" fontAlgn="auto" latinLnBrk="0" hangingPunct="1">
-              <a:lnSpc>
-                <a:spcPct val="100000"/>
-              </a:lnSpc>
-              <a:spcBef>
-                <a:spcPts val="0"/>
-              </a:spcBef>
-              <a:spcAft>
-                <a:spcPts val="0"/>
-              </a:spcAft>
-              <a:buClrTx/>
-              <a:buSzTx/>
-              <a:buFontTx/>
-              <a:buNone/>
-              <a:tabLst/>
-              <a:defRPr/>
-            </a:pPr>
-            <a:endParaRPr lang="en-US" dirty="0"/>
-          </a:p>
-          <a:p>
-            <a:pPr marL="0" marR="0" lvl="0" indent="0" algn="l" defTabSz="914400" rtl="0" eaLnBrk="1" fontAlgn="auto" latinLnBrk="0" hangingPunct="1">
-              <a:lnSpc>
-                <a:spcPct val="100000"/>
-              </a:lnSpc>
-              <a:spcBef>
-                <a:spcPts val="0"/>
-              </a:spcBef>
-              <a:spcAft>
-                <a:spcPts val="0"/>
-              </a:spcAft>
-              <a:buClrTx/>
-              <a:buSzTx/>
-              <a:buFontTx/>
-              <a:buNone/>
-              <a:tabLst/>
-              <a:defRPr/>
-            </a:pPr>
-            <a:r>
-              <a:rPr lang="en-US" dirty="0"/>
-              <a:t>By focusing on which input tokens are most relevant at each timestep, attention-based models can learn nontrivial alignments between the words in a generated translation and those in a source sentence. </a:t>
+              <a:t> attention layer.</a:t>
             </a:r>
           </a:p>
         </p:txBody>
@@ -843,7 +676,7 @@
           <a:p>
             <a:fld id="{3148858F-F1DB-4027-9C85-CCA6849540DD}" type="slidenum">
               <a:rPr lang="en-US" smtClean="0"/>
-              <a:t>15</a:t>
+              <a:t>11</a:t>
             </a:fld>
             <a:endParaRPr lang="en-US"/>
           </a:p>
@@ -852,7 +685,7 @@
     </p:spTree>
     <p:extLst>
       <p:ext uri="{BB962C8B-B14F-4D97-AF65-F5344CB8AC3E}">
-        <p14:creationId xmlns:p14="http://schemas.microsoft.com/office/powerpoint/2010/main" val="4057235265"/>
+        <p14:creationId xmlns:p14="http://schemas.microsoft.com/office/powerpoint/2010/main" val="1020600420"/>
       </p:ext>
     </p:extLst>
   </p:cSld>
@@ -925,8 +758,17 @@
             </a:pPr>
             <a:r>
               <a:rPr lang="en-US" dirty="0"/>
-              <a:t>Attention led to much better translations, but it still had a major shortcoming.  The computations are inherently sequential and cannot be parallelized across the input sequence.</a:t>
-            </a:r>
+              <a:t>Sometimes we want to pay attention to different combinations of words in a single sentence.  Doing so allows us to gain a more nuanced understanding of its meaning.  The diagram pictured here is of a </a:t>
+            </a:r>
+            <a:r>
+              <a:rPr lang="en-US" b="1" dirty="0"/>
+              <a:t>multi-head attention </a:t>
+            </a:r>
+            <a:r>
+              <a:rPr lang="en-US" b="0" dirty="0"/>
+              <a:t>network.</a:t>
+            </a:r>
+            <a:endParaRPr lang="en-US" b="1" dirty="0"/>
           </a:p>
           <a:p>
             <a:pPr marL="0" marR="0" lvl="0" indent="0" algn="l" defTabSz="914400" rtl="0" eaLnBrk="1" fontAlgn="auto" latinLnBrk="0" hangingPunct="1">
@@ -949,7 +791,7 @@
             <a:endParaRPr lang="en-US" dirty="0"/>
           </a:p>
           <a:p>
-            <a:pPr marL="0" marR="0" lvl="0" indent="0" algn="l" defTabSz="914400" rtl="0" eaLnBrk="1" fontAlgn="auto" latinLnBrk="0" hangingPunct="1">
+            <a:pPr marL="228600" marR="0" lvl="0" indent="-228600" algn="l" defTabSz="914400" rtl="0" eaLnBrk="1" fontAlgn="auto" latinLnBrk="0" hangingPunct="1">
               <a:lnSpc>
                 <a:spcPct val="100000"/>
               </a:lnSpc>
@@ -962,25 +804,17 @@
               <a:buClrTx/>
               <a:buSzTx/>
               <a:buFontTx/>
-              <a:buNone/>
+              <a:buAutoNum type="arabicPeriod"/>
               <a:tabLst/>
               <a:defRPr/>
             </a:pPr>
             <a:r>
               <a:rPr lang="en-US" dirty="0"/>
-              <a:t>With the transformer, a new model architecture was introduced.  Drop recurrence altogether and use a special form of attention called </a:t>
-            </a:r>
-            <a:r>
-              <a:rPr lang="en-US" b="1" dirty="0"/>
-              <a:t>self-attention</a:t>
-            </a:r>
-            <a:r>
-              <a:rPr lang="en-US" dirty="0"/>
-              <a:t> instead.  The basic idea is to allow attention to operate on all the states in the same layer of the neural network.  As pictured here, both the encoder and decoder have their own self-attention mechanisms, with their outputs fed to feed-forward neural networks (FF NNs). This architecture trains much faster than recurrent models, and it paved the way for many NLP breakthroughs.</a:t>
-            </a:r>
-          </a:p>
-          <a:p>
-            <a:pPr marL="0" marR="0" lvl="0" indent="0" algn="l" defTabSz="914400" rtl="0" eaLnBrk="1" fontAlgn="auto" latinLnBrk="0" hangingPunct="1">
+              <a:t>Each head is a distinct attention network.  The more heads we have, the more different aspects of the input they can focus on.</a:t>
+            </a:r>
+          </a:p>
+          <a:p>
+            <a:pPr marL="228600" marR="0" lvl="0" indent="-228600" algn="l" defTabSz="914400" rtl="0" eaLnBrk="1" fontAlgn="auto" latinLnBrk="0" hangingPunct="1">
               <a:lnSpc>
                 <a:spcPct val="100000"/>
               </a:lnSpc>
@@ -993,14 +827,17 @@
               <a:buClrTx/>
               <a:buSzTx/>
               <a:buFontTx/>
-              <a:buNone/>
+              <a:buAutoNum type="arabicPeriod"/>
               <a:tabLst/>
               <a:defRPr/>
             </a:pPr>
-            <a:endParaRPr lang="en-US" dirty="0"/>
-          </a:p>
-          <a:p>
-            <a:pPr marL="0" marR="0" lvl="0" indent="0" algn="l" defTabSz="914400" rtl="0" eaLnBrk="1" fontAlgn="auto" latinLnBrk="0" hangingPunct="1">
+            <a:r>
+              <a:rPr lang="en-US" dirty="0"/>
+              <a:t>We often combine the outputs of the head into a list and then…</a:t>
+            </a:r>
+          </a:p>
+          <a:p>
+            <a:pPr marL="228600" marR="0" lvl="0" indent="-228600" algn="l" defTabSz="914400" rtl="0" eaLnBrk="1" fontAlgn="auto" latinLnBrk="0" hangingPunct="1">
               <a:lnSpc>
                 <a:spcPct val="100000"/>
               </a:lnSpc>
@@ -1013,11 +850,14 @@
               <a:buClrTx/>
               <a:buSzTx/>
               <a:buFontTx/>
-              <a:buNone/>
+              <a:buAutoNum type="arabicPeriod"/>
               <a:tabLst/>
               <a:defRPr/>
             </a:pPr>
-            <a:endParaRPr lang="en-US" dirty="0"/>
+            <a:r>
+              <a:rPr lang="en-US" dirty="0"/>
+              <a:t>Run that through a fully connected layer to create an output that is the same shape as the input</a:t>
+            </a:r>
           </a:p>
         </p:txBody>
       </p:sp>
@@ -1038,7 +878,7 @@
           <a:p>
             <a:fld id="{3148858F-F1DB-4027-9C85-CCA6849540DD}" type="slidenum">
               <a:rPr lang="en-US" smtClean="0"/>
-              <a:t>16</a:t>
+              <a:t>12</a:t>
             </a:fld>
             <a:endParaRPr lang="en-US"/>
           </a:p>
@@ -1047,7 +887,7 @@
     </p:spTree>
     <p:extLst>
       <p:ext uri="{BB962C8B-B14F-4D97-AF65-F5344CB8AC3E}">
-        <p14:creationId xmlns:p14="http://schemas.microsoft.com/office/powerpoint/2010/main" val="627985707"/>
+        <p14:creationId xmlns:p14="http://schemas.microsoft.com/office/powerpoint/2010/main" val="666630874"/>
       </p:ext>
     </p:extLst>
   </p:cSld>
@@ -1101,6 +941,148 @@
           <a:bodyPr/>
           <a:lstStyle/>
           <a:p>
+            <a:pPr algn="l"/>
+            <a:r>
+              <a:rPr lang="en-US" b="0" i="0" dirty="0">
+                <a:solidFill>
+                  <a:srgbClr val="292929"/>
+                </a:solidFill>
+                <a:effectLst/>
+                <a:latin typeface="charter"/>
+              </a:rPr>
+              <a:t>The basic idea behind </a:t>
+            </a:r>
+            <a:r>
+              <a:rPr lang="en-US" b="0" i="1" dirty="0">
+                <a:solidFill>
+                  <a:srgbClr val="292929"/>
+                </a:solidFill>
+                <a:effectLst/>
+                <a:latin typeface="charter"/>
+              </a:rPr>
+              <a:t>multi-head attention </a:t>
+            </a:r>
+            <a:r>
+              <a:rPr lang="en-US" b="0" i="0" dirty="0">
+                <a:solidFill>
+                  <a:srgbClr val="292929"/>
+                </a:solidFill>
+                <a:effectLst/>
+                <a:latin typeface="charter"/>
+              </a:rPr>
+              <a:t>is that a specific word in a sequence can be viewed in multiple ways.  Consider, for example, the three questions asked here, with each </a:t>
+            </a:r>
+            <a:r>
+              <a:rPr lang="en-US" b="1" i="0" dirty="0">
+                <a:solidFill>
+                  <a:srgbClr val="292929"/>
+                </a:solidFill>
+                <a:effectLst/>
+                <a:latin typeface="charter"/>
+              </a:rPr>
+              <a:t>attention head </a:t>
+            </a:r>
+            <a:r>
+              <a:rPr lang="en-US" b="0" i="0" dirty="0">
+                <a:solidFill>
+                  <a:srgbClr val="292929"/>
+                </a:solidFill>
+                <a:effectLst/>
+                <a:latin typeface="charter"/>
+              </a:rPr>
+              <a:t>being a different color – red, green, blue.   As shown here, attention changes, depending on the head and the question it asks.  With the green head, attention is on the first word, in response to the question of who did the action.  With the red head, attention shifts to the second word in response to the question – ‘Did what?’  And finally, the last word is the focus of attention in the blue head, in response to the question – ‘To whom?’.</a:t>
+            </a:r>
+          </a:p>
+          <a:p>
+            <a:pPr algn="l"/>
+            <a:endParaRPr lang="en-US" b="0" i="0" dirty="0">
+              <a:solidFill>
+                <a:srgbClr val="292929"/>
+              </a:solidFill>
+              <a:effectLst/>
+              <a:latin typeface="charter"/>
+            </a:endParaRPr>
+          </a:p>
+          <a:p>
+            <a:pPr algn="l"/>
+            <a:r>
+              <a:rPr lang="en-US" b="0" i="0" dirty="0">
+                <a:solidFill>
+                  <a:srgbClr val="292929"/>
+                </a:solidFill>
+                <a:effectLst/>
+                <a:latin typeface="charter"/>
+              </a:rPr>
+              <a:t>Of course, the translation of a given word to another language may vary, depending on the answer to each question.</a:t>
+            </a:r>
+          </a:p>
+          <a:p>
+            <a:pPr algn="l"/>
+            <a:endParaRPr lang="en-US" b="0" i="0" dirty="0">
+              <a:solidFill>
+                <a:srgbClr val="292929"/>
+              </a:solidFill>
+              <a:effectLst/>
+              <a:latin typeface="charter"/>
+            </a:endParaRPr>
+          </a:p>
+          <a:p>
+            <a:pPr algn="l"/>
+            <a:r>
+              <a:rPr lang="en-US" b="0" i="0" dirty="0">
+                <a:solidFill>
+                  <a:srgbClr val="292929"/>
+                </a:solidFill>
+                <a:effectLst/>
+                <a:latin typeface="charter"/>
+              </a:rPr>
+              <a:t>=====</a:t>
+            </a:r>
+          </a:p>
+          <a:p>
+            <a:pPr algn="l"/>
+            <a:endParaRPr lang="en-US" b="0" i="0" dirty="0">
+              <a:solidFill>
+                <a:srgbClr val="292929"/>
+              </a:solidFill>
+              <a:effectLst/>
+              <a:latin typeface="charter"/>
+            </a:endParaRPr>
+          </a:p>
+          <a:p>
+            <a:pPr algn="l"/>
+            <a:r>
+              <a:rPr lang="en-US" b="0" i="0" dirty="0">
+                <a:solidFill>
+                  <a:srgbClr val="292929"/>
+                </a:solidFill>
+                <a:effectLst/>
+                <a:latin typeface="charter"/>
+              </a:rPr>
+              <a:t>For example, instead of only paying attention to each other in one dimension, Transformers use the concept of </a:t>
+            </a:r>
+            <a:r>
+              <a:rPr lang="en-US" b="0" i="0" dirty="0" err="1">
+                <a:solidFill>
+                  <a:srgbClr val="292929"/>
+                </a:solidFill>
+                <a:effectLst/>
+                <a:latin typeface="charter"/>
+              </a:rPr>
+              <a:t>Multihead</a:t>
+            </a:r>
+            <a:r>
+              <a:rPr lang="en-US" b="0" i="0" dirty="0">
+                <a:solidFill>
+                  <a:srgbClr val="292929"/>
+                </a:solidFill>
+                <a:effectLst/>
+                <a:latin typeface="charter"/>
+              </a:rPr>
+              <a:t> attention. The idea behind it is that whenever you are translating a word, you may pay different attention to each word based on the type of question that you are asking. The images below show what that means. For example, whenever you are translating “kicked” in the sentence “I kicked the ball”, you may ask “Who kicked”. Depending on the answer, the translation of the word to another language can change. Or ask other questions, like “Did what?”, etc…</a:t>
+            </a:r>
+          </a:p>
+          <a:p>
             <a:pPr marL="0" marR="0" lvl="0" indent="0" algn="l" defTabSz="914400" rtl="0" eaLnBrk="1" fontAlgn="auto" latinLnBrk="0" hangingPunct="1">
               <a:lnSpc>
                 <a:spcPct val="100000"/>
@@ -1118,68 +1100,7 @@
               <a:tabLst/>
               <a:defRPr/>
             </a:pPr>
-            <a:r>
-              <a:rPr lang="en-US" b="0" i="0" dirty="0">
-                <a:solidFill>
-                  <a:srgbClr val="292929"/>
-                </a:solidFill>
-                <a:effectLst/>
-                <a:latin typeface="charter"/>
-              </a:rPr>
-              <a:t>Let’s simulate the attention mechanism of our simple English/German translator.  Rather than encode the whole sentence in a single hidden state, each word’s hidden state is passed to the decoder.  All these hidden states, in turn, are then used at each step of the decoding process.  </a:t>
-            </a:r>
-          </a:p>
-          <a:p>
-            <a:pPr marL="0" marR="0" lvl="0" indent="0" algn="l" defTabSz="914400" rtl="0" eaLnBrk="1" fontAlgn="auto" latinLnBrk="0" hangingPunct="1">
-              <a:lnSpc>
-                <a:spcPct val="100000"/>
-              </a:lnSpc>
-              <a:spcBef>
-                <a:spcPts val="0"/>
-              </a:spcBef>
-              <a:spcAft>
-                <a:spcPts val="0"/>
-              </a:spcAft>
-              <a:buClrTx/>
-              <a:buSzTx/>
-              <a:buFontTx/>
-              <a:buNone/>
-              <a:tabLst/>
-              <a:defRPr/>
-            </a:pPr>
-            <a:endParaRPr lang="en-US" b="0" i="0" dirty="0">
-              <a:solidFill>
-                <a:srgbClr val="292929"/>
-              </a:solidFill>
-              <a:effectLst/>
-              <a:latin typeface="charter"/>
-            </a:endParaRPr>
-          </a:p>
-          <a:p>
-            <a:pPr marL="0" marR="0" lvl="0" indent="0" algn="l" defTabSz="914400" rtl="0" eaLnBrk="1" fontAlgn="auto" latinLnBrk="0" hangingPunct="1">
-              <a:lnSpc>
-                <a:spcPct val="100000"/>
-              </a:lnSpc>
-              <a:spcBef>
-                <a:spcPts val="0"/>
-              </a:spcBef>
-              <a:spcAft>
-                <a:spcPts val="0"/>
-              </a:spcAft>
-              <a:buClrTx/>
-              <a:buSzTx/>
-              <a:buFontTx/>
-              <a:buNone/>
-              <a:tabLst/>
-              <a:defRPr/>
-            </a:pPr>
-            <a:endParaRPr lang="en-US" b="0" i="0" dirty="0">
-              <a:solidFill>
-                <a:srgbClr val="292929"/>
-              </a:solidFill>
-              <a:effectLst/>
-              <a:latin typeface="charter"/>
-            </a:endParaRPr>
+            <a:endParaRPr lang="en-US" dirty="0"/>
           </a:p>
         </p:txBody>
       </p:sp>
@@ -1200,7 +1121,7 @@
           <a:p>
             <a:fld id="{3148858F-F1DB-4027-9C85-CCA6849540DD}" type="slidenum">
               <a:rPr lang="en-US" smtClean="0"/>
-              <a:t>17</a:t>
+              <a:t>13</a:t>
             </a:fld>
             <a:endParaRPr lang="en-US"/>
           </a:p>
@@ -1209,7 +1130,7 @@
     </p:spTree>
     <p:extLst>
       <p:ext uri="{BB962C8B-B14F-4D97-AF65-F5344CB8AC3E}">
-        <p14:creationId xmlns:p14="http://schemas.microsoft.com/office/powerpoint/2010/main" val="1875875773"/>
+        <p14:creationId xmlns:p14="http://schemas.microsoft.com/office/powerpoint/2010/main" val="665525230"/>
       </p:ext>
     </p:extLst>
   </p:cSld>
@@ -1301,7 +1222,7 @@
           <a:p>
             <a:fld id="{3148858F-F1DB-4027-9C85-CCA6849540DD}" type="slidenum">
               <a:rPr lang="en-US" smtClean="0"/>
-              <a:t>18</a:t>
+              <a:t>14</a:t>
             </a:fld>
             <a:endParaRPr lang="en-US"/>
           </a:p>
@@ -1310,7 +1231,7 @@
     </p:spTree>
     <p:extLst>
       <p:ext uri="{BB962C8B-B14F-4D97-AF65-F5344CB8AC3E}">
-        <p14:creationId xmlns:p14="http://schemas.microsoft.com/office/powerpoint/2010/main" val="480757036"/>
+        <p14:creationId xmlns:p14="http://schemas.microsoft.com/office/powerpoint/2010/main" val="1985664105"/>
       </p:ext>
     </p:extLst>
   </p:cSld>
@@ -1364,145 +1285,34 @@
           <a:bodyPr/>
           <a:lstStyle/>
           <a:p>
-            <a:pPr algn="l"/>
-            <a:r>
-              <a:rPr lang="en-US" b="0" i="0" dirty="0">
-                <a:solidFill>
-                  <a:srgbClr val="292929"/>
-                </a:solidFill>
-                <a:effectLst/>
-                <a:latin typeface="charter"/>
-              </a:rPr>
-              <a:t>The basic idea behind </a:t>
-            </a:r>
-            <a:r>
-              <a:rPr lang="en-US" b="0" i="1" dirty="0">
-                <a:solidFill>
-                  <a:srgbClr val="292929"/>
-                </a:solidFill>
-                <a:effectLst/>
-                <a:latin typeface="charter"/>
-              </a:rPr>
-              <a:t>multi-head attention </a:t>
-            </a:r>
-            <a:r>
-              <a:rPr lang="en-US" b="0" i="0" dirty="0">
-                <a:solidFill>
-                  <a:srgbClr val="292929"/>
-                </a:solidFill>
-                <a:effectLst/>
-                <a:latin typeface="charter"/>
-              </a:rPr>
-              <a:t>is that a specific word in a sequence can be viewed in multiple ways.  Consider, for example, the three questions asked here, with each </a:t>
-            </a:r>
-            <a:r>
-              <a:rPr lang="en-US" b="1" i="0" dirty="0">
-                <a:solidFill>
-                  <a:srgbClr val="292929"/>
-                </a:solidFill>
-                <a:effectLst/>
-                <a:latin typeface="charter"/>
-              </a:rPr>
-              <a:t>attention head </a:t>
-            </a:r>
-            <a:r>
-              <a:rPr lang="en-US" b="0" i="0" dirty="0">
-                <a:solidFill>
-                  <a:srgbClr val="292929"/>
-                </a:solidFill>
-                <a:effectLst/>
-                <a:latin typeface="charter"/>
-              </a:rPr>
-              <a:t>being a different color – red, green, blue.   As shown here, attention changes, depending on the head and the question it asks.  With the green head, attention is on the first word, in response to the question of who did the action.  With the red head, attention shifts to the second word in response to the question – ‘Did what?’  And finally, the last word is the focus of attention in the blue head, in response to the question – ‘To whom?’.</a:t>
-            </a:r>
-          </a:p>
-          <a:p>
-            <a:pPr algn="l"/>
-            <a:endParaRPr lang="en-US" b="0" i="0" dirty="0">
-              <a:solidFill>
-                <a:srgbClr val="292929"/>
-              </a:solidFill>
-              <a:effectLst/>
-              <a:latin typeface="charter"/>
-            </a:endParaRPr>
-          </a:p>
-          <a:p>
-            <a:pPr algn="l"/>
-            <a:r>
-              <a:rPr lang="en-US" b="0" i="0" dirty="0">
-                <a:solidFill>
-                  <a:srgbClr val="292929"/>
-                </a:solidFill>
-                <a:effectLst/>
-                <a:latin typeface="charter"/>
-              </a:rPr>
-              <a:t>Of course, the translation of a given word to another language may vary, depending on the answer to each question.</a:t>
-            </a:r>
-          </a:p>
-          <a:p>
-            <a:pPr algn="l"/>
-            <a:endParaRPr lang="en-US" b="0" i="0" dirty="0">
-              <a:solidFill>
-                <a:srgbClr val="292929"/>
-              </a:solidFill>
-              <a:effectLst/>
-              <a:latin typeface="charter"/>
-            </a:endParaRPr>
-          </a:p>
-          <a:p>
-            <a:pPr algn="l"/>
-            <a:r>
-              <a:rPr lang="en-US" b="0" i="0" dirty="0">
-                <a:solidFill>
-                  <a:srgbClr val="292929"/>
-                </a:solidFill>
-                <a:effectLst/>
-                <a:latin typeface="charter"/>
-              </a:rPr>
-              <a:t>=====</a:t>
-            </a:r>
-          </a:p>
-          <a:p>
-            <a:pPr algn="l"/>
-            <a:endParaRPr lang="en-US" b="0" i="0" dirty="0">
-              <a:solidFill>
-                <a:srgbClr val="292929"/>
-              </a:solidFill>
-              <a:effectLst/>
-              <a:latin typeface="charter"/>
-            </a:endParaRPr>
-          </a:p>
-          <a:p>
-            <a:pPr algn="l"/>
-            <a:r>
-              <a:rPr lang="en-US" b="0" i="0" dirty="0">
-                <a:solidFill>
-                  <a:srgbClr val="292929"/>
-                </a:solidFill>
-                <a:effectLst/>
-                <a:latin typeface="charter"/>
-              </a:rPr>
-              <a:t>For example, instead of only paying attention to each other in one dimension, Transformers use the concept of </a:t>
-            </a:r>
-            <a:r>
-              <a:rPr lang="en-US" b="0" i="0" dirty="0" err="1">
-                <a:solidFill>
-                  <a:srgbClr val="292929"/>
-                </a:solidFill>
-                <a:effectLst/>
-                <a:latin typeface="charter"/>
-              </a:rPr>
-              <a:t>Multihead</a:t>
-            </a:r>
-            <a:r>
-              <a:rPr lang="en-US" b="0" i="0" dirty="0">
-                <a:solidFill>
-                  <a:srgbClr val="292929"/>
-                </a:solidFill>
-                <a:effectLst/>
-                <a:latin typeface="charter"/>
-              </a:rPr>
-              <a:t> attention. The idea behind it is that whenever you are translating a word, you may pay different attention to each word based on the type of question that you are asking. The images below show what that means. For example, whenever you are translating “kicked” in the sentence “I kicked the ball”, you may ask “Who kicked”. Depending on the answer, the translation of the word to another language can change. Or ask other questions, like “Did what?”, etc…</a:t>
+            <a:pPr marL="0" marR="0" lvl="0" indent="0" algn="l" defTabSz="914400" rtl="0" eaLnBrk="1" fontAlgn="auto" latinLnBrk="0" hangingPunct="1">
+              <a:lnSpc>
+                <a:spcPct val="100000"/>
+              </a:lnSpc>
+              <a:spcBef>
+                <a:spcPts val="0"/>
+              </a:spcBef>
+              <a:spcAft>
+                <a:spcPts val="0"/>
+              </a:spcAft>
+              <a:buClrTx/>
+              <a:buSzTx/>
+              <a:buFontTx/>
+              <a:buNone/>
+              <a:tabLst/>
+              <a:defRPr/>
+            </a:pPr>
+            <a:r>
+              <a:rPr lang="en-US" dirty="0"/>
+              <a:t>Okay – let’s take everything we’ve learned so far and construct a transformer.  We begin with a quick review.  Attention is a relatively simple idea.  Rather than produce a single (or final) hidden state to represent an input sequence, the encoder outputs a hidden state at each step, with all states accessible to the decoder.  As shown here, the hidden state for each word in the English sentence is available to the 2</a:t>
+            </a:r>
+            <a:r>
+              <a:rPr lang="en-US" baseline="30000" dirty="0"/>
+              <a:t>nd</a:t>
+            </a:r>
+            <a:r>
+              <a:rPr lang="en-US" dirty="0"/>
+              <a:t> decoder cell.  </a:t>
             </a:r>
           </a:p>
           <a:p>
@@ -1525,6 +1335,138 @@
             </a:pPr>
             <a:endParaRPr lang="en-US" dirty="0"/>
           </a:p>
+          <a:p>
+            <a:pPr marL="0" marR="0" lvl="0" indent="0" algn="l" defTabSz="914400" rtl="0" eaLnBrk="1" fontAlgn="auto" latinLnBrk="0" hangingPunct="1">
+              <a:lnSpc>
+                <a:spcPct val="100000"/>
+              </a:lnSpc>
+              <a:spcBef>
+                <a:spcPts val="0"/>
+              </a:spcBef>
+              <a:spcAft>
+                <a:spcPts val="0"/>
+              </a:spcAft>
+              <a:buClrTx/>
+              <a:buSzTx/>
+              <a:buFontTx/>
+              <a:buNone/>
+              <a:tabLst/>
+              <a:defRPr/>
+            </a:pPr>
+            <a:r>
+              <a:rPr lang="en-US" dirty="0"/>
+              <a:t>This strategy works well for short sentences, but it breaks down when a sequence is long.  Accessing thousands of hidden states at the same time creates a lot of work for the decoder.   Attention reduces this workload by assigning a different amount of weight or “attention” to each state.  </a:t>
+            </a:r>
+          </a:p>
+          <a:p>
+            <a:pPr marL="0" marR="0" lvl="0" indent="0" algn="l" defTabSz="914400" rtl="0" eaLnBrk="1" fontAlgn="auto" latinLnBrk="0" hangingPunct="1">
+              <a:lnSpc>
+                <a:spcPct val="100000"/>
+              </a:lnSpc>
+              <a:spcBef>
+                <a:spcPts val="0"/>
+              </a:spcBef>
+              <a:spcAft>
+                <a:spcPts val="0"/>
+              </a:spcAft>
+              <a:buClrTx/>
+              <a:buSzTx/>
+              <a:buFontTx/>
+              <a:buNone/>
+              <a:tabLst/>
+              <a:defRPr/>
+            </a:pPr>
+            <a:endParaRPr lang="en-US" dirty="0"/>
+          </a:p>
+          <a:p>
+            <a:pPr marL="0" marR="0" lvl="0" indent="0" algn="l" defTabSz="914400" rtl="0" eaLnBrk="1" fontAlgn="auto" latinLnBrk="0" hangingPunct="1">
+              <a:lnSpc>
+                <a:spcPct val="100000"/>
+              </a:lnSpc>
+              <a:spcBef>
+                <a:spcPts val="0"/>
+              </a:spcBef>
+              <a:spcAft>
+                <a:spcPts val="0"/>
+              </a:spcAft>
+              <a:buClrTx/>
+              <a:buSzTx/>
+              <a:buFontTx/>
+              <a:buNone/>
+              <a:tabLst/>
+              <a:defRPr/>
+            </a:pPr>
+            <a:r>
+              <a:rPr lang="en-US" dirty="0"/>
+              <a:t>===== </a:t>
+            </a:r>
+          </a:p>
+          <a:p>
+            <a:pPr marL="0" marR="0" lvl="0" indent="0" algn="l" defTabSz="914400" rtl="0" eaLnBrk="1" fontAlgn="auto" latinLnBrk="0" hangingPunct="1">
+              <a:lnSpc>
+                <a:spcPct val="100000"/>
+              </a:lnSpc>
+              <a:spcBef>
+                <a:spcPts val="0"/>
+              </a:spcBef>
+              <a:spcAft>
+                <a:spcPts val="0"/>
+              </a:spcAft>
+              <a:buClrTx/>
+              <a:buSzTx/>
+              <a:buFontTx/>
+              <a:buNone/>
+              <a:tabLst/>
+              <a:defRPr/>
+            </a:pPr>
+            <a:r>
+              <a:rPr lang="en-US" dirty="0"/>
+              <a:t>The key idea behind attention is as follows:  rather than produce a single (or final) hidden state to represent an input sequence, the encoder outputs a hidden state at each step, with all states accessible to the decoder.  However, using all those states at the same time would create a huge input for the decoder.  Thus, we need a mechanism to prioritize which states to use.  Attention does just that.  It lets the decoder assign a different amount of weight, or “attention,” to each of the encoder states at each decoding timestep.  The role of attention is shown here as the decoder predicts the second token in an output sequence.</a:t>
+            </a:r>
+          </a:p>
+          <a:p>
+            <a:pPr marL="0" marR="0" lvl="0" indent="0" algn="l" defTabSz="914400" rtl="0" eaLnBrk="1" fontAlgn="auto" latinLnBrk="0" hangingPunct="1">
+              <a:lnSpc>
+                <a:spcPct val="100000"/>
+              </a:lnSpc>
+              <a:spcBef>
+                <a:spcPts val="0"/>
+              </a:spcBef>
+              <a:spcAft>
+                <a:spcPts val="0"/>
+              </a:spcAft>
+              <a:buClrTx/>
+              <a:buSzTx/>
+              <a:buFontTx/>
+              <a:buNone/>
+              <a:tabLst/>
+              <a:defRPr/>
+            </a:pPr>
+            <a:endParaRPr lang="en-US" dirty="0"/>
+          </a:p>
+          <a:p>
+            <a:pPr marL="0" marR="0" lvl="0" indent="0" algn="l" defTabSz="914400" rtl="0" eaLnBrk="1" fontAlgn="auto" latinLnBrk="0" hangingPunct="1">
+              <a:lnSpc>
+                <a:spcPct val="100000"/>
+              </a:lnSpc>
+              <a:spcBef>
+                <a:spcPts val="0"/>
+              </a:spcBef>
+              <a:spcAft>
+                <a:spcPts val="0"/>
+              </a:spcAft>
+              <a:buClrTx/>
+              <a:buSzTx/>
+              <a:buFontTx/>
+              <a:buNone/>
+              <a:tabLst/>
+              <a:defRPr/>
+            </a:pPr>
+            <a:r>
+              <a:rPr lang="en-US" dirty="0"/>
+              <a:t>By focusing on which input tokens are most relevant at each timestep, attention-based models can learn nontrivial alignments between the words in a generated translation and those in a source sentence. </a:t>
+            </a:r>
+          </a:p>
         </p:txBody>
       </p:sp>
       <p:sp>
@@ -1544,7 +1486,7 @@
           <a:p>
             <a:fld id="{3148858F-F1DB-4027-9C85-CCA6849540DD}" type="slidenum">
               <a:rPr lang="en-US" smtClean="0"/>
-              <a:t>19</a:t>
+              <a:t>15</a:t>
             </a:fld>
             <a:endParaRPr lang="en-US"/>
           </a:p>
@@ -1553,7 +1495,7 @@
     </p:spTree>
     <p:extLst>
       <p:ext uri="{BB962C8B-B14F-4D97-AF65-F5344CB8AC3E}">
-        <p14:creationId xmlns:p14="http://schemas.microsoft.com/office/powerpoint/2010/main" val="665525230"/>
+        <p14:creationId xmlns:p14="http://schemas.microsoft.com/office/powerpoint/2010/main" val="4057235265"/>
       </p:ext>
     </p:extLst>
   </p:cSld>
@@ -1624,6 +1566,57 @@
               <a:tabLst/>
               <a:defRPr/>
             </a:pPr>
+            <a:r>
+              <a:rPr lang="en-US" dirty="0"/>
+              <a:t>Transformers took attention to the next level.  The architecture drops recurrence altogether and uses a special form of attention called </a:t>
+            </a:r>
+            <a:r>
+              <a:rPr lang="en-US" b="1" dirty="0"/>
+              <a:t>self-attention</a:t>
+            </a:r>
+            <a:r>
+              <a:rPr lang="en-US" dirty="0"/>
+              <a:t>.  As shown here, both the encoder and decoder have their own self-attention mechanisms, with their outputs fed to feed-forward neural networks (FF NNs).  </a:t>
+            </a:r>
+          </a:p>
+          <a:p>
+            <a:pPr marL="0" marR="0" lvl="0" indent="0" algn="l" defTabSz="914400" rtl="0" eaLnBrk="1" fontAlgn="auto" latinLnBrk="0" hangingPunct="1">
+              <a:lnSpc>
+                <a:spcPct val="100000"/>
+              </a:lnSpc>
+              <a:spcBef>
+                <a:spcPts val="0"/>
+              </a:spcBef>
+              <a:spcAft>
+                <a:spcPts val="0"/>
+              </a:spcAft>
+              <a:buClrTx/>
+              <a:buSzTx/>
+              <a:buFontTx/>
+              <a:buNone/>
+              <a:tabLst/>
+              <a:defRPr/>
+            </a:pPr>
+            <a:endParaRPr lang="en-US" dirty="0"/>
+          </a:p>
+          <a:p>
+            <a:pPr marL="0" marR="0" lvl="0" indent="0" algn="l" defTabSz="914400" rtl="0" eaLnBrk="1" fontAlgn="auto" latinLnBrk="0" hangingPunct="1">
+              <a:lnSpc>
+                <a:spcPct val="100000"/>
+              </a:lnSpc>
+              <a:spcBef>
+                <a:spcPts val="0"/>
+              </a:spcBef>
+              <a:spcAft>
+                <a:spcPts val="0"/>
+              </a:spcAft>
+              <a:buClrTx/>
+              <a:buSzTx/>
+              <a:buFontTx/>
+              <a:buNone/>
+              <a:tabLst/>
+              <a:defRPr/>
+            </a:pPr>
             <a:endParaRPr lang="en-US" dirty="0"/>
           </a:p>
         </p:txBody>
@@ -1645,7 +1638,7 @@
           <a:p>
             <a:fld id="{3148858F-F1DB-4027-9C85-CCA6849540DD}" type="slidenum">
               <a:rPr lang="en-US" smtClean="0"/>
-              <a:t>20</a:t>
+              <a:t>16</a:t>
             </a:fld>
             <a:endParaRPr lang="en-US"/>
           </a:p>
@@ -1654,7 +1647,7 @@
     </p:spTree>
     <p:extLst>
       <p:ext uri="{BB962C8B-B14F-4D97-AF65-F5344CB8AC3E}">
-        <p14:creationId xmlns:p14="http://schemas.microsoft.com/office/powerpoint/2010/main" val="3333302820"/>
+        <p14:creationId xmlns:p14="http://schemas.microsoft.com/office/powerpoint/2010/main" val="627985707"/>
       </p:ext>
     </p:extLst>
   </p:cSld>
@@ -1725,7 +1718,120 @@
               <a:tabLst/>
               <a:defRPr/>
             </a:pPr>
-            <a:endParaRPr lang="en-US" dirty="0"/>
+            <a:r>
+              <a:rPr lang="en-US" b="0" i="0" dirty="0">
+                <a:solidFill>
+                  <a:srgbClr val="292929"/>
+                </a:solidFill>
+                <a:effectLst/>
+                <a:latin typeface="charter"/>
+              </a:rPr>
+              <a:t>Let’s simulate the self-attention mechanism of our simple English/German translator.  Rather than encode the whole sentence in a single hidden state, each word’s hidden state is passed to the decoder.  All these hidden states, in turn, are then used at each step of the decoding process.  </a:t>
+            </a:r>
+          </a:p>
+          <a:p>
+            <a:pPr marL="0" marR="0" lvl="0" indent="0" algn="l" defTabSz="914400" rtl="0" eaLnBrk="1" fontAlgn="auto" latinLnBrk="0" hangingPunct="1">
+              <a:lnSpc>
+                <a:spcPct val="100000"/>
+              </a:lnSpc>
+              <a:spcBef>
+                <a:spcPts val="0"/>
+              </a:spcBef>
+              <a:spcAft>
+                <a:spcPts val="0"/>
+              </a:spcAft>
+              <a:buClrTx/>
+              <a:buSzTx/>
+              <a:buFontTx/>
+              <a:buNone/>
+              <a:tabLst/>
+              <a:defRPr/>
+            </a:pPr>
+            <a:endParaRPr lang="en-US" b="0" i="0" dirty="0">
+              <a:solidFill>
+                <a:srgbClr val="292929"/>
+              </a:solidFill>
+              <a:effectLst/>
+              <a:latin typeface="charter"/>
+            </a:endParaRPr>
+          </a:p>
+          <a:p>
+            <a:pPr marL="0" marR="0" lvl="0" indent="0" algn="l" defTabSz="914400" rtl="0" eaLnBrk="1" fontAlgn="auto" latinLnBrk="0" hangingPunct="1">
+              <a:lnSpc>
+                <a:spcPct val="100000"/>
+              </a:lnSpc>
+              <a:spcBef>
+                <a:spcPts val="0"/>
+              </a:spcBef>
+              <a:spcAft>
+                <a:spcPts val="0"/>
+              </a:spcAft>
+              <a:buClrTx/>
+              <a:buSzTx/>
+              <a:buFontTx/>
+              <a:buNone/>
+              <a:tabLst/>
+              <a:defRPr/>
+            </a:pPr>
+            <a:endParaRPr lang="en-US" b="0" i="0" dirty="0">
+              <a:solidFill>
+                <a:srgbClr val="292929"/>
+              </a:solidFill>
+              <a:effectLst/>
+              <a:latin typeface="charter"/>
+            </a:endParaRPr>
+          </a:p>
+          <a:p>
+            <a:pPr marL="0" marR="0" lvl="0" indent="0" algn="l" defTabSz="914400" rtl="0" eaLnBrk="1" fontAlgn="auto" latinLnBrk="0" hangingPunct="1">
+              <a:lnSpc>
+                <a:spcPct val="100000"/>
+              </a:lnSpc>
+              <a:spcBef>
+                <a:spcPts val="0"/>
+              </a:spcBef>
+              <a:spcAft>
+                <a:spcPts val="0"/>
+              </a:spcAft>
+              <a:buClrTx/>
+              <a:buSzTx/>
+              <a:buFontTx/>
+              <a:buNone/>
+              <a:tabLst/>
+              <a:defRPr/>
+            </a:pPr>
+            <a:endParaRPr lang="en-US" b="0" i="0" dirty="0">
+              <a:solidFill>
+                <a:srgbClr val="292929"/>
+              </a:solidFill>
+              <a:effectLst/>
+              <a:latin typeface="charter"/>
+            </a:endParaRPr>
+          </a:p>
+          <a:p>
+            <a:pPr marL="0" marR="0" lvl="0" indent="0" algn="l" defTabSz="914400" rtl="0" eaLnBrk="1" fontAlgn="auto" latinLnBrk="0" hangingPunct="1">
+              <a:lnSpc>
+                <a:spcPct val="100000"/>
+              </a:lnSpc>
+              <a:spcBef>
+                <a:spcPts val="0"/>
+              </a:spcBef>
+              <a:spcAft>
+                <a:spcPts val="0"/>
+              </a:spcAft>
+              <a:buClrTx/>
+              <a:buSzTx/>
+              <a:buFontTx/>
+              <a:buNone/>
+              <a:tabLst/>
+              <a:defRPr/>
+            </a:pPr>
+            <a:endParaRPr lang="en-US" b="0" i="0" dirty="0">
+              <a:solidFill>
+                <a:srgbClr val="292929"/>
+              </a:solidFill>
+              <a:effectLst/>
+              <a:latin typeface="charter"/>
+            </a:endParaRPr>
           </a:p>
         </p:txBody>
       </p:sp>
@@ -1746,7 +1852,7 @@
           <a:p>
             <a:fld id="{3148858F-F1DB-4027-9C85-CCA6849540DD}" type="slidenum">
               <a:rPr lang="en-US" smtClean="0"/>
-              <a:t>21</a:t>
+              <a:t>17</a:t>
             </a:fld>
             <a:endParaRPr lang="en-US"/>
           </a:p>
@@ -1755,7 +1861,7 @@
     </p:spTree>
     <p:extLst>
       <p:ext uri="{BB962C8B-B14F-4D97-AF65-F5344CB8AC3E}">
-        <p14:creationId xmlns:p14="http://schemas.microsoft.com/office/powerpoint/2010/main" val="4095264016"/>
+        <p14:creationId xmlns:p14="http://schemas.microsoft.com/office/powerpoint/2010/main" val="1875875773"/>
       </p:ext>
     </p:extLst>
   </p:cSld>
@@ -1809,6 +1915,90 @@
           <a:bodyPr/>
           <a:lstStyle/>
           <a:p>
+            <a:endParaRPr lang="en-US" dirty="0"/>
+          </a:p>
+        </p:txBody>
+      </p:sp>
+      <p:sp>
+        <p:nvSpPr>
+          <p:cNvPr id="4" name="Slide Number Placeholder 3"/>
+          <p:cNvSpPr>
+            <a:spLocks noGrp="1"/>
+          </p:cNvSpPr>
+          <p:nvPr>
+            <p:ph type="sldNum" sz="quarter" idx="5"/>
+          </p:nvPr>
+        </p:nvSpPr>
+        <p:spPr/>
+        <p:txBody>
+          <a:bodyPr/>
+          <a:lstStyle/>
+          <a:p>
+            <a:fld id="{3148858F-F1DB-4027-9C85-CCA6849540DD}" type="slidenum">
+              <a:rPr lang="en-US" smtClean="0"/>
+              <a:t>21</a:t>
+            </a:fld>
+            <a:endParaRPr lang="en-US"/>
+          </a:p>
+        </p:txBody>
+      </p:sp>
+    </p:spTree>
+    <p:extLst>
+      <p:ext uri="{BB962C8B-B14F-4D97-AF65-F5344CB8AC3E}">
+        <p14:creationId xmlns:p14="http://schemas.microsoft.com/office/powerpoint/2010/main" val="375168903"/>
+      </p:ext>
+    </p:extLst>
+  </p:cSld>
+  <p:clrMapOvr>
+    <a:masterClrMapping/>
+  </p:clrMapOvr>
+</p:notes>
+</file>
+
+<file path=ppt/notesSlides/notesSlide18.xml><?xml version="1.0" encoding="utf-8"?>
+<p:notes xmlns:a="http://schemas.openxmlformats.org/drawingml/2006/main" xmlns:r="http://schemas.openxmlformats.org/officeDocument/2006/relationships" xmlns:p="http://schemas.openxmlformats.org/presentationml/2006/main">
+  <p:cSld>
+    <p:spTree>
+      <p:nvGrpSpPr>
+        <p:cNvPr id="1" name=""/>
+        <p:cNvGrpSpPr/>
+        <p:nvPr/>
+      </p:nvGrpSpPr>
+      <p:grpSpPr>
+        <a:xfrm>
+          <a:off x="0" y="0"/>
+          <a:ext cx="0" cy="0"/>
+          <a:chOff x="0" y="0"/>
+          <a:chExt cx="0" cy="0"/>
+        </a:xfrm>
+      </p:grpSpPr>
+      <p:sp>
+        <p:nvSpPr>
+          <p:cNvPr id="2" name="Slide Image Placeholder 1"/>
+          <p:cNvSpPr>
+            <a:spLocks noGrp="1" noRot="1" noChangeAspect="1"/>
+          </p:cNvSpPr>
+          <p:nvPr>
+            <p:ph type="sldImg"/>
+          </p:nvPr>
+        </p:nvSpPr>
+        <p:spPr/>
+      </p:sp>
+      <p:sp>
+        <p:nvSpPr>
+          <p:cNvPr id="3" name="Notes Placeholder 2"/>
+          <p:cNvSpPr>
+            <a:spLocks noGrp="1"/>
+          </p:cNvSpPr>
+          <p:nvPr>
+            <p:ph type="body" idx="1"/>
+          </p:nvPr>
+        </p:nvSpPr>
+        <p:spPr/>
+        <p:txBody>
+          <a:bodyPr/>
+          <a:lstStyle/>
+          <a:p>
             <a:pPr marL="0" marR="0" lvl="0" indent="0" algn="l" defTabSz="914400" rtl="0" eaLnBrk="1" fontAlgn="auto" latinLnBrk="0" hangingPunct="1">
               <a:lnSpc>
                 <a:spcPct val="100000"/>
@@ -1826,36 +2016,6 @@
               <a:tabLst/>
               <a:defRPr/>
             </a:pPr>
-            <a:r>
-              <a:rPr lang="en-US" b="0" i="0" dirty="0">
-                <a:solidFill>
-                  <a:srgbClr val="292929"/>
-                </a:solidFill>
-                <a:effectLst/>
-                <a:latin typeface="charter"/>
-              </a:rPr>
-              <a:t>We end this mini-lecture with another simulation.  Here we see how a decoder differs in the level of attention it pays to the words in a French sentence as it </a:t>
-            </a:r>
-            <a:r>
-              <a:rPr lang="en-US" b="0" i="0">
-                <a:solidFill>
-                  <a:srgbClr val="292929"/>
-                </a:solidFill>
-                <a:effectLst/>
-                <a:latin typeface="charter"/>
-              </a:rPr>
-              <a:t>predicts English equivalents.  </a:t>
-            </a:r>
-            <a:r>
-              <a:rPr lang="en-US" b="0" i="0" dirty="0">
-                <a:solidFill>
-                  <a:srgbClr val="757575"/>
-                </a:solidFill>
-                <a:effectLst/>
-                <a:latin typeface="sohne"/>
-              </a:rPr>
-              <a:t>This animation shows the weight given to each hidden state when translating the sentence “Je suis étudiant” to English. The darker the color, the more weight given to the associated word(s).</a:t>
-            </a:r>
             <a:endParaRPr lang="en-US" dirty="0"/>
           </a:p>
         </p:txBody>
@@ -1886,7 +2046,108 @@
     </p:spTree>
     <p:extLst>
       <p:ext uri="{BB962C8B-B14F-4D97-AF65-F5344CB8AC3E}">
-        <p14:creationId xmlns:p14="http://schemas.microsoft.com/office/powerpoint/2010/main" val="88383915"/>
+        <p14:creationId xmlns:p14="http://schemas.microsoft.com/office/powerpoint/2010/main" val="3333302820"/>
+      </p:ext>
+    </p:extLst>
+  </p:cSld>
+  <p:clrMapOvr>
+    <a:masterClrMapping/>
+  </p:clrMapOvr>
+</p:notes>
+</file>
+
+<file path=ppt/notesSlides/notesSlide19.xml><?xml version="1.0" encoding="utf-8"?>
+<p:notes xmlns:a="http://schemas.openxmlformats.org/drawingml/2006/main" xmlns:r="http://schemas.openxmlformats.org/officeDocument/2006/relationships" xmlns:p="http://schemas.openxmlformats.org/presentationml/2006/main">
+  <p:cSld>
+    <p:spTree>
+      <p:nvGrpSpPr>
+        <p:cNvPr id="1" name=""/>
+        <p:cNvGrpSpPr/>
+        <p:nvPr/>
+      </p:nvGrpSpPr>
+      <p:grpSpPr>
+        <a:xfrm>
+          <a:off x="0" y="0"/>
+          <a:ext cx="0" cy="0"/>
+          <a:chOff x="0" y="0"/>
+          <a:chExt cx="0" cy="0"/>
+        </a:xfrm>
+      </p:grpSpPr>
+      <p:sp>
+        <p:nvSpPr>
+          <p:cNvPr id="2" name="Slide Image Placeholder 1"/>
+          <p:cNvSpPr>
+            <a:spLocks noGrp="1" noRot="1" noChangeAspect="1"/>
+          </p:cNvSpPr>
+          <p:nvPr>
+            <p:ph type="sldImg"/>
+          </p:nvPr>
+        </p:nvSpPr>
+        <p:spPr/>
+      </p:sp>
+      <p:sp>
+        <p:nvSpPr>
+          <p:cNvPr id="3" name="Notes Placeholder 2"/>
+          <p:cNvSpPr>
+            <a:spLocks noGrp="1"/>
+          </p:cNvSpPr>
+          <p:nvPr>
+            <p:ph type="body" idx="1"/>
+          </p:nvPr>
+        </p:nvSpPr>
+        <p:spPr/>
+        <p:txBody>
+          <a:bodyPr/>
+          <a:lstStyle/>
+          <a:p>
+            <a:pPr marL="0" marR="0" lvl="0" indent="0" algn="l" defTabSz="914400" rtl="0" eaLnBrk="1" fontAlgn="auto" latinLnBrk="0" hangingPunct="1">
+              <a:lnSpc>
+                <a:spcPct val="100000"/>
+              </a:lnSpc>
+              <a:spcBef>
+                <a:spcPts val="0"/>
+              </a:spcBef>
+              <a:spcAft>
+                <a:spcPts val="0"/>
+              </a:spcAft>
+              <a:buClrTx/>
+              <a:buSzTx/>
+              <a:buFontTx/>
+              <a:buNone/>
+              <a:tabLst/>
+              <a:defRPr/>
+            </a:pPr>
+            <a:endParaRPr lang="en-US" dirty="0"/>
+          </a:p>
+        </p:txBody>
+      </p:sp>
+      <p:sp>
+        <p:nvSpPr>
+          <p:cNvPr id="4" name="Slide Number Placeholder 3"/>
+          <p:cNvSpPr>
+            <a:spLocks noGrp="1"/>
+          </p:cNvSpPr>
+          <p:nvPr>
+            <p:ph type="sldNum" sz="quarter" idx="5"/>
+          </p:nvPr>
+        </p:nvSpPr>
+        <p:spPr/>
+        <p:txBody>
+          <a:bodyPr/>
+          <a:lstStyle/>
+          <a:p>
+            <a:fld id="{3148858F-F1DB-4027-9C85-CCA6849540DD}" type="slidenum">
+              <a:rPr lang="en-US" smtClean="0"/>
+              <a:t>23</a:t>
+            </a:fld>
+            <a:endParaRPr lang="en-US"/>
+          </a:p>
+        </p:txBody>
+      </p:sp>
+    </p:spTree>
+    <p:extLst>
+      <p:ext uri="{BB962C8B-B14F-4D97-AF65-F5344CB8AC3E}">
+        <p14:creationId xmlns:p14="http://schemas.microsoft.com/office/powerpoint/2010/main" val="4095264016"/>
       </p:ext>
     </p:extLst>
   </p:cSld>
@@ -1975,6 +2236,137 @@
     <p:extLst>
       <p:ext uri="{BB962C8B-B14F-4D97-AF65-F5344CB8AC3E}">
         <p14:creationId xmlns:p14="http://schemas.microsoft.com/office/powerpoint/2010/main" val="1570214374"/>
+      </p:ext>
+    </p:extLst>
+  </p:cSld>
+  <p:clrMapOvr>
+    <a:masterClrMapping/>
+  </p:clrMapOvr>
+</p:notes>
+</file>
+
+<file path=ppt/notesSlides/notesSlide20.xml><?xml version="1.0" encoding="utf-8"?>
+<p:notes xmlns:a="http://schemas.openxmlformats.org/drawingml/2006/main" xmlns:r="http://schemas.openxmlformats.org/officeDocument/2006/relationships" xmlns:p="http://schemas.openxmlformats.org/presentationml/2006/main">
+  <p:cSld>
+    <p:spTree>
+      <p:nvGrpSpPr>
+        <p:cNvPr id="1" name=""/>
+        <p:cNvGrpSpPr/>
+        <p:nvPr/>
+      </p:nvGrpSpPr>
+      <p:grpSpPr>
+        <a:xfrm>
+          <a:off x="0" y="0"/>
+          <a:ext cx="0" cy="0"/>
+          <a:chOff x="0" y="0"/>
+          <a:chExt cx="0" cy="0"/>
+        </a:xfrm>
+      </p:grpSpPr>
+      <p:sp>
+        <p:nvSpPr>
+          <p:cNvPr id="2" name="Slide Image Placeholder 1"/>
+          <p:cNvSpPr>
+            <a:spLocks noGrp="1" noRot="1" noChangeAspect="1"/>
+          </p:cNvSpPr>
+          <p:nvPr>
+            <p:ph type="sldImg"/>
+          </p:nvPr>
+        </p:nvSpPr>
+        <p:spPr/>
+      </p:sp>
+      <p:sp>
+        <p:nvSpPr>
+          <p:cNvPr id="3" name="Notes Placeholder 2"/>
+          <p:cNvSpPr>
+            <a:spLocks noGrp="1"/>
+          </p:cNvSpPr>
+          <p:nvPr>
+            <p:ph type="body" idx="1"/>
+          </p:nvPr>
+        </p:nvSpPr>
+        <p:spPr/>
+        <p:txBody>
+          <a:bodyPr/>
+          <a:lstStyle/>
+          <a:p>
+            <a:pPr marL="0" marR="0" lvl="0" indent="0" algn="l" defTabSz="914400" rtl="0" eaLnBrk="1" fontAlgn="auto" latinLnBrk="0" hangingPunct="1">
+              <a:lnSpc>
+                <a:spcPct val="100000"/>
+              </a:lnSpc>
+              <a:spcBef>
+                <a:spcPts val="0"/>
+              </a:spcBef>
+              <a:spcAft>
+                <a:spcPts val="0"/>
+              </a:spcAft>
+              <a:buClrTx/>
+              <a:buSzTx/>
+              <a:buFontTx/>
+              <a:buNone/>
+              <a:tabLst/>
+              <a:defRPr/>
+            </a:pPr>
+            <a:r>
+              <a:rPr lang="en-US" b="0" i="0" dirty="0">
+                <a:solidFill>
+                  <a:srgbClr val="292929"/>
+                </a:solidFill>
+                <a:effectLst/>
+                <a:latin typeface="charter"/>
+              </a:rPr>
+              <a:t>We end this mini-lecture with another simulation.  Here we see how a decoder differs in the level of attention it pays to the words in a French sentence as it </a:t>
+            </a:r>
+            <a:r>
+              <a:rPr lang="en-US" b="0" i="0">
+                <a:solidFill>
+                  <a:srgbClr val="292929"/>
+                </a:solidFill>
+                <a:effectLst/>
+                <a:latin typeface="charter"/>
+              </a:rPr>
+              <a:t>predicts English equivalents.  </a:t>
+            </a:r>
+            <a:r>
+              <a:rPr lang="en-US" b="0" i="0" dirty="0">
+                <a:solidFill>
+                  <a:srgbClr val="757575"/>
+                </a:solidFill>
+                <a:effectLst/>
+                <a:latin typeface="sohne"/>
+              </a:rPr>
+              <a:t>This animation shows the weight given to each hidden state when translating the sentence “Je suis étudiant” to English. The darker the color, the more weight given to the associated word(s).</a:t>
+            </a:r>
+            <a:endParaRPr lang="en-US" dirty="0"/>
+          </a:p>
+        </p:txBody>
+      </p:sp>
+      <p:sp>
+        <p:nvSpPr>
+          <p:cNvPr id="4" name="Slide Number Placeholder 3"/>
+          <p:cNvSpPr>
+            <a:spLocks noGrp="1"/>
+          </p:cNvSpPr>
+          <p:nvPr>
+            <p:ph type="sldNum" sz="quarter" idx="5"/>
+          </p:nvPr>
+        </p:nvSpPr>
+        <p:spPr/>
+        <p:txBody>
+          <a:bodyPr/>
+          <a:lstStyle/>
+          <a:p>
+            <a:fld id="{3148858F-F1DB-4027-9C85-CCA6849540DD}" type="slidenum">
+              <a:rPr lang="en-US" smtClean="0"/>
+              <a:t>24</a:t>
+            </a:fld>
+            <a:endParaRPr lang="en-US"/>
+          </a:p>
+        </p:txBody>
+      </p:sp>
+    </p:spTree>
+    <p:extLst>
+      <p:ext uri="{BB962C8B-B14F-4D97-AF65-F5344CB8AC3E}">
+        <p14:creationId xmlns:p14="http://schemas.microsoft.com/office/powerpoint/2010/main" val="88383915"/>
       </p:ext>
     </p:extLst>
   </p:cSld>
@@ -2745,124 +3137,48 @@
           <a:bodyPr/>
           <a:lstStyle/>
           <a:p>
-            <a:pPr marL="0" marR="0" lvl="0" indent="0" algn="l" defTabSz="914400" rtl="0" eaLnBrk="1" fontAlgn="auto" latinLnBrk="0" hangingPunct="1">
-              <a:lnSpc>
-                <a:spcPct val="100000"/>
-              </a:lnSpc>
-              <a:spcBef>
-                <a:spcPts val="0"/>
-              </a:spcBef>
-              <a:spcAft>
-                <a:spcPts val="0"/>
-              </a:spcAft>
-              <a:buClrTx/>
-              <a:buSzTx/>
-              <a:buFontTx/>
+            <a:endParaRPr lang="en-US" dirty="0"/>
+          </a:p>
+          <a:p>
+            <a:pPr marL="228600" indent="-228600">
+              <a:buAutoNum type="arabicPeriod"/>
+            </a:pPr>
+            <a:r>
+              <a:rPr lang="en-US" dirty="0"/>
+              <a:t>The first neural network (red) transforms the tensor for “flies” into a new tensor representing the Query (Q).</a:t>
+            </a:r>
+          </a:p>
+          <a:p>
+            <a:pPr marL="228600" indent="-228600">
+              <a:buAutoNum type="arabicPeriod"/>
+            </a:pPr>
+            <a:r>
+              <a:rPr lang="en-US" dirty="0"/>
+              <a:t>The second neural network (blue) translates the tensor for “arrow” into its Key (K).</a:t>
+            </a:r>
+          </a:p>
+          <a:p>
+            <a:pPr marL="228600" indent="-228600">
+              <a:buAutoNum type="arabicPeriod"/>
+            </a:pPr>
+            <a:r>
+              <a:rPr lang="en-US" dirty="0"/>
+              <a:t>The third neural network (green) translates the tensor for “arrow” into its Value (V).</a:t>
+            </a:r>
+          </a:p>
+          <a:p>
+            <a:pPr marL="0" indent="0">
               <a:buNone/>
-              <a:tabLst/>
-              <a:defRPr/>
-            </a:pPr>
-            <a:r>
-              <a:rPr lang="en-US" dirty="0"/>
-              <a:t>Sometimes we want to pay attention to different combinations of words in a single sentence.  Doing so allows us to gain a more nuanced understanding of its meaning.  The diagram pictured here is of a </a:t>
-            </a:r>
-            <a:r>
-              <a:rPr lang="en-US" b="1" dirty="0"/>
-              <a:t>multi-head attention </a:t>
-            </a:r>
-            <a:r>
-              <a:rPr lang="en-US" b="0" dirty="0"/>
-              <a:t>network.</a:t>
-            </a:r>
-            <a:endParaRPr lang="en-US" b="1" dirty="0"/>
-          </a:p>
-          <a:p>
-            <a:pPr marL="0" marR="0" lvl="0" indent="0" algn="l" defTabSz="914400" rtl="0" eaLnBrk="1" fontAlgn="auto" latinLnBrk="0" hangingPunct="1">
-              <a:lnSpc>
-                <a:spcPct val="100000"/>
-              </a:lnSpc>
-              <a:spcBef>
-                <a:spcPts val="0"/>
-              </a:spcBef>
-              <a:spcAft>
-                <a:spcPts val="0"/>
-              </a:spcAft>
-              <a:buClrTx/>
-              <a:buSzTx/>
-              <a:buFontTx/>
-              <a:buNone/>
-              <a:tabLst/>
-              <a:defRPr/>
             </a:pPr>
             <a:endParaRPr lang="en-US" dirty="0"/>
           </a:p>
           <a:p>
-            <a:pPr marL="228600" marR="0" lvl="0" indent="-228600" algn="l" defTabSz="914400" rtl="0" eaLnBrk="1" fontAlgn="auto" latinLnBrk="0" hangingPunct="1">
-              <a:lnSpc>
-                <a:spcPct val="100000"/>
-              </a:lnSpc>
-              <a:spcBef>
-                <a:spcPts val="0"/>
-              </a:spcBef>
-              <a:spcAft>
-                <a:spcPts val="0"/>
-              </a:spcAft>
-              <a:buClrTx/>
-              <a:buSzTx/>
-              <a:buFontTx/>
-              <a:buAutoNum type="arabicPeriod"/>
-              <a:tabLst/>
-              <a:defRPr/>
+            <a:pPr marL="0" indent="0">
+              <a:buNone/>
             </a:pPr>
             <a:r>
               <a:rPr lang="en-US" dirty="0"/>
-              <a:t>Each head is a distinct attention network.  The more heads we have, the more different aspects of the input they can focus on.</a:t>
-            </a:r>
-          </a:p>
-          <a:p>
-            <a:pPr marL="228600" marR="0" lvl="0" indent="-228600" algn="l" defTabSz="914400" rtl="0" eaLnBrk="1" fontAlgn="auto" latinLnBrk="0" hangingPunct="1">
-              <a:lnSpc>
-                <a:spcPct val="100000"/>
-              </a:lnSpc>
-              <a:spcBef>
-                <a:spcPts val="0"/>
-              </a:spcBef>
-              <a:spcAft>
-                <a:spcPts val="0"/>
-              </a:spcAft>
-              <a:buClrTx/>
-              <a:buSzTx/>
-              <a:buFontTx/>
-              <a:buAutoNum type="arabicPeriod"/>
-              <a:tabLst/>
-              <a:defRPr/>
-            </a:pPr>
-            <a:r>
-              <a:rPr lang="en-US" dirty="0"/>
-              <a:t>We often combine the outputs of the head into a list and then…</a:t>
-            </a:r>
-          </a:p>
-          <a:p>
-            <a:pPr marL="228600" marR="0" lvl="0" indent="-228600" algn="l" defTabSz="914400" rtl="0" eaLnBrk="1" fontAlgn="auto" latinLnBrk="0" hangingPunct="1">
-              <a:lnSpc>
-                <a:spcPct val="100000"/>
-              </a:lnSpc>
-              <a:spcBef>
-                <a:spcPts val="0"/>
-              </a:spcBef>
-              <a:spcAft>
-                <a:spcPts val="0"/>
-              </a:spcAft>
-              <a:buClrTx/>
-              <a:buSzTx/>
-              <a:buFontTx/>
-              <a:buAutoNum type="arabicPeriod"/>
-              <a:tabLst/>
-              <a:defRPr/>
-            </a:pPr>
-            <a:r>
-              <a:rPr lang="en-US" dirty="0"/>
-              <a:t>Run that through a fully connected layer to create an output that is the same shape as the input</a:t>
+              <a:t>In practice, we compare the query for “flies” against the key for every word in the sentence, including “flies” itself.  We compare the query and key to see how alike they are.  And we do this with a scoring function, shown here as an S inside a yellow circle.  This function compares two tensors and produces a single number.  The more alike the two tensors are, the larger the number.  The output from the scoring function is then used to determine how much of the value for “arrow” makes it into the final output.</a:t>
             </a:r>
           </a:p>
         </p:txBody>
@@ -2884,7 +3200,7 @@
           <a:p>
             <a:fld id="{3148858F-F1DB-4027-9C85-CCA6849540DD}" type="slidenum">
               <a:rPr lang="en-US" smtClean="0"/>
-              <a:t>12</a:t>
+              <a:t>8</a:t>
             </a:fld>
             <a:endParaRPr lang="en-US"/>
           </a:p>
@@ -2893,7 +3209,7 @@
     </p:spTree>
     <p:extLst>
       <p:ext uri="{BB962C8B-B14F-4D97-AF65-F5344CB8AC3E}">
-        <p14:creationId xmlns:p14="http://schemas.microsoft.com/office/powerpoint/2010/main" val="666630874"/>
+        <p14:creationId xmlns:p14="http://schemas.microsoft.com/office/powerpoint/2010/main" val="3033817091"/>
       </p:ext>
     </p:extLst>
   </p:cSld>
@@ -2947,7 +3263,10 @@
           <a:bodyPr/>
           <a:lstStyle/>
           <a:p>
-            <a:endParaRPr lang="en-US" dirty="0"/>
+            <a:r>
+              <a:rPr lang="en-US" dirty="0"/>
+              <a:t>Let’s now see what it looks like to apply self-attention to all the words in our sentence.  As was the case in the last slide, only three neural networks do the work – one each to compute the query, key, and value tensors.  The scoring function determines how much value to include of each word.  The dashed line represents a softmax function applied to all the scores, followed by a division.  These two operations keep the numbers coming out of the scoring functions from getting too big or too small.  And finally, we sum up all the scaled values to get a new tensor for flies.</a:t>
+            </a:r>
           </a:p>
         </p:txBody>
       </p:sp>
@@ -2968,7 +3287,7 @@
           <a:p>
             <a:fld id="{3148858F-F1DB-4027-9C85-CCA6849540DD}" type="slidenum">
               <a:rPr lang="en-US" smtClean="0"/>
-              <a:t>13</a:t>
+              <a:t>9</a:t>
             </a:fld>
             <a:endParaRPr lang="en-US"/>
           </a:p>
@@ -2977,7 +3296,7 @@
     </p:spTree>
     <p:extLst>
       <p:ext uri="{BB962C8B-B14F-4D97-AF65-F5344CB8AC3E}">
-        <p14:creationId xmlns:p14="http://schemas.microsoft.com/office/powerpoint/2010/main" val="375168903"/>
+        <p14:creationId xmlns:p14="http://schemas.microsoft.com/office/powerpoint/2010/main" val="1943822015"/>
       </p:ext>
     </p:extLst>
   </p:cSld>
@@ -3031,24 +3350,26 @@
           <a:bodyPr/>
           <a:lstStyle/>
           <a:p>
-            <a:pPr marL="0" marR="0" lvl="0" indent="0" algn="l" defTabSz="914400" rtl="0" eaLnBrk="1" fontAlgn="auto" latinLnBrk="0" hangingPunct="1">
-              <a:lnSpc>
-                <a:spcPct val="100000"/>
-              </a:lnSpc>
-              <a:spcBef>
-                <a:spcPts val="0"/>
-              </a:spcBef>
-              <a:spcAft>
-                <a:spcPts val="0"/>
-              </a:spcAft>
-              <a:buClrTx/>
-              <a:buSzTx/>
-              <a:buFontTx/>
-              <a:buNone/>
-              <a:tabLst/>
-              <a:defRPr/>
-            </a:pPr>
-            <a:endParaRPr lang="en-US" dirty="0"/>
+            <a:r>
+              <a:rPr lang="en-US" dirty="0"/>
+              <a:t>Note: the self-attention process diagrammed in the last slide is applied to </a:t>
+            </a:r>
+            <a:r>
+              <a:rPr lang="en-US" b="1" dirty="0"/>
+              <a:t>all</a:t>
+            </a:r>
+            <a:r>
+              <a:rPr lang="en-US" dirty="0"/>
+              <a:t> the words in a sentence </a:t>
+            </a:r>
+            <a:r>
+              <a:rPr lang="en-US" b="1" dirty="0"/>
+              <a:t>simultaneously</a:t>
+            </a:r>
+            <a:r>
+              <a:rPr lang="en-US" dirty="0"/>
+              <a:t>.   In other words, the transformer architecture takes full advantage of parallel computing capabilities when available.  That means that each of the four blocks above is run as a separate process at the same time as the others.</a:t>
+            </a:r>
           </a:p>
         </p:txBody>
       </p:sp>
@@ -3069,7 +3390,7 @@
           <a:p>
             <a:fld id="{3148858F-F1DB-4027-9C85-CCA6849540DD}" type="slidenum">
               <a:rPr lang="en-US" smtClean="0"/>
-              <a:t>14</a:t>
+              <a:t>10</a:t>
             </a:fld>
             <a:endParaRPr lang="en-US"/>
           </a:p>
@@ -3078,7 +3399,7 @@
     </p:spTree>
     <p:extLst>
       <p:ext uri="{BB962C8B-B14F-4D97-AF65-F5344CB8AC3E}">
-        <p14:creationId xmlns:p14="http://schemas.microsoft.com/office/powerpoint/2010/main" val="1985664105"/>
+        <p14:creationId xmlns:p14="http://schemas.microsoft.com/office/powerpoint/2010/main" val="2545345549"/>
       </p:ext>
     </p:extLst>
   </p:cSld>
@@ -3235,7 +3556,7 @@
           <a:p>
             <a:fld id="{C3F78080-8D0A-4BE8-A5B4-CB115102D524}" type="datetimeFigureOut">
               <a:rPr lang="en-US" smtClean="0"/>
-              <a:t>8/19/2022</a:t>
+              <a:t>8/23/2022</a:t>
             </a:fld>
             <a:endParaRPr lang="en-US"/>
           </a:p>
@@ -3433,7 +3754,7 @@
           <a:p>
             <a:fld id="{C3F78080-8D0A-4BE8-A5B4-CB115102D524}" type="datetimeFigureOut">
               <a:rPr lang="en-US" smtClean="0"/>
-              <a:t>8/19/2022</a:t>
+              <a:t>8/23/2022</a:t>
             </a:fld>
             <a:endParaRPr lang="en-US"/>
           </a:p>
@@ -3641,7 +3962,7 @@
           <a:p>
             <a:fld id="{C3F78080-8D0A-4BE8-A5B4-CB115102D524}" type="datetimeFigureOut">
               <a:rPr lang="en-US" smtClean="0"/>
-              <a:t>8/19/2022</a:t>
+              <a:t>8/23/2022</a:t>
             </a:fld>
             <a:endParaRPr lang="en-US"/>
           </a:p>
@@ -3839,7 +4160,7 @@
           <a:p>
             <a:fld id="{C3F78080-8D0A-4BE8-A5B4-CB115102D524}" type="datetimeFigureOut">
               <a:rPr lang="en-US" smtClean="0"/>
-              <a:t>8/19/2022</a:t>
+              <a:t>8/23/2022</a:t>
             </a:fld>
             <a:endParaRPr lang="en-US"/>
           </a:p>
@@ -4114,7 +4435,7 @@
           <a:p>
             <a:fld id="{C3F78080-8D0A-4BE8-A5B4-CB115102D524}" type="datetimeFigureOut">
               <a:rPr lang="en-US" smtClean="0"/>
-              <a:t>8/19/2022</a:t>
+              <a:t>8/23/2022</a:t>
             </a:fld>
             <a:endParaRPr lang="en-US"/>
           </a:p>
@@ -4379,7 +4700,7 @@
           <a:p>
             <a:fld id="{C3F78080-8D0A-4BE8-A5B4-CB115102D524}" type="datetimeFigureOut">
               <a:rPr lang="en-US" smtClean="0"/>
-              <a:t>8/19/2022</a:t>
+              <a:t>8/23/2022</a:t>
             </a:fld>
             <a:endParaRPr lang="en-US"/>
           </a:p>
@@ -4791,7 +5112,7 @@
           <a:p>
             <a:fld id="{C3F78080-8D0A-4BE8-A5B4-CB115102D524}" type="datetimeFigureOut">
               <a:rPr lang="en-US" smtClean="0"/>
-              <a:t>8/19/2022</a:t>
+              <a:t>8/23/2022</a:t>
             </a:fld>
             <a:endParaRPr lang="en-US"/>
           </a:p>
@@ -4932,7 +5253,7 @@
           <a:p>
             <a:fld id="{C3F78080-8D0A-4BE8-A5B4-CB115102D524}" type="datetimeFigureOut">
               <a:rPr lang="en-US" smtClean="0"/>
-              <a:t>8/19/2022</a:t>
+              <a:t>8/23/2022</a:t>
             </a:fld>
             <a:endParaRPr lang="en-US"/>
           </a:p>
@@ -5045,7 +5366,7 @@
           <a:p>
             <a:fld id="{C3F78080-8D0A-4BE8-A5B4-CB115102D524}" type="datetimeFigureOut">
               <a:rPr lang="en-US" smtClean="0"/>
-              <a:t>8/19/2022</a:t>
+              <a:t>8/23/2022</a:t>
             </a:fld>
             <a:endParaRPr lang="en-US"/>
           </a:p>
@@ -5356,7 +5677,7 @@
           <a:p>
             <a:fld id="{C3F78080-8D0A-4BE8-A5B4-CB115102D524}" type="datetimeFigureOut">
               <a:rPr lang="en-US" smtClean="0"/>
-              <a:t>8/19/2022</a:t>
+              <a:t>8/23/2022</a:t>
             </a:fld>
             <a:endParaRPr lang="en-US"/>
           </a:p>
@@ -5644,7 +5965,7 @@
           <a:p>
             <a:fld id="{C3F78080-8D0A-4BE8-A5B4-CB115102D524}" type="datetimeFigureOut">
               <a:rPr lang="en-US" smtClean="0"/>
-              <a:t>8/19/2022</a:t>
+              <a:t>8/23/2022</a:t>
             </a:fld>
             <a:endParaRPr lang="en-US"/>
           </a:p>
@@ -5885,7 +6206,7 @@
           <a:p>
             <a:fld id="{C3F78080-8D0A-4BE8-A5B4-CB115102D524}" type="datetimeFigureOut">
               <a:rPr lang="en-US" smtClean="0"/>
-              <a:t>8/19/2022</a:t>
+              <a:t>8/23/2022</a:t>
             </a:fld>
             <a:endParaRPr lang="en-US"/>
           </a:p>
@@ -6437,7 +6758,7 @@
           <p:nvPr/>
         </p:nvPicPr>
         <p:blipFill>
-          <a:blip r:embed="rId2"/>
+          <a:blip r:embed="rId3"/>
           <a:stretch>
             <a:fillRect/>
           </a:stretch>
@@ -6452,6 +6773,127 @@
           </a:prstGeom>
         </p:spPr>
       </p:pic>
+      <p:sp>
+        <p:nvSpPr>
+          <p:cNvPr id="3" name="TextBox 2">
+            <a:extLst>
+              <a:ext uri="{FF2B5EF4-FFF2-40B4-BE49-F238E27FC236}">
+                <a16:creationId xmlns:a16="http://schemas.microsoft.com/office/drawing/2014/main" id="{11F9E0E5-C8EC-B69F-C9F3-E277ADA47CB8}"/>
+              </a:ext>
+            </a:extLst>
+          </p:cNvPr>
+          <p:cNvSpPr txBox="1"/>
+          <p:nvPr/>
+        </p:nvSpPr>
+        <p:spPr>
+          <a:xfrm>
+            <a:off x="0" y="6550223"/>
+            <a:ext cx="12192000" cy="307777"/>
+          </a:xfrm>
+          <a:prstGeom prst="rect">
+            <a:avLst/>
+          </a:prstGeom>
+          <a:noFill/>
+        </p:spPr>
+        <p:txBody>
+          <a:bodyPr wrap="square" rtlCol="0">
+            <a:spAutoFit/>
+          </a:bodyPr>
+          <a:lstStyle/>
+          <a:p>
+            <a:r>
+              <a:rPr lang="en-US" sz="1400" dirty="0">
+                <a:solidFill>
+                  <a:schemeClr val="tx1">
+                    <a:lumMod val="65000"/>
+                    <a:lumOff val="35000"/>
+                  </a:schemeClr>
+                </a:solidFill>
+                <a:latin typeface="+mj-lt"/>
+                <a:ea typeface="Verdana" panose="020B0604030504040204" pitchFamily="34" charset="0"/>
+              </a:rPr>
+              <a:t>Story Source: Glassner, A. (2021). </a:t>
+            </a:r>
+            <a:r>
+              <a:rPr lang="en-US" sz="1400" i="1" dirty="0">
+                <a:solidFill>
+                  <a:schemeClr val="tx1">
+                    <a:lumMod val="65000"/>
+                    <a:lumOff val="35000"/>
+                  </a:schemeClr>
+                </a:solidFill>
+                <a:latin typeface="+mj-lt"/>
+                <a:ea typeface="Verdana" panose="020B0604030504040204" pitchFamily="34" charset="0"/>
+              </a:rPr>
+              <a:t>Deep learning: A visual approach</a:t>
+            </a:r>
+            <a:r>
+              <a:rPr lang="en-US" sz="1400" dirty="0">
+                <a:solidFill>
+                  <a:schemeClr val="tx1">
+                    <a:lumMod val="65000"/>
+                    <a:lumOff val="35000"/>
+                  </a:schemeClr>
+                </a:solidFill>
+                <a:latin typeface="+mj-lt"/>
+                <a:ea typeface="Verdana" panose="020B0604030504040204" pitchFamily="34" charset="0"/>
+              </a:rPr>
+              <a:t>. </a:t>
+            </a:r>
+            <a:r>
+              <a:rPr lang="en-US" sz="1400" b="0" i="0" dirty="0">
+                <a:solidFill>
+                  <a:schemeClr val="tx1">
+                    <a:lumMod val="65000"/>
+                    <a:lumOff val="35000"/>
+                  </a:schemeClr>
+                </a:solidFill>
+                <a:effectLst/>
+                <a:latin typeface="+mj-lt"/>
+                <a:ea typeface="Verdana" panose="020B0604030504040204" pitchFamily="34" charset="0"/>
+              </a:rPr>
+              <a:t>San Francisco, CA: No Starch Press. (Chapter </a:t>
+            </a:r>
+            <a:r>
+              <a:rPr lang="en-US" sz="1400" dirty="0">
+                <a:solidFill>
+                  <a:schemeClr val="tx1">
+                    <a:lumMod val="65000"/>
+                    <a:lumOff val="35000"/>
+                  </a:schemeClr>
+                </a:solidFill>
+                <a:latin typeface="+mj-lt"/>
+                <a:ea typeface="Verdana" panose="020B0604030504040204" pitchFamily="34" charset="0"/>
+              </a:rPr>
+              <a:t>20</a:t>
+            </a:r>
+            <a:r>
+              <a:rPr lang="en-US" sz="1400" b="0" i="0" dirty="0">
+                <a:solidFill>
+                  <a:schemeClr val="tx1">
+                    <a:lumMod val="65000"/>
+                    <a:lumOff val="35000"/>
+                  </a:schemeClr>
+                </a:solidFill>
+                <a:effectLst/>
+                <a:latin typeface="+mj-lt"/>
+                <a:ea typeface="Verdana" panose="020B0604030504040204" pitchFamily="34" charset="0"/>
+              </a:rPr>
+              <a:t>)</a:t>
+            </a:r>
+            <a:endParaRPr lang="en-US" sz="1400" dirty="0">
+              <a:solidFill>
+                <a:schemeClr val="tx1">
+                  <a:lumMod val="65000"/>
+                  <a:lumOff val="35000"/>
+                </a:schemeClr>
+              </a:solidFill>
+              <a:latin typeface="+mj-lt"/>
+              <a:ea typeface="Verdana" panose="020B0604030504040204" pitchFamily="34" charset="0"/>
+            </a:endParaRPr>
+          </a:p>
+        </p:txBody>
+      </p:sp>
     </p:spTree>
     <p:extLst>
       <p:ext uri="{BB962C8B-B14F-4D97-AF65-F5344CB8AC3E}">
@@ -6497,7 +6939,7 @@
           <p:nvPr/>
         </p:nvPicPr>
         <p:blipFill>
-          <a:blip r:embed="rId2"/>
+          <a:blip r:embed="rId3"/>
           <a:stretch>
             <a:fillRect/>
           </a:stretch>
@@ -6512,6 +6954,127 @@
           </a:prstGeom>
         </p:spPr>
       </p:pic>
+      <p:sp>
+        <p:nvSpPr>
+          <p:cNvPr id="3" name="TextBox 2">
+            <a:extLst>
+              <a:ext uri="{FF2B5EF4-FFF2-40B4-BE49-F238E27FC236}">
+                <a16:creationId xmlns:a16="http://schemas.microsoft.com/office/drawing/2014/main" id="{34641CB7-082A-7D21-A397-6DE0FF7679B4}"/>
+              </a:ext>
+            </a:extLst>
+          </p:cNvPr>
+          <p:cNvSpPr txBox="1"/>
+          <p:nvPr/>
+        </p:nvSpPr>
+        <p:spPr>
+          <a:xfrm>
+            <a:off x="0" y="6550223"/>
+            <a:ext cx="12192000" cy="307777"/>
+          </a:xfrm>
+          <a:prstGeom prst="rect">
+            <a:avLst/>
+          </a:prstGeom>
+          <a:noFill/>
+        </p:spPr>
+        <p:txBody>
+          <a:bodyPr wrap="square" rtlCol="0">
+            <a:spAutoFit/>
+          </a:bodyPr>
+          <a:lstStyle/>
+          <a:p>
+            <a:r>
+              <a:rPr lang="en-US" sz="1400" dirty="0">
+                <a:solidFill>
+                  <a:schemeClr val="tx1">
+                    <a:lumMod val="65000"/>
+                    <a:lumOff val="35000"/>
+                  </a:schemeClr>
+                </a:solidFill>
+                <a:latin typeface="+mj-lt"/>
+                <a:ea typeface="Verdana" panose="020B0604030504040204" pitchFamily="34" charset="0"/>
+              </a:rPr>
+              <a:t>Story Source: Glassner, A. (2021). </a:t>
+            </a:r>
+            <a:r>
+              <a:rPr lang="en-US" sz="1400" i="1" dirty="0">
+                <a:solidFill>
+                  <a:schemeClr val="tx1">
+                    <a:lumMod val="65000"/>
+                    <a:lumOff val="35000"/>
+                  </a:schemeClr>
+                </a:solidFill>
+                <a:latin typeface="+mj-lt"/>
+                <a:ea typeface="Verdana" panose="020B0604030504040204" pitchFamily="34" charset="0"/>
+              </a:rPr>
+              <a:t>Deep learning: A visual approach</a:t>
+            </a:r>
+            <a:r>
+              <a:rPr lang="en-US" sz="1400" dirty="0">
+                <a:solidFill>
+                  <a:schemeClr val="tx1">
+                    <a:lumMod val="65000"/>
+                    <a:lumOff val="35000"/>
+                  </a:schemeClr>
+                </a:solidFill>
+                <a:latin typeface="+mj-lt"/>
+                <a:ea typeface="Verdana" panose="020B0604030504040204" pitchFamily="34" charset="0"/>
+              </a:rPr>
+              <a:t>. </a:t>
+            </a:r>
+            <a:r>
+              <a:rPr lang="en-US" sz="1400" b="0" i="0" dirty="0">
+                <a:solidFill>
+                  <a:schemeClr val="tx1">
+                    <a:lumMod val="65000"/>
+                    <a:lumOff val="35000"/>
+                  </a:schemeClr>
+                </a:solidFill>
+                <a:effectLst/>
+                <a:latin typeface="+mj-lt"/>
+                <a:ea typeface="Verdana" panose="020B0604030504040204" pitchFamily="34" charset="0"/>
+              </a:rPr>
+              <a:t>San Francisco, CA: No Starch Press. (Chapter </a:t>
+            </a:r>
+            <a:r>
+              <a:rPr lang="en-US" sz="1400" dirty="0">
+                <a:solidFill>
+                  <a:schemeClr val="tx1">
+                    <a:lumMod val="65000"/>
+                    <a:lumOff val="35000"/>
+                  </a:schemeClr>
+                </a:solidFill>
+                <a:latin typeface="+mj-lt"/>
+                <a:ea typeface="Verdana" panose="020B0604030504040204" pitchFamily="34" charset="0"/>
+              </a:rPr>
+              <a:t>20</a:t>
+            </a:r>
+            <a:r>
+              <a:rPr lang="en-US" sz="1400" b="0" i="0" dirty="0">
+                <a:solidFill>
+                  <a:schemeClr val="tx1">
+                    <a:lumMod val="65000"/>
+                    <a:lumOff val="35000"/>
+                  </a:schemeClr>
+                </a:solidFill>
+                <a:effectLst/>
+                <a:latin typeface="+mj-lt"/>
+                <a:ea typeface="Verdana" panose="020B0604030504040204" pitchFamily="34" charset="0"/>
+              </a:rPr>
+              <a:t>)</a:t>
+            </a:r>
+            <a:endParaRPr lang="en-US" sz="1400" dirty="0">
+              <a:solidFill>
+                <a:schemeClr val="tx1">
+                  <a:lumMod val="65000"/>
+                  <a:lumOff val="35000"/>
+                </a:schemeClr>
+              </a:solidFill>
+              <a:latin typeface="+mj-lt"/>
+              <a:ea typeface="Verdana" panose="020B0604030504040204" pitchFamily="34" charset="0"/>
+            </a:endParaRPr>
+          </a:p>
+        </p:txBody>
+      </p:sp>
     </p:spTree>
     <p:extLst>
       <p:ext uri="{BB962C8B-B14F-4D97-AF65-F5344CB8AC3E}">
@@ -7354,6 +7917,1893 @@
 </file>
 
 <file path=ppt/slides/slide13.xml><?xml version="1.0" encoding="utf-8"?>
+<p:sld xmlns:a="http://schemas.openxmlformats.org/drawingml/2006/main" xmlns:r="http://schemas.openxmlformats.org/officeDocument/2006/relationships" xmlns:p="http://schemas.openxmlformats.org/presentationml/2006/main">
+  <p:cSld>
+    <p:spTree>
+      <p:nvGrpSpPr>
+        <p:cNvPr id="1" name=""/>
+        <p:cNvGrpSpPr/>
+        <p:nvPr/>
+      </p:nvGrpSpPr>
+      <p:grpSpPr>
+        <a:xfrm>
+          <a:off x="0" y="0"/>
+          <a:ext cx="0" cy="0"/>
+          <a:chOff x="0" y="0"/>
+          <a:chExt cx="0" cy="0"/>
+        </a:xfrm>
+      </p:grpSpPr>
+      <p:pic>
+        <p:nvPicPr>
+          <p:cNvPr id="2050" name="Picture 2">
+            <a:extLst>
+              <a:ext uri="{FF2B5EF4-FFF2-40B4-BE49-F238E27FC236}">
+                <a16:creationId xmlns:a16="http://schemas.microsoft.com/office/drawing/2014/main" id="{D6FBD5FB-F364-404F-BA46-9C6009146A13}"/>
+              </a:ext>
+            </a:extLst>
+          </p:cNvPr>
+          <p:cNvPicPr>
+            <a:picLocks noChangeAspect="1" noChangeArrowheads="1"/>
+          </p:cNvPicPr>
+          <p:nvPr/>
+        </p:nvPicPr>
+        <p:blipFill>
+          <a:blip r:embed="rId3">
+            <a:extLst>
+              <a:ext uri="{28A0092B-C50C-407E-A947-70E740481C1C}">
+                <a14:useLocalDpi xmlns:a14="http://schemas.microsoft.com/office/drawing/2010/main" val="0"/>
+              </a:ext>
+            </a:extLst>
+          </a:blip>
+          <a:srcRect/>
+          <a:stretch>
+            <a:fillRect/>
+          </a:stretch>
+        </p:blipFill>
+        <p:spPr bwMode="auto">
+          <a:xfrm>
+            <a:off x="603130" y="388304"/>
+            <a:ext cx="10985740" cy="6081392"/>
+          </a:xfrm>
+          <a:prstGeom prst="rect">
+            <a:avLst/>
+          </a:prstGeom>
+          <a:noFill/>
+          <a:extLst>
+            <a:ext uri="{909E8E84-426E-40DD-AFC4-6F175D3DCCD1}">
+              <a14:hiddenFill xmlns:a14="http://schemas.microsoft.com/office/drawing/2010/main">
+                <a:solidFill>
+                  <a:srgbClr val="FFFFFF"/>
+                </a:solidFill>
+              </a14:hiddenFill>
+            </a:ext>
+          </a:extLst>
+        </p:spPr>
+      </p:pic>
+      <p:sp>
+        <p:nvSpPr>
+          <p:cNvPr id="3" name="TextBox 2">
+            <a:extLst>
+              <a:ext uri="{FF2B5EF4-FFF2-40B4-BE49-F238E27FC236}">
+                <a16:creationId xmlns:a16="http://schemas.microsoft.com/office/drawing/2014/main" id="{3EDE0501-7B98-4E41-A070-AA3D936E6885}"/>
+              </a:ext>
+            </a:extLst>
+          </p:cNvPr>
+          <p:cNvSpPr txBox="1"/>
+          <p:nvPr/>
+        </p:nvSpPr>
+        <p:spPr>
+          <a:xfrm>
+            <a:off x="0" y="6550223"/>
+            <a:ext cx="12192000" cy="307777"/>
+          </a:xfrm>
+          <a:prstGeom prst="rect">
+            <a:avLst/>
+          </a:prstGeom>
+          <a:noFill/>
+        </p:spPr>
+        <p:txBody>
+          <a:bodyPr wrap="square" rtlCol="0">
+            <a:spAutoFit/>
+          </a:bodyPr>
+          <a:lstStyle/>
+          <a:p>
+            <a:r>
+              <a:rPr lang="en-US" sz="1400" dirty="0">
+                <a:solidFill>
+                  <a:schemeClr val="tx1">
+                    <a:lumMod val="65000"/>
+                    <a:lumOff val="35000"/>
+                  </a:schemeClr>
+                </a:solidFill>
+                <a:latin typeface="+mj-lt"/>
+                <a:ea typeface="Verdana" panose="020B0604030504040204" pitchFamily="34" charset="0"/>
+              </a:rPr>
+              <a:t>Image Credit: https://towardsdatascience.com/transformers-141e32e69591 </a:t>
+            </a:r>
+          </a:p>
+        </p:txBody>
+      </p:sp>
+    </p:spTree>
+    <p:extLst>
+      <p:ext uri="{BB962C8B-B14F-4D97-AF65-F5344CB8AC3E}">
+        <p14:creationId xmlns:p14="http://schemas.microsoft.com/office/powerpoint/2010/main" val="2772687448"/>
+      </p:ext>
+    </p:extLst>
+  </p:cSld>
+  <p:clrMapOvr>
+    <a:masterClrMapping/>
+  </p:clrMapOvr>
+  <mc:AlternateContent xmlns:mc="http://schemas.openxmlformats.org/markup-compatibility/2006" xmlns:p14="http://schemas.microsoft.com/office/powerpoint/2010/main">
+    <mc:Choice Requires="p14">
+      <p:transition spd="med" p14:dur="700">
+        <p:fade/>
+      </p:transition>
+    </mc:Choice>
+    <mc:Fallback xmlns="">
+      <p:transition spd="med">
+        <p:fade/>
+      </p:transition>
+    </mc:Fallback>
+  </mc:AlternateContent>
+</p:sld>
+</file>
+
+<file path=ppt/slides/slide14.xml><?xml version="1.0" encoding="utf-8"?>
+<p:sld xmlns:a="http://schemas.openxmlformats.org/drawingml/2006/main" xmlns:r="http://schemas.openxmlformats.org/officeDocument/2006/relationships" xmlns:p="http://schemas.openxmlformats.org/presentationml/2006/main">
+  <p:cSld>
+    <p:spTree>
+      <p:nvGrpSpPr>
+        <p:cNvPr id="1" name=""/>
+        <p:cNvGrpSpPr/>
+        <p:nvPr/>
+      </p:nvGrpSpPr>
+      <p:grpSpPr>
+        <a:xfrm>
+          <a:off x="0" y="0"/>
+          <a:ext cx="0" cy="0"/>
+          <a:chOff x="0" y="0"/>
+          <a:chExt cx="0" cy="0"/>
+        </a:xfrm>
+      </p:grpSpPr>
+      <p:pic>
+        <p:nvPicPr>
+          <p:cNvPr id="3" name="Picture 2">
+            <a:extLst>
+              <a:ext uri="{FF2B5EF4-FFF2-40B4-BE49-F238E27FC236}">
+                <a16:creationId xmlns:a16="http://schemas.microsoft.com/office/drawing/2014/main" id="{88CC7D4C-7D31-4E3C-92F7-200A7C7F587F}"/>
+              </a:ext>
+            </a:extLst>
+          </p:cNvPr>
+          <p:cNvPicPr>
+            <a:picLocks noChangeAspect="1"/>
+          </p:cNvPicPr>
+          <p:nvPr/>
+        </p:nvPicPr>
+        <p:blipFill>
+          <a:blip r:embed="rId3"/>
+          <a:stretch>
+            <a:fillRect/>
+          </a:stretch>
+        </p:blipFill>
+        <p:spPr>
+          <a:xfrm>
+            <a:off x="0" y="365760"/>
+            <a:ext cx="3233668" cy="805144"/>
+          </a:xfrm>
+          <a:prstGeom prst="rect">
+            <a:avLst/>
+          </a:prstGeom>
+        </p:spPr>
+      </p:pic>
+      <p:sp>
+        <p:nvSpPr>
+          <p:cNvPr id="4" name="Title 1">
+            <a:extLst>
+              <a:ext uri="{FF2B5EF4-FFF2-40B4-BE49-F238E27FC236}">
+                <a16:creationId xmlns:a16="http://schemas.microsoft.com/office/drawing/2014/main" id="{474EB2BC-3221-47A1-8ADF-BF3126732B5F}"/>
+              </a:ext>
+            </a:extLst>
+          </p:cNvPr>
+          <p:cNvSpPr txBox="1">
+            <a:spLocks/>
+          </p:cNvSpPr>
+          <p:nvPr/>
+        </p:nvSpPr>
+        <p:spPr>
+          <a:xfrm>
+            <a:off x="0" y="2705764"/>
+            <a:ext cx="12192000" cy="1446472"/>
+          </a:xfrm>
+          <a:prstGeom prst="rect">
+            <a:avLst/>
+          </a:prstGeom>
+          <a:noFill/>
+        </p:spPr>
+        <p:txBody>
+          <a:bodyPr vert="horz" lIns="91440" tIns="45720" rIns="91440" bIns="45720" rtlCol="0" anchor="ctr">
+            <a:noAutofit/>
+          </a:bodyPr>
+          <a:lstStyle>
+            <a:lvl1pPr algn="l" defTabSz="914400" rtl="0" eaLnBrk="1" latinLnBrk="0" hangingPunct="1">
+              <a:lnSpc>
+                <a:spcPct val="90000"/>
+              </a:lnSpc>
+              <a:spcBef>
+                <a:spcPct val="0"/>
+              </a:spcBef>
+              <a:buNone/>
+              <a:defRPr sz="4400" kern="1200">
+                <a:solidFill>
+                  <a:schemeClr val="tx1"/>
+                </a:solidFill>
+                <a:latin typeface="+mj-lt"/>
+                <a:ea typeface="+mj-ea"/>
+                <a:cs typeface="+mj-cs"/>
+              </a:defRPr>
+            </a:lvl1pPr>
+          </a:lstStyle>
+          <a:p>
+            <a:pPr algn="ctr"/>
+            <a:r>
+              <a:rPr lang="en-US" sz="3600" dirty="0">
+                <a:solidFill>
+                  <a:schemeClr val="tx1">
+                    <a:lumMod val="65000"/>
+                    <a:lumOff val="35000"/>
+                  </a:schemeClr>
+                </a:solidFill>
+                <a:latin typeface="Palatino Linotype" panose="02040502050505030304" pitchFamily="18" charset="0"/>
+              </a:rPr>
+              <a:t>Transformer Anatomy</a:t>
+            </a:r>
+            <a:br>
+              <a:rPr lang="en-US" sz="3600" dirty="0">
+                <a:solidFill>
+                  <a:schemeClr val="tx1">
+                    <a:lumMod val="65000"/>
+                    <a:lumOff val="35000"/>
+                  </a:schemeClr>
+                </a:solidFill>
+                <a:latin typeface="Palatino Linotype" panose="02040502050505030304" pitchFamily="18" charset="0"/>
+              </a:rPr>
+            </a:br>
+            <a:r>
+              <a:rPr lang="en-US" sz="3600" dirty="0">
+                <a:solidFill>
+                  <a:schemeClr val="tx1">
+                    <a:lumMod val="65000"/>
+                    <a:lumOff val="35000"/>
+                  </a:schemeClr>
+                </a:solidFill>
+                <a:latin typeface="Palatino Linotype" panose="02040502050505030304" pitchFamily="18" charset="0"/>
+              </a:rPr>
+              <a:t>02.2_transformer_anatomy.ipynb</a:t>
+            </a:r>
+            <a:endParaRPr lang="en-US" sz="3600" dirty="0">
+              <a:solidFill>
+                <a:schemeClr val="tx1">
+                  <a:lumMod val="65000"/>
+                  <a:lumOff val="35000"/>
+                </a:schemeClr>
+              </a:solidFill>
+              <a:latin typeface="Palatino Linotype" panose="02040502050505030304" pitchFamily="18" charset="0"/>
+              <a:cs typeface="Segoe UI Light" panose="020B0502040204020203" pitchFamily="34" charset="0"/>
+            </a:endParaRPr>
+          </a:p>
+        </p:txBody>
+      </p:sp>
+    </p:spTree>
+    <p:extLst>
+      <p:ext uri="{BB962C8B-B14F-4D97-AF65-F5344CB8AC3E}">
+        <p14:creationId xmlns:p14="http://schemas.microsoft.com/office/powerpoint/2010/main" val="2261991877"/>
+      </p:ext>
+    </p:extLst>
+  </p:cSld>
+  <p:clrMapOvr>
+    <a:masterClrMapping/>
+  </p:clrMapOvr>
+  <mc:AlternateContent xmlns:mc="http://schemas.openxmlformats.org/markup-compatibility/2006" xmlns:p14="http://schemas.microsoft.com/office/powerpoint/2010/main">
+    <mc:Choice Requires="p14">
+      <p:transition spd="med" p14:dur="700">
+        <p:fade/>
+      </p:transition>
+    </mc:Choice>
+    <mc:Fallback xmlns="">
+      <p:transition spd="med">
+        <p:fade/>
+      </p:transition>
+    </mc:Fallback>
+  </mc:AlternateContent>
+</p:sld>
+</file>
+
+<file path=ppt/slides/slide15.xml><?xml version="1.0" encoding="utf-8"?>
+<p:sld xmlns:a="http://schemas.openxmlformats.org/drawingml/2006/main" xmlns:r="http://schemas.openxmlformats.org/officeDocument/2006/relationships" xmlns:p="http://schemas.openxmlformats.org/presentationml/2006/main">
+  <p:cSld>
+    <p:spTree>
+      <p:nvGrpSpPr>
+        <p:cNvPr id="1" name=""/>
+        <p:cNvGrpSpPr/>
+        <p:nvPr/>
+      </p:nvGrpSpPr>
+      <p:grpSpPr>
+        <a:xfrm>
+          <a:off x="0" y="0"/>
+          <a:ext cx="0" cy="0"/>
+          <a:chOff x="0" y="0"/>
+          <a:chExt cx="0" cy="0"/>
+        </a:xfrm>
+      </p:grpSpPr>
+      <p:pic>
+        <p:nvPicPr>
+          <p:cNvPr id="3074" name="Picture 2" descr="enc-dec-attn">
+            <a:extLst>
+              <a:ext uri="{FF2B5EF4-FFF2-40B4-BE49-F238E27FC236}">
+                <a16:creationId xmlns:a16="http://schemas.microsoft.com/office/drawing/2014/main" id="{98BF0F41-68AA-47FF-87F3-A5D3498B354D}"/>
+              </a:ext>
+            </a:extLst>
+          </p:cNvPr>
+          <p:cNvPicPr>
+            <a:picLocks noChangeAspect="1" noChangeArrowheads="1"/>
+          </p:cNvPicPr>
+          <p:nvPr/>
+        </p:nvPicPr>
+        <p:blipFill>
+          <a:blip r:embed="rId3">
+            <a:extLst>
+              <a:ext uri="{28A0092B-C50C-407E-A947-70E740481C1C}">
+                <a14:useLocalDpi xmlns:a14="http://schemas.microsoft.com/office/drawing/2010/main" val="0"/>
+              </a:ext>
+            </a:extLst>
+          </a:blip>
+          <a:srcRect/>
+          <a:stretch>
+            <a:fillRect/>
+          </a:stretch>
+        </p:blipFill>
+        <p:spPr bwMode="auto">
+          <a:xfrm>
+            <a:off x="2141220" y="2017871"/>
+            <a:ext cx="8509318" cy="2822257"/>
+          </a:xfrm>
+          <a:prstGeom prst="rect">
+            <a:avLst/>
+          </a:prstGeom>
+          <a:noFill/>
+          <a:extLst>
+            <a:ext uri="{909E8E84-426E-40DD-AFC4-6F175D3DCCD1}">
+              <a14:hiddenFill xmlns:a14="http://schemas.microsoft.com/office/drawing/2010/main">
+                <a:solidFill>
+                  <a:srgbClr val="FFFFFF"/>
+                </a:solidFill>
+              </a14:hiddenFill>
+            </a:ext>
+          </a:extLst>
+        </p:spPr>
+      </p:pic>
+      <p:sp>
+        <p:nvSpPr>
+          <p:cNvPr id="4" name="TextBox 3">
+            <a:extLst>
+              <a:ext uri="{FF2B5EF4-FFF2-40B4-BE49-F238E27FC236}">
+                <a16:creationId xmlns:a16="http://schemas.microsoft.com/office/drawing/2014/main" id="{E68231EB-C41F-4AD0-B92A-E44172E5F22B}"/>
+              </a:ext>
+            </a:extLst>
+          </p:cNvPr>
+          <p:cNvSpPr txBox="1"/>
+          <p:nvPr/>
+        </p:nvSpPr>
+        <p:spPr>
+          <a:xfrm>
+            <a:off x="0" y="6550223"/>
+            <a:ext cx="12192000" cy="307777"/>
+          </a:xfrm>
+          <a:prstGeom prst="rect">
+            <a:avLst/>
+          </a:prstGeom>
+          <a:noFill/>
+        </p:spPr>
+        <p:txBody>
+          <a:bodyPr wrap="square" rtlCol="0">
+            <a:spAutoFit/>
+          </a:bodyPr>
+          <a:lstStyle/>
+          <a:p>
+            <a:r>
+              <a:rPr lang="en-US" sz="1400" dirty="0">
+                <a:solidFill>
+                  <a:schemeClr val="tx1">
+                    <a:lumMod val="65000"/>
+                    <a:lumOff val="35000"/>
+                  </a:schemeClr>
+                </a:solidFill>
+                <a:latin typeface="+mj-lt"/>
+                <a:ea typeface="Verdana" panose="020B0604030504040204" pitchFamily="34" charset="0"/>
+              </a:rPr>
+              <a:t>Source: Tunstall, L., et al (2022). </a:t>
+            </a:r>
+            <a:r>
+              <a:rPr lang="en-US" sz="1400" i="1" dirty="0">
+                <a:solidFill>
+                  <a:schemeClr val="tx1">
+                    <a:lumMod val="65000"/>
+                    <a:lumOff val="35000"/>
+                  </a:schemeClr>
+                </a:solidFill>
+                <a:latin typeface="+mj-lt"/>
+                <a:ea typeface="Verdana" panose="020B0604030504040204" pitchFamily="34" charset="0"/>
+              </a:rPr>
+              <a:t>Natural Language Processing with Transformers</a:t>
+            </a:r>
+            <a:r>
+              <a:rPr lang="en-US" sz="1400" dirty="0">
+                <a:solidFill>
+                  <a:schemeClr val="tx1">
+                    <a:lumMod val="65000"/>
+                    <a:lumOff val="35000"/>
+                  </a:schemeClr>
+                </a:solidFill>
+                <a:latin typeface="+mj-lt"/>
+                <a:ea typeface="Verdana" panose="020B0604030504040204" pitchFamily="34" charset="0"/>
+              </a:rPr>
+              <a:t>. </a:t>
+            </a:r>
+            <a:r>
+              <a:rPr lang="en-US" sz="1400" b="0" i="0" dirty="0">
+                <a:solidFill>
+                  <a:schemeClr val="tx1">
+                    <a:lumMod val="65000"/>
+                    <a:lumOff val="35000"/>
+                  </a:schemeClr>
+                </a:solidFill>
+                <a:effectLst/>
+                <a:latin typeface="+mj-lt"/>
+                <a:ea typeface="Verdana" panose="020B0604030504040204" pitchFamily="34" charset="0"/>
+              </a:rPr>
+              <a:t>Sebastopol, CA: </a:t>
+            </a:r>
+            <a:r>
+              <a:rPr lang="en-US" sz="1400" dirty="0">
+                <a:solidFill>
+                  <a:schemeClr val="tx1">
+                    <a:lumMod val="65000"/>
+                    <a:lumOff val="35000"/>
+                  </a:schemeClr>
+                </a:solidFill>
+                <a:latin typeface="+mj-lt"/>
+                <a:ea typeface="Verdana" panose="020B0604030504040204" pitchFamily="34" charset="0"/>
+              </a:rPr>
+              <a:t>O’Reilly Publishing</a:t>
+            </a:r>
+            <a:r>
+              <a:rPr lang="en-US" sz="1400" b="0" i="0" dirty="0">
+                <a:solidFill>
+                  <a:schemeClr val="tx1">
+                    <a:lumMod val="65000"/>
+                    <a:lumOff val="35000"/>
+                  </a:schemeClr>
+                </a:solidFill>
+                <a:effectLst/>
+                <a:latin typeface="+mj-lt"/>
+                <a:ea typeface="Verdana" panose="020B0604030504040204" pitchFamily="34" charset="0"/>
+              </a:rPr>
+              <a:t>. (Chapter 1)</a:t>
+            </a:r>
+            <a:endParaRPr lang="en-US" sz="1400" dirty="0">
+              <a:solidFill>
+                <a:schemeClr val="tx1">
+                  <a:lumMod val="65000"/>
+                  <a:lumOff val="35000"/>
+                </a:schemeClr>
+              </a:solidFill>
+              <a:latin typeface="+mj-lt"/>
+              <a:ea typeface="Verdana" panose="020B0604030504040204" pitchFamily="34" charset="0"/>
+            </a:endParaRPr>
+          </a:p>
+        </p:txBody>
+      </p:sp>
+    </p:spTree>
+    <p:extLst>
+      <p:ext uri="{BB962C8B-B14F-4D97-AF65-F5344CB8AC3E}">
+        <p14:creationId xmlns:p14="http://schemas.microsoft.com/office/powerpoint/2010/main" val="1677845898"/>
+      </p:ext>
+    </p:extLst>
+  </p:cSld>
+  <p:clrMapOvr>
+    <a:masterClrMapping/>
+  </p:clrMapOvr>
+  <mc:AlternateContent xmlns:mc="http://schemas.openxmlformats.org/markup-compatibility/2006" xmlns:p14="http://schemas.microsoft.com/office/powerpoint/2010/main">
+    <mc:Choice Requires="p14">
+      <p:transition spd="med" p14:dur="700">
+        <p:fade/>
+      </p:transition>
+    </mc:Choice>
+    <mc:Fallback xmlns="">
+      <p:transition spd="med">
+        <p:fade/>
+      </p:transition>
+    </mc:Fallback>
+  </mc:AlternateContent>
+</p:sld>
+</file>
+
+<file path=ppt/slides/slide16.xml><?xml version="1.0" encoding="utf-8"?>
+<p:sld xmlns:a="http://schemas.openxmlformats.org/drawingml/2006/main" xmlns:r="http://schemas.openxmlformats.org/officeDocument/2006/relationships" xmlns:p="http://schemas.openxmlformats.org/presentationml/2006/main">
+  <p:cSld>
+    <p:spTree>
+      <p:nvGrpSpPr>
+        <p:cNvPr id="1" name=""/>
+        <p:cNvGrpSpPr/>
+        <p:nvPr/>
+      </p:nvGrpSpPr>
+      <p:grpSpPr>
+        <a:xfrm>
+          <a:off x="0" y="0"/>
+          <a:ext cx="0" cy="0"/>
+          <a:chOff x="0" y="0"/>
+          <a:chExt cx="0" cy="0"/>
+        </a:xfrm>
+      </p:grpSpPr>
+      <p:pic>
+        <p:nvPicPr>
+          <p:cNvPr id="4098" name="Picture 2" descr="transformer-self-attn">
+            <a:extLst>
+              <a:ext uri="{FF2B5EF4-FFF2-40B4-BE49-F238E27FC236}">
+                <a16:creationId xmlns:a16="http://schemas.microsoft.com/office/drawing/2014/main" id="{E48BEBC0-7E08-4B16-BA46-BE71D8FF1C97}"/>
+              </a:ext>
+            </a:extLst>
+          </p:cNvPr>
+          <p:cNvPicPr>
+            <a:picLocks noChangeAspect="1" noChangeArrowheads="1"/>
+          </p:cNvPicPr>
+          <p:nvPr/>
+        </p:nvPicPr>
+        <p:blipFill>
+          <a:blip r:embed="rId3">
+            <a:extLst>
+              <a:ext uri="{28A0092B-C50C-407E-A947-70E740481C1C}">
+                <a14:useLocalDpi xmlns:a14="http://schemas.microsoft.com/office/drawing/2010/main" val="0"/>
+              </a:ext>
+            </a:extLst>
+          </a:blip>
+          <a:srcRect/>
+          <a:stretch>
+            <a:fillRect/>
+          </a:stretch>
+        </p:blipFill>
+        <p:spPr bwMode="auto">
+          <a:xfrm>
+            <a:off x="1123950" y="2235708"/>
+            <a:ext cx="9944100" cy="2386584"/>
+          </a:xfrm>
+          <a:prstGeom prst="rect">
+            <a:avLst/>
+          </a:prstGeom>
+          <a:noFill/>
+          <a:extLst>
+            <a:ext uri="{909E8E84-426E-40DD-AFC4-6F175D3DCCD1}">
+              <a14:hiddenFill xmlns:a14="http://schemas.microsoft.com/office/drawing/2010/main">
+                <a:solidFill>
+                  <a:srgbClr val="FFFFFF"/>
+                </a:solidFill>
+              </a14:hiddenFill>
+            </a:ext>
+          </a:extLst>
+        </p:spPr>
+      </p:pic>
+      <p:sp>
+        <p:nvSpPr>
+          <p:cNvPr id="4" name="TextBox 3">
+            <a:extLst>
+              <a:ext uri="{FF2B5EF4-FFF2-40B4-BE49-F238E27FC236}">
+                <a16:creationId xmlns:a16="http://schemas.microsoft.com/office/drawing/2014/main" id="{7530BD8D-AB63-44BD-962E-C622287F485F}"/>
+              </a:ext>
+            </a:extLst>
+          </p:cNvPr>
+          <p:cNvSpPr txBox="1"/>
+          <p:nvPr/>
+        </p:nvSpPr>
+        <p:spPr>
+          <a:xfrm>
+            <a:off x="0" y="6550223"/>
+            <a:ext cx="12192000" cy="307777"/>
+          </a:xfrm>
+          <a:prstGeom prst="rect">
+            <a:avLst/>
+          </a:prstGeom>
+          <a:noFill/>
+        </p:spPr>
+        <p:txBody>
+          <a:bodyPr wrap="square" rtlCol="0">
+            <a:spAutoFit/>
+          </a:bodyPr>
+          <a:lstStyle/>
+          <a:p>
+            <a:r>
+              <a:rPr lang="en-US" sz="1400" dirty="0">
+                <a:solidFill>
+                  <a:schemeClr val="tx1">
+                    <a:lumMod val="65000"/>
+                    <a:lumOff val="35000"/>
+                  </a:schemeClr>
+                </a:solidFill>
+                <a:latin typeface="+mj-lt"/>
+                <a:ea typeface="Verdana" panose="020B0604030504040204" pitchFamily="34" charset="0"/>
+              </a:rPr>
+              <a:t>Source: Tunstall, L., et al (2022). </a:t>
+            </a:r>
+            <a:r>
+              <a:rPr lang="en-US" sz="1400" i="1" dirty="0">
+                <a:solidFill>
+                  <a:schemeClr val="tx1">
+                    <a:lumMod val="65000"/>
+                    <a:lumOff val="35000"/>
+                  </a:schemeClr>
+                </a:solidFill>
+                <a:latin typeface="+mj-lt"/>
+                <a:ea typeface="Verdana" panose="020B0604030504040204" pitchFamily="34" charset="0"/>
+              </a:rPr>
+              <a:t>Natural Language Processing with Transformers</a:t>
+            </a:r>
+            <a:r>
+              <a:rPr lang="en-US" sz="1400" dirty="0">
+                <a:solidFill>
+                  <a:schemeClr val="tx1">
+                    <a:lumMod val="65000"/>
+                    <a:lumOff val="35000"/>
+                  </a:schemeClr>
+                </a:solidFill>
+                <a:latin typeface="+mj-lt"/>
+                <a:ea typeface="Verdana" panose="020B0604030504040204" pitchFamily="34" charset="0"/>
+              </a:rPr>
+              <a:t>. </a:t>
+            </a:r>
+            <a:r>
+              <a:rPr lang="en-US" sz="1400" b="0" i="0" dirty="0">
+                <a:solidFill>
+                  <a:schemeClr val="tx1">
+                    <a:lumMod val="65000"/>
+                    <a:lumOff val="35000"/>
+                  </a:schemeClr>
+                </a:solidFill>
+                <a:effectLst/>
+                <a:latin typeface="+mj-lt"/>
+                <a:ea typeface="Verdana" panose="020B0604030504040204" pitchFamily="34" charset="0"/>
+              </a:rPr>
+              <a:t>Sebastopol, CA: </a:t>
+            </a:r>
+            <a:r>
+              <a:rPr lang="en-US" sz="1400" dirty="0">
+                <a:solidFill>
+                  <a:schemeClr val="tx1">
+                    <a:lumMod val="65000"/>
+                    <a:lumOff val="35000"/>
+                  </a:schemeClr>
+                </a:solidFill>
+                <a:latin typeface="+mj-lt"/>
+                <a:ea typeface="Verdana" panose="020B0604030504040204" pitchFamily="34" charset="0"/>
+              </a:rPr>
+              <a:t>O’Reilly Publishing</a:t>
+            </a:r>
+            <a:r>
+              <a:rPr lang="en-US" sz="1400" b="0" i="0" dirty="0">
+                <a:solidFill>
+                  <a:schemeClr val="tx1">
+                    <a:lumMod val="65000"/>
+                    <a:lumOff val="35000"/>
+                  </a:schemeClr>
+                </a:solidFill>
+                <a:effectLst/>
+                <a:latin typeface="+mj-lt"/>
+                <a:ea typeface="Verdana" panose="020B0604030504040204" pitchFamily="34" charset="0"/>
+              </a:rPr>
+              <a:t>. (Chapter 1)</a:t>
+            </a:r>
+            <a:endParaRPr lang="en-US" sz="1400" dirty="0">
+              <a:solidFill>
+                <a:schemeClr val="tx1">
+                  <a:lumMod val="65000"/>
+                  <a:lumOff val="35000"/>
+                </a:schemeClr>
+              </a:solidFill>
+              <a:latin typeface="+mj-lt"/>
+              <a:ea typeface="Verdana" panose="020B0604030504040204" pitchFamily="34" charset="0"/>
+            </a:endParaRPr>
+          </a:p>
+        </p:txBody>
+      </p:sp>
+    </p:spTree>
+    <p:extLst>
+      <p:ext uri="{BB962C8B-B14F-4D97-AF65-F5344CB8AC3E}">
+        <p14:creationId xmlns:p14="http://schemas.microsoft.com/office/powerpoint/2010/main" val="1684263449"/>
+      </p:ext>
+    </p:extLst>
+  </p:cSld>
+  <p:clrMapOvr>
+    <a:masterClrMapping/>
+  </p:clrMapOvr>
+  <mc:AlternateContent xmlns:mc="http://schemas.openxmlformats.org/markup-compatibility/2006" xmlns:p14="http://schemas.microsoft.com/office/powerpoint/2010/main">
+    <mc:Choice Requires="p14">
+      <p:transition spd="med" p14:dur="700">
+        <p:fade/>
+      </p:transition>
+    </mc:Choice>
+    <mc:Fallback xmlns="">
+      <p:transition spd="med">
+        <p:fade/>
+      </p:transition>
+    </mc:Fallback>
+  </mc:AlternateContent>
+</p:sld>
+</file>
+
+<file path=ppt/slides/slide17.xml><?xml version="1.0" encoding="utf-8"?>
+<p:sld xmlns:a="http://schemas.openxmlformats.org/drawingml/2006/main" xmlns:r="http://schemas.openxmlformats.org/officeDocument/2006/relationships" xmlns:p="http://schemas.openxmlformats.org/presentationml/2006/main">
+  <p:cSld>
+    <p:spTree>
+      <p:nvGrpSpPr>
+        <p:cNvPr id="1" name=""/>
+        <p:cNvGrpSpPr/>
+        <p:nvPr/>
+      </p:nvGrpSpPr>
+      <p:grpSpPr>
+        <a:xfrm>
+          <a:off x="0" y="0"/>
+          <a:ext cx="0" cy="0"/>
+          <a:chOff x="0" y="0"/>
+          <a:chExt cx="0" cy="0"/>
+        </a:xfrm>
+      </p:grpSpPr>
+      <p:pic>
+        <p:nvPicPr>
+          <p:cNvPr id="2050" name="Picture 2">
+            <a:extLst>
+              <a:ext uri="{FF2B5EF4-FFF2-40B4-BE49-F238E27FC236}">
+                <a16:creationId xmlns:a16="http://schemas.microsoft.com/office/drawing/2014/main" id="{E896329B-50C0-4434-8083-5AF2A8C36B9F}"/>
+              </a:ext>
+            </a:extLst>
+          </p:cNvPr>
+          <p:cNvPicPr>
+            <a:picLocks noChangeAspect="1" noChangeArrowheads="1" noCrop="1"/>
+          </p:cNvPicPr>
+          <p:nvPr/>
+        </p:nvPicPr>
+        <p:blipFill>
+          <a:blip r:embed="rId3">
+            <a:clrChange>
+              <a:clrFrom>
+                <a:srgbClr val="FEFCFE"/>
+              </a:clrFrom>
+              <a:clrTo>
+                <a:srgbClr val="FEFCFE">
+                  <a:alpha val="0"/>
+                </a:srgbClr>
+              </a:clrTo>
+            </a:clrChange>
+            <a:extLst>
+              <a:ext uri="{28A0092B-C50C-407E-A947-70E740481C1C}">
+                <a14:useLocalDpi xmlns:a14="http://schemas.microsoft.com/office/drawing/2010/main" val="0"/>
+              </a:ext>
+            </a:extLst>
+          </a:blip>
+          <a:srcRect/>
+          <a:stretch>
+            <a:fillRect/>
+          </a:stretch>
+        </p:blipFill>
+        <p:spPr bwMode="auto">
+          <a:xfrm>
+            <a:off x="1935474" y="1828120"/>
+            <a:ext cx="8321051" cy="3647394"/>
+          </a:xfrm>
+          <a:prstGeom prst="rect">
+            <a:avLst/>
+          </a:prstGeom>
+          <a:noFill/>
+          <a:extLst>
+            <a:ext uri="{909E8E84-426E-40DD-AFC4-6F175D3DCCD1}">
+              <a14:hiddenFill xmlns:a14="http://schemas.microsoft.com/office/drawing/2010/main">
+                <a:solidFill>
+                  <a:srgbClr val="FFFFFF"/>
+                </a:solidFill>
+              </a14:hiddenFill>
+            </a:ext>
+          </a:extLst>
+        </p:spPr>
+      </p:pic>
+      <p:sp>
+        <p:nvSpPr>
+          <p:cNvPr id="3" name="TextBox 2">
+            <a:extLst>
+              <a:ext uri="{FF2B5EF4-FFF2-40B4-BE49-F238E27FC236}">
+                <a16:creationId xmlns:a16="http://schemas.microsoft.com/office/drawing/2014/main" id="{63D11E46-A811-4E72-888D-3A814E300EDA}"/>
+              </a:ext>
+            </a:extLst>
+          </p:cNvPr>
+          <p:cNvSpPr txBox="1"/>
+          <p:nvPr/>
+        </p:nvSpPr>
+        <p:spPr>
+          <a:xfrm>
+            <a:off x="0" y="6550223"/>
+            <a:ext cx="12192000" cy="307777"/>
+          </a:xfrm>
+          <a:prstGeom prst="rect">
+            <a:avLst/>
+          </a:prstGeom>
+          <a:noFill/>
+        </p:spPr>
+        <p:txBody>
+          <a:bodyPr wrap="square" rtlCol="0">
+            <a:spAutoFit/>
+          </a:bodyPr>
+          <a:lstStyle/>
+          <a:p>
+            <a:r>
+              <a:rPr lang="en-US" sz="1400" dirty="0">
+                <a:solidFill>
+                  <a:schemeClr val="tx1">
+                    <a:lumMod val="65000"/>
+                    <a:lumOff val="35000"/>
+                  </a:schemeClr>
+                </a:solidFill>
+                <a:latin typeface="+mj-lt"/>
+                <a:ea typeface="Verdana" panose="020B0604030504040204" pitchFamily="34" charset="0"/>
+              </a:rPr>
+              <a:t>Image Credit: https://towardsdatascience.com/transformers-141e32e69591 </a:t>
+            </a:r>
+          </a:p>
+        </p:txBody>
+      </p:sp>
+    </p:spTree>
+    <p:extLst>
+      <p:ext uri="{BB962C8B-B14F-4D97-AF65-F5344CB8AC3E}">
+        <p14:creationId xmlns:p14="http://schemas.microsoft.com/office/powerpoint/2010/main" val="1412244647"/>
+      </p:ext>
+    </p:extLst>
+  </p:cSld>
+  <p:clrMapOvr>
+    <a:masterClrMapping/>
+  </p:clrMapOvr>
+  <mc:AlternateContent xmlns:mc="http://schemas.openxmlformats.org/markup-compatibility/2006" xmlns:p14="http://schemas.microsoft.com/office/powerpoint/2010/main">
+    <mc:Choice Requires="p14">
+      <p:transition spd="med" p14:dur="700">
+        <p:fade/>
+      </p:transition>
+    </mc:Choice>
+    <mc:Fallback xmlns="">
+      <p:transition spd="med">
+        <p:fade/>
+      </p:transition>
+    </mc:Fallback>
+  </mc:AlternateContent>
+</p:sld>
+</file>
+
+<file path=ppt/slides/slide18.xml><?xml version="1.0" encoding="utf-8"?>
+<p:sld xmlns:a="http://schemas.openxmlformats.org/drawingml/2006/main" xmlns:r="http://schemas.openxmlformats.org/officeDocument/2006/relationships" xmlns:p="http://schemas.openxmlformats.org/presentationml/2006/main">
+  <p:cSld>
+    <p:spTree>
+      <p:nvGrpSpPr>
+        <p:cNvPr id="1" name=""/>
+        <p:cNvGrpSpPr/>
+        <p:nvPr/>
+      </p:nvGrpSpPr>
+      <p:grpSpPr>
+        <a:xfrm>
+          <a:off x="0" y="0"/>
+          <a:ext cx="0" cy="0"/>
+          <a:chOff x="0" y="0"/>
+          <a:chExt cx="0" cy="0"/>
+        </a:xfrm>
+      </p:grpSpPr>
+      <p:pic>
+        <p:nvPicPr>
+          <p:cNvPr id="3" name="Picture 2" descr="Diagram&#10;&#10;Description automatically generated">
+            <a:extLst>
+              <a:ext uri="{FF2B5EF4-FFF2-40B4-BE49-F238E27FC236}">
+                <a16:creationId xmlns:a16="http://schemas.microsoft.com/office/drawing/2014/main" id="{D6EBD4A5-C726-E23B-0DBA-E3834D38C2C7}"/>
+              </a:ext>
+            </a:extLst>
+          </p:cNvPr>
+          <p:cNvPicPr>
+            <a:picLocks noChangeAspect="1"/>
+          </p:cNvPicPr>
+          <p:nvPr/>
+        </p:nvPicPr>
+        <p:blipFill>
+          <a:blip r:embed="rId2">
+            <a:extLst>
+              <a:ext uri="{28A0092B-C50C-407E-A947-70E740481C1C}">
+                <a14:useLocalDpi xmlns:a14="http://schemas.microsoft.com/office/drawing/2010/main" val="0"/>
+              </a:ext>
+            </a:extLst>
+          </a:blip>
+          <a:stretch>
+            <a:fillRect/>
+          </a:stretch>
+        </p:blipFill>
+        <p:spPr>
+          <a:xfrm>
+            <a:off x="2476206" y="1557908"/>
+            <a:ext cx="7239587" cy="3742183"/>
+          </a:xfrm>
+          <a:prstGeom prst="rect">
+            <a:avLst/>
+          </a:prstGeom>
+        </p:spPr>
+      </p:pic>
+    </p:spTree>
+    <p:extLst>
+      <p:ext uri="{BB962C8B-B14F-4D97-AF65-F5344CB8AC3E}">
+        <p14:creationId xmlns:p14="http://schemas.microsoft.com/office/powerpoint/2010/main" val="4211293172"/>
+      </p:ext>
+    </p:extLst>
+  </p:cSld>
+  <p:clrMapOvr>
+    <a:masterClrMapping/>
+  </p:clrMapOvr>
+</p:sld>
+</file>
+
+<file path=ppt/slides/slide19.xml><?xml version="1.0" encoding="utf-8"?>
+<p:sld xmlns:a="http://schemas.openxmlformats.org/drawingml/2006/main" xmlns:r="http://schemas.openxmlformats.org/officeDocument/2006/relationships" xmlns:p="http://schemas.openxmlformats.org/presentationml/2006/main">
+  <p:cSld>
+    <p:spTree>
+      <p:nvGrpSpPr>
+        <p:cNvPr id="1" name=""/>
+        <p:cNvGrpSpPr/>
+        <p:nvPr/>
+      </p:nvGrpSpPr>
+      <p:grpSpPr>
+        <a:xfrm>
+          <a:off x="0" y="0"/>
+          <a:ext cx="0" cy="0"/>
+          <a:chOff x="0" y="0"/>
+          <a:chExt cx="0" cy="0"/>
+        </a:xfrm>
+      </p:grpSpPr>
+      <p:pic>
+        <p:nvPicPr>
+          <p:cNvPr id="3" name="Picture 2" descr="Diagram&#10;&#10;Description automatically generated">
+            <a:extLst>
+              <a:ext uri="{FF2B5EF4-FFF2-40B4-BE49-F238E27FC236}">
+                <a16:creationId xmlns:a16="http://schemas.microsoft.com/office/drawing/2014/main" id="{5F4F0A4B-BEA7-BDA3-239E-C341825C534D}"/>
+              </a:ext>
+            </a:extLst>
+          </p:cNvPr>
+          <p:cNvPicPr>
+            <a:picLocks noChangeAspect="1"/>
+          </p:cNvPicPr>
+          <p:nvPr/>
+        </p:nvPicPr>
+        <p:blipFill>
+          <a:blip r:embed="rId2">
+            <a:extLst>
+              <a:ext uri="{28A0092B-C50C-407E-A947-70E740481C1C}">
+                <a14:useLocalDpi xmlns:a14="http://schemas.microsoft.com/office/drawing/2010/main" val="0"/>
+              </a:ext>
+            </a:extLst>
+          </a:blip>
+          <a:stretch>
+            <a:fillRect/>
+          </a:stretch>
+        </p:blipFill>
+        <p:spPr>
+          <a:xfrm>
+            <a:off x="2696142" y="693422"/>
+            <a:ext cx="6799715" cy="2034251"/>
+          </a:xfrm>
+          <a:prstGeom prst="rect">
+            <a:avLst/>
+          </a:prstGeom>
+        </p:spPr>
+      </p:pic>
+      <p:pic>
+        <p:nvPicPr>
+          <p:cNvPr id="7" name="Picture 6" descr="Diagram, schematic&#10;&#10;Description automatically generated">
+            <a:extLst>
+              <a:ext uri="{FF2B5EF4-FFF2-40B4-BE49-F238E27FC236}">
+                <a16:creationId xmlns:a16="http://schemas.microsoft.com/office/drawing/2014/main" id="{49F66056-8AFA-FFD7-CEAC-7C6990EE3004}"/>
+              </a:ext>
+            </a:extLst>
+          </p:cNvPr>
+          <p:cNvPicPr>
+            <a:picLocks noChangeAspect="1"/>
+          </p:cNvPicPr>
+          <p:nvPr/>
+        </p:nvPicPr>
+        <p:blipFill>
+          <a:blip r:embed="rId3">
+            <a:extLst>
+              <a:ext uri="{28A0092B-C50C-407E-A947-70E740481C1C}">
+                <a14:useLocalDpi xmlns:a14="http://schemas.microsoft.com/office/drawing/2010/main" val="0"/>
+              </a:ext>
+            </a:extLst>
+          </a:blip>
+          <a:stretch>
+            <a:fillRect/>
+          </a:stretch>
+        </p:blipFill>
+        <p:spPr>
+          <a:xfrm>
+            <a:off x="2696142" y="3496053"/>
+            <a:ext cx="6799715" cy="2424685"/>
+          </a:xfrm>
+          <a:prstGeom prst="rect">
+            <a:avLst/>
+          </a:prstGeom>
+        </p:spPr>
+      </p:pic>
+    </p:spTree>
+    <p:extLst>
+      <p:ext uri="{BB962C8B-B14F-4D97-AF65-F5344CB8AC3E}">
+        <p14:creationId xmlns:p14="http://schemas.microsoft.com/office/powerpoint/2010/main" val="3553326363"/>
+      </p:ext>
+    </p:extLst>
+  </p:cSld>
+  <p:clrMapOvr>
+    <a:masterClrMapping/>
+  </p:clrMapOvr>
+</p:sld>
+</file>
+
+<file path=ppt/slides/slide2.xml><?xml version="1.0" encoding="utf-8"?>
+<p:sld xmlns:a="http://schemas.openxmlformats.org/drawingml/2006/main" xmlns:r="http://schemas.openxmlformats.org/officeDocument/2006/relationships" xmlns:p="http://schemas.openxmlformats.org/presentationml/2006/main">
+  <p:cSld>
+    <p:spTree>
+      <p:nvGrpSpPr>
+        <p:cNvPr id="1" name=""/>
+        <p:cNvGrpSpPr/>
+        <p:nvPr/>
+      </p:nvGrpSpPr>
+      <p:grpSpPr>
+        <a:xfrm>
+          <a:off x="0" y="0"/>
+          <a:ext cx="0" cy="0"/>
+          <a:chOff x="0" y="0"/>
+          <a:chExt cx="0" cy="0"/>
+        </a:xfrm>
+      </p:grpSpPr>
+      <p:sp>
+        <p:nvSpPr>
+          <p:cNvPr id="2" name="Title 1">
+            <a:extLst>
+              <a:ext uri="{FF2B5EF4-FFF2-40B4-BE49-F238E27FC236}">
+                <a16:creationId xmlns:a16="http://schemas.microsoft.com/office/drawing/2014/main" id="{0E138177-E2EE-ACAC-A57C-F03FA29EC836}"/>
+              </a:ext>
+            </a:extLst>
+          </p:cNvPr>
+          <p:cNvSpPr>
+            <a:spLocks noGrp="1"/>
+          </p:cNvSpPr>
+          <p:nvPr>
+            <p:ph type="title"/>
+          </p:nvPr>
+        </p:nvSpPr>
+        <p:spPr/>
+        <p:txBody>
+          <a:bodyPr/>
+          <a:lstStyle/>
+          <a:p>
+            <a:r>
+              <a:rPr lang="en-US" dirty="0">
+                <a:solidFill>
+                  <a:schemeClr val="tx1">
+                    <a:lumMod val="75000"/>
+                    <a:lumOff val="25000"/>
+                  </a:schemeClr>
+                </a:solidFill>
+                <a:latin typeface="Palatino Linotype" panose="02040502050505030304" pitchFamily="18" charset="0"/>
+              </a:rPr>
+              <a:t>Lesson Overview</a:t>
+            </a:r>
+          </a:p>
+        </p:txBody>
+      </p:sp>
+      <p:sp>
+        <p:nvSpPr>
+          <p:cNvPr id="3" name="Content Placeholder 2">
+            <a:extLst>
+              <a:ext uri="{FF2B5EF4-FFF2-40B4-BE49-F238E27FC236}">
+                <a16:creationId xmlns:a16="http://schemas.microsoft.com/office/drawing/2014/main" id="{8626DB86-54B4-A1E2-6C25-C049F364ED25}"/>
+              </a:ext>
+            </a:extLst>
+          </p:cNvPr>
+          <p:cNvSpPr>
+            <a:spLocks noGrp="1"/>
+          </p:cNvSpPr>
+          <p:nvPr>
+            <p:ph idx="1"/>
+          </p:nvPr>
+        </p:nvSpPr>
+        <p:spPr>
+          <a:xfrm>
+            <a:off x="1013564" y="1825626"/>
+            <a:ext cx="10515600" cy="504215"/>
+          </a:xfrm>
+        </p:spPr>
+        <p:txBody>
+          <a:bodyPr/>
+          <a:lstStyle/>
+          <a:p>
+            <a:pPr>
+              <a:buFont typeface="Wingdings" panose="05000000000000000000" pitchFamily="2" charset="2"/>
+              <a:buChar char="Ø"/>
+            </a:pPr>
+            <a:r>
+              <a:rPr lang="en-US" dirty="0">
+                <a:solidFill>
+                  <a:schemeClr val="tx1">
+                    <a:lumMod val="75000"/>
+                    <a:lumOff val="25000"/>
+                  </a:schemeClr>
+                </a:solidFill>
+              </a:rPr>
+              <a:t> </a:t>
+            </a:r>
+            <a:r>
+              <a:rPr lang="en-US" dirty="0">
+                <a:solidFill>
+                  <a:schemeClr val="tx1">
+                    <a:lumMod val="75000"/>
+                    <a:lumOff val="25000"/>
+                  </a:schemeClr>
+                </a:solidFill>
+                <a:latin typeface="Palatino Linotype" panose="02040502050505030304" pitchFamily="18" charset="0"/>
+              </a:rPr>
+              <a:t>Learning Objective 1</a:t>
+            </a:r>
+          </a:p>
+        </p:txBody>
+      </p:sp>
+      <p:sp>
+        <p:nvSpPr>
+          <p:cNvPr id="5" name="Content Placeholder 2">
+            <a:extLst>
+              <a:ext uri="{FF2B5EF4-FFF2-40B4-BE49-F238E27FC236}">
+                <a16:creationId xmlns:a16="http://schemas.microsoft.com/office/drawing/2014/main" id="{7070644F-62DF-8674-4A8A-C2FA1554028E}"/>
+              </a:ext>
+            </a:extLst>
+          </p:cNvPr>
+          <p:cNvSpPr txBox="1">
+            <a:spLocks/>
+          </p:cNvSpPr>
+          <p:nvPr/>
+        </p:nvSpPr>
+        <p:spPr>
+          <a:xfrm>
+            <a:off x="1013564" y="2464778"/>
+            <a:ext cx="10515600" cy="504215"/>
+          </a:xfrm>
+          <a:prstGeom prst="rect">
+            <a:avLst/>
+          </a:prstGeom>
+        </p:spPr>
+        <p:txBody>
+          <a:bodyPr vert="horz" lIns="91440" tIns="45720" rIns="91440" bIns="45720" rtlCol="0">
+            <a:normAutofit/>
+          </a:bodyPr>
+          <a:lstStyle>
+            <a:lvl1pPr marL="228600" indent="-228600" algn="l" defTabSz="914400" rtl="0" eaLnBrk="1" latinLnBrk="0" hangingPunct="1">
+              <a:lnSpc>
+                <a:spcPct val="90000"/>
+              </a:lnSpc>
+              <a:spcBef>
+                <a:spcPts val="1000"/>
+              </a:spcBef>
+              <a:buFont typeface="Arial" panose="020B0604020202020204" pitchFamily="34" charset="0"/>
+              <a:buChar char="•"/>
+              <a:defRPr sz="2800" kern="1200">
+                <a:solidFill>
+                  <a:schemeClr val="tx1"/>
+                </a:solidFill>
+                <a:latin typeface="+mn-lt"/>
+                <a:ea typeface="+mn-ea"/>
+                <a:cs typeface="+mn-cs"/>
+              </a:defRPr>
+            </a:lvl1pPr>
+            <a:lvl2pPr marL="685800" indent="-228600" algn="l" defTabSz="914400" rtl="0" eaLnBrk="1" latinLnBrk="0" hangingPunct="1">
+              <a:lnSpc>
+                <a:spcPct val="90000"/>
+              </a:lnSpc>
+              <a:spcBef>
+                <a:spcPts val="500"/>
+              </a:spcBef>
+              <a:buFont typeface="Arial" panose="020B0604020202020204" pitchFamily="34" charset="0"/>
+              <a:buChar char="•"/>
+              <a:defRPr sz="2400" kern="1200">
+                <a:solidFill>
+                  <a:schemeClr val="tx1"/>
+                </a:solidFill>
+                <a:latin typeface="+mn-lt"/>
+                <a:ea typeface="+mn-ea"/>
+                <a:cs typeface="+mn-cs"/>
+              </a:defRPr>
+            </a:lvl2pPr>
+            <a:lvl3pPr marL="1143000" indent="-228600" algn="l" defTabSz="914400" rtl="0" eaLnBrk="1" latinLnBrk="0" hangingPunct="1">
+              <a:lnSpc>
+                <a:spcPct val="90000"/>
+              </a:lnSpc>
+              <a:spcBef>
+                <a:spcPts val="500"/>
+              </a:spcBef>
+              <a:buFont typeface="Arial" panose="020B0604020202020204" pitchFamily="34" charset="0"/>
+              <a:buChar char="•"/>
+              <a:defRPr sz="2000" kern="1200">
+                <a:solidFill>
+                  <a:schemeClr val="tx1"/>
+                </a:solidFill>
+                <a:latin typeface="+mn-lt"/>
+                <a:ea typeface="+mn-ea"/>
+                <a:cs typeface="+mn-cs"/>
+              </a:defRPr>
+            </a:lvl3pPr>
+            <a:lvl4pPr marL="1600200" indent="-228600" algn="l" defTabSz="914400" rtl="0" eaLnBrk="1" latinLnBrk="0" hangingPunct="1">
+              <a:lnSpc>
+                <a:spcPct val="90000"/>
+              </a:lnSpc>
+              <a:spcBef>
+                <a:spcPts val="500"/>
+              </a:spcBef>
+              <a:buFont typeface="Arial" panose="020B0604020202020204" pitchFamily="34" charset="0"/>
+              <a:buChar char="•"/>
+              <a:defRPr sz="1800" kern="1200">
+                <a:solidFill>
+                  <a:schemeClr val="tx1"/>
+                </a:solidFill>
+                <a:latin typeface="+mn-lt"/>
+                <a:ea typeface="+mn-ea"/>
+                <a:cs typeface="+mn-cs"/>
+              </a:defRPr>
+            </a:lvl4pPr>
+            <a:lvl5pPr marL="2057400" indent="-228600" algn="l" defTabSz="914400" rtl="0" eaLnBrk="1" latinLnBrk="0" hangingPunct="1">
+              <a:lnSpc>
+                <a:spcPct val="90000"/>
+              </a:lnSpc>
+              <a:spcBef>
+                <a:spcPts val="500"/>
+              </a:spcBef>
+              <a:buFont typeface="Arial" panose="020B0604020202020204" pitchFamily="34" charset="0"/>
+              <a:buChar char="•"/>
+              <a:defRPr sz="1800" kern="1200">
+                <a:solidFill>
+                  <a:schemeClr val="tx1"/>
+                </a:solidFill>
+                <a:latin typeface="+mn-lt"/>
+                <a:ea typeface="+mn-ea"/>
+                <a:cs typeface="+mn-cs"/>
+              </a:defRPr>
+            </a:lvl5pPr>
+            <a:lvl6pPr marL="2514600" indent="-228600" algn="l" defTabSz="914400" rtl="0" eaLnBrk="1" latinLnBrk="0" hangingPunct="1">
+              <a:lnSpc>
+                <a:spcPct val="90000"/>
+              </a:lnSpc>
+              <a:spcBef>
+                <a:spcPts val="500"/>
+              </a:spcBef>
+              <a:buFont typeface="Arial" panose="020B0604020202020204" pitchFamily="34" charset="0"/>
+              <a:buChar char="•"/>
+              <a:defRPr sz="1800" kern="1200">
+                <a:solidFill>
+                  <a:schemeClr val="tx1"/>
+                </a:solidFill>
+                <a:latin typeface="+mn-lt"/>
+                <a:ea typeface="+mn-ea"/>
+                <a:cs typeface="+mn-cs"/>
+              </a:defRPr>
+            </a:lvl6pPr>
+            <a:lvl7pPr marL="2971800" indent="-228600" algn="l" defTabSz="914400" rtl="0" eaLnBrk="1" latinLnBrk="0" hangingPunct="1">
+              <a:lnSpc>
+                <a:spcPct val="90000"/>
+              </a:lnSpc>
+              <a:spcBef>
+                <a:spcPts val="500"/>
+              </a:spcBef>
+              <a:buFont typeface="Arial" panose="020B0604020202020204" pitchFamily="34" charset="0"/>
+              <a:buChar char="•"/>
+              <a:defRPr sz="1800" kern="1200">
+                <a:solidFill>
+                  <a:schemeClr val="tx1"/>
+                </a:solidFill>
+                <a:latin typeface="+mn-lt"/>
+                <a:ea typeface="+mn-ea"/>
+                <a:cs typeface="+mn-cs"/>
+              </a:defRPr>
+            </a:lvl7pPr>
+            <a:lvl8pPr marL="3429000" indent="-228600" algn="l" defTabSz="914400" rtl="0" eaLnBrk="1" latinLnBrk="0" hangingPunct="1">
+              <a:lnSpc>
+                <a:spcPct val="90000"/>
+              </a:lnSpc>
+              <a:spcBef>
+                <a:spcPts val="500"/>
+              </a:spcBef>
+              <a:buFont typeface="Arial" panose="020B0604020202020204" pitchFamily="34" charset="0"/>
+              <a:buChar char="•"/>
+              <a:defRPr sz="1800" kern="1200">
+                <a:solidFill>
+                  <a:schemeClr val="tx1"/>
+                </a:solidFill>
+                <a:latin typeface="+mn-lt"/>
+                <a:ea typeface="+mn-ea"/>
+                <a:cs typeface="+mn-cs"/>
+              </a:defRPr>
+            </a:lvl8pPr>
+            <a:lvl9pPr marL="3886200" indent="-228600" algn="l" defTabSz="914400" rtl="0" eaLnBrk="1" latinLnBrk="0" hangingPunct="1">
+              <a:lnSpc>
+                <a:spcPct val="90000"/>
+              </a:lnSpc>
+              <a:spcBef>
+                <a:spcPts val="500"/>
+              </a:spcBef>
+              <a:buFont typeface="Arial" panose="020B0604020202020204" pitchFamily="34" charset="0"/>
+              <a:buChar char="•"/>
+              <a:defRPr sz="1800" kern="1200">
+                <a:solidFill>
+                  <a:schemeClr val="tx1"/>
+                </a:solidFill>
+                <a:latin typeface="+mn-lt"/>
+                <a:ea typeface="+mn-ea"/>
+                <a:cs typeface="+mn-cs"/>
+              </a:defRPr>
+            </a:lvl9pPr>
+          </a:lstStyle>
+          <a:p>
+            <a:pPr>
+              <a:buFont typeface="Wingdings" panose="05000000000000000000" pitchFamily="2" charset="2"/>
+              <a:buChar char="Ø"/>
+            </a:pPr>
+            <a:r>
+              <a:rPr lang="en-US" dirty="0">
+                <a:solidFill>
+                  <a:schemeClr val="tx1">
+                    <a:lumMod val="75000"/>
+                    <a:lumOff val="25000"/>
+                  </a:schemeClr>
+                </a:solidFill>
+              </a:rPr>
+              <a:t> </a:t>
+            </a:r>
+            <a:r>
+              <a:rPr lang="en-US" dirty="0">
+                <a:solidFill>
+                  <a:schemeClr val="tx1">
+                    <a:lumMod val="75000"/>
+                    <a:lumOff val="25000"/>
+                  </a:schemeClr>
+                </a:solidFill>
+                <a:latin typeface="Palatino Linotype" panose="02040502050505030304" pitchFamily="18" charset="0"/>
+              </a:rPr>
+              <a:t>Learning Objective 1</a:t>
+            </a:r>
+          </a:p>
+        </p:txBody>
+      </p:sp>
+      <p:sp>
+        <p:nvSpPr>
+          <p:cNvPr id="6" name="Content Placeholder 2">
+            <a:extLst>
+              <a:ext uri="{FF2B5EF4-FFF2-40B4-BE49-F238E27FC236}">
+                <a16:creationId xmlns:a16="http://schemas.microsoft.com/office/drawing/2014/main" id="{FF2490E1-D7A0-7027-6DCC-60BB6819CD9E}"/>
+              </a:ext>
+            </a:extLst>
+          </p:cNvPr>
+          <p:cNvSpPr txBox="1">
+            <a:spLocks/>
+          </p:cNvSpPr>
+          <p:nvPr/>
+        </p:nvSpPr>
+        <p:spPr>
+          <a:xfrm>
+            <a:off x="1013564" y="3103930"/>
+            <a:ext cx="10515600" cy="504215"/>
+          </a:xfrm>
+          <a:prstGeom prst="rect">
+            <a:avLst/>
+          </a:prstGeom>
+        </p:spPr>
+        <p:txBody>
+          <a:bodyPr vert="horz" lIns="91440" tIns="45720" rIns="91440" bIns="45720" rtlCol="0">
+            <a:normAutofit/>
+          </a:bodyPr>
+          <a:lstStyle>
+            <a:lvl1pPr marL="228600" indent="-228600" algn="l" defTabSz="914400" rtl="0" eaLnBrk="1" latinLnBrk="0" hangingPunct="1">
+              <a:lnSpc>
+                <a:spcPct val="90000"/>
+              </a:lnSpc>
+              <a:spcBef>
+                <a:spcPts val="1000"/>
+              </a:spcBef>
+              <a:buFont typeface="Arial" panose="020B0604020202020204" pitchFamily="34" charset="0"/>
+              <a:buChar char="•"/>
+              <a:defRPr sz="2800" kern="1200">
+                <a:solidFill>
+                  <a:schemeClr val="tx1"/>
+                </a:solidFill>
+                <a:latin typeface="+mn-lt"/>
+                <a:ea typeface="+mn-ea"/>
+                <a:cs typeface="+mn-cs"/>
+              </a:defRPr>
+            </a:lvl1pPr>
+            <a:lvl2pPr marL="685800" indent="-228600" algn="l" defTabSz="914400" rtl="0" eaLnBrk="1" latinLnBrk="0" hangingPunct="1">
+              <a:lnSpc>
+                <a:spcPct val="90000"/>
+              </a:lnSpc>
+              <a:spcBef>
+                <a:spcPts val="500"/>
+              </a:spcBef>
+              <a:buFont typeface="Arial" panose="020B0604020202020204" pitchFamily="34" charset="0"/>
+              <a:buChar char="•"/>
+              <a:defRPr sz="2400" kern="1200">
+                <a:solidFill>
+                  <a:schemeClr val="tx1"/>
+                </a:solidFill>
+                <a:latin typeface="+mn-lt"/>
+                <a:ea typeface="+mn-ea"/>
+                <a:cs typeface="+mn-cs"/>
+              </a:defRPr>
+            </a:lvl2pPr>
+            <a:lvl3pPr marL="1143000" indent="-228600" algn="l" defTabSz="914400" rtl="0" eaLnBrk="1" latinLnBrk="0" hangingPunct="1">
+              <a:lnSpc>
+                <a:spcPct val="90000"/>
+              </a:lnSpc>
+              <a:spcBef>
+                <a:spcPts val="500"/>
+              </a:spcBef>
+              <a:buFont typeface="Arial" panose="020B0604020202020204" pitchFamily="34" charset="0"/>
+              <a:buChar char="•"/>
+              <a:defRPr sz="2000" kern="1200">
+                <a:solidFill>
+                  <a:schemeClr val="tx1"/>
+                </a:solidFill>
+                <a:latin typeface="+mn-lt"/>
+                <a:ea typeface="+mn-ea"/>
+                <a:cs typeface="+mn-cs"/>
+              </a:defRPr>
+            </a:lvl3pPr>
+            <a:lvl4pPr marL="1600200" indent="-228600" algn="l" defTabSz="914400" rtl="0" eaLnBrk="1" latinLnBrk="0" hangingPunct="1">
+              <a:lnSpc>
+                <a:spcPct val="90000"/>
+              </a:lnSpc>
+              <a:spcBef>
+                <a:spcPts val="500"/>
+              </a:spcBef>
+              <a:buFont typeface="Arial" panose="020B0604020202020204" pitchFamily="34" charset="0"/>
+              <a:buChar char="•"/>
+              <a:defRPr sz="1800" kern="1200">
+                <a:solidFill>
+                  <a:schemeClr val="tx1"/>
+                </a:solidFill>
+                <a:latin typeface="+mn-lt"/>
+                <a:ea typeface="+mn-ea"/>
+                <a:cs typeface="+mn-cs"/>
+              </a:defRPr>
+            </a:lvl4pPr>
+            <a:lvl5pPr marL="2057400" indent="-228600" algn="l" defTabSz="914400" rtl="0" eaLnBrk="1" latinLnBrk="0" hangingPunct="1">
+              <a:lnSpc>
+                <a:spcPct val="90000"/>
+              </a:lnSpc>
+              <a:spcBef>
+                <a:spcPts val="500"/>
+              </a:spcBef>
+              <a:buFont typeface="Arial" panose="020B0604020202020204" pitchFamily="34" charset="0"/>
+              <a:buChar char="•"/>
+              <a:defRPr sz="1800" kern="1200">
+                <a:solidFill>
+                  <a:schemeClr val="tx1"/>
+                </a:solidFill>
+                <a:latin typeface="+mn-lt"/>
+                <a:ea typeface="+mn-ea"/>
+                <a:cs typeface="+mn-cs"/>
+              </a:defRPr>
+            </a:lvl5pPr>
+            <a:lvl6pPr marL="2514600" indent="-228600" algn="l" defTabSz="914400" rtl="0" eaLnBrk="1" latinLnBrk="0" hangingPunct="1">
+              <a:lnSpc>
+                <a:spcPct val="90000"/>
+              </a:lnSpc>
+              <a:spcBef>
+                <a:spcPts val="500"/>
+              </a:spcBef>
+              <a:buFont typeface="Arial" panose="020B0604020202020204" pitchFamily="34" charset="0"/>
+              <a:buChar char="•"/>
+              <a:defRPr sz="1800" kern="1200">
+                <a:solidFill>
+                  <a:schemeClr val="tx1"/>
+                </a:solidFill>
+                <a:latin typeface="+mn-lt"/>
+                <a:ea typeface="+mn-ea"/>
+                <a:cs typeface="+mn-cs"/>
+              </a:defRPr>
+            </a:lvl6pPr>
+            <a:lvl7pPr marL="2971800" indent="-228600" algn="l" defTabSz="914400" rtl="0" eaLnBrk="1" latinLnBrk="0" hangingPunct="1">
+              <a:lnSpc>
+                <a:spcPct val="90000"/>
+              </a:lnSpc>
+              <a:spcBef>
+                <a:spcPts val="500"/>
+              </a:spcBef>
+              <a:buFont typeface="Arial" panose="020B0604020202020204" pitchFamily="34" charset="0"/>
+              <a:buChar char="•"/>
+              <a:defRPr sz="1800" kern="1200">
+                <a:solidFill>
+                  <a:schemeClr val="tx1"/>
+                </a:solidFill>
+                <a:latin typeface="+mn-lt"/>
+                <a:ea typeface="+mn-ea"/>
+                <a:cs typeface="+mn-cs"/>
+              </a:defRPr>
+            </a:lvl7pPr>
+            <a:lvl8pPr marL="3429000" indent="-228600" algn="l" defTabSz="914400" rtl="0" eaLnBrk="1" latinLnBrk="0" hangingPunct="1">
+              <a:lnSpc>
+                <a:spcPct val="90000"/>
+              </a:lnSpc>
+              <a:spcBef>
+                <a:spcPts val="500"/>
+              </a:spcBef>
+              <a:buFont typeface="Arial" panose="020B0604020202020204" pitchFamily="34" charset="0"/>
+              <a:buChar char="•"/>
+              <a:defRPr sz="1800" kern="1200">
+                <a:solidFill>
+                  <a:schemeClr val="tx1"/>
+                </a:solidFill>
+                <a:latin typeface="+mn-lt"/>
+                <a:ea typeface="+mn-ea"/>
+                <a:cs typeface="+mn-cs"/>
+              </a:defRPr>
+            </a:lvl8pPr>
+            <a:lvl9pPr marL="3886200" indent="-228600" algn="l" defTabSz="914400" rtl="0" eaLnBrk="1" latinLnBrk="0" hangingPunct="1">
+              <a:lnSpc>
+                <a:spcPct val="90000"/>
+              </a:lnSpc>
+              <a:spcBef>
+                <a:spcPts val="500"/>
+              </a:spcBef>
+              <a:buFont typeface="Arial" panose="020B0604020202020204" pitchFamily="34" charset="0"/>
+              <a:buChar char="•"/>
+              <a:defRPr sz="1800" kern="1200">
+                <a:solidFill>
+                  <a:schemeClr val="tx1"/>
+                </a:solidFill>
+                <a:latin typeface="+mn-lt"/>
+                <a:ea typeface="+mn-ea"/>
+                <a:cs typeface="+mn-cs"/>
+              </a:defRPr>
+            </a:lvl9pPr>
+          </a:lstStyle>
+          <a:p>
+            <a:pPr>
+              <a:buFont typeface="Wingdings" panose="05000000000000000000" pitchFamily="2" charset="2"/>
+              <a:buChar char="Ø"/>
+            </a:pPr>
+            <a:r>
+              <a:rPr lang="en-US" dirty="0">
+                <a:solidFill>
+                  <a:schemeClr val="tx1">
+                    <a:lumMod val="75000"/>
+                    <a:lumOff val="25000"/>
+                  </a:schemeClr>
+                </a:solidFill>
+              </a:rPr>
+              <a:t> </a:t>
+            </a:r>
+            <a:r>
+              <a:rPr lang="en-US" dirty="0">
+                <a:solidFill>
+                  <a:schemeClr val="tx1">
+                    <a:lumMod val="75000"/>
+                    <a:lumOff val="25000"/>
+                  </a:schemeClr>
+                </a:solidFill>
+                <a:latin typeface="Palatino Linotype" panose="02040502050505030304" pitchFamily="18" charset="0"/>
+              </a:rPr>
+              <a:t>Learning Objective 1</a:t>
+            </a:r>
+          </a:p>
+        </p:txBody>
+      </p:sp>
+      <p:sp>
+        <p:nvSpPr>
+          <p:cNvPr id="7" name="Content Placeholder 2">
+            <a:extLst>
+              <a:ext uri="{FF2B5EF4-FFF2-40B4-BE49-F238E27FC236}">
+                <a16:creationId xmlns:a16="http://schemas.microsoft.com/office/drawing/2014/main" id="{6D3279E5-D518-B484-9FCF-B12663A4E8FF}"/>
+              </a:ext>
+            </a:extLst>
+          </p:cNvPr>
+          <p:cNvSpPr txBox="1">
+            <a:spLocks/>
+          </p:cNvSpPr>
+          <p:nvPr/>
+        </p:nvSpPr>
+        <p:spPr>
+          <a:xfrm>
+            <a:off x="1013564" y="3743082"/>
+            <a:ext cx="10515600" cy="504215"/>
+          </a:xfrm>
+          <a:prstGeom prst="rect">
+            <a:avLst/>
+          </a:prstGeom>
+        </p:spPr>
+        <p:txBody>
+          <a:bodyPr vert="horz" lIns="91440" tIns="45720" rIns="91440" bIns="45720" rtlCol="0">
+            <a:normAutofit/>
+          </a:bodyPr>
+          <a:lstStyle>
+            <a:lvl1pPr marL="228600" indent="-228600" algn="l" defTabSz="914400" rtl="0" eaLnBrk="1" latinLnBrk="0" hangingPunct="1">
+              <a:lnSpc>
+                <a:spcPct val="90000"/>
+              </a:lnSpc>
+              <a:spcBef>
+                <a:spcPts val="1000"/>
+              </a:spcBef>
+              <a:buFont typeface="Arial" panose="020B0604020202020204" pitchFamily="34" charset="0"/>
+              <a:buChar char="•"/>
+              <a:defRPr sz="2800" kern="1200">
+                <a:solidFill>
+                  <a:schemeClr val="tx1"/>
+                </a:solidFill>
+                <a:latin typeface="+mn-lt"/>
+                <a:ea typeface="+mn-ea"/>
+                <a:cs typeface="+mn-cs"/>
+              </a:defRPr>
+            </a:lvl1pPr>
+            <a:lvl2pPr marL="685800" indent="-228600" algn="l" defTabSz="914400" rtl="0" eaLnBrk="1" latinLnBrk="0" hangingPunct="1">
+              <a:lnSpc>
+                <a:spcPct val="90000"/>
+              </a:lnSpc>
+              <a:spcBef>
+                <a:spcPts val="500"/>
+              </a:spcBef>
+              <a:buFont typeface="Arial" panose="020B0604020202020204" pitchFamily="34" charset="0"/>
+              <a:buChar char="•"/>
+              <a:defRPr sz="2400" kern="1200">
+                <a:solidFill>
+                  <a:schemeClr val="tx1"/>
+                </a:solidFill>
+                <a:latin typeface="+mn-lt"/>
+                <a:ea typeface="+mn-ea"/>
+                <a:cs typeface="+mn-cs"/>
+              </a:defRPr>
+            </a:lvl2pPr>
+            <a:lvl3pPr marL="1143000" indent="-228600" algn="l" defTabSz="914400" rtl="0" eaLnBrk="1" latinLnBrk="0" hangingPunct="1">
+              <a:lnSpc>
+                <a:spcPct val="90000"/>
+              </a:lnSpc>
+              <a:spcBef>
+                <a:spcPts val="500"/>
+              </a:spcBef>
+              <a:buFont typeface="Arial" panose="020B0604020202020204" pitchFamily="34" charset="0"/>
+              <a:buChar char="•"/>
+              <a:defRPr sz="2000" kern="1200">
+                <a:solidFill>
+                  <a:schemeClr val="tx1"/>
+                </a:solidFill>
+                <a:latin typeface="+mn-lt"/>
+                <a:ea typeface="+mn-ea"/>
+                <a:cs typeface="+mn-cs"/>
+              </a:defRPr>
+            </a:lvl3pPr>
+            <a:lvl4pPr marL="1600200" indent="-228600" algn="l" defTabSz="914400" rtl="0" eaLnBrk="1" latinLnBrk="0" hangingPunct="1">
+              <a:lnSpc>
+                <a:spcPct val="90000"/>
+              </a:lnSpc>
+              <a:spcBef>
+                <a:spcPts val="500"/>
+              </a:spcBef>
+              <a:buFont typeface="Arial" panose="020B0604020202020204" pitchFamily="34" charset="0"/>
+              <a:buChar char="•"/>
+              <a:defRPr sz="1800" kern="1200">
+                <a:solidFill>
+                  <a:schemeClr val="tx1"/>
+                </a:solidFill>
+                <a:latin typeface="+mn-lt"/>
+                <a:ea typeface="+mn-ea"/>
+                <a:cs typeface="+mn-cs"/>
+              </a:defRPr>
+            </a:lvl4pPr>
+            <a:lvl5pPr marL="2057400" indent="-228600" algn="l" defTabSz="914400" rtl="0" eaLnBrk="1" latinLnBrk="0" hangingPunct="1">
+              <a:lnSpc>
+                <a:spcPct val="90000"/>
+              </a:lnSpc>
+              <a:spcBef>
+                <a:spcPts val="500"/>
+              </a:spcBef>
+              <a:buFont typeface="Arial" panose="020B0604020202020204" pitchFamily="34" charset="0"/>
+              <a:buChar char="•"/>
+              <a:defRPr sz="1800" kern="1200">
+                <a:solidFill>
+                  <a:schemeClr val="tx1"/>
+                </a:solidFill>
+                <a:latin typeface="+mn-lt"/>
+                <a:ea typeface="+mn-ea"/>
+                <a:cs typeface="+mn-cs"/>
+              </a:defRPr>
+            </a:lvl5pPr>
+            <a:lvl6pPr marL="2514600" indent="-228600" algn="l" defTabSz="914400" rtl="0" eaLnBrk="1" latinLnBrk="0" hangingPunct="1">
+              <a:lnSpc>
+                <a:spcPct val="90000"/>
+              </a:lnSpc>
+              <a:spcBef>
+                <a:spcPts val="500"/>
+              </a:spcBef>
+              <a:buFont typeface="Arial" panose="020B0604020202020204" pitchFamily="34" charset="0"/>
+              <a:buChar char="•"/>
+              <a:defRPr sz="1800" kern="1200">
+                <a:solidFill>
+                  <a:schemeClr val="tx1"/>
+                </a:solidFill>
+                <a:latin typeface="+mn-lt"/>
+                <a:ea typeface="+mn-ea"/>
+                <a:cs typeface="+mn-cs"/>
+              </a:defRPr>
+            </a:lvl6pPr>
+            <a:lvl7pPr marL="2971800" indent="-228600" algn="l" defTabSz="914400" rtl="0" eaLnBrk="1" latinLnBrk="0" hangingPunct="1">
+              <a:lnSpc>
+                <a:spcPct val="90000"/>
+              </a:lnSpc>
+              <a:spcBef>
+                <a:spcPts val="500"/>
+              </a:spcBef>
+              <a:buFont typeface="Arial" panose="020B0604020202020204" pitchFamily="34" charset="0"/>
+              <a:buChar char="•"/>
+              <a:defRPr sz="1800" kern="1200">
+                <a:solidFill>
+                  <a:schemeClr val="tx1"/>
+                </a:solidFill>
+                <a:latin typeface="+mn-lt"/>
+                <a:ea typeface="+mn-ea"/>
+                <a:cs typeface="+mn-cs"/>
+              </a:defRPr>
+            </a:lvl7pPr>
+            <a:lvl8pPr marL="3429000" indent="-228600" algn="l" defTabSz="914400" rtl="0" eaLnBrk="1" latinLnBrk="0" hangingPunct="1">
+              <a:lnSpc>
+                <a:spcPct val="90000"/>
+              </a:lnSpc>
+              <a:spcBef>
+                <a:spcPts val="500"/>
+              </a:spcBef>
+              <a:buFont typeface="Arial" panose="020B0604020202020204" pitchFamily="34" charset="0"/>
+              <a:buChar char="•"/>
+              <a:defRPr sz="1800" kern="1200">
+                <a:solidFill>
+                  <a:schemeClr val="tx1"/>
+                </a:solidFill>
+                <a:latin typeface="+mn-lt"/>
+                <a:ea typeface="+mn-ea"/>
+                <a:cs typeface="+mn-cs"/>
+              </a:defRPr>
+            </a:lvl8pPr>
+            <a:lvl9pPr marL="3886200" indent="-228600" algn="l" defTabSz="914400" rtl="0" eaLnBrk="1" latinLnBrk="0" hangingPunct="1">
+              <a:lnSpc>
+                <a:spcPct val="90000"/>
+              </a:lnSpc>
+              <a:spcBef>
+                <a:spcPts val="500"/>
+              </a:spcBef>
+              <a:buFont typeface="Arial" panose="020B0604020202020204" pitchFamily="34" charset="0"/>
+              <a:buChar char="•"/>
+              <a:defRPr sz="1800" kern="1200">
+                <a:solidFill>
+                  <a:schemeClr val="tx1"/>
+                </a:solidFill>
+                <a:latin typeface="+mn-lt"/>
+                <a:ea typeface="+mn-ea"/>
+                <a:cs typeface="+mn-cs"/>
+              </a:defRPr>
+            </a:lvl9pPr>
+          </a:lstStyle>
+          <a:p>
+            <a:pPr>
+              <a:buFont typeface="Wingdings" panose="05000000000000000000" pitchFamily="2" charset="2"/>
+              <a:buChar char="Ø"/>
+            </a:pPr>
+            <a:r>
+              <a:rPr lang="en-US" dirty="0">
+                <a:solidFill>
+                  <a:schemeClr val="tx1">
+                    <a:lumMod val="75000"/>
+                    <a:lumOff val="25000"/>
+                  </a:schemeClr>
+                </a:solidFill>
+              </a:rPr>
+              <a:t> </a:t>
+            </a:r>
+            <a:r>
+              <a:rPr lang="en-US" dirty="0">
+                <a:solidFill>
+                  <a:schemeClr val="tx1">
+                    <a:lumMod val="75000"/>
+                    <a:lumOff val="25000"/>
+                  </a:schemeClr>
+                </a:solidFill>
+                <a:latin typeface="Palatino Linotype" panose="02040502050505030304" pitchFamily="18" charset="0"/>
+              </a:rPr>
+              <a:t>Learning Objective 1</a:t>
+            </a:r>
+          </a:p>
+        </p:txBody>
+      </p:sp>
+    </p:spTree>
+    <p:extLst>
+      <p:ext uri="{BB962C8B-B14F-4D97-AF65-F5344CB8AC3E}">
+        <p14:creationId xmlns:p14="http://schemas.microsoft.com/office/powerpoint/2010/main" val="1416141381"/>
+      </p:ext>
+    </p:extLst>
+  </p:cSld>
+  <p:clrMapOvr>
+    <a:masterClrMapping/>
+  </p:clrMapOvr>
+</p:sld>
+</file>
+
+<file path=ppt/slides/slide20.xml><?xml version="1.0" encoding="utf-8"?>
+<p:sld xmlns:a="http://schemas.openxmlformats.org/drawingml/2006/main" xmlns:r="http://schemas.openxmlformats.org/officeDocument/2006/relationships" xmlns:p="http://schemas.openxmlformats.org/presentationml/2006/main">
+  <p:cSld>
+    <p:spTree>
+      <p:nvGrpSpPr>
+        <p:cNvPr id="1" name=""/>
+        <p:cNvGrpSpPr/>
+        <p:nvPr/>
+      </p:nvGrpSpPr>
+      <p:grpSpPr>
+        <a:xfrm>
+          <a:off x="0" y="0"/>
+          <a:ext cx="0" cy="0"/>
+          <a:chOff x="0" y="0"/>
+          <a:chExt cx="0" cy="0"/>
+        </a:xfrm>
+      </p:grpSpPr>
+      <p:pic>
+        <p:nvPicPr>
+          <p:cNvPr id="3" name="Picture 2" descr="Diagram&#10;&#10;Description automatically generated">
+            <a:extLst>
+              <a:ext uri="{FF2B5EF4-FFF2-40B4-BE49-F238E27FC236}">
+                <a16:creationId xmlns:a16="http://schemas.microsoft.com/office/drawing/2014/main" id="{29024C91-8E7E-94CD-9113-6F634B9A11D2}"/>
+              </a:ext>
+            </a:extLst>
+          </p:cNvPr>
+          <p:cNvPicPr>
+            <a:picLocks noChangeAspect="1"/>
+          </p:cNvPicPr>
+          <p:nvPr/>
+        </p:nvPicPr>
+        <p:blipFill>
+          <a:blip r:embed="rId2">
+            <a:extLst>
+              <a:ext uri="{28A0092B-C50C-407E-A947-70E740481C1C}">
+                <a14:useLocalDpi xmlns:a14="http://schemas.microsoft.com/office/drawing/2010/main" val="0"/>
+              </a:ext>
+            </a:extLst>
+          </a:blip>
+          <a:stretch>
+            <a:fillRect/>
+          </a:stretch>
+        </p:blipFill>
+        <p:spPr>
+          <a:xfrm>
+            <a:off x="572933" y="1765267"/>
+            <a:ext cx="11046133" cy="3327465"/>
+          </a:xfrm>
+          <a:prstGeom prst="rect">
+            <a:avLst/>
+          </a:prstGeom>
+        </p:spPr>
+      </p:pic>
+    </p:spTree>
+    <p:extLst>
+      <p:ext uri="{BB962C8B-B14F-4D97-AF65-F5344CB8AC3E}">
+        <p14:creationId xmlns:p14="http://schemas.microsoft.com/office/powerpoint/2010/main" val="9094896"/>
+      </p:ext>
+    </p:extLst>
+  </p:cSld>
+  <p:clrMapOvr>
+    <a:masterClrMapping/>
+  </p:clrMapOvr>
+</p:sld>
+</file>
+
+<file path=ppt/slides/slide21.xml><?xml version="1.0" encoding="utf-8"?>
 <p:sld xmlns:a="http://schemas.openxmlformats.org/drawingml/2006/main" xmlns:r="http://schemas.openxmlformats.org/officeDocument/2006/relationships" xmlns:p="http://schemas.openxmlformats.org/presentationml/2006/main">
   <p:cSld>
     <p:spTree>
@@ -8797,1773 +11247,7 @@
 </p:sld>
 </file>
 
-<file path=ppt/slides/slide14.xml><?xml version="1.0" encoding="utf-8"?>
-<p:sld xmlns:a="http://schemas.openxmlformats.org/drawingml/2006/main" xmlns:r="http://schemas.openxmlformats.org/officeDocument/2006/relationships" xmlns:p="http://schemas.openxmlformats.org/presentationml/2006/main">
-  <p:cSld>
-    <p:spTree>
-      <p:nvGrpSpPr>
-        <p:cNvPr id="1" name=""/>
-        <p:cNvGrpSpPr/>
-        <p:nvPr/>
-      </p:nvGrpSpPr>
-      <p:grpSpPr>
-        <a:xfrm>
-          <a:off x="0" y="0"/>
-          <a:ext cx="0" cy="0"/>
-          <a:chOff x="0" y="0"/>
-          <a:chExt cx="0" cy="0"/>
-        </a:xfrm>
-      </p:grpSpPr>
-      <p:pic>
-        <p:nvPicPr>
-          <p:cNvPr id="3" name="Picture 2">
-            <a:extLst>
-              <a:ext uri="{FF2B5EF4-FFF2-40B4-BE49-F238E27FC236}">
-                <a16:creationId xmlns:a16="http://schemas.microsoft.com/office/drawing/2014/main" id="{88CC7D4C-7D31-4E3C-92F7-200A7C7F587F}"/>
-              </a:ext>
-            </a:extLst>
-          </p:cNvPr>
-          <p:cNvPicPr>
-            <a:picLocks noChangeAspect="1"/>
-          </p:cNvPicPr>
-          <p:nvPr/>
-        </p:nvPicPr>
-        <p:blipFill>
-          <a:blip r:embed="rId3"/>
-          <a:stretch>
-            <a:fillRect/>
-          </a:stretch>
-        </p:blipFill>
-        <p:spPr>
-          <a:xfrm>
-            <a:off x="0" y="365760"/>
-            <a:ext cx="3233668" cy="805144"/>
-          </a:xfrm>
-          <a:prstGeom prst="rect">
-            <a:avLst/>
-          </a:prstGeom>
-        </p:spPr>
-      </p:pic>
-      <p:sp>
-        <p:nvSpPr>
-          <p:cNvPr id="4" name="Title 1">
-            <a:extLst>
-              <a:ext uri="{FF2B5EF4-FFF2-40B4-BE49-F238E27FC236}">
-                <a16:creationId xmlns:a16="http://schemas.microsoft.com/office/drawing/2014/main" id="{474EB2BC-3221-47A1-8ADF-BF3126732B5F}"/>
-              </a:ext>
-            </a:extLst>
-          </p:cNvPr>
-          <p:cNvSpPr txBox="1">
-            <a:spLocks/>
-          </p:cNvSpPr>
-          <p:nvPr/>
-        </p:nvSpPr>
-        <p:spPr>
-          <a:xfrm>
-            <a:off x="0" y="2705764"/>
-            <a:ext cx="12192000" cy="1446472"/>
-          </a:xfrm>
-          <a:prstGeom prst="rect">
-            <a:avLst/>
-          </a:prstGeom>
-          <a:noFill/>
-        </p:spPr>
-        <p:txBody>
-          <a:bodyPr vert="horz" lIns="91440" tIns="45720" rIns="91440" bIns="45720" rtlCol="0" anchor="ctr">
-            <a:noAutofit/>
-          </a:bodyPr>
-          <a:lstStyle>
-            <a:lvl1pPr algn="l" defTabSz="914400" rtl="0" eaLnBrk="1" latinLnBrk="0" hangingPunct="1">
-              <a:lnSpc>
-                <a:spcPct val="90000"/>
-              </a:lnSpc>
-              <a:spcBef>
-                <a:spcPct val="0"/>
-              </a:spcBef>
-              <a:buNone/>
-              <a:defRPr sz="4400" kern="1200">
-                <a:solidFill>
-                  <a:schemeClr val="tx1"/>
-                </a:solidFill>
-                <a:latin typeface="+mj-lt"/>
-                <a:ea typeface="+mj-ea"/>
-                <a:cs typeface="+mj-cs"/>
-              </a:defRPr>
-            </a:lvl1pPr>
-          </a:lstStyle>
-          <a:p>
-            <a:pPr algn="ctr"/>
-            <a:r>
-              <a:rPr lang="en-US" sz="3600" dirty="0">
-                <a:solidFill>
-                  <a:schemeClr val="tx1">
-                    <a:lumMod val="65000"/>
-                    <a:lumOff val="35000"/>
-                  </a:schemeClr>
-                </a:solidFill>
-                <a:latin typeface="Palatino Linotype" panose="02040502050505030304" pitchFamily="18" charset="0"/>
-              </a:rPr>
-              <a:t>Transformer Anatomy</a:t>
-            </a:r>
-            <a:br>
-              <a:rPr lang="en-US" sz="3600" dirty="0">
-                <a:solidFill>
-                  <a:schemeClr val="tx1">
-                    <a:lumMod val="65000"/>
-                    <a:lumOff val="35000"/>
-                  </a:schemeClr>
-                </a:solidFill>
-                <a:latin typeface="Palatino Linotype" panose="02040502050505030304" pitchFamily="18" charset="0"/>
-              </a:rPr>
-            </a:br>
-            <a:r>
-              <a:rPr lang="en-US" sz="3600" dirty="0">
-                <a:solidFill>
-                  <a:schemeClr val="tx1">
-                    <a:lumMod val="65000"/>
-                    <a:lumOff val="35000"/>
-                  </a:schemeClr>
-                </a:solidFill>
-                <a:latin typeface="Palatino Linotype" panose="02040502050505030304" pitchFamily="18" charset="0"/>
-              </a:rPr>
-              <a:t>02.2_transformer_anatomy.ipynb</a:t>
-            </a:r>
-            <a:endParaRPr lang="en-US" sz="3600" dirty="0">
-              <a:solidFill>
-                <a:schemeClr val="tx1">
-                  <a:lumMod val="65000"/>
-                  <a:lumOff val="35000"/>
-                </a:schemeClr>
-              </a:solidFill>
-              <a:latin typeface="Palatino Linotype" panose="02040502050505030304" pitchFamily="18" charset="0"/>
-              <a:cs typeface="Segoe UI Light" panose="020B0502040204020203" pitchFamily="34" charset="0"/>
-            </a:endParaRPr>
-          </a:p>
-        </p:txBody>
-      </p:sp>
-    </p:spTree>
-    <p:extLst>
-      <p:ext uri="{BB962C8B-B14F-4D97-AF65-F5344CB8AC3E}">
-        <p14:creationId xmlns:p14="http://schemas.microsoft.com/office/powerpoint/2010/main" val="2261991877"/>
-      </p:ext>
-    </p:extLst>
-  </p:cSld>
-  <p:clrMapOvr>
-    <a:masterClrMapping/>
-  </p:clrMapOvr>
-  <mc:AlternateContent xmlns:mc="http://schemas.openxmlformats.org/markup-compatibility/2006" xmlns:p14="http://schemas.microsoft.com/office/powerpoint/2010/main">
-    <mc:Choice Requires="p14">
-      <p:transition spd="med" p14:dur="700">
-        <p:fade/>
-      </p:transition>
-    </mc:Choice>
-    <mc:Fallback xmlns="">
-      <p:transition spd="med">
-        <p:fade/>
-      </p:transition>
-    </mc:Fallback>
-  </mc:AlternateContent>
-</p:sld>
-</file>
-
-<file path=ppt/slides/slide15.xml><?xml version="1.0" encoding="utf-8"?>
-<p:sld xmlns:a="http://schemas.openxmlformats.org/drawingml/2006/main" xmlns:r="http://schemas.openxmlformats.org/officeDocument/2006/relationships" xmlns:p="http://schemas.openxmlformats.org/presentationml/2006/main">
-  <p:cSld>
-    <p:spTree>
-      <p:nvGrpSpPr>
-        <p:cNvPr id="1" name=""/>
-        <p:cNvGrpSpPr/>
-        <p:nvPr/>
-      </p:nvGrpSpPr>
-      <p:grpSpPr>
-        <a:xfrm>
-          <a:off x="0" y="0"/>
-          <a:ext cx="0" cy="0"/>
-          <a:chOff x="0" y="0"/>
-          <a:chExt cx="0" cy="0"/>
-        </a:xfrm>
-      </p:grpSpPr>
-      <p:pic>
-        <p:nvPicPr>
-          <p:cNvPr id="3074" name="Picture 2" descr="enc-dec-attn">
-            <a:extLst>
-              <a:ext uri="{FF2B5EF4-FFF2-40B4-BE49-F238E27FC236}">
-                <a16:creationId xmlns:a16="http://schemas.microsoft.com/office/drawing/2014/main" id="{98BF0F41-68AA-47FF-87F3-A5D3498B354D}"/>
-              </a:ext>
-            </a:extLst>
-          </p:cNvPr>
-          <p:cNvPicPr>
-            <a:picLocks noChangeAspect="1" noChangeArrowheads="1"/>
-          </p:cNvPicPr>
-          <p:nvPr/>
-        </p:nvPicPr>
-        <p:blipFill>
-          <a:blip r:embed="rId3">
-            <a:extLst>
-              <a:ext uri="{28A0092B-C50C-407E-A947-70E740481C1C}">
-                <a14:useLocalDpi xmlns:a14="http://schemas.microsoft.com/office/drawing/2010/main" val="0"/>
-              </a:ext>
-            </a:extLst>
-          </a:blip>
-          <a:srcRect/>
-          <a:stretch>
-            <a:fillRect/>
-          </a:stretch>
-        </p:blipFill>
-        <p:spPr bwMode="auto">
-          <a:xfrm>
-            <a:off x="2141220" y="2017871"/>
-            <a:ext cx="8509318" cy="2822257"/>
-          </a:xfrm>
-          <a:prstGeom prst="rect">
-            <a:avLst/>
-          </a:prstGeom>
-          <a:noFill/>
-          <a:extLst>
-            <a:ext uri="{909E8E84-426E-40DD-AFC4-6F175D3DCCD1}">
-              <a14:hiddenFill xmlns:a14="http://schemas.microsoft.com/office/drawing/2010/main">
-                <a:solidFill>
-                  <a:srgbClr val="FFFFFF"/>
-                </a:solidFill>
-              </a14:hiddenFill>
-            </a:ext>
-          </a:extLst>
-        </p:spPr>
-      </p:pic>
-      <p:sp>
-        <p:nvSpPr>
-          <p:cNvPr id="4" name="TextBox 3">
-            <a:extLst>
-              <a:ext uri="{FF2B5EF4-FFF2-40B4-BE49-F238E27FC236}">
-                <a16:creationId xmlns:a16="http://schemas.microsoft.com/office/drawing/2014/main" id="{E68231EB-C41F-4AD0-B92A-E44172E5F22B}"/>
-              </a:ext>
-            </a:extLst>
-          </p:cNvPr>
-          <p:cNvSpPr txBox="1"/>
-          <p:nvPr/>
-        </p:nvSpPr>
-        <p:spPr>
-          <a:xfrm>
-            <a:off x="0" y="6550223"/>
-            <a:ext cx="12192000" cy="307777"/>
-          </a:xfrm>
-          <a:prstGeom prst="rect">
-            <a:avLst/>
-          </a:prstGeom>
-          <a:noFill/>
-        </p:spPr>
-        <p:txBody>
-          <a:bodyPr wrap="square" rtlCol="0">
-            <a:spAutoFit/>
-          </a:bodyPr>
-          <a:lstStyle/>
-          <a:p>
-            <a:r>
-              <a:rPr lang="en-US" sz="1400" dirty="0">
-                <a:solidFill>
-                  <a:schemeClr val="tx1">
-                    <a:lumMod val="65000"/>
-                    <a:lumOff val="35000"/>
-                  </a:schemeClr>
-                </a:solidFill>
-                <a:latin typeface="+mj-lt"/>
-                <a:ea typeface="Verdana" panose="020B0604030504040204" pitchFamily="34" charset="0"/>
-              </a:rPr>
-              <a:t>Source: Tunstall, L., et al (2022). </a:t>
-            </a:r>
-            <a:r>
-              <a:rPr lang="en-US" sz="1400" i="1" dirty="0">
-                <a:solidFill>
-                  <a:schemeClr val="tx1">
-                    <a:lumMod val="65000"/>
-                    <a:lumOff val="35000"/>
-                  </a:schemeClr>
-                </a:solidFill>
-                <a:latin typeface="+mj-lt"/>
-                <a:ea typeface="Verdana" panose="020B0604030504040204" pitchFamily="34" charset="0"/>
-              </a:rPr>
-              <a:t>Natural Language Processing with Transformers</a:t>
-            </a:r>
-            <a:r>
-              <a:rPr lang="en-US" sz="1400" dirty="0">
-                <a:solidFill>
-                  <a:schemeClr val="tx1">
-                    <a:lumMod val="65000"/>
-                    <a:lumOff val="35000"/>
-                  </a:schemeClr>
-                </a:solidFill>
-                <a:latin typeface="+mj-lt"/>
-                <a:ea typeface="Verdana" panose="020B0604030504040204" pitchFamily="34" charset="0"/>
-              </a:rPr>
-              <a:t>. </a:t>
-            </a:r>
-            <a:r>
-              <a:rPr lang="en-US" sz="1400" b="0" i="0" dirty="0">
-                <a:solidFill>
-                  <a:schemeClr val="tx1">
-                    <a:lumMod val="65000"/>
-                    <a:lumOff val="35000"/>
-                  </a:schemeClr>
-                </a:solidFill>
-                <a:effectLst/>
-                <a:latin typeface="+mj-lt"/>
-                <a:ea typeface="Verdana" panose="020B0604030504040204" pitchFamily="34" charset="0"/>
-              </a:rPr>
-              <a:t>Sebastopol, CA: </a:t>
-            </a:r>
-            <a:r>
-              <a:rPr lang="en-US" sz="1400" dirty="0">
-                <a:solidFill>
-                  <a:schemeClr val="tx1">
-                    <a:lumMod val="65000"/>
-                    <a:lumOff val="35000"/>
-                  </a:schemeClr>
-                </a:solidFill>
-                <a:latin typeface="+mj-lt"/>
-                <a:ea typeface="Verdana" panose="020B0604030504040204" pitchFamily="34" charset="0"/>
-              </a:rPr>
-              <a:t>O’Reilly Publishing</a:t>
-            </a:r>
-            <a:r>
-              <a:rPr lang="en-US" sz="1400" b="0" i="0" dirty="0">
-                <a:solidFill>
-                  <a:schemeClr val="tx1">
-                    <a:lumMod val="65000"/>
-                    <a:lumOff val="35000"/>
-                  </a:schemeClr>
-                </a:solidFill>
-                <a:effectLst/>
-                <a:latin typeface="+mj-lt"/>
-                <a:ea typeface="Verdana" panose="020B0604030504040204" pitchFamily="34" charset="0"/>
-              </a:rPr>
-              <a:t>. (Chapter 1)</a:t>
-            </a:r>
-            <a:endParaRPr lang="en-US" sz="1400" dirty="0">
-              <a:solidFill>
-                <a:schemeClr val="tx1">
-                  <a:lumMod val="65000"/>
-                  <a:lumOff val="35000"/>
-                </a:schemeClr>
-              </a:solidFill>
-              <a:latin typeface="+mj-lt"/>
-              <a:ea typeface="Verdana" panose="020B0604030504040204" pitchFamily="34" charset="0"/>
-            </a:endParaRPr>
-          </a:p>
-        </p:txBody>
-      </p:sp>
-    </p:spTree>
-    <p:extLst>
-      <p:ext uri="{BB962C8B-B14F-4D97-AF65-F5344CB8AC3E}">
-        <p14:creationId xmlns:p14="http://schemas.microsoft.com/office/powerpoint/2010/main" val="1677845898"/>
-      </p:ext>
-    </p:extLst>
-  </p:cSld>
-  <p:clrMapOvr>
-    <a:masterClrMapping/>
-  </p:clrMapOvr>
-  <mc:AlternateContent xmlns:mc="http://schemas.openxmlformats.org/markup-compatibility/2006" xmlns:p14="http://schemas.microsoft.com/office/powerpoint/2010/main">
-    <mc:Choice Requires="p14">
-      <p:transition spd="med" p14:dur="700">
-        <p:fade/>
-      </p:transition>
-    </mc:Choice>
-    <mc:Fallback xmlns="">
-      <p:transition spd="med">
-        <p:fade/>
-      </p:transition>
-    </mc:Fallback>
-  </mc:AlternateContent>
-</p:sld>
-</file>
-
-<file path=ppt/slides/slide16.xml><?xml version="1.0" encoding="utf-8"?>
-<p:sld xmlns:a="http://schemas.openxmlformats.org/drawingml/2006/main" xmlns:r="http://schemas.openxmlformats.org/officeDocument/2006/relationships" xmlns:p="http://schemas.openxmlformats.org/presentationml/2006/main">
-  <p:cSld>
-    <p:spTree>
-      <p:nvGrpSpPr>
-        <p:cNvPr id="1" name=""/>
-        <p:cNvGrpSpPr/>
-        <p:nvPr/>
-      </p:nvGrpSpPr>
-      <p:grpSpPr>
-        <a:xfrm>
-          <a:off x="0" y="0"/>
-          <a:ext cx="0" cy="0"/>
-          <a:chOff x="0" y="0"/>
-          <a:chExt cx="0" cy="0"/>
-        </a:xfrm>
-      </p:grpSpPr>
-      <p:pic>
-        <p:nvPicPr>
-          <p:cNvPr id="4098" name="Picture 2" descr="transformer-self-attn">
-            <a:extLst>
-              <a:ext uri="{FF2B5EF4-FFF2-40B4-BE49-F238E27FC236}">
-                <a16:creationId xmlns:a16="http://schemas.microsoft.com/office/drawing/2014/main" id="{E48BEBC0-7E08-4B16-BA46-BE71D8FF1C97}"/>
-              </a:ext>
-            </a:extLst>
-          </p:cNvPr>
-          <p:cNvPicPr>
-            <a:picLocks noChangeAspect="1" noChangeArrowheads="1"/>
-          </p:cNvPicPr>
-          <p:nvPr/>
-        </p:nvPicPr>
-        <p:blipFill>
-          <a:blip r:embed="rId3">
-            <a:extLst>
-              <a:ext uri="{28A0092B-C50C-407E-A947-70E740481C1C}">
-                <a14:useLocalDpi xmlns:a14="http://schemas.microsoft.com/office/drawing/2010/main" val="0"/>
-              </a:ext>
-            </a:extLst>
-          </a:blip>
-          <a:srcRect/>
-          <a:stretch>
-            <a:fillRect/>
-          </a:stretch>
-        </p:blipFill>
-        <p:spPr bwMode="auto">
-          <a:xfrm>
-            <a:off x="1123950" y="2235708"/>
-            <a:ext cx="9944100" cy="2386584"/>
-          </a:xfrm>
-          <a:prstGeom prst="rect">
-            <a:avLst/>
-          </a:prstGeom>
-          <a:noFill/>
-          <a:extLst>
-            <a:ext uri="{909E8E84-426E-40DD-AFC4-6F175D3DCCD1}">
-              <a14:hiddenFill xmlns:a14="http://schemas.microsoft.com/office/drawing/2010/main">
-                <a:solidFill>
-                  <a:srgbClr val="FFFFFF"/>
-                </a:solidFill>
-              </a14:hiddenFill>
-            </a:ext>
-          </a:extLst>
-        </p:spPr>
-      </p:pic>
-      <p:sp>
-        <p:nvSpPr>
-          <p:cNvPr id="4" name="TextBox 3">
-            <a:extLst>
-              <a:ext uri="{FF2B5EF4-FFF2-40B4-BE49-F238E27FC236}">
-                <a16:creationId xmlns:a16="http://schemas.microsoft.com/office/drawing/2014/main" id="{7530BD8D-AB63-44BD-962E-C622287F485F}"/>
-              </a:ext>
-            </a:extLst>
-          </p:cNvPr>
-          <p:cNvSpPr txBox="1"/>
-          <p:nvPr/>
-        </p:nvSpPr>
-        <p:spPr>
-          <a:xfrm>
-            <a:off x="0" y="6550223"/>
-            <a:ext cx="12192000" cy="307777"/>
-          </a:xfrm>
-          <a:prstGeom prst="rect">
-            <a:avLst/>
-          </a:prstGeom>
-          <a:noFill/>
-        </p:spPr>
-        <p:txBody>
-          <a:bodyPr wrap="square" rtlCol="0">
-            <a:spAutoFit/>
-          </a:bodyPr>
-          <a:lstStyle/>
-          <a:p>
-            <a:r>
-              <a:rPr lang="en-US" sz="1400" dirty="0">
-                <a:solidFill>
-                  <a:schemeClr val="tx1">
-                    <a:lumMod val="65000"/>
-                    <a:lumOff val="35000"/>
-                  </a:schemeClr>
-                </a:solidFill>
-                <a:latin typeface="+mj-lt"/>
-                <a:ea typeface="Verdana" panose="020B0604030504040204" pitchFamily="34" charset="0"/>
-              </a:rPr>
-              <a:t>Source: Tunstall, L., et al (2022). </a:t>
-            </a:r>
-            <a:r>
-              <a:rPr lang="en-US" sz="1400" i="1" dirty="0">
-                <a:solidFill>
-                  <a:schemeClr val="tx1">
-                    <a:lumMod val="65000"/>
-                    <a:lumOff val="35000"/>
-                  </a:schemeClr>
-                </a:solidFill>
-                <a:latin typeface="+mj-lt"/>
-                <a:ea typeface="Verdana" panose="020B0604030504040204" pitchFamily="34" charset="0"/>
-              </a:rPr>
-              <a:t>Natural Language Processing with Transformers</a:t>
-            </a:r>
-            <a:r>
-              <a:rPr lang="en-US" sz="1400" dirty="0">
-                <a:solidFill>
-                  <a:schemeClr val="tx1">
-                    <a:lumMod val="65000"/>
-                    <a:lumOff val="35000"/>
-                  </a:schemeClr>
-                </a:solidFill>
-                <a:latin typeface="+mj-lt"/>
-                <a:ea typeface="Verdana" panose="020B0604030504040204" pitchFamily="34" charset="0"/>
-              </a:rPr>
-              <a:t>. </a:t>
-            </a:r>
-            <a:r>
-              <a:rPr lang="en-US" sz="1400" b="0" i="0" dirty="0">
-                <a:solidFill>
-                  <a:schemeClr val="tx1">
-                    <a:lumMod val="65000"/>
-                    <a:lumOff val="35000"/>
-                  </a:schemeClr>
-                </a:solidFill>
-                <a:effectLst/>
-                <a:latin typeface="+mj-lt"/>
-                <a:ea typeface="Verdana" panose="020B0604030504040204" pitchFamily="34" charset="0"/>
-              </a:rPr>
-              <a:t>Sebastopol, CA: </a:t>
-            </a:r>
-            <a:r>
-              <a:rPr lang="en-US" sz="1400" dirty="0">
-                <a:solidFill>
-                  <a:schemeClr val="tx1">
-                    <a:lumMod val="65000"/>
-                    <a:lumOff val="35000"/>
-                  </a:schemeClr>
-                </a:solidFill>
-                <a:latin typeface="+mj-lt"/>
-                <a:ea typeface="Verdana" panose="020B0604030504040204" pitchFamily="34" charset="0"/>
-              </a:rPr>
-              <a:t>O’Reilly Publishing</a:t>
-            </a:r>
-            <a:r>
-              <a:rPr lang="en-US" sz="1400" b="0" i="0" dirty="0">
-                <a:solidFill>
-                  <a:schemeClr val="tx1">
-                    <a:lumMod val="65000"/>
-                    <a:lumOff val="35000"/>
-                  </a:schemeClr>
-                </a:solidFill>
-                <a:effectLst/>
-                <a:latin typeface="+mj-lt"/>
-                <a:ea typeface="Verdana" panose="020B0604030504040204" pitchFamily="34" charset="0"/>
-              </a:rPr>
-              <a:t>. (Chapter 1)</a:t>
-            </a:r>
-            <a:endParaRPr lang="en-US" sz="1400" dirty="0">
-              <a:solidFill>
-                <a:schemeClr val="tx1">
-                  <a:lumMod val="65000"/>
-                  <a:lumOff val="35000"/>
-                </a:schemeClr>
-              </a:solidFill>
-              <a:latin typeface="+mj-lt"/>
-              <a:ea typeface="Verdana" panose="020B0604030504040204" pitchFamily="34" charset="0"/>
-            </a:endParaRPr>
-          </a:p>
-        </p:txBody>
-      </p:sp>
-    </p:spTree>
-    <p:extLst>
-      <p:ext uri="{BB962C8B-B14F-4D97-AF65-F5344CB8AC3E}">
-        <p14:creationId xmlns:p14="http://schemas.microsoft.com/office/powerpoint/2010/main" val="1684263449"/>
-      </p:ext>
-    </p:extLst>
-  </p:cSld>
-  <p:clrMapOvr>
-    <a:masterClrMapping/>
-  </p:clrMapOvr>
-  <mc:AlternateContent xmlns:mc="http://schemas.openxmlformats.org/markup-compatibility/2006" xmlns:p14="http://schemas.microsoft.com/office/powerpoint/2010/main">
-    <mc:Choice Requires="p14">
-      <p:transition spd="med" p14:dur="700">
-        <p:fade/>
-      </p:transition>
-    </mc:Choice>
-    <mc:Fallback xmlns="">
-      <p:transition spd="med">
-        <p:fade/>
-      </p:transition>
-    </mc:Fallback>
-  </mc:AlternateContent>
-</p:sld>
-</file>
-
-<file path=ppt/slides/slide17.xml><?xml version="1.0" encoding="utf-8"?>
-<p:sld xmlns:a="http://schemas.openxmlformats.org/drawingml/2006/main" xmlns:r="http://schemas.openxmlformats.org/officeDocument/2006/relationships" xmlns:p="http://schemas.openxmlformats.org/presentationml/2006/main">
-  <p:cSld>
-    <p:spTree>
-      <p:nvGrpSpPr>
-        <p:cNvPr id="1" name=""/>
-        <p:cNvGrpSpPr/>
-        <p:nvPr/>
-      </p:nvGrpSpPr>
-      <p:grpSpPr>
-        <a:xfrm>
-          <a:off x="0" y="0"/>
-          <a:ext cx="0" cy="0"/>
-          <a:chOff x="0" y="0"/>
-          <a:chExt cx="0" cy="0"/>
-        </a:xfrm>
-      </p:grpSpPr>
-      <p:pic>
-        <p:nvPicPr>
-          <p:cNvPr id="2050" name="Picture 2">
-            <a:extLst>
-              <a:ext uri="{FF2B5EF4-FFF2-40B4-BE49-F238E27FC236}">
-                <a16:creationId xmlns:a16="http://schemas.microsoft.com/office/drawing/2014/main" id="{E896329B-50C0-4434-8083-5AF2A8C36B9F}"/>
-              </a:ext>
-            </a:extLst>
-          </p:cNvPr>
-          <p:cNvPicPr>
-            <a:picLocks noChangeAspect="1" noChangeArrowheads="1" noCrop="1"/>
-          </p:cNvPicPr>
-          <p:nvPr/>
-        </p:nvPicPr>
-        <p:blipFill>
-          <a:blip r:embed="rId3">
-            <a:clrChange>
-              <a:clrFrom>
-                <a:srgbClr val="FEFCFE"/>
-              </a:clrFrom>
-              <a:clrTo>
-                <a:srgbClr val="FEFCFE">
-                  <a:alpha val="0"/>
-                </a:srgbClr>
-              </a:clrTo>
-            </a:clrChange>
-            <a:extLst>
-              <a:ext uri="{28A0092B-C50C-407E-A947-70E740481C1C}">
-                <a14:useLocalDpi xmlns:a14="http://schemas.microsoft.com/office/drawing/2010/main" val="0"/>
-              </a:ext>
-            </a:extLst>
-          </a:blip>
-          <a:srcRect/>
-          <a:stretch>
-            <a:fillRect/>
-          </a:stretch>
-        </p:blipFill>
-        <p:spPr bwMode="auto">
-          <a:xfrm>
-            <a:off x="1935474" y="1828120"/>
-            <a:ext cx="8321051" cy="3647394"/>
-          </a:xfrm>
-          <a:prstGeom prst="rect">
-            <a:avLst/>
-          </a:prstGeom>
-          <a:noFill/>
-          <a:extLst>
-            <a:ext uri="{909E8E84-426E-40DD-AFC4-6F175D3DCCD1}">
-              <a14:hiddenFill xmlns:a14="http://schemas.microsoft.com/office/drawing/2010/main">
-                <a:solidFill>
-                  <a:srgbClr val="FFFFFF"/>
-                </a:solidFill>
-              </a14:hiddenFill>
-            </a:ext>
-          </a:extLst>
-        </p:spPr>
-      </p:pic>
-      <p:sp>
-        <p:nvSpPr>
-          <p:cNvPr id="3" name="TextBox 2">
-            <a:extLst>
-              <a:ext uri="{FF2B5EF4-FFF2-40B4-BE49-F238E27FC236}">
-                <a16:creationId xmlns:a16="http://schemas.microsoft.com/office/drawing/2014/main" id="{63D11E46-A811-4E72-888D-3A814E300EDA}"/>
-              </a:ext>
-            </a:extLst>
-          </p:cNvPr>
-          <p:cNvSpPr txBox="1"/>
-          <p:nvPr/>
-        </p:nvSpPr>
-        <p:spPr>
-          <a:xfrm>
-            <a:off x="0" y="6550223"/>
-            <a:ext cx="12192000" cy="307777"/>
-          </a:xfrm>
-          <a:prstGeom prst="rect">
-            <a:avLst/>
-          </a:prstGeom>
-          <a:noFill/>
-        </p:spPr>
-        <p:txBody>
-          <a:bodyPr wrap="square" rtlCol="0">
-            <a:spAutoFit/>
-          </a:bodyPr>
-          <a:lstStyle/>
-          <a:p>
-            <a:r>
-              <a:rPr lang="en-US" sz="1400" dirty="0">
-                <a:solidFill>
-                  <a:schemeClr val="tx1">
-                    <a:lumMod val="65000"/>
-                    <a:lumOff val="35000"/>
-                  </a:schemeClr>
-                </a:solidFill>
-                <a:latin typeface="+mj-lt"/>
-                <a:ea typeface="Verdana" panose="020B0604030504040204" pitchFamily="34" charset="0"/>
-              </a:rPr>
-              <a:t>Image Credit: https://towardsdatascience.com/transformers-141e32e69591 </a:t>
-            </a:r>
-          </a:p>
-        </p:txBody>
-      </p:sp>
-    </p:spTree>
-    <p:extLst>
-      <p:ext uri="{BB962C8B-B14F-4D97-AF65-F5344CB8AC3E}">
-        <p14:creationId xmlns:p14="http://schemas.microsoft.com/office/powerpoint/2010/main" val="1412244647"/>
-      </p:ext>
-    </p:extLst>
-  </p:cSld>
-  <p:clrMapOvr>
-    <a:masterClrMapping/>
-  </p:clrMapOvr>
-  <mc:AlternateContent xmlns:mc="http://schemas.openxmlformats.org/markup-compatibility/2006" xmlns:p14="http://schemas.microsoft.com/office/powerpoint/2010/main">
-    <mc:Choice Requires="p14">
-      <p:transition spd="med" p14:dur="700">
-        <p:fade/>
-      </p:transition>
-    </mc:Choice>
-    <mc:Fallback xmlns="">
-      <p:transition spd="med">
-        <p:fade/>
-      </p:transition>
-    </mc:Fallback>
-  </mc:AlternateContent>
-</p:sld>
-</file>
-
-<file path=ppt/slides/slide18.xml><?xml version="1.0" encoding="utf-8"?>
-<p:sld xmlns:a="http://schemas.openxmlformats.org/drawingml/2006/main" xmlns:r="http://schemas.openxmlformats.org/officeDocument/2006/relationships" xmlns:p="http://schemas.openxmlformats.org/presentationml/2006/main">
-  <p:cSld>
-    <p:spTree>
-      <p:nvGrpSpPr>
-        <p:cNvPr id="1" name=""/>
-        <p:cNvGrpSpPr/>
-        <p:nvPr/>
-      </p:nvGrpSpPr>
-      <p:grpSpPr>
-        <a:xfrm>
-          <a:off x="0" y="0"/>
-          <a:ext cx="0" cy="0"/>
-          <a:chOff x="0" y="0"/>
-          <a:chExt cx="0" cy="0"/>
-        </a:xfrm>
-      </p:grpSpPr>
-      <p:sp>
-        <p:nvSpPr>
-          <p:cNvPr id="2" name="Title 1">
-            <a:extLst>
-              <a:ext uri="{FF2B5EF4-FFF2-40B4-BE49-F238E27FC236}">
-                <a16:creationId xmlns:a16="http://schemas.microsoft.com/office/drawing/2014/main" id="{BBA04032-3ADA-701F-1158-2C42E99CFA0F}"/>
-              </a:ext>
-            </a:extLst>
-          </p:cNvPr>
-          <p:cNvSpPr txBox="1">
-            <a:spLocks/>
-          </p:cNvSpPr>
-          <p:nvPr/>
-        </p:nvSpPr>
-        <p:spPr>
-          <a:xfrm>
-            <a:off x="0" y="793808"/>
-            <a:ext cx="12192000" cy="606943"/>
-          </a:xfrm>
-          <a:prstGeom prst="rect">
-            <a:avLst/>
-          </a:prstGeom>
-          <a:noFill/>
-        </p:spPr>
-        <p:txBody>
-          <a:bodyPr>
-            <a:noAutofit/>
-          </a:bodyPr>
-          <a:lstStyle>
-            <a:lvl1pPr algn="l" defTabSz="914400" rtl="0" eaLnBrk="1" latinLnBrk="0" hangingPunct="1">
-              <a:lnSpc>
-                <a:spcPct val="90000"/>
-              </a:lnSpc>
-              <a:spcBef>
-                <a:spcPct val="0"/>
-              </a:spcBef>
-              <a:buNone/>
-              <a:defRPr sz="4400" kern="1200">
-                <a:solidFill>
-                  <a:schemeClr val="tx1"/>
-                </a:solidFill>
-                <a:latin typeface="+mj-lt"/>
-                <a:ea typeface="+mj-ea"/>
-                <a:cs typeface="+mj-cs"/>
-              </a:defRPr>
-            </a:lvl1pPr>
-          </a:lstStyle>
-          <a:p>
-            <a:pPr algn="ctr"/>
-            <a:r>
-              <a:rPr lang="en-US" sz="3600" dirty="0">
-                <a:solidFill>
-                  <a:schemeClr val="tx1">
-                    <a:lumMod val="75000"/>
-                    <a:lumOff val="25000"/>
-                  </a:schemeClr>
-                </a:solidFill>
-                <a:latin typeface="Palatino Linotype" panose="02040502050505030304" pitchFamily="18" charset="0"/>
-              </a:rPr>
-              <a:t>Multi-Head Attention</a:t>
-            </a:r>
-            <a:endParaRPr lang="en-US" sz="3600" dirty="0">
-              <a:solidFill>
-                <a:schemeClr val="tx1">
-                  <a:lumMod val="75000"/>
-                  <a:lumOff val="25000"/>
-                </a:schemeClr>
-              </a:solidFill>
-              <a:latin typeface="Palatino Linotype" panose="02040502050505030304" pitchFamily="18" charset="0"/>
-              <a:cs typeface="Segoe UI Light" panose="020B0502040204020203" pitchFamily="34" charset="0"/>
-            </a:endParaRPr>
-          </a:p>
-        </p:txBody>
-      </p:sp>
-    </p:spTree>
-    <p:extLst>
-      <p:ext uri="{BB962C8B-B14F-4D97-AF65-F5344CB8AC3E}">
-        <p14:creationId xmlns:p14="http://schemas.microsoft.com/office/powerpoint/2010/main" val="3627958990"/>
-      </p:ext>
-    </p:extLst>
-  </p:cSld>
-  <p:clrMapOvr>
-    <a:masterClrMapping/>
-  </p:clrMapOvr>
-  <mc:AlternateContent xmlns:mc="http://schemas.openxmlformats.org/markup-compatibility/2006" xmlns:p14="http://schemas.microsoft.com/office/powerpoint/2010/main">
-    <mc:Choice Requires="p14">
-      <p:transition spd="med" p14:dur="700">
-        <p:fade/>
-      </p:transition>
-    </mc:Choice>
-    <mc:Fallback xmlns="">
-      <p:transition spd="med">
-        <p:fade/>
-      </p:transition>
-    </mc:Fallback>
-  </mc:AlternateContent>
-</p:sld>
-</file>
-
-<file path=ppt/slides/slide19.xml><?xml version="1.0" encoding="utf-8"?>
-<p:sld xmlns:a="http://schemas.openxmlformats.org/drawingml/2006/main" xmlns:r="http://schemas.openxmlformats.org/officeDocument/2006/relationships" xmlns:p="http://schemas.openxmlformats.org/presentationml/2006/main">
-  <p:cSld>
-    <p:spTree>
-      <p:nvGrpSpPr>
-        <p:cNvPr id="1" name=""/>
-        <p:cNvGrpSpPr/>
-        <p:nvPr/>
-      </p:nvGrpSpPr>
-      <p:grpSpPr>
-        <a:xfrm>
-          <a:off x="0" y="0"/>
-          <a:ext cx="0" cy="0"/>
-          <a:chOff x="0" y="0"/>
-          <a:chExt cx="0" cy="0"/>
-        </a:xfrm>
-      </p:grpSpPr>
-      <p:pic>
-        <p:nvPicPr>
-          <p:cNvPr id="2050" name="Picture 2">
-            <a:extLst>
-              <a:ext uri="{FF2B5EF4-FFF2-40B4-BE49-F238E27FC236}">
-                <a16:creationId xmlns:a16="http://schemas.microsoft.com/office/drawing/2014/main" id="{D6FBD5FB-F364-404F-BA46-9C6009146A13}"/>
-              </a:ext>
-            </a:extLst>
-          </p:cNvPr>
-          <p:cNvPicPr>
-            <a:picLocks noChangeAspect="1" noChangeArrowheads="1"/>
-          </p:cNvPicPr>
-          <p:nvPr/>
-        </p:nvPicPr>
-        <p:blipFill>
-          <a:blip r:embed="rId3">
-            <a:extLst>
-              <a:ext uri="{28A0092B-C50C-407E-A947-70E740481C1C}">
-                <a14:useLocalDpi xmlns:a14="http://schemas.microsoft.com/office/drawing/2010/main" val="0"/>
-              </a:ext>
-            </a:extLst>
-          </a:blip>
-          <a:srcRect/>
-          <a:stretch>
-            <a:fillRect/>
-          </a:stretch>
-        </p:blipFill>
-        <p:spPr bwMode="auto">
-          <a:xfrm>
-            <a:off x="603130" y="388304"/>
-            <a:ext cx="10985740" cy="6081392"/>
-          </a:xfrm>
-          <a:prstGeom prst="rect">
-            <a:avLst/>
-          </a:prstGeom>
-          <a:noFill/>
-          <a:extLst>
-            <a:ext uri="{909E8E84-426E-40DD-AFC4-6F175D3DCCD1}">
-              <a14:hiddenFill xmlns:a14="http://schemas.microsoft.com/office/drawing/2010/main">
-                <a:solidFill>
-                  <a:srgbClr val="FFFFFF"/>
-                </a:solidFill>
-              </a14:hiddenFill>
-            </a:ext>
-          </a:extLst>
-        </p:spPr>
-      </p:pic>
-      <p:sp>
-        <p:nvSpPr>
-          <p:cNvPr id="3" name="TextBox 2">
-            <a:extLst>
-              <a:ext uri="{FF2B5EF4-FFF2-40B4-BE49-F238E27FC236}">
-                <a16:creationId xmlns:a16="http://schemas.microsoft.com/office/drawing/2014/main" id="{3EDE0501-7B98-4E41-A070-AA3D936E6885}"/>
-              </a:ext>
-            </a:extLst>
-          </p:cNvPr>
-          <p:cNvSpPr txBox="1"/>
-          <p:nvPr/>
-        </p:nvSpPr>
-        <p:spPr>
-          <a:xfrm>
-            <a:off x="0" y="6550223"/>
-            <a:ext cx="12192000" cy="307777"/>
-          </a:xfrm>
-          <a:prstGeom prst="rect">
-            <a:avLst/>
-          </a:prstGeom>
-          <a:noFill/>
-        </p:spPr>
-        <p:txBody>
-          <a:bodyPr wrap="square" rtlCol="0">
-            <a:spAutoFit/>
-          </a:bodyPr>
-          <a:lstStyle/>
-          <a:p>
-            <a:r>
-              <a:rPr lang="en-US" sz="1400" dirty="0">
-                <a:solidFill>
-                  <a:schemeClr val="tx1">
-                    <a:lumMod val="65000"/>
-                    <a:lumOff val="35000"/>
-                  </a:schemeClr>
-                </a:solidFill>
-                <a:latin typeface="+mj-lt"/>
-                <a:ea typeface="Verdana" panose="020B0604030504040204" pitchFamily="34" charset="0"/>
-              </a:rPr>
-              <a:t>Image Credit: https://towardsdatascience.com/transformers-141e32e69591 </a:t>
-            </a:r>
-          </a:p>
-        </p:txBody>
-      </p:sp>
-    </p:spTree>
-    <p:extLst>
-      <p:ext uri="{BB962C8B-B14F-4D97-AF65-F5344CB8AC3E}">
-        <p14:creationId xmlns:p14="http://schemas.microsoft.com/office/powerpoint/2010/main" val="2772687448"/>
-      </p:ext>
-    </p:extLst>
-  </p:cSld>
-  <p:clrMapOvr>
-    <a:masterClrMapping/>
-  </p:clrMapOvr>
-  <mc:AlternateContent xmlns:mc="http://schemas.openxmlformats.org/markup-compatibility/2006" xmlns:p14="http://schemas.microsoft.com/office/powerpoint/2010/main">
-    <mc:Choice Requires="p14">
-      <p:transition spd="med" p14:dur="700">
-        <p:fade/>
-      </p:transition>
-    </mc:Choice>
-    <mc:Fallback xmlns="">
-      <p:transition spd="med">
-        <p:fade/>
-      </p:transition>
-    </mc:Fallback>
-  </mc:AlternateContent>
-</p:sld>
-</file>
-
-<file path=ppt/slides/slide2.xml><?xml version="1.0" encoding="utf-8"?>
-<p:sld xmlns:a="http://schemas.openxmlformats.org/drawingml/2006/main" xmlns:r="http://schemas.openxmlformats.org/officeDocument/2006/relationships" xmlns:p="http://schemas.openxmlformats.org/presentationml/2006/main">
-  <p:cSld>
-    <p:spTree>
-      <p:nvGrpSpPr>
-        <p:cNvPr id="1" name=""/>
-        <p:cNvGrpSpPr/>
-        <p:nvPr/>
-      </p:nvGrpSpPr>
-      <p:grpSpPr>
-        <a:xfrm>
-          <a:off x="0" y="0"/>
-          <a:ext cx="0" cy="0"/>
-          <a:chOff x="0" y="0"/>
-          <a:chExt cx="0" cy="0"/>
-        </a:xfrm>
-      </p:grpSpPr>
-      <p:sp>
-        <p:nvSpPr>
-          <p:cNvPr id="2" name="Title 1">
-            <a:extLst>
-              <a:ext uri="{FF2B5EF4-FFF2-40B4-BE49-F238E27FC236}">
-                <a16:creationId xmlns:a16="http://schemas.microsoft.com/office/drawing/2014/main" id="{0E138177-E2EE-ACAC-A57C-F03FA29EC836}"/>
-              </a:ext>
-            </a:extLst>
-          </p:cNvPr>
-          <p:cNvSpPr>
-            <a:spLocks noGrp="1"/>
-          </p:cNvSpPr>
-          <p:nvPr>
-            <p:ph type="title"/>
-          </p:nvPr>
-        </p:nvSpPr>
-        <p:spPr/>
-        <p:txBody>
-          <a:bodyPr/>
-          <a:lstStyle/>
-          <a:p>
-            <a:r>
-              <a:rPr lang="en-US" dirty="0">
-                <a:solidFill>
-                  <a:srgbClr val="30335E"/>
-                </a:solidFill>
-                <a:latin typeface="Palatino Linotype" panose="02040502050505030304" pitchFamily="18" charset="0"/>
-              </a:rPr>
-              <a:t>Lesson Overview</a:t>
-            </a:r>
-          </a:p>
-        </p:txBody>
-      </p:sp>
-      <p:sp>
-        <p:nvSpPr>
-          <p:cNvPr id="3" name="Content Placeholder 2">
-            <a:extLst>
-              <a:ext uri="{FF2B5EF4-FFF2-40B4-BE49-F238E27FC236}">
-                <a16:creationId xmlns:a16="http://schemas.microsoft.com/office/drawing/2014/main" id="{8626DB86-54B4-A1E2-6C25-C049F364ED25}"/>
-              </a:ext>
-            </a:extLst>
-          </p:cNvPr>
-          <p:cNvSpPr>
-            <a:spLocks noGrp="1"/>
-          </p:cNvSpPr>
-          <p:nvPr>
-            <p:ph idx="1"/>
-          </p:nvPr>
-        </p:nvSpPr>
-        <p:spPr>
-          <a:xfrm>
-            <a:off x="1013564" y="1825626"/>
-            <a:ext cx="10515600" cy="504215"/>
-          </a:xfrm>
-        </p:spPr>
-        <p:txBody>
-          <a:bodyPr/>
-          <a:lstStyle/>
-          <a:p>
-            <a:pPr>
-              <a:buFont typeface="Wingdings" panose="05000000000000000000" pitchFamily="2" charset="2"/>
-              <a:buChar char="Ø"/>
-            </a:pPr>
-            <a:r>
-              <a:rPr lang="en-US" dirty="0">
-                <a:solidFill>
-                  <a:schemeClr val="tx1">
-                    <a:lumMod val="75000"/>
-                    <a:lumOff val="25000"/>
-                  </a:schemeClr>
-                </a:solidFill>
-              </a:rPr>
-              <a:t> </a:t>
-            </a:r>
-            <a:r>
-              <a:rPr lang="en-US" dirty="0">
-                <a:solidFill>
-                  <a:schemeClr val="tx1">
-                    <a:lumMod val="75000"/>
-                    <a:lumOff val="25000"/>
-                  </a:schemeClr>
-                </a:solidFill>
-                <a:latin typeface="Palatino Linotype" panose="02040502050505030304" pitchFamily="18" charset="0"/>
-              </a:rPr>
-              <a:t>Learning Objective 1</a:t>
-            </a:r>
-          </a:p>
-        </p:txBody>
-      </p:sp>
-      <p:sp>
-        <p:nvSpPr>
-          <p:cNvPr id="5" name="Content Placeholder 2">
-            <a:extLst>
-              <a:ext uri="{FF2B5EF4-FFF2-40B4-BE49-F238E27FC236}">
-                <a16:creationId xmlns:a16="http://schemas.microsoft.com/office/drawing/2014/main" id="{7070644F-62DF-8674-4A8A-C2FA1554028E}"/>
-              </a:ext>
-            </a:extLst>
-          </p:cNvPr>
-          <p:cNvSpPr txBox="1">
-            <a:spLocks/>
-          </p:cNvSpPr>
-          <p:nvPr/>
-        </p:nvSpPr>
-        <p:spPr>
-          <a:xfrm>
-            <a:off x="1013564" y="2464778"/>
-            <a:ext cx="10515600" cy="504215"/>
-          </a:xfrm>
-          <a:prstGeom prst="rect">
-            <a:avLst/>
-          </a:prstGeom>
-        </p:spPr>
-        <p:txBody>
-          <a:bodyPr vert="horz" lIns="91440" tIns="45720" rIns="91440" bIns="45720" rtlCol="0">
-            <a:normAutofit/>
-          </a:bodyPr>
-          <a:lstStyle>
-            <a:lvl1pPr marL="228600" indent="-228600" algn="l" defTabSz="914400" rtl="0" eaLnBrk="1" latinLnBrk="0" hangingPunct="1">
-              <a:lnSpc>
-                <a:spcPct val="90000"/>
-              </a:lnSpc>
-              <a:spcBef>
-                <a:spcPts val="1000"/>
-              </a:spcBef>
-              <a:buFont typeface="Arial" panose="020B0604020202020204" pitchFamily="34" charset="0"/>
-              <a:buChar char="•"/>
-              <a:defRPr sz="2800" kern="1200">
-                <a:solidFill>
-                  <a:schemeClr val="tx1"/>
-                </a:solidFill>
-                <a:latin typeface="+mn-lt"/>
-                <a:ea typeface="+mn-ea"/>
-                <a:cs typeface="+mn-cs"/>
-              </a:defRPr>
-            </a:lvl1pPr>
-            <a:lvl2pPr marL="685800" indent="-228600" algn="l" defTabSz="914400" rtl="0" eaLnBrk="1" latinLnBrk="0" hangingPunct="1">
-              <a:lnSpc>
-                <a:spcPct val="90000"/>
-              </a:lnSpc>
-              <a:spcBef>
-                <a:spcPts val="500"/>
-              </a:spcBef>
-              <a:buFont typeface="Arial" panose="020B0604020202020204" pitchFamily="34" charset="0"/>
-              <a:buChar char="•"/>
-              <a:defRPr sz="2400" kern="1200">
-                <a:solidFill>
-                  <a:schemeClr val="tx1"/>
-                </a:solidFill>
-                <a:latin typeface="+mn-lt"/>
-                <a:ea typeface="+mn-ea"/>
-                <a:cs typeface="+mn-cs"/>
-              </a:defRPr>
-            </a:lvl2pPr>
-            <a:lvl3pPr marL="1143000" indent="-228600" algn="l" defTabSz="914400" rtl="0" eaLnBrk="1" latinLnBrk="0" hangingPunct="1">
-              <a:lnSpc>
-                <a:spcPct val="90000"/>
-              </a:lnSpc>
-              <a:spcBef>
-                <a:spcPts val="500"/>
-              </a:spcBef>
-              <a:buFont typeface="Arial" panose="020B0604020202020204" pitchFamily="34" charset="0"/>
-              <a:buChar char="•"/>
-              <a:defRPr sz="2000" kern="1200">
-                <a:solidFill>
-                  <a:schemeClr val="tx1"/>
-                </a:solidFill>
-                <a:latin typeface="+mn-lt"/>
-                <a:ea typeface="+mn-ea"/>
-                <a:cs typeface="+mn-cs"/>
-              </a:defRPr>
-            </a:lvl3pPr>
-            <a:lvl4pPr marL="1600200" indent="-228600" algn="l" defTabSz="914400" rtl="0" eaLnBrk="1" latinLnBrk="0" hangingPunct="1">
-              <a:lnSpc>
-                <a:spcPct val="90000"/>
-              </a:lnSpc>
-              <a:spcBef>
-                <a:spcPts val="500"/>
-              </a:spcBef>
-              <a:buFont typeface="Arial" panose="020B0604020202020204" pitchFamily="34" charset="0"/>
-              <a:buChar char="•"/>
-              <a:defRPr sz="1800" kern="1200">
-                <a:solidFill>
-                  <a:schemeClr val="tx1"/>
-                </a:solidFill>
-                <a:latin typeface="+mn-lt"/>
-                <a:ea typeface="+mn-ea"/>
-                <a:cs typeface="+mn-cs"/>
-              </a:defRPr>
-            </a:lvl4pPr>
-            <a:lvl5pPr marL="2057400" indent="-228600" algn="l" defTabSz="914400" rtl="0" eaLnBrk="1" latinLnBrk="0" hangingPunct="1">
-              <a:lnSpc>
-                <a:spcPct val="90000"/>
-              </a:lnSpc>
-              <a:spcBef>
-                <a:spcPts val="500"/>
-              </a:spcBef>
-              <a:buFont typeface="Arial" panose="020B0604020202020204" pitchFamily="34" charset="0"/>
-              <a:buChar char="•"/>
-              <a:defRPr sz="1800" kern="1200">
-                <a:solidFill>
-                  <a:schemeClr val="tx1"/>
-                </a:solidFill>
-                <a:latin typeface="+mn-lt"/>
-                <a:ea typeface="+mn-ea"/>
-                <a:cs typeface="+mn-cs"/>
-              </a:defRPr>
-            </a:lvl5pPr>
-            <a:lvl6pPr marL="2514600" indent="-228600" algn="l" defTabSz="914400" rtl="0" eaLnBrk="1" latinLnBrk="0" hangingPunct="1">
-              <a:lnSpc>
-                <a:spcPct val="90000"/>
-              </a:lnSpc>
-              <a:spcBef>
-                <a:spcPts val="500"/>
-              </a:spcBef>
-              <a:buFont typeface="Arial" panose="020B0604020202020204" pitchFamily="34" charset="0"/>
-              <a:buChar char="•"/>
-              <a:defRPr sz="1800" kern="1200">
-                <a:solidFill>
-                  <a:schemeClr val="tx1"/>
-                </a:solidFill>
-                <a:latin typeface="+mn-lt"/>
-                <a:ea typeface="+mn-ea"/>
-                <a:cs typeface="+mn-cs"/>
-              </a:defRPr>
-            </a:lvl6pPr>
-            <a:lvl7pPr marL="2971800" indent="-228600" algn="l" defTabSz="914400" rtl="0" eaLnBrk="1" latinLnBrk="0" hangingPunct="1">
-              <a:lnSpc>
-                <a:spcPct val="90000"/>
-              </a:lnSpc>
-              <a:spcBef>
-                <a:spcPts val="500"/>
-              </a:spcBef>
-              <a:buFont typeface="Arial" panose="020B0604020202020204" pitchFamily="34" charset="0"/>
-              <a:buChar char="•"/>
-              <a:defRPr sz="1800" kern="1200">
-                <a:solidFill>
-                  <a:schemeClr val="tx1"/>
-                </a:solidFill>
-                <a:latin typeface="+mn-lt"/>
-                <a:ea typeface="+mn-ea"/>
-                <a:cs typeface="+mn-cs"/>
-              </a:defRPr>
-            </a:lvl7pPr>
-            <a:lvl8pPr marL="3429000" indent="-228600" algn="l" defTabSz="914400" rtl="0" eaLnBrk="1" latinLnBrk="0" hangingPunct="1">
-              <a:lnSpc>
-                <a:spcPct val="90000"/>
-              </a:lnSpc>
-              <a:spcBef>
-                <a:spcPts val="500"/>
-              </a:spcBef>
-              <a:buFont typeface="Arial" panose="020B0604020202020204" pitchFamily="34" charset="0"/>
-              <a:buChar char="•"/>
-              <a:defRPr sz="1800" kern="1200">
-                <a:solidFill>
-                  <a:schemeClr val="tx1"/>
-                </a:solidFill>
-                <a:latin typeface="+mn-lt"/>
-                <a:ea typeface="+mn-ea"/>
-                <a:cs typeface="+mn-cs"/>
-              </a:defRPr>
-            </a:lvl8pPr>
-            <a:lvl9pPr marL="3886200" indent="-228600" algn="l" defTabSz="914400" rtl="0" eaLnBrk="1" latinLnBrk="0" hangingPunct="1">
-              <a:lnSpc>
-                <a:spcPct val="90000"/>
-              </a:lnSpc>
-              <a:spcBef>
-                <a:spcPts val="500"/>
-              </a:spcBef>
-              <a:buFont typeface="Arial" panose="020B0604020202020204" pitchFamily="34" charset="0"/>
-              <a:buChar char="•"/>
-              <a:defRPr sz="1800" kern="1200">
-                <a:solidFill>
-                  <a:schemeClr val="tx1"/>
-                </a:solidFill>
-                <a:latin typeface="+mn-lt"/>
-                <a:ea typeface="+mn-ea"/>
-                <a:cs typeface="+mn-cs"/>
-              </a:defRPr>
-            </a:lvl9pPr>
-          </a:lstStyle>
-          <a:p>
-            <a:pPr>
-              <a:buFont typeface="Wingdings" panose="05000000000000000000" pitchFamily="2" charset="2"/>
-              <a:buChar char="Ø"/>
-            </a:pPr>
-            <a:r>
-              <a:rPr lang="en-US" dirty="0">
-                <a:solidFill>
-                  <a:schemeClr val="tx1">
-                    <a:lumMod val="75000"/>
-                    <a:lumOff val="25000"/>
-                  </a:schemeClr>
-                </a:solidFill>
-              </a:rPr>
-              <a:t> </a:t>
-            </a:r>
-            <a:r>
-              <a:rPr lang="en-US" dirty="0">
-                <a:solidFill>
-                  <a:schemeClr val="tx1">
-                    <a:lumMod val="75000"/>
-                    <a:lumOff val="25000"/>
-                  </a:schemeClr>
-                </a:solidFill>
-                <a:latin typeface="Palatino Linotype" panose="02040502050505030304" pitchFamily="18" charset="0"/>
-              </a:rPr>
-              <a:t>Learning Objective 1</a:t>
-            </a:r>
-          </a:p>
-        </p:txBody>
-      </p:sp>
-      <p:sp>
-        <p:nvSpPr>
-          <p:cNvPr id="6" name="Content Placeholder 2">
-            <a:extLst>
-              <a:ext uri="{FF2B5EF4-FFF2-40B4-BE49-F238E27FC236}">
-                <a16:creationId xmlns:a16="http://schemas.microsoft.com/office/drawing/2014/main" id="{FF2490E1-D7A0-7027-6DCC-60BB6819CD9E}"/>
-              </a:ext>
-            </a:extLst>
-          </p:cNvPr>
-          <p:cNvSpPr txBox="1">
-            <a:spLocks/>
-          </p:cNvSpPr>
-          <p:nvPr/>
-        </p:nvSpPr>
-        <p:spPr>
-          <a:xfrm>
-            <a:off x="1013564" y="3103930"/>
-            <a:ext cx="10515600" cy="504215"/>
-          </a:xfrm>
-          <a:prstGeom prst="rect">
-            <a:avLst/>
-          </a:prstGeom>
-        </p:spPr>
-        <p:txBody>
-          <a:bodyPr vert="horz" lIns="91440" tIns="45720" rIns="91440" bIns="45720" rtlCol="0">
-            <a:normAutofit/>
-          </a:bodyPr>
-          <a:lstStyle>
-            <a:lvl1pPr marL="228600" indent="-228600" algn="l" defTabSz="914400" rtl="0" eaLnBrk="1" latinLnBrk="0" hangingPunct="1">
-              <a:lnSpc>
-                <a:spcPct val="90000"/>
-              </a:lnSpc>
-              <a:spcBef>
-                <a:spcPts val="1000"/>
-              </a:spcBef>
-              <a:buFont typeface="Arial" panose="020B0604020202020204" pitchFamily="34" charset="0"/>
-              <a:buChar char="•"/>
-              <a:defRPr sz="2800" kern="1200">
-                <a:solidFill>
-                  <a:schemeClr val="tx1"/>
-                </a:solidFill>
-                <a:latin typeface="+mn-lt"/>
-                <a:ea typeface="+mn-ea"/>
-                <a:cs typeface="+mn-cs"/>
-              </a:defRPr>
-            </a:lvl1pPr>
-            <a:lvl2pPr marL="685800" indent="-228600" algn="l" defTabSz="914400" rtl="0" eaLnBrk="1" latinLnBrk="0" hangingPunct="1">
-              <a:lnSpc>
-                <a:spcPct val="90000"/>
-              </a:lnSpc>
-              <a:spcBef>
-                <a:spcPts val="500"/>
-              </a:spcBef>
-              <a:buFont typeface="Arial" panose="020B0604020202020204" pitchFamily="34" charset="0"/>
-              <a:buChar char="•"/>
-              <a:defRPr sz="2400" kern="1200">
-                <a:solidFill>
-                  <a:schemeClr val="tx1"/>
-                </a:solidFill>
-                <a:latin typeface="+mn-lt"/>
-                <a:ea typeface="+mn-ea"/>
-                <a:cs typeface="+mn-cs"/>
-              </a:defRPr>
-            </a:lvl2pPr>
-            <a:lvl3pPr marL="1143000" indent="-228600" algn="l" defTabSz="914400" rtl="0" eaLnBrk="1" latinLnBrk="0" hangingPunct="1">
-              <a:lnSpc>
-                <a:spcPct val="90000"/>
-              </a:lnSpc>
-              <a:spcBef>
-                <a:spcPts val="500"/>
-              </a:spcBef>
-              <a:buFont typeface="Arial" panose="020B0604020202020204" pitchFamily="34" charset="0"/>
-              <a:buChar char="•"/>
-              <a:defRPr sz="2000" kern="1200">
-                <a:solidFill>
-                  <a:schemeClr val="tx1"/>
-                </a:solidFill>
-                <a:latin typeface="+mn-lt"/>
-                <a:ea typeface="+mn-ea"/>
-                <a:cs typeface="+mn-cs"/>
-              </a:defRPr>
-            </a:lvl3pPr>
-            <a:lvl4pPr marL="1600200" indent="-228600" algn="l" defTabSz="914400" rtl="0" eaLnBrk="1" latinLnBrk="0" hangingPunct="1">
-              <a:lnSpc>
-                <a:spcPct val="90000"/>
-              </a:lnSpc>
-              <a:spcBef>
-                <a:spcPts val="500"/>
-              </a:spcBef>
-              <a:buFont typeface="Arial" panose="020B0604020202020204" pitchFamily="34" charset="0"/>
-              <a:buChar char="•"/>
-              <a:defRPr sz="1800" kern="1200">
-                <a:solidFill>
-                  <a:schemeClr val="tx1"/>
-                </a:solidFill>
-                <a:latin typeface="+mn-lt"/>
-                <a:ea typeface="+mn-ea"/>
-                <a:cs typeface="+mn-cs"/>
-              </a:defRPr>
-            </a:lvl4pPr>
-            <a:lvl5pPr marL="2057400" indent="-228600" algn="l" defTabSz="914400" rtl="0" eaLnBrk="1" latinLnBrk="0" hangingPunct="1">
-              <a:lnSpc>
-                <a:spcPct val="90000"/>
-              </a:lnSpc>
-              <a:spcBef>
-                <a:spcPts val="500"/>
-              </a:spcBef>
-              <a:buFont typeface="Arial" panose="020B0604020202020204" pitchFamily="34" charset="0"/>
-              <a:buChar char="•"/>
-              <a:defRPr sz="1800" kern="1200">
-                <a:solidFill>
-                  <a:schemeClr val="tx1"/>
-                </a:solidFill>
-                <a:latin typeface="+mn-lt"/>
-                <a:ea typeface="+mn-ea"/>
-                <a:cs typeface="+mn-cs"/>
-              </a:defRPr>
-            </a:lvl5pPr>
-            <a:lvl6pPr marL="2514600" indent="-228600" algn="l" defTabSz="914400" rtl="0" eaLnBrk="1" latinLnBrk="0" hangingPunct="1">
-              <a:lnSpc>
-                <a:spcPct val="90000"/>
-              </a:lnSpc>
-              <a:spcBef>
-                <a:spcPts val="500"/>
-              </a:spcBef>
-              <a:buFont typeface="Arial" panose="020B0604020202020204" pitchFamily="34" charset="0"/>
-              <a:buChar char="•"/>
-              <a:defRPr sz="1800" kern="1200">
-                <a:solidFill>
-                  <a:schemeClr val="tx1"/>
-                </a:solidFill>
-                <a:latin typeface="+mn-lt"/>
-                <a:ea typeface="+mn-ea"/>
-                <a:cs typeface="+mn-cs"/>
-              </a:defRPr>
-            </a:lvl6pPr>
-            <a:lvl7pPr marL="2971800" indent="-228600" algn="l" defTabSz="914400" rtl="0" eaLnBrk="1" latinLnBrk="0" hangingPunct="1">
-              <a:lnSpc>
-                <a:spcPct val="90000"/>
-              </a:lnSpc>
-              <a:spcBef>
-                <a:spcPts val="500"/>
-              </a:spcBef>
-              <a:buFont typeface="Arial" panose="020B0604020202020204" pitchFamily="34" charset="0"/>
-              <a:buChar char="•"/>
-              <a:defRPr sz="1800" kern="1200">
-                <a:solidFill>
-                  <a:schemeClr val="tx1"/>
-                </a:solidFill>
-                <a:latin typeface="+mn-lt"/>
-                <a:ea typeface="+mn-ea"/>
-                <a:cs typeface="+mn-cs"/>
-              </a:defRPr>
-            </a:lvl7pPr>
-            <a:lvl8pPr marL="3429000" indent="-228600" algn="l" defTabSz="914400" rtl="0" eaLnBrk="1" latinLnBrk="0" hangingPunct="1">
-              <a:lnSpc>
-                <a:spcPct val="90000"/>
-              </a:lnSpc>
-              <a:spcBef>
-                <a:spcPts val="500"/>
-              </a:spcBef>
-              <a:buFont typeface="Arial" panose="020B0604020202020204" pitchFamily="34" charset="0"/>
-              <a:buChar char="•"/>
-              <a:defRPr sz="1800" kern="1200">
-                <a:solidFill>
-                  <a:schemeClr val="tx1"/>
-                </a:solidFill>
-                <a:latin typeface="+mn-lt"/>
-                <a:ea typeface="+mn-ea"/>
-                <a:cs typeface="+mn-cs"/>
-              </a:defRPr>
-            </a:lvl8pPr>
-            <a:lvl9pPr marL="3886200" indent="-228600" algn="l" defTabSz="914400" rtl="0" eaLnBrk="1" latinLnBrk="0" hangingPunct="1">
-              <a:lnSpc>
-                <a:spcPct val="90000"/>
-              </a:lnSpc>
-              <a:spcBef>
-                <a:spcPts val="500"/>
-              </a:spcBef>
-              <a:buFont typeface="Arial" panose="020B0604020202020204" pitchFamily="34" charset="0"/>
-              <a:buChar char="•"/>
-              <a:defRPr sz="1800" kern="1200">
-                <a:solidFill>
-                  <a:schemeClr val="tx1"/>
-                </a:solidFill>
-                <a:latin typeface="+mn-lt"/>
-                <a:ea typeface="+mn-ea"/>
-                <a:cs typeface="+mn-cs"/>
-              </a:defRPr>
-            </a:lvl9pPr>
-          </a:lstStyle>
-          <a:p>
-            <a:pPr>
-              <a:buFont typeface="Wingdings" panose="05000000000000000000" pitchFamily="2" charset="2"/>
-              <a:buChar char="Ø"/>
-            </a:pPr>
-            <a:r>
-              <a:rPr lang="en-US" dirty="0">
-                <a:solidFill>
-                  <a:schemeClr val="tx1">
-                    <a:lumMod val="75000"/>
-                    <a:lumOff val="25000"/>
-                  </a:schemeClr>
-                </a:solidFill>
-              </a:rPr>
-              <a:t> </a:t>
-            </a:r>
-            <a:r>
-              <a:rPr lang="en-US" dirty="0">
-                <a:solidFill>
-                  <a:schemeClr val="tx1">
-                    <a:lumMod val="75000"/>
-                    <a:lumOff val="25000"/>
-                  </a:schemeClr>
-                </a:solidFill>
-                <a:latin typeface="Palatino Linotype" panose="02040502050505030304" pitchFamily="18" charset="0"/>
-              </a:rPr>
-              <a:t>Learning Objective 1</a:t>
-            </a:r>
-          </a:p>
-        </p:txBody>
-      </p:sp>
-      <p:sp>
-        <p:nvSpPr>
-          <p:cNvPr id="7" name="Content Placeholder 2">
-            <a:extLst>
-              <a:ext uri="{FF2B5EF4-FFF2-40B4-BE49-F238E27FC236}">
-                <a16:creationId xmlns:a16="http://schemas.microsoft.com/office/drawing/2014/main" id="{6D3279E5-D518-B484-9FCF-B12663A4E8FF}"/>
-              </a:ext>
-            </a:extLst>
-          </p:cNvPr>
-          <p:cNvSpPr txBox="1">
-            <a:spLocks/>
-          </p:cNvSpPr>
-          <p:nvPr/>
-        </p:nvSpPr>
-        <p:spPr>
-          <a:xfrm>
-            <a:off x="1013564" y="3743082"/>
-            <a:ext cx="10515600" cy="504215"/>
-          </a:xfrm>
-          <a:prstGeom prst="rect">
-            <a:avLst/>
-          </a:prstGeom>
-        </p:spPr>
-        <p:txBody>
-          <a:bodyPr vert="horz" lIns="91440" tIns="45720" rIns="91440" bIns="45720" rtlCol="0">
-            <a:normAutofit/>
-          </a:bodyPr>
-          <a:lstStyle>
-            <a:lvl1pPr marL="228600" indent="-228600" algn="l" defTabSz="914400" rtl="0" eaLnBrk="1" latinLnBrk="0" hangingPunct="1">
-              <a:lnSpc>
-                <a:spcPct val="90000"/>
-              </a:lnSpc>
-              <a:spcBef>
-                <a:spcPts val="1000"/>
-              </a:spcBef>
-              <a:buFont typeface="Arial" panose="020B0604020202020204" pitchFamily="34" charset="0"/>
-              <a:buChar char="•"/>
-              <a:defRPr sz="2800" kern="1200">
-                <a:solidFill>
-                  <a:schemeClr val="tx1"/>
-                </a:solidFill>
-                <a:latin typeface="+mn-lt"/>
-                <a:ea typeface="+mn-ea"/>
-                <a:cs typeface="+mn-cs"/>
-              </a:defRPr>
-            </a:lvl1pPr>
-            <a:lvl2pPr marL="685800" indent="-228600" algn="l" defTabSz="914400" rtl="0" eaLnBrk="1" latinLnBrk="0" hangingPunct="1">
-              <a:lnSpc>
-                <a:spcPct val="90000"/>
-              </a:lnSpc>
-              <a:spcBef>
-                <a:spcPts val="500"/>
-              </a:spcBef>
-              <a:buFont typeface="Arial" panose="020B0604020202020204" pitchFamily="34" charset="0"/>
-              <a:buChar char="•"/>
-              <a:defRPr sz="2400" kern="1200">
-                <a:solidFill>
-                  <a:schemeClr val="tx1"/>
-                </a:solidFill>
-                <a:latin typeface="+mn-lt"/>
-                <a:ea typeface="+mn-ea"/>
-                <a:cs typeface="+mn-cs"/>
-              </a:defRPr>
-            </a:lvl2pPr>
-            <a:lvl3pPr marL="1143000" indent="-228600" algn="l" defTabSz="914400" rtl="0" eaLnBrk="1" latinLnBrk="0" hangingPunct="1">
-              <a:lnSpc>
-                <a:spcPct val="90000"/>
-              </a:lnSpc>
-              <a:spcBef>
-                <a:spcPts val="500"/>
-              </a:spcBef>
-              <a:buFont typeface="Arial" panose="020B0604020202020204" pitchFamily="34" charset="0"/>
-              <a:buChar char="•"/>
-              <a:defRPr sz="2000" kern="1200">
-                <a:solidFill>
-                  <a:schemeClr val="tx1"/>
-                </a:solidFill>
-                <a:latin typeface="+mn-lt"/>
-                <a:ea typeface="+mn-ea"/>
-                <a:cs typeface="+mn-cs"/>
-              </a:defRPr>
-            </a:lvl3pPr>
-            <a:lvl4pPr marL="1600200" indent="-228600" algn="l" defTabSz="914400" rtl="0" eaLnBrk="1" latinLnBrk="0" hangingPunct="1">
-              <a:lnSpc>
-                <a:spcPct val="90000"/>
-              </a:lnSpc>
-              <a:spcBef>
-                <a:spcPts val="500"/>
-              </a:spcBef>
-              <a:buFont typeface="Arial" panose="020B0604020202020204" pitchFamily="34" charset="0"/>
-              <a:buChar char="•"/>
-              <a:defRPr sz="1800" kern="1200">
-                <a:solidFill>
-                  <a:schemeClr val="tx1"/>
-                </a:solidFill>
-                <a:latin typeface="+mn-lt"/>
-                <a:ea typeface="+mn-ea"/>
-                <a:cs typeface="+mn-cs"/>
-              </a:defRPr>
-            </a:lvl4pPr>
-            <a:lvl5pPr marL="2057400" indent="-228600" algn="l" defTabSz="914400" rtl="0" eaLnBrk="1" latinLnBrk="0" hangingPunct="1">
-              <a:lnSpc>
-                <a:spcPct val="90000"/>
-              </a:lnSpc>
-              <a:spcBef>
-                <a:spcPts val="500"/>
-              </a:spcBef>
-              <a:buFont typeface="Arial" panose="020B0604020202020204" pitchFamily="34" charset="0"/>
-              <a:buChar char="•"/>
-              <a:defRPr sz="1800" kern="1200">
-                <a:solidFill>
-                  <a:schemeClr val="tx1"/>
-                </a:solidFill>
-                <a:latin typeface="+mn-lt"/>
-                <a:ea typeface="+mn-ea"/>
-                <a:cs typeface="+mn-cs"/>
-              </a:defRPr>
-            </a:lvl5pPr>
-            <a:lvl6pPr marL="2514600" indent="-228600" algn="l" defTabSz="914400" rtl="0" eaLnBrk="1" latinLnBrk="0" hangingPunct="1">
-              <a:lnSpc>
-                <a:spcPct val="90000"/>
-              </a:lnSpc>
-              <a:spcBef>
-                <a:spcPts val="500"/>
-              </a:spcBef>
-              <a:buFont typeface="Arial" panose="020B0604020202020204" pitchFamily="34" charset="0"/>
-              <a:buChar char="•"/>
-              <a:defRPr sz="1800" kern="1200">
-                <a:solidFill>
-                  <a:schemeClr val="tx1"/>
-                </a:solidFill>
-                <a:latin typeface="+mn-lt"/>
-                <a:ea typeface="+mn-ea"/>
-                <a:cs typeface="+mn-cs"/>
-              </a:defRPr>
-            </a:lvl6pPr>
-            <a:lvl7pPr marL="2971800" indent="-228600" algn="l" defTabSz="914400" rtl="0" eaLnBrk="1" latinLnBrk="0" hangingPunct="1">
-              <a:lnSpc>
-                <a:spcPct val="90000"/>
-              </a:lnSpc>
-              <a:spcBef>
-                <a:spcPts val="500"/>
-              </a:spcBef>
-              <a:buFont typeface="Arial" panose="020B0604020202020204" pitchFamily="34" charset="0"/>
-              <a:buChar char="•"/>
-              <a:defRPr sz="1800" kern="1200">
-                <a:solidFill>
-                  <a:schemeClr val="tx1"/>
-                </a:solidFill>
-                <a:latin typeface="+mn-lt"/>
-                <a:ea typeface="+mn-ea"/>
-                <a:cs typeface="+mn-cs"/>
-              </a:defRPr>
-            </a:lvl7pPr>
-            <a:lvl8pPr marL="3429000" indent="-228600" algn="l" defTabSz="914400" rtl="0" eaLnBrk="1" latinLnBrk="0" hangingPunct="1">
-              <a:lnSpc>
-                <a:spcPct val="90000"/>
-              </a:lnSpc>
-              <a:spcBef>
-                <a:spcPts val="500"/>
-              </a:spcBef>
-              <a:buFont typeface="Arial" panose="020B0604020202020204" pitchFamily="34" charset="0"/>
-              <a:buChar char="•"/>
-              <a:defRPr sz="1800" kern="1200">
-                <a:solidFill>
-                  <a:schemeClr val="tx1"/>
-                </a:solidFill>
-                <a:latin typeface="+mn-lt"/>
-                <a:ea typeface="+mn-ea"/>
-                <a:cs typeface="+mn-cs"/>
-              </a:defRPr>
-            </a:lvl8pPr>
-            <a:lvl9pPr marL="3886200" indent="-228600" algn="l" defTabSz="914400" rtl="0" eaLnBrk="1" latinLnBrk="0" hangingPunct="1">
-              <a:lnSpc>
-                <a:spcPct val="90000"/>
-              </a:lnSpc>
-              <a:spcBef>
-                <a:spcPts val="500"/>
-              </a:spcBef>
-              <a:buFont typeface="Arial" panose="020B0604020202020204" pitchFamily="34" charset="0"/>
-              <a:buChar char="•"/>
-              <a:defRPr sz="1800" kern="1200">
-                <a:solidFill>
-                  <a:schemeClr val="tx1"/>
-                </a:solidFill>
-                <a:latin typeface="+mn-lt"/>
-                <a:ea typeface="+mn-ea"/>
-                <a:cs typeface="+mn-cs"/>
-              </a:defRPr>
-            </a:lvl9pPr>
-          </a:lstStyle>
-          <a:p>
-            <a:pPr>
-              <a:buFont typeface="Wingdings" panose="05000000000000000000" pitchFamily="2" charset="2"/>
-              <a:buChar char="Ø"/>
-            </a:pPr>
-            <a:r>
-              <a:rPr lang="en-US" dirty="0">
-                <a:solidFill>
-                  <a:schemeClr val="tx1">
-                    <a:lumMod val="75000"/>
-                    <a:lumOff val="25000"/>
-                  </a:schemeClr>
-                </a:solidFill>
-              </a:rPr>
-              <a:t> </a:t>
-            </a:r>
-            <a:r>
-              <a:rPr lang="en-US" dirty="0">
-                <a:solidFill>
-                  <a:schemeClr val="tx1">
-                    <a:lumMod val="75000"/>
-                    <a:lumOff val="25000"/>
-                  </a:schemeClr>
-                </a:solidFill>
-                <a:latin typeface="Palatino Linotype" panose="02040502050505030304" pitchFamily="18" charset="0"/>
-              </a:rPr>
-              <a:t>Learning Objective 1</a:t>
-            </a:r>
-          </a:p>
-        </p:txBody>
-      </p:sp>
-    </p:spTree>
-    <p:extLst>
-      <p:ext uri="{BB962C8B-B14F-4D97-AF65-F5344CB8AC3E}">
-        <p14:creationId xmlns:p14="http://schemas.microsoft.com/office/powerpoint/2010/main" val="1416141381"/>
-      </p:ext>
-    </p:extLst>
-  </p:cSld>
-  <p:clrMapOvr>
-    <a:masterClrMapping/>
-  </p:clrMapOvr>
-</p:sld>
-</file>
-
-<file path=ppt/slides/slide20.xml><?xml version="1.0" encoding="utf-8"?>
+<file path=ppt/slides/slide22.xml><?xml version="1.0" encoding="utf-8"?>
 <p:sld xmlns:a="http://schemas.openxmlformats.org/drawingml/2006/main" xmlns:r="http://schemas.openxmlformats.org/officeDocument/2006/relationships" xmlns:p="http://schemas.openxmlformats.org/presentationml/2006/main">
   <p:cSld>
     <p:spTree>
@@ -10713,7 +11397,7 @@
 </p:sld>
 </file>
 
-<file path=ppt/slides/slide21.xml><?xml version="1.0" encoding="utf-8"?>
+<file path=ppt/slides/slide23.xml><?xml version="1.0" encoding="utf-8"?>
 <p:sld xmlns:a="http://schemas.openxmlformats.org/drawingml/2006/main" xmlns:r="http://schemas.openxmlformats.org/officeDocument/2006/relationships" xmlns:p="http://schemas.openxmlformats.org/presentationml/2006/main">
   <p:cSld>
     <p:spTree>
@@ -10755,7 +11439,7 @@
 </p:sld>
 </file>
 
-<file path=ppt/slides/slide22.xml><?xml version="1.0" encoding="utf-8"?>
+<file path=ppt/slides/slide24.xml><?xml version="1.0" encoding="utf-8"?>
 <p:sld xmlns:a="http://schemas.openxmlformats.org/drawingml/2006/main" xmlns:r="http://schemas.openxmlformats.org/officeDocument/2006/relationships" xmlns:p="http://schemas.openxmlformats.org/presentationml/2006/main">
   <p:cSld>
     <p:spTree>
@@ -12323,7 +13007,7 @@
           <p:nvPr/>
         </p:nvPicPr>
         <p:blipFill>
-          <a:blip r:embed="rId2"/>
+          <a:blip r:embed="rId3"/>
           <a:stretch>
             <a:fillRect/>
           </a:stretch>
@@ -12338,6 +13022,127 @@
           </a:prstGeom>
         </p:spPr>
       </p:pic>
+      <p:sp>
+        <p:nvSpPr>
+          <p:cNvPr id="3" name="TextBox 2">
+            <a:extLst>
+              <a:ext uri="{FF2B5EF4-FFF2-40B4-BE49-F238E27FC236}">
+                <a16:creationId xmlns:a16="http://schemas.microsoft.com/office/drawing/2014/main" id="{D8C44DDD-89D6-5EB1-3797-1B9C2CEAA513}"/>
+              </a:ext>
+            </a:extLst>
+          </p:cNvPr>
+          <p:cNvSpPr txBox="1"/>
+          <p:nvPr/>
+        </p:nvSpPr>
+        <p:spPr>
+          <a:xfrm>
+            <a:off x="0" y="6550223"/>
+            <a:ext cx="12192000" cy="307777"/>
+          </a:xfrm>
+          <a:prstGeom prst="rect">
+            <a:avLst/>
+          </a:prstGeom>
+          <a:noFill/>
+        </p:spPr>
+        <p:txBody>
+          <a:bodyPr wrap="square" rtlCol="0">
+            <a:spAutoFit/>
+          </a:bodyPr>
+          <a:lstStyle/>
+          <a:p>
+            <a:r>
+              <a:rPr lang="en-US" sz="1400" dirty="0">
+                <a:solidFill>
+                  <a:schemeClr val="tx1">
+                    <a:lumMod val="65000"/>
+                    <a:lumOff val="35000"/>
+                  </a:schemeClr>
+                </a:solidFill>
+                <a:latin typeface="+mj-lt"/>
+                <a:ea typeface="Verdana" panose="020B0604030504040204" pitchFamily="34" charset="0"/>
+              </a:rPr>
+              <a:t>Story Source: Glassner, A. (2021). </a:t>
+            </a:r>
+            <a:r>
+              <a:rPr lang="en-US" sz="1400" i="1" dirty="0">
+                <a:solidFill>
+                  <a:schemeClr val="tx1">
+                    <a:lumMod val="65000"/>
+                    <a:lumOff val="35000"/>
+                  </a:schemeClr>
+                </a:solidFill>
+                <a:latin typeface="+mj-lt"/>
+                <a:ea typeface="Verdana" panose="020B0604030504040204" pitchFamily="34" charset="0"/>
+              </a:rPr>
+              <a:t>Deep learning: A visual approach</a:t>
+            </a:r>
+            <a:r>
+              <a:rPr lang="en-US" sz="1400" dirty="0">
+                <a:solidFill>
+                  <a:schemeClr val="tx1">
+                    <a:lumMod val="65000"/>
+                    <a:lumOff val="35000"/>
+                  </a:schemeClr>
+                </a:solidFill>
+                <a:latin typeface="+mj-lt"/>
+                <a:ea typeface="Verdana" panose="020B0604030504040204" pitchFamily="34" charset="0"/>
+              </a:rPr>
+              <a:t>. </a:t>
+            </a:r>
+            <a:r>
+              <a:rPr lang="en-US" sz="1400" b="0" i="0" dirty="0">
+                <a:solidFill>
+                  <a:schemeClr val="tx1">
+                    <a:lumMod val="65000"/>
+                    <a:lumOff val="35000"/>
+                  </a:schemeClr>
+                </a:solidFill>
+                <a:effectLst/>
+                <a:latin typeface="+mj-lt"/>
+                <a:ea typeface="Verdana" panose="020B0604030504040204" pitchFamily="34" charset="0"/>
+              </a:rPr>
+              <a:t>San Francisco, CA: No Starch Press. (Chapter </a:t>
+            </a:r>
+            <a:r>
+              <a:rPr lang="en-US" sz="1400" dirty="0">
+                <a:solidFill>
+                  <a:schemeClr val="tx1">
+                    <a:lumMod val="65000"/>
+                    <a:lumOff val="35000"/>
+                  </a:schemeClr>
+                </a:solidFill>
+                <a:latin typeface="+mj-lt"/>
+                <a:ea typeface="Verdana" panose="020B0604030504040204" pitchFamily="34" charset="0"/>
+              </a:rPr>
+              <a:t>20</a:t>
+            </a:r>
+            <a:r>
+              <a:rPr lang="en-US" sz="1400" b="0" i="0" dirty="0">
+                <a:solidFill>
+                  <a:schemeClr val="tx1">
+                    <a:lumMod val="65000"/>
+                    <a:lumOff val="35000"/>
+                  </a:schemeClr>
+                </a:solidFill>
+                <a:effectLst/>
+                <a:latin typeface="+mj-lt"/>
+                <a:ea typeface="Verdana" panose="020B0604030504040204" pitchFamily="34" charset="0"/>
+              </a:rPr>
+              <a:t>)</a:t>
+            </a:r>
+            <a:endParaRPr lang="en-US" sz="1400" dirty="0">
+              <a:solidFill>
+                <a:schemeClr val="tx1">
+                  <a:lumMod val="65000"/>
+                  <a:lumOff val="35000"/>
+                </a:schemeClr>
+              </a:solidFill>
+              <a:latin typeface="+mj-lt"/>
+              <a:ea typeface="Verdana" panose="020B0604030504040204" pitchFamily="34" charset="0"/>
+            </a:endParaRPr>
+          </a:p>
+        </p:txBody>
+      </p:sp>
     </p:spTree>
     <p:extLst>
       <p:ext uri="{BB962C8B-B14F-4D97-AF65-F5344CB8AC3E}">
@@ -12383,7 +13188,7 @@
           <p:nvPr/>
         </p:nvPicPr>
         <p:blipFill>
-          <a:blip r:embed="rId2"/>
+          <a:blip r:embed="rId3"/>
           <a:stretch>
             <a:fillRect/>
           </a:stretch>
@@ -12398,6 +13203,127 @@
           </a:prstGeom>
         </p:spPr>
       </p:pic>
+      <p:sp>
+        <p:nvSpPr>
+          <p:cNvPr id="3" name="TextBox 2">
+            <a:extLst>
+              <a:ext uri="{FF2B5EF4-FFF2-40B4-BE49-F238E27FC236}">
+                <a16:creationId xmlns:a16="http://schemas.microsoft.com/office/drawing/2014/main" id="{C0F52825-03DF-9AC4-3065-88D6527BCF76}"/>
+              </a:ext>
+            </a:extLst>
+          </p:cNvPr>
+          <p:cNvSpPr txBox="1"/>
+          <p:nvPr/>
+        </p:nvSpPr>
+        <p:spPr>
+          <a:xfrm>
+            <a:off x="0" y="6550223"/>
+            <a:ext cx="12192000" cy="307777"/>
+          </a:xfrm>
+          <a:prstGeom prst="rect">
+            <a:avLst/>
+          </a:prstGeom>
+          <a:noFill/>
+        </p:spPr>
+        <p:txBody>
+          <a:bodyPr wrap="square" rtlCol="0">
+            <a:spAutoFit/>
+          </a:bodyPr>
+          <a:lstStyle/>
+          <a:p>
+            <a:r>
+              <a:rPr lang="en-US" sz="1400" dirty="0">
+                <a:solidFill>
+                  <a:schemeClr val="tx1">
+                    <a:lumMod val="65000"/>
+                    <a:lumOff val="35000"/>
+                  </a:schemeClr>
+                </a:solidFill>
+                <a:latin typeface="+mj-lt"/>
+                <a:ea typeface="Verdana" panose="020B0604030504040204" pitchFamily="34" charset="0"/>
+              </a:rPr>
+              <a:t>Story Source: Glassner, A. (2021). </a:t>
+            </a:r>
+            <a:r>
+              <a:rPr lang="en-US" sz="1400" i="1" dirty="0">
+                <a:solidFill>
+                  <a:schemeClr val="tx1">
+                    <a:lumMod val="65000"/>
+                    <a:lumOff val="35000"/>
+                  </a:schemeClr>
+                </a:solidFill>
+                <a:latin typeface="+mj-lt"/>
+                <a:ea typeface="Verdana" panose="020B0604030504040204" pitchFamily="34" charset="0"/>
+              </a:rPr>
+              <a:t>Deep learning: A visual approach</a:t>
+            </a:r>
+            <a:r>
+              <a:rPr lang="en-US" sz="1400" dirty="0">
+                <a:solidFill>
+                  <a:schemeClr val="tx1">
+                    <a:lumMod val="65000"/>
+                    <a:lumOff val="35000"/>
+                  </a:schemeClr>
+                </a:solidFill>
+                <a:latin typeface="+mj-lt"/>
+                <a:ea typeface="Verdana" panose="020B0604030504040204" pitchFamily="34" charset="0"/>
+              </a:rPr>
+              <a:t>. </a:t>
+            </a:r>
+            <a:r>
+              <a:rPr lang="en-US" sz="1400" b="0" i="0" dirty="0">
+                <a:solidFill>
+                  <a:schemeClr val="tx1">
+                    <a:lumMod val="65000"/>
+                    <a:lumOff val="35000"/>
+                  </a:schemeClr>
+                </a:solidFill>
+                <a:effectLst/>
+                <a:latin typeface="+mj-lt"/>
+                <a:ea typeface="Verdana" panose="020B0604030504040204" pitchFamily="34" charset="0"/>
+              </a:rPr>
+              <a:t>San Francisco, CA: No Starch Press. (Chapter </a:t>
+            </a:r>
+            <a:r>
+              <a:rPr lang="en-US" sz="1400" dirty="0">
+                <a:solidFill>
+                  <a:schemeClr val="tx1">
+                    <a:lumMod val="65000"/>
+                    <a:lumOff val="35000"/>
+                  </a:schemeClr>
+                </a:solidFill>
+                <a:latin typeface="+mj-lt"/>
+                <a:ea typeface="Verdana" panose="020B0604030504040204" pitchFamily="34" charset="0"/>
+              </a:rPr>
+              <a:t>20</a:t>
+            </a:r>
+            <a:r>
+              <a:rPr lang="en-US" sz="1400" b="0" i="0" dirty="0">
+                <a:solidFill>
+                  <a:schemeClr val="tx1">
+                    <a:lumMod val="65000"/>
+                    <a:lumOff val="35000"/>
+                  </a:schemeClr>
+                </a:solidFill>
+                <a:effectLst/>
+                <a:latin typeface="+mj-lt"/>
+                <a:ea typeface="Verdana" panose="020B0604030504040204" pitchFamily="34" charset="0"/>
+              </a:rPr>
+              <a:t>)</a:t>
+            </a:r>
+            <a:endParaRPr lang="en-US" sz="1400" dirty="0">
+              <a:solidFill>
+                <a:schemeClr val="tx1">
+                  <a:lumMod val="65000"/>
+                  <a:lumOff val="35000"/>
+                </a:schemeClr>
+              </a:solidFill>
+              <a:latin typeface="+mj-lt"/>
+              <a:ea typeface="Verdana" panose="020B0604030504040204" pitchFamily="34" charset="0"/>
+            </a:endParaRPr>
+          </a:p>
+        </p:txBody>
+      </p:sp>
     </p:spTree>
     <p:extLst>
       <p:ext uri="{BB962C8B-B14F-4D97-AF65-F5344CB8AC3E}">

--- a/presentations/02_transformers_attention.pptx
+++ b/presentations/02_transformers_attention.pptx
@@ -24,10 +24,10 @@
     <p:sldId id="279" r:id="rId15"/>
     <p:sldId id="339" r:id="rId16"/>
     <p:sldId id="340" r:id="rId17"/>
-    <p:sldId id="347" r:id="rId18"/>
-    <p:sldId id="358" r:id="rId19"/>
-    <p:sldId id="359" r:id="rId20"/>
-    <p:sldId id="360" r:id="rId21"/>
+    <p:sldId id="358" r:id="rId18"/>
+    <p:sldId id="359" r:id="rId19"/>
+    <p:sldId id="361" r:id="rId20"/>
+    <p:sldId id="347" r:id="rId21"/>
     <p:sldId id="353" r:id="rId22"/>
     <p:sldId id="341" r:id="rId23"/>
     <p:sldId id="344" r:id="rId24"/>
@@ -231,7 +231,7 @@
           <a:p>
             <a:fld id="{FD93C9B2-20F6-4DB1-B471-224337D0AC79}" type="datetimeFigureOut">
               <a:rPr lang="en-US" smtClean="0"/>
-              <a:t>8/23/2022</a:t>
+              <a:t>8/24/2022</a:t>
             </a:fld>
             <a:endParaRPr lang="en-US"/>
           </a:p>
@@ -549,19 +549,6 @@
               <a:t>Transformers are increasingly important -- Add agenda slide…</a:t>
             </a:r>
           </a:p>
-          <a:p>
-            <a:endParaRPr lang="en-US" dirty="0">
-              <a:latin typeface="Palatino Linotype" panose="02040502050505030304" pitchFamily="18" charset="0"/>
-            </a:endParaRPr>
-          </a:p>
-          <a:p>
-            <a:r>
-              <a:rPr lang="en-US" dirty="0">
-                <a:latin typeface="Palatino Linotype" panose="02040502050505030304" pitchFamily="18" charset="0"/>
-              </a:rPr>
-              <a:t>Matt – One example all the way through…</a:t>
-            </a:r>
-          </a:p>
         </p:txBody>
       </p:sp>
       <p:sp>
@@ -1304,7 +1291,7 @@
             </a:pPr>
             <a:r>
               <a:rPr lang="en-US" dirty="0"/>
-              <a:t>Okay – let’s take everything we’ve learned so far and construct a transformer.  We begin with a quick review.  Attention is a relatively simple idea.  Rather than produce a single (or final) hidden state to represent an input sequence, the encoder outputs a hidden state at each step, with all states accessible to the decoder.  As shown here, the hidden state for each word in the English sentence is available to the 2</a:t>
+              <a:t>Okay – let’s take everything we’ve learned so far and construct a transformer.  We begin with a quick review.  Again, attention is a relatively simple idea.  Rather than produce a single (or final) hidden state to represent an input sequence, the encoder outputs a hidden state at each step, with all states accessible to the decoder.  As shown here, the hidden state for each word in the English sentence is available to the 2</a:t>
             </a:r>
             <a:r>
               <a:rPr lang="en-US" baseline="30000" dirty="0"/>
@@ -1313,49 +1300,6 @@
             <a:r>
               <a:rPr lang="en-US" dirty="0"/>
               <a:t> decoder cell.  </a:t>
-            </a:r>
-          </a:p>
-          <a:p>
-            <a:pPr marL="0" marR="0" lvl="0" indent="0" algn="l" defTabSz="914400" rtl="0" eaLnBrk="1" fontAlgn="auto" latinLnBrk="0" hangingPunct="1">
-              <a:lnSpc>
-                <a:spcPct val="100000"/>
-              </a:lnSpc>
-              <a:spcBef>
-                <a:spcPts val="0"/>
-              </a:spcBef>
-              <a:spcAft>
-                <a:spcPts val="0"/>
-              </a:spcAft>
-              <a:buClrTx/>
-              <a:buSzTx/>
-              <a:buFontTx/>
-              <a:buNone/>
-              <a:tabLst/>
-              <a:defRPr/>
-            </a:pPr>
-            <a:endParaRPr lang="en-US" dirty="0"/>
-          </a:p>
-          <a:p>
-            <a:pPr marL="0" marR="0" lvl="0" indent="0" algn="l" defTabSz="914400" rtl="0" eaLnBrk="1" fontAlgn="auto" latinLnBrk="0" hangingPunct="1">
-              <a:lnSpc>
-                <a:spcPct val="100000"/>
-              </a:lnSpc>
-              <a:spcBef>
-                <a:spcPts val="0"/>
-              </a:spcBef>
-              <a:spcAft>
-                <a:spcPts val="0"/>
-              </a:spcAft>
-              <a:buClrTx/>
-              <a:buSzTx/>
-              <a:buFontTx/>
-              <a:buNone/>
-              <a:tabLst/>
-              <a:defRPr/>
-            </a:pPr>
-            <a:r>
-              <a:rPr lang="en-US" dirty="0"/>
-              <a:t>This strategy works well for short sentences, but it breaks down when a sequence is long.  Accessing thousands of hidden states at the same time creates a lot of work for the decoder.   Attention reduces this workload by assigning a different amount of weight or “attention” to each state.  </a:t>
             </a:r>
           </a:p>
           <a:p>
@@ -1568,7 +1512,7 @@
             </a:pPr>
             <a:r>
               <a:rPr lang="en-US" dirty="0"/>
-              <a:t>Transformers took attention to the next level.  The architecture drops recurrence altogether and uses a special form of attention called </a:t>
+              <a:t>Transformers take attention to the next level.  The transformer drops recurrence altogether and uses a special form of attention called </a:t>
             </a:r>
             <a:r>
               <a:rPr lang="en-US" b="1" dirty="0"/>
@@ -1576,7 +1520,7 @@
             </a:r>
             <a:r>
               <a:rPr lang="en-US" dirty="0"/>
-              <a:t>.  As shown here, both the encoder and decoder have their own self-attention mechanisms, with their outputs fed to feed-forward neural networks (FF NNs).  </a:t>
+              <a:t>.  As shown here, both the encoder and decoder have their own self-attention mechanisms, with their outputs sent to feed-forward neural networks (FF NNs).  </a:t>
             </a:r>
           </a:p>
           <a:p>
@@ -1701,137 +1645,40 @@
           <a:bodyPr/>
           <a:lstStyle/>
           <a:p>
-            <a:pPr marL="0" marR="0" lvl="0" indent="0" algn="l" defTabSz="914400" rtl="0" eaLnBrk="1" fontAlgn="auto" latinLnBrk="0" hangingPunct="1">
-              <a:lnSpc>
-                <a:spcPct val="100000"/>
-              </a:lnSpc>
-              <a:spcBef>
-                <a:spcPts val="0"/>
-              </a:spcBef>
-              <a:spcAft>
-                <a:spcPts val="0"/>
-              </a:spcAft>
-              <a:buClrTx/>
-              <a:buSzTx/>
-              <a:buFontTx/>
-              <a:buNone/>
-              <a:tabLst/>
-              <a:defRPr/>
+            <a:r>
+              <a:rPr lang="en-US" dirty="0"/>
+              <a:t>With our short review complete, it’s time to build a simple transformer!  A block diagram of a transformer is shown here.  The blocks marked E and D are repeated sequences of layers, built around attention layers.  </a:t>
+            </a:r>
+          </a:p>
+          <a:p>
+            <a:endParaRPr lang="en-US" dirty="0"/>
+          </a:p>
+          <a:p>
+            <a:pPr marL="228600" indent="-228600">
+              <a:buAutoNum type="arabicPeriod"/>
             </a:pPr>
             <a:r>
-              <a:rPr lang="en-US" b="0" i="0" dirty="0">
-                <a:solidFill>
-                  <a:srgbClr val="292929"/>
-                </a:solidFill>
-                <a:effectLst/>
-                <a:latin typeface="charter"/>
-              </a:rPr>
-              <a:t>Let’s simulate the self-attention mechanism of our simple English/German translator.  Rather than encode the whole sentence in a single hidden state, each word’s hidden state is passed to the decoder.  All these hidden states, in turn, are then used at each step of the decoding process.  </a:t>
-            </a:r>
-          </a:p>
-          <a:p>
-            <a:pPr marL="0" marR="0" lvl="0" indent="0" algn="l" defTabSz="914400" rtl="0" eaLnBrk="1" fontAlgn="auto" latinLnBrk="0" hangingPunct="1">
-              <a:lnSpc>
-                <a:spcPct val="100000"/>
-              </a:lnSpc>
-              <a:spcBef>
-                <a:spcPts val="0"/>
-              </a:spcBef>
-              <a:spcAft>
-                <a:spcPts val="0"/>
-              </a:spcAft>
-              <a:buClrTx/>
-              <a:buSzTx/>
-              <a:buFontTx/>
-              <a:buNone/>
-              <a:tabLst/>
-              <a:defRPr/>
+              <a:rPr lang="en-US" dirty="0"/>
+              <a:t>Both the encoder and decoder begin with word embedding…</a:t>
+            </a:r>
+          </a:p>
+          <a:p>
+            <a:pPr marL="228600" indent="-228600">
+              <a:buAutoNum type="arabicPeriod"/>
             </a:pPr>
-            <a:endParaRPr lang="en-US" b="0" i="0" dirty="0">
-              <a:solidFill>
-                <a:srgbClr val="292929"/>
-              </a:solidFill>
-              <a:effectLst/>
-              <a:latin typeface="charter"/>
-            </a:endParaRPr>
-          </a:p>
-          <a:p>
-            <a:pPr marL="0" marR="0" lvl="0" indent="0" algn="l" defTabSz="914400" rtl="0" eaLnBrk="1" fontAlgn="auto" latinLnBrk="0" hangingPunct="1">
-              <a:lnSpc>
-                <a:spcPct val="100000"/>
-              </a:lnSpc>
-              <a:spcBef>
-                <a:spcPts val="0"/>
-              </a:spcBef>
-              <a:spcAft>
-                <a:spcPts val="0"/>
-              </a:spcAft>
-              <a:buClrTx/>
-              <a:buSzTx/>
-              <a:buFontTx/>
-              <a:buNone/>
-              <a:tabLst/>
-              <a:defRPr/>
+            <a:r>
+              <a:rPr lang="en-US" dirty="0"/>
+              <a:t>… followed by positional embedding.  </a:t>
+            </a:r>
+          </a:p>
+          <a:p>
+            <a:pPr marL="228600" indent="-228600">
+              <a:buAutoNum type="arabicPeriod"/>
             </a:pPr>
-            <a:endParaRPr lang="en-US" b="0" i="0" dirty="0">
-              <a:solidFill>
-                <a:srgbClr val="292929"/>
-              </a:solidFill>
-              <a:effectLst/>
-              <a:latin typeface="charter"/>
-            </a:endParaRPr>
-          </a:p>
-          <a:p>
-            <a:pPr marL="0" marR="0" lvl="0" indent="0" algn="l" defTabSz="914400" rtl="0" eaLnBrk="1" fontAlgn="auto" latinLnBrk="0" hangingPunct="1">
-              <a:lnSpc>
-                <a:spcPct val="100000"/>
-              </a:lnSpc>
-              <a:spcBef>
-                <a:spcPts val="0"/>
-              </a:spcBef>
-              <a:spcAft>
-                <a:spcPts val="0"/>
-              </a:spcAft>
-              <a:buClrTx/>
-              <a:buSzTx/>
-              <a:buFontTx/>
-              <a:buNone/>
-              <a:tabLst/>
-              <a:defRPr/>
-            </a:pPr>
-            <a:endParaRPr lang="en-US" b="0" i="0" dirty="0">
-              <a:solidFill>
-                <a:srgbClr val="292929"/>
-              </a:solidFill>
-              <a:effectLst/>
-              <a:latin typeface="charter"/>
-            </a:endParaRPr>
-          </a:p>
-          <a:p>
-            <a:pPr marL="0" marR="0" lvl="0" indent="0" algn="l" defTabSz="914400" rtl="0" eaLnBrk="1" fontAlgn="auto" latinLnBrk="0" hangingPunct="1">
-              <a:lnSpc>
-                <a:spcPct val="100000"/>
-              </a:lnSpc>
-              <a:spcBef>
-                <a:spcPts val="0"/>
-              </a:spcBef>
-              <a:spcAft>
-                <a:spcPts val="0"/>
-              </a:spcAft>
-              <a:buClrTx/>
-              <a:buSzTx/>
-              <a:buFontTx/>
-              <a:buNone/>
-              <a:tabLst/>
-              <a:defRPr/>
-            </a:pPr>
-            <a:endParaRPr lang="en-US" b="0" i="0" dirty="0">
-              <a:solidFill>
-                <a:srgbClr val="292929"/>
-              </a:solidFill>
-              <a:effectLst/>
-              <a:latin typeface="charter"/>
-            </a:endParaRPr>
+            <a:r>
+              <a:rPr lang="en-US" dirty="0"/>
+              <a:t>And finally, the decoder has a fully connected layer and softmax at the end to predict the next word.</a:t>
+            </a:r>
           </a:p>
         </p:txBody>
       </p:sp>
@@ -1861,7 +1708,7 @@
     </p:spTree>
     <p:extLst>
       <p:ext uri="{BB962C8B-B14F-4D97-AF65-F5344CB8AC3E}">
-        <p14:creationId xmlns:p14="http://schemas.microsoft.com/office/powerpoint/2010/main" val="1875875773"/>
+        <p14:creationId xmlns:p14="http://schemas.microsoft.com/office/powerpoint/2010/main" val="1730646090"/>
       </p:ext>
     </p:extLst>
   </p:cSld>
@@ -1915,7 +1762,27 @@
           <a:bodyPr/>
           <a:lstStyle/>
           <a:p>
+            <a:r>
+              <a:rPr lang="en-US" dirty="0"/>
+              <a:t>The encoder begins with multi-head self attention layer, shown here with eight heads.  In this example, the queries, keys, and values all come from the inputs fed into this layer.  A norm-add skip connection surrounds this block.  Its purpose is to ensure that the numbers maintain a Gaussian-like distribution and the positional embeddings are retained.</a:t>
+            </a:r>
+          </a:p>
+          <a:p>
             <a:endParaRPr lang="en-US" dirty="0"/>
+          </a:p>
+          <a:p>
+            <a:r>
+              <a:rPr lang="en-US" dirty="0"/>
+              <a:t>The next two layers are usually referred to collectively as a </a:t>
+            </a:r>
+            <a:r>
+              <a:rPr lang="en-US" b="1" dirty="0"/>
+              <a:t>pointwise feed-forward layer</a:t>
+            </a:r>
+            <a:r>
+              <a:rPr lang="en-US" dirty="0"/>
+              <a:t>.  Both are 1 x 1 convolutions.  (Convolutional layers are presented in our CNN workshop series.)  The first convolution uses a ReLU (Rectified Linear Unit) activation function, while the second has none.  And like the first, these two layers are wrapped in a norm-add skip connection.</a:t>
+            </a:r>
           </a:p>
         </p:txBody>
       </p:sp>
@@ -1936,7 +1803,7 @@
           <a:p>
             <a:fld id="{3148858F-F1DB-4027-9C85-CCA6849540DD}" type="slidenum">
               <a:rPr lang="en-US" smtClean="0"/>
-              <a:t>21</a:t>
+              <a:t>18</a:t>
             </a:fld>
             <a:endParaRPr lang="en-US"/>
           </a:p>
@@ -1945,7 +1812,7 @@
     </p:spTree>
     <p:extLst>
       <p:ext uri="{BB962C8B-B14F-4D97-AF65-F5344CB8AC3E}">
-        <p14:creationId xmlns:p14="http://schemas.microsoft.com/office/powerpoint/2010/main" val="375168903"/>
+        <p14:creationId xmlns:p14="http://schemas.microsoft.com/office/powerpoint/2010/main" val="1985250293"/>
       </p:ext>
     </p:extLst>
   </p:cSld>
@@ -1999,24 +1866,28 @@
           <a:bodyPr/>
           <a:lstStyle/>
           <a:p>
-            <a:pPr marL="0" marR="0" lvl="0" indent="0" algn="l" defTabSz="914400" rtl="0" eaLnBrk="1" fontAlgn="auto" latinLnBrk="0" hangingPunct="1">
-              <a:lnSpc>
-                <a:spcPct val="100000"/>
-              </a:lnSpc>
-              <a:spcBef>
-                <a:spcPts val="0"/>
-              </a:spcBef>
-              <a:spcAft>
-                <a:spcPts val="0"/>
-              </a:spcAft>
-              <a:buClrTx/>
-              <a:buSzTx/>
-              <a:buFontTx/>
-              <a:buNone/>
-              <a:tabLst/>
-              <a:defRPr/>
-            </a:pPr>
+            <a:r>
+              <a:rPr lang="en-US" dirty="0"/>
+              <a:t>Like the encoder, the decoder begins with a multi-head self-attention layer.  The triangle indicates masking, a process to ensure that the word sequence is presented correctly to the self-attention layer. </a:t>
+            </a:r>
+          </a:p>
+          <a:p>
             <a:endParaRPr lang="en-US" dirty="0"/>
+          </a:p>
+          <a:p>
+            <a:r>
+              <a:rPr lang="en-US" dirty="0"/>
+              <a:t>This layer is followed by a multi-head Q/KV attention layer.  The query (Q) comes from the output of the previous layer.  The keys and values (K &amp; V), on the other hand, come from the concatenated outputs of all the encoder blocks.</a:t>
+            </a:r>
+          </a:p>
+          <a:p>
+            <a:endParaRPr lang="en-US" dirty="0"/>
+          </a:p>
+          <a:p>
+            <a:r>
+              <a:rPr lang="en-US" dirty="0"/>
+              <a:t>And finally, three skip connections surround each of the blocks / block sets.</a:t>
+            </a:r>
           </a:p>
         </p:txBody>
       </p:sp>
@@ -2037,7 +1908,7 @@
           <a:p>
             <a:fld id="{3148858F-F1DB-4027-9C85-CCA6849540DD}" type="slidenum">
               <a:rPr lang="en-US" smtClean="0"/>
-              <a:t>22</a:t>
+              <a:t>19</a:t>
             </a:fld>
             <a:endParaRPr lang="en-US"/>
           </a:p>
@@ -2046,7 +1917,7 @@
     </p:spTree>
     <p:extLst>
       <p:ext uri="{BB962C8B-B14F-4D97-AF65-F5344CB8AC3E}">
-        <p14:creationId xmlns:p14="http://schemas.microsoft.com/office/powerpoint/2010/main" val="3333302820"/>
+        <p14:creationId xmlns:p14="http://schemas.microsoft.com/office/powerpoint/2010/main" val="4079525256"/>
       </p:ext>
     </p:extLst>
   </p:cSld>
@@ -2117,7 +1988,120 @@
               <a:tabLst/>
               <a:defRPr/>
             </a:pPr>
-            <a:endParaRPr lang="en-US" dirty="0"/>
+            <a:r>
+              <a:rPr lang="en-US" b="0" i="0" dirty="0">
+                <a:solidFill>
+                  <a:srgbClr val="292929"/>
+                </a:solidFill>
+                <a:effectLst/>
+                <a:latin typeface="charter"/>
+              </a:rPr>
+              <a:t>We end this mini-lecture with a simulation.  Here’s what attention looks like in action – with the decoder accessing hidden state 1, 2, and 3 at each step of the decoding process.</a:t>
+            </a:r>
+          </a:p>
+          <a:p>
+            <a:pPr marL="0" marR="0" lvl="0" indent="0" algn="l" defTabSz="914400" rtl="0" eaLnBrk="1" fontAlgn="auto" latinLnBrk="0" hangingPunct="1">
+              <a:lnSpc>
+                <a:spcPct val="100000"/>
+              </a:lnSpc>
+              <a:spcBef>
+                <a:spcPts val="0"/>
+              </a:spcBef>
+              <a:spcAft>
+                <a:spcPts val="0"/>
+              </a:spcAft>
+              <a:buClrTx/>
+              <a:buSzTx/>
+              <a:buFontTx/>
+              <a:buNone/>
+              <a:tabLst/>
+              <a:defRPr/>
+            </a:pPr>
+            <a:endParaRPr lang="en-US" b="0" i="0" dirty="0">
+              <a:solidFill>
+                <a:srgbClr val="292929"/>
+              </a:solidFill>
+              <a:effectLst/>
+              <a:latin typeface="charter"/>
+            </a:endParaRPr>
+          </a:p>
+          <a:p>
+            <a:pPr marL="0" marR="0" lvl="0" indent="0" algn="l" defTabSz="914400" rtl="0" eaLnBrk="1" fontAlgn="auto" latinLnBrk="0" hangingPunct="1">
+              <a:lnSpc>
+                <a:spcPct val="100000"/>
+              </a:lnSpc>
+              <a:spcBef>
+                <a:spcPts val="0"/>
+              </a:spcBef>
+              <a:spcAft>
+                <a:spcPts val="0"/>
+              </a:spcAft>
+              <a:buClrTx/>
+              <a:buSzTx/>
+              <a:buFontTx/>
+              <a:buNone/>
+              <a:tabLst/>
+              <a:defRPr/>
+            </a:pPr>
+            <a:endParaRPr lang="en-US" b="0" i="0" dirty="0">
+              <a:solidFill>
+                <a:srgbClr val="292929"/>
+              </a:solidFill>
+              <a:effectLst/>
+              <a:latin typeface="charter"/>
+            </a:endParaRPr>
+          </a:p>
+          <a:p>
+            <a:pPr marL="0" marR="0" lvl="0" indent="0" algn="l" defTabSz="914400" rtl="0" eaLnBrk="1" fontAlgn="auto" latinLnBrk="0" hangingPunct="1">
+              <a:lnSpc>
+                <a:spcPct val="100000"/>
+              </a:lnSpc>
+              <a:spcBef>
+                <a:spcPts val="0"/>
+              </a:spcBef>
+              <a:spcAft>
+                <a:spcPts val="0"/>
+              </a:spcAft>
+              <a:buClrTx/>
+              <a:buSzTx/>
+              <a:buFontTx/>
+              <a:buNone/>
+              <a:tabLst/>
+              <a:defRPr/>
+            </a:pPr>
+            <a:endParaRPr lang="en-US" b="0" i="0" dirty="0">
+              <a:solidFill>
+                <a:srgbClr val="292929"/>
+              </a:solidFill>
+              <a:effectLst/>
+              <a:latin typeface="charter"/>
+            </a:endParaRPr>
+          </a:p>
+          <a:p>
+            <a:pPr marL="0" marR="0" lvl="0" indent="0" algn="l" defTabSz="914400" rtl="0" eaLnBrk="1" fontAlgn="auto" latinLnBrk="0" hangingPunct="1">
+              <a:lnSpc>
+                <a:spcPct val="100000"/>
+              </a:lnSpc>
+              <a:spcBef>
+                <a:spcPts val="0"/>
+              </a:spcBef>
+              <a:spcAft>
+                <a:spcPts val="0"/>
+              </a:spcAft>
+              <a:buClrTx/>
+              <a:buSzTx/>
+              <a:buFontTx/>
+              <a:buNone/>
+              <a:tabLst/>
+              <a:defRPr/>
+            </a:pPr>
+            <a:endParaRPr lang="en-US" b="0" i="0" dirty="0">
+              <a:solidFill>
+                <a:srgbClr val="292929"/>
+              </a:solidFill>
+              <a:effectLst/>
+              <a:latin typeface="charter"/>
+            </a:endParaRPr>
           </a:p>
         </p:txBody>
       </p:sp>
@@ -2138,7 +2122,7 @@
           <a:p>
             <a:fld id="{3148858F-F1DB-4027-9C85-CCA6849540DD}" type="slidenum">
               <a:rPr lang="en-US" smtClean="0"/>
-              <a:t>23</a:t>
+              <a:t>20</a:t>
             </a:fld>
             <a:endParaRPr lang="en-US"/>
           </a:p>
@@ -2147,7 +2131,7 @@
     </p:spTree>
     <p:extLst>
       <p:ext uri="{BB962C8B-B14F-4D97-AF65-F5344CB8AC3E}">
-        <p14:creationId xmlns:p14="http://schemas.microsoft.com/office/powerpoint/2010/main" val="4095264016"/>
+        <p14:creationId xmlns:p14="http://schemas.microsoft.com/office/powerpoint/2010/main" val="1875875773"/>
       </p:ext>
     </p:extLst>
   </p:cSld>
@@ -2289,6 +2273,90 @@
           <a:bodyPr/>
           <a:lstStyle/>
           <a:p>
+            <a:endParaRPr lang="en-US" dirty="0"/>
+          </a:p>
+        </p:txBody>
+      </p:sp>
+      <p:sp>
+        <p:nvSpPr>
+          <p:cNvPr id="4" name="Slide Number Placeholder 3"/>
+          <p:cNvSpPr>
+            <a:spLocks noGrp="1"/>
+          </p:cNvSpPr>
+          <p:nvPr>
+            <p:ph type="sldNum" sz="quarter" idx="5"/>
+          </p:nvPr>
+        </p:nvSpPr>
+        <p:spPr/>
+        <p:txBody>
+          <a:bodyPr/>
+          <a:lstStyle/>
+          <a:p>
+            <a:fld id="{3148858F-F1DB-4027-9C85-CCA6849540DD}" type="slidenum">
+              <a:rPr lang="en-US" smtClean="0"/>
+              <a:t>21</a:t>
+            </a:fld>
+            <a:endParaRPr lang="en-US"/>
+          </a:p>
+        </p:txBody>
+      </p:sp>
+    </p:spTree>
+    <p:extLst>
+      <p:ext uri="{BB962C8B-B14F-4D97-AF65-F5344CB8AC3E}">
+        <p14:creationId xmlns:p14="http://schemas.microsoft.com/office/powerpoint/2010/main" val="375168903"/>
+      </p:ext>
+    </p:extLst>
+  </p:cSld>
+  <p:clrMapOvr>
+    <a:masterClrMapping/>
+  </p:clrMapOvr>
+</p:notes>
+</file>
+
+<file path=ppt/notesSlides/notesSlide21.xml><?xml version="1.0" encoding="utf-8"?>
+<p:notes xmlns:a="http://schemas.openxmlformats.org/drawingml/2006/main" xmlns:r="http://schemas.openxmlformats.org/officeDocument/2006/relationships" xmlns:p="http://schemas.openxmlformats.org/presentationml/2006/main">
+  <p:cSld>
+    <p:spTree>
+      <p:nvGrpSpPr>
+        <p:cNvPr id="1" name=""/>
+        <p:cNvGrpSpPr/>
+        <p:nvPr/>
+      </p:nvGrpSpPr>
+      <p:grpSpPr>
+        <a:xfrm>
+          <a:off x="0" y="0"/>
+          <a:ext cx="0" cy="0"/>
+          <a:chOff x="0" y="0"/>
+          <a:chExt cx="0" cy="0"/>
+        </a:xfrm>
+      </p:grpSpPr>
+      <p:sp>
+        <p:nvSpPr>
+          <p:cNvPr id="2" name="Slide Image Placeholder 1"/>
+          <p:cNvSpPr>
+            <a:spLocks noGrp="1" noRot="1" noChangeAspect="1"/>
+          </p:cNvSpPr>
+          <p:nvPr>
+            <p:ph type="sldImg"/>
+          </p:nvPr>
+        </p:nvSpPr>
+        <p:spPr/>
+      </p:sp>
+      <p:sp>
+        <p:nvSpPr>
+          <p:cNvPr id="3" name="Notes Placeholder 2"/>
+          <p:cNvSpPr>
+            <a:spLocks noGrp="1"/>
+          </p:cNvSpPr>
+          <p:nvPr>
+            <p:ph type="body" idx="1"/>
+          </p:nvPr>
+        </p:nvSpPr>
+        <p:spPr/>
+        <p:txBody>
+          <a:bodyPr/>
+          <a:lstStyle/>
+          <a:p>
             <a:pPr marL="0" marR="0" lvl="0" indent="0" algn="l" defTabSz="914400" rtl="0" eaLnBrk="1" fontAlgn="auto" latinLnBrk="0" hangingPunct="1">
               <a:lnSpc>
                 <a:spcPct val="100000"/>
@@ -2306,6 +2374,208 @@
               <a:tabLst/>
               <a:defRPr/>
             </a:pPr>
+            <a:endParaRPr lang="en-US" dirty="0"/>
+          </a:p>
+        </p:txBody>
+      </p:sp>
+      <p:sp>
+        <p:nvSpPr>
+          <p:cNvPr id="4" name="Slide Number Placeholder 3"/>
+          <p:cNvSpPr>
+            <a:spLocks noGrp="1"/>
+          </p:cNvSpPr>
+          <p:nvPr>
+            <p:ph type="sldNum" sz="quarter" idx="5"/>
+          </p:nvPr>
+        </p:nvSpPr>
+        <p:spPr/>
+        <p:txBody>
+          <a:bodyPr/>
+          <a:lstStyle/>
+          <a:p>
+            <a:fld id="{3148858F-F1DB-4027-9C85-CCA6849540DD}" type="slidenum">
+              <a:rPr lang="en-US" smtClean="0"/>
+              <a:t>22</a:t>
+            </a:fld>
+            <a:endParaRPr lang="en-US"/>
+          </a:p>
+        </p:txBody>
+      </p:sp>
+    </p:spTree>
+    <p:extLst>
+      <p:ext uri="{BB962C8B-B14F-4D97-AF65-F5344CB8AC3E}">
+        <p14:creationId xmlns:p14="http://schemas.microsoft.com/office/powerpoint/2010/main" val="3333302820"/>
+      </p:ext>
+    </p:extLst>
+  </p:cSld>
+  <p:clrMapOvr>
+    <a:masterClrMapping/>
+  </p:clrMapOvr>
+</p:notes>
+</file>
+
+<file path=ppt/notesSlides/notesSlide22.xml><?xml version="1.0" encoding="utf-8"?>
+<p:notes xmlns:a="http://schemas.openxmlformats.org/drawingml/2006/main" xmlns:r="http://schemas.openxmlformats.org/officeDocument/2006/relationships" xmlns:p="http://schemas.openxmlformats.org/presentationml/2006/main">
+  <p:cSld>
+    <p:spTree>
+      <p:nvGrpSpPr>
+        <p:cNvPr id="1" name=""/>
+        <p:cNvGrpSpPr/>
+        <p:nvPr/>
+      </p:nvGrpSpPr>
+      <p:grpSpPr>
+        <a:xfrm>
+          <a:off x="0" y="0"/>
+          <a:ext cx="0" cy="0"/>
+          <a:chOff x="0" y="0"/>
+          <a:chExt cx="0" cy="0"/>
+        </a:xfrm>
+      </p:grpSpPr>
+      <p:sp>
+        <p:nvSpPr>
+          <p:cNvPr id="2" name="Slide Image Placeholder 1"/>
+          <p:cNvSpPr>
+            <a:spLocks noGrp="1" noRot="1" noChangeAspect="1"/>
+          </p:cNvSpPr>
+          <p:nvPr>
+            <p:ph type="sldImg"/>
+          </p:nvPr>
+        </p:nvSpPr>
+        <p:spPr/>
+      </p:sp>
+      <p:sp>
+        <p:nvSpPr>
+          <p:cNvPr id="3" name="Notes Placeholder 2"/>
+          <p:cNvSpPr>
+            <a:spLocks noGrp="1"/>
+          </p:cNvSpPr>
+          <p:nvPr>
+            <p:ph type="body" idx="1"/>
+          </p:nvPr>
+        </p:nvSpPr>
+        <p:spPr/>
+        <p:txBody>
+          <a:bodyPr/>
+          <a:lstStyle/>
+          <a:p>
+            <a:pPr marL="0" marR="0" lvl="0" indent="0" algn="l" defTabSz="914400" rtl="0" eaLnBrk="1" fontAlgn="auto" latinLnBrk="0" hangingPunct="1">
+              <a:lnSpc>
+                <a:spcPct val="100000"/>
+              </a:lnSpc>
+              <a:spcBef>
+                <a:spcPts val="0"/>
+              </a:spcBef>
+              <a:spcAft>
+                <a:spcPts val="0"/>
+              </a:spcAft>
+              <a:buClrTx/>
+              <a:buSzTx/>
+              <a:buFontTx/>
+              <a:buNone/>
+              <a:tabLst/>
+              <a:defRPr/>
+            </a:pPr>
+            <a:endParaRPr lang="en-US" dirty="0"/>
+          </a:p>
+        </p:txBody>
+      </p:sp>
+      <p:sp>
+        <p:nvSpPr>
+          <p:cNvPr id="4" name="Slide Number Placeholder 3"/>
+          <p:cNvSpPr>
+            <a:spLocks noGrp="1"/>
+          </p:cNvSpPr>
+          <p:nvPr>
+            <p:ph type="sldNum" sz="quarter" idx="5"/>
+          </p:nvPr>
+        </p:nvSpPr>
+        <p:spPr/>
+        <p:txBody>
+          <a:bodyPr/>
+          <a:lstStyle/>
+          <a:p>
+            <a:fld id="{3148858F-F1DB-4027-9C85-CCA6849540DD}" type="slidenum">
+              <a:rPr lang="en-US" smtClean="0"/>
+              <a:t>23</a:t>
+            </a:fld>
+            <a:endParaRPr lang="en-US"/>
+          </a:p>
+        </p:txBody>
+      </p:sp>
+    </p:spTree>
+    <p:extLst>
+      <p:ext uri="{BB962C8B-B14F-4D97-AF65-F5344CB8AC3E}">
+        <p14:creationId xmlns:p14="http://schemas.microsoft.com/office/powerpoint/2010/main" val="4095264016"/>
+      </p:ext>
+    </p:extLst>
+  </p:cSld>
+  <p:clrMapOvr>
+    <a:masterClrMapping/>
+  </p:clrMapOvr>
+</p:notes>
+</file>
+
+<file path=ppt/notesSlides/notesSlide23.xml><?xml version="1.0" encoding="utf-8"?>
+<p:notes xmlns:a="http://schemas.openxmlformats.org/drawingml/2006/main" xmlns:r="http://schemas.openxmlformats.org/officeDocument/2006/relationships" xmlns:p="http://schemas.openxmlformats.org/presentationml/2006/main">
+  <p:cSld>
+    <p:spTree>
+      <p:nvGrpSpPr>
+        <p:cNvPr id="1" name=""/>
+        <p:cNvGrpSpPr/>
+        <p:nvPr/>
+      </p:nvGrpSpPr>
+      <p:grpSpPr>
+        <a:xfrm>
+          <a:off x="0" y="0"/>
+          <a:ext cx="0" cy="0"/>
+          <a:chOff x="0" y="0"/>
+          <a:chExt cx="0" cy="0"/>
+        </a:xfrm>
+      </p:grpSpPr>
+      <p:sp>
+        <p:nvSpPr>
+          <p:cNvPr id="2" name="Slide Image Placeholder 1"/>
+          <p:cNvSpPr>
+            <a:spLocks noGrp="1" noRot="1" noChangeAspect="1"/>
+          </p:cNvSpPr>
+          <p:nvPr>
+            <p:ph type="sldImg"/>
+          </p:nvPr>
+        </p:nvSpPr>
+        <p:spPr/>
+      </p:sp>
+      <p:sp>
+        <p:nvSpPr>
+          <p:cNvPr id="3" name="Notes Placeholder 2"/>
+          <p:cNvSpPr>
+            <a:spLocks noGrp="1"/>
+          </p:cNvSpPr>
+          <p:nvPr>
+            <p:ph type="body" idx="1"/>
+          </p:nvPr>
+        </p:nvSpPr>
+        <p:spPr/>
+        <p:txBody>
+          <a:bodyPr/>
+          <a:lstStyle/>
+          <a:p>
+            <a:pPr marL="0" marR="0" lvl="0" indent="0" algn="l" defTabSz="914400" rtl="0" eaLnBrk="1" fontAlgn="auto" latinLnBrk="0" hangingPunct="1">
+              <a:lnSpc>
+                <a:spcPct val="100000"/>
+              </a:lnSpc>
+              <a:spcBef>
+                <a:spcPts val="0"/>
+              </a:spcBef>
+              <a:spcAft>
+                <a:spcPts val="0"/>
+              </a:spcAft>
+              <a:buClrTx/>
+              <a:buSzTx/>
+              <a:buFontTx/>
+              <a:buNone/>
+              <a:tabLst/>
+              <a:defRPr/>
+            </a:pPr>
             <a:r>
               <a:rPr lang="en-US" b="0" i="0" dirty="0">
                 <a:solidFill>
@@ -2314,17 +2584,7 @@
                 <a:effectLst/>
                 <a:latin typeface="charter"/>
               </a:rPr>
-              <a:t>We end this mini-lecture with another simulation.  Here we see how a decoder differs in the level of attention it pays to the words in a French sentence as it </a:t>
-            </a:r>
-            <a:r>
-              <a:rPr lang="en-US" b="0" i="0">
-                <a:solidFill>
-                  <a:srgbClr val="292929"/>
-                </a:solidFill>
-                <a:effectLst/>
-                <a:latin typeface="charter"/>
-              </a:rPr>
-              <a:t>predicts English equivalents.  </a:t>
+              <a:t>Here we see how a decoder differs in the level of attention it pays to the words in a French sentence as it predicts English equivalents.  </a:t>
             </a:r>
             <a:r>
               <a:rPr lang="en-US" b="0" i="0" dirty="0">
@@ -3556,7 +3816,7 @@
           <a:p>
             <a:fld id="{C3F78080-8D0A-4BE8-A5B4-CB115102D524}" type="datetimeFigureOut">
               <a:rPr lang="en-US" smtClean="0"/>
-              <a:t>8/23/2022</a:t>
+              <a:t>8/24/2022</a:t>
             </a:fld>
             <a:endParaRPr lang="en-US"/>
           </a:p>
@@ -3754,7 +4014,7 @@
           <a:p>
             <a:fld id="{C3F78080-8D0A-4BE8-A5B4-CB115102D524}" type="datetimeFigureOut">
               <a:rPr lang="en-US" smtClean="0"/>
-              <a:t>8/23/2022</a:t>
+              <a:t>8/24/2022</a:t>
             </a:fld>
             <a:endParaRPr lang="en-US"/>
           </a:p>
@@ -3962,7 +4222,7 @@
           <a:p>
             <a:fld id="{C3F78080-8D0A-4BE8-A5B4-CB115102D524}" type="datetimeFigureOut">
               <a:rPr lang="en-US" smtClean="0"/>
-              <a:t>8/23/2022</a:t>
+              <a:t>8/24/2022</a:t>
             </a:fld>
             <a:endParaRPr lang="en-US"/>
           </a:p>
@@ -4160,7 +4420,7 @@
           <a:p>
             <a:fld id="{C3F78080-8D0A-4BE8-A5B4-CB115102D524}" type="datetimeFigureOut">
               <a:rPr lang="en-US" smtClean="0"/>
-              <a:t>8/23/2022</a:t>
+              <a:t>8/24/2022</a:t>
             </a:fld>
             <a:endParaRPr lang="en-US"/>
           </a:p>
@@ -4435,7 +4695,7 @@
           <a:p>
             <a:fld id="{C3F78080-8D0A-4BE8-A5B4-CB115102D524}" type="datetimeFigureOut">
               <a:rPr lang="en-US" smtClean="0"/>
-              <a:t>8/23/2022</a:t>
+              <a:t>8/24/2022</a:t>
             </a:fld>
             <a:endParaRPr lang="en-US"/>
           </a:p>
@@ -4700,7 +4960,7 @@
           <a:p>
             <a:fld id="{C3F78080-8D0A-4BE8-A5B4-CB115102D524}" type="datetimeFigureOut">
               <a:rPr lang="en-US" smtClean="0"/>
-              <a:t>8/23/2022</a:t>
+              <a:t>8/24/2022</a:t>
             </a:fld>
             <a:endParaRPr lang="en-US"/>
           </a:p>
@@ -5112,7 +5372,7 @@
           <a:p>
             <a:fld id="{C3F78080-8D0A-4BE8-A5B4-CB115102D524}" type="datetimeFigureOut">
               <a:rPr lang="en-US" smtClean="0"/>
-              <a:t>8/23/2022</a:t>
+              <a:t>8/24/2022</a:t>
             </a:fld>
             <a:endParaRPr lang="en-US"/>
           </a:p>
@@ -5253,7 +5513,7 @@
           <a:p>
             <a:fld id="{C3F78080-8D0A-4BE8-A5B4-CB115102D524}" type="datetimeFigureOut">
               <a:rPr lang="en-US" smtClean="0"/>
-              <a:t>8/23/2022</a:t>
+              <a:t>8/24/2022</a:t>
             </a:fld>
             <a:endParaRPr lang="en-US"/>
           </a:p>
@@ -5366,7 +5626,7 @@
           <a:p>
             <a:fld id="{C3F78080-8D0A-4BE8-A5B4-CB115102D524}" type="datetimeFigureOut">
               <a:rPr lang="en-US" smtClean="0"/>
-              <a:t>8/23/2022</a:t>
+              <a:t>8/24/2022</a:t>
             </a:fld>
             <a:endParaRPr lang="en-US"/>
           </a:p>
@@ -5677,7 +5937,7 @@
           <a:p>
             <a:fld id="{C3F78080-8D0A-4BE8-A5B4-CB115102D524}" type="datetimeFigureOut">
               <a:rPr lang="en-US" smtClean="0"/>
-              <a:t>8/23/2022</a:t>
+              <a:t>8/24/2022</a:t>
             </a:fld>
             <a:endParaRPr lang="en-US"/>
           </a:p>
@@ -5965,7 +6225,7 @@
           <a:p>
             <a:fld id="{C3F78080-8D0A-4BE8-A5B4-CB115102D524}" type="datetimeFigureOut">
               <a:rPr lang="en-US" smtClean="0"/>
-              <a:t>8/23/2022</a:t>
+              <a:t>8/24/2022</a:t>
             </a:fld>
             <a:endParaRPr lang="en-US"/>
           </a:p>
@@ -6206,7 +6466,7 @@
           <a:p>
             <a:fld id="{C3F78080-8D0A-4BE8-A5B4-CB115102D524}" type="datetimeFigureOut">
               <a:rPr lang="en-US" smtClean="0"/>
-              <a:t>8/23/2022</a:t>
+              <a:t>8/24/2022</a:t>
             </a:fld>
             <a:endParaRPr lang="en-US"/>
           </a:p>
@@ -8657,127 +8917,843 @@
       </p:grpSpPr>
       <p:pic>
         <p:nvPicPr>
-          <p:cNvPr id="2050" name="Picture 2">
+          <p:cNvPr id="3" name="Picture 2" descr="Diagram&#10;&#10;Description automatically generated">
             <a:extLst>
               <a:ext uri="{FF2B5EF4-FFF2-40B4-BE49-F238E27FC236}">
-                <a16:creationId xmlns:a16="http://schemas.microsoft.com/office/drawing/2014/main" id="{E896329B-50C0-4434-8083-5AF2A8C36B9F}"/>
+                <a16:creationId xmlns:a16="http://schemas.microsoft.com/office/drawing/2014/main" id="{D6EBD4A5-C726-E23B-0DBA-E3834D38C2C7}"/>
               </a:ext>
             </a:extLst>
           </p:cNvPr>
           <p:cNvPicPr>
-            <a:picLocks noChangeAspect="1" noChangeArrowheads="1" noCrop="1"/>
+            <a:picLocks noChangeAspect="1"/>
           </p:cNvPicPr>
           <p:nvPr/>
         </p:nvPicPr>
         <p:blipFill>
           <a:blip r:embed="rId3">
-            <a:clrChange>
-              <a:clrFrom>
-                <a:srgbClr val="FEFCFE"/>
-              </a:clrFrom>
-              <a:clrTo>
-                <a:srgbClr val="FEFCFE">
-                  <a:alpha val="0"/>
-                </a:srgbClr>
-              </a:clrTo>
-            </a:clrChange>
             <a:extLst>
               <a:ext uri="{28A0092B-C50C-407E-A947-70E740481C1C}">
                 <a14:useLocalDpi xmlns:a14="http://schemas.microsoft.com/office/drawing/2010/main" val="0"/>
               </a:ext>
             </a:extLst>
           </a:blip>
-          <a:srcRect/>
           <a:stretch>
             <a:fillRect/>
           </a:stretch>
         </p:blipFill>
-        <p:spPr bwMode="auto">
+        <p:spPr>
           <a:xfrm>
-            <a:off x="1935474" y="1828120"/>
-            <a:ext cx="8321051" cy="3647394"/>
+            <a:off x="2476206" y="1557908"/>
+            <a:ext cx="7239587" cy="3742183"/>
           </a:xfrm>
           <a:prstGeom prst="rect">
             <a:avLst/>
           </a:prstGeom>
-          <a:noFill/>
-          <a:extLst>
-            <a:ext uri="{909E8E84-426E-40DD-AFC4-6F175D3DCCD1}">
-              <a14:hiddenFill xmlns:a14="http://schemas.microsoft.com/office/drawing/2010/main">
-                <a:solidFill>
-                  <a:srgbClr val="FFFFFF"/>
-                </a:solidFill>
-              </a14:hiddenFill>
-            </a:ext>
-          </a:extLst>
         </p:spPr>
       </p:pic>
       <p:sp>
         <p:nvSpPr>
-          <p:cNvPr id="3" name="TextBox 2">
+          <p:cNvPr id="4" name="Rectangle: Rounded Corners 3">
             <a:extLst>
               <a:ext uri="{FF2B5EF4-FFF2-40B4-BE49-F238E27FC236}">
-                <a16:creationId xmlns:a16="http://schemas.microsoft.com/office/drawing/2014/main" id="{63D11E46-A811-4E72-888D-3A814E300EDA}"/>
+                <a16:creationId xmlns:a16="http://schemas.microsoft.com/office/drawing/2014/main" id="{0CC3D18D-F7DB-C280-F9CE-F6015CACF22D}"/>
               </a:ext>
             </a:extLst>
           </p:cNvPr>
-          <p:cNvSpPr txBox="1"/>
+          <p:cNvSpPr/>
           <p:nvPr/>
         </p:nvSpPr>
         <p:spPr>
           <a:xfrm>
-            <a:off x="0" y="6550223"/>
-            <a:ext cx="12192000" cy="307777"/>
+            <a:off x="1407251" y="2828352"/>
+            <a:ext cx="1363151" cy="573785"/>
           </a:xfrm>
-          <a:prstGeom prst="rect">
+          <a:prstGeom prst="roundRect">
             <a:avLst/>
           </a:prstGeom>
           <a:noFill/>
+          <a:ln w="19050">
+            <a:solidFill>
+              <a:schemeClr val="bg2">
+                <a:lumMod val="75000"/>
+              </a:schemeClr>
+            </a:solidFill>
+            <a:prstDash val="solid"/>
+          </a:ln>
         </p:spPr>
-        <p:txBody>
-          <a:bodyPr wrap="square" rtlCol="0">
-            <a:spAutoFit/>
-          </a:bodyPr>
+        <p:style>
+          <a:lnRef idx="2">
+            <a:schemeClr val="accent1">
+              <a:shade val="50000"/>
+            </a:schemeClr>
+          </a:lnRef>
+          <a:fillRef idx="1">
+            <a:schemeClr val="accent1"/>
+          </a:fillRef>
+          <a:effectRef idx="0">
+            <a:schemeClr val="accent1"/>
+          </a:effectRef>
+          <a:fontRef idx="minor">
+            <a:schemeClr val="lt1"/>
+          </a:fontRef>
+        </p:style>
+        <p:txBody>
+          <a:bodyPr rtlCol="0" anchor="ctr"/>
           <a:lstStyle/>
           <a:p>
-            <a:r>
-              <a:rPr lang="en-US" sz="1400" dirty="0">
+            <a:pPr algn="ctr"/>
+            <a:r>
+              <a:rPr lang="en-US" dirty="0">
                 <a:solidFill>
                   <a:schemeClr val="tx1">
                     <a:lumMod val="65000"/>
                     <a:lumOff val="35000"/>
                   </a:schemeClr>
                 </a:solidFill>
-                <a:latin typeface="+mj-lt"/>
-                <a:ea typeface="Verdana" panose="020B0604030504040204" pitchFamily="34" charset="0"/>
               </a:rPr>
-              <a:t>Image Credit: https://towardsdatascience.com/transformers-141e32e69591 </a:t>
-            </a:r>
-          </a:p>
-        </p:txBody>
-      </p:sp>
+              <a:t>Word Embedding</a:t>
+            </a:r>
+          </a:p>
+        </p:txBody>
+      </p:sp>
+      <p:sp>
+        <p:nvSpPr>
+          <p:cNvPr id="5" name="Rectangle: Rounded Corners 4">
+            <a:extLst>
+              <a:ext uri="{FF2B5EF4-FFF2-40B4-BE49-F238E27FC236}">
+                <a16:creationId xmlns:a16="http://schemas.microsoft.com/office/drawing/2014/main" id="{EB2D08E0-0582-7621-E728-C7F8BF172651}"/>
+              </a:ext>
+            </a:extLst>
+          </p:cNvPr>
+          <p:cNvSpPr/>
+          <p:nvPr/>
+        </p:nvSpPr>
+        <p:spPr>
+          <a:xfrm>
+            <a:off x="2925719" y="2806227"/>
+            <a:ext cx="1363151" cy="573785"/>
+          </a:xfrm>
+          <a:prstGeom prst="roundRect">
+            <a:avLst/>
+          </a:prstGeom>
+          <a:noFill/>
+          <a:ln w="19050">
+            <a:solidFill>
+              <a:schemeClr val="bg2">
+                <a:lumMod val="75000"/>
+              </a:schemeClr>
+            </a:solidFill>
+            <a:prstDash val="solid"/>
+          </a:ln>
+        </p:spPr>
+        <p:style>
+          <a:lnRef idx="2">
+            <a:schemeClr val="accent1">
+              <a:shade val="50000"/>
+            </a:schemeClr>
+          </a:lnRef>
+          <a:fillRef idx="1">
+            <a:schemeClr val="accent1"/>
+          </a:fillRef>
+          <a:effectRef idx="0">
+            <a:schemeClr val="accent1"/>
+          </a:effectRef>
+          <a:fontRef idx="minor">
+            <a:schemeClr val="lt1"/>
+          </a:fontRef>
+        </p:style>
+        <p:txBody>
+          <a:bodyPr rtlCol="0" anchor="ctr"/>
+          <a:lstStyle/>
+          <a:p>
+            <a:pPr algn="ctr"/>
+            <a:r>
+              <a:rPr lang="en-US" dirty="0">
+                <a:solidFill>
+                  <a:schemeClr val="tx1">
+                    <a:lumMod val="65000"/>
+                    <a:lumOff val="35000"/>
+                  </a:schemeClr>
+                </a:solidFill>
+              </a:rPr>
+              <a:t>Positional Embedding</a:t>
+            </a:r>
+          </a:p>
+        </p:txBody>
+      </p:sp>
+      <p:sp>
+        <p:nvSpPr>
+          <p:cNvPr id="6" name="Rectangle: Rounded Corners 5">
+            <a:extLst>
+              <a:ext uri="{FF2B5EF4-FFF2-40B4-BE49-F238E27FC236}">
+                <a16:creationId xmlns:a16="http://schemas.microsoft.com/office/drawing/2014/main" id="{D219F8B7-3B09-CC6F-FF32-1277C9232F23}"/>
+              </a:ext>
+            </a:extLst>
+          </p:cNvPr>
+          <p:cNvSpPr/>
+          <p:nvPr/>
+        </p:nvSpPr>
+        <p:spPr>
+          <a:xfrm>
+            <a:off x="8625419" y="3380012"/>
+            <a:ext cx="1841198" cy="457201"/>
+          </a:xfrm>
+          <a:prstGeom prst="roundRect">
+            <a:avLst/>
+          </a:prstGeom>
+          <a:noFill/>
+          <a:ln w="19050">
+            <a:solidFill>
+              <a:schemeClr val="bg2">
+                <a:lumMod val="75000"/>
+              </a:schemeClr>
+            </a:solidFill>
+            <a:prstDash val="solid"/>
+          </a:ln>
+        </p:spPr>
+        <p:style>
+          <a:lnRef idx="2">
+            <a:schemeClr val="accent1">
+              <a:shade val="50000"/>
+            </a:schemeClr>
+          </a:lnRef>
+          <a:fillRef idx="1">
+            <a:schemeClr val="accent1"/>
+          </a:fillRef>
+          <a:effectRef idx="0">
+            <a:schemeClr val="accent1"/>
+          </a:effectRef>
+          <a:fontRef idx="minor">
+            <a:schemeClr val="lt1"/>
+          </a:fontRef>
+        </p:style>
+        <p:txBody>
+          <a:bodyPr rtlCol="0" anchor="ctr"/>
+          <a:lstStyle/>
+          <a:p>
+            <a:pPr algn="ctr"/>
+            <a:r>
+              <a:rPr lang="en-US" dirty="0">
+                <a:solidFill>
+                  <a:schemeClr val="tx1">
+                    <a:lumMod val="65000"/>
+                    <a:lumOff val="35000"/>
+                  </a:schemeClr>
+                </a:solidFill>
+              </a:rPr>
+              <a:t>Fully-Connected</a:t>
+            </a:r>
+          </a:p>
+        </p:txBody>
+      </p:sp>
+      <p:cxnSp>
+        <p:nvCxnSpPr>
+          <p:cNvPr id="7" name="Straight Connector 6">
+            <a:extLst>
+              <a:ext uri="{FF2B5EF4-FFF2-40B4-BE49-F238E27FC236}">
+                <a16:creationId xmlns:a16="http://schemas.microsoft.com/office/drawing/2014/main" id="{711AFD86-D094-C0D5-3328-06AB823C2DB0}"/>
+              </a:ext>
+            </a:extLst>
+          </p:cNvPr>
+          <p:cNvCxnSpPr>
+            <a:cxnSpLocks/>
+            <a:stCxn id="5" idx="0"/>
+          </p:cNvCxnSpPr>
+          <p:nvPr/>
+        </p:nvCxnSpPr>
+        <p:spPr>
+          <a:xfrm flipV="1">
+            <a:off x="3607295" y="2073729"/>
+            <a:ext cx="301476" cy="732498"/>
+          </a:xfrm>
+          <a:prstGeom prst="line">
+            <a:avLst/>
+          </a:prstGeom>
+          <a:ln>
+            <a:solidFill>
+              <a:schemeClr val="bg2">
+                <a:lumMod val="50000"/>
+              </a:schemeClr>
+            </a:solidFill>
+          </a:ln>
+        </p:spPr>
+        <p:style>
+          <a:lnRef idx="1">
+            <a:schemeClr val="accent1"/>
+          </a:lnRef>
+          <a:fillRef idx="0">
+            <a:schemeClr val="accent1"/>
+          </a:fillRef>
+          <a:effectRef idx="0">
+            <a:schemeClr val="accent1"/>
+          </a:effectRef>
+          <a:fontRef idx="minor">
+            <a:schemeClr val="tx1"/>
+          </a:fontRef>
+        </p:style>
+      </p:cxnSp>
+      <p:cxnSp>
+        <p:nvCxnSpPr>
+          <p:cNvPr id="8" name="Straight Connector 7">
+            <a:extLst>
+              <a:ext uri="{FF2B5EF4-FFF2-40B4-BE49-F238E27FC236}">
+                <a16:creationId xmlns:a16="http://schemas.microsoft.com/office/drawing/2014/main" id="{46F54D72-5DB9-3687-021C-F057CFB3F872}"/>
+              </a:ext>
+            </a:extLst>
+          </p:cNvPr>
+          <p:cNvCxnSpPr>
+            <a:cxnSpLocks/>
+            <a:endCxn id="4" idx="0"/>
+          </p:cNvCxnSpPr>
+          <p:nvPr/>
+        </p:nvCxnSpPr>
+        <p:spPr>
+          <a:xfrm flipH="1">
+            <a:off x="2088827" y="2073729"/>
+            <a:ext cx="909762" cy="754623"/>
+          </a:xfrm>
+          <a:prstGeom prst="line">
+            <a:avLst/>
+          </a:prstGeom>
+          <a:ln>
+            <a:solidFill>
+              <a:schemeClr val="bg2">
+                <a:lumMod val="50000"/>
+              </a:schemeClr>
+            </a:solidFill>
+          </a:ln>
+        </p:spPr>
+        <p:style>
+          <a:lnRef idx="1">
+            <a:schemeClr val="accent1"/>
+          </a:lnRef>
+          <a:fillRef idx="0">
+            <a:schemeClr val="accent1"/>
+          </a:fillRef>
+          <a:effectRef idx="0">
+            <a:schemeClr val="accent1"/>
+          </a:effectRef>
+          <a:fontRef idx="minor">
+            <a:schemeClr val="tx1"/>
+          </a:fontRef>
+        </p:style>
+      </p:cxnSp>
+      <p:cxnSp>
+        <p:nvCxnSpPr>
+          <p:cNvPr id="10" name="Straight Connector 9">
+            <a:extLst>
+              <a:ext uri="{FF2B5EF4-FFF2-40B4-BE49-F238E27FC236}">
+                <a16:creationId xmlns:a16="http://schemas.microsoft.com/office/drawing/2014/main" id="{7FD4091B-AB82-05F8-5173-34F62A26430C}"/>
+              </a:ext>
+            </a:extLst>
+          </p:cNvPr>
+          <p:cNvCxnSpPr>
+            <a:cxnSpLocks/>
+          </p:cNvCxnSpPr>
+          <p:nvPr/>
+        </p:nvCxnSpPr>
+        <p:spPr>
+          <a:xfrm flipV="1">
+            <a:off x="8765825" y="3843908"/>
+            <a:ext cx="209444" cy="415448"/>
+          </a:xfrm>
+          <a:prstGeom prst="line">
+            <a:avLst/>
+          </a:prstGeom>
+          <a:ln>
+            <a:solidFill>
+              <a:schemeClr val="bg2">
+                <a:lumMod val="50000"/>
+              </a:schemeClr>
+            </a:solidFill>
+          </a:ln>
+        </p:spPr>
+        <p:style>
+          <a:lnRef idx="1">
+            <a:schemeClr val="accent1"/>
+          </a:lnRef>
+          <a:fillRef idx="0">
+            <a:schemeClr val="accent1"/>
+          </a:fillRef>
+          <a:effectRef idx="0">
+            <a:schemeClr val="accent1"/>
+          </a:effectRef>
+          <a:fontRef idx="minor">
+            <a:schemeClr val="tx1"/>
+          </a:fontRef>
+        </p:style>
+      </p:cxnSp>
+      <p:cxnSp>
+        <p:nvCxnSpPr>
+          <p:cNvPr id="16" name="Straight Connector 15">
+            <a:extLst>
+              <a:ext uri="{FF2B5EF4-FFF2-40B4-BE49-F238E27FC236}">
+                <a16:creationId xmlns:a16="http://schemas.microsoft.com/office/drawing/2014/main" id="{B2BD3AF4-E58B-9C82-1458-C105D0FAD0E3}"/>
+              </a:ext>
+            </a:extLst>
+          </p:cNvPr>
+          <p:cNvCxnSpPr>
+            <a:cxnSpLocks/>
+            <a:endCxn id="4" idx="2"/>
+          </p:cNvCxnSpPr>
+          <p:nvPr/>
+        </p:nvCxnSpPr>
+        <p:spPr>
+          <a:xfrm flipH="1" flipV="1">
+            <a:off x="2088827" y="3402137"/>
+            <a:ext cx="909762" cy="857219"/>
+          </a:xfrm>
+          <a:prstGeom prst="line">
+            <a:avLst/>
+          </a:prstGeom>
+          <a:ln>
+            <a:solidFill>
+              <a:schemeClr val="bg2">
+                <a:lumMod val="50000"/>
+              </a:schemeClr>
+            </a:solidFill>
+          </a:ln>
+        </p:spPr>
+        <p:style>
+          <a:lnRef idx="1">
+            <a:schemeClr val="accent1"/>
+          </a:lnRef>
+          <a:fillRef idx="0">
+            <a:schemeClr val="accent1"/>
+          </a:fillRef>
+          <a:effectRef idx="0">
+            <a:schemeClr val="accent1"/>
+          </a:effectRef>
+          <a:fontRef idx="minor">
+            <a:schemeClr val="tx1"/>
+          </a:fontRef>
+        </p:style>
+      </p:cxnSp>
+      <p:cxnSp>
+        <p:nvCxnSpPr>
+          <p:cNvPr id="20" name="Straight Connector 19">
+            <a:extLst>
+              <a:ext uri="{FF2B5EF4-FFF2-40B4-BE49-F238E27FC236}">
+                <a16:creationId xmlns:a16="http://schemas.microsoft.com/office/drawing/2014/main" id="{DDEB85BC-E825-1290-1517-B2FFCFC996EB}"/>
+              </a:ext>
+            </a:extLst>
+          </p:cNvPr>
+          <p:cNvCxnSpPr>
+            <a:cxnSpLocks/>
+            <a:stCxn id="5" idx="2"/>
+          </p:cNvCxnSpPr>
+          <p:nvPr/>
+        </p:nvCxnSpPr>
+        <p:spPr>
+          <a:xfrm>
+            <a:off x="3607295" y="3380012"/>
+            <a:ext cx="232062" cy="879344"/>
+          </a:xfrm>
+          <a:prstGeom prst="line">
+            <a:avLst/>
+          </a:prstGeom>
+          <a:ln>
+            <a:solidFill>
+              <a:schemeClr val="bg2">
+                <a:lumMod val="50000"/>
+              </a:schemeClr>
+            </a:solidFill>
+          </a:ln>
+        </p:spPr>
+        <p:style>
+          <a:lnRef idx="1">
+            <a:schemeClr val="accent1"/>
+          </a:lnRef>
+          <a:fillRef idx="0">
+            <a:schemeClr val="accent1"/>
+          </a:fillRef>
+          <a:effectRef idx="0">
+            <a:schemeClr val="accent1"/>
+          </a:effectRef>
+          <a:fontRef idx="minor">
+            <a:schemeClr val="tx1"/>
+          </a:fontRef>
+        </p:style>
+      </p:cxnSp>
     </p:spTree>
     <p:extLst>
       <p:ext uri="{BB962C8B-B14F-4D97-AF65-F5344CB8AC3E}">
-        <p14:creationId xmlns:p14="http://schemas.microsoft.com/office/powerpoint/2010/main" val="1412244647"/>
+        <p14:creationId xmlns:p14="http://schemas.microsoft.com/office/powerpoint/2010/main" val="4211293172"/>
       </p:ext>
     </p:extLst>
   </p:cSld>
   <p:clrMapOvr>
     <a:masterClrMapping/>
   </p:clrMapOvr>
-  <mc:AlternateContent xmlns:mc="http://schemas.openxmlformats.org/markup-compatibility/2006" xmlns:p14="http://schemas.microsoft.com/office/powerpoint/2010/main">
-    <mc:Choice Requires="p14">
-      <p:transition spd="med" p14:dur="700">
-        <p:fade/>
-      </p:transition>
-    </mc:Choice>
-    <mc:Fallback xmlns="">
-      <p:transition spd="med">
-        <p:fade/>
-      </p:transition>
-    </mc:Fallback>
-  </mc:AlternateContent>
+  <p:timing>
+    <p:tnLst>
+      <p:par>
+        <p:cTn id="1" dur="indefinite" restart="never" nodeType="tmRoot">
+          <p:childTnLst>
+            <p:seq concurrent="1" nextAc="seek">
+              <p:cTn id="2" dur="indefinite" nodeType="mainSeq">
+                <p:childTnLst>
+                  <p:par>
+                    <p:cTn id="3" fill="hold">
+                      <p:stCondLst>
+                        <p:cond delay="indefinite"/>
+                      </p:stCondLst>
+                      <p:childTnLst>
+                        <p:par>
+                          <p:cTn id="4" fill="hold">
+                            <p:stCondLst>
+                              <p:cond delay="0"/>
+                            </p:stCondLst>
+                            <p:childTnLst>
+                              <p:par>
+                                <p:cTn id="5" presetID="10" presetClass="entr" presetSubtype="0" fill="hold" nodeType="clickEffect">
+                                  <p:stCondLst>
+                                    <p:cond delay="0"/>
+                                  </p:stCondLst>
+                                  <p:childTnLst>
+                                    <p:set>
+                                      <p:cBhvr>
+                                        <p:cTn id="6" dur="1" fill="hold">
+                                          <p:stCondLst>
+                                            <p:cond delay="0"/>
+                                          </p:stCondLst>
+                                        </p:cTn>
+                                        <p:tgtEl>
+                                          <p:spTgt spid="8"/>
+                                        </p:tgtEl>
+                                        <p:attrNameLst>
+                                          <p:attrName>style.visibility</p:attrName>
+                                        </p:attrNameLst>
+                                      </p:cBhvr>
+                                      <p:to>
+                                        <p:strVal val="visible"/>
+                                      </p:to>
+                                    </p:set>
+                                    <p:animEffect transition="in" filter="fade">
+                                      <p:cBhvr>
+                                        <p:cTn id="7" dur="500"/>
+                                        <p:tgtEl>
+                                          <p:spTgt spid="8"/>
+                                        </p:tgtEl>
+                                      </p:cBhvr>
+                                    </p:animEffect>
+                                  </p:childTnLst>
+                                </p:cTn>
+                              </p:par>
+                              <p:par>
+                                <p:cTn id="8" presetID="10" presetClass="entr" presetSubtype="0" fill="hold" grpId="0" nodeType="withEffect">
+                                  <p:stCondLst>
+                                    <p:cond delay="0"/>
+                                  </p:stCondLst>
+                                  <p:childTnLst>
+                                    <p:set>
+                                      <p:cBhvr>
+                                        <p:cTn id="9" dur="1" fill="hold">
+                                          <p:stCondLst>
+                                            <p:cond delay="0"/>
+                                          </p:stCondLst>
+                                        </p:cTn>
+                                        <p:tgtEl>
+                                          <p:spTgt spid="4"/>
+                                        </p:tgtEl>
+                                        <p:attrNameLst>
+                                          <p:attrName>style.visibility</p:attrName>
+                                        </p:attrNameLst>
+                                      </p:cBhvr>
+                                      <p:to>
+                                        <p:strVal val="visible"/>
+                                      </p:to>
+                                    </p:set>
+                                    <p:animEffect transition="in" filter="fade">
+                                      <p:cBhvr>
+                                        <p:cTn id="10" dur="500"/>
+                                        <p:tgtEl>
+                                          <p:spTgt spid="4"/>
+                                        </p:tgtEl>
+                                      </p:cBhvr>
+                                    </p:animEffect>
+                                  </p:childTnLst>
+                                </p:cTn>
+                              </p:par>
+                              <p:par>
+                                <p:cTn id="11" presetID="10" presetClass="entr" presetSubtype="0" fill="hold" nodeType="withEffect">
+                                  <p:stCondLst>
+                                    <p:cond delay="0"/>
+                                  </p:stCondLst>
+                                  <p:childTnLst>
+                                    <p:set>
+                                      <p:cBhvr>
+                                        <p:cTn id="12" dur="1" fill="hold">
+                                          <p:stCondLst>
+                                            <p:cond delay="0"/>
+                                          </p:stCondLst>
+                                        </p:cTn>
+                                        <p:tgtEl>
+                                          <p:spTgt spid="16"/>
+                                        </p:tgtEl>
+                                        <p:attrNameLst>
+                                          <p:attrName>style.visibility</p:attrName>
+                                        </p:attrNameLst>
+                                      </p:cBhvr>
+                                      <p:to>
+                                        <p:strVal val="visible"/>
+                                      </p:to>
+                                    </p:set>
+                                    <p:animEffect transition="in" filter="fade">
+                                      <p:cBhvr>
+                                        <p:cTn id="13" dur="500"/>
+                                        <p:tgtEl>
+                                          <p:spTgt spid="16"/>
+                                        </p:tgtEl>
+                                      </p:cBhvr>
+                                    </p:animEffect>
+                                  </p:childTnLst>
+                                </p:cTn>
+                              </p:par>
+                            </p:childTnLst>
+                          </p:cTn>
+                        </p:par>
+                      </p:childTnLst>
+                    </p:cTn>
+                  </p:par>
+                  <p:par>
+                    <p:cTn id="14" fill="hold">
+                      <p:stCondLst>
+                        <p:cond delay="indefinite"/>
+                      </p:stCondLst>
+                      <p:childTnLst>
+                        <p:par>
+                          <p:cTn id="15" fill="hold">
+                            <p:stCondLst>
+                              <p:cond delay="0"/>
+                            </p:stCondLst>
+                            <p:childTnLst>
+                              <p:par>
+                                <p:cTn id="16" presetID="10" presetClass="entr" presetSubtype="0" fill="hold" nodeType="clickEffect">
+                                  <p:stCondLst>
+                                    <p:cond delay="0"/>
+                                  </p:stCondLst>
+                                  <p:childTnLst>
+                                    <p:set>
+                                      <p:cBhvr>
+                                        <p:cTn id="17" dur="1" fill="hold">
+                                          <p:stCondLst>
+                                            <p:cond delay="0"/>
+                                          </p:stCondLst>
+                                        </p:cTn>
+                                        <p:tgtEl>
+                                          <p:spTgt spid="7"/>
+                                        </p:tgtEl>
+                                        <p:attrNameLst>
+                                          <p:attrName>style.visibility</p:attrName>
+                                        </p:attrNameLst>
+                                      </p:cBhvr>
+                                      <p:to>
+                                        <p:strVal val="visible"/>
+                                      </p:to>
+                                    </p:set>
+                                    <p:animEffect transition="in" filter="fade">
+                                      <p:cBhvr>
+                                        <p:cTn id="18" dur="500"/>
+                                        <p:tgtEl>
+                                          <p:spTgt spid="7"/>
+                                        </p:tgtEl>
+                                      </p:cBhvr>
+                                    </p:animEffect>
+                                  </p:childTnLst>
+                                </p:cTn>
+                              </p:par>
+                              <p:par>
+                                <p:cTn id="19" presetID="10" presetClass="entr" presetSubtype="0" fill="hold" nodeType="withEffect">
+                                  <p:stCondLst>
+                                    <p:cond delay="0"/>
+                                  </p:stCondLst>
+                                  <p:childTnLst>
+                                    <p:set>
+                                      <p:cBhvr>
+                                        <p:cTn id="20" dur="1" fill="hold">
+                                          <p:stCondLst>
+                                            <p:cond delay="0"/>
+                                          </p:stCondLst>
+                                        </p:cTn>
+                                        <p:tgtEl>
+                                          <p:spTgt spid="20"/>
+                                        </p:tgtEl>
+                                        <p:attrNameLst>
+                                          <p:attrName>style.visibility</p:attrName>
+                                        </p:attrNameLst>
+                                      </p:cBhvr>
+                                      <p:to>
+                                        <p:strVal val="visible"/>
+                                      </p:to>
+                                    </p:set>
+                                    <p:animEffect transition="in" filter="fade">
+                                      <p:cBhvr>
+                                        <p:cTn id="21" dur="500"/>
+                                        <p:tgtEl>
+                                          <p:spTgt spid="20"/>
+                                        </p:tgtEl>
+                                      </p:cBhvr>
+                                    </p:animEffect>
+                                  </p:childTnLst>
+                                </p:cTn>
+                              </p:par>
+                              <p:par>
+                                <p:cTn id="22" presetID="10" presetClass="entr" presetSubtype="0" fill="hold" grpId="0" nodeType="withEffect">
+                                  <p:stCondLst>
+                                    <p:cond delay="0"/>
+                                  </p:stCondLst>
+                                  <p:childTnLst>
+                                    <p:set>
+                                      <p:cBhvr>
+                                        <p:cTn id="23" dur="1" fill="hold">
+                                          <p:stCondLst>
+                                            <p:cond delay="0"/>
+                                          </p:stCondLst>
+                                        </p:cTn>
+                                        <p:tgtEl>
+                                          <p:spTgt spid="5"/>
+                                        </p:tgtEl>
+                                        <p:attrNameLst>
+                                          <p:attrName>style.visibility</p:attrName>
+                                        </p:attrNameLst>
+                                      </p:cBhvr>
+                                      <p:to>
+                                        <p:strVal val="visible"/>
+                                      </p:to>
+                                    </p:set>
+                                    <p:animEffect transition="in" filter="fade">
+                                      <p:cBhvr>
+                                        <p:cTn id="24" dur="500"/>
+                                        <p:tgtEl>
+                                          <p:spTgt spid="5"/>
+                                        </p:tgtEl>
+                                      </p:cBhvr>
+                                    </p:animEffect>
+                                  </p:childTnLst>
+                                </p:cTn>
+                              </p:par>
+                            </p:childTnLst>
+                          </p:cTn>
+                        </p:par>
+                      </p:childTnLst>
+                    </p:cTn>
+                  </p:par>
+                  <p:par>
+                    <p:cTn id="25" fill="hold">
+                      <p:stCondLst>
+                        <p:cond delay="indefinite"/>
+                      </p:stCondLst>
+                      <p:childTnLst>
+                        <p:par>
+                          <p:cTn id="26" fill="hold">
+                            <p:stCondLst>
+                              <p:cond delay="0"/>
+                            </p:stCondLst>
+                            <p:childTnLst>
+                              <p:par>
+                                <p:cTn id="27" presetID="10" presetClass="entr" presetSubtype="0" fill="hold" grpId="0" nodeType="clickEffect">
+                                  <p:stCondLst>
+                                    <p:cond delay="0"/>
+                                  </p:stCondLst>
+                                  <p:childTnLst>
+                                    <p:set>
+                                      <p:cBhvr>
+                                        <p:cTn id="28" dur="1" fill="hold">
+                                          <p:stCondLst>
+                                            <p:cond delay="0"/>
+                                          </p:stCondLst>
+                                        </p:cTn>
+                                        <p:tgtEl>
+                                          <p:spTgt spid="6"/>
+                                        </p:tgtEl>
+                                        <p:attrNameLst>
+                                          <p:attrName>style.visibility</p:attrName>
+                                        </p:attrNameLst>
+                                      </p:cBhvr>
+                                      <p:to>
+                                        <p:strVal val="visible"/>
+                                      </p:to>
+                                    </p:set>
+                                    <p:animEffect transition="in" filter="fade">
+                                      <p:cBhvr>
+                                        <p:cTn id="29" dur="500"/>
+                                        <p:tgtEl>
+                                          <p:spTgt spid="6"/>
+                                        </p:tgtEl>
+                                      </p:cBhvr>
+                                    </p:animEffect>
+                                  </p:childTnLst>
+                                </p:cTn>
+                              </p:par>
+                              <p:par>
+                                <p:cTn id="30" presetID="10" presetClass="entr" presetSubtype="0" fill="hold" nodeType="withEffect">
+                                  <p:stCondLst>
+                                    <p:cond delay="0"/>
+                                  </p:stCondLst>
+                                  <p:childTnLst>
+                                    <p:set>
+                                      <p:cBhvr>
+                                        <p:cTn id="31" dur="1" fill="hold">
+                                          <p:stCondLst>
+                                            <p:cond delay="0"/>
+                                          </p:stCondLst>
+                                        </p:cTn>
+                                        <p:tgtEl>
+                                          <p:spTgt spid="10"/>
+                                        </p:tgtEl>
+                                        <p:attrNameLst>
+                                          <p:attrName>style.visibility</p:attrName>
+                                        </p:attrNameLst>
+                                      </p:cBhvr>
+                                      <p:to>
+                                        <p:strVal val="visible"/>
+                                      </p:to>
+                                    </p:set>
+                                    <p:animEffect transition="in" filter="fade">
+                                      <p:cBhvr>
+                                        <p:cTn id="32" dur="500"/>
+                                        <p:tgtEl>
+                                          <p:spTgt spid="10"/>
+                                        </p:tgtEl>
+                                      </p:cBhvr>
+                                    </p:animEffect>
+                                  </p:childTnLst>
+                                </p:cTn>
+                              </p:par>
+                            </p:childTnLst>
+                          </p:cTn>
+                        </p:par>
+                      </p:childTnLst>
+                    </p:cTn>
+                  </p:par>
+                </p:childTnLst>
+              </p:cTn>
+              <p:prevCondLst>
+                <p:cond evt="onPrev" delay="0">
+                  <p:tgtEl>
+                    <p:sldTgt/>
+                  </p:tgtEl>
+                </p:cond>
+              </p:prevCondLst>
+              <p:nextCondLst>
+                <p:cond evt="onNext" delay="0">
+                  <p:tgtEl>
+                    <p:sldTgt/>
+                  </p:tgtEl>
+                </p:cond>
+              </p:nextCondLst>
+            </p:seq>
+          </p:childTnLst>
+        </p:cTn>
+      </p:par>
+    </p:tnLst>
+    <p:bldLst>
+      <p:bldP spid="4" grpId="0" animBg="1"/>
+      <p:bldP spid="5" grpId="0" animBg="1"/>
+      <p:bldP spid="6" grpId="0" animBg="1"/>
+    </p:bldLst>
+  </p:timing>
 </p:sld>
 </file>
 
@@ -8803,7 +9779,7 @@
           <p:cNvPr id="3" name="Picture 2" descr="Diagram&#10;&#10;Description automatically generated">
             <a:extLst>
               <a:ext uri="{FF2B5EF4-FFF2-40B4-BE49-F238E27FC236}">
-                <a16:creationId xmlns:a16="http://schemas.microsoft.com/office/drawing/2014/main" id="{D6EBD4A5-C726-E23B-0DBA-E3834D38C2C7}"/>
+                <a16:creationId xmlns:a16="http://schemas.microsoft.com/office/drawing/2014/main" id="{5F4F0A4B-BEA7-BDA3-239E-C341825C534D}"/>
               </a:ext>
             </a:extLst>
           </p:cNvPr>
@@ -8813,7 +9789,7 @@
           <p:nvPr/>
         </p:nvPicPr>
         <p:blipFill>
-          <a:blip r:embed="rId2">
+          <a:blip r:embed="rId3">
             <a:extLst>
               <a:ext uri="{28A0092B-C50C-407E-A947-70E740481C1C}">
                 <a14:useLocalDpi xmlns:a14="http://schemas.microsoft.com/office/drawing/2010/main" val="0"/>
@@ -8826,8 +9802,8 @@
         </p:blipFill>
         <p:spPr>
           <a:xfrm>
-            <a:off x="2476206" y="1557908"/>
-            <a:ext cx="7239587" cy="3742183"/>
+            <a:off x="2696142" y="2411874"/>
+            <a:ext cx="6799715" cy="2034251"/>
           </a:xfrm>
           <a:prstGeom prst="rect">
             <a:avLst/>
@@ -8837,7 +9813,7 @@
     </p:spTree>
     <p:extLst>
       <p:ext uri="{BB962C8B-B14F-4D97-AF65-F5344CB8AC3E}">
-        <p14:creationId xmlns:p14="http://schemas.microsoft.com/office/powerpoint/2010/main" val="4211293172"/>
+        <p14:creationId xmlns:p14="http://schemas.microsoft.com/office/powerpoint/2010/main" val="3553326363"/>
       </p:ext>
     </p:extLst>
   </p:cSld>
@@ -8866,46 +9842,10 @@
       </p:grpSpPr>
       <p:pic>
         <p:nvPicPr>
-          <p:cNvPr id="3" name="Picture 2" descr="Diagram&#10;&#10;Description automatically generated">
+          <p:cNvPr id="2" name="Picture 1" descr="Diagram, schematic&#10;&#10;Description automatically generated">
             <a:extLst>
               <a:ext uri="{FF2B5EF4-FFF2-40B4-BE49-F238E27FC236}">
-                <a16:creationId xmlns:a16="http://schemas.microsoft.com/office/drawing/2014/main" id="{5F4F0A4B-BEA7-BDA3-239E-C341825C534D}"/>
-              </a:ext>
-            </a:extLst>
-          </p:cNvPr>
-          <p:cNvPicPr>
-            <a:picLocks noChangeAspect="1"/>
-          </p:cNvPicPr>
-          <p:nvPr/>
-        </p:nvPicPr>
-        <p:blipFill>
-          <a:blip r:embed="rId2">
-            <a:extLst>
-              <a:ext uri="{28A0092B-C50C-407E-A947-70E740481C1C}">
-                <a14:useLocalDpi xmlns:a14="http://schemas.microsoft.com/office/drawing/2010/main" val="0"/>
-              </a:ext>
-            </a:extLst>
-          </a:blip>
-          <a:stretch>
-            <a:fillRect/>
-          </a:stretch>
-        </p:blipFill>
-        <p:spPr>
-          <a:xfrm>
-            <a:off x="2696142" y="693422"/>
-            <a:ext cx="6799715" cy="2034251"/>
-          </a:xfrm>
-          <a:prstGeom prst="rect">
-            <a:avLst/>
-          </a:prstGeom>
-        </p:spPr>
-      </p:pic>
-      <p:pic>
-        <p:nvPicPr>
-          <p:cNvPr id="7" name="Picture 6" descr="Diagram, schematic&#10;&#10;Description automatically generated">
-            <a:extLst>
-              <a:ext uri="{FF2B5EF4-FFF2-40B4-BE49-F238E27FC236}">
-                <a16:creationId xmlns:a16="http://schemas.microsoft.com/office/drawing/2014/main" id="{49F66056-8AFA-FFD7-CEAC-7C6990EE3004}"/>
+                <a16:creationId xmlns:a16="http://schemas.microsoft.com/office/drawing/2014/main" id="{3E828521-4A1A-2546-559D-2A5BB6F3F72B}"/>
               </a:ext>
             </a:extLst>
           </p:cNvPr>
@@ -8928,7 +9868,7 @@
         </p:blipFill>
         <p:spPr>
           <a:xfrm>
-            <a:off x="2696142" y="3496053"/>
+            <a:off x="2696142" y="2216657"/>
             <a:ext cx="6799715" cy="2424685"/>
           </a:xfrm>
           <a:prstGeom prst="rect">
@@ -8939,7 +9879,7 @@
     </p:spTree>
     <p:extLst>
       <p:ext uri="{BB962C8B-B14F-4D97-AF65-F5344CB8AC3E}">
-        <p14:creationId xmlns:p14="http://schemas.microsoft.com/office/powerpoint/2010/main" val="3553326363"/>
+        <p14:creationId xmlns:p14="http://schemas.microsoft.com/office/powerpoint/2010/main" val="4092761823"/>
       </p:ext>
     </p:extLst>
   </p:cSld>
@@ -9756,50 +10696,127 @@
       </p:grpSpPr>
       <p:pic>
         <p:nvPicPr>
-          <p:cNvPr id="3" name="Picture 2" descr="Diagram&#10;&#10;Description automatically generated">
+          <p:cNvPr id="2050" name="Picture 2">
             <a:extLst>
               <a:ext uri="{FF2B5EF4-FFF2-40B4-BE49-F238E27FC236}">
-                <a16:creationId xmlns:a16="http://schemas.microsoft.com/office/drawing/2014/main" id="{29024C91-8E7E-94CD-9113-6F634B9A11D2}"/>
+                <a16:creationId xmlns:a16="http://schemas.microsoft.com/office/drawing/2014/main" id="{E896329B-50C0-4434-8083-5AF2A8C36B9F}"/>
               </a:ext>
             </a:extLst>
           </p:cNvPr>
           <p:cNvPicPr>
-            <a:picLocks noChangeAspect="1"/>
+            <a:picLocks noChangeAspect="1" noChangeArrowheads="1" noCrop="1"/>
           </p:cNvPicPr>
           <p:nvPr/>
         </p:nvPicPr>
         <p:blipFill>
-          <a:blip r:embed="rId2">
+          <a:blip r:embed="rId3">
+            <a:clrChange>
+              <a:clrFrom>
+                <a:srgbClr val="FEFCFE"/>
+              </a:clrFrom>
+              <a:clrTo>
+                <a:srgbClr val="FEFCFE">
+                  <a:alpha val="0"/>
+                </a:srgbClr>
+              </a:clrTo>
+            </a:clrChange>
             <a:extLst>
               <a:ext uri="{28A0092B-C50C-407E-A947-70E740481C1C}">
                 <a14:useLocalDpi xmlns:a14="http://schemas.microsoft.com/office/drawing/2010/main" val="0"/>
               </a:ext>
             </a:extLst>
           </a:blip>
+          <a:srcRect/>
           <a:stretch>
             <a:fillRect/>
           </a:stretch>
         </p:blipFill>
-        <p:spPr>
+        <p:spPr bwMode="auto">
           <a:xfrm>
-            <a:off x="572933" y="1765267"/>
-            <a:ext cx="11046133" cy="3327465"/>
+            <a:off x="1935474" y="1828120"/>
+            <a:ext cx="8321051" cy="3647394"/>
           </a:xfrm>
           <a:prstGeom prst="rect">
             <a:avLst/>
           </a:prstGeom>
+          <a:noFill/>
+          <a:extLst>
+            <a:ext uri="{909E8E84-426E-40DD-AFC4-6F175D3DCCD1}">
+              <a14:hiddenFill xmlns:a14="http://schemas.microsoft.com/office/drawing/2010/main">
+                <a:solidFill>
+                  <a:srgbClr val="FFFFFF"/>
+                </a:solidFill>
+              </a14:hiddenFill>
+            </a:ext>
+          </a:extLst>
         </p:spPr>
       </p:pic>
+      <p:sp>
+        <p:nvSpPr>
+          <p:cNvPr id="3" name="TextBox 2">
+            <a:extLst>
+              <a:ext uri="{FF2B5EF4-FFF2-40B4-BE49-F238E27FC236}">
+                <a16:creationId xmlns:a16="http://schemas.microsoft.com/office/drawing/2014/main" id="{63D11E46-A811-4E72-888D-3A814E300EDA}"/>
+              </a:ext>
+            </a:extLst>
+          </p:cNvPr>
+          <p:cNvSpPr txBox="1"/>
+          <p:nvPr/>
+        </p:nvSpPr>
+        <p:spPr>
+          <a:xfrm>
+            <a:off x="0" y="6550223"/>
+            <a:ext cx="12192000" cy="307777"/>
+          </a:xfrm>
+          <a:prstGeom prst="rect">
+            <a:avLst/>
+          </a:prstGeom>
+          <a:noFill/>
+        </p:spPr>
+        <p:txBody>
+          <a:bodyPr wrap="square" rtlCol="0">
+            <a:spAutoFit/>
+          </a:bodyPr>
+          <a:lstStyle/>
+          <a:p>
+            <a:r>
+              <a:rPr lang="en-US" sz="1400" dirty="0">
+                <a:solidFill>
+                  <a:schemeClr val="tx1">
+                    <a:lumMod val="65000"/>
+                    <a:lumOff val="35000"/>
+                  </a:schemeClr>
+                </a:solidFill>
+                <a:latin typeface="+mj-lt"/>
+                <a:ea typeface="Verdana" panose="020B0604030504040204" pitchFamily="34" charset="0"/>
+              </a:rPr>
+              <a:t>Image Credit: https://towardsdatascience.com/transformers-141e32e69591 </a:t>
+            </a:r>
+          </a:p>
+        </p:txBody>
+      </p:sp>
     </p:spTree>
     <p:extLst>
       <p:ext uri="{BB962C8B-B14F-4D97-AF65-F5344CB8AC3E}">
-        <p14:creationId xmlns:p14="http://schemas.microsoft.com/office/powerpoint/2010/main" val="9094896"/>
+        <p14:creationId xmlns:p14="http://schemas.microsoft.com/office/powerpoint/2010/main" val="1412244647"/>
       </p:ext>
     </p:extLst>
   </p:cSld>
   <p:clrMapOvr>
     <a:masterClrMapping/>
   </p:clrMapOvr>
+  <mc:AlternateContent xmlns:mc="http://schemas.openxmlformats.org/markup-compatibility/2006" xmlns:p14="http://schemas.microsoft.com/office/powerpoint/2010/main">
+    <mc:Choice Requires="p14">
+      <p:transition spd="med" p14:dur="700">
+        <p:fade/>
+      </p:transition>
+    </mc:Choice>
+    <mc:Fallback xmlns="">
+      <p:transition spd="med">
+        <p:fade/>
+      </p:transition>
+    </mc:Fallback>
+  </mc:AlternateContent>
 </p:sld>
 </file>
 
@@ -9822,80 +10839,6 @@
       </p:grpSpPr>
       <p:sp>
         <p:nvSpPr>
-          <p:cNvPr id="6" name="Title 1">
-            <a:extLst>
-              <a:ext uri="{FF2B5EF4-FFF2-40B4-BE49-F238E27FC236}">
-                <a16:creationId xmlns:a16="http://schemas.microsoft.com/office/drawing/2014/main" id="{53E86020-650F-FF20-4F0B-87F9C6E0F0C9}"/>
-              </a:ext>
-            </a:extLst>
-          </p:cNvPr>
-          <p:cNvSpPr txBox="1">
-            <a:spLocks/>
-          </p:cNvSpPr>
-          <p:nvPr/>
-        </p:nvSpPr>
-        <p:spPr>
-          <a:xfrm>
-            <a:off x="0" y="793808"/>
-            <a:ext cx="12192000" cy="606943"/>
-          </a:xfrm>
-          <a:prstGeom prst="rect">
-            <a:avLst/>
-          </a:prstGeom>
-          <a:noFill/>
-        </p:spPr>
-        <p:txBody>
-          <a:bodyPr>
-            <a:noAutofit/>
-          </a:bodyPr>
-          <a:lstStyle>
-            <a:lvl1pPr algn="l" defTabSz="914400" rtl="0" eaLnBrk="1" latinLnBrk="0" hangingPunct="1">
-              <a:lnSpc>
-                <a:spcPct val="90000"/>
-              </a:lnSpc>
-              <a:spcBef>
-                <a:spcPct val="0"/>
-              </a:spcBef>
-              <a:buNone/>
-              <a:defRPr sz="4400" kern="1200">
-                <a:solidFill>
-                  <a:schemeClr val="tx1"/>
-                </a:solidFill>
-                <a:latin typeface="+mj-lt"/>
-                <a:ea typeface="+mj-ea"/>
-                <a:cs typeface="+mj-cs"/>
-              </a:defRPr>
-            </a:lvl1pPr>
-          </a:lstStyle>
-          <a:p>
-            <a:pPr algn="ctr"/>
-            <a:r>
-              <a:rPr lang="en-US" sz="3600" dirty="0">
-                <a:solidFill>
-                  <a:schemeClr val="tx1">
-                    <a:lumMod val="75000"/>
-                    <a:lumOff val="25000"/>
-                  </a:schemeClr>
-                </a:solidFill>
-                <a:latin typeface="Palatino Linotype" panose="02040502050505030304" pitchFamily="18" charset="0"/>
-              </a:rPr>
-              <a:t>Layer Icons</a:t>
-            </a:r>
-            <a:endParaRPr lang="en-US" sz="3600" dirty="0">
-              <a:solidFill>
-                <a:schemeClr val="tx1">
-                  <a:lumMod val="75000"/>
-                  <a:lumOff val="25000"/>
-                </a:schemeClr>
-              </a:solidFill>
-              <a:latin typeface="Palatino Linotype" panose="02040502050505030304" pitchFamily="18" charset="0"/>
-              <a:cs typeface="Segoe UI Light" panose="020B0502040204020203" pitchFamily="34" charset="0"/>
-            </a:endParaRPr>
-          </a:p>
-        </p:txBody>
-      </p:sp>
-      <p:sp>
-        <p:nvSpPr>
           <p:cNvPr id="7" name="Rectangle: Rounded Corners 6">
             <a:extLst>
               <a:ext uri="{FF2B5EF4-FFF2-40B4-BE49-F238E27FC236}">
@@ -9908,7 +10851,7 @@
         </p:nvSpPr>
         <p:spPr>
           <a:xfrm>
-            <a:off x="1891863" y="3640656"/>
+            <a:off x="1891863" y="4942699"/>
             <a:ext cx="1587937" cy="443411"/>
           </a:xfrm>
           <a:prstGeom prst="roundRect">
@@ -9976,7 +10919,7 @@
         </p:nvCxnSpPr>
         <p:spPr>
           <a:xfrm flipV="1">
-            <a:off x="2685832" y="3127434"/>
+            <a:off x="2685832" y="4429477"/>
             <a:ext cx="368518" cy="513222"/>
           </a:xfrm>
           <a:prstGeom prst="line">
@@ -10033,7 +10976,7 @@
         </p:blipFill>
         <p:spPr>
           <a:xfrm>
-            <a:off x="2478103" y="1546166"/>
+            <a:off x="2478103" y="2848209"/>
             <a:ext cx="7235794" cy="1581268"/>
           </a:xfrm>
           <a:prstGeom prst="rect">
@@ -10055,7 +10998,7 @@
         </p:nvSpPr>
         <p:spPr>
           <a:xfrm>
-            <a:off x="3676213" y="3653356"/>
+            <a:off x="3676213" y="4955399"/>
             <a:ext cx="1702237" cy="563450"/>
           </a:xfrm>
           <a:prstGeom prst="roundRect">
@@ -10123,7 +11066,7 @@
         </p:nvCxnSpPr>
         <p:spPr>
           <a:xfrm flipV="1">
-            <a:off x="4527332" y="3108955"/>
+            <a:off x="4527332" y="4410998"/>
             <a:ext cx="368518" cy="544401"/>
           </a:xfrm>
           <a:prstGeom prst="line">
@@ -10166,7 +11109,7 @@
         </p:nvSpPr>
         <p:spPr>
           <a:xfrm>
-            <a:off x="5759013" y="3672406"/>
+            <a:off x="5759013" y="4974449"/>
             <a:ext cx="1702237" cy="411661"/>
           </a:xfrm>
           <a:prstGeom prst="roundRect">
@@ -10234,7 +11177,7 @@
         </p:nvCxnSpPr>
         <p:spPr>
           <a:xfrm flipV="1">
-            <a:off x="6610132" y="3108955"/>
+            <a:off x="6610132" y="4410998"/>
             <a:ext cx="311368" cy="563451"/>
           </a:xfrm>
           <a:prstGeom prst="line">
@@ -10277,7 +11220,7 @@
         </p:nvSpPr>
         <p:spPr>
           <a:xfrm>
-            <a:off x="7638613" y="3678756"/>
+            <a:off x="7638613" y="4980799"/>
             <a:ext cx="2140387" cy="538050"/>
           </a:xfrm>
           <a:prstGeom prst="roundRect">
@@ -10345,7 +11288,7 @@
         </p:nvCxnSpPr>
         <p:spPr>
           <a:xfrm flipV="1">
-            <a:off x="8708807" y="3108955"/>
+            <a:off x="8708807" y="4410998"/>
             <a:ext cx="263743" cy="569801"/>
           </a:xfrm>
           <a:prstGeom prst="line">
@@ -10402,7 +11345,7 @@
         </p:blipFill>
         <p:spPr>
           <a:xfrm>
-            <a:off x="3080407" y="4459765"/>
+            <a:off x="6125027" y="439435"/>
             <a:ext cx="1756236" cy="1295400"/>
           </a:xfrm>
           <a:prstGeom prst="rect">
@@ -10424,7 +11367,7 @@
         </p:nvSpPr>
         <p:spPr>
           <a:xfrm>
-            <a:off x="2808847" y="6042145"/>
+            <a:off x="5853467" y="2021815"/>
             <a:ext cx="1702237" cy="563450"/>
           </a:xfrm>
           <a:prstGeom prst="roundRect">
@@ -10492,7 +11435,7 @@
         </p:nvCxnSpPr>
         <p:spPr>
           <a:xfrm flipV="1">
-            <a:off x="3659966" y="5497744"/>
+            <a:off x="6704586" y="1477414"/>
             <a:ext cx="368518" cy="544401"/>
           </a:xfrm>
           <a:prstGeom prst="line">
@@ -10549,7 +11492,7 @@
         </p:blipFill>
         <p:spPr>
           <a:xfrm>
-            <a:off x="6713147" y="4690223"/>
+            <a:off x="3676213" y="676187"/>
             <a:ext cx="2210696" cy="803377"/>
           </a:xfrm>
           <a:prstGeom prst="rect">
@@ -10571,7 +11514,7 @@
         </p:nvSpPr>
         <p:spPr>
           <a:xfrm>
-            <a:off x="6610132" y="6013790"/>
+            <a:off x="3573198" y="2016083"/>
             <a:ext cx="1702237" cy="481021"/>
           </a:xfrm>
           <a:prstGeom prst="roundRect">
@@ -10639,7 +11582,7 @@
         </p:nvCxnSpPr>
         <p:spPr>
           <a:xfrm flipV="1">
-            <a:off x="7461251" y="5469389"/>
+            <a:off x="4424317" y="1471682"/>
             <a:ext cx="368518" cy="544401"/>
           </a:xfrm>
           <a:prstGeom prst="line">

--- a/presentations/02_transformers_attention.pptx
+++ b/presentations/02_transformers_attention.pptx
@@ -231,7 +231,7 @@
           <a:p>
             <a:fld id="{FD93C9B2-20F6-4DB1-B471-224337D0AC79}" type="datetimeFigureOut">
               <a:rPr lang="en-US" smtClean="0"/>
-              <a:t>8/24/2022</a:t>
+              <a:t>9/6/2022</a:t>
             </a:fld>
             <a:endParaRPr lang="en-US"/>
           </a:p>
@@ -3816,7 +3816,7 @@
           <a:p>
             <a:fld id="{C3F78080-8D0A-4BE8-A5B4-CB115102D524}" type="datetimeFigureOut">
               <a:rPr lang="en-US" smtClean="0"/>
-              <a:t>8/24/2022</a:t>
+              <a:t>9/6/2022</a:t>
             </a:fld>
             <a:endParaRPr lang="en-US"/>
           </a:p>
@@ -4014,7 +4014,7 @@
           <a:p>
             <a:fld id="{C3F78080-8D0A-4BE8-A5B4-CB115102D524}" type="datetimeFigureOut">
               <a:rPr lang="en-US" smtClean="0"/>
-              <a:t>8/24/2022</a:t>
+              <a:t>9/6/2022</a:t>
             </a:fld>
             <a:endParaRPr lang="en-US"/>
           </a:p>
@@ -4222,7 +4222,7 @@
           <a:p>
             <a:fld id="{C3F78080-8D0A-4BE8-A5B4-CB115102D524}" type="datetimeFigureOut">
               <a:rPr lang="en-US" smtClean="0"/>
-              <a:t>8/24/2022</a:t>
+              <a:t>9/6/2022</a:t>
             </a:fld>
             <a:endParaRPr lang="en-US"/>
           </a:p>
@@ -4420,7 +4420,7 @@
           <a:p>
             <a:fld id="{C3F78080-8D0A-4BE8-A5B4-CB115102D524}" type="datetimeFigureOut">
               <a:rPr lang="en-US" smtClean="0"/>
-              <a:t>8/24/2022</a:t>
+              <a:t>9/6/2022</a:t>
             </a:fld>
             <a:endParaRPr lang="en-US"/>
           </a:p>
@@ -4695,7 +4695,7 @@
           <a:p>
             <a:fld id="{C3F78080-8D0A-4BE8-A5B4-CB115102D524}" type="datetimeFigureOut">
               <a:rPr lang="en-US" smtClean="0"/>
-              <a:t>8/24/2022</a:t>
+              <a:t>9/6/2022</a:t>
             </a:fld>
             <a:endParaRPr lang="en-US"/>
           </a:p>
@@ -4960,7 +4960,7 @@
           <a:p>
             <a:fld id="{C3F78080-8D0A-4BE8-A5B4-CB115102D524}" type="datetimeFigureOut">
               <a:rPr lang="en-US" smtClean="0"/>
-              <a:t>8/24/2022</a:t>
+              <a:t>9/6/2022</a:t>
             </a:fld>
             <a:endParaRPr lang="en-US"/>
           </a:p>
@@ -5372,7 +5372,7 @@
           <a:p>
             <a:fld id="{C3F78080-8D0A-4BE8-A5B4-CB115102D524}" type="datetimeFigureOut">
               <a:rPr lang="en-US" smtClean="0"/>
-              <a:t>8/24/2022</a:t>
+              <a:t>9/6/2022</a:t>
             </a:fld>
             <a:endParaRPr lang="en-US"/>
           </a:p>
@@ -5513,7 +5513,7 @@
           <a:p>
             <a:fld id="{C3F78080-8D0A-4BE8-A5B4-CB115102D524}" type="datetimeFigureOut">
               <a:rPr lang="en-US" smtClean="0"/>
-              <a:t>8/24/2022</a:t>
+              <a:t>9/6/2022</a:t>
             </a:fld>
             <a:endParaRPr lang="en-US"/>
           </a:p>
@@ -5626,7 +5626,7 @@
           <a:p>
             <a:fld id="{C3F78080-8D0A-4BE8-A5B4-CB115102D524}" type="datetimeFigureOut">
               <a:rPr lang="en-US" smtClean="0"/>
-              <a:t>8/24/2022</a:t>
+              <a:t>9/6/2022</a:t>
             </a:fld>
             <a:endParaRPr lang="en-US"/>
           </a:p>
@@ -5937,7 +5937,7 @@
           <a:p>
             <a:fld id="{C3F78080-8D0A-4BE8-A5B4-CB115102D524}" type="datetimeFigureOut">
               <a:rPr lang="en-US" smtClean="0"/>
-              <a:t>8/24/2022</a:t>
+              <a:t>9/6/2022</a:t>
             </a:fld>
             <a:endParaRPr lang="en-US"/>
           </a:p>
@@ -6225,7 +6225,7 @@
           <a:p>
             <a:fld id="{C3F78080-8D0A-4BE8-A5B4-CB115102D524}" type="datetimeFigureOut">
               <a:rPr lang="en-US" smtClean="0"/>
-              <a:t>8/24/2022</a:t>
+              <a:t>9/6/2022</a:t>
             </a:fld>
             <a:endParaRPr lang="en-US"/>
           </a:p>
@@ -6466,7 +6466,7 @@
           <a:p>
             <a:fld id="{C3F78080-8D0A-4BE8-A5B4-CB115102D524}" type="datetimeFigureOut">
               <a:rPr lang="en-US" smtClean="0"/>
-              <a:t>8/24/2022</a:t>
+              <a:t>9/6/2022</a:t>
             </a:fld>
             <a:endParaRPr lang="en-US"/>
           </a:p>
@@ -8495,53 +8495,6 @@
           <a:chExt cx="0" cy="0"/>
         </a:xfrm>
       </p:grpSpPr>
-      <p:pic>
-        <p:nvPicPr>
-          <p:cNvPr id="3074" name="Picture 2" descr="enc-dec-attn">
-            <a:extLst>
-              <a:ext uri="{FF2B5EF4-FFF2-40B4-BE49-F238E27FC236}">
-                <a16:creationId xmlns:a16="http://schemas.microsoft.com/office/drawing/2014/main" id="{98BF0F41-68AA-47FF-87F3-A5D3498B354D}"/>
-              </a:ext>
-            </a:extLst>
-          </p:cNvPr>
-          <p:cNvPicPr>
-            <a:picLocks noChangeAspect="1" noChangeArrowheads="1"/>
-          </p:cNvPicPr>
-          <p:nvPr/>
-        </p:nvPicPr>
-        <p:blipFill>
-          <a:blip r:embed="rId3">
-            <a:extLst>
-              <a:ext uri="{28A0092B-C50C-407E-A947-70E740481C1C}">
-                <a14:useLocalDpi xmlns:a14="http://schemas.microsoft.com/office/drawing/2010/main" val="0"/>
-              </a:ext>
-            </a:extLst>
-          </a:blip>
-          <a:srcRect/>
-          <a:stretch>
-            <a:fillRect/>
-          </a:stretch>
-        </p:blipFill>
-        <p:spPr bwMode="auto">
-          <a:xfrm>
-            <a:off x="2141220" y="2017871"/>
-            <a:ext cx="8509318" cy="2822257"/>
-          </a:xfrm>
-          <a:prstGeom prst="rect">
-            <a:avLst/>
-          </a:prstGeom>
-          <a:noFill/>
-          <a:extLst>
-            <a:ext uri="{909E8E84-426E-40DD-AFC4-6F175D3DCCD1}">
-              <a14:hiddenFill xmlns:a14="http://schemas.microsoft.com/office/drawing/2010/main">
-                <a:solidFill>
-                  <a:srgbClr val="FFFFFF"/>
-                </a:solidFill>
-              </a14:hiddenFill>
-            </a:ext>
-          </a:extLst>
-        </p:spPr>
-      </p:pic>
       <p:sp>
         <p:nvSpPr>
           <p:cNvPr id="4" name="TextBox 3">
@@ -8663,6 +8616,51 @@
           </a:p>
         </p:txBody>
       </p:sp>
+      <p:pic>
+        <p:nvPicPr>
+          <p:cNvPr id="6" name="Picture 2">
+            <a:extLst>
+              <a:ext uri="{FF2B5EF4-FFF2-40B4-BE49-F238E27FC236}">
+                <a16:creationId xmlns:a16="http://schemas.microsoft.com/office/drawing/2014/main" id="{85419BAC-D40B-4B79-6ADE-8489AC4DE119}"/>
+              </a:ext>
+            </a:extLst>
+          </p:cNvPr>
+          <p:cNvPicPr>
+            <a:picLocks noChangeAspect="1" noChangeArrowheads="1"/>
+          </p:cNvPicPr>
+          <p:nvPr/>
+        </p:nvPicPr>
+        <p:blipFill>
+          <a:blip r:embed="rId3">
+            <a:extLst>
+              <a:ext uri="{28A0092B-C50C-407E-A947-70E740481C1C}">
+                <a14:useLocalDpi xmlns:a14="http://schemas.microsoft.com/office/drawing/2010/main" val="0"/>
+              </a:ext>
+            </a:extLst>
+          </a:blip>
+          <a:srcRect/>
+          <a:stretch/>
+        </p:blipFill>
+        <p:spPr bwMode="auto">
+          <a:xfrm>
+            <a:off x="1856287" y="2017871"/>
+            <a:ext cx="8479426" cy="2822257"/>
+          </a:xfrm>
+          <a:prstGeom prst="rect">
+            <a:avLst/>
+          </a:prstGeom>
+          <a:noFill/>
+          <a:extLst>
+            <a:ext uri="{909E8E84-426E-40DD-AFC4-6F175D3DCCD1}">
+              <a14:hiddenFill xmlns:a14="http://schemas.microsoft.com/office/drawing/2010/main">
+                <a:solidFill>
+                  <a:srgbClr val="FFFFFF"/>
+                </a:solidFill>
+              </a14:hiddenFill>
+            </a:ext>
+          </a:extLst>
+        </p:spPr>
+      </p:pic>
     </p:spTree>
     <p:extLst>
       <p:ext uri="{BB962C8B-B14F-4D97-AF65-F5344CB8AC3E}">
@@ -8705,53 +8703,6 @@
           <a:chExt cx="0" cy="0"/>
         </a:xfrm>
       </p:grpSpPr>
-      <p:pic>
-        <p:nvPicPr>
-          <p:cNvPr id="4098" name="Picture 2" descr="transformer-self-attn">
-            <a:extLst>
-              <a:ext uri="{FF2B5EF4-FFF2-40B4-BE49-F238E27FC236}">
-                <a16:creationId xmlns:a16="http://schemas.microsoft.com/office/drawing/2014/main" id="{E48BEBC0-7E08-4B16-BA46-BE71D8FF1C97}"/>
-              </a:ext>
-            </a:extLst>
-          </p:cNvPr>
-          <p:cNvPicPr>
-            <a:picLocks noChangeAspect="1" noChangeArrowheads="1"/>
-          </p:cNvPicPr>
-          <p:nvPr/>
-        </p:nvPicPr>
-        <p:blipFill>
-          <a:blip r:embed="rId3">
-            <a:extLst>
-              <a:ext uri="{28A0092B-C50C-407E-A947-70E740481C1C}">
-                <a14:useLocalDpi xmlns:a14="http://schemas.microsoft.com/office/drawing/2010/main" val="0"/>
-              </a:ext>
-            </a:extLst>
-          </a:blip>
-          <a:srcRect/>
-          <a:stretch>
-            <a:fillRect/>
-          </a:stretch>
-        </p:blipFill>
-        <p:spPr bwMode="auto">
-          <a:xfrm>
-            <a:off x="1123950" y="2235708"/>
-            <a:ext cx="9944100" cy="2386584"/>
-          </a:xfrm>
-          <a:prstGeom prst="rect">
-            <a:avLst/>
-          </a:prstGeom>
-          <a:noFill/>
-          <a:extLst>
-            <a:ext uri="{909E8E84-426E-40DD-AFC4-6F175D3DCCD1}">
-              <a14:hiddenFill xmlns:a14="http://schemas.microsoft.com/office/drawing/2010/main">
-                <a:solidFill>
-                  <a:srgbClr val="FFFFFF"/>
-                </a:solidFill>
-              </a14:hiddenFill>
-            </a:ext>
-          </a:extLst>
-        </p:spPr>
-      </p:pic>
       <p:sp>
         <p:nvSpPr>
           <p:cNvPr id="4" name="TextBox 3">
@@ -8873,6 +8824,51 @@
           </a:p>
         </p:txBody>
       </p:sp>
+      <p:pic>
+        <p:nvPicPr>
+          <p:cNvPr id="6" name="Picture 2">
+            <a:extLst>
+              <a:ext uri="{FF2B5EF4-FFF2-40B4-BE49-F238E27FC236}">
+                <a16:creationId xmlns:a16="http://schemas.microsoft.com/office/drawing/2014/main" id="{57AFD8A9-ADBB-DB17-2360-0FA78C961702}"/>
+              </a:ext>
+            </a:extLst>
+          </p:cNvPr>
+          <p:cNvPicPr>
+            <a:picLocks noChangeAspect="1" noChangeArrowheads="1"/>
+          </p:cNvPicPr>
+          <p:nvPr/>
+        </p:nvPicPr>
+        <p:blipFill>
+          <a:blip r:embed="rId3">
+            <a:extLst>
+              <a:ext uri="{28A0092B-C50C-407E-A947-70E740481C1C}">
+                <a14:useLocalDpi xmlns:a14="http://schemas.microsoft.com/office/drawing/2010/main" val="0"/>
+              </a:ext>
+            </a:extLst>
+          </a:blip>
+          <a:srcRect/>
+          <a:stretch/>
+        </p:blipFill>
+        <p:spPr bwMode="auto">
+          <a:xfrm>
+            <a:off x="1126066" y="2235708"/>
+            <a:ext cx="9939868" cy="2386584"/>
+          </a:xfrm>
+          <a:prstGeom prst="rect">
+            <a:avLst/>
+          </a:prstGeom>
+          <a:noFill/>
+          <a:extLst>
+            <a:ext uri="{909E8E84-426E-40DD-AFC4-6F175D3DCCD1}">
+              <a14:hiddenFill xmlns:a14="http://schemas.microsoft.com/office/drawing/2010/main">
+                <a:solidFill>
+                  <a:srgbClr val="FFFFFF"/>
+                </a:solidFill>
+              </a14:hiddenFill>
+            </a:ext>
+          </a:extLst>
+        </p:spPr>
+      </p:pic>
     </p:spTree>
     <p:extLst>
       <p:ext uri="{BB962C8B-B14F-4D97-AF65-F5344CB8AC3E}">
@@ -10694,63 +10690,6 @@
           <a:chExt cx="0" cy="0"/>
         </a:xfrm>
       </p:grpSpPr>
-      <p:pic>
-        <p:nvPicPr>
-          <p:cNvPr id="2050" name="Picture 2">
-            <a:extLst>
-              <a:ext uri="{FF2B5EF4-FFF2-40B4-BE49-F238E27FC236}">
-                <a16:creationId xmlns:a16="http://schemas.microsoft.com/office/drawing/2014/main" id="{E896329B-50C0-4434-8083-5AF2A8C36B9F}"/>
-              </a:ext>
-            </a:extLst>
-          </p:cNvPr>
-          <p:cNvPicPr>
-            <a:picLocks noChangeAspect="1" noChangeArrowheads="1" noCrop="1"/>
-          </p:cNvPicPr>
-          <p:nvPr/>
-        </p:nvPicPr>
-        <p:blipFill>
-          <a:blip r:embed="rId3">
-            <a:clrChange>
-              <a:clrFrom>
-                <a:srgbClr val="FEFCFE"/>
-              </a:clrFrom>
-              <a:clrTo>
-                <a:srgbClr val="FEFCFE">
-                  <a:alpha val="0"/>
-                </a:srgbClr>
-              </a:clrTo>
-            </a:clrChange>
-            <a:extLst>
-              <a:ext uri="{28A0092B-C50C-407E-A947-70E740481C1C}">
-                <a14:useLocalDpi xmlns:a14="http://schemas.microsoft.com/office/drawing/2010/main" val="0"/>
-              </a:ext>
-            </a:extLst>
-          </a:blip>
-          <a:srcRect/>
-          <a:stretch>
-            <a:fillRect/>
-          </a:stretch>
-        </p:blipFill>
-        <p:spPr bwMode="auto">
-          <a:xfrm>
-            <a:off x="1935474" y="1828120"/>
-            <a:ext cx="8321051" cy="3647394"/>
-          </a:xfrm>
-          <a:prstGeom prst="rect">
-            <a:avLst/>
-          </a:prstGeom>
-          <a:noFill/>
-          <a:extLst>
-            <a:ext uri="{909E8E84-426E-40DD-AFC4-6F175D3DCCD1}">
-              <a14:hiddenFill xmlns:a14="http://schemas.microsoft.com/office/drawing/2010/main">
-                <a:solidFill>
-                  <a:srgbClr val="FFFFFF"/>
-                </a:solidFill>
-              </a14:hiddenFill>
-            </a:ext>
-          </a:extLst>
-        </p:spPr>
-      </p:pic>
       <p:sp>
         <p:nvSpPr>
           <p:cNvPr id="3" name="TextBox 2">
@@ -10795,6 +10734,51 @@
           </a:p>
         </p:txBody>
       </p:sp>
+      <p:pic>
+        <p:nvPicPr>
+          <p:cNvPr id="4" name="Picture 2">
+            <a:extLst>
+              <a:ext uri="{FF2B5EF4-FFF2-40B4-BE49-F238E27FC236}">
+                <a16:creationId xmlns:a16="http://schemas.microsoft.com/office/drawing/2014/main" id="{06CD34BA-3D69-3C98-8260-391BD6808914}"/>
+              </a:ext>
+            </a:extLst>
+          </p:cNvPr>
+          <p:cNvPicPr>
+            <a:picLocks noChangeAspect="1" noChangeArrowheads="1" noCrop="1"/>
+          </p:cNvPicPr>
+          <p:nvPr/>
+        </p:nvPicPr>
+        <p:blipFill>
+          <a:blip r:embed="rId3">
+            <a:extLst>
+              <a:ext uri="{28A0092B-C50C-407E-A947-70E740481C1C}">
+                <a14:useLocalDpi xmlns:a14="http://schemas.microsoft.com/office/drawing/2010/main" val="0"/>
+              </a:ext>
+            </a:extLst>
+          </a:blip>
+          <a:srcRect/>
+          <a:stretch/>
+        </p:blipFill>
+        <p:spPr bwMode="auto">
+          <a:xfrm>
+            <a:off x="2007366" y="1463040"/>
+            <a:ext cx="8676067" cy="3931920"/>
+          </a:xfrm>
+          <a:prstGeom prst="rect">
+            <a:avLst/>
+          </a:prstGeom>
+          <a:noFill/>
+          <a:extLst>
+            <a:ext uri="{909E8E84-426E-40DD-AFC4-6F175D3DCCD1}">
+              <a14:hiddenFill xmlns:a14="http://schemas.microsoft.com/office/drawing/2010/main">
+                <a:solidFill>
+                  <a:srgbClr val="FFFFFF"/>
+                </a:solidFill>
+              </a14:hiddenFill>
+            </a:ext>
+          </a:extLst>
+        </p:spPr>
+      </p:pic>
     </p:spTree>
     <p:extLst>
       <p:ext uri="{BB962C8B-B14F-4D97-AF65-F5344CB8AC3E}">
@@ -13068,10 +13052,10 @@
       </p:sp>
       <p:pic>
         <p:nvPicPr>
-          <p:cNvPr id="4" name="Picture 3" descr="Graphical user interface, application&#10;&#10;Description automatically generated">
+          <p:cNvPr id="5" name="Picture 4" descr="Chart&#10;&#10;Description automatically generated">
             <a:extLst>
               <a:ext uri="{FF2B5EF4-FFF2-40B4-BE49-F238E27FC236}">
-                <a16:creationId xmlns:a16="http://schemas.microsoft.com/office/drawing/2014/main" id="{32E4B447-A360-8063-BA2A-D82F8DE86A81}"/>
+                <a16:creationId xmlns:a16="http://schemas.microsoft.com/office/drawing/2014/main" id="{151DAA6A-3D1C-5757-97E1-A0083377AABF}"/>
               </a:ext>
             </a:extLst>
           </p:cNvPr>
@@ -13080,7 +13064,7 @@
           </p:cNvPicPr>
           <p:nvPr/>
         </p:nvPicPr>
-        <p:blipFill>
+        <p:blipFill rotWithShape="1">
           <a:blip r:embed="rId3">
             <a:extLst>
               <a:ext uri="{28A0092B-C50C-407E-A947-70E740481C1C}">
@@ -13088,14 +13072,13 @@
               </a:ext>
             </a:extLst>
           </a:blip>
-          <a:stretch>
-            <a:fillRect/>
-          </a:stretch>
+          <a:srcRect l="1155" r="1494" b="6547"/>
+          <a:stretch/>
         </p:blipFill>
         <p:spPr>
           <a:xfrm>
-            <a:off x="597988" y="267277"/>
-            <a:ext cx="11496435" cy="5978146"/>
+            <a:off x="71219" y="-41465"/>
+            <a:ext cx="12007710" cy="6486510"/>
           </a:xfrm>
           <a:prstGeom prst="rect">
             <a:avLst/>

--- a/presentations/02_transformers_attention.pptx
+++ b/presentations/02_transformers_attention.pptx
@@ -27,7 +27,7 @@
     <p:sldId id="358" r:id="rId18"/>
     <p:sldId id="359" r:id="rId19"/>
     <p:sldId id="361" r:id="rId20"/>
-    <p:sldId id="347" r:id="rId21"/>
+    <p:sldId id="362" r:id="rId21"/>
     <p:sldId id="353" r:id="rId22"/>
     <p:sldId id="341" r:id="rId23"/>
     <p:sldId id="344" r:id="rId24"/>
@@ -231,7 +231,7 @@
           <a:p>
             <a:fld id="{FD93C9B2-20F6-4DB1-B471-224337D0AC79}" type="datetimeFigureOut">
               <a:rPr lang="en-US" smtClean="0"/>
-              <a:t>9/6/2022</a:t>
+              <a:t>9/9/2022</a:t>
             </a:fld>
             <a:endParaRPr lang="en-US"/>
           </a:p>
@@ -1000,7 +1000,7 @@
                 <a:effectLst/>
                 <a:latin typeface="charter"/>
               </a:rPr>
-              <a:t>Of course, the translation of a given word to another language may vary, depending on the answer to each question.</a:t>
+              <a:t>The translation of a given word to another language will vary, depending on the answer to each question.</a:t>
             </a:r>
           </a:p>
           <a:p>
@@ -1068,6 +1068,58 @@
               </a:rPr>
               <a:t> attention. The idea behind it is that whenever you are translating a word, you may pay different attention to each word based on the type of question that you are asking. The images below show what that means. For example, whenever you are translating “kicked” in the sentence “I kicked the ball”, you may ask “Who kicked”. Depending on the answer, the translation of the word to another language can change. Or ask other questions, like “Did what?”, etc…</a:t>
             </a:r>
+          </a:p>
+          <a:p>
+            <a:pPr algn="l"/>
+            <a:endParaRPr lang="en-US" b="0" i="0" dirty="0">
+              <a:solidFill>
+                <a:srgbClr val="292929"/>
+              </a:solidFill>
+              <a:effectLst/>
+              <a:latin typeface="charter"/>
+            </a:endParaRPr>
+          </a:p>
+          <a:p>
+            <a:pPr marL="0" marR="0" lvl="0" indent="0" algn="l" defTabSz="914400" rtl="0" eaLnBrk="1" fontAlgn="auto" latinLnBrk="0" hangingPunct="1">
+              <a:lnSpc>
+                <a:spcPct val="100000"/>
+              </a:lnSpc>
+              <a:spcBef>
+                <a:spcPts val="0"/>
+              </a:spcBef>
+              <a:spcAft>
+                <a:spcPts val="0"/>
+              </a:spcAft>
+              <a:buClrTx/>
+              <a:buSzTx/>
+              <a:buFontTx/>
+              <a:buNone/>
+              <a:tabLst/>
+              <a:defRPr/>
+            </a:pPr>
+            <a:r>
+              <a:rPr lang="en-US" sz="1200" dirty="0">
+                <a:solidFill>
+                  <a:schemeClr val="tx1">
+                    <a:lumMod val="65000"/>
+                    <a:lumOff val="35000"/>
+                  </a:schemeClr>
+                </a:solidFill>
+                <a:latin typeface="+mj-lt"/>
+                <a:ea typeface="Verdana" panose="020B0604030504040204" pitchFamily="34" charset="0"/>
+              </a:rPr>
+              <a:t>The inspiration for this image came from: https://towardsdatascience.com/transformers-141e32e69591 </a:t>
+            </a:r>
+          </a:p>
+          <a:p>
+            <a:pPr algn="l"/>
+            <a:endParaRPr lang="en-US" b="0" i="0" dirty="0">
+              <a:solidFill>
+                <a:srgbClr val="292929"/>
+              </a:solidFill>
+              <a:effectLst/>
+              <a:latin typeface="charter"/>
+            </a:endParaRPr>
           </a:p>
           <a:p>
             <a:pPr marL="0" marR="0" lvl="0" indent="0" algn="l" defTabSz="914400" rtl="0" eaLnBrk="1" fontAlgn="auto" latinLnBrk="0" hangingPunct="1">
@@ -1998,58 +2050,6 @@
               </a:rPr>
               <a:t>We end this mini-lecture with a simulation.  Here’s what attention looks like in action – with the decoder accessing hidden state 1, 2, and 3 at each step of the decoding process.</a:t>
             </a:r>
-          </a:p>
-          <a:p>
-            <a:pPr marL="0" marR="0" lvl="0" indent="0" algn="l" defTabSz="914400" rtl="0" eaLnBrk="1" fontAlgn="auto" latinLnBrk="0" hangingPunct="1">
-              <a:lnSpc>
-                <a:spcPct val="100000"/>
-              </a:lnSpc>
-              <a:spcBef>
-                <a:spcPts val="0"/>
-              </a:spcBef>
-              <a:spcAft>
-                <a:spcPts val="0"/>
-              </a:spcAft>
-              <a:buClrTx/>
-              <a:buSzTx/>
-              <a:buFontTx/>
-              <a:buNone/>
-              <a:tabLst/>
-              <a:defRPr/>
-            </a:pPr>
-            <a:endParaRPr lang="en-US" b="0" i="0" dirty="0">
-              <a:solidFill>
-                <a:srgbClr val="292929"/>
-              </a:solidFill>
-              <a:effectLst/>
-              <a:latin typeface="charter"/>
-            </a:endParaRPr>
-          </a:p>
-          <a:p>
-            <a:pPr marL="0" marR="0" lvl="0" indent="0" algn="l" defTabSz="914400" rtl="0" eaLnBrk="1" fontAlgn="auto" latinLnBrk="0" hangingPunct="1">
-              <a:lnSpc>
-                <a:spcPct val="100000"/>
-              </a:lnSpc>
-              <a:spcBef>
-                <a:spcPts val="0"/>
-              </a:spcBef>
-              <a:spcAft>
-                <a:spcPts val="0"/>
-              </a:spcAft>
-              <a:buClrTx/>
-              <a:buSzTx/>
-              <a:buFontTx/>
-              <a:buNone/>
-              <a:tabLst/>
-              <a:defRPr/>
-            </a:pPr>
-            <a:endParaRPr lang="en-US" b="0" i="0" dirty="0">
-              <a:solidFill>
-                <a:srgbClr val="292929"/>
-              </a:solidFill>
-              <a:effectLst/>
-              <a:latin typeface="charter"/>
-            </a:endParaRPr>
           </a:p>
           <a:p>
             <a:pPr marL="0" marR="0" lvl="0" indent="0" algn="l" defTabSz="914400" rtl="0" eaLnBrk="1" fontAlgn="auto" latinLnBrk="0" hangingPunct="1">
@@ -3816,7 +3816,7 @@
           <a:p>
             <a:fld id="{C3F78080-8D0A-4BE8-A5B4-CB115102D524}" type="datetimeFigureOut">
               <a:rPr lang="en-US" smtClean="0"/>
-              <a:t>9/6/2022</a:t>
+              <a:t>9/9/2022</a:t>
             </a:fld>
             <a:endParaRPr lang="en-US"/>
           </a:p>
@@ -4014,7 +4014,7 @@
           <a:p>
             <a:fld id="{C3F78080-8D0A-4BE8-A5B4-CB115102D524}" type="datetimeFigureOut">
               <a:rPr lang="en-US" smtClean="0"/>
-              <a:t>9/6/2022</a:t>
+              <a:t>9/9/2022</a:t>
             </a:fld>
             <a:endParaRPr lang="en-US"/>
           </a:p>
@@ -4222,7 +4222,7 @@
           <a:p>
             <a:fld id="{C3F78080-8D0A-4BE8-A5B4-CB115102D524}" type="datetimeFigureOut">
               <a:rPr lang="en-US" smtClean="0"/>
-              <a:t>9/6/2022</a:t>
+              <a:t>9/9/2022</a:t>
             </a:fld>
             <a:endParaRPr lang="en-US"/>
           </a:p>
@@ -4420,7 +4420,7 @@
           <a:p>
             <a:fld id="{C3F78080-8D0A-4BE8-A5B4-CB115102D524}" type="datetimeFigureOut">
               <a:rPr lang="en-US" smtClean="0"/>
-              <a:t>9/6/2022</a:t>
+              <a:t>9/9/2022</a:t>
             </a:fld>
             <a:endParaRPr lang="en-US"/>
           </a:p>
@@ -4695,7 +4695,7 @@
           <a:p>
             <a:fld id="{C3F78080-8D0A-4BE8-A5B4-CB115102D524}" type="datetimeFigureOut">
               <a:rPr lang="en-US" smtClean="0"/>
-              <a:t>9/6/2022</a:t>
+              <a:t>9/9/2022</a:t>
             </a:fld>
             <a:endParaRPr lang="en-US"/>
           </a:p>
@@ -4960,7 +4960,7 @@
           <a:p>
             <a:fld id="{C3F78080-8D0A-4BE8-A5B4-CB115102D524}" type="datetimeFigureOut">
               <a:rPr lang="en-US" smtClean="0"/>
-              <a:t>9/6/2022</a:t>
+              <a:t>9/9/2022</a:t>
             </a:fld>
             <a:endParaRPr lang="en-US"/>
           </a:p>
@@ -5372,7 +5372,7 @@
           <a:p>
             <a:fld id="{C3F78080-8D0A-4BE8-A5B4-CB115102D524}" type="datetimeFigureOut">
               <a:rPr lang="en-US" smtClean="0"/>
-              <a:t>9/6/2022</a:t>
+              <a:t>9/9/2022</a:t>
             </a:fld>
             <a:endParaRPr lang="en-US"/>
           </a:p>
@@ -5513,7 +5513,7 @@
           <a:p>
             <a:fld id="{C3F78080-8D0A-4BE8-A5B4-CB115102D524}" type="datetimeFigureOut">
               <a:rPr lang="en-US" smtClean="0"/>
-              <a:t>9/6/2022</a:t>
+              <a:t>9/9/2022</a:t>
             </a:fld>
             <a:endParaRPr lang="en-US"/>
           </a:p>
@@ -5626,7 +5626,7 @@
           <a:p>
             <a:fld id="{C3F78080-8D0A-4BE8-A5B4-CB115102D524}" type="datetimeFigureOut">
               <a:rPr lang="en-US" smtClean="0"/>
-              <a:t>9/6/2022</a:t>
+              <a:t>9/9/2022</a:t>
             </a:fld>
             <a:endParaRPr lang="en-US"/>
           </a:p>
@@ -5937,7 +5937,7 @@
           <a:p>
             <a:fld id="{C3F78080-8D0A-4BE8-A5B4-CB115102D524}" type="datetimeFigureOut">
               <a:rPr lang="en-US" smtClean="0"/>
-              <a:t>9/6/2022</a:t>
+              <a:t>9/9/2022</a:t>
             </a:fld>
             <a:endParaRPr lang="en-US"/>
           </a:p>
@@ -6225,7 +6225,7 @@
           <a:p>
             <a:fld id="{C3F78080-8D0A-4BE8-A5B4-CB115102D524}" type="datetimeFigureOut">
               <a:rPr lang="en-US" smtClean="0"/>
-              <a:t>9/6/2022</a:t>
+              <a:t>9/9/2022</a:t>
             </a:fld>
             <a:endParaRPr lang="en-US"/>
           </a:p>
@@ -6466,7 +6466,7 @@
           <a:p>
             <a:fld id="{C3F78080-8D0A-4BE8-A5B4-CB115102D524}" type="datetimeFigureOut">
               <a:rPr lang="en-US" smtClean="0"/>
-              <a:t>9/6/2022</a:t>
+              <a:t>9/9/2022</a:t>
             </a:fld>
             <a:endParaRPr lang="en-US"/>
           </a:p>
@@ -8195,15 +8195,15 @@
       </p:grpSpPr>
       <p:pic>
         <p:nvPicPr>
-          <p:cNvPr id="2050" name="Picture 2">
+          <p:cNvPr id="5" name="Picture 4" descr="Chart&#10;&#10;Description automatically generated with medium confidence">
             <a:extLst>
               <a:ext uri="{FF2B5EF4-FFF2-40B4-BE49-F238E27FC236}">
-                <a16:creationId xmlns:a16="http://schemas.microsoft.com/office/drawing/2014/main" id="{D6FBD5FB-F364-404F-BA46-9C6009146A13}"/>
+                <a16:creationId xmlns:a16="http://schemas.microsoft.com/office/drawing/2014/main" id="{547EF0B8-DF52-34F2-4309-64CE7FCDCCF5}"/>
               </a:ext>
             </a:extLst>
           </p:cNvPr>
           <p:cNvPicPr>
-            <a:picLocks noChangeAspect="1" noChangeArrowheads="1"/>
+            <a:picLocks noChangeAspect="1"/>
           </p:cNvPicPr>
           <p:nvPr/>
         </p:nvPicPr>
@@ -8215,75 +8215,20 @@
               </a:ext>
             </a:extLst>
           </a:blip>
-          <a:srcRect/>
           <a:stretch>
             <a:fillRect/>
           </a:stretch>
         </p:blipFill>
-        <p:spPr bwMode="auto">
+        <p:spPr>
           <a:xfrm>
-            <a:off x="603130" y="388304"/>
-            <a:ext cx="10985740" cy="6081392"/>
+            <a:off x="405063" y="227848"/>
+            <a:ext cx="11381874" cy="6402304"/>
           </a:xfrm>
           <a:prstGeom prst="rect">
             <a:avLst/>
           </a:prstGeom>
-          <a:noFill/>
-          <a:extLst>
-            <a:ext uri="{909E8E84-426E-40DD-AFC4-6F175D3DCCD1}">
-              <a14:hiddenFill xmlns:a14="http://schemas.microsoft.com/office/drawing/2010/main">
-                <a:solidFill>
-                  <a:srgbClr val="FFFFFF"/>
-                </a:solidFill>
-              </a14:hiddenFill>
-            </a:ext>
-          </a:extLst>
         </p:spPr>
       </p:pic>
-      <p:sp>
-        <p:nvSpPr>
-          <p:cNvPr id="3" name="TextBox 2">
-            <a:extLst>
-              <a:ext uri="{FF2B5EF4-FFF2-40B4-BE49-F238E27FC236}">
-                <a16:creationId xmlns:a16="http://schemas.microsoft.com/office/drawing/2014/main" id="{3EDE0501-7B98-4E41-A070-AA3D936E6885}"/>
-              </a:ext>
-            </a:extLst>
-          </p:cNvPr>
-          <p:cNvSpPr txBox="1"/>
-          <p:nvPr/>
-        </p:nvSpPr>
-        <p:spPr>
-          <a:xfrm>
-            <a:off x="0" y="6550223"/>
-            <a:ext cx="12192000" cy="307777"/>
-          </a:xfrm>
-          <a:prstGeom prst="rect">
-            <a:avLst/>
-          </a:prstGeom>
-          <a:noFill/>
-        </p:spPr>
-        <p:txBody>
-          <a:bodyPr wrap="square" rtlCol="0">
-            <a:spAutoFit/>
-          </a:bodyPr>
-          <a:lstStyle/>
-          <a:p>
-            <a:r>
-              <a:rPr lang="en-US" sz="1400" dirty="0">
-                <a:solidFill>
-                  <a:schemeClr val="tx1">
-                    <a:lumMod val="65000"/>
-                    <a:lumOff val="35000"/>
-                  </a:schemeClr>
-                </a:solidFill>
-                <a:latin typeface="+mj-lt"/>
-                <a:ea typeface="Verdana" panose="020B0604030504040204" pitchFamily="34" charset="0"/>
-              </a:rPr>
-              <a:t>Image Credit: https://towardsdatascience.com/transformers-141e32e69591 </a:t>
-            </a:r>
-          </a:p>
-        </p:txBody>
-      </p:sp>
     </p:spTree>
     <p:extLst>
       <p:ext uri="{BB962C8B-B14F-4D97-AF65-F5344CB8AC3E}">
@@ -10734,17 +10679,64 @@
           </a:p>
         </p:txBody>
       </p:sp>
+      <p:sp>
+        <p:nvSpPr>
+          <p:cNvPr id="2" name="Rectangle 1">
+            <a:extLst>
+              <a:ext uri="{FF2B5EF4-FFF2-40B4-BE49-F238E27FC236}">
+                <a16:creationId xmlns:a16="http://schemas.microsoft.com/office/drawing/2014/main" id="{34370AC9-5A7C-6EFD-92E4-5B8B5D034395}"/>
+              </a:ext>
+            </a:extLst>
+          </p:cNvPr>
+          <p:cNvSpPr/>
+          <p:nvPr/>
+        </p:nvSpPr>
+        <p:spPr>
+          <a:xfrm>
+            <a:off x="1423686" y="5127585"/>
+            <a:ext cx="9259747" cy="601883"/>
+          </a:xfrm>
+          <a:prstGeom prst="rect">
+            <a:avLst/>
+          </a:prstGeom>
+          <a:ln>
+            <a:noFill/>
+          </a:ln>
+        </p:spPr>
+        <p:style>
+          <a:lnRef idx="2">
+            <a:schemeClr val="accent6"/>
+          </a:lnRef>
+          <a:fillRef idx="1">
+            <a:schemeClr val="lt1"/>
+          </a:fillRef>
+          <a:effectRef idx="0">
+            <a:schemeClr val="accent6"/>
+          </a:effectRef>
+          <a:fontRef idx="minor">
+            <a:schemeClr val="dk1"/>
+          </a:fontRef>
+        </p:style>
+        <p:txBody>
+          <a:bodyPr rtlCol="0" anchor="ctr"/>
+          <a:lstStyle/>
+          <a:p>
+            <a:pPr algn="ctr"/>
+            <a:endParaRPr lang="en-US"/>
+          </a:p>
+        </p:txBody>
+      </p:sp>
       <p:pic>
         <p:nvPicPr>
-          <p:cNvPr id="4" name="Picture 2">
+          <p:cNvPr id="5" name="Picture 4" descr="Diagram&#10;&#10;Description automatically generated">
             <a:extLst>
               <a:ext uri="{FF2B5EF4-FFF2-40B4-BE49-F238E27FC236}">
-                <a16:creationId xmlns:a16="http://schemas.microsoft.com/office/drawing/2014/main" id="{06CD34BA-3D69-3C98-8260-391BD6808914}"/>
+                <a16:creationId xmlns:a16="http://schemas.microsoft.com/office/drawing/2014/main" id="{3E841F99-848D-0629-3732-1A5FC5C079C1}"/>
               </a:ext>
             </a:extLst>
           </p:cNvPr>
           <p:cNvPicPr>
-            <a:picLocks noChangeAspect="1" noChangeArrowheads="1" noCrop="1"/>
+            <a:picLocks noChangeAspect="1"/>
           </p:cNvPicPr>
           <p:nvPr/>
         </p:nvPicPr>
@@ -10756,33 +10748,24 @@
               </a:ext>
             </a:extLst>
           </a:blip>
-          <a:srcRect/>
-          <a:stretch/>
+          <a:stretch>
+            <a:fillRect/>
+          </a:stretch>
         </p:blipFill>
-        <p:spPr bwMode="auto">
+        <p:spPr>
           <a:xfrm>
-            <a:off x="2007366" y="1463040"/>
-            <a:ext cx="8676067" cy="3931920"/>
+            <a:off x="1892800" y="2071687"/>
+            <a:ext cx="8406400" cy="3055898"/>
           </a:xfrm>
           <a:prstGeom prst="rect">
             <a:avLst/>
           </a:prstGeom>
-          <a:noFill/>
-          <a:extLst>
-            <a:ext uri="{909E8E84-426E-40DD-AFC4-6F175D3DCCD1}">
-              <a14:hiddenFill xmlns:a14="http://schemas.microsoft.com/office/drawing/2010/main">
-                <a:solidFill>
-                  <a:srgbClr val="FFFFFF"/>
-                </a:solidFill>
-              </a14:hiddenFill>
-            </a:ext>
-          </a:extLst>
         </p:spPr>
       </p:pic>
     </p:spTree>
     <p:extLst>
       <p:ext uri="{BB962C8B-B14F-4D97-AF65-F5344CB8AC3E}">
-        <p14:creationId xmlns:p14="http://schemas.microsoft.com/office/powerpoint/2010/main" val="1412244647"/>
+        <p14:creationId xmlns:p14="http://schemas.microsoft.com/office/powerpoint/2010/main" val="2941997928"/>
       </p:ext>
     </p:extLst>
   </p:cSld>

--- a/presentations/02_transformers_attention.pptx
+++ b/presentations/02_transformers_attention.pptx
@@ -231,7 +231,7 @@
           <a:p>
             <a:fld id="{FD93C9B2-20F6-4DB1-B471-224337D0AC79}" type="datetimeFigureOut">
               <a:rPr lang="en-US" smtClean="0"/>
-              <a:t>9/9/2022</a:t>
+              <a:t>10/27/2022</a:t>
             </a:fld>
             <a:endParaRPr lang="en-US"/>
           </a:p>
@@ -3816,7 +3816,7 @@
           <a:p>
             <a:fld id="{C3F78080-8D0A-4BE8-A5B4-CB115102D524}" type="datetimeFigureOut">
               <a:rPr lang="en-US" smtClean="0"/>
-              <a:t>9/9/2022</a:t>
+              <a:t>10/27/2022</a:t>
             </a:fld>
             <a:endParaRPr lang="en-US"/>
           </a:p>
@@ -4014,7 +4014,7 @@
           <a:p>
             <a:fld id="{C3F78080-8D0A-4BE8-A5B4-CB115102D524}" type="datetimeFigureOut">
               <a:rPr lang="en-US" smtClean="0"/>
-              <a:t>9/9/2022</a:t>
+              <a:t>10/27/2022</a:t>
             </a:fld>
             <a:endParaRPr lang="en-US"/>
           </a:p>
@@ -4222,7 +4222,7 @@
           <a:p>
             <a:fld id="{C3F78080-8D0A-4BE8-A5B4-CB115102D524}" type="datetimeFigureOut">
               <a:rPr lang="en-US" smtClean="0"/>
-              <a:t>9/9/2022</a:t>
+              <a:t>10/27/2022</a:t>
             </a:fld>
             <a:endParaRPr lang="en-US"/>
           </a:p>
@@ -4420,7 +4420,7 @@
           <a:p>
             <a:fld id="{C3F78080-8D0A-4BE8-A5B4-CB115102D524}" type="datetimeFigureOut">
               <a:rPr lang="en-US" smtClean="0"/>
-              <a:t>9/9/2022</a:t>
+              <a:t>10/27/2022</a:t>
             </a:fld>
             <a:endParaRPr lang="en-US"/>
           </a:p>
@@ -4695,7 +4695,7 @@
           <a:p>
             <a:fld id="{C3F78080-8D0A-4BE8-A5B4-CB115102D524}" type="datetimeFigureOut">
               <a:rPr lang="en-US" smtClean="0"/>
-              <a:t>9/9/2022</a:t>
+              <a:t>10/27/2022</a:t>
             </a:fld>
             <a:endParaRPr lang="en-US"/>
           </a:p>
@@ -4960,7 +4960,7 @@
           <a:p>
             <a:fld id="{C3F78080-8D0A-4BE8-A5B4-CB115102D524}" type="datetimeFigureOut">
               <a:rPr lang="en-US" smtClean="0"/>
-              <a:t>9/9/2022</a:t>
+              <a:t>10/27/2022</a:t>
             </a:fld>
             <a:endParaRPr lang="en-US"/>
           </a:p>
@@ -5372,7 +5372,7 @@
           <a:p>
             <a:fld id="{C3F78080-8D0A-4BE8-A5B4-CB115102D524}" type="datetimeFigureOut">
               <a:rPr lang="en-US" smtClean="0"/>
-              <a:t>9/9/2022</a:t>
+              <a:t>10/27/2022</a:t>
             </a:fld>
             <a:endParaRPr lang="en-US"/>
           </a:p>
@@ -5513,7 +5513,7 @@
           <a:p>
             <a:fld id="{C3F78080-8D0A-4BE8-A5B4-CB115102D524}" type="datetimeFigureOut">
               <a:rPr lang="en-US" smtClean="0"/>
-              <a:t>9/9/2022</a:t>
+              <a:t>10/27/2022</a:t>
             </a:fld>
             <a:endParaRPr lang="en-US"/>
           </a:p>
@@ -5626,7 +5626,7 @@
           <a:p>
             <a:fld id="{C3F78080-8D0A-4BE8-A5B4-CB115102D524}" type="datetimeFigureOut">
               <a:rPr lang="en-US" smtClean="0"/>
-              <a:t>9/9/2022</a:t>
+              <a:t>10/27/2022</a:t>
             </a:fld>
             <a:endParaRPr lang="en-US"/>
           </a:p>
@@ -5937,7 +5937,7 @@
           <a:p>
             <a:fld id="{C3F78080-8D0A-4BE8-A5B4-CB115102D524}" type="datetimeFigureOut">
               <a:rPr lang="en-US" smtClean="0"/>
-              <a:t>9/9/2022</a:t>
+              <a:t>10/27/2022</a:t>
             </a:fld>
             <a:endParaRPr lang="en-US"/>
           </a:p>
@@ -6225,7 +6225,7 @@
           <a:p>
             <a:fld id="{C3F78080-8D0A-4BE8-A5B4-CB115102D524}" type="datetimeFigureOut">
               <a:rPr lang="en-US" smtClean="0"/>
-              <a:t>9/9/2022</a:t>
+              <a:t>10/27/2022</a:t>
             </a:fld>
             <a:endParaRPr lang="en-US"/>
           </a:p>
@@ -6466,7 +6466,7 @@
           <a:p>
             <a:fld id="{C3F78080-8D0A-4BE8-A5B4-CB115102D524}" type="datetimeFigureOut">
               <a:rPr lang="en-US" smtClean="0"/>
-              <a:t>9/9/2022</a:t>
+              <a:t>10/27/2022</a:t>
             </a:fld>
             <a:endParaRPr lang="en-US"/>
           </a:p>
@@ -12174,84 +12174,6 @@
           <a:chExt cx="0" cy="0"/>
         </a:xfrm>
       </p:grpSpPr>
-      <p:sp>
-        <p:nvSpPr>
-          <p:cNvPr id="12" name="Title 1">
-            <a:extLst>
-              <a:ext uri="{FF2B5EF4-FFF2-40B4-BE49-F238E27FC236}">
-                <a16:creationId xmlns:a16="http://schemas.microsoft.com/office/drawing/2014/main" id="{E2FB948E-5ACE-4C88-8B2D-233F4E9F4797}"/>
-              </a:ext>
-            </a:extLst>
-          </p:cNvPr>
-          <p:cNvSpPr>
-            <a:spLocks noGrp="1"/>
-          </p:cNvSpPr>
-          <p:nvPr>
-            <p:ph type="title"/>
-          </p:nvPr>
-        </p:nvSpPr>
-        <p:spPr>
-          <a:xfrm>
-            <a:off x="0" y="2705764"/>
-            <a:ext cx="12192000" cy="1446472"/>
-          </a:xfrm>
-          <a:noFill/>
-        </p:spPr>
-        <p:txBody>
-          <a:bodyPr>
-            <a:noAutofit/>
-          </a:bodyPr>
-          <a:lstStyle/>
-          <a:p>
-            <a:pPr algn="ctr"/>
-            <a:r>
-              <a:rPr lang="en-US" sz="3600" dirty="0">
-                <a:solidFill>
-                  <a:schemeClr val="tx1">
-                    <a:lumMod val="65000"/>
-                    <a:lumOff val="35000"/>
-                  </a:schemeClr>
-                </a:solidFill>
-                <a:latin typeface="Palatino Linotype" panose="02040502050505030304" pitchFamily="18" charset="0"/>
-              </a:rPr>
-              <a:t>Emotion Detector</a:t>
-            </a:r>
-            <a:br>
-              <a:rPr lang="en-US" sz="3600" dirty="0">
-                <a:solidFill>
-                  <a:schemeClr val="tx1">
-                    <a:lumMod val="65000"/>
-                    <a:lumOff val="35000"/>
-                  </a:schemeClr>
-                </a:solidFill>
-                <a:latin typeface="Palatino Linotype" panose="02040502050505030304" pitchFamily="18" charset="0"/>
-              </a:rPr>
-            </a:br>
-            <a:r>
-              <a:rPr lang="en-US" sz="3600" dirty="0">
-                <a:solidFill>
-                  <a:schemeClr val="tx1">
-                    <a:lumMod val="65000"/>
-                    <a:lumOff val="35000"/>
-                  </a:schemeClr>
-                </a:solidFill>
-                <a:latin typeface="Palatino Linotype" panose="02040502050505030304" pitchFamily="18" charset="0"/>
-              </a:rPr>
-              <a:t>01.2_emotion_detector.ipynb</a:t>
-            </a:r>
-            <a:endParaRPr lang="en-US" sz="3600" dirty="0">
-              <a:solidFill>
-                <a:schemeClr val="tx1">
-                  <a:lumMod val="65000"/>
-                  <a:lumOff val="35000"/>
-                </a:schemeClr>
-              </a:solidFill>
-              <a:latin typeface="Palatino Linotype" panose="02040502050505030304" pitchFamily="18" charset="0"/>
-              <a:cs typeface="Segoe UI Light" panose="020B0502040204020203" pitchFamily="34" charset="0"/>
-            </a:endParaRPr>
-          </a:p>
-        </p:txBody>
-      </p:sp>
       <p:pic>
         <p:nvPicPr>
           <p:cNvPr id="5" name="Picture 4">
@@ -12282,6 +12204,126 @@
           </a:prstGeom>
         </p:spPr>
       </p:pic>
+      <p:sp>
+        <p:nvSpPr>
+          <p:cNvPr id="7" name="Title 1">
+            <a:extLst>
+              <a:ext uri="{FF2B5EF4-FFF2-40B4-BE49-F238E27FC236}">
+                <a16:creationId xmlns:a16="http://schemas.microsoft.com/office/drawing/2014/main" id="{E2FB948E-5ACE-4C88-8B2D-233F4E9F4797}"/>
+              </a:ext>
+            </a:extLst>
+          </p:cNvPr>
+          <p:cNvSpPr>
+            <a:spLocks noGrp="1"/>
+          </p:cNvSpPr>
+          <p:nvPr/>
+        </p:nvSpPr>
+        <p:spPr>
+          <a:xfrm>
+            <a:off x="0" y="2552030"/>
+            <a:ext cx="12192000" cy="1753941"/>
+          </a:xfrm>
+          <a:prstGeom prst="rect">
+            <a:avLst/>
+          </a:prstGeom>
+          <a:noFill/>
+        </p:spPr>
+        <p:txBody>
+          <a:bodyPr vert="horz" lIns="91440" tIns="45720" rIns="91440" bIns="45720" rtlCol="0" anchor="ctr">
+            <a:noAutofit/>
+          </a:bodyPr>
+          <a:lstStyle>
+            <a:lvl1pPr algn="l" defTabSz="914400" rtl="0" eaLnBrk="1" latinLnBrk="0" hangingPunct="1">
+              <a:lnSpc>
+                <a:spcPct val="90000"/>
+              </a:lnSpc>
+              <a:spcBef>
+                <a:spcPct val="0"/>
+              </a:spcBef>
+              <a:buNone/>
+              <a:defRPr sz="4400" kern="1200">
+                <a:solidFill>
+                  <a:schemeClr val="tx1"/>
+                </a:solidFill>
+                <a:latin typeface="+mj-lt"/>
+                <a:ea typeface="+mj-ea"/>
+                <a:cs typeface="+mj-cs"/>
+              </a:defRPr>
+            </a:lvl1pPr>
+          </a:lstStyle>
+          <a:p>
+            <a:pPr algn="ctr"/>
+            <a:r>
+              <a:rPr lang="en-US" sz="3600" dirty="0">
+                <a:solidFill>
+                  <a:schemeClr val="tx1">
+                    <a:lumMod val="65000"/>
+                    <a:lumOff val="35000"/>
+                  </a:schemeClr>
+                </a:solidFill>
+                <a:latin typeface="Palatino Linotype" panose="02040502050505030304" pitchFamily="18" charset="0"/>
+              </a:rPr>
+              <a:t>Emotion Detector </a:t>
+            </a:r>
+            <a:br>
+              <a:rPr lang="en-US" sz="3600" dirty="0">
+                <a:solidFill>
+                  <a:schemeClr val="tx1">
+                    <a:lumMod val="65000"/>
+                    <a:lumOff val="35000"/>
+                  </a:schemeClr>
+                </a:solidFill>
+                <a:latin typeface="Palatino Linotype" panose="02040502050505030304" pitchFamily="18" charset="0"/>
+              </a:rPr>
+            </a:br>
+            <a:r>
+              <a:rPr lang="en-US" sz="3600" dirty="0">
+                <a:solidFill>
+                  <a:schemeClr val="tx1">
+                    <a:lumMod val="65000"/>
+                    <a:lumOff val="35000"/>
+                  </a:schemeClr>
+                </a:solidFill>
+                <a:latin typeface="Palatino Linotype" panose="02040502050505030304" pitchFamily="18" charset="0"/>
+              </a:rPr>
+              <a:t>02.1_emotion_detector.ipynb</a:t>
+            </a:r>
+            <a:br>
+              <a:rPr lang="en-US" sz="3600" dirty="0">
+                <a:solidFill>
+                  <a:schemeClr val="tx1">
+                    <a:lumMod val="65000"/>
+                    <a:lumOff val="35000"/>
+                  </a:schemeClr>
+                </a:solidFill>
+                <a:latin typeface="Palatino Linotype" panose="02040502050505030304" pitchFamily="18" charset="0"/>
+              </a:rPr>
+            </a:br>
+            <a:r>
+              <a:rPr lang="en-US" sz="3600" dirty="0">
+                <a:solidFill>
+                  <a:schemeClr val="tx1">
+                    <a:lumMod val="65000"/>
+                    <a:lumOff val="35000"/>
+                  </a:schemeClr>
+                </a:solidFill>
+                <a:latin typeface="Palatino Linotype" panose="02040502050505030304" pitchFamily="18" charset="0"/>
+              </a:rPr>
+              <a:t>Part II</a:t>
+            </a:r>
+            <a:endParaRPr lang="en-US" sz="3600" dirty="0">
+              <a:solidFill>
+                <a:schemeClr val="tx1">
+                  <a:lumMod val="65000"/>
+                  <a:lumOff val="35000"/>
+                </a:schemeClr>
+              </a:solidFill>
+              <a:latin typeface="Palatino Linotype" panose="02040502050505030304" pitchFamily="18" charset="0"/>
+              <a:cs typeface="Segoe UI Light" panose="020B0502040204020203" pitchFamily="34" charset="0"/>
+            </a:endParaRPr>
+          </a:p>
+        </p:txBody>
+      </p:sp>
     </p:spTree>
     <p:extLst>
       <p:ext uri="{BB962C8B-B14F-4D97-AF65-F5344CB8AC3E}">

--- a/presentations/02_transformers_attention.pptx
+++ b/presentations/02_transformers_attention.pptx
@@ -231,7 +231,7 @@
           <a:p>
             <a:fld id="{FD93C9B2-20F6-4DB1-B471-224337D0AC79}" type="datetimeFigureOut">
               <a:rPr lang="en-US" smtClean="0"/>
-              <a:t>10/27/2022</a:t>
+              <a:t>11/10/2022</a:t>
             </a:fld>
             <a:endParaRPr lang="en-US"/>
           </a:p>
@@ -3427,6 +3427,15 @@
             </a:r>
           </a:p>
           <a:p>
+            <a:pPr marL="228600" indent="-228600">
+              <a:buAutoNum type="arabicPeriod"/>
+            </a:pPr>
+            <a:r>
+              <a:rPr lang="en-US" dirty="0"/>
+              <a:t>The scoring function (gold) compares two tensors Q &amp; V to determine how alike, arrives at a likeness score, and then uses that score to scale V.</a:t>
+            </a:r>
+          </a:p>
+          <a:p>
             <a:pPr marL="0" indent="0">
               <a:buNone/>
             </a:pPr>
@@ -3816,7 +3825,7 @@
           <a:p>
             <a:fld id="{C3F78080-8D0A-4BE8-A5B4-CB115102D524}" type="datetimeFigureOut">
               <a:rPr lang="en-US" smtClean="0"/>
-              <a:t>10/27/2022</a:t>
+              <a:t>11/10/2022</a:t>
             </a:fld>
             <a:endParaRPr lang="en-US"/>
           </a:p>
@@ -4014,7 +4023,7 @@
           <a:p>
             <a:fld id="{C3F78080-8D0A-4BE8-A5B4-CB115102D524}" type="datetimeFigureOut">
               <a:rPr lang="en-US" smtClean="0"/>
-              <a:t>10/27/2022</a:t>
+              <a:t>11/10/2022</a:t>
             </a:fld>
             <a:endParaRPr lang="en-US"/>
           </a:p>
@@ -4222,7 +4231,7 @@
           <a:p>
             <a:fld id="{C3F78080-8D0A-4BE8-A5B4-CB115102D524}" type="datetimeFigureOut">
               <a:rPr lang="en-US" smtClean="0"/>
-              <a:t>10/27/2022</a:t>
+              <a:t>11/10/2022</a:t>
             </a:fld>
             <a:endParaRPr lang="en-US"/>
           </a:p>
@@ -4420,7 +4429,7 @@
           <a:p>
             <a:fld id="{C3F78080-8D0A-4BE8-A5B4-CB115102D524}" type="datetimeFigureOut">
               <a:rPr lang="en-US" smtClean="0"/>
-              <a:t>10/27/2022</a:t>
+              <a:t>11/10/2022</a:t>
             </a:fld>
             <a:endParaRPr lang="en-US"/>
           </a:p>
@@ -4695,7 +4704,7 @@
           <a:p>
             <a:fld id="{C3F78080-8D0A-4BE8-A5B4-CB115102D524}" type="datetimeFigureOut">
               <a:rPr lang="en-US" smtClean="0"/>
-              <a:t>10/27/2022</a:t>
+              <a:t>11/10/2022</a:t>
             </a:fld>
             <a:endParaRPr lang="en-US"/>
           </a:p>
@@ -4960,7 +4969,7 @@
           <a:p>
             <a:fld id="{C3F78080-8D0A-4BE8-A5B4-CB115102D524}" type="datetimeFigureOut">
               <a:rPr lang="en-US" smtClean="0"/>
-              <a:t>10/27/2022</a:t>
+              <a:t>11/10/2022</a:t>
             </a:fld>
             <a:endParaRPr lang="en-US"/>
           </a:p>
@@ -5372,7 +5381,7 @@
           <a:p>
             <a:fld id="{C3F78080-8D0A-4BE8-A5B4-CB115102D524}" type="datetimeFigureOut">
               <a:rPr lang="en-US" smtClean="0"/>
-              <a:t>10/27/2022</a:t>
+              <a:t>11/10/2022</a:t>
             </a:fld>
             <a:endParaRPr lang="en-US"/>
           </a:p>
@@ -5513,7 +5522,7 @@
           <a:p>
             <a:fld id="{C3F78080-8D0A-4BE8-A5B4-CB115102D524}" type="datetimeFigureOut">
               <a:rPr lang="en-US" smtClean="0"/>
-              <a:t>10/27/2022</a:t>
+              <a:t>11/10/2022</a:t>
             </a:fld>
             <a:endParaRPr lang="en-US"/>
           </a:p>
@@ -5626,7 +5635,7 @@
           <a:p>
             <a:fld id="{C3F78080-8D0A-4BE8-A5B4-CB115102D524}" type="datetimeFigureOut">
               <a:rPr lang="en-US" smtClean="0"/>
-              <a:t>10/27/2022</a:t>
+              <a:t>11/10/2022</a:t>
             </a:fld>
             <a:endParaRPr lang="en-US"/>
           </a:p>
@@ -5937,7 +5946,7 @@
           <a:p>
             <a:fld id="{C3F78080-8D0A-4BE8-A5B4-CB115102D524}" type="datetimeFigureOut">
               <a:rPr lang="en-US" smtClean="0"/>
-              <a:t>10/27/2022</a:t>
+              <a:t>11/10/2022</a:t>
             </a:fld>
             <a:endParaRPr lang="en-US"/>
           </a:p>
@@ -6225,7 +6234,7 @@
           <a:p>
             <a:fld id="{C3F78080-8D0A-4BE8-A5B4-CB115102D524}" type="datetimeFigureOut">
               <a:rPr lang="en-US" smtClean="0"/>
-              <a:t>10/27/2022</a:t>
+              <a:t>11/10/2022</a:t>
             </a:fld>
             <a:endParaRPr lang="en-US"/>
           </a:p>
@@ -6466,7 +6475,7 @@
           <a:p>
             <a:fld id="{C3F78080-8D0A-4BE8-A5B4-CB115102D524}" type="datetimeFigureOut">
               <a:rPr lang="en-US" smtClean="0"/>
-              <a:t>10/27/2022</a:t>
+              <a:t>11/10/2022</a:t>
             </a:fld>
             <a:endParaRPr lang="en-US"/>
           </a:p>
@@ -7154,6 +7163,268 @@
           </a:p>
         </p:txBody>
       </p:sp>
+      <p:graphicFrame>
+        <p:nvGraphicFramePr>
+          <p:cNvPr id="4" name="Table 9">
+            <a:extLst>
+              <a:ext uri="{FF2B5EF4-FFF2-40B4-BE49-F238E27FC236}">
+                <a16:creationId xmlns:a16="http://schemas.microsoft.com/office/drawing/2014/main" id="{D9A2C165-E4BD-3D78-6733-92FC682CF65E}"/>
+              </a:ext>
+            </a:extLst>
+          </p:cNvPr>
+          <p:cNvGraphicFramePr>
+            <a:graphicFrameLocks noGrp="1"/>
+          </p:cNvGraphicFramePr>
+          <p:nvPr>
+            <p:extLst>
+              <p:ext uri="{D42A27DB-BD31-4B8C-83A1-F6EECF244321}">
+                <p14:modId xmlns:p14="http://schemas.microsoft.com/office/powerpoint/2010/main" val="1192574315"/>
+              </p:ext>
+            </p:extLst>
+          </p:nvPr>
+        </p:nvGraphicFramePr>
+        <p:xfrm>
+          <a:off x="95693" y="165817"/>
+          <a:ext cx="1329070" cy="1490816"/>
+        </p:xfrm>
+        <a:graphic>
+          <a:graphicData uri="http://schemas.openxmlformats.org/drawingml/2006/table">
+            <a:tbl>
+              <a:tblPr firstRow="1" bandRow="1">
+                <a:tableStyleId>{5940675A-B579-460E-94D1-54222C63F5DA}</a:tableStyleId>
+              </a:tblPr>
+              <a:tblGrid>
+                <a:gridCol w="312725">
+                  <a:extLst>
+                    <a:ext uri="{9D8B030D-6E8A-4147-A177-3AD203B41FA5}">
+                      <a16:colId xmlns:a16="http://schemas.microsoft.com/office/drawing/2014/main" val="2256347462"/>
+                    </a:ext>
+                  </a:extLst>
+                </a:gridCol>
+                <a:gridCol w="1016345">
+                  <a:extLst>
+                    <a:ext uri="{9D8B030D-6E8A-4147-A177-3AD203B41FA5}">
+                      <a16:colId xmlns:a16="http://schemas.microsoft.com/office/drawing/2014/main" val="1000086060"/>
+                    </a:ext>
+                  </a:extLst>
+                </a:gridCol>
+              </a:tblGrid>
+              <a:tr h="372704">
+                <a:tc>
+                  <a:txBody>
+                    <a:bodyPr/>
+                    <a:lstStyle/>
+                    <a:p>
+                      <a:r>
+                        <a:rPr lang="en-US" sz="1800" kern="1200" dirty="0">
+                          <a:solidFill>
+                            <a:srgbClr val="B71E56"/>
+                          </a:solidFill>
+                          <a:latin typeface="+mj-lt"/>
+                          <a:ea typeface="+mn-ea"/>
+                          <a:cs typeface="+mn-cs"/>
+                        </a:rPr>
+                        <a:t>Q</a:t>
+                      </a:r>
+                      <a:endParaRPr lang="en-US" sz="1800" dirty="0">
+                        <a:latin typeface="+mj-lt"/>
+                      </a:endParaRPr>
+                    </a:p>
+                  </a:txBody>
+                  <a:tcPr/>
+                </a:tc>
+                <a:tc>
+                  <a:txBody>
+                    <a:bodyPr/>
+                    <a:lstStyle/>
+                    <a:p>
+                      <a:r>
+                        <a:rPr lang="en-US" sz="1800" kern="1200" dirty="0">
+                          <a:solidFill>
+                            <a:srgbClr val="B71E56"/>
+                          </a:solidFill>
+                          <a:latin typeface="+mj-lt"/>
+                          <a:ea typeface="+mn-ea"/>
+                          <a:cs typeface="+mn-cs"/>
+                        </a:rPr>
+                        <a:t>Query</a:t>
+                      </a:r>
+                      <a:endParaRPr lang="en-US" sz="1800" dirty="0">
+                        <a:latin typeface="+mj-lt"/>
+                      </a:endParaRPr>
+                    </a:p>
+                  </a:txBody>
+                  <a:tcPr/>
+                </a:tc>
+                <a:extLst>
+                  <a:ext uri="{0D108BD9-81ED-4DB2-BD59-A6C34878D82A}">
+                    <a16:rowId xmlns:a16="http://schemas.microsoft.com/office/drawing/2014/main" val="1110988348"/>
+                  </a:ext>
+                </a:extLst>
+              </a:tr>
+              <a:tr h="372704">
+                <a:tc>
+                  <a:txBody>
+                    <a:bodyPr/>
+                    <a:lstStyle/>
+                    <a:p>
+                      <a:r>
+                        <a:rPr lang="en-US" sz="1800" kern="1200" dirty="0">
+                          <a:solidFill>
+                            <a:srgbClr val="2D83B7"/>
+                          </a:solidFill>
+                          <a:latin typeface="+mj-lt"/>
+                          <a:ea typeface="+mn-ea"/>
+                          <a:cs typeface="+mn-cs"/>
+                        </a:rPr>
+                        <a:t>K</a:t>
+                      </a:r>
+                      <a:endParaRPr lang="en-US" sz="1800" dirty="0">
+                        <a:latin typeface="+mj-lt"/>
+                      </a:endParaRPr>
+                    </a:p>
+                  </a:txBody>
+                  <a:tcPr/>
+                </a:tc>
+                <a:tc>
+                  <a:txBody>
+                    <a:bodyPr/>
+                    <a:lstStyle/>
+                    <a:p>
+                      <a:r>
+                        <a:rPr lang="en-US" sz="1800" kern="1200" dirty="0">
+                          <a:solidFill>
+                            <a:srgbClr val="2D83B7"/>
+                          </a:solidFill>
+                          <a:latin typeface="+mj-lt"/>
+                          <a:ea typeface="+mn-ea"/>
+                          <a:cs typeface="+mn-cs"/>
+                        </a:rPr>
+                        <a:t>Key </a:t>
+                      </a:r>
+                      <a:endParaRPr lang="en-US" sz="1800" dirty="0">
+                        <a:latin typeface="+mj-lt"/>
+                      </a:endParaRPr>
+                    </a:p>
+                  </a:txBody>
+                  <a:tcPr/>
+                </a:tc>
+                <a:extLst>
+                  <a:ext uri="{0D108BD9-81ED-4DB2-BD59-A6C34878D82A}">
+                    <a16:rowId xmlns:a16="http://schemas.microsoft.com/office/drawing/2014/main" val="1982827846"/>
+                  </a:ext>
+                </a:extLst>
+              </a:tr>
+              <a:tr h="372704">
+                <a:tc>
+                  <a:txBody>
+                    <a:bodyPr/>
+                    <a:lstStyle/>
+                    <a:p>
+                      <a:r>
+                        <a:rPr lang="en-US" sz="1800" kern="1200" dirty="0">
+                          <a:solidFill>
+                            <a:srgbClr val="319F48"/>
+                          </a:solidFill>
+                          <a:latin typeface="+mj-lt"/>
+                          <a:ea typeface="+mn-ea"/>
+                          <a:cs typeface="+mn-cs"/>
+                        </a:rPr>
+                        <a:t>V </a:t>
+                      </a:r>
+                      <a:endParaRPr lang="en-US" sz="1800" dirty="0">
+                        <a:latin typeface="+mj-lt"/>
+                      </a:endParaRPr>
+                    </a:p>
+                  </a:txBody>
+                  <a:tcPr/>
+                </a:tc>
+                <a:tc>
+                  <a:txBody>
+                    <a:bodyPr/>
+                    <a:lstStyle/>
+                    <a:p>
+                      <a:r>
+                        <a:rPr lang="en-US" sz="1800" kern="1200" dirty="0">
+                          <a:solidFill>
+                            <a:srgbClr val="319F48"/>
+                          </a:solidFill>
+                          <a:latin typeface="+mj-lt"/>
+                          <a:ea typeface="+mn-ea"/>
+                          <a:cs typeface="+mn-cs"/>
+                        </a:rPr>
+                        <a:t>Value</a:t>
+                      </a:r>
+                      <a:endParaRPr lang="en-US" sz="1800" dirty="0">
+                        <a:latin typeface="+mj-lt"/>
+                      </a:endParaRPr>
+                    </a:p>
+                  </a:txBody>
+                  <a:tcPr/>
+                </a:tc>
+                <a:extLst>
+                  <a:ext uri="{0D108BD9-81ED-4DB2-BD59-A6C34878D82A}">
+                    <a16:rowId xmlns:a16="http://schemas.microsoft.com/office/drawing/2014/main" val="2431682978"/>
+                  </a:ext>
+                </a:extLst>
+              </a:tr>
+              <a:tr h="372704">
+                <a:tc>
+                  <a:txBody>
+                    <a:bodyPr/>
+                    <a:lstStyle/>
+                    <a:p>
+                      <a:r>
+                        <a:rPr lang="en-US" sz="1800" kern="1200" dirty="0">
+                          <a:solidFill>
+                            <a:srgbClr val="93742C"/>
+                          </a:solidFill>
+                          <a:latin typeface="+mj-lt"/>
+                          <a:ea typeface="+mn-ea"/>
+                          <a:cs typeface="+mn-cs"/>
+                        </a:rPr>
+                        <a:t>S</a:t>
+                      </a:r>
+                      <a:endParaRPr lang="en-US" sz="1800" dirty="0">
+                        <a:latin typeface="+mj-lt"/>
+                      </a:endParaRPr>
+                    </a:p>
+                  </a:txBody>
+                  <a:tcPr/>
+                </a:tc>
+                <a:tc>
+                  <a:txBody>
+                    <a:bodyPr/>
+                    <a:lstStyle/>
+                    <a:p>
+                      <a:r>
+                        <a:rPr lang="en-US" sz="1800" kern="1200" dirty="0">
+                          <a:solidFill>
+                            <a:srgbClr val="93742C"/>
+                          </a:solidFill>
+                          <a:latin typeface="+mj-lt"/>
+                          <a:ea typeface="+mn-ea"/>
+                          <a:cs typeface="+mn-cs"/>
+                        </a:rPr>
+                        <a:t>Score</a:t>
+                      </a:r>
+                      <a:endParaRPr lang="en-US" sz="1800" dirty="0">
+                        <a:latin typeface="+mj-lt"/>
+                      </a:endParaRPr>
+                    </a:p>
+                  </a:txBody>
+                  <a:tcPr/>
+                </a:tc>
+                <a:extLst>
+                  <a:ext uri="{0D108BD9-81ED-4DB2-BD59-A6C34878D82A}">
+                    <a16:rowId xmlns:a16="http://schemas.microsoft.com/office/drawing/2014/main" val="3072527918"/>
+                  </a:ext>
+                </a:extLst>
+              </a:tr>
+            </a:tbl>
+          </a:graphicData>
+        </a:graphic>
+      </p:graphicFrame>
     </p:spTree>
     <p:extLst>
       <p:ext uri="{BB962C8B-B14F-4D97-AF65-F5344CB8AC3E}">
@@ -7335,6 +7606,268 @@
           </a:p>
         </p:txBody>
       </p:sp>
+      <p:graphicFrame>
+        <p:nvGraphicFramePr>
+          <p:cNvPr id="4" name="Table 9">
+            <a:extLst>
+              <a:ext uri="{FF2B5EF4-FFF2-40B4-BE49-F238E27FC236}">
+                <a16:creationId xmlns:a16="http://schemas.microsoft.com/office/drawing/2014/main" id="{FB194F57-8C08-9599-5AC8-5C19528137C6}"/>
+              </a:ext>
+            </a:extLst>
+          </p:cNvPr>
+          <p:cNvGraphicFramePr>
+            <a:graphicFrameLocks noGrp="1"/>
+          </p:cNvGraphicFramePr>
+          <p:nvPr>
+            <p:extLst>
+              <p:ext uri="{D42A27DB-BD31-4B8C-83A1-F6EECF244321}">
+                <p14:modId xmlns:p14="http://schemas.microsoft.com/office/powerpoint/2010/main" val="1192574315"/>
+              </p:ext>
+            </p:extLst>
+          </p:nvPr>
+        </p:nvGraphicFramePr>
+        <p:xfrm>
+          <a:off x="95693" y="165817"/>
+          <a:ext cx="1329070" cy="1490816"/>
+        </p:xfrm>
+        <a:graphic>
+          <a:graphicData uri="http://schemas.openxmlformats.org/drawingml/2006/table">
+            <a:tbl>
+              <a:tblPr firstRow="1" bandRow="1">
+                <a:tableStyleId>{5940675A-B579-460E-94D1-54222C63F5DA}</a:tableStyleId>
+              </a:tblPr>
+              <a:tblGrid>
+                <a:gridCol w="312725">
+                  <a:extLst>
+                    <a:ext uri="{9D8B030D-6E8A-4147-A177-3AD203B41FA5}">
+                      <a16:colId xmlns:a16="http://schemas.microsoft.com/office/drawing/2014/main" val="2256347462"/>
+                    </a:ext>
+                  </a:extLst>
+                </a:gridCol>
+                <a:gridCol w="1016345">
+                  <a:extLst>
+                    <a:ext uri="{9D8B030D-6E8A-4147-A177-3AD203B41FA5}">
+                      <a16:colId xmlns:a16="http://schemas.microsoft.com/office/drawing/2014/main" val="1000086060"/>
+                    </a:ext>
+                  </a:extLst>
+                </a:gridCol>
+              </a:tblGrid>
+              <a:tr h="372704">
+                <a:tc>
+                  <a:txBody>
+                    <a:bodyPr/>
+                    <a:lstStyle/>
+                    <a:p>
+                      <a:r>
+                        <a:rPr lang="en-US" sz="1800" kern="1200" dirty="0">
+                          <a:solidFill>
+                            <a:srgbClr val="B71E56"/>
+                          </a:solidFill>
+                          <a:latin typeface="+mj-lt"/>
+                          <a:ea typeface="+mn-ea"/>
+                          <a:cs typeface="+mn-cs"/>
+                        </a:rPr>
+                        <a:t>Q</a:t>
+                      </a:r>
+                      <a:endParaRPr lang="en-US" sz="1800" dirty="0">
+                        <a:latin typeface="+mj-lt"/>
+                      </a:endParaRPr>
+                    </a:p>
+                  </a:txBody>
+                  <a:tcPr/>
+                </a:tc>
+                <a:tc>
+                  <a:txBody>
+                    <a:bodyPr/>
+                    <a:lstStyle/>
+                    <a:p>
+                      <a:r>
+                        <a:rPr lang="en-US" sz="1800" kern="1200" dirty="0">
+                          <a:solidFill>
+                            <a:srgbClr val="B71E56"/>
+                          </a:solidFill>
+                          <a:latin typeface="+mj-lt"/>
+                          <a:ea typeface="+mn-ea"/>
+                          <a:cs typeface="+mn-cs"/>
+                        </a:rPr>
+                        <a:t>Query</a:t>
+                      </a:r>
+                      <a:endParaRPr lang="en-US" sz="1800" dirty="0">
+                        <a:latin typeface="+mj-lt"/>
+                      </a:endParaRPr>
+                    </a:p>
+                  </a:txBody>
+                  <a:tcPr/>
+                </a:tc>
+                <a:extLst>
+                  <a:ext uri="{0D108BD9-81ED-4DB2-BD59-A6C34878D82A}">
+                    <a16:rowId xmlns:a16="http://schemas.microsoft.com/office/drawing/2014/main" val="1110988348"/>
+                  </a:ext>
+                </a:extLst>
+              </a:tr>
+              <a:tr h="372704">
+                <a:tc>
+                  <a:txBody>
+                    <a:bodyPr/>
+                    <a:lstStyle/>
+                    <a:p>
+                      <a:r>
+                        <a:rPr lang="en-US" sz="1800" kern="1200" dirty="0">
+                          <a:solidFill>
+                            <a:srgbClr val="2D83B7"/>
+                          </a:solidFill>
+                          <a:latin typeface="+mj-lt"/>
+                          <a:ea typeface="+mn-ea"/>
+                          <a:cs typeface="+mn-cs"/>
+                        </a:rPr>
+                        <a:t>K</a:t>
+                      </a:r>
+                      <a:endParaRPr lang="en-US" sz="1800" dirty="0">
+                        <a:latin typeface="+mj-lt"/>
+                      </a:endParaRPr>
+                    </a:p>
+                  </a:txBody>
+                  <a:tcPr/>
+                </a:tc>
+                <a:tc>
+                  <a:txBody>
+                    <a:bodyPr/>
+                    <a:lstStyle/>
+                    <a:p>
+                      <a:r>
+                        <a:rPr lang="en-US" sz="1800" kern="1200" dirty="0">
+                          <a:solidFill>
+                            <a:srgbClr val="2D83B7"/>
+                          </a:solidFill>
+                          <a:latin typeface="+mj-lt"/>
+                          <a:ea typeface="+mn-ea"/>
+                          <a:cs typeface="+mn-cs"/>
+                        </a:rPr>
+                        <a:t>Key </a:t>
+                      </a:r>
+                      <a:endParaRPr lang="en-US" sz="1800" dirty="0">
+                        <a:latin typeface="+mj-lt"/>
+                      </a:endParaRPr>
+                    </a:p>
+                  </a:txBody>
+                  <a:tcPr/>
+                </a:tc>
+                <a:extLst>
+                  <a:ext uri="{0D108BD9-81ED-4DB2-BD59-A6C34878D82A}">
+                    <a16:rowId xmlns:a16="http://schemas.microsoft.com/office/drawing/2014/main" val="1982827846"/>
+                  </a:ext>
+                </a:extLst>
+              </a:tr>
+              <a:tr h="372704">
+                <a:tc>
+                  <a:txBody>
+                    <a:bodyPr/>
+                    <a:lstStyle/>
+                    <a:p>
+                      <a:r>
+                        <a:rPr lang="en-US" sz="1800" kern="1200" dirty="0">
+                          <a:solidFill>
+                            <a:srgbClr val="319F48"/>
+                          </a:solidFill>
+                          <a:latin typeface="+mj-lt"/>
+                          <a:ea typeface="+mn-ea"/>
+                          <a:cs typeface="+mn-cs"/>
+                        </a:rPr>
+                        <a:t>V </a:t>
+                      </a:r>
+                      <a:endParaRPr lang="en-US" sz="1800" dirty="0">
+                        <a:latin typeface="+mj-lt"/>
+                      </a:endParaRPr>
+                    </a:p>
+                  </a:txBody>
+                  <a:tcPr/>
+                </a:tc>
+                <a:tc>
+                  <a:txBody>
+                    <a:bodyPr/>
+                    <a:lstStyle/>
+                    <a:p>
+                      <a:r>
+                        <a:rPr lang="en-US" sz="1800" kern="1200" dirty="0">
+                          <a:solidFill>
+                            <a:srgbClr val="319F48"/>
+                          </a:solidFill>
+                          <a:latin typeface="+mj-lt"/>
+                          <a:ea typeface="+mn-ea"/>
+                          <a:cs typeface="+mn-cs"/>
+                        </a:rPr>
+                        <a:t>Value</a:t>
+                      </a:r>
+                      <a:endParaRPr lang="en-US" sz="1800" dirty="0">
+                        <a:latin typeface="+mj-lt"/>
+                      </a:endParaRPr>
+                    </a:p>
+                  </a:txBody>
+                  <a:tcPr/>
+                </a:tc>
+                <a:extLst>
+                  <a:ext uri="{0D108BD9-81ED-4DB2-BD59-A6C34878D82A}">
+                    <a16:rowId xmlns:a16="http://schemas.microsoft.com/office/drawing/2014/main" val="2431682978"/>
+                  </a:ext>
+                </a:extLst>
+              </a:tr>
+              <a:tr h="372704">
+                <a:tc>
+                  <a:txBody>
+                    <a:bodyPr/>
+                    <a:lstStyle/>
+                    <a:p>
+                      <a:r>
+                        <a:rPr lang="en-US" sz="1800" kern="1200" dirty="0">
+                          <a:solidFill>
+                            <a:srgbClr val="93742C"/>
+                          </a:solidFill>
+                          <a:latin typeface="+mj-lt"/>
+                          <a:ea typeface="+mn-ea"/>
+                          <a:cs typeface="+mn-cs"/>
+                        </a:rPr>
+                        <a:t>S</a:t>
+                      </a:r>
+                      <a:endParaRPr lang="en-US" sz="1800" dirty="0">
+                        <a:latin typeface="+mj-lt"/>
+                      </a:endParaRPr>
+                    </a:p>
+                  </a:txBody>
+                  <a:tcPr/>
+                </a:tc>
+                <a:tc>
+                  <a:txBody>
+                    <a:bodyPr/>
+                    <a:lstStyle/>
+                    <a:p>
+                      <a:r>
+                        <a:rPr lang="en-US" sz="1800" kern="1200" dirty="0">
+                          <a:solidFill>
+                            <a:srgbClr val="93742C"/>
+                          </a:solidFill>
+                          <a:latin typeface="+mj-lt"/>
+                          <a:ea typeface="+mn-ea"/>
+                          <a:cs typeface="+mn-cs"/>
+                        </a:rPr>
+                        <a:t>Score</a:t>
+                      </a:r>
+                      <a:endParaRPr lang="en-US" sz="1800" dirty="0">
+                        <a:latin typeface="+mj-lt"/>
+                      </a:endParaRPr>
+                    </a:p>
+                  </a:txBody>
+                  <a:tcPr/>
+                </a:tc>
+                <a:extLst>
+                  <a:ext uri="{0D108BD9-81ED-4DB2-BD59-A6C34878D82A}">
+                    <a16:rowId xmlns:a16="http://schemas.microsoft.com/office/drawing/2014/main" val="3072527918"/>
+                  </a:ext>
+                </a:extLst>
+              </a:tr>
+            </a:tbl>
+          </a:graphicData>
+        </a:graphic>
+      </p:graphicFrame>
     </p:spTree>
     <p:extLst>
       <p:ext uri="{BB962C8B-B14F-4D97-AF65-F5344CB8AC3E}">
@@ -13943,6 +14476,238 @@
           <a:chExt cx="0" cy="0"/>
         </a:xfrm>
       </p:grpSpPr>
+      <p:graphicFrame>
+        <p:nvGraphicFramePr>
+          <p:cNvPr id="5" name="Table 9">
+            <a:extLst>
+              <a:ext uri="{FF2B5EF4-FFF2-40B4-BE49-F238E27FC236}">
+                <a16:creationId xmlns:a16="http://schemas.microsoft.com/office/drawing/2014/main" id="{9D3B2F6A-46F7-1C86-D227-A582C76F5E52}"/>
+              </a:ext>
+            </a:extLst>
+          </p:cNvPr>
+          <p:cNvGraphicFramePr>
+            <a:graphicFrameLocks noGrp="1"/>
+          </p:cNvGraphicFramePr>
+          <p:nvPr>
+            <p:extLst>
+              <p:ext uri="{D42A27DB-BD31-4B8C-83A1-F6EECF244321}">
+                <p14:modId xmlns:p14="http://schemas.microsoft.com/office/powerpoint/2010/main" val="1284978604"/>
+              </p:ext>
+            </p:extLst>
+          </p:nvPr>
+        </p:nvGraphicFramePr>
+        <p:xfrm>
+          <a:off x="2912618" y="4745152"/>
+          <a:ext cx="6366764" cy="1483360"/>
+        </p:xfrm>
+        <a:graphic>
+          <a:graphicData uri="http://schemas.openxmlformats.org/drawingml/2006/table">
+            <a:tbl>
+              <a:tblPr firstRow="1" bandRow="1">
+                <a:tableStyleId>{5940675A-B579-460E-94D1-54222C63F5DA}</a:tableStyleId>
+              </a:tblPr>
+              <a:tblGrid>
+                <a:gridCol w="359734">
+                  <a:extLst>
+                    <a:ext uri="{9D8B030D-6E8A-4147-A177-3AD203B41FA5}">
+                      <a16:colId xmlns:a16="http://schemas.microsoft.com/office/drawing/2014/main" val="2256347462"/>
+                    </a:ext>
+                  </a:extLst>
+                </a:gridCol>
+                <a:gridCol w="1836858">
+                  <a:extLst>
+                    <a:ext uri="{9D8B030D-6E8A-4147-A177-3AD203B41FA5}">
+                      <a16:colId xmlns:a16="http://schemas.microsoft.com/office/drawing/2014/main" val="1000086060"/>
+                    </a:ext>
+                  </a:extLst>
+                </a:gridCol>
+                <a:gridCol w="4170172">
+                  <a:extLst>
+                    <a:ext uri="{9D8B030D-6E8A-4147-A177-3AD203B41FA5}">
+                      <a16:colId xmlns:a16="http://schemas.microsoft.com/office/drawing/2014/main" val="3581881627"/>
+                    </a:ext>
+                  </a:extLst>
+                </a:gridCol>
+              </a:tblGrid>
+              <a:tr h="370840">
+                <a:tc>
+                  <a:txBody>
+                    <a:bodyPr/>
+                    <a:lstStyle/>
+                    <a:p>
+                      <a:endParaRPr lang="en-US" sz="1800" dirty="0">
+                        <a:latin typeface="+mj-lt"/>
+                      </a:endParaRPr>
+                    </a:p>
+                  </a:txBody>
+                  <a:tcPr/>
+                </a:tc>
+                <a:tc>
+                  <a:txBody>
+                    <a:bodyPr/>
+                    <a:lstStyle/>
+                    <a:p>
+                      <a:r>
+                        <a:rPr lang="en-US" sz="1800" dirty="0">
+                          <a:latin typeface="+mj-lt"/>
+                        </a:rPr>
+                        <a:t>  </a:t>
+                      </a:r>
+                    </a:p>
+                  </a:txBody>
+                  <a:tcPr/>
+                </a:tc>
+                <a:tc>
+                  <a:txBody>
+                    <a:bodyPr/>
+                    <a:lstStyle/>
+                    <a:p>
+                      <a:endParaRPr lang="en-US" sz="1800" dirty="0">
+                        <a:latin typeface="+mj-lt"/>
+                      </a:endParaRPr>
+                    </a:p>
+                  </a:txBody>
+                  <a:tcPr/>
+                </a:tc>
+                <a:extLst>
+                  <a:ext uri="{0D108BD9-81ED-4DB2-BD59-A6C34878D82A}">
+                    <a16:rowId xmlns:a16="http://schemas.microsoft.com/office/drawing/2014/main" val="1110988348"/>
+                  </a:ext>
+                </a:extLst>
+              </a:tr>
+              <a:tr h="370840">
+                <a:tc>
+                  <a:txBody>
+                    <a:bodyPr/>
+                    <a:lstStyle/>
+                    <a:p>
+                      <a:endParaRPr lang="en-US" sz="1800" dirty="0">
+                        <a:latin typeface="+mj-lt"/>
+                      </a:endParaRPr>
+                    </a:p>
+                  </a:txBody>
+                  <a:tcPr/>
+                </a:tc>
+                <a:tc>
+                  <a:txBody>
+                    <a:bodyPr/>
+                    <a:lstStyle/>
+                    <a:p>
+                      <a:endParaRPr lang="en-US" sz="1800" dirty="0">
+                        <a:latin typeface="+mj-lt"/>
+                      </a:endParaRPr>
+                    </a:p>
+                  </a:txBody>
+                  <a:tcPr/>
+                </a:tc>
+                <a:tc>
+                  <a:txBody>
+                    <a:bodyPr/>
+                    <a:lstStyle/>
+                    <a:p>
+                      <a:endParaRPr lang="en-US" sz="1800" dirty="0">
+                        <a:latin typeface="+mj-lt"/>
+                      </a:endParaRPr>
+                    </a:p>
+                  </a:txBody>
+                  <a:tcPr/>
+                </a:tc>
+                <a:extLst>
+                  <a:ext uri="{0D108BD9-81ED-4DB2-BD59-A6C34878D82A}">
+                    <a16:rowId xmlns:a16="http://schemas.microsoft.com/office/drawing/2014/main" val="1982827846"/>
+                  </a:ext>
+                </a:extLst>
+              </a:tr>
+              <a:tr h="370840">
+                <a:tc>
+                  <a:txBody>
+                    <a:bodyPr/>
+                    <a:lstStyle/>
+                    <a:p>
+                      <a:endParaRPr lang="en-US" sz="1800" dirty="0">
+                        <a:latin typeface="+mj-lt"/>
+                      </a:endParaRPr>
+                    </a:p>
+                  </a:txBody>
+                  <a:tcPr/>
+                </a:tc>
+                <a:tc>
+                  <a:txBody>
+                    <a:bodyPr/>
+                    <a:lstStyle/>
+                    <a:p>
+                      <a:endParaRPr lang="en-US" sz="1800" dirty="0">
+                        <a:latin typeface="+mj-lt"/>
+                      </a:endParaRPr>
+                    </a:p>
+                  </a:txBody>
+                  <a:tcPr/>
+                </a:tc>
+                <a:tc>
+                  <a:txBody>
+                    <a:bodyPr/>
+                    <a:lstStyle/>
+                    <a:p>
+                      <a:endParaRPr lang="en-US" sz="1800" dirty="0">
+                        <a:latin typeface="+mj-lt"/>
+                      </a:endParaRPr>
+                    </a:p>
+                  </a:txBody>
+                  <a:tcPr/>
+                </a:tc>
+                <a:extLst>
+                  <a:ext uri="{0D108BD9-81ED-4DB2-BD59-A6C34878D82A}">
+                    <a16:rowId xmlns:a16="http://schemas.microsoft.com/office/drawing/2014/main" val="2431682978"/>
+                  </a:ext>
+                </a:extLst>
+              </a:tr>
+              <a:tr h="370840">
+                <a:tc>
+                  <a:txBody>
+                    <a:bodyPr/>
+                    <a:lstStyle/>
+                    <a:p>
+                      <a:endParaRPr lang="en-US" sz="1800" dirty="0">
+                        <a:latin typeface="+mj-lt"/>
+                      </a:endParaRPr>
+                    </a:p>
+                  </a:txBody>
+                  <a:tcPr/>
+                </a:tc>
+                <a:tc>
+                  <a:txBody>
+                    <a:bodyPr/>
+                    <a:lstStyle/>
+                    <a:p>
+                      <a:endParaRPr lang="en-US" sz="1800" dirty="0">
+                        <a:latin typeface="+mj-lt"/>
+                      </a:endParaRPr>
+                    </a:p>
+                  </a:txBody>
+                  <a:tcPr/>
+                </a:tc>
+                <a:tc>
+                  <a:txBody>
+                    <a:bodyPr/>
+                    <a:lstStyle/>
+                    <a:p>
+                      <a:endParaRPr lang="en-US" sz="1800" dirty="0">
+                        <a:latin typeface="+mj-lt"/>
+                      </a:endParaRPr>
+                    </a:p>
+                  </a:txBody>
+                  <a:tcPr/>
+                </a:tc>
+                <a:extLst>
+                  <a:ext uri="{0D108BD9-81ED-4DB2-BD59-A6C34878D82A}">
+                    <a16:rowId xmlns:a16="http://schemas.microsoft.com/office/drawing/2014/main" val="3072527918"/>
+                  </a:ext>
+                </a:extLst>
+              </a:tr>
+            </a:tbl>
+          </a:graphicData>
+        </a:graphic>
+      </p:graphicFrame>
       <p:pic>
         <p:nvPicPr>
           <p:cNvPr id="8" name="Picture 7">
@@ -13965,7 +14730,7 @@
         </p:blipFill>
         <p:spPr>
           <a:xfrm>
-            <a:off x="2755900" y="1450975"/>
+            <a:off x="2599182" y="684019"/>
             <a:ext cx="6680200" cy="3956050"/>
           </a:xfrm>
           <a:prstGeom prst="rect">
@@ -14094,6 +14859,166 @@
           </a:p>
         </p:txBody>
       </p:sp>
+      <p:sp>
+        <p:nvSpPr>
+          <p:cNvPr id="2" name="TextBox 1">
+            <a:extLst>
+              <a:ext uri="{FF2B5EF4-FFF2-40B4-BE49-F238E27FC236}">
+                <a16:creationId xmlns:a16="http://schemas.microsoft.com/office/drawing/2014/main" id="{8C44E7D6-BDFB-9B44-75E1-C06FEE046370}"/>
+              </a:ext>
+            </a:extLst>
+          </p:cNvPr>
+          <p:cNvSpPr txBox="1"/>
+          <p:nvPr/>
+        </p:nvSpPr>
+        <p:spPr>
+          <a:xfrm>
+            <a:off x="2912618" y="4721406"/>
+            <a:ext cx="6871462" cy="400110"/>
+          </a:xfrm>
+          <a:prstGeom prst="rect">
+            <a:avLst/>
+          </a:prstGeom>
+          <a:noFill/>
+        </p:spPr>
+        <p:txBody>
+          <a:bodyPr wrap="square" rtlCol="0">
+            <a:spAutoFit/>
+          </a:bodyPr>
+          <a:lstStyle/>
+          <a:p>
+            <a:r>
+              <a:rPr lang="en-US" sz="2000" dirty="0">
+                <a:solidFill>
+                  <a:srgbClr val="B71E56"/>
+                </a:solidFill>
+                <a:latin typeface="+mj-lt"/>
+              </a:rPr>
+              <a:t>Q   Query                     “Light yellow with a bit of dark orange.”</a:t>
+            </a:r>
+          </a:p>
+        </p:txBody>
+      </p:sp>
+      <p:sp>
+        <p:nvSpPr>
+          <p:cNvPr id="6" name="TextBox 5">
+            <a:extLst>
+              <a:ext uri="{FF2B5EF4-FFF2-40B4-BE49-F238E27FC236}">
+                <a16:creationId xmlns:a16="http://schemas.microsoft.com/office/drawing/2014/main" id="{E735C817-FD14-EB41-A765-EAA475C651EB}"/>
+              </a:ext>
+            </a:extLst>
+          </p:cNvPr>
+          <p:cNvSpPr txBox="1"/>
+          <p:nvPr/>
+        </p:nvSpPr>
+        <p:spPr>
+          <a:xfrm>
+            <a:off x="2912618" y="5098152"/>
+            <a:ext cx="6366764" cy="400110"/>
+          </a:xfrm>
+          <a:prstGeom prst="rect">
+            <a:avLst/>
+          </a:prstGeom>
+          <a:noFill/>
+        </p:spPr>
+        <p:txBody>
+          <a:bodyPr wrap="square" rtlCol="0">
+            <a:spAutoFit/>
+          </a:bodyPr>
+          <a:lstStyle/>
+          <a:p>
+            <a:r>
+              <a:rPr lang="en-US" sz="2000" dirty="0">
+                <a:solidFill>
+                  <a:srgbClr val="2D83B7"/>
+                </a:solidFill>
+                <a:latin typeface="+mj-lt"/>
+              </a:rPr>
+              <a:t>K    Key                          Descriptive label on each can of paint</a:t>
+            </a:r>
+          </a:p>
+        </p:txBody>
+      </p:sp>
+      <p:sp>
+        <p:nvSpPr>
+          <p:cNvPr id="7" name="TextBox 6">
+            <a:extLst>
+              <a:ext uri="{FF2B5EF4-FFF2-40B4-BE49-F238E27FC236}">
+                <a16:creationId xmlns:a16="http://schemas.microsoft.com/office/drawing/2014/main" id="{468E326E-8F80-D8C8-9621-E2EB3315D23B}"/>
+              </a:ext>
+            </a:extLst>
+          </p:cNvPr>
+          <p:cNvSpPr txBox="1"/>
+          <p:nvPr/>
+        </p:nvSpPr>
+        <p:spPr>
+          <a:xfrm>
+            <a:off x="2912618" y="5468450"/>
+            <a:ext cx="6366764" cy="400110"/>
+          </a:xfrm>
+          <a:prstGeom prst="rect">
+            <a:avLst/>
+          </a:prstGeom>
+          <a:noFill/>
+        </p:spPr>
+        <p:txBody>
+          <a:bodyPr wrap="square" rtlCol="0">
+            <a:spAutoFit/>
+          </a:bodyPr>
+          <a:lstStyle/>
+          <a:p>
+            <a:r>
+              <a:rPr lang="en-US" sz="2000" dirty="0">
+                <a:solidFill>
+                  <a:srgbClr val="319F48"/>
+                </a:solidFill>
+                <a:latin typeface="+mj-lt"/>
+              </a:rPr>
+              <a:t>V    Value                      Actual contents of each can of paint</a:t>
+            </a:r>
+          </a:p>
+        </p:txBody>
+      </p:sp>
+      <p:sp>
+        <p:nvSpPr>
+          <p:cNvPr id="9" name="TextBox 8">
+            <a:extLst>
+              <a:ext uri="{FF2B5EF4-FFF2-40B4-BE49-F238E27FC236}">
+                <a16:creationId xmlns:a16="http://schemas.microsoft.com/office/drawing/2014/main" id="{5C0CD4CE-95F4-4C94-3760-980CBEBDD9F3}"/>
+              </a:ext>
+            </a:extLst>
+          </p:cNvPr>
+          <p:cNvSpPr txBox="1"/>
+          <p:nvPr/>
+        </p:nvSpPr>
+        <p:spPr>
+          <a:xfrm>
+            <a:off x="2912618" y="5855246"/>
+            <a:ext cx="6366764" cy="407062"/>
+          </a:xfrm>
+          <a:prstGeom prst="rect">
+            <a:avLst/>
+          </a:prstGeom>
+          <a:noFill/>
+        </p:spPr>
+        <p:txBody>
+          <a:bodyPr wrap="square" rtlCol="0">
+            <a:spAutoFit/>
+          </a:bodyPr>
+          <a:lstStyle/>
+          <a:p>
+            <a:r>
+              <a:rPr lang="en-US" sz="2000" dirty="0">
+                <a:solidFill>
+                  <a:srgbClr val="93742C"/>
+                </a:solidFill>
+                <a:latin typeface="+mj-lt"/>
+              </a:rPr>
+              <a:t>S    Scoring Function  How much (V) to include</a:t>
+            </a:r>
+          </a:p>
+        </p:txBody>
+      </p:sp>
     </p:spTree>
     <p:extLst>
       <p:ext uri="{BB962C8B-B14F-4D97-AF65-F5344CB8AC3E}">
@@ -14104,6 +15029,200 @@
   <p:clrMapOvr>
     <a:masterClrMapping/>
   </p:clrMapOvr>
+  <p:timing>
+    <p:tnLst>
+      <p:par>
+        <p:cTn id="1" dur="indefinite" restart="never" nodeType="tmRoot">
+          <p:childTnLst>
+            <p:seq concurrent="1" nextAc="seek">
+              <p:cTn id="2" dur="indefinite" nodeType="mainSeq">
+                <p:childTnLst>
+                  <p:par>
+                    <p:cTn id="3" fill="hold">
+                      <p:stCondLst>
+                        <p:cond delay="indefinite"/>
+                      </p:stCondLst>
+                      <p:childTnLst>
+                        <p:par>
+                          <p:cTn id="4" fill="hold">
+                            <p:stCondLst>
+                              <p:cond delay="0"/>
+                            </p:stCondLst>
+                            <p:childTnLst>
+                              <p:par>
+                                <p:cTn id="5" presetID="10" presetClass="entr" presetSubtype="0" fill="hold" grpId="0" nodeType="clickEffect">
+                                  <p:stCondLst>
+                                    <p:cond delay="0"/>
+                                  </p:stCondLst>
+                                  <p:childTnLst>
+                                    <p:set>
+                                      <p:cBhvr>
+                                        <p:cTn id="6" dur="1" fill="hold">
+                                          <p:stCondLst>
+                                            <p:cond delay="0"/>
+                                          </p:stCondLst>
+                                        </p:cTn>
+                                        <p:tgtEl>
+                                          <p:spTgt spid="2"/>
+                                        </p:tgtEl>
+                                        <p:attrNameLst>
+                                          <p:attrName>style.visibility</p:attrName>
+                                        </p:attrNameLst>
+                                      </p:cBhvr>
+                                      <p:to>
+                                        <p:strVal val="visible"/>
+                                      </p:to>
+                                    </p:set>
+                                    <p:animEffect transition="in" filter="fade">
+                                      <p:cBhvr>
+                                        <p:cTn id="7" dur="500"/>
+                                        <p:tgtEl>
+                                          <p:spTgt spid="2"/>
+                                        </p:tgtEl>
+                                      </p:cBhvr>
+                                    </p:animEffect>
+                                  </p:childTnLst>
+                                </p:cTn>
+                              </p:par>
+                            </p:childTnLst>
+                          </p:cTn>
+                        </p:par>
+                      </p:childTnLst>
+                    </p:cTn>
+                  </p:par>
+                  <p:par>
+                    <p:cTn id="8" fill="hold">
+                      <p:stCondLst>
+                        <p:cond delay="indefinite"/>
+                      </p:stCondLst>
+                      <p:childTnLst>
+                        <p:par>
+                          <p:cTn id="9" fill="hold">
+                            <p:stCondLst>
+                              <p:cond delay="0"/>
+                            </p:stCondLst>
+                            <p:childTnLst>
+                              <p:par>
+                                <p:cTn id="10" presetID="10" presetClass="entr" presetSubtype="0" fill="hold" grpId="0" nodeType="clickEffect">
+                                  <p:stCondLst>
+                                    <p:cond delay="0"/>
+                                  </p:stCondLst>
+                                  <p:childTnLst>
+                                    <p:set>
+                                      <p:cBhvr>
+                                        <p:cTn id="11" dur="1" fill="hold">
+                                          <p:stCondLst>
+                                            <p:cond delay="0"/>
+                                          </p:stCondLst>
+                                        </p:cTn>
+                                        <p:tgtEl>
+                                          <p:spTgt spid="6"/>
+                                        </p:tgtEl>
+                                        <p:attrNameLst>
+                                          <p:attrName>style.visibility</p:attrName>
+                                        </p:attrNameLst>
+                                      </p:cBhvr>
+                                      <p:to>
+                                        <p:strVal val="visible"/>
+                                      </p:to>
+                                    </p:set>
+                                    <p:animEffect transition="in" filter="fade">
+                                      <p:cBhvr>
+                                        <p:cTn id="12" dur="500"/>
+                                        <p:tgtEl>
+                                          <p:spTgt spid="6"/>
+                                        </p:tgtEl>
+                                      </p:cBhvr>
+                                    </p:animEffect>
+                                  </p:childTnLst>
+                                </p:cTn>
+                              </p:par>
+                            </p:childTnLst>
+                          </p:cTn>
+                        </p:par>
+                      </p:childTnLst>
+                    </p:cTn>
+                  </p:par>
+                  <p:par>
+                    <p:cTn id="13" fill="hold">
+                      <p:stCondLst>
+                        <p:cond delay="indefinite"/>
+                      </p:stCondLst>
+                      <p:childTnLst>
+                        <p:par>
+                          <p:cTn id="14" fill="hold">
+                            <p:stCondLst>
+                              <p:cond delay="0"/>
+                            </p:stCondLst>
+                            <p:childTnLst>
+                              <p:par>
+                                <p:cTn id="15" presetID="10" presetClass="entr" presetSubtype="0" fill="hold" grpId="0" nodeType="clickEffect">
+                                  <p:stCondLst>
+                                    <p:cond delay="0"/>
+                                  </p:stCondLst>
+                                  <p:childTnLst>
+                                    <p:set>
+                                      <p:cBhvr>
+                                        <p:cTn id="16" dur="1" fill="hold">
+                                          <p:stCondLst>
+                                            <p:cond delay="0"/>
+                                          </p:stCondLst>
+                                        </p:cTn>
+                                        <p:tgtEl>
+                                          <p:spTgt spid="7"/>
+                                        </p:tgtEl>
+                                        <p:attrNameLst>
+                                          <p:attrName>style.visibility</p:attrName>
+                                        </p:attrNameLst>
+                                      </p:cBhvr>
+                                      <p:to>
+                                        <p:strVal val="visible"/>
+                                      </p:to>
+                                    </p:set>
+                                    <p:animEffect transition="in" filter="fade">
+                                      <p:cBhvr>
+                                        <p:cTn id="17" dur="500"/>
+                                        <p:tgtEl>
+                                          <p:spTgt spid="7"/>
+                                        </p:tgtEl>
+                                      </p:cBhvr>
+                                    </p:animEffect>
+                                  </p:childTnLst>
+                                </p:cTn>
+                              </p:par>
+                            </p:childTnLst>
+                          </p:cTn>
+                        </p:par>
+                      </p:childTnLst>
+                    </p:cTn>
+                  </p:par>
+                </p:childTnLst>
+              </p:cTn>
+              <p:prevCondLst>
+                <p:cond evt="onPrev" delay="0">
+                  <p:tgtEl>
+                    <p:sldTgt/>
+                  </p:tgtEl>
+                </p:cond>
+              </p:prevCondLst>
+              <p:nextCondLst>
+                <p:cond evt="onNext" delay="0">
+                  <p:tgtEl>
+                    <p:sldTgt/>
+                  </p:tgtEl>
+                </p:cond>
+              </p:nextCondLst>
+            </p:seq>
+          </p:childTnLst>
+        </p:cTn>
+      </p:par>
+    </p:tnLst>
+    <p:bldLst>
+      <p:bldP spid="2" grpId="0"/>
+      <p:bldP spid="6" grpId="0"/>
+      <p:bldP spid="7" grpId="0"/>
+    </p:bldLst>
+  </p:timing>
 </p:sld>
 </file>
 
@@ -14275,6 +15394,268 @@
           </a:p>
         </p:txBody>
       </p:sp>
+      <p:graphicFrame>
+        <p:nvGraphicFramePr>
+          <p:cNvPr id="4" name="Table 9">
+            <a:extLst>
+              <a:ext uri="{FF2B5EF4-FFF2-40B4-BE49-F238E27FC236}">
+                <a16:creationId xmlns:a16="http://schemas.microsoft.com/office/drawing/2014/main" id="{EFAB8484-6E24-E1E1-E5FC-2F1D9BF87144}"/>
+              </a:ext>
+            </a:extLst>
+          </p:cNvPr>
+          <p:cNvGraphicFramePr>
+            <a:graphicFrameLocks noGrp="1"/>
+          </p:cNvGraphicFramePr>
+          <p:nvPr>
+            <p:extLst>
+              <p:ext uri="{D42A27DB-BD31-4B8C-83A1-F6EECF244321}">
+                <p14:modId xmlns:p14="http://schemas.microsoft.com/office/powerpoint/2010/main" val="1806287279"/>
+              </p:ext>
+            </p:extLst>
+          </p:nvPr>
+        </p:nvGraphicFramePr>
+        <p:xfrm>
+          <a:off x="95693" y="165817"/>
+          <a:ext cx="1329070" cy="1490816"/>
+        </p:xfrm>
+        <a:graphic>
+          <a:graphicData uri="http://schemas.openxmlformats.org/drawingml/2006/table">
+            <a:tbl>
+              <a:tblPr firstRow="1" bandRow="1">
+                <a:tableStyleId>{5940675A-B579-460E-94D1-54222C63F5DA}</a:tableStyleId>
+              </a:tblPr>
+              <a:tblGrid>
+                <a:gridCol w="312725">
+                  <a:extLst>
+                    <a:ext uri="{9D8B030D-6E8A-4147-A177-3AD203B41FA5}">
+                      <a16:colId xmlns:a16="http://schemas.microsoft.com/office/drawing/2014/main" val="2256347462"/>
+                    </a:ext>
+                  </a:extLst>
+                </a:gridCol>
+                <a:gridCol w="1016345">
+                  <a:extLst>
+                    <a:ext uri="{9D8B030D-6E8A-4147-A177-3AD203B41FA5}">
+                      <a16:colId xmlns:a16="http://schemas.microsoft.com/office/drawing/2014/main" val="1000086060"/>
+                    </a:ext>
+                  </a:extLst>
+                </a:gridCol>
+              </a:tblGrid>
+              <a:tr h="372704">
+                <a:tc>
+                  <a:txBody>
+                    <a:bodyPr/>
+                    <a:lstStyle/>
+                    <a:p>
+                      <a:r>
+                        <a:rPr lang="en-US" sz="1800" kern="1200" dirty="0">
+                          <a:solidFill>
+                            <a:srgbClr val="B71E56"/>
+                          </a:solidFill>
+                          <a:latin typeface="+mj-lt"/>
+                          <a:ea typeface="+mn-ea"/>
+                          <a:cs typeface="+mn-cs"/>
+                        </a:rPr>
+                        <a:t>Q</a:t>
+                      </a:r>
+                      <a:endParaRPr lang="en-US" sz="1800" dirty="0">
+                        <a:latin typeface="+mj-lt"/>
+                      </a:endParaRPr>
+                    </a:p>
+                  </a:txBody>
+                  <a:tcPr/>
+                </a:tc>
+                <a:tc>
+                  <a:txBody>
+                    <a:bodyPr/>
+                    <a:lstStyle/>
+                    <a:p>
+                      <a:r>
+                        <a:rPr lang="en-US" sz="1800" kern="1200" dirty="0">
+                          <a:solidFill>
+                            <a:srgbClr val="B71E56"/>
+                          </a:solidFill>
+                          <a:latin typeface="+mj-lt"/>
+                          <a:ea typeface="+mn-ea"/>
+                          <a:cs typeface="+mn-cs"/>
+                        </a:rPr>
+                        <a:t>Query</a:t>
+                      </a:r>
+                      <a:endParaRPr lang="en-US" sz="1800" dirty="0">
+                        <a:latin typeface="+mj-lt"/>
+                      </a:endParaRPr>
+                    </a:p>
+                  </a:txBody>
+                  <a:tcPr/>
+                </a:tc>
+                <a:extLst>
+                  <a:ext uri="{0D108BD9-81ED-4DB2-BD59-A6C34878D82A}">
+                    <a16:rowId xmlns:a16="http://schemas.microsoft.com/office/drawing/2014/main" val="1110988348"/>
+                  </a:ext>
+                </a:extLst>
+              </a:tr>
+              <a:tr h="372704">
+                <a:tc>
+                  <a:txBody>
+                    <a:bodyPr/>
+                    <a:lstStyle/>
+                    <a:p>
+                      <a:r>
+                        <a:rPr lang="en-US" sz="1800" kern="1200" dirty="0">
+                          <a:solidFill>
+                            <a:srgbClr val="2D83B7"/>
+                          </a:solidFill>
+                          <a:latin typeface="+mj-lt"/>
+                          <a:ea typeface="+mn-ea"/>
+                          <a:cs typeface="+mn-cs"/>
+                        </a:rPr>
+                        <a:t>K</a:t>
+                      </a:r>
+                      <a:endParaRPr lang="en-US" sz="1800" dirty="0">
+                        <a:latin typeface="+mj-lt"/>
+                      </a:endParaRPr>
+                    </a:p>
+                  </a:txBody>
+                  <a:tcPr/>
+                </a:tc>
+                <a:tc>
+                  <a:txBody>
+                    <a:bodyPr/>
+                    <a:lstStyle/>
+                    <a:p>
+                      <a:r>
+                        <a:rPr lang="en-US" sz="1800" kern="1200" dirty="0">
+                          <a:solidFill>
+                            <a:srgbClr val="2D83B7"/>
+                          </a:solidFill>
+                          <a:latin typeface="+mj-lt"/>
+                          <a:ea typeface="+mn-ea"/>
+                          <a:cs typeface="+mn-cs"/>
+                        </a:rPr>
+                        <a:t>Key </a:t>
+                      </a:r>
+                      <a:endParaRPr lang="en-US" sz="1800" dirty="0">
+                        <a:latin typeface="+mj-lt"/>
+                      </a:endParaRPr>
+                    </a:p>
+                  </a:txBody>
+                  <a:tcPr/>
+                </a:tc>
+                <a:extLst>
+                  <a:ext uri="{0D108BD9-81ED-4DB2-BD59-A6C34878D82A}">
+                    <a16:rowId xmlns:a16="http://schemas.microsoft.com/office/drawing/2014/main" val="1982827846"/>
+                  </a:ext>
+                </a:extLst>
+              </a:tr>
+              <a:tr h="372704">
+                <a:tc>
+                  <a:txBody>
+                    <a:bodyPr/>
+                    <a:lstStyle/>
+                    <a:p>
+                      <a:r>
+                        <a:rPr lang="en-US" sz="1800" kern="1200" dirty="0">
+                          <a:solidFill>
+                            <a:srgbClr val="319F48"/>
+                          </a:solidFill>
+                          <a:latin typeface="+mj-lt"/>
+                          <a:ea typeface="+mn-ea"/>
+                          <a:cs typeface="+mn-cs"/>
+                        </a:rPr>
+                        <a:t>V </a:t>
+                      </a:r>
+                      <a:endParaRPr lang="en-US" sz="1800" dirty="0">
+                        <a:latin typeface="+mj-lt"/>
+                      </a:endParaRPr>
+                    </a:p>
+                  </a:txBody>
+                  <a:tcPr/>
+                </a:tc>
+                <a:tc>
+                  <a:txBody>
+                    <a:bodyPr/>
+                    <a:lstStyle/>
+                    <a:p>
+                      <a:r>
+                        <a:rPr lang="en-US" sz="1800" kern="1200" dirty="0">
+                          <a:solidFill>
+                            <a:srgbClr val="319F48"/>
+                          </a:solidFill>
+                          <a:latin typeface="+mj-lt"/>
+                          <a:ea typeface="+mn-ea"/>
+                          <a:cs typeface="+mn-cs"/>
+                        </a:rPr>
+                        <a:t>Value</a:t>
+                      </a:r>
+                      <a:endParaRPr lang="en-US" sz="1800" dirty="0">
+                        <a:latin typeface="+mj-lt"/>
+                      </a:endParaRPr>
+                    </a:p>
+                  </a:txBody>
+                  <a:tcPr/>
+                </a:tc>
+                <a:extLst>
+                  <a:ext uri="{0D108BD9-81ED-4DB2-BD59-A6C34878D82A}">
+                    <a16:rowId xmlns:a16="http://schemas.microsoft.com/office/drawing/2014/main" val="2431682978"/>
+                  </a:ext>
+                </a:extLst>
+              </a:tr>
+              <a:tr h="372704">
+                <a:tc>
+                  <a:txBody>
+                    <a:bodyPr/>
+                    <a:lstStyle/>
+                    <a:p>
+                      <a:r>
+                        <a:rPr lang="en-US" sz="1800" kern="1200" dirty="0">
+                          <a:solidFill>
+                            <a:srgbClr val="93742C"/>
+                          </a:solidFill>
+                          <a:latin typeface="+mj-lt"/>
+                          <a:ea typeface="+mn-ea"/>
+                          <a:cs typeface="+mn-cs"/>
+                        </a:rPr>
+                        <a:t>S</a:t>
+                      </a:r>
+                      <a:endParaRPr lang="en-US" sz="1800" dirty="0">
+                        <a:latin typeface="+mj-lt"/>
+                      </a:endParaRPr>
+                    </a:p>
+                  </a:txBody>
+                  <a:tcPr/>
+                </a:tc>
+                <a:tc>
+                  <a:txBody>
+                    <a:bodyPr/>
+                    <a:lstStyle/>
+                    <a:p>
+                      <a:r>
+                        <a:rPr lang="en-US" sz="1800" kern="1200" dirty="0">
+                          <a:solidFill>
+                            <a:srgbClr val="93742C"/>
+                          </a:solidFill>
+                          <a:latin typeface="+mj-lt"/>
+                          <a:ea typeface="+mn-ea"/>
+                          <a:cs typeface="+mn-cs"/>
+                        </a:rPr>
+                        <a:t>Score</a:t>
+                      </a:r>
+                      <a:endParaRPr lang="en-US" sz="1800" dirty="0">
+                        <a:latin typeface="+mj-lt"/>
+                      </a:endParaRPr>
+                    </a:p>
+                  </a:txBody>
+                  <a:tcPr/>
+                </a:tc>
+                <a:extLst>
+                  <a:ext uri="{0D108BD9-81ED-4DB2-BD59-A6C34878D82A}">
+                    <a16:rowId xmlns:a16="http://schemas.microsoft.com/office/drawing/2014/main" val="3072527918"/>
+                  </a:ext>
+                </a:extLst>
+              </a:tr>
+            </a:tbl>
+          </a:graphicData>
+        </a:graphic>
+      </p:graphicFrame>
     </p:spTree>
     <p:extLst>
       <p:ext uri="{BB962C8B-B14F-4D97-AF65-F5344CB8AC3E}">

--- a/presentations/02_transformers_attention.pptx
+++ b/presentations/02_transformers_attention.pptx
@@ -9,28 +9,28 @@
   </p:notesMasterIdLst>
   <p:sldIdLst>
     <p:sldId id="326" r:id="rId2"/>
-    <p:sldId id="352" r:id="rId3"/>
-    <p:sldId id="336" r:id="rId4"/>
-    <p:sldId id="335" r:id="rId5"/>
-    <p:sldId id="350" r:id="rId6"/>
-    <p:sldId id="308" r:id="rId7"/>
-    <p:sldId id="351" r:id="rId8"/>
-    <p:sldId id="354" r:id="rId9"/>
-    <p:sldId id="355" r:id="rId10"/>
-    <p:sldId id="356" r:id="rId11"/>
-    <p:sldId id="357" r:id="rId12"/>
-    <p:sldId id="345" r:id="rId13"/>
-    <p:sldId id="349" r:id="rId14"/>
-    <p:sldId id="279" r:id="rId15"/>
-    <p:sldId id="339" r:id="rId16"/>
-    <p:sldId id="340" r:id="rId17"/>
-    <p:sldId id="358" r:id="rId18"/>
-    <p:sldId id="359" r:id="rId19"/>
-    <p:sldId id="361" r:id="rId20"/>
-    <p:sldId id="362" r:id="rId21"/>
-    <p:sldId id="353" r:id="rId22"/>
-    <p:sldId id="341" r:id="rId23"/>
-    <p:sldId id="344" r:id="rId24"/>
+    <p:sldId id="336" r:id="rId3"/>
+    <p:sldId id="335" r:id="rId4"/>
+    <p:sldId id="350" r:id="rId5"/>
+    <p:sldId id="308" r:id="rId6"/>
+    <p:sldId id="351" r:id="rId7"/>
+    <p:sldId id="354" r:id="rId8"/>
+    <p:sldId id="355" r:id="rId9"/>
+    <p:sldId id="356" r:id="rId10"/>
+    <p:sldId id="357" r:id="rId11"/>
+    <p:sldId id="345" r:id="rId12"/>
+    <p:sldId id="349" r:id="rId13"/>
+    <p:sldId id="279" r:id="rId14"/>
+    <p:sldId id="339" r:id="rId15"/>
+    <p:sldId id="340" r:id="rId16"/>
+    <p:sldId id="358" r:id="rId17"/>
+    <p:sldId id="359" r:id="rId18"/>
+    <p:sldId id="361" r:id="rId19"/>
+    <p:sldId id="362" r:id="rId20"/>
+    <p:sldId id="353" r:id="rId21"/>
+    <p:sldId id="341" r:id="rId22"/>
+    <p:sldId id="344" r:id="rId23"/>
+    <p:sldId id="352" r:id="rId24"/>
     <p:sldId id="348" r:id="rId25"/>
   </p:sldIdLst>
   <p:sldSz cx="12192000" cy="6858000"/>
@@ -231,7 +231,7 @@
           <a:p>
             <a:fld id="{FD93C9B2-20F6-4DB1-B471-224337D0AC79}" type="datetimeFigureOut">
               <a:rPr lang="en-US" smtClean="0"/>
-              <a:t>11/10/2022</a:t>
+              <a:t>11/17/2022</a:t>
             </a:fld>
             <a:endParaRPr lang="en-US"/>
           </a:p>
@@ -663,7 +663,7 @@
           <a:p>
             <a:fld id="{3148858F-F1DB-4027-9C85-CCA6849540DD}" type="slidenum">
               <a:rPr lang="en-US" smtClean="0"/>
-              <a:t>11</a:t>
+              <a:t>10</a:t>
             </a:fld>
             <a:endParaRPr lang="en-US"/>
           </a:p>
@@ -865,7 +865,7 @@
           <a:p>
             <a:fld id="{3148858F-F1DB-4027-9C85-CCA6849540DD}" type="slidenum">
               <a:rPr lang="en-US" smtClean="0"/>
-              <a:t>12</a:t>
+              <a:t>11</a:t>
             </a:fld>
             <a:endParaRPr lang="en-US"/>
           </a:p>
@@ -957,7 +957,7 @@
                 <a:effectLst/>
                 <a:latin typeface="charter"/>
               </a:rPr>
-              <a:t>is that a specific word in a sequence can be viewed in multiple ways.  Consider, for example, the three questions asked here, with each </a:t>
+              <a:t>is that a specific word in a sequence can be viewed in multiple ways.  Consider, for example, the three questions asked here, with three </a:t>
             </a:r>
             <a:r>
               <a:rPr lang="en-US" b="1" i="0" dirty="0">
@@ -967,7 +967,7 @@
                 <a:effectLst/>
                 <a:latin typeface="charter"/>
               </a:rPr>
-              <a:t>attention head </a:t>
+              <a:t>attention heads</a:t>
             </a:r>
             <a:r>
               <a:rPr lang="en-US" b="0" i="0" dirty="0">
@@ -977,30 +977,7 @@
                 <a:effectLst/>
                 <a:latin typeface="charter"/>
               </a:rPr>
-              <a:t>being a different color – red, green, blue.   As shown here, attention changes, depending on the head and the question it asks.  With the green head, attention is on the first word, in response to the question of who did the action.  With the red head, attention shifts to the second word in response to the question – ‘Did what?’  And finally, the last word is the focus of attention in the blue head, in response to the question – ‘To whom?’.</a:t>
-            </a:r>
-          </a:p>
-          <a:p>
-            <a:pPr algn="l"/>
-            <a:endParaRPr lang="en-US" b="0" i="0" dirty="0">
-              <a:solidFill>
-                <a:srgbClr val="292929"/>
-              </a:solidFill>
-              <a:effectLst/>
-              <a:latin typeface="charter"/>
-            </a:endParaRPr>
-          </a:p>
-          <a:p>
-            <a:pPr algn="l"/>
-            <a:r>
-              <a:rPr lang="en-US" b="0" i="0" dirty="0">
-                <a:solidFill>
-                  <a:srgbClr val="292929"/>
-                </a:solidFill>
-                <a:effectLst/>
-                <a:latin typeface="charter"/>
-              </a:rPr>
-              <a:t>The translation of a given word to another language will vary, depending on the answer to each question.</a:t>
+              <a:t>.   As shown here, attention changes, depending on the head and the question it asks.  With HEAD ONE, attention is on the first word, in response to the question of who did the action.  Green predominates.  With HEAD TWO, attention shifts to the second word in response to the question – ‘Did what?’  And finally, the last word is the focus of attention in HEAD THREE, in response to the question – ‘To whom?’.</a:t>
             </a:r>
           </a:p>
           <a:p>
@@ -1160,7 +1137,7 @@
           <a:p>
             <a:fld id="{3148858F-F1DB-4027-9C85-CCA6849540DD}" type="slidenum">
               <a:rPr lang="en-US" smtClean="0"/>
-              <a:t>13</a:t>
+              <a:t>12</a:t>
             </a:fld>
             <a:endParaRPr lang="en-US"/>
           </a:p>
@@ -1261,7 +1238,7 @@
           <a:p>
             <a:fld id="{3148858F-F1DB-4027-9C85-CCA6849540DD}" type="slidenum">
               <a:rPr lang="en-US" smtClean="0"/>
-              <a:t>14</a:t>
+              <a:t>13</a:t>
             </a:fld>
             <a:endParaRPr lang="en-US"/>
           </a:p>
@@ -1482,7 +1459,7 @@
           <a:p>
             <a:fld id="{3148858F-F1DB-4027-9C85-CCA6849540DD}" type="slidenum">
               <a:rPr lang="en-US" smtClean="0"/>
-              <a:t>15</a:t>
+              <a:t>14</a:t>
             </a:fld>
             <a:endParaRPr lang="en-US"/>
           </a:p>
@@ -1634,7 +1611,7 @@
           <a:p>
             <a:fld id="{3148858F-F1DB-4027-9C85-CCA6849540DD}" type="slidenum">
               <a:rPr lang="en-US" smtClean="0"/>
-              <a:t>16</a:t>
+              <a:t>15</a:t>
             </a:fld>
             <a:endParaRPr lang="en-US"/>
           </a:p>
@@ -1751,7 +1728,7 @@
           <a:p>
             <a:fld id="{3148858F-F1DB-4027-9C85-CCA6849540DD}" type="slidenum">
               <a:rPr lang="en-US" smtClean="0"/>
-              <a:t>17</a:t>
+              <a:t>16</a:t>
             </a:fld>
             <a:endParaRPr lang="en-US"/>
           </a:p>
@@ -1825,7 +1802,7 @@
           <a:p>
             <a:r>
               <a:rPr lang="en-US" dirty="0"/>
-              <a:t>The next two layers are usually referred to collectively as a </a:t>
+              <a:t>The next two layers are a </a:t>
             </a:r>
             <a:r>
               <a:rPr lang="en-US" b="1" dirty="0"/>
@@ -1855,7 +1832,7 @@
           <a:p>
             <a:fld id="{3148858F-F1DB-4027-9C85-CCA6849540DD}" type="slidenum">
               <a:rPr lang="en-US" smtClean="0"/>
-              <a:t>18</a:t>
+              <a:t>17</a:t>
             </a:fld>
             <a:endParaRPr lang="en-US"/>
           </a:p>
@@ -1960,7 +1937,7 @@
           <a:p>
             <a:fld id="{3148858F-F1DB-4027-9C85-CCA6849540DD}" type="slidenum">
               <a:rPr lang="en-US" smtClean="0"/>
-              <a:t>19</a:t>
+              <a:t>18</a:t>
             </a:fld>
             <a:endParaRPr lang="en-US"/>
           </a:p>
@@ -2048,7 +2025,7 @@
                 <a:effectLst/>
                 <a:latin typeface="charter"/>
               </a:rPr>
-              <a:t>We end this mini-lecture with a simulation.  Here’s what attention looks like in action – with the decoder accessing hidden state 1, 2, and 3 at each step of the decoding process.</a:t>
+              <a:t>And here’s what attention looks like in a simulation – with the decoder accessing hidden state 1, 2, and 3 at each step of the decoding process.</a:t>
             </a:r>
           </a:p>
           <a:p>
@@ -2122,7 +2099,7 @@
           <a:p>
             <a:fld id="{3148858F-F1DB-4027-9C85-CCA6849540DD}" type="slidenum">
               <a:rPr lang="en-US" smtClean="0"/>
-              <a:t>20</a:t>
+              <a:t>19</a:t>
             </a:fld>
             <a:endParaRPr lang="en-US"/>
           </a:p>
@@ -2188,7 +2165,7 @@
             <a:pPr algn="l"/>
             <a:r>
               <a:rPr lang="en-US" dirty="0"/>
-              <a:t>In our last session, we discussed three transformer building blocks: 1) Layer Norm, 2) Positional Encoding, and 3) Skip Connections.  Word embeddings, of course, were covered in our NLP workshop series.  In this session, we focus on attention.</a:t>
+              <a:t>In our last session, we discussed three transformer building blocks: 1) Layer Norm, 2) Positional Encoding, and 3) Skip Connections.  And we covered word embeddings in our NLP workshop series.  In this session, we focus on attention.</a:t>
             </a:r>
           </a:p>
         </p:txBody>
@@ -2210,7 +2187,7 @@
           <a:p>
             <a:fld id="{3148858F-F1DB-4027-9C85-CCA6849540DD}" type="slidenum">
               <a:rPr lang="en-US" smtClean="0"/>
-              <a:t>3</a:t>
+              <a:t>2</a:t>
             </a:fld>
             <a:endParaRPr lang="en-US"/>
           </a:p>
@@ -2273,6 +2250,72 @@
           <a:bodyPr/>
           <a:lstStyle/>
           <a:p>
+            <a:r>
+              <a:rPr lang="en-US" dirty="0"/>
+              <a:t>And finally, here are some of the icons that you may see in a transformer block diagram:</a:t>
+            </a:r>
+          </a:p>
+          <a:p>
+            <a:endParaRPr lang="en-US" dirty="0"/>
+          </a:p>
+          <a:p>
+            <a:pPr marL="228600" indent="-228600">
+              <a:buAutoNum type="arabicPeriod"/>
+            </a:pPr>
+            <a:r>
+              <a:rPr lang="en-US" dirty="0"/>
+              <a:t>Self-Attention</a:t>
+            </a:r>
+          </a:p>
+          <a:p>
+            <a:pPr marL="228600" indent="-228600">
+              <a:buAutoNum type="arabicPeriod"/>
+            </a:pPr>
+            <a:r>
+              <a:rPr lang="en-US" dirty="0"/>
+              <a:t>Multi-Head Self Attention</a:t>
+            </a:r>
+          </a:p>
+          <a:p>
+            <a:pPr marL="228600" indent="-228600">
+              <a:buAutoNum type="arabicPeriod"/>
+            </a:pPr>
+            <a:r>
+              <a:rPr lang="en-US" dirty="0"/>
+              <a:t>Q/KV Attention</a:t>
+            </a:r>
+          </a:p>
+          <a:p>
+            <a:pPr marL="228600" indent="-228600">
+              <a:buAutoNum type="arabicPeriod"/>
+            </a:pPr>
+            <a:r>
+              <a:rPr lang="en-US" dirty="0"/>
+              <a:t>Multi-Head Q/KV Self Attention</a:t>
+            </a:r>
+          </a:p>
+          <a:p>
+            <a:pPr marL="228600" indent="-228600">
+              <a:buAutoNum type="arabicPeriod"/>
+            </a:pPr>
+            <a:r>
+              <a:rPr lang="en-US" dirty="0"/>
+              <a:t>Embedding</a:t>
+            </a:r>
+          </a:p>
+          <a:p>
+            <a:pPr marL="228600" indent="-228600">
+              <a:buAutoNum type="arabicPeriod"/>
+            </a:pPr>
+            <a:r>
+              <a:rPr lang="en-US" dirty="0"/>
+              <a:t>Positional Embedding</a:t>
+            </a:r>
+          </a:p>
+          <a:p>
+            <a:pPr marL="0" indent="0">
+              <a:buNone/>
+            </a:pPr>
             <a:endParaRPr lang="en-US" dirty="0"/>
           </a:p>
         </p:txBody>
@@ -2294,7 +2337,7 @@
           <a:p>
             <a:fld id="{3148858F-F1DB-4027-9C85-CCA6849540DD}" type="slidenum">
               <a:rPr lang="en-US" smtClean="0"/>
-              <a:t>21</a:t>
+              <a:t>20</a:t>
             </a:fld>
             <a:endParaRPr lang="en-US"/>
           </a:p>
@@ -2395,7 +2438,7 @@
           <a:p>
             <a:fld id="{3148858F-F1DB-4027-9C85-CCA6849540DD}" type="slidenum">
               <a:rPr lang="en-US" smtClean="0"/>
-              <a:t>22</a:t>
+              <a:t>21</a:t>
             </a:fld>
             <a:endParaRPr lang="en-US"/>
           </a:p>
@@ -2496,7 +2539,7 @@
           <a:p>
             <a:fld id="{3148858F-F1DB-4027-9C85-CCA6849540DD}" type="slidenum">
               <a:rPr lang="en-US" smtClean="0"/>
-              <a:t>23</a:t>
+              <a:t>22</a:t>
             </a:fld>
             <a:endParaRPr lang="en-US"/>
           </a:p>
@@ -2808,7 +2851,7 @@
           <a:p>
             <a:fld id="{3148858F-F1DB-4027-9C85-CCA6849540DD}" type="slidenum">
               <a:rPr lang="en-US" smtClean="0"/>
-              <a:t>4</a:t>
+              <a:t>3</a:t>
             </a:fld>
             <a:endParaRPr lang="en-US"/>
           </a:p>
@@ -2902,7 +2945,7 @@
           <a:p>
             <a:fld id="{3148858F-F1DB-4027-9C85-CCA6849540DD}" type="slidenum">
               <a:rPr lang="en-US" smtClean="0"/>
-              <a:t>5</a:t>
+              <a:t>4</a:t>
             </a:fld>
             <a:endParaRPr lang="en-US"/>
           </a:p>
@@ -3012,7 +3055,7 @@
               <a:rPr lang="en-US" dirty="0">
                 <a:latin typeface="+mn-lt"/>
               </a:rPr>
-              <a:t>So, how does a reader arrive at a correct definition?  In each sentence, the key is to figure out what other words influence the meaning of “flies” and focus on just those words while ignoring the others.   We then </a:t>
+              <a:t>So, how do we arrive at a correct definition?  In each sentence, the key is to figure out what other words influence the meaning of “flies” and focus on just those words while ignoring the others.   We then </a:t>
             </a:r>
             <a:r>
               <a:rPr lang="en-US" b="1" dirty="0">
@@ -3124,7 +3167,7 @@
           <a:p>
             <a:fld id="{3148858F-F1DB-4027-9C85-CCA6849540DD}" type="slidenum">
               <a:rPr lang="en-US" smtClean="0"/>
-              <a:t>6</a:t>
+              <a:t>5</a:t>
             </a:fld>
             <a:endParaRPr lang="en-US"/>
           </a:p>
@@ -3292,7 +3335,7 @@
             </a:pPr>
             <a:r>
               <a:rPr lang="en-US" dirty="0"/>
-              <a:t>The context is quite different in the second sentence.  The self-attention color chips in this stack are blends of purple, orange, and red.  Hence, the words “fruit” and “banana” play an influential role in this case, resulting in the word embedding for “insect”.</a:t>
+              <a:t>The context is quite different in the second sentence.  Here the self-attention color chips are blends of purple, orange, and red.  This indicates that the words “fruit” and “banana” play an influential role here, resulting in the word embedding for “insect”.</a:t>
             </a:r>
           </a:p>
           <a:p>
@@ -3334,7 +3377,7 @@
           <a:p>
             <a:fld id="{3148858F-F1DB-4027-9C85-CCA6849540DD}" type="slidenum">
               <a:rPr lang="en-US" smtClean="0"/>
-              <a:t>7</a:t>
+              <a:t>6</a:t>
             </a:fld>
             <a:endParaRPr lang="en-US"/>
           </a:p>
@@ -3397,6 +3440,12 @@
           <a:bodyPr/>
           <a:lstStyle/>
           <a:p>
+            <a:r>
+              <a:rPr lang="en-US" dirty="0"/>
+              <a:t>Now that we’ve seen how transformers work at a higher level, let’s zoom in and take a closer look at the architecture. </a:t>
+            </a:r>
+          </a:p>
+          <a:p>
             <a:endParaRPr lang="en-US" dirty="0"/>
           </a:p>
           <a:p>
@@ -3432,7 +3481,7 @@
             </a:pPr>
             <a:r>
               <a:rPr lang="en-US" dirty="0"/>
-              <a:t>The scoring function (gold) compares two tensors Q &amp; V to determine how alike, arrives at a likeness score, and then uses that score to scale V.</a:t>
+              <a:t>The scoring function (gold) compares two tensors Q &amp; V to determine how similar they are, calculates a likeness score, and then uses that score to scale V.</a:t>
             </a:r>
           </a:p>
           <a:p>
@@ -3447,7 +3496,7 @@
             </a:pPr>
             <a:r>
               <a:rPr lang="en-US" dirty="0"/>
-              <a:t>In practice, we compare the query for “flies” against the key for every word in the sentence, including “flies” itself.  We compare the query and key to see how alike they are.  And we do this with a scoring function, shown here as an S inside a yellow circle.  This function compares two tensors and produces a single number.  The more alike the two tensors are, the larger the number.  The output from the scoring function is then used to determine how much of the value for “arrow” makes it into the final output.</a:t>
+              <a:t>Let’s summarize the process.  We compare the query for “flies” against the key for every word in the sentence, including “flies” itself.  We compare the query and key to see how alike they are.  And we do this with a scoring function.  This function compares two tensors and produces a single number.  The more similar the two tensors are, the larger the number.  The output from the scoring function is then used to determine how much of the value for “arrow” makes it into the final output.</a:t>
             </a:r>
           </a:p>
         </p:txBody>
@@ -3469,7 +3518,7 @@
           <a:p>
             <a:fld id="{3148858F-F1DB-4027-9C85-CCA6849540DD}" type="slidenum">
               <a:rPr lang="en-US" smtClean="0"/>
-              <a:t>8</a:t>
+              <a:t>7</a:t>
             </a:fld>
             <a:endParaRPr lang="en-US"/>
           </a:p>
@@ -3534,7 +3583,7 @@
           <a:p>
             <a:r>
               <a:rPr lang="en-US" dirty="0"/>
-              <a:t>Let’s now see what it looks like to apply self-attention to all the words in our sentence.  As was the case in the last slide, only three neural networks do the work – one each to compute the query, key, and value tensors.  The scoring function determines how much value to include of each word.  The dashed line represents a softmax function applied to all the scores, followed by a division.  These two operations keep the numbers coming out of the scoring functions from getting too big or too small.  And finally, we sum up all the scaled values to get a new tensor for flies.</a:t>
+              <a:t>Let’s now see what it looks like to apply self-attention to all the words in our sentence.  As was the case in the last slide, only three neural networks do the work – one each to compute the query, key, and value tensors.  The scoring function determines how much value to include of each word.  The dashed line represents a softmax function applied to all the scores, followed by a division.  These two operations keep the outputs from the scoring functions from getting too big or too small.  And finally, we sum up all the scaled values to get a new tensor for flies.</a:t>
             </a:r>
           </a:p>
         </p:txBody>
@@ -3556,7 +3605,7 @@
           <a:p>
             <a:fld id="{3148858F-F1DB-4027-9C85-CCA6849540DD}" type="slidenum">
               <a:rPr lang="en-US" smtClean="0"/>
-              <a:t>9</a:t>
+              <a:t>8</a:t>
             </a:fld>
             <a:endParaRPr lang="en-US"/>
           </a:p>
@@ -3621,7 +3670,7 @@
           <a:p>
             <a:r>
               <a:rPr lang="en-US" dirty="0"/>
-              <a:t>Note: the self-attention process diagrammed in the last slide is applied to </a:t>
+              <a:t>The self-attention process diagrammed in the last slide is applied to </a:t>
             </a:r>
             <a:r>
               <a:rPr lang="en-US" b="1" dirty="0"/>
@@ -3637,7 +3686,7 @@
             </a:r>
             <a:r>
               <a:rPr lang="en-US" dirty="0"/>
-              <a:t>.   In other words, the transformer architecture takes full advantage of parallel computing capabilities when available.  That means that each of the four blocks above is run as a separate process at the same time as the others.</a:t>
+              <a:t>.   In other words, the transformer architecture takes full advantage of parallel computing capabilities when available.  That means that each of the four blocks shown here is run as a separate process at the same time as the others.</a:t>
             </a:r>
           </a:p>
         </p:txBody>
@@ -3659,7 +3708,7 @@
           <a:p>
             <a:fld id="{3148858F-F1DB-4027-9C85-CCA6849540DD}" type="slidenum">
               <a:rPr lang="en-US" smtClean="0"/>
-              <a:t>10</a:t>
+              <a:t>9</a:t>
             </a:fld>
             <a:endParaRPr lang="en-US"/>
           </a:p>
@@ -3825,7 +3874,7 @@
           <a:p>
             <a:fld id="{C3F78080-8D0A-4BE8-A5B4-CB115102D524}" type="datetimeFigureOut">
               <a:rPr lang="en-US" smtClean="0"/>
-              <a:t>11/10/2022</a:t>
+              <a:t>11/17/2022</a:t>
             </a:fld>
             <a:endParaRPr lang="en-US"/>
           </a:p>
@@ -4023,7 +4072,7 @@
           <a:p>
             <a:fld id="{C3F78080-8D0A-4BE8-A5B4-CB115102D524}" type="datetimeFigureOut">
               <a:rPr lang="en-US" smtClean="0"/>
-              <a:t>11/10/2022</a:t>
+              <a:t>11/17/2022</a:t>
             </a:fld>
             <a:endParaRPr lang="en-US"/>
           </a:p>
@@ -4231,7 +4280,7 @@
           <a:p>
             <a:fld id="{C3F78080-8D0A-4BE8-A5B4-CB115102D524}" type="datetimeFigureOut">
               <a:rPr lang="en-US" smtClean="0"/>
-              <a:t>11/10/2022</a:t>
+              <a:t>11/17/2022</a:t>
             </a:fld>
             <a:endParaRPr lang="en-US"/>
           </a:p>
@@ -4429,7 +4478,7 @@
           <a:p>
             <a:fld id="{C3F78080-8D0A-4BE8-A5B4-CB115102D524}" type="datetimeFigureOut">
               <a:rPr lang="en-US" smtClean="0"/>
-              <a:t>11/10/2022</a:t>
+              <a:t>11/17/2022</a:t>
             </a:fld>
             <a:endParaRPr lang="en-US"/>
           </a:p>
@@ -4704,7 +4753,7 @@
           <a:p>
             <a:fld id="{C3F78080-8D0A-4BE8-A5B4-CB115102D524}" type="datetimeFigureOut">
               <a:rPr lang="en-US" smtClean="0"/>
-              <a:t>11/10/2022</a:t>
+              <a:t>11/17/2022</a:t>
             </a:fld>
             <a:endParaRPr lang="en-US"/>
           </a:p>
@@ -4969,7 +5018,7 @@
           <a:p>
             <a:fld id="{C3F78080-8D0A-4BE8-A5B4-CB115102D524}" type="datetimeFigureOut">
               <a:rPr lang="en-US" smtClean="0"/>
-              <a:t>11/10/2022</a:t>
+              <a:t>11/17/2022</a:t>
             </a:fld>
             <a:endParaRPr lang="en-US"/>
           </a:p>
@@ -5381,7 +5430,7 @@
           <a:p>
             <a:fld id="{C3F78080-8D0A-4BE8-A5B4-CB115102D524}" type="datetimeFigureOut">
               <a:rPr lang="en-US" smtClean="0"/>
-              <a:t>11/10/2022</a:t>
+              <a:t>11/17/2022</a:t>
             </a:fld>
             <a:endParaRPr lang="en-US"/>
           </a:p>
@@ -5522,7 +5571,7 @@
           <a:p>
             <a:fld id="{C3F78080-8D0A-4BE8-A5B4-CB115102D524}" type="datetimeFigureOut">
               <a:rPr lang="en-US" smtClean="0"/>
-              <a:t>11/10/2022</a:t>
+              <a:t>11/17/2022</a:t>
             </a:fld>
             <a:endParaRPr lang="en-US"/>
           </a:p>
@@ -5635,7 +5684,7 @@
           <a:p>
             <a:fld id="{C3F78080-8D0A-4BE8-A5B4-CB115102D524}" type="datetimeFigureOut">
               <a:rPr lang="en-US" smtClean="0"/>
-              <a:t>11/10/2022</a:t>
+              <a:t>11/17/2022</a:t>
             </a:fld>
             <a:endParaRPr lang="en-US"/>
           </a:p>
@@ -5946,7 +5995,7 @@
           <a:p>
             <a:fld id="{C3F78080-8D0A-4BE8-A5B4-CB115102D524}" type="datetimeFigureOut">
               <a:rPr lang="en-US" smtClean="0"/>
-              <a:t>11/10/2022</a:t>
+              <a:t>11/17/2022</a:t>
             </a:fld>
             <a:endParaRPr lang="en-US"/>
           </a:p>
@@ -6234,7 +6283,7 @@
           <a:p>
             <a:fld id="{C3F78080-8D0A-4BE8-A5B4-CB115102D524}" type="datetimeFigureOut">
               <a:rPr lang="en-US" smtClean="0"/>
-              <a:t>11/10/2022</a:t>
+              <a:t>11/17/2022</a:t>
             </a:fld>
             <a:endParaRPr lang="en-US"/>
           </a:p>
@@ -6475,7 +6524,7 @@
           <a:p>
             <a:fld id="{C3F78080-8D0A-4BE8-A5B4-CB115102D524}" type="datetimeFigureOut">
               <a:rPr lang="en-US" smtClean="0"/>
-              <a:t>11/10/2022</a:t>
+              <a:t>11/17/2022</a:t>
             </a:fld>
             <a:endParaRPr lang="en-US"/>
           </a:p>
@@ -7014,449 +7063,6 @@
       </p:grpSpPr>
       <p:pic>
         <p:nvPicPr>
-          <p:cNvPr id="9" name="Picture 8">
-            <a:extLst>
-              <a:ext uri="{FF2B5EF4-FFF2-40B4-BE49-F238E27FC236}">
-                <a16:creationId xmlns:a16="http://schemas.microsoft.com/office/drawing/2014/main" id="{9C45DAD3-D954-0FF1-8F79-DBF6100A0C2F}"/>
-              </a:ext>
-            </a:extLst>
-          </p:cNvPr>
-          <p:cNvPicPr>
-            <a:picLocks noChangeAspect="1"/>
-          </p:cNvPicPr>
-          <p:nvPr/>
-        </p:nvPicPr>
-        <p:blipFill>
-          <a:blip r:embed="rId3"/>
-          <a:stretch>
-            <a:fillRect/>
-          </a:stretch>
-        </p:blipFill>
-        <p:spPr>
-          <a:xfrm>
-            <a:off x="1946275" y="117475"/>
-            <a:ext cx="8299450" cy="6623050"/>
-          </a:xfrm>
-          <a:prstGeom prst="rect">
-            <a:avLst/>
-          </a:prstGeom>
-        </p:spPr>
-      </p:pic>
-      <p:sp>
-        <p:nvSpPr>
-          <p:cNvPr id="3" name="TextBox 2">
-            <a:extLst>
-              <a:ext uri="{FF2B5EF4-FFF2-40B4-BE49-F238E27FC236}">
-                <a16:creationId xmlns:a16="http://schemas.microsoft.com/office/drawing/2014/main" id="{11F9E0E5-C8EC-B69F-C9F3-E277ADA47CB8}"/>
-              </a:ext>
-            </a:extLst>
-          </p:cNvPr>
-          <p:cNvSpPr txBox="1"/>
-          <p:nvPr/>
-        </p:nvSpPr>
-        <p:spPr>
-          <a:xfrm>
-            <a:off x="0" y="6550223"/>
-            <a:ext cx="12192000" cy="307777"/>
-          </a:xfrm>
-          <a:prstGeom prst="rect">
-            <a:avLst/>
-          </a:prstGeom>
-          <a:noFill/>
-        </p:spPr>
-        <p:txBody>
-          <a:bodyPr wrap="square" rtlCol="0">
-            <a:spAutoFit/>
-          </a:bodyPr>
-          <a:lstStyle/>
-          <a:p>
-            <a:r>
-              <a:rPr lang="en-US" sz="1400" dirty="0">
-                <a:solidFill>
-                  <a:schemeClr val="tx1">
-                    <a:lumMod val="65000"/>
-                    <a:lumOff val="35000"/>
-                  </a:schemeClr>
-                </a:solidFill>
-                <a:latin typeface="+mj-lt"/>
-                <a:ea typeface="Verdana" panose="020B0604030504040204" pitchFamily="34" charset="0"/>
-              </a:rPr>
-              <a:t>Story Source: Glassner, A. (2021). </a:t>
-            </a:r>
-            <a:r>
-              <a:rPr lang="en-US" sz="1400" i="1" dirty="0">
-                <a:solidFill>
-                  <a:schemeClr val="tx1">
-                    <a:lumMod val="65000"/>
-                    <a:lumOff val="35000"/>
-                  </a:schemeClr>
-                </a:solidFill>
-                <a:latin typeface="+mj-lt"/>
-                <a:ea typeface="Verdana" panose="020B0604030504040204" pitchFamily="34" charset="0"/>
-              </a:rPr>
-              <a:t>Deep learning: A visual approach</a:t>
-            </a:r>
-            <a:r>
-              <a:rPr lang="en-US" sz="1400" dirty="0">
-                <a:solidFill>
-                  <a:schemeClr val="tx1">
-                    <a:lumMod val="65000"/>
-                    <a:lumOff val="35000"/>
-                  </a:schemeClr>
-                </a:solidFill>
-                <a:latin typeface="+mj-lt"/>
-                <a:ea typeface="Verdana" panose="020B0604030504040204" pitchFamily="34" charset="0"/>
-              </a:rPr>
-              <a:t>. </a:t>
-            </a:r>
-            <a:r>
-              <a:rPr lang="en-US" sz="1400" b="0" i="0" dirty="0">
-                <a:solidFill>
-                  <a:schemeClr val="tx1">
-                    <a:lumMod val="65000"/>
-                    <a:lumOff val="35000"/>
-                  </a:schemeClr>
-                </a:solidFill>
-                <a:effectLst/>
-                <a:latin typeface="+mj-lt"/>
-                <a:ea typeface="Verdana" panose="020B0604030504040204" pitchFamily="34" charset="0"/>
-              </a:rPr>
-              <a:t>San Francisco, CA: No Starch Press. (Chapter </a:t>
-            </a:r>
-            <a:r>
-              <a:rPr lang="en-US" sz="1400" dirty="0">
-                <a:solidFill>
-                  <a:schemeClr val="tx1">
-                    <a:lumMod val="65000"/>
-                    <a:lumOff val="35000"/>
-                  </a:schemeClr>
-                </a:solidFill>
-                <a:latin typeface="+mj-lt"/>
-                <a:ea typeface="Verdana" panose="020B0604030504040204" pitchFamily="34" charset="0"/>
-              </a:rPr>
-              <a:t>20</a:t>
-            </a:r>
-            <a:r>
-              <a:rPr lang="en-US" sz="1400" b="0" i="0" dirty="0">
-                <a:solidFill>
-                  <a:schemeClr val="tx1">
-                    <a:lumMod val="65000"/>
-                    <a:lumOff val="35000"/>
-                  </a:schemeClr>
-                </a:solidFill>
-                <a:effectLst/>
-                <a:latin typeface="+mj-lt"/>
-                <a:ea typeface="Verdana" panose="020B0604030504040204" pitchFamily="34" charset="0"/>
-              </a:rPr>
-              <a:t>)</a:t>
-            </a:r>
-            <a:endParaRPr lang="en-US" sz="1400" dirty="0">
-              <a:solidFill>
-                <a:schemeClr val="tx1">
-                  <a:lumMod val="65000"/>
-                  <a:lumOff val="35000"/>
-                </a:schemeClr>
-              </a:solidFill>
-              <a:latin typeface="+mj-lt"/>
-              <a:ea typeface="Verdana" panose="020B0604030504040204" pitchFamily="34" charset="0"/>
-            </a:endParaRPr>
-          </a:p>
-        </p:txBody>
-      </p:sp>
-      <p:graphicFrame>
-        <p:nvGraphicFramePr>
-          <p:cNvPr id="4" name="Table 9">
-            <a:extLst>
-              <a:ext uri="{FF2B5EF4-FFF2-40B4-BE49-F238E27FC236}">
-                <a16:creationId xmlns:a16="http://schemas.microsoft.com/office/drawing/2014/main" id="{D9A2C165-E4BD-3D78-6733-92FC682CF65E}"/>
-              </a:ext>
-            </a:extLst>
-          </p:cNvPr>
-          <p:cNvGraphicFramePr>
-            <a:graphicFrameLocks noGrp="1"/>
-          </p:cNvGraphicFramePr>
-          <p:nvPr>
-            <p:extLst>
-              <p:ext uri="{D42A27DB-BD31-4B8C-83A1-F6EECF244321}">
-                <p14:modId xmlns:p14="http://schemas.microsoft.com/office/powerpoint/2010/main" val="1192574315"/>
-              </p:ext>
-            </p:extLst>
-          </p:nvPr>
-        </p:nvGraphicFramePr>
-        <p:xfrm>
-          <a:off x="95693" y="165817"/>
-          <a:ext cx="1329070" cy="1490816"/>
-        </p:xfrm>
-        <a:graphic>
-          <a:graphicData uri="http://schemas.openxmlformats.org/drawingml/2006/table">
-            <a:tbl>
-              <a:tblPr firstRow="1" bandRow="1">
-                <a:tableStyleId>{5940675A-B579-460E-94D1-54222C63F5DA}</a:tableStyleId>
-              </a:tblPr>
-              <a:tblGrid>
-                <a:gridCol w="312725">
-                  <a:extLst>
-                    <a:ext uri="{9D8B030D-6E8A-4147-A177-3AD203B41FA5}">
-                      <a16:colId xmlns:a16="http://schemas.microsoft.com/office/drawing/2014/main" val="2256347462"/>
-                    </a:ext>
-                  </a:extLst>
-                </a:gridCol>
-                <a:gridCol w="1016345">
-                  <a:extLst>
-                    <a:ext uri="{9D8B030D-6E8A-4147-A177-3AD203B41FA5}">
-                      <a16:colId xmlns:a16="http://schemas.microsoft.com/office/drawing/2014/main" val="1000086060"/>
-                    </a:ext>
-                  </a:extLst>
-                </a:gridCol>
-              </a:tblGrid>
-              <a:tr h="372704">
-                <a:tc>
-                  <a:txBody>
-                    <a:bodyPr/>
-                    <a:lstStyle/>
-                    <a:p>
-                      <a:r>
-                        <a:rPr lang="en-US" sz="1800" kern="1200" dirty="0">
-                          <a:solidFill>
-                            <a:srgbClr val="B71E56"/>
-                          </a:solidFill>
-                          <a:latin typeface="+mj-lt"/>
-                          <a:ea typeface="+mn-ea"/>
-                          <a:cs typeface="+mn-cs"/>
-                        </a:rPr>
-                        <a:t>Q</a:t>
-                      </a:r>
-                      <a:endParaRPr lang="en-US" sz="1800" dirty="0">
-                        <a:latin typeface="+mj-lt"/>
-                      </a:endParaRPr>
-                    </a:p>
-                  </a:txBody>
-                  <a:tcPr/>
-                </a:tc>
-                <a:tc>
-                  <a:txBody>
-                    <a:bodyPr/>
-                    <a:lstStyle/>
-                    <a:p>
-                      <a:r>
-                        <a:rPr lang="en-US" sz="1800" kern="1200" dirty="0">
-                          <a:solidFill>
-                            <a:srgbClr val="B71E56"/>
-                          </a:solidFill>
-                          <a:latin typeface="+mj-lt"/>
-                          <a:ea typeface="+mn-ea"/>
-                          <a:cs typeface="+mn-cs"/>
-                        </a:rPr>
-                        <a:t>Query</a:t>
-                      </a:r>
-                      <a:endParaRPr lang="en-US" sz="1800" dirty="0">
-                        <a:latin typeface="+mj-lt"/>
-                      </a:endParaRPr>
-                    </a:p>
-                  </a:txBody>
-                  <a:tcPr/>
-                </a:tc>
-                <a:extLst>
-                  <a:ext uri="{0D108BD9-81ED-4DB2-BD59-A6C34878D82A}">
-                    <a16:rowId xmlns:a16="http://schemas.microsoft.com/office/drawing/2014/main" val="1110988348"/>
-                  </a:ext>
-                </a:extLst>
-              </a:tr>
-              <a:tr h="372704">
-                <a:tc>
-                  <a:txBody>
-                    <a:bodyPr/>
-                    <a:lstStyle/>
-                    <a:p>
-                      <a:r>
-                        <a:rPr lang="en-US" sz="1800" kern="1200" dirty="0">
-                          <a:solidFill>
-                            <a:srgbClr val="2D83B7"/>
-                          </a:solidFill>
-                          <a:latin typeface="+mj-lt"/>
-                          <a:ea typeface="+mn-ea"/>
-                          <a:cs typeface="+mn-cs"/>
-                        </a:rPr>
-                        <a:t>K</a:t>
-                      </a:r>
-                      <a:endParaRPr lang="en-US" sz="1800" dirty="0">
-                        <a:latin typeface="+mj-lt"/>
-                      </a:endParaRPr>
-                    </a:p>
-                  </a:txBody>
-                  <a:tcPr/>
-                </a:tc>
-                <a:tc>
-                  <a:txBody>
-                    <a:bodyPr/>
-                    <a:lstStyle/>
-                    <a:p>
-                      <a:r>
-                        <a:rPr lang="en-US" sz="1800" kern="1200" dirty="0">
-                          <a:solidFill>
-                            <a:srgbClr val="2D83B7"/>
-                          </a:solidFill>
-                          <a:latin typeface="+mj-lt"/>
-                          <a:ea typeface="+mn-ea"/>
-                          <a:cs typeface="+mn-cs"/>
-                        </a:rPr>
-                        <a:t>Key </a:t>
-                      </a:r>
-                      <a:endParaRPr lang="en-US" sz="1800" dirty="0">
-                        <a:latin typeface="+mj-lt"/>
-                      </a:endParaRPr>
-                    </a:p>
-                  </a:txBody>
-                  <a:tcPr/>
-                </a:tc>
-                <a:extLst>
-                  <a:ext uri="{0D108BD9-81ED-4DB2-BD59-A6C34878D82A}">
-                    <a16:rowId xmlns:a16="http://schemas.microsoft.com/office/drawing/2014/main" val="1982827846"/>
-                  </a:ext>
-                </a:extLst>
-              </a:tr>
-              <a:tr h="372704">
-                <a:tc>
-                  <a:txBody>
-                    <a:bodyPr/>
-                    <a:lstStyle/>
-                    <a:p>
-                      <a:r>
-                        <a:rPr lang="en-US" sz="1800" kern="1200" dirty="0">
-                          <a:solidFill>
-                            <a:srgbClr val="319F48"/>
-                          </a:solidFill>
-                          <a:latin typeface="+mj-lt"/>
-                          <a:ea typeface="+mn-ea"/>
-                          <a:cs typeface="+mn-cs"/>
-                        </a:rPr>
-                        <a:t>V </a:t>
-                      </a:r>
-                      <a:endParaRPr lang="en-US" sz="1800" dirty="0">
-                        <a:latin typeface="+mj-lt"/>
-                      </a:endParaRPr>
-                    </a:p>
-                  </a:txBody>
-                  <a:tcPr/>
-                </a:tc>
-                <a:tc>
-                  <a:txBody>
-                    <a:bodyPr/>
-                    <a:lstStyle/>
-                    <a:p>
-                      <a:r>
-                        <a:rPr lang="en-US" sz="1800" kern="1200" dirty="0">
-                          <a:solidFill>
-                            <a:srgbClr val="319F48"/>
-                          </a:solidFill>
-                          <a:latin typeface="+mj-lt"/>
-                          <a:ea typeface="+mn-ea"/>
-                          <a:cs typeface="+mn-cs"/>
-                        </a:rPr>
-                        <a:t>Value</a:t>
-                      </a:r>
-                      <a:endParaRPr lang="en-US" sz="1800" dirty="0">
-                        <a:latin typeface="+mj-lt"/>
-                      </a:endParaRPr>
-                    </a:p>
-                  </a:txBody>
-                  <a:tcPr/>
-                </a:tc>
-                <a:extLst>
-                  <a:ext uri="{0D108BD9-81ED-4DB2-BD59-A6C34878D82A}">
-                    <a16:rowId xmlns:a16="http://schemas.microsoft.com/office/drawing/2014/main" val="2431682978"/>
-                  </a:ext>
-                </a:extLst>
-              </a:tr>
-              <a:tr h="372704">
-                <a:tc>
-                  <a:txBody>
-                    <a:bodyPr/>
-                    <a:lstStyle/>
-                    <a:p>
-                      <a:r>
-                        <a:rPr lang="en-US" sz="1800" kern="1200" dirty="0">
-                          <a:solidFill>
-                            <a:srgbClr val="93742C"/>
-                          </a:solidFill>
-                          <a:latin typeface="+mj-lt"/>
-                          <a:ea typeface="+mn-ea"/>
-                          <a:cs typeface="+mn-cs"/>
-                        </a:rPr>
-                        <a:t>S</a:t>
-                      </a:r>
-                      <a:endParaRPr lang="en-US" sz="1800" dirty="0">
-                        <a:latin typeface="+mj-lt"/>
-                      </a:endParaRPr>
-                    </a:p>
-                  </a:txBody>
-                  <a:tcPr/>
-                </a:tc>
-                <a:tc>
-                  <a:txBody>
-                    <a:bodyPr/>
-                    <a:lstStyle/>
-                    <a:p>
-                      <a:r>
-                        <a:rPr lang="en-US" sz="1800" kern="1200" dirty="0">
-                          <a:solidFill>
-                            <a:srgbClr val="93742C"/>
-                          </a:solidFill>
-                          <a:latin typeface="+mj-lt"/>
-                          <a:ea typeface="+mn-ea"/>
-                          <a:cs typeface="+mn-cs"/>
-                        </a:rPr>
-                        <a:t>Score</a:t>
-                      </a:r>
-                      <a:endParaRPr lang="en-US" sz="1800" dirty="0">
-                        <a:latin typeface="+mj-lt"/>
-                      </a:endParaRPr>
-                    </a:p>
-                  </a:txBody>
-                  <a:tcPr/>
-                </a:tc>
-                <a:extLst>
-                  <a:ext uri="{0D108BD9-81ED-4DB2-BD59-A6C34878D82A}">
-                    <a16:rowId xmlns:a16="http://schemas.microsoft.com/office/drawing/2014/main" val="3072527918"/>
-                  </a:ext>
-                </a:extLst>
-              </a:tr>
-            </a:tbl>
-          </a:graphicData>
-        </a:graphic>
-      </p:graphicFrame>
-    </p:spTree>
-    <p:extLst>
-      <p:ext uri="{BB962C8B-B14F-4D97-AF65-F5344CB8AC3E}">
-        <p14:creationId xmlns:p14="http://schemas.microsoft.com/office/powerpoint/2010/main" val="4133325865"/>
-      </p:ext>
-    </p:extLst>
-  </p:cSld>
-  <p:clrMapOvr>
-    <a:masterClrMapping/>
-  </p:clrMapOvr>
-</p:sld>
-</file>
-
-<file path=ppt/slides/slide11.xml><?xml version="1.0" encoding="utf-8"?>
-<p:sld xmlns:a="http://schemas.openxmlformats.org/drawingml/2006/main" xmlns:r="http://schemas.openxmlformats.org/officeDocument/2006/relationships" xmlns:p="http://schemas.openxmlformats.org/presentationml/2006/main">
-  <p:cSld>
-    <p:spTree>
-      <p:nvGrpSpPr>
-        <p:cNvPr id="1" name=""/>
-        <p:cNvGrpSpPr/>
-        <p:nvPr/>
-      </p:nvGrpSpPr>
-      <p:grpSpPr>
-        <a:xfrm>
-          <a:off x="0" y="0"/>
-          <a:ext cx="0" cy="0"/>
-          <a:chOff x="0" y="0"/>
-          <a:chExt cx="0" cy="0"/>
-        </a:xfrm>
-      </p:grpSpPr>
-      <p:pic>
-        <p:nvPicPr>
           <p:cNvPr id="6" name="Picture 5">
             <a:extLst>
               <a:ext uri="{FF2B5EF4-FFF2-40B4-BE49-F238E27FC236}">
@@ -7881,7 +7487,7 @@
 </p:sld>
 </file>
 
-<file path=ppt/slides/slide12.xml><?xml version="1.0" encoding="utf-8"?>
+<file path=ppt/slides/slide11.xml><?xml version="1.0" encoding="utf-8"?>
 <p:sld xmlns:a="http://schemas.openxmlformats.org/drawingml/2006/main" xmlns:r="http://schemas.openxmlformats.org/officeDocument/2006/relationships" xmlns:p="http://schemas.openxmlformats.org/presentationml/2006/main">
   <p:cSld>
     <p:spTree>
@@ -8709,7 +8315,7 @@
 </p:sld>
 </file>
 
-<file path=ppt/slides/slide13.xml><?xml version="1.0" encoding="utf-8"?>
+<file path=ppt/slides/slide12.xml><?xml version="1.0" encoding="utf-8"?>
 <p:sld xmlns:a="http://schemas.openxmlformats.org/drawingml/2006/main" xmlns:r="http://schemas.openxmlformats.org/officeDocument/2006/relationships" xmlns:p="http://schemas.openxmlformats.org/presentationml/2006/main">
   <p:cSld>
     <p:spTree>
@@ -8787,7 +8393,7 @@
 </p:sld>
 </file>
 
-<file path=ppt/slides/slide14.xml><?xml version="1.0" encoding="utf-8"?>
+<file path=ppt/slides/slide13.xml><?xml version="1.0" encoding="utf-8"?>
 <p:sld xmlns:a="http://schemas.openxmlformats.org/drawingml/2006/main" xmlns:r="http://schemas.openxmlformats.org/officeDocument/2006/relationships" xmlns:p="http://schemas.openxmlformats.org/presentationml/2006/main">
   <p:cSld>
     <p:spTree>
@@ -8956,7 +8562,7 @@
 </p:sld>
 </file>
 
-<file path=ppt/slides/slide15.xml><?xml version="1.0" encoding="utf-8"?>
+<file path=ppt/slides/slide14.xml><?xml version="1.0" encoding="utf-8"?>
 <p:sld xmlns:a="http://schemas.openxmlformats.org/drawingml/2006/main" xmlns:r="http://schemas.openxmlformats.org/officeDocument/2006/relationships" xmlns:p="http://schemas.openxmlformats.org/presentationml/2006/main">
   <p:cSld>
     <p:spTree>
@@ -9164,7 +8770,7 @@
 </p:sld>
 </file>
 
-<file path=ppt/slides/slide16.xml><?xml version="1.0" encoding="utf-8"?>
+<file path=ppt/slides/slide15.xml><?xml version="1.0" encoding="utf-8"?>
 <p:sld xmlns:a="http://schemas.openxmlformats.org/drawingml/2006/main" xmlns:r="http://schemas.openxmlformats.org/officeDocument/2006/relationships" xmlns:p="http://schemas.openxmlformats.org/presentationml/2006/main">
   <p:cSld>
     <p:spTree>
@@ -9372,7 +8978,7 @@
 </p:sld>
 </file>
 
-<file path=ppt/slides/slide17.xml><?xml version="1.0" encoding="utf-8"?>
+<file path=ppt/slides/slide16.xml><?xml version="1.0" encoding="utf-8"?>
 <p:sld xmlns:a="http://schemas.openxmlformats.org/drawingml/2006/main" xmlns:r="http://schemas.openxmlformats.org/officeDocument/2006/relationships" xmlns:p="http://schemas.openxmlformats.org/presentationml/2006/main">
   <p:cSld>
     <p:spTree>
@@ -10231,7 +9837,7 @@
 </p:sld>
 </file>
 
-<file path=ppt/slides/slide18.xml><?xml version="1.0" encoding="utf-8"?>
+<file path=ppt/slides/slide17.xml><?xml version="1.0" encoding="utf-8"?>
 <p:sld xmlns:a="http://schemas.openxmlformats.org/drawingml/2006/main" xmlns:r="http://schemas.openxmlformats.org/officeDocument/2006/relationships" xmlns:p="http://schemas.openxmlformats.org/presentationml/2006/main">
   <p:cSld>
     <p:spTree>
@@ -10297,7 +9903,7 @@
 </p:sld>
 </file>
 
-<file path=ppt/slides/slide19.xml><?xml version="1.0" encoding="utf-8"?>
+<file path=ppt/slides/slide18.xml><?xml version="1.0" encoding="utf-8"?>
 <p:sld xmlns:a="http://schemas.openxmlformats.org/drawingml/2006/main" xmlns:r="http://schemas.openxmlformats.org/officeDocument/2006/relationships" xmlns:p="http://schemas.openxmlformats.org/presentationml/2006/main">
   <p:cSld>
     <p:spTree>
@@ -10363,795 +9969,7 @@
 </p:sld>
 </file>
 
-<file path=ppt/slides/slide2.xml><?xml version="1.0" encoding="utf-8"?>
-<p:sld xmlns:a="http://schemas.openxmlformats.org/drawingml/2006/main" xmlns:r="http://schemas.openxmlformats.org/officeDocument/2006/relationships" xmlns:p="http://schemas.openxmlformats.org/presentationml/2006/main">
-  <p:cSld>
-    <p:spTree>
-      <p:nvGrpSpPr>
-        <p:cNvPr id="1" name=""/>
-        <p:cNvGrpSpPr/>
-        <p:nvPr/>
-      </p:nvGrpSpPr>
-      <p:grpSpPr>
-        <a:xfrm>
-          <a:off x="0" y="0"/>
-          <a:ext cx="0" cy="0"/>
-          <a:chOff x="0" y="0"/>
-          <a:chExt cx="0" cy="0"/>
-        </a:xfrm>
-      </p:grpSpPr>
-      <p:sp>
-        <p:nvSpPr>
-          <p:cNvPr id="2" name="Title 1">
-            <a:extLst>
-              <a:ext uri="{FF2B5EF4-FFF2-40B4-BE49-F238E27FC236}">
-                <a16:creationId xmlns:a16="http://schemas.microsoft.com/office/drawing/2014/main" id="{0E138177-E2EE-ACAC-A57C-F03FA29EC836}"/>
-              </a:ext>
-            </a:extLst>
-          </p:cNvPr>
-          <p:cNvSpPr>
-            <a:spLocks noGrp="1"/>
-          </p:cNvSpPr>
-          <p:nvPr>
-            <p:ph type="title"/>
-          </p:nvPr>
-        </p:nvSpPr>
-        <p:spPr/>
-        <p:txBody>
-          <a:bodyPr/>
-          <a:lstStyle/>
-          <a:p>
-            <a:r>
-              <a:rPr lang="en-US" dirty="0">
-                <a:solidFill>
-                  <a:schemeClr val="tx1">
-                    <a:lumMod val="75000"/>
-                    <a:lumOff val="25000"/>
-                  </a:schemeClr>
-                </a:solidFill>
-                <a:latin typeface="Palatino Linotype" panose="02040502050505030304" pitchFamily="18" charset="0"/>
-              </a:rPr>
-              <a:t>Lesson Overview</a:t>
-            </a:r>
-          </a:p>
-        </p:txBody>
-      </p:sp>
-      <p:sp>
-        <p:nvSpPr>
-          <p:cNvPr id="3" name="Content Placeholder 2">
-            <a:extLst>
-              <a:ext uri="{FF2B5EF4-FFF2-40B4-BE49-F238E27FC236}">
-                <a16:creationId xmlns:a16="http://schemas.microsoft.com/office/drawing/2014/main" id="{8626DB86-54B4-A1E2-6C25-C049F364ED25}"/>
-              </a:ext>
-            </a:extLst>
-          </p:cNvPr>
-          <p:cNvSpPr>
-            <a:spLocks noGrp="1"/>
-          </p:cNvSpPr>
-          <p:nvPr>
-            <p:ph idx="1"/>
-          </p:nvPr>
-        </p:nvSpPr>
-        <p:spPr>
-          <a:xfrm>
-            <a:off x="1013564" y="1825626"/>
-            <a:ext cx="10515600" cy="504215"/>
-          </a:xfrm>
-        </p:spPr>
-        <p:txBody>
-          <a:bodyPr/>
-          <a:lstStyle/>
-          <a:p>
-            <a:pPr>
-              <a:buFont typeface="Wingdings" panose="05000000000000000000" pitchFamily="2" charset="2"/>
-              <a:buChar char="Ø"/>
-            </a:pPr>
-            <a:r>
-              <a:rPr lang="en-US" dirty="0">
-                <a:solidFill>
-                  <a:schemeClr val="tx1">
-                    <a:lumMod val="75000"/>
-                    <a:lumOff val="25000"/>
-                  </a:schemeClr>
-                </a:solidFill>
-              </a:rPr>
-              <a:t> </a:t>
-            </a:r>
-            <a:r>
-              <a:rPr lang="en-US" dirty="0">
-                <a:solidFill>
-                  <a:schemeClr val="tx1">
-                    <a:lumMod val="75000"/>
-                    <a:lumOff val="25000"/>
-                  </a:schemeClr>
-                </a:solidFill>
-                <a:latin typeface="Palatino Linotype" panose="02040502050505030304" pitchFamily="18" charset="0"/>
-              </a:rPr>
-              <a:t>Learning Objective 1</a:t>
-            </a:r>
-          </a:p>
-        </p:txBody>
-      </p:sp>
-      <p:sp>
-        <p:nvSpPr>
-          <p:cNvPr id="5" name="Content Placeholder 2">
-            <a:extLst>
-              <a:ext uri="{FF2B5EF4-FFF2-40B4-BE49-F238E27FC236}">
-                <a16:creationId xmlns:a16="http://schemas.microsoft.com/office/drawing/2014/main" id="{7070644F-62DF-8674-4A8A-C2FA1554028E}"/>
-              </a:ext>
-            </a:extLst>
-          </p:cNvPr>
-          <p:cNvSpPr txBox="1">
-            <a:spLocks/>
-          </p:cNvSpPr>
-          <p:nvPr/>
-        </p:nvSpPr>
-        <p:spPr>
-          <a:xfrm>
-            <a:off x="1013564" y="2464778"/>
-            <a:ext cx="10515600" cy="504215"/>
-          </a:xfrm>
-          <a:prstGeom prst="rect">
-            <a:avLst/>
-          </a:prstGeom>
-        </p:spPr>
-        <p:txBody>
-          <a:bodyPr vert="horz" lIns="91440" tIns="45720" rIns="91440" bIns="45720" rtlCol="0">
-            <a:normAutofit/>
-          </a:bodyPr>
-          <a:lstStyle>
-            <a:lvl1pPr marL="228600" indent="-228600" algn="l" defTabSz="914400" rtl="0" eaLnBrk="1" latinLnBrk="0" hangingPunct="1">
-              <a:lnSpc>
-                <a:spcPct val="90000"/>
-              </a:lnSpc>
-              <a:spcBef>
-                <a:spcPts val="1000"/>
-              </a:spcBef>
-              <a:buFont typeface="Arial" panose="020B0604020202020204" pitchFamily="34" charset="0"/>
-              <a:buChar char="•"/>
-              <a:defRPr sz="2800" kern="1200">
-                <a:solidFill>
-                  <a:schemeClr val="tx1"/>
-                </a:solidFill>
-                <a:latin typeface="+mn-lt"/>
-                <a:ea typeface="+mn-ea"/>
-                <a:cs typeface="+mn-cs"/>
-              </a:defRPr>
-            </a:lvl1pPr>
-            <a:lvl2pPr marL="685800" indent="-228600" algn="l" defTabSz="914400" rtl="0" eaLnBrk="1" latinLnBrk="0" hangingPunct="1">
-              <a:lnSpc>
-                <a:spcPct val="90000"/>
-              </a:lnSpc>
-              <a:spcBef>
-                <a:spcPts val="500"/>
-              </a:spcBef>
-              <a:buFont typeface="Arial" panose="020B0604020202020204" pitchFamily="34" charset="0"/>
-              <a:buChar char="•"/>
-              <a:defRPr sz="2400" kern="1200">
-                <a:solidFill>
-                  <a:schemeClr val="tx1"/>
-                </a:solidFill>
-                <a:latin typeface="+mn-lt"/>
-                <a:ea typeface="+mn-ea"/>
-                <a:cs typeface="+mn-cs"/>
-              </a:defRPr>
-            </a:lvl2pPr>
-            <a:lvl3pPr marL="1143000" indent="-228600" algn="l" defTabSz="914400" rtl="0" eaLnBrk="1" latinLnBrk="0" hangingPunct="1">
-              <a:lnSpc>
-                <a:spcPct val="90000"/>
-              </a:lnSpc>
-              <a:spcBef>
-                <a:spcPts val="500"/>
-              </a:spcBef>
-              <a:buFont typeface="Arial" panose="020B0604020202020204" pitchFamily="34" charset="0"/>
-              <a:buChar char="•"/>
-              <a:defRPr sz="2000" kern="1200">
-                <a:solidFill>
-                  <a:schemeClr val="tx1"/>
-                </a:solidFill>
-                <a:latin typeface="+mn-lt"/>
-                <a:ea typeface="+mn-ea"/>
-                <a:cs typeface="+mn-cs"/>
-              </a:defRPr>
-            </a:lvl3pPr>
-            <a:lvl4pPr marL="1600200" indent="-228600" algn="l" defTabSz="914400" rtl="0" eaLnBrk="1" latinLnBrk="0" hangingPunct="1">
-              <a:lnSpc>
-                <a:spcPct val="90000"/>
-              </a:lnSpc>
-              <a:spcBef>
-                <a:spcPts val="500"/>
-              </a:spcBef>
-              <a:buFont typeface="Arial" panose="020B0604020202020204" pitchFamily="34" charset="0"/>
-              <a:buChar char="•"/>
-              <a:defRPr sz="1800" kern="1200">
-                <a:solidFill>
-                  <a:schemeClr val="tx1"/>
-                </a:solidFill>
-                <a:latin typeface="+mn-lt"/>
-                <a:ea typeface="+mn-ea"/>
-                <a:cs typeface="+mn-cs"/>
-              </a:defRPr>
-            </a:lvl4pPr>
-            <a:lvl5pPr marL="2057400" indent="-228600" algn="l" defTabSz="914400" rtl="0" eaLnBrk="1" latinLnBrk="0" hangingPunct="1">
-              <a:lnSpc>
-                <a:spcPct val="90000"/>
-              </a:lnSpc>
-              <a:spcBef>
-                <a:spcPts val="500"/>
-              </a:spcBef>
-              <a:buFont typeface="Arial" panose="020B0604020202020204" pitchFamily="34" charset="0"/>
-              <a:buChar char="•"/>
-              <a:defRPr sz="1800" kern="1200">
-                <a:solidFill>
-                  <a:schemeClr val="tx1"/>
-                </a:solidFill>
-                <a:latin typeface="+mn-lt"/>
-                <a:ea typeface="+mn-ea"/>
-                <a:cs typeface="+mn-cs"/>
-              </a:defRPr>
-            </a:lvl5pPr>
-            <a:lvl6pPr marL="2514600" indent="-228600" algn="l" defTabSz="914400" rtl="0" eaLnBrk="1" latinLnBrk="0" hangingPunct="1">
-              <a:lnSpc>
-                <a:spcPct val="90000"/>
-              </a:lnSpc>
-              <a:spcBef>
-                <a:spcPts val="500"/>
-              </a:spcBef>
-              <a:buFont typeface="Arial" panose="020B0604020202020204" pitchFamily="34" charset="0"/>
-              <a:buChar char="•"/>
-              <a:defRPr sz="1800" kern="1200">
-                <a:solidFill>
-                  <a:schemeClr val="tx1"/>
-                </a:solidFill>
-                <a:latin typeface="+mn-lt"/>
-                <a:ea typeface="+mn-ea"/>
-                <a:cs typeface="+mn-cs"/>
-              </a:defRPr>
-            </a:lvl6pPr>
-            <a:lvl7pPr marL="2971800" indent="-228600" algn="l" defTabSz="914400" rtl="0" eaLnBrk="1" latinLnBrk="0" hangingPunct="1">
-              <a:lnSpc>
-                <a:spcPct val="90000"/>
-              </a:lnSpc>
-              <a:spcBef>
-                <a:spcPts val="500"/>
-              </a:spcBef>
-              <a:buFont typeface="Arial" panose="020B0604020202020204" pitchFamily="34" charset="0"/>
-              <a:buChar char="•"/>
-              <a:defRPr sz="1800" kern="1200">
-                <a:solidFill>
-                  <a:schemeClr val="tx1"/>
-                </a:solidFill>
-                <a:latin typeface="+mn-lt"/>
-                <a:ea typeface="+mn-ea"/>
-                <a:cs typeface="+mn-cs"/>
-              </a:defRPr>
-            </a:lvl7pPr>
-            <a:lvl8pPr marL="3429000" indent="-228600" algn="l" defTabSz="914400" rtl="0" eaLnBrk="1" latinLnBrk="0" hangingPunct="1">
-              <a:lnSpc>
-                <a:spcPct val="90000"/>
-              </a:lnSpc>
-              <a:spcBef>
-                <a:spcPts val="500"/>
-              </a:spcBef>
-              <a:buFont typeface="Arial" panose="020B0604020202020204" pitchFamily="34" charset="0"/>
-              <a:buChar char="•"/>
-              <a:defRPr sz="1800" kern="1200">
-                <a:solidFill>
-                  <a:schemeClr val="tx1"/>
-                </a:solidFill>
-                <a:latin typeface="+mn-lt"/>
-                <a:ea typeface="+mn-ea"/>
-                <a:cs typeface="+mn-cs"/>
-              </a:defRPr>
-            </a:lvl8pPr>
-            <a:lvl9pPr marL="3886200" indent="-228600" algn="l" defTabSz="914400" rtl="0" eaLnBrk="1" latinLnBrk="0" hangingPunct="1">
-              <a:lnSpc>
-                <a:spcPct val="90000"/>
-              </a:lnSpc>
-              <a:spcBef>
-                <a:spcPts val="500"/>
-              </a:spcBef>
-              <a:buFont typeface="Arial" panose="020B0604020202020204" pitchFamily="34" charset="0"/>
-              <a:buChar char="•"/>
-              <a:defRPr sz="1800" kern="1200">
-                <a:solidFill>
-                  <a:schemeClr val="tx1"/>
-                </a:solidFill>
-                <a:latin typeface="+mn-lt"/>
-                <a:ea typeface="+mn-ea"/>
-                <a:cs typeface="+mn-cs"/>
-              </a:defRPr>
-            </a:lvl9pPr>
-          </a:lstStyle>
-          <a:p>
-            <a:pPr>
-              <a:buFont typeface="Wingdings" panose="05000000000000000000" pitchFamily="2" charset="2"/>
-              <a:buChar char="Ø"/>
-            </a:pPr>
-            <a:r>
-              <a:rPr lang="en-US" dirty="0">
-                <a:solidFill>
-                  <a:schemeClr val="tx1">
-                    <a:lumMod val="75000"/>
-                    <a:lumOff val="25000"/>
-                  </a:schemeClr>
-                </a:solidFill>
-              </a:rPr>
-              <a:t> </a:t>
-            </a:r>
-            <a:r>
-              <a:rPr lang="en-US" dirty="0">
-                <a:solidFill>
-                  <a:schemeClr val="tx1">
-                    <a:lumMod val="75000"/>
-                    <a:lumOff val="25000"/>
-                  </a:schemeClr>
-                </a:solidFill>
-                <a:latin typeface="Palatino Linotype" panose="02040502050505030304" pitchFamily="18" charset="0"/>
-              </a:rPr>
-              <a:t>Learning Objective 1</a:t>
-            </a:r>
-          </a:p>
-        </p:txBody>
-      </p:sp>
-      <p:sp>
-        <p:nvSpPr>
-          <p:cNvPr id="6" name="Content Placeholder 2">
-            <a:extLst>
-              <a:ext uri="{FF2B5EF4-FFF2-40B4-BE49-F238E27FC236}">
-                <a16:creationId xmlns:a16="http://schemas.microsoft.com/office/drawing/2014/main" id="{FF2490E1-D7A0-7027-6DCC-60BB6819CD9E}"/>
-              </a:ext>
-            </a:extLst>
-          </p:cNvPr>
-          <p:cNvSpPr txBox="1">
-            <a:spLocks/>
-          </p:cNvSpPr>
-          <p:nvPr/>
-        </p:nvSpPr>
-        <p:spPr>
-          <a:xfrm>
-            <a:off x="1013564" y="3103930"/>
-            <a:ext cx="10515600" cy="504215"/>
-          </a:xfrm>
-          <a:prstGeom prst="rect">
-            <a:avLst/>
-          </a:prstGeom>
-        </p:spPr>
-        <p:txBody>
-          <a:bodyPr vert="horz" lIns="91440" tIns="45720" rIns="91440" bIns="45720" rtlCol="0">
-            <a:normAutofit/>
-          </a:bodyPr>
-          <a:lstStyle>
-            <a:lvl1pPr marL="228600" indent="-228600" algn="l" defTabSz="914400" rtl="0" eaLnBrk="1" latinLnBrk="0" hangingPunct="1">
-              <a:lnSpc>
-                <a:spcPct val="90000"/>
-              </a:lnSpc>
-              <a:spcBef>
-                <a:spcPts val="1000"/>
-              </a:spcBef>
-              <a:buFont typeface="Arial" panose="020B0604020202020204" pitchFamily="34" charset="0"/>
-              <a:buChar char="•"/>
-              <a:defRPr sz="2800" kern="1200">
-                <a:solidFill>
-                  <a:schemeClr val="tx1"/>
-                </a:solidFill>
-                <a:latin typeface="+mn-lt"/>
-                <a:ea typeface="+mn-ea"/>
-                <a:cs typeface="+mn-cs"/>
-              </a:defRPr>
-            </a:lvl1pPr>
-            <a:lvl2pPr marL="685800" indent="-228600" algn="l" defTabSz="914400" rtl="0" eaLnBrk="1" latinLnBrk="0" hangingPunct="1">
-              <a:lnSpc>
-                <a:spcPct val="90000"/>
-              </a:lnSpc>
-              <a:spcBef>
-                <a:spcPts val="500"/>
-              </a:spcBef>
-              <a:buFont typeface="Arial" panose="020B0604020202020204" pitchFamily="34" charset="0"/>
-              <a:buChar char="•"/>
-              <a:defRPr sz="2400" kern="1200">
-                <a:solidFill>
-                  <a:schemeClr val="tx1"/>
-                </a:solidFill>
-                <a:latin typeface="+mn-lt"/>
-                <a:ea typeface="+mn-ea"/>
-                <a:cs typeface="+mn-cs"/>
-              </a:defRPr>
-            </a:lvl2pPr>
-            <a:lvl3pPr marL="1143000" indent="-228600" algn="l" defTabSz="914400" rtl="0" eaLnBrk="1" latinLnBrk="0" hangingPunct="1">
-              <a:lnSpc>
-                <a:spcPct val="90000"/>
-              </a:lnSpc>
-              <a:spcBef>
-                <a:spcPts val="500"/>
-              </a:spcBef>
-              <a:buFont typeface="Arial" panose="020B0604020202020204" pitchFamily="34" charset="0"/>
-              <a:buChar char="•"/>
-              <a:defRPr sz="2000" kern="1200">
-                <a:solidFill>
-                  <a:schemeClr val="tx1"/>
-                </a:solidFill>
-                <a:latin typeface="+mn-lt"/>
-                <a:ea typeface="+mn-ea"/>
-                <a:cs typeface="+mn-cs"/>
-              </a:defRPr>
-            </a:lvl3pPr>
-            <a:lvl4pPr marL="1600200" indent="-228600" algn="l" defTabSz="914400" rtl="0" eaLnBrk="1" latinLnBrk="0" hangingPunct="1">
-              <a:lnSpc>
-                <a:spcPct val="90000"/>
-              </a:lnSpc>
-              <a:spcBef>
-                <a:spcPts val="500"/>
-              </a:spcBef>
-              <a:buFont typeface="Arial" panose="020B0604020202020204" pitchFamily="34" charset="0"/>
-              <a:buChar char="•"/>
-              <a:defRPr sz="1800" kern="1200">
-                <a:solidFill>
-                  <a:schemeClr val="tx1"/>
-                </a:solidFill>
-                <a:latin typeface="+mn-lt"/>
-                <a:ea typeface="+mn-ea"/>
-                <a:cs typeface="+mn-cs"/>
-              </a:defRPr>
-            </a:lvl4pPr>
-            <a:lvl5pPr marL="2057400" indent="-228600" algn="l" defTabSz="914400" rtl="0" eaLnBrk="1" latinLnBrk="0" hangingPunct="1">
-              <a:lnSpc>
-                <a:spcPct val="90000"/>
-              </a:lnSpc>
-              <a:spcBef>
-                <a:spcPts val="500"/>
-              </a:spcBef>
-              <a:buFont typeface="Arial" panose="020B0604020202020204" pitchFamily="34" charset="0"/>
-              <a:buChar char="•"/>
-              <a:defRPr sz="1800" kern="1200">
-                <a:solidFill>
-                  <a:schemeClr val="tx1"/>
-                </a:solidFill>
-                <a:latin typeface="+mn-lt"/>
-                <a:ea typeface="+mn-ea"/>
-                <a:cs typeface="+mn-cs"/>
-              </a:defRPr>
-            </a:lvl5pPr>
-            <a:lvl6pPr marL="2514600" indent="-228600" algn="l" defTabSz="914400" rtl="0" eaLnBrk="1" latinLnBrk="0" hangingPunct="1">
-              <a:lnSpc>
-                <a:spcPct val="90000"/>
-              </a:lnSpc>
-              <a:spcBef>
-                <a:spcPts val="500"/>
-              </a:spcBef>
-              <a:buFont typeface="Arial" panose="020B0604020202020204" pitchFamily="34" charset="0"/>
-              <a:buChar char="•"/>
-              <a:defRPr sz="1800" kern="1200">
-                <a:solidFill>
-                  <a:schemeClr val="tx1"/>
-                </a:solidFill>
-                <a:latin typeface="+mn-lt"/>
-                <a:ea typeface="+mn-ea"/>
-                <a:cs typeface="+mn-cs"/>
-              </a:defRPr>
-            </a:lvl6pPr>
-            <a:lvl7pPr marL="2971800" indent="-228600" algn="l" defTabSz="914400" rtl="0" eaLnBrk="1" latinLnBrk="0" hangingPunct="1">
-              <a:lnSpc>
-                <a:spcPct val="90000"/>
-              </a:lnSpc>
-              <a:spcBef>
-                <a:spcPts val="500"/>
-              </a:spcBef>
-              <a:buFont typeface="Arial" panose="020B0604020202020204" pitchFamily="34" charset="0"/>
-              <a:buChar char="•"/>
-              <a:defRPr sz="1800" kern="1200">
-                <a:solidFill>
-                  <a:schemeClr val="tx1"/>
-                </a:solidFill>
-                <a:latin typeface="+mn-lt"/>
-                <a:ea typeface="+mn-ea"/>
-                <a:cs typeface="+mn-cs"/>
-              </a:defRPr>
-            </a:lvl7pPr>
-            <a:lvl8pPr marL="3429000" indent="-228600" algn="l" defTabSz="914400" rtl="0" eaLnBrk="1" latinLnBrk="0" hangingPunct="1">
-              <a:lnSpc>
-                <a:spcPct val="90000"/>
-              </a:lnSpc>
-              <a:spcBef>
-                <a:spcPts val="500"/>
-              </a:spcBef>
-              <a:buFont typeface="Arial" panose="020B0604020202020204" pitchFamily="34" charset="0"/>
-              <a:buChar char="•"/>
-              <a:defRPr sz="1800" kern="1200">
-                <a:solidFill>
-                  <a:schemeClr val="tx1"/>
-                </a:solidFill>
-                <a:latin typeface="+mn-lt"/>
-                <a:ea typeface="+mn-ea"/>
-                <a:cs typeface="+mn-cs"/>
-              </a:defRPr>
-            </a:lvl8pPr>
-            <a:lvl9pPr marL="3886200" indent="-228600" algn="l" defTabSz="914400" rtl="0" eaLnBrk="1" latinLnBrk="0" hangingPunct="1">
-              <a:lnSpc>
-                <a:spcPct val="90000"/>
-              </a:lnSpc>
-              <a:spcBef>
-                <a:spcPts val="500"/>
-              </a:spcBef>
-              <a:buFont typeface="Arial" panose="020B0604020202020204" pitchFamily="34" charset="0"/>
-              <a:buChar char="•"/>
-              <a:defRPr sz="1800" kern="1200">
-                <a:solidFill>
-                  <a:schemeClr val="tx1"/>
-                </a:solidFill>
-                <a:latin typeface="+mn-lt"/>
-                <a:ea typeface="+mn-ea"/>
-                <a:cs typeface="+mn-cs"/>
-              </a:defRPr>
-            </a:lvl9pPr>
-          </a:lstStyle>
-          <a:p>
-            <a:pPr>
-              <a:buFont typeface="Wingdings" panose="05000000000000000000" pitchFamily="2" charset="2"/>
-              <a:buChar char="Ø"/>
-            </a:pPr>
-            <a:r>
-              <a:rPr lang="en-US" dirty="0">
-                <a:solidFill>
-                  <a:schemeClr val="tx1">
-                    <a:lumMod val="75000"/>
-                    <a:lumOff val="25000"/>
-                  </a:schemeClr>
-                </a:solidFill>
-              </a:rPr>
-              <a:t> </a:t>
-            </a:r>
-            <a:r>
-              <a:rPr lang="en-US" dirty="0">
-                <a:solidFill>
-                  <a:schemeClr val="tx1">
-                    <a:lumMod val="75000"/>
-                    <a:lumOff val="25000"/>
-                  </a:schemeClr>
-                </a:solidFill>
-                <a:latin typeface="Palatino Linotype" panose="02040502050505030304" pitchFamily="18" charset="0"/>
-              </a:rPr>
-              <a:t>Learning Objective 1</a:t>
-            </a:r>
-          </a:p>
-        </p:txBody>
-      </p:sp>
-      <p:sp>
-        <p:nvSpPr>
-          <p:cNvPr id="7" name="Content Placeholder 2">
-            <a:extLst>
-              <a:ext uri="{FF2B5EF4-FFF2-40B4-BE49-F238E27FC236}">
-                <a16:creationId xmlns:a16="http://schemas.microsoft.com/office/drawing/2014/main" id="{6D3279E5-D518-B484-9FCF-B12663A4E8FF}"/>
-              </a:ext>
-            </a:extLst>
-          </p:cNvPr>
-          <p:cNvSpPr txBox="1">
-            <a:spLocks/>
-          </p:cNvSpPr>
-          <p:nvPr/>
-        </p:nvSpPr>
-        <p:spPr>
-          <a:xfrm>
-            <a:off x="1013564" y="3743082"/>
-            <a:ext cx="10515600" cy="504215"/>
-          </a:xfrm>
-          <a:prstGeom prst="rect">
-            <a:avLst/>
-          </a:prstGeom>
-        </p:spPr>
-        <p:txBody>
-          <a:bodyPr vert="horz" lIns="91440" tIns="45720" rIns="91440" bIns="45720" rtlCol="0">
-            <a:normAutofit/>
-          </a:bodyPr>
-          <a:lstStyle>
-            <a:lvl1pPr marL="228600" indent="-228600" algn="l" defTabSz="914400" rtl="0" eaLnBrk="1" latinLnBrk="0" hangingPunct="1">
-              <a:lnSpc>
-                <a:spcPct val="90000"/>
-              </a:lnSpc>
-              <a:spcBef>
-                <a:spcPts val="1000"/>
-              </a:spcBef>
-              <a:buFont typeface="Arial" panose="020B0604020202020204" pitchFamily="34" charset="0"/>
-              <a:buChar char="•"/>
-              <a:defRPr sz="2800" kern="1200">
-                <a:solidFill>
-                  <a:schemeClr val="tx1"/>
-                </a:solidFill>
-                <a:latin typeface="+mn-lt"/>
-                <a:ea typeface="+mn-ea"/>
-                <a:cs typeface="+mn-cs"/>
-              </a:defRPr>
-            </a:lvl1pPr>
-            <a:lvl2pPr marL="685800" indent="-228600" algn="l" defTabSz="914400" rtl="0" eaLnBrk="1" latinLnBrk="0" hangingPunct="1">
-              <a:lnSpc>
-                <a:spcPct val="90000"/>
-              </a:lnSpc>
-              <a:spcBef>
-                <a:spcPts val="500"/>
-              </a:spcBef>
-              <a:buFont typeface="Arial" panose="020B0604020202020204" pitchFamily="34" charset="0"/>
-              <a:buChar char="•"/>
-              <a:defRPr sz="2400" kern="1200">
-                <a:solidFill>
-                  <a:schemeClr val="tx1"/>
-                </a:solidFill>
-                <a:latin typeface="+mn-lt"/>
-                <a:ea typeface="+mn-ea"/>
-                <a:cs typeface="+mn-cs"/>
-              </a:defRPr>
-            </a:lvl2pPr>
-            <a:lvl3pPr marL="1143000" indent="-228600" algn="l" defTabSz="914400" rtl="0" eaLnBrk="1" latinLnBrk="0" hangingPunct="1">
-              <a:lnSpc>
-                <a:spcPct val="90000"/>
-              </a:lnSpc>
-              <a:spcBef>
-                <a:spcPts val="500"/>
-              </a:spcBef>
-              <a:buFont typeface="Arial" panose="020B0604020202020204" pitchFamily="34" charset="0"/>
-              <a:buChar char="•"/>
-              <a:defRPr sz="2000" kern="1200">
-                <a:solidFill>
-                  <a:schemeClr val="tx1"/>
-                </a:solidFill>
-                <a:latin typeface="+mn-lt"/>
-                <a:ea typeface="+mn-ea"/>
-                <a:cs typeface="+mn-cs"/>
-              </a:defRPr>
-            </a:lvl3pPr>
-            <a:lvl4pPr marL="1600200" indent="-228600" algn="l" defTabSz="914400" rtl="0" eaLnBrk="1" latinLnBrk="0" hangingPunct="1">
-              <a:lnSpc>
-                <a:spcPct val="90000"/>
-              </a:lnSpc>
-              <a:spcBef>
-                <a:spcPts val="500"/>
-              </a:spcBef>
-              <a:buFont typeface="Arial" panose="020B0604020202020204" pitchFamily="34" charset="0"/>
-              <a:buChar char="•"/>
-              <a:defRPr sz="1800" kern="1200">
-                <a:solidFill>
-                  <a:schemeClr val="tx1"/>
-                </a:solidFill>
-                <a:latin typeface="+mn-lt"/>
-                <a:ea typeface="+mn-ea"/>
-                <a:cs typeface="+mn-cs"/>
-              </a:defRPr>
-            </a:lvl4pPr>
-            <a:lvl5pPr marL="2057400" indent="-228600" algn="l" defTabSz="914400" rtl="0" eaLnBrk="1" latinLnBrk="0" hangingPunct="1">
-              <a:lnSpc>
-                <a:spcPct val="90000"/>
-              </a:lnSpc>
-              <a:spcBef>
-                <a:spcPts val="500"/>
-              </a:spcBef>
-              <a:buFont typeface="Arial" panose="020B0604020202020204" pitchFamily="34" charset="0"/>
-              <a:buChar char="•"/>
-              <a:defRPr sz="1800" kern="1200">
-                <a:solidFill>
-                  <a:schemeClr val="tx1"/>
-                </a:solidFill>
-                <a:latin typeface="+mn-lt"/>
-                <a:ea typeface="+mn-ea"/>
-                <a:cs typeface="+mn-cs"/>
-              </a:defRPr>
-            </a:lvl5pPr>
-            <a:lvl6pPr marL="2514600" indent="-228600" algn="l" defTabSz="914400" rtl="0" eaLnBrk="1" latinLnBrk="0" hangingPunct="1">
-              <a:lnSpc>
-                <a:spcPct val="90000"/>
-              </a:lnSpc>
-              <a:spcBef>
-                <a:spcPts val="500"/>
-              </a:spcBef>
-              <a:buFont typeface="Arial" panose="020B0604020202020204" pitchFamily="34" charset="0"/>
-              <a:buChar char="•"/>
-              <a:defRPr sz="1800" kern="1200">
-                <a:solidFill>
-                  <a:schemeClr val="tx1"/>
-                </a:solidFill>
-                <a:latin typeface="+mn-lt"/>
-                <a:ea typeface="+mn-ea"/>
-                <a:cs typeface="+mn-cs"/>
-              </a:defRPr>
-            </a:lvl6pPr>
-            <a:lvl7pPr marL="2971800" indent="-228600" algn="l" defTabSz="914400" rtl="0" eaLnBrk="1" latinLnBrk="0" hangingPunct="1">
-              <a:lnSpc>
-                <a:spcPct val="90000"/>
-              </a:lnSpc>
-              <a:spcBef>
-                <a:spcPts val="500"/>
-              </a:spcBef>
-              <a:buFont typeface="Arial" panose="020B0604020202020204" pitchFamily="34" charset="0"/>
-              <a:buChar char="•"/>
-              <a:defRPr sz="1800" kern="1200">
-                <a:solidFill>
-                  <a:schemeClr val="tx1"/>
-                </a:solidFill>
-                <a:latin typeface="+mn-lt"/>
-                <a:ea typeface="+mn-ea"/>
-                <a:cs typeface="+mn-cs"/>
-              </a:defRPr>
-            </a:lvl7pPr>
-            <a:lvl8pPr marL="3429000" indent="-228600" algn="l" defTabSz="914400" rtl="0" eaLnBrk="1" latinLnBrk="0" hangingPunct="1">
-              <a:lnSpc>
-                <a:spcPct val="90000"/>
-              </a:lnSpc>
-              <a:spcBef>
-                <a:spcPts val="500"/>
-              </a:spcBef>
-              <a:buFont typeface="Arial" panose="020B0604020202020204" pitchFamily="34" charset="0"/>
-              <a:buChar char="•"/>
-              <a:defRPr sz="1800" kern="1200">
-                <a:solidFill>
-                  <a:schemeClr val="tx1"/>
-                </a:solidFill>
-                <a:latin typeface="+mn-lt"/>
-                <a:ea typeface="+mn-ea"/>
-                <a:cs typeface="+mn-cs"/>
-              </a:defRPr>
-            </a:lvl8pPr>
-            <a:lvl9pPr marL="3886200" indent="-228600" algn="l" defTabSz="914400" rtl="0" eaLnBrk="1" latinLnBrk="0" hangingPunct="1">
-              <a:lnSpc>
-                <a:spcPct val="90000"/>
-              </a:lnSpc>
-              <a:spcBef>
-                <a:spcPts val="500"/>
-              </a:spcBef>
-              <a:buFont typeface="Arial" panose="020B0604020202020204" pitchFamily="34" charset="0"/>
-              <a:buChar char="•"/>
-              <a:defRPr sz="1800" kern="1200">
-                <a:solidFill>
-                  <a:schemeClr val="tx1"/>
-                </a:solidFill>
-                <a:latin typeface="+mn-lt"/>
-                <a:ea typeface="+mn-ea"/>
-                <a:cs typeface="+mn-cs"/>
-              </a:defRPr>
-            </a:lvl9pPr>
-          </a:lstStyle>
-          <a:p>
-            <a:pPr>
-              <a:buFont typeface="Wingdings" panose="05000000000000000000" pitchFamily="2" charset="2"/>
-              <a:buChar char="Ø"/>
-            </a:pPr>
-            <a:r>
-              <a:rPr lang="en-US" dirty="0">
-                <a:solidFill>
-                  <a:schemeClr val="tx1">
-                    <a:lumMod val="75000"/>
-                    <a:lumOff val="25000"/>
-                  </a:schemeClr>
-                </a:solidFill>
-              </a:rPr>
-              <a:t> </a:t>
-            </a:r>
-            <a:r>
-              <a:rPr lang="en-US" dirty="0">
-                <a:solidFill>
-                  <a:schemeClr val="tx1">
-                    <a:lumMod val="75000"/>
-                    <a:lumOff val="25000"/>
-                  </a:schemeClr>
-                </a:solidFill>
-                <a:latin typeface="Palatino Linotype" panose="02040502050505030304" pitchFamily="18" charset="0"/>
-              </a:rPr>
-              <a:t>Learning Objective 1</a:t>
-            </a:r>
-          </a:p>
-        </p:txBody>
-      </p:sp>
-    </p:spTree>
-    <p:extLst>
-      <p:ext uri="{BB962C8B-B14F-4D97-AF65-F5344CB8AC3E}">
-        <p14:creationId xmlns:p14="http://schemas.microsoft.com/office/powerpoint/2010/main" val="1416141381"/>
-      </p:ext>
-    </p:extLst>
-  </p:cSld>
-  <p:clrMapOvr>
-    <a:masterClrMapping/>
-  </p:clrMapOvr>
-</p:sld>
-</file>
-
-<file path=ppt/slides/slide20.xml><?xml version="1.0" encoding="utf-8"?>
+<file path=ppt/slides/slide19.xml><?xml version="1.0" encoding="utf-8"?>
 <p:sld xmlns:a="http://schemas.openxmlformats.org/drawingml/2006/main" xmlns:r="http://schemas.openxmlformats.org/officeDocument/2006/relationships" xmlns:p="http://schemas.openxmlformats.org/presentationml/2006/main">
   <p:cSld>
     <p:spTree>
@@ -11320,7 +10138,410 @@
 </p:sld>
 </file>
 
-<file path=ppt/slides/slide21.xml><?xml version="1.0" encoding="utf-8"?>
+<file path=ppt/slides/slide2.xml><?xml version="1.0" encoding="utf-8"?>
+<p:sld xmlns:a="http://schemas.openxmlformats.org/drawingml/2006/main" xmlns:r="http://schemas.openxmlformats.org/officeDocument/2006/relationships" xmlns:p="http://schemas.openxmlformats.org/presentationml/2006/main">
+  <p:cSld>
+    <p:spTree>
+      <p:nvGrpSpPr>
+        <p:cNvPr id="1" name=""/>
+        <p:cNvGrpSpPr/>
+        <p:nvPr/>
+      </p:nvGrpSpPr>
+      <p:grpSpPr>
+        <a:xfrm>
+          <a:off x="0" y="0"/>
+          <a:ext cx="0" cy="0"/>
+          <a:chOff x="0" y="0"/>
+          <a:chExt cx="0" cy="0"/>
+        </a:xfrm>
+      </p:grpSpPr>
+      <p:sp>
+        <p:nvSpPr>
+          <p:cNvPr id="3" name="TextBox 2">
+            <a:extLst>
+              <a:ext uri="{FF2B5EF4-FFF2-40B4-BE49-F238E27FC236}">
+                <a16:creationId xmlns:a16="http://schemas.microsoft.com/office/drawing/2014/main" id="{C1E53685-A9F7-4FE0-ABDB-9B755F275882}"/>
+              </a:ext>
+            </a:extLst>
+          </p:cNvPr>
+          <p:cNvSpPr txBox="1"/>
+          <p:nvPr/>
+        </p:nvSpPr>
+        <p:spPr>
+          <a:xfrm>
+            <a:off x="0" y="6550223"/>
+            <a:ext cx="12192000" cy="307777"/>
+          </a:xfrm>
+          <a:prstGeom prst="rect">
+            <a:avLst/>
+          </a:prstGeom>
+          <a:noFill/>
+        </p:spPr>
+        <p:txBody>
+          <a:bodyPr wrap="square" rtlCol="0">
+            <a:spAutoFit/>
+          </a:bodyPr>
+          <a:lstStyle/>
+          <a:p>
+            <a:r>
+              <a:rPr lang="en-US" sz="1400" dirty="0">
+                <a:solidFill>
+                  <a:schemeClr val="tx1">
+                    <a:lumMod val="65000"/>
+                    <a:lumOff val="35000"/>
+                  </a:schemeClr>
+                </a:solidFill>
+                <a:latin typeface="+mj-lt"/>
+                <a:ea typeface="Verdana" panose="020B0604030504040204" pitchFamily="34" charset="0"/>
+              </a:rPr>
+              <a:t>Source: Glassner, A. (2021). </a:t>
+            </a:r>
+            <a:r>
+              <a:rPr lang="en-US" sz="1400" i="1" dirty="0">
+                <a:solidFill>
+                  <a:schemeClr val="tx1">
+                    <a:lumMod val="65000"/>
+                    <a:lumOff val="35000"/>
+                  </a:schemeClr>
+                </a:solidFill>
+                <a:latin typeface="+mj-lt"/>
+                <a:ea typeface="Verdana" panose="020B0604030504040204" pitchFamily="34" charset="0"/>
+              </a:rPr>
+              <a:t>Deep learning: A visual approach</a:t>
+            </a:r>
+            <a:r>
+              <a:rPr lang="en-US" sz="1400" dirty="0">
+                <a:solidFill>
+                  <a:schemeClr val="tx1">
+                    <a:lumMod val="65000"/>
+                    <a:lumOff val="35000"/>
+                  </a:schemeClr>
+                </a:solidFill>
+                <a:latin typeface="+mj-lt"/>
+                <a:ea typeface="Verdana" panose="020B0604030504040204" pitchFamily="34" charset="0"/>
+              </a:rPr>
+              <a:t>. </a:t>
+            </a:r>
+            <a:r>
+              <a:rPr lang="en-US" sz="1400" b="0" i="0" dirty="0">
+                <a:solidFill>
+                  <a:schemeClr val="tx1">
+                    <a:lumMod val="65000"/>
+                    <a:lumOff val="35000"/>
+                  </a:schemeClr>
+                </a:solidFill>
+                <a:effectLst/>
+                <a:latin typeface="+mj-lt"/>
+                <a:ea typeface="Verdana" panose="020B0604030504040204" pitchFamily="34" charset="0"/>
+              </a:rPr>
+              <a:t>San Francisco, CA: No Starch Press. (Chapter </a:t>
+            </a:r>
+            <a:r>
+              <a:rPr lang="en-US" sz="1400" dirty="0">
+                <a:solidFill>
+                  <a:schemeClr val="tx1">
+                    <a:lumMod val="65000"/>
+                    <a:lumOff val="35000"/>
+                  </a:schemeClr>
+                </a:solidFill>
+                <a:latin typeface="+mj-lt"/>
+                <a:ea typeface="Verdana" panose="020B0604030504040204" pitchFamily="34" charset="0"/>
+              </a:rPr>
+              <a:t>20</a:t>
+            </a:r>
+            <a:r>
+              <a:rPr lang="en-US" sz="1400" b="0" i="0" dirty="0">
+                <a:solidFill>
+                  <a:schemeClr val="tx1">
+                    <a:lumMod val="65000"/>
+                    <a:lumOff val="35000"/>
+                  </a:schemeClr>
+                </a:solidFill>
+                <a:effectLst/>
+                <a:latin typeface="+mj-lt"/>
+                <a:ea typeface="Verdana" panose="020B0604030504040204" pitchFamily="34" charset="0"/>
+              </a:rPr>
+              <a:t>)</a:t>
+            </a:r>
+            <a:endParaRPr lang="en-US" sz="1400" dirty="0">
+              <a:solidFill>
+                <a:schemeClr val="tx1">
+                  <a:lumMod val="65000"/>
+                  <a:lumOff val="35000"/>
+                </a:schemeClr>
+              </a:solidFill>
+              <a:latin typeface="+mj-lt"/>
+              <a:ea typeface="Verdana" panose="020B0604030504040204" pitchFamily="34" charset="0"/>
+            </a:endParaRPr>
+          </a:p>
+        </p:txBody>
+      </p:sp>
+      <p:pic>
+        <p:nvPicPr>
+          <p:cNvPr id="6" name="Picture 5">
+            <a:extLst>
+              <a:ext uri="{FF2B5EF4-FFF2-40B4-BE49-F238E27FC236}">
+                <a16:creationId xmlns:a16="http://schemas.microsoft.com/office/drawing/2014/main" id="{6D6EB62B-2AF5-414F-AE49-8A9F33BF1690}"/>
+              </a:ext>
+            </a:extLst>
+          </p:cNvPr>
+          <p:cNvPicPr>
+            <a:picLocks noChangeAspect="1"/>
+          </p:cNvPicPr>
+          <p:nvPr/>
+        </p:nvPicPr>
+        <p:blipFill>
+          <a:blip r:embed="rId3"/>
+          <a:stretch>
+            <a:fillRect/>
+          </a:stretch>
+        </p:blipFill>
+        <p:spPr>
+          <a:xfrm>
+            <a:off x="2694334" y="3645875"/>
+            <a:ext cx="2635250" cy="635000"/>
+          </a:xfrm>
+          <a:prstGeom prst="rect">
+            <a:avLst/>
+          </a:prstGeom>
+          <a:effectLst>
+            <a:outerShdw blurRad="50800" dist="38100" dir="2700000" algn="tl" rotWithShape="0">
+              <a:prstClr val="black">
+                <a:alpha val="40000"/>
+              </a:prstClr>
+            </a:outerShdw>
+          </a:effectLst>
+        </p:spPr>
+      </p:pic>
+      <p:sp>
+        <p:nvSpPr>
+          <p:cNvPr id="20" name="Title 1">
+            <a:extLst>
+              <a:ext uri="{FF2B5EF4-FFF2-40B4-BE49-F238E27FC236}">
+                <a16:creationId xmlns:a16="http://schemas.microsoft.com/office/drawing/2014/main" id="{A768B6E7-76B8-4DF1-9B5C-732BFB29136A}"/>
+              </a:ext>
+            </a:extLst>
+          </p:cNvPr>
+          <p:cNvSpPr>
+            <a:spLocks noGrp="1"/>
+          </p:cNvSpPr>
+          <p:nvPr>
+            <p:ph type="title"/>
+          </p:nvPr>
+        </p:nvSpPr>
+        <p:spPr>
+          <a:xfrm>
+            <a:off x="0" y="793808"/>
+            <a:ext cx="12192000" cy="606943"/>
+          </a:xfrm>
+          <a:noFill/>
+        </p:spPr>
+        <p:txBody>
+          <a:bodyPr>
+            <a:noAutofit/>
+          </a:bodyPr>
+          <a:lstStyle/>
+          <a:p>
+            <a:pPr algn="ctr"/>
+            <a:r>
+              <a:rPr lang="en-US" sz="3600" dirty="0">
+                <a:solidFill>
+                  <a:schemeClr val="tx1">
+                    <a:lumMod val="75000"/>
+                    <a:lumOff val="25000"/>
+                  </a:schemeClr>
+                </a:solidFill>
+                <a:latin typeface="Palatino Linotype" panose="02040502050505030304" pitchFamily="18" charset="0"/>
+              </a:rPr>
+              <a:t>Transformer Attention</a:t>
+            </a:r>
+            <a:endParaRPr lang="en-US" sz="3600" dirty="0">
+              <a:solidFill>
+                <a:schemeClr val="tx1">
+                  <a:lumMod val="75000"/>
+                  <a:lumOff val="25000"/>
+                </a:schemeClr>
+              </a:solidFill>
+              <a:latin typeface="Palatino Linotype" panose="02040502050505030304" pitchFamily="18" charset="0"/>
+              <a:cs typeface="Segoe UI Light" panose="020B0502040204020203" pitchFamily="34" charset="0"/>
+            </a:endParaRPr>
+          </a:p>
+        </p:txBody>
+      </p:sp>
+      <p:pic>
+        <p:nvPicPr>
+          <p:cNvPr id="4" name="Picture 3">
+            <a:extLst>
+              <a:ext uri="{FF2B5EF4-FFF2-40B4-BE49-F238E27FC236}">
+                <a16:creationId xmlns:a16="http://schemas.microsoft.com/office/drawing/2014/main" id="{49A6F357-2B30-46BD-8FDD-0411E11694D1}"/>
+              </a:ext>
+            </a:extLst>
+          </p:cNvPr>
+          <p:cNvPicPr>
+            <a:picLocks noChangeAspect="1"/>
+          </p:cNvPicPr>
+          <p:nvPr/>
+        </p:nvPicPr>
+        <p:blipFill>
+          <a:blip r:embed="rId4"/>
+          <a:stretch>
+            <a:fillRect/>
+          </a:stretch>
+        </p:blipFill>
+        <p:spPr>
+          <a:xfrm>
+            <a:off x="5379858" y="3636516"/>
+            <a:ext cx="1790700" cy="635000"/>
+          </a:xfrm>
+          <a:prstGeom prst="rect">
+            <a:avLst/>
+          </a:prstGeom>
+          <a:effectLst>
+            <a:outerShdw blurRad="50800" dist="38100" dir="2700000" algn="tl" rotWithShape="0">
+              <a:prstClr val="black">
+                <a:alpha val="40000"/>
+              </a:prstClr>
+            </a:outerShdw>
+          </a:effectLst>
+        </p:spPr>
+      </p:pic>
+      <p:pic>
+        <p:nvPicPr>
+          <p:cNvPr id="7" name="Picture 6">
+            <a:extLst>
+              <a:ext uri="{FF2B5EF4-FFF2-40B4-BE49-F238E27FC236}">
+                <a16:creationId xmlns:a16="http://schemas.microsoft.com/office/drawing/2014/main" id="{D5D9F89A-4E53-49F5-A27C-956248F9D86B}"/>
+              </a:ext>
+            </a:extLst>
+          </p:cNvPr>
+          <p:cNvPicPr>
+            <a:picLocks noChangeAspect="1"/>
+          </p:cNvPicPr>
+          <p:nvPr/>
+        </p:nvPicPr>
+        <p:blipFill>
+          <a:blip r:embed="rId5"/>
+          <a:stretch>
+            <a:fillRect/>
+          </a:stretch>
+        </p:blipFill>
+        <p:spPr>
+          <a:xfrm>
+            <a:off x="3928194" y="3059733"/>
+            <a:ext cx="2260600" cy="635000"/>
+          </a:xfrm>
+          <a:prstGeom prst="rect">
+            <a:avLst/>
+          </a:prstGeom>
+          <a:effectLst>
+            <a:outerShdw blurRad="50800" dist="38100" dir="2700000" algn="tl" rotWithShape="0">
+              <a:prstClr val="black">
+                <a:alpha val="40000"/>
+              </a:prstClr>
+            </a:outerShdw>
+          </a:effectLst>
+        </p:spPr>
+      </p:pic>
+      <p:pic>
+        <p:nvPicPr>
+          <p:cNvPr id="11" name="Picture 10">
+            <a:extLst>
+              <a:ext uri="{FF2B5EF4-FFF2-40B4-BE49-F238E27FC236}">
+                <a16:creationId xmlns:a16="http://schemas.microsoft.com/office/drawing/2014/main" id="{64C5ADC0-26B7-477C-8BC1-FD66E3F58AB9}"/>
+              </a:ext>
+            </a:extLst>
+          </p:cNvPr>
+          <p:cNvPicPr>
+            <a:picLocks noChangeAspect="1"/>
+          </p:cNvPicPr>
+          <p:nvPr/>
+        </p:nvPicPr>
+        <p:blipFill>
+          <a:blip r:embed="rId6"/>
+          <a:stretch>
+            <a:fillRect/>
+          </a:stretch>
+        </p:blipFill>
+        <p:spPr>
+          <a:xfrm>
+            <a:off x="6195607" y="3058464"/>
+            <a:ext cx="2755900" cy="635000"/>
+          </a:xfrm>
+          <a:prstGeom prst="rect">
+            <a:avLst/>
+          </a:prstGeom>
+          <a:effectLst>
+            <a:outerShdw blurRad="50800" dist="38100" dir="2700000" algn="tl" rotWithShape="0">
+              <a:prstClr val="black">
+                <a:alpha val="40000"/>
+              </a:prstClr>
+            </a:outerShdw>
+          </a:effectLst>
+        </p:spPr>
+      </p:pic>
+      <p:pic>
+        <p:nvPicPr>
+          <p:cNvPr id="15" name="Picture 14">
+            <a:extLst>
+              <a:ext uri="{FF2B5EF4-FFF2-40B4-BE49-F238E27FC236}">
+                <a16:creationId xmlns:a16="http://schemas.microsoft.com/office/drawing/2014/main" id="{1E147A74-E88F-4F6E-B05A-2153D3561A60}"/>
+              </a:ext>
+            </a:extLst>
+          </p:cNvPr>
+          <p:cNvPicPr>
+            <a:picLocks noChangeAspect="1"/>
+          </p:cNvPicPr>
+          <p:nvPr/>
+        </p:nvPicPr>
+        <p:blipFill>
+          <a:blip r:embed="rId7"/>
+          <a:stretch>
+            <a:fillRect/>
+          </a:stretch>
+        </p:blipFill>
+        <p:spPr>
+          <a:xfrm>
+            <a:off x="7150680" y="3645710"/>
+            <a:ext cx="2451100" cy="635000"/>
+          </a:xfrm>
+          <a:prstGeom prst="rect">
+            <a:avLst/>
+          </a:prstGeom>
+          <a:effectLst>
+            <a:outerShdw blurRad="50800" dist="38100" dir="2700000" algn="tl" rotWithShape="0">
+              <a:prstClr val="black">
+                <a:alpha val="40000"/>
+              </a:prstClr>
+            </a:outerShdw>
+          </a:effectLst>
+        </p:spPr>
+      </p:pic>
+    </p:spTree>
+    <p:extLst>
+      <p:ext uri="{BB962C8B-B14F-4D97-AF65-F5344CB8AC3E}">
+        <p14:creationId xmlns:p14="http://schemas.microsoft.com/office/powerpoint/2010/main" val="3602552699"/>
+      </p:ext>
+    </p:extLst>
+  </p:cSld>
+  <p:clrMapOvr>
+    <a:masterClrMapping/>
+  </p:clrMapOvr>
+  <mc:AlternateContent xmlns:mc="http://schemas.openxmlformats.org/markup-compatibility/2006" xmlns:p14="http://schemas.microsoft.com/office/powerpoint/2010/main">
+    <mc:Choice Requires="p14">
+      <p:transition spd="med" p14:dur="700">
+        <p:fade/>
+      </p:transition>
+    </mc:Choice>
+    <mc:Fallback xmlns="">
+      <p:transition spd="med">
+        <p:fade/>
+      </p:transition>
+    </mc:Fallback>
+  </mc:AlternateContent>
+</p:sld>
+</file>
+
+<file path=ppt/slides/slide20.xml><?xml version="1.0" encoding="utf-8"?>
 <p:sld xmlns:a="http://schemas.openxmlformats.org/drawingml/2006/main" xmlns:r="http://schemas.openxmlformats.org/officeDocument/2006/relationships" xmlns:p="http://schemas.openxmlformats.org/presentationml/2006/main">
   <p:cSld>
     <p:spTree>
@@ -12111,6 +11332,127 @@
           </a:fontRef>
         </p:style>
       </p:cxnSp>
+      <p:sp>
+        <p:nvSpPr>
+          <p:cNvPr id="21" name="TextBox 20">
+            <a:extLst>
+              <a:ext uri="{FF2B5EF4-FFF2-40B4-BE49-F238E27FC236}">
+                <a16:creationId xmlns:a16="http://schemas.microsoft.com/office/drawing/2014/main" id="{8BCC40DE-DCD3-4DB3-860B-2DA0974D6ACA}"/>
+              </a:ext>
+            </a:extLst>
+          </p:cNvPr>
+          <p:cNvSpPr txBox="1"/>
+          <p:nvPr/>
+        </p:nvSpPr>
+        <p:spPr>
+          <a:xfrm>
+            <a:off x="0" y="6550223"/>
+            <a:ext cx="12192000" cy="307777"/>
+          </a:xfrm>
+          <a:prstGeom prst="rect">
+            <a:avLst/>
+          </a:prstGeom>
+          <a:noFill/>
+        </p:spPr>
+        <p:txBody>
+          <a:bodyPr wrap="square" rtlCol="0">
+            <a:spAutoFit/>
+          </a:bodyPr>
+          <a:lstStyle/>
+          <a:p>
+            <a:r>
+              <a:rPr lang="en-US" sz="1400" dirty="0">
+                <a:solidFill>
+                  <a:schemeClr val="tx1">
+                    <a:lumMod val="65000"/>
+                    <a:lumOff val="35000"/>
+                  </a:schemeClr>
+                </a:solidFill>
+                <a:latin typeface="+mj-lt"/>
+                <a:ea typeface="Verdana" panose="020B0604030504040204" pitchFamily="34" charset="0"/>
+              </a:rPr>
+              <a:t>Story Source: Glassner, A. (2021). </a:t>
+            </a:r>
+            <a:r>
+              <a:rPr lang="en-US" sz="1400" i="1" dirty="0">
+                <a:solidFill>
+                  <a:schemeClr val="tx1">
+                    <a:lumMod val="65000"/>
+                    <a:lumOff val="35000"/>
+                  </a:schemeClr>
+                </a:solidFill>
+                <a:latin typeface="+mj-lt"/>
+                <a:ea typeface="Verdana" panose="020B0604030504040204" pitchFamily="34" charset="0"/>
+              </a:rPr>
+              <a:t>Deep learning: A visual approach</a:t>
+            </a:r>
+            <a:r>
+              <a:rPr lang="en-US" sz="1400" dirty="0">
+                <a:solidFill>
+                  <a:schemeClr val="tx1">
+                    <a:lumMod val="65000"/>
+                    <a:lumOff val="35000"/>
+                  </a:schemeClr>
+                </a:solidFill>
+                <a:latin typeface="+mj-lt"/>
+                <a:ea typeface="Verdana" panose="020B0604030504040204" pitchFamily="34" charset="0"/>
+              </a:rPr>
+              <a:t>. </a:t>
+            </a:r>
+            <a:r>
+              <a:rPr lang="en-US" sz="1400" b="0" i="0" dirty="0">
+                <a:solidFill>
+                  <a:schemeClr val="tx1">
+                    <a:lumMod val="65000"/>
+                    <a:lumOff val="35000"/>
+                  </a:schemeClr>
+                </a:solidFill>
+                <a:effectLst/>
+                <a:latin typeface="+mj-lt"/>
+                <a:ea typeface="Verdana" panose="020B0604030504040204" pitchFamily="34" charset="0"/>
+              </a:rPr>
+              <a:t>San Francisco, CA: No Starch Press. (Chapter </a:t>
+            </a:r>
+            <a:r>
+              <a:rPr lang="en-US" sz="1400" dirty="0">
+                <a:solidFill>
+                  <a:schemeClr val="tx1">
+                    <a:lumMod val="65000"/>
+                    <a:lumOff val="35000"/>
+                  </a:schemeClr>
+                </a:solidFill>
+                <a:latin typeface="+mj-lt"/>
+                <a:ea typeface="Verdana" panose="020B0604030504040204" pitchFamily="34" charset="0"/>
+              </a:rPr>
+              <a:t>20</a:t>
+            </a:r>
+            <a:r>
+              <a:rPr lang="en-US" sz="1400" b="0" i="0" dirty="0">
+                <a:solidFill>
+                  <a:schemeClr val="tx1">
+                    <a:lumMod val="65000"/>
+                    <a:lumOff val="35000"/>
+                  </a:schemeClr>
+                </a:solidFill>
+                <a:effectLst/>
+                <a:latin typeface="+mj-lt"/>
+                <a:ea typeface="Verdana" panose="020B0604030504040204" pitchFamily="34" charset="0"/>
+              </a:rPr>
+              <a:t>)</a:t>
+            </a:r>
+            <a:endParaRPr lang="en-US" sz="1400" dirty="0">
+              <a:solidFill>
+                <a:schemeClr val="tx1">
+                  <a:lumMod val="65000"/>
+                  <a:lumOff val="35000"/>
+                </a:schemeClr>
+              </a:solidFill>
+              <a:latin typeface="+mj-lt"/>
+              <a:ea typeface="Verdana" panose="020B0604030504040204" pitchFamily="34" charset="0"/>
+            </a:endParaRPr>
+          </a:p>
+        </p:txBody>
+      </p:sp>
     </p:spTree>
     <p:extLst>
       <p:ext uri="{BB962C8B-B14F-4D97-AF65-F5344CB8AC3E}">
@@ -12690,7 +12032,7 @@
 </p:sld>
 </file>
 
-<file path=ppt/slides/slide22.xml><?xml version="1.0" encoding="utf-8"?>
+<file path=ppt/slides/slide21.xml><?xml version="1.0" encoding="utf-8"?>
 <p:sld xmlns:a="http://schemas.openxmlformats.org/drawingml/2006/main" xmlns:r="http://schemas.openxmlformats.org/officeDocument/2006/relationships" xmlns:p="http://schemas.openxmlformats.org/presentationml/2006/main">
   <p:cSld>
     <p:spTree>
@@ -12882,7 +12224,7 @@
 </p:sld>
 </file>
 
-<file path=ppt/slides/slide23.xml><?xml version="1.0" encoding="utf-8"?>
+<file path=ppt/slides/slide22.xml><?xml version="1.0" encoding="utf-8"?>
 <p:sld xmlns:a="http://schemas.openxmlformats.org/drawingml/2006/main" xmlns:r="http://schemas.openxmlformats.org/officeDocument/2006/relationships" xmlns:p="http://schemas.openxmlformats.org/presentationml/2006/main">
   <p:cSld>
     <p:spTree>
@@ -12921,6 +12263,794 @@
       </p:transition>
     </mc:Fallback>
   </mc:AlternateContent>
+</p:sld>
+</file>
+
+<file path=ppt/slides/slide23.xml><?xml version="1.0" encoding="utf-8"?>
+<p:sld xmlns:a="http://schemas.openxmlformats.org/drawingml/2006/main" xmlns:r="http://schemas.openxmlformats.org/officeDocument/2006/relationships" xmlns:p="http://schemas.openxmlformats.org/presentationml/2006/main">
+  <p:cSld>
+    <p:spTree>
+      <p:nvGrpSpPr>
+        <p:cNvPr id="1" name=""/>
+        <p:cNvGrpSpPr/>
+        <p:nvPr/>
+      </p:nvGrpSpPr>
+      <p:grpSpPr>
+        <a:xfrm>
+          <a:off x="0" y="0"/>
+          <a:ext cx="0" cy="0"/>
+          <a:chOff x="0" y="0"/>
+          <a:chExt cx="0" cy="0"/>
+        </a:xfrm>
+      </p:grpSpPr>
+      <p:sp>
+        <p:nvSpPr>
+          <p:cNvPr id="2" name="Title 1">
+            <a:extLst>
+              <a:ext uri="{FF2B5EF4-FFF2-40B4-BE49-F238E27FC236}">
+                <a16:creationId xmlns:a16="http://schemas.microsoft.com/office/drawing/2014/main" id="{0E138177-E2EE-ACAC-A57C-F03FA29EC836}"/>
+              </a:ext>
+            </a:extLst>
+          </p:cNvPr>
+          <p:cNvSpPr>
+            <a:spLocks noGrp="1"/>
+          </p:cNvSpPr>
+          <p:nvPr>
+            <p:ph type="title"/>
+          </p:nvPr>
+        </p:nvSpPr>
+        <p:spPr/>
+        <p:txBody>
+          <a:bodyPr/>
+          <a:lstStyle/>
+          <a:p>
+            <a:r>
+              <a:rPr lang="en-US" dirty="0">
+                <a:solidFill>
+                  <a:schemeClr val="tx1">
+                    <a:lumMod val="75000"/>
+                    <a:lumOff val="25000"/>
+                  </a:schemeClr>
+                </a:solidFill>
+                <a:latin typeface="Palatino Linotype" panose="02040502050505030304" pitchFamily="18" charset="0"/>
+              </a:rPr>
+              <a:t>Lesson Overview</a:t>
+            </a:r>
+          </a:p>
+        </p:txBody>
+      </p:sp>
+      <p:sp>
+        <p:nvSpPr>
+          <p:cNvPr id="3" name="Content Placeholder 2">
+            <a:extLst>
+              <a:ext uri="{FF2B5EF4-FFF2-40B4-BE49-F238E27FC236}">
+                <a16:creationId xmlns:a16="http://schemas.microsoft.com/office/drawing/2014/main" id="{8626DB86-54B4-A1E2-6C25-C049F364ED25}"/>
+              </a:ext>
+            </a:extLst>
+          </p:cNvPr>
+          <p:cNvSpPr>
+            <a:spLocks noGrp="1"/>
+          </p:cNvSpPr>
+          <p:nvPr>
+            <p:ph idx="1"/>
+          </p:nvPr>
+        </p:nvSpPr>
+        <p:spPr>
+          <a:xfrm>
+            <a:off x="1013564" y="1825626"/>
+            <a:ext cx="10515600" cy="504215"/>
+          </a:xfrm>
+        </p:spPr>
+        <p:txBody>
+          <a:bodyPr/>
+          <a:lstStyle/>
+          <a:p>
+            <a:pPr>
+              <a:buFont typeface="Wingdings" panose="05000000000000000000" pitchFamily="2" charset="2"/>
+              <a:buChar char="Ø"/>
+            </a:pPr>
+            <a:r>
+              <a:rPr lang="en-US" dirty="0">
+                <a:solidFill>
+                  <a:schemeClr val="tx1">
+                    <a:lumMod val="75000"/>
+                    <a:lumOff val="25000"/>
+                  </a:schemeClr>
+                </a:solidFill>
+              </a:rPr>
+              <a:t> </a:t>
+            </a:r>
+            <a:r>
+              <a:rPr lang="en-US" dirty="0">
+                <a:solidFill>
+                  <a:schemeClr val="tx1">
+                    <a:lumMod val="75000"/>
+                    <a:lumOff val="25000"/>
+                  </a:schemeClr>
+                </a:solidFill>
+                <a:latin typeface="Palatino Linotype" panose="02040502050505030304" pitchFamily="18" charset="0"/>
+              </a:rPr>
+              <a:t>Learning Objective 1</a:t>
+            </a:r>
+          </a:p>
+        </p:txBody>
+      </p:sp>
+      <p:sp>
+        <p:nvSpPr>
+          <p:cNvPr id="5" name="Content Placeholder 2">
+            <a:extLst>
+              <a:ext uri="{FF2B5EF4-FFF2-40B4-BE49-F238E27FC236}">
+                <a16:creationId xmlns:a16="http://schemas.microsoft.com/office/drawing/2014/main" id="{7070644F-62DF-8674-4A8A-C2FA1554028E}"/>
+              </a:ext>
+            </a:extLst>
+          </p:cNvPr>
+          <p:cNvSpPr txBox="1">
+            <a:spLocks/>
+          </p:cNvSpPr>
+          <p:nvPr/>
+        </p:nvSpPr>
+        <p:spPr>
+          <a:xfrm>
+            <a:off x="1013564" y="2464778"/>
+            <a:ext cx="10515600" cy="504215"/>
+          </a:xfrm>
+          <a:prstGeom prst="rect">
+            <a:avLst/>
+          </a:prstGeom>
+        </p:spPr>
+        <p:txBody>
+          <a:bodyPr vert="horz" lIns="91440" tIns="45720" rIns="91440" bIns="45720" rtlCol="0">
+            <a:normAutofit/>
+          </a:bodyPr>
+          <a:lstStyle>
+            <a:lvl1pPr marL="228600" indent="-228600" algn="l" defTabSz="914400" rtl="0" eaLnBrk="1" latinLnBrk="0" hangingPunct="1">
+              <a:lnSpc>
+                <a:spcPct val="90000"/>
+              </a:lnSpc>
+              <a:spcBef>
+                <a:spcPts val="1000"/>
+              </a:spcBef>
+              <a:buFont typeface="Arial" panose="020B0604020202020204" pitchFamily="34" charset="0"/>
+              <a:buChar char="•"/>
+              <a:defRPr sz="2800" kern="1200">
+                <a:solidFill>
+                  <a:schemeClr val="tx1"/>
+                </a:solidFill>
+                <a:latin typeface="+mn-lt"/>
+                <a:ea typeface="+mn-ea"/>
+                <a:cs typeface="+mn-cs"/>
+              </a:defRPr>
+            </a:lvl1pPr>
+            <a:lvl2pPr marL="685800" indent="-228600" algn="l" defTabSz="914400" rtl="0" eaLnBrk="1" latinLnBrk="0" hangingPunct="1">
+              <a:lnSpc>
+                <a:spcPct val="90000"/>
+              </a:lnSpc>
+              <a:spcBef>
+                <a:spcPts val="500"/>
+              </a:spcBef>
+              <a:buFont typeface="Arial" panose="020B0604020202020204" pitchFamily="34" charset="0"/>
+              <a:buChar char="•"/>
+              <a:defRPr sz="2400" kern="1200">
+                <a:solidFill>
+                  <a:schemeClr val="tx1"/>
+                </a:solidFill>
+                <a:latin typeface="+mn-lt"/>
+                <a:ea typeface="+mn-ea"/>
+                <a:cs typeface="+mn-cs"/>
+              </a:defRPr>
+            </a:lvl2pPr>
+            <a:lvl3pPr marL="1143000" indent="-228600" algn="l" defTabSz="914400" rtl="0" eaLnBrk="1" latinLnBrk="0" hangingPunct="1">
+              <a:lnSpc>
+                <a:spcPct val="90000"/>
+              </a:lnSpc>
+              <a:spcBef>
+                <a:spcPts val="500"/>
+              </a:spcBef>
+              <a:buFont typeface="Arial" panose="020B0604020202020204" pitchFamily="34" charset="0"/>
+              <a:buChar char="•"/>
+              <a:defRPr sz="2000" kern="1200">
+                <a:solidFill>
+                  <a:schemeClr val="tx1"/>
+                </a:solidFill>
+                <a:latin typeface="+mn-lt"/>
+                <a:ea typeface="+mn-ea"/>
+                <a:cs typeface="+mn-cs"/>
+              </a:defRPr>
+            </a:lvl3pPr>
+            <a:lvl4pPr marL="1600200" indent="-228600" algn="l" defTabSz="914400" rtl="0" eaLnBrk="1" latinLnBrk="0" hangingPunct="1">
+              <a:lnSpc>
+                <a:spcPct val="90000"/>
+              </a:lnSpc>
+              <a:spcBef>
+                <a:spcPts val="500"/>
+              </a:spcBef>
+              <a:buFont typeface="Arial" panose="020B0604020202020204" pitchFamily="34" charset="0"/>
+              <a:buChar char="•"/>
+              <a:defRPr sz="1800" kern="1200">
+                <a:solidFill>
+                  <a:schemeClr val="tx1"/>
+                </a:solidFill>
+                <a:latin typeface="+mn-lt"/>
+                <a:ea typeface="+mn-ea"/>
+                <a:cs typeface="+mn-cs"/>
+              </a:defRPr>
+            </a:lvl4pPr>
+            <a:lvl5pPr marL="2057400" indent="-228600" algn="l" defTabSz="914400" rtl="0" eaLnBrk="1" latinLnBrk="0" hangingPunct="1">
+              <a:lnSpc>
+                <a:spcPct val="90000"/>
+              </a:lnSpc>
+              <a:spcBef>
+                <a:spcPts val="500"/>
+              </a:spcBef>
+              <a:buFont typeface="Arial" panose="020B0604020202020204" pitchFamily="34" charset="0"/>
+              <a:buChar char="•"/>
+              <a:defRPr sz="1800" kern="1200">
+                <a:solidFill>
+                  <a:schemeClr val="tx1"/>
+                </a:solidFill>
+                <a:latin typeface="+mn-lt"/>
+                <a:ea typeface="+mn-ea"/>
+                <a:cs typeface="+mn-cs"/>
+              </a:defRPr>
+            </a:lvl5pPr>
+            <a:lvl6pPr marL="2514600" indent="-228600" algn="l" defTabSz="914400" rtl="0" eaLnBrk="1" latinLnBrk="0" hangingPunct="1">
+              <a:lnSpc>
+                <a:spcPct val="90000"/>
+              </a:lnSpc>
+              <a:spcBef>
+                <a:spcPts val="500"/>
+              </a:spcBef>
+              <a:buFont typeface="Arial" panose="020B0604020202020204" pitchFamily="34" charset="0"/>
+              <a:buChar char="•"/>
+              <a:defRPr sz="1800" kern="1200">
+                <a:solidFill>
+                  <a:schemeClr val="tx1"/>
+                </a:solidFill>
+                <a:latin typeface="+mn-lt"/>
+                <a:ea typeface="+mn-ea"/>
+                <a:cs typeface="+mn-cs"/>
+              </a:defRPr>
+            </a:lvl6pPr>
+            <a:lvl7pPr marL="2971800" indent="-228600" algn="l" defTabSz="914400" rtl="0" eaLnBrk="1" latinLnBrk="0" hangingPunct="1">
+              <a:lnSpc>
+                <a:spcPct val="90000"/>
+              </a:lnSpc>
+              <a:spcBef>
+                <a:spcPts val="500"/>
+              </a:spcBef>
+              <a:buFont typeface="Arial" panose="020B0604020202020204" pitchFamily="34" charset="0"/>
+              <a:buChar char="•"/>
+              <a:defRPr sz="1800" kern="1200">
+                <a:solidFill>
+                  <a:schemeClr val="tx1"/>
+                </a:solidFill>
+                <a:latin typeface="+mn-lt"/>
+                <a:ea typeface="+mn-ea"/>
+                <a:cs typeface="+mn-cs"/>
+              </a:defRPr>
+            </a:lvl7pPr>
+            <a:lvl8pPr marL="3429000" indent="-228600" algn="l" defTabSz="914400" rtl="0" eaLnBrk="1" latinLnBrk="0" hangingPunct="1">
+              <a:lnSpc>
+                <a:spcPct val="90000"/>
+              </a:lnSpc>
+              <a:spcBef>
+                <a:spcPts val="500"/>
+              </a:spcBef>
+              <a:buFont typeface="Arial" panose="020B0604020202020204" pitchFamily="34" charset="0"/>
+              <a:buChar char="•"/>
+              <a:defRPr sz="1800" kern="1200">
+                <a:solidFill>
+                  <a:schemeClr val="tx1"/>
+                </a:solidFill>
+                <a:latin typeface="+mn-lt"/>
+                <a:ea typeface="+mn-ea"/>
+                <a:cs typeface="+mn-cs"/>
+              </a:defRPr>
+            </a:lvl8pPr>
+            <a:lvl9pPr marL="3886200" indent="-228600" algn="l" defTabSz="914400" rtl="0" eaLnBrk="1" latinLnBrk="0" hangingPunct="1">
+              <a:lnSpc>
+                <a:spcPct val="90000"/>
+              </a:lnSpc>
+              <a:spcBef>
+                <a:spcPts val="500"/>
+              </a:spcBef>
+              <a:buFont typeface="Arial" panose="020B0604020202020204" pitchFamily="34" charset="0"/>
+              <a:buChar char="•"/>
+              <a:defRPr sz="1800" kern="1200">
+                <a:solidFill>
+                  <a:schemeClr val="tx1"/>
+                </a:solidFill>
+                <a:latin typeface="+mn-lt"/>
+                <a:ea typeface="+mn-ea"/>
+                <a:cs typeface="+mn-cs"/>
+              </a:defRPr>
+            </a:lvl9pPr>
+          </a:lstStyle>
+          <a:p>
+            <a:pPr>
+              <a:buFont typeface="Wingdings" panose="05000000000000000000" pitchFamily="2" charset="2"/>
+              <a:buChar char="Ø"/>
+            </a:pPr>
+            <a:r>
+              <a:rPr lang="en-US" dirty="0">
+                <a:solidFill>
+                  <a:schemeClr val="tx1">
+                    <a:lumMod val="75000"/>
+                    <a:lumOff val="25000"/>
+                  </a:schemeClr>
+                </a:solidFill>
+              </a:rPr>
+              <a:t> </a:t>
+            </a:r>
+            <a:r>
+              <a:rPr lang="en-US" dirty="0">
+                <a:solidFill>
+                  <a:schemeClr val="tx1">
+                    <a:lumMod val="75000"/>
+                    <a:lumOff val="25000"/>
+                  </a:schemeClr>
+                </a:solidFill>
+                <a:latin typeface="Palatino Linotype" panose="02040502050505030304" pitchFamily="18" charset="0"/>
+              </a:rPr>
+              <a:t>Learning Objective 1</a:t>
+            </a:r>
+          </a:p>
+        </p:txBody>
+      </p:sp>
+      <p:sp>
+        <p:nvSpPr>
+          <p:cNvPr id="6" name="Content Placeholder 2">
+            <a:extLst>
+              <a:ext uri="{FF2B5EF4-FFF2-40B4-BE49-F238E27FC236}">
+                <a16:creationId xmlns:a16="http://schemas.microsoft.com/office/drawing/2014/main" id="{FF2490E1-D7A0-7027-6DCC-60BB6819CD9E}"/>
+              </a:ext>
+            </a:extLst>
+          </p:cNvPr>
+          <p:cNvSpPr txBox="1">
+            <a:spLocks/>
+          </p:cNvSpPr>
+          <p:nvPr/>
+        </p:nvSpPr>
+        <p:spPr>
+          <a:xfrm>
+            <a:off x="1013564" y="3103930"/>
+            <a:ext cx="10515600" cy="504215"/>
+          </a:xfrm>
+          <a:prstGeom prst="rect">
+            <a:avLst/>
+          </a:prstGeom>
+        </p:spPr>
+        <p:txBody>
+          <a:bodyPr vert="horz" lIns="91440" tIns="45720" rIns="91440" bIns="45720" rtlCol="0">
+            <a:normAutofit/>
+          </a:bodyPr>
+          <a:lstStyle>
+            <a:lvl1pPr marL="228600" indent="-228600" algn="l" defTabSz="914400" rtl="0" eaLnBrk="1" latinLnBrk="0" hangingPunct="1">
+              <a:lnSpc>
+                <a:spcPct val="90000"/>
+              </a:lnSpc>
+              <a:spcBef>
+                <a:spcPts val="1000"/>
+              </a:spcBef>
+              <a:buFont typeface="Arial" panose="020B0604020202020204" pitchFamily="34" charset="0"/>
+              <a:buChar char="•"/>
+              <a:defRPr sz="2800" kern="1200">
+                <a:solidFill>
+                  <a:schemeClr val="tx1"/>
+                </a:solidFill>
+                <a:latin typeface="+mn-lt"/>
+                <a:ea typeface="+mn-ea"/>
+                <a:cs typeface="+mn-cs"/>
+              </a:defRPr>
+            </a:lvl1pPr>
+            <a:lvl2pPr marL="685800" indent="-228600" algn="l" defTabSz="914400" rtl="0" eaLnBrk="1" latinLnBrk="0" hangingPunct="1">
+              <a:lnSpc>
+                <a:spcPct val="90000"/>
+              </a:lnSpc>
+              <a:spcBef>
+                <a:spcPts val="500"/>
+              </a:spcBef>
+              <a:buFont typeface="Arial" panose="020B0604020202020204" pitchFamily="34" charset="0"/>
+              <a:buChar char="•"/>
+              <a:defRPr sz="2400" kern="1200">
+                <a:solidFill>
+                  <a:schemeClr val="tx1"/>
+                </a:solidFill>
+                <a:latin typeface="+mn-lt"/>
+                <a:ea typeface="+mn-ea"/>
+                <a:cs typeface="+mn-cs"/>
+              </a:defRPr>
+            </a:lvl2pPr>
+            <a:lvl3pPr marL="1143000" indent="-228600" algn="l" defTabSz="914400" rtl="0" eaLnBrk="1" latinLnBrk="0" hangingPunct="1">
+              <a:lnSpc>
+                <a:spcPct val="90000"/>
+              </a:lnSpc>
+              <a:spcBef>
+                <a:spcPts val="500"/>
+              </a:spcBef>
+              <a:buFont typeface="Arial" panose="020B0604020202020204" pitchFamily="34" charset="0"/>
+              <a:buChar char="•"/>
+              <a:defRPr sz="2000" kern="1200">
+                <a:solidFill>
+                  <a:schemeClr val="tx1"/>
+                </a:solidFill>
+                <a:latin typeface="+mn-lt"/>
+                <a:ea typeface="+mn-ea"/>
+                <a:cs typeface="+mn-cs"/>
+              </a:defRPr>
+            </a:lvl3pPr>
+            <a:lvl4pPr marL="1600200" indent="-228600" algn="l" defTabSz="914400" rtl="0" eaLnBrk="1" latinLnBrk="0" hangingPunct="1">
+              <a:lnSpc>
+                <a:spcPct val="90000"/>
+              </a:lnSpc>
+              <a:spcBef>
+                <a:spcPts val="500"/>
+              </a:spcBef>
+              <a:buFont typeface="Arial" panose="020B0604020202020204" pitchFamily="34" charset="0"/>
+              <a:buChar char="•"/>
+              <a:defRPr sz="1800" kern="1200">
+                <a:solidFill>
+                  <a:schemeClr val="tx1"/>
+                </a:solidFill>
+                <a:latin typeface="+mn-lt"/>
+                <a:ea typeface="+mn-ea"/>
+                <a:cs typeface="+mn-cs"/>
+              </a:defRPr>
+            </a:lvl4pPr>
+            <a:lvl5pPr marL="2057400" indent="-228600" algn="l" defTabSz="914400" rtl="0" eaLnBrk="1" latinLnBrk="0" hangingPunct="1">
+              <a:lnSpc>
+                <a:spcPct val="90000"/>
+              </a:lnSpc>
+              <a:spcBef>
+                <a:spcPts val="500"/>
+              </a:spcBef>
+              <a:buFont typeface="Arial" panose="020B0604020202020204" pitchFamily="34" charset="0"/>
+              <a:buChar char="•"/>
+              <a:defRPr sz="1800" kern="1200">
+                <a:solidFill>
+                  <a:schemeClr val="tx1"/>
+                </a:solidFill>
+                <a:latin typeface="+mn-lt"/>
+                <a:ea typeface="+mn-ea"/>
+                <a:cs typeface="+mn-cs"/>
+              </a:defRPr>
+            </a:lvl5pPr>
+            <a:lvl6pPr marL="2514600" indent="-228600" algn="l" defTabSz="914400" rtl="0" eaLnBrk="1" latinLnBrk="0" hangingPunct="1">
+              <a:lnSpc>
+                <a:spcPct val="90000"/>
+              </a:lnSpc>
+              <a:spcBef>
+                <a:spcPts val="500"/>
+              </a:spcBef>
+              <a:buFont typeface="Arial" panose="020B0604020202020204" pitchFamily="34" charset="0"/>
+              <a:buChar char="•"/>
+              <a:defRPr sz="1800" kern="1200">
+                <a:solidFill>
+                  <a:schemeClr val="tx1"/>
+                </a:solidFill>
+                <a:latin typeface="+mn-lt"/>
+                <a:ea typeface="+mn-ea"/>
+                <a:cs typeface="+mn-cs"/>
+              </a:defRPr>
+            </a:lvl6pPr>
+            <a:lvl7pPr marL="2971800" indent="-228600" algn="l" defTabSz="914400" rtl="0" eaLnBrk="1" latinLnBrk="0" hangingPunct="1">
+              <a:lnSpc>
+                <a:spcPct val="90000"/>
+              </a:lnSpc>
+              <a:spcBef>
+                <a:spcPts val="500"/>
+              </a:spcBef>
+              <a:buFont typeface="Arial" panose="020B0604020202020204" pitchFamily="34" charset="0"/>
+              <a:buChar char="•"/>
+              <a:defRPr sz="1800" kern="1200">
+                <a:solidFill>
+                  <a:schemeClr val="tx1"/>
+                </a:solidFill>
+                <a:latin typeface="+mn-lt"/>
+                <a:ea typeface="+mn-ea"/>
+                <a:cs typeface="+mn-cs"/>
+              </a:defRPr>
+            </a:lvl7pPr>
+            <a:lvl8pPr marL="3429000" indent="-228600" algn="l" defTabSz="914400" rtl="0" eaLnBrk="1" latinLnBrk="0" hangingPunct="1">
+              <a:lnSpc>
+                <a:spcPct val="90000"/>
+              </a:lnSpc>
+              <a:spcBef>
+                <a:spcPts val="500"/>
+              </a:spcBef>
+              <a:buFont typeface="Arial" panose="020B0604020202020204" pitchFamily="34" charset="0"/>
+              <a:buChar char="•"/>
+              <a:defRPr sz="1800" kern="1200">
+                <a:solidFill>
+                  <a:schemeClr val="tx1"/>
+                </a:solidFill>
+                <a:latin typeface="+mn-lt"/>
+                <a:ea typeface="+mn-ea"/>
+                <a:cs typeface="+mn-cs"/>
+              </a:defRPr>
+            </a:lvl8pPr>
+            <a:lvl9pPr marL="3886200" indent="-228600" algn="l" defTabSz="914400" rtl="0" eaLnBrk="1" latinLnBrk="0" hangingPunct="1">
+              <a:lnSpc>
+                <a:spcPct val="90000"/>
+              </a:lnSpc>
+              <a:spcBef>
+                <a:spcPts val="500"/>
+              </a:spcBef>
+              <a:buFont typeface="Arial" panose="020B0604020202020204" pitchFamily="34" charset="0"/>
+              <a:buChar char="•"/>
+              <a:defRPr sz="1800" kern="1200">
+                <a:solidFill>
+                  <a:schemeClr val="tx1"/>
+                </a:solidFill>
+                <a:latin typeface="+mn-lt"/>
+                <a:ea typeface="+mn-ea"/>
+                <a:cs typeface="+mn-cs"/>
+              </a:defRPr>
+            </a:lvl9pPr>
+          </a:lstStyle>
+          <a:p>
+            <a:pPr>
+              <a:buFont typeface="Wingdings" panose="05000000000000000000" pitchFamily="2" charset="2"/>
+              <a:buChar char="Ø"/>
+            </a:pPr>
+            <a:r>
+              <a:rPr lang="en-US" dirty="0">
+                <a:solidFill>
+                  <a:schemeClr val="tx1">
+                    <a:lumMod val="75000"/>
+                    <a:lumOff val="25000"/>
+                  </a:schemeClr>
+                </a:solidFill>
+              </a:rPr>
+              <a:t> </a:t>
+            </a:r>
+            <a:r>
+              <a:rPr lang="en-US" dirty="0">
+                <a:solidFill>
+                  <a:schemeClr val="tx1">
+                    <a:lumMod val="75000"/>
+                    <a:lumOff val="25000"/>
+                  </a:schemeClr>
+                </a:solidFill>
+                <a:latin typeface="Palatino Linotype" panose="02040502050505030304" pitchFamily="18" charset="0"/>
+              </a:rPr>
+              <a:t>Learning Objective 1</a:t>
+            </a:r>
+          </a:p>
+        </p:txBody>
+      </p:sp>
+      <p:sp>
+        <p:nvSpPr>
+          <p:cNvPr id="7" name="Content Placeholder 2">
+            <a:extLst>
+              <a:ext uri="{FF2B5EF4-FFF2-40B4-BE49-F238E27FC236}">
+                <a16:creationId xmlns:a16="http://schemas.microsoft.com/office/drawing/2014/main" id="{6D3279E5-D518-B484-9FCF-B12663A4E8FF}"/>
+              </a:ext>
+            </a:extLst>
+          </p:cNvPr>
+          <p:cNvSpPr txBox="1">
+            <a:spLocks/>
+          </p:cNvSpPr>
+          <p:nvPr/>
+        </p:nvSpPr>
+        <p:spPr>
+          <a:xfrm>
+            <a:off x="1013564" y="3743082"/>
+            <a:ext cx="10515600" cy="504215"/>
+          </a:xfrm>
+          <a:prstGeom prst="rect">
+            <a:avLst/>
+          </a:prstGeom>
+        </p:spPr>
+        <p:txBody>
+          <a:bodyPr vert="horz" lIns="91440" tIns="45720" rIns="91440" bIns="45720" rtlCol="0">
+            <a:normAutofit/>
+          </a:bodyPr>
+          <a:lstStyle>
+            <a:lvl1pPr marL="228600" indent="-228600" algn="l" defTabSz="914400" rtl="0" eaLnBrk="1" latinLnBrk="0" hangingPunct="1">
+              <a:lnSpc>
+                <a:spcPct val="90000"/>
+              </a:lnSpc>
+              <a:spcBef>
+                <a:spcPts val="1000"/>
+              </a:spcBef>
+              <a:buFont typeface="Arial" panose="020B0604020202020204" pitchFamily="34" charset="0"/>
+              <a:buChar char="•"/>
+              <a:defRPr sz="2800" kern="1200">
+                <a:solidFill>
+                  <a:schemeClr val="tx1"/>
+                </a:solidFill>
+                <a:latin typeface="+mn-lt"/>
+                <a:ea typeface="+mn-ea"/>
+                <a:cs typeface="+mn-cs"/>
+              </a:defRPr>
+            </a:lvl1pPr>
+            <a:lvl2pPr marL="685800" indent="-228600" algn="l" defTabSz="914400" rtl="0" eaLnBrk="1" latinLnBrk="0" hangingPunct="1">
+              <a:lnSpc>
+                <a:spcPct val="90000"/>
+              </a:lnSpc>
+              <a:spcBef>
+                <a:spcPts val="500"/>
+              </a:spcBef>
+              <a:buFont typeface="Arial" panose="020B0604020202020204" pitchFamily="34" charset="0"/>
+              <a:buChar char="•"/>
+              <a:defRPr sz="2400" kern="1200">
+                <a:solidFill>
+                  <a:schemeClr val="tx1"/>
+                </a:solidFill>
+                <a:latin typeface="+mn-lt"/>
+                <a:ea typeface="+mn-ea"/>
+                <a:cs typeface="+mn-cs"/>
+              </a:defRPr>
+            </a:lvl2pPr>
+            <a:lvl3pPr marL="1143000" indent="-228600" algn="l" defTabSz="914400" rtl="0" eaLnBrk="1" latinLnBrk="0" hangingPunct="1">
+              <a:lnSpc>
+                <a:spcPct val="90000"/>
+              </a:lnSpc>
+              <a:spcBef>
+                <a:spcPts val="500"/>
+              </a:spcBef>
+              <a:buFont typeface="Arial" panose="020B0604020202020204" pitchFamily="34" charset="0"/>
+              <a:buChar char="•"/>
+              <a:defRPr sz="2000" kern="1200">
+                <a:solidFill>
+                  <a:schemeClr val="tx1"/>
+                </a:solidFill>
+                <a:latin typeface="+mn-lt"/>
+                <a:ea typeface="+mn-ea"/>
+                <a:cs typeface="+mn-cs"/>
+              </a:defRPr>
+            </a:lvl3pPr>
+            <a:lvl4pPr marL="1600200" indent="-228600" algn="l" defTabSz="914400" rtl="0" eaLnBrk="1" latinLnBrk="0" hangingPunct="1">
+              <a:lnSpc>
+                <a:spcPct val="90000"/>
+              </a:lnSpc>
+              <a:spcBef>
+                <a:spcPts val="500"/>
+              </a:spcBef>
+              <a:buFont typeface="Arial" panose="020B0604020202020204" pitchFamily="34" charset="0"/>
+              <a:buChar char="•"/>
+              <a:defRPr sz="1800" kern="1200">
+                <a:solidFill>
+                  <a:schemeClr val="tx1"/>
+                </a:solidFill>
+                <a:latin typeface="+mn-lt"/>
+                <a:ea typeface="+mn-ea"/>
+                <a:cs typeface="+mn-cs"/>
+              </a:defRPr>
+            </a:lvl4pPr>
+            <a:lvl5pPr marL="2057400" indent="-228600" algn="l" defTabSz="914400" rtl="0" eaLnBrk="1" latinLnBrk="0" hangingPunct="1">
+              <a:lnSpc>
+                <a:spcPct val="90000"/>
+              </a:lnSpc>
+              <a:spcBef>
+                <a:spcPts val="500"/>
+              </a:spcBef>
+              <a:buFont typeface="Arial" panose="020B0604020202020204" pitchFamily="34" charset="0"/>
+              <a:buChar char="•"/>
+              <a:defRPr sz="1800" kern="1200">
+                <a:solidFill>
+                  <a:schemeClr val="tx1"/>
+                </a:solidFill>
+                <a:latin typeface="+mn-lt"/>
+                <a:ea typeface="+mn-ea"/>
+                <a:cs typeface="+mn-cs"/>
+              </a:defRPr>
+            </a:lvl5pPr>
+            <a:lvl6pPr marL="2514600" indent="-228600" algn="l" defTabSz="914400" rtl="0" eaLnBrk="1" latinLnBrk="0" hangingPunct="1">
+              <a:lnSpc>
+                <a:spcPct val="90000"/>
+              </a:lnSpc>
+              <a:spcBef>
+                <a:spcPts val="500"/>
+              </a:spcBef>
+              <a:buFont typeface="Arial" panose="020B0604020202020204" pitchFamily="34" charset="0"/>
+              <a:buChar char="•"/>
+              <a:defRPr sz="1800" kern="1200">
+                <a:solidFill>
+                  <a:schemeClr val="tx1"/>
+                </a:solidFill>
+                <a:latin typeface="+mn-lt"/>
+                <a:ea typeface="+mn-ea"/>
+                <a:cs typeface="+mn-cs"/>
+              </a:defRPr>
+            </a:lvl6pPr>
+            <a:lvl7pPr marL="2971800" indent="-228600" algn="l" defTabSz="914400" rtl="0" eaLnBrk="1" latinLnBrk="0" hangingPunct="1">
+              <a:lnSpc>
+                <a:spcPct val="90000"/>
+              </a:lnSpc>
+              <a:spcBef>
+                <a:spcPts val="500"/>
+              </a:spcBef>
+              <a:buFont typeface="Arial" panose="020B0604020202020204" pitchFamily="34" charset="0"/>
+              <a:buChar char="•"/>
+              <a:defRPr sz="1800" kern="1200">
+                <a:solidFill>
+                  <a:schemeClr val="tx1"/>
+                </a:solidFill>
+                <a:latin typeface="+mn-lt"/>
+                <a:ea typeface="+mn-ea"/>
+                <a:cs typeface="+mn-cs"/>
+              </a:defRPr>
+            </a:lvl7pPr>
+            <a:lvl8pPr marL="3429000" indent="-228600" algn="l" defTabSz="914400" rtl="0" eaLnBrk="1" latinLnBrk="0" hangingPunct="1">
+              <a:lnSpc>
+                <a:spcPct val="90000"/>
+              </a:lnSpc>
+              <a:spcBef>
+                <a:spcPts val="500"/>
+              </a:spcBef>
+              <a:buFont typeface="Arial" panose="020B0604020202020204" pitchFamily="34" charset="0"/>
+              <a:buChar char="•"/>
+              <a:defRPr sz="1800" kern="1200">
+                <a:solidFill>
+                  <a:schemeClr val="tx1"/>
+                </a:solidFill>
+                <a:latin typeface="+mn-lt"/>
+                <a:ea typeface="+mn-ea"/>
+                <a:cs typeface="+mn-cs"/>
+              </a:defRPr>
+            </a:lvl8pPr>
+            <a:lvl9pPr marL="3886200" indent="-228600" algn="l" defTabSz="914400" rtl="0" eaLnBrk="1" latinLnBrk="0" hangingPunct="1">
+              <a:lnSpc>
+                <a:spcPct val="90000"/>
+              </a:lnSpc>
+              <a:spcBef>
+                <a:spcPts val="500"/>
+              </a:spcBef>
+              <a:buFont typeface="Arial" panose="020B0604020202020204" pitchFamily="34" charset="0"/>
+              <a:buChar char="•"/>
+              <a:defRPr sz="1800" kern="1200">
+                <a:solidFill>
+                  <a:schemeClr val="tx1"/>
+                </a:solidFill>
+                <a:latin typeface="+mn-lt"/>
+                <a:ea typeface="+mn-ea"/>
+                <a:cs typeface="+mn-cs"/>
+              </a:defRPr>
+            </a:lvl9pPr>
+          </a:lstStyle>
+          <a:p>
+            <a:pPr>
+              <a:buFont typeface="Wingdings" panose="05000000000000000000" pitchFamily="2" charset="2"/>
+              <a:buChar char="Ø"/>
+            </a:pPr>
+            <a:r>
+              <a:rPr lang="en-US" dirty="0">
+                <a:solidFill>
+                  <a:schemeClr val="tx1">
+                    <a:lumMod val="75000"/>
+                    <a:lumOff val="25000"/>
+                  </a:schemeClr>
+                </a:solidFill>
+              </a:rPr>
+              <a:t> </a:t>
+            </a:r>
+            <a:r>
+              <a:rPr lang="en-US" dirty="0">
+                <a:solidFill>
+                  <a:schemeClr val="tx1">
+                    <a:lumMod val="75000"/>
+                    <a:lumOff val="25000"/>
+                  </a:schemeClr>
+                </a:solidFill>
+                <a:latin typeface="Palatino Linotype" panose="02040502050505030304" pitchFamily="18" charset="0"/>
+              </a:rPr>
+              <a:t>Learning Objective 1</a:t>
+            </a:r>
+          </a:p>
+        </p:txBody>
+      </p:sp>
+    </p:spTree>
+    <p:extLst>
+      <p:ext uri="{BB962C8B-B14F-4D97-AF65-F5344CB8AC3E}">
+        <p14:creationId xmlns:p14="http://schemas.microsoft.com/office/powerpoint/2010/main" val="1416141381"/>
+      </p:ext>
+    </p:extLst>
+  </p:cSld>
+  <p:clrMapOvr>
+    <a:masterClrMapping/>
+  </p:clrMapOvr>
 </p:sld>
 </file>
 
@@ -13068,409 +13198,6 @@
 </file>
 
 <file path=ppt/slides/slide3.xml><?xml version="1.0" encoding="utf-8"?>
-<p:sld xmlns:a="http://schemas.openxmlformats.org/drawingml/2006/main" xmlns:r="http://schemas.openxmlformats.org/officeDocument/2006/relationships" xmlns:p="http://schemas.openxmlformats.org/presentationml/2006/main">
-  <p:cSld>
-    <p:spTree>
-      <p:nvGrpSpPr>
-        <p:cNvPr id="1" name=""/>
-        <p:cNvGrpSpPr/>
-        <p:nvPr/>
-      </p:nvGrpSpPr>
-      <p:grpSpPr>
-        <a:xfrm>
-          <a:off x="0" y="0"/>
-          <a:ext cx="0" cy="0"/>
-          <a:chOff x="0" y="0"/>
-          <a:chExt cx="0" cy="0"/>
-        </a:xfrm>
-      </p:grpSpPr>
-      <p:sp>
-        <p:nvSpPr>
-          <p:cNvPr id="3" name="TextBox 2">
-            <a:extLst>
-              <a:ext uri="{FF2B5EF4-FFF2-40B4-BE49-F238E27FC236}">
-                <a16:creationId xmlns:a16="http://schemas.microsoft.com/office/drawing/2014/main" id="{C1E53685-A9F7-4FE0-ABDB-9B755F275882}"/>
-              </a:ext>
-            </a:extLst>
-          </p:cNvPr>
-          <p:cNvSpPr txBox="1"/>
-          <p:nvPr/>
-        </p:nvSpPr>
-        <p:spPr>
-          <a:xfrm>
-            <a:off x="0" y="6550223"/>
-            <a:ext cx="12192000" cy="307777"/>
-          </a:xfrm>
-          <a:prstGeom prst="rect">
-            <a:avLst/>
-          </a:prstGeom>
-          <a:noFill/>
-        </p:spPr>
-        <p:txBody>
-          <a:bodyPr wrap="square" rtlCol="0">
-            <a:spAutoFit/>
-          </a:bodyPr>
-          <a:lstStyle/>
-          <a:p>
-            <a:r>
-              <a:rPr lang="en-US" sz="1400" dirty="0">
-                <a:solidFill>
-                  <a:schemeClr val="tx1">
-                    <a:lumMod val="65000"/>
-                    <a:lumOff val="35000"/>
-                  </a:schemeClr>
-                </a:solidFill>
-                <a:latin typeface="+mj-lt"/>
-                <a:ea typeface="Verdana" panose="020B0604030504040204" pitchFamily="34" charset="0"/>
-              </a:rPr>
-              <a:t>Source: Glassner, A. (2021). </a:t>
-            </a:r>
-            <a:r>
-              <a:rPr lang="en-US" sz="1400" i="1" dirty="0">
-                <a:solidFill>
-                  <a:schemeClr val="tx1">
-                    <a:lumMod val="65000"/>
-                    <a:lumOff val="35000"/>
-                  </a:schemeClr>
-                </a:solidFill>
-                <a:latin typeface="+mj-lt"/>
-                <a:ea typeface="Verdana" panose="020B0604030504040204" pitchFamily="34" charset="0"/>
-              </a:rPr>
-              <a:t>Deep learning: A visual approach</a:t>
-            </a:r>
-            <a:r>
-              <a:rPr lang="en-US" sz="1400" dirty="0">
-                <a:solidFill>
-                  <a:schemeClr val="tx1">
-                    <a:lumMod val="65000"/>
-                    <a:lumOff val="35000"/>
-                  </a:schemeClr>
-                </a:solidFill>
-                <a:latin typeface="+mj-lt"/>
-                <a:ea typeface="Verdana" panose="020B0604030504040204" pitchFamily="34" charset="0"/>
-              </a:rPr>
-              <a:t>. </a:t>
-            </a:r>
-            <a:r>
-              <a:rPr lang="en-US" sz="1400" b="0" i="0" dirty="0">
-                <a:solidFill>
-                  <a:schemeClr val="tx1">
-                    <a:lumMod val="65000"/>
-                    <a:lumOff val="35000"/>
-                  </a:schemeClr>
-                </a:solidFill>
-                <a:effectLst/>
-                <a:latin typeface="+mj-lt"/>
-                <a:ea typeface="Verdana" panose="020B0604030504040204" pitchFamily="34" charset="0"/>
-              </a:rPr>
-              <a:t>San Francisco, CA: No Starch Press. (Chapter </a:t>
-            </a:r>
-            <a:r>
-              <a:rPr lang="en-US" sz="1400" dirty="0">
-                <a:solidFill>
-                  <a:schemeClr val="tx1">
-                    <a:lumMod val="65000"/>
-                    <a:lumOff val="35000"/>
-                  </a:schemeClr>
-                </a:solidFill>
-                <a:latin typeface="+mj-lt"/>
-                <a:ea typeface="Verdana" panose="020B0604030504040204" pitchFamily="34" charset="0"/>
-              </a:rPr>
-              <a:t>20</a:t>
-            </a:r>
-            <a:r>
-              <a:rPr lang="en-US" sz="1400" b="0" i="0" dirty="0">
-                <a:solidFill>
-                  <a:schemeClr val="tx1">
-                    <a:lumMod val="65000"/>
-                    <a:lumOff val="35000"/>
-                  </a:schemeClr>
-                </a:solidFill>
-                <a:effectLst/>
-                <a:latin typeface="+mj-lt"/>
-                <a:ea typeface="Verdana" panose="020B0604030504040204" pitchFamily="34" charset="0"/>
-              </a:rPr>
-              <a:t>)</a:t>
-            </a:r>
-            <a:endParaRPr lang="en-US" sz="1400" dirty="0">
-              <a:solidFill>
-                <a:schemeClr val="tx1">
-                  <a:lumMod val="65000"/>
-                  <a:lumOff val="35000"/>
-                </a:schemeClr>
-              </a:solidFill>
-              <a:latin typeface="+mj-lt"/>
-              <a:ea typeface="Verdana" panose="020B0604030504040204" pitchFamily="34" charset="0"/>
-            </a:endParaRPr>
-          </a:p>
-        </p:txBody>
-      </p:sp>
-      <p:pic>
-        <p:nvPicPr>
-          <p:cNvPr id="6" name="Picture 5">
-            <a:extLst>
-              <a:ext uri="{FF2B5EF4-FFF2-40B4-BE49-F238E27FC236}">
-                <a16:creationId xmlns:a16="http://schemas.microsoft.com/office/drawing/2014/main" id="{6D6EB62B-2AF5-414F-AE49-8A9F33BF1690}"/>
-              </a:ext>
-            </a:extLst>
-          </p:cNvPr>
-          <p:cNvPicPr>
-            <a:picLocks noChangeAspect="1"/>
-          </p:cNvPicPr>
-          <p:nvPr/>
-        </p:nvPicPr>
-        <p:blipFill>
-          <a:blip r:embed="rId3"/>
-          <a:stretch>
-            <a:fillRect/>
-          </a:stretch>
-        </p:blipFill>
-        <p:spPr>
-          <a:xfrm>
-            <a:off x="2694334" y="3645875"/>
-            <a:ext cx="2635250" cy="635000"/>
-          </a:xfrm>
-          <a:prstGeom prst="rect">
-            <a:avLst/>
-          </a:prstGeom>
-          <a:effectLst>
-            <a:outerShdw blurRad="50800" dist="38100" dir="2700000" algn="tl" rotWithShape="0">
-              <a:prstClr val="black">
-                <a:alpha val="40000"/>
-              </a:prstClr>
-            </a:outerShdw>
-          </a:effectLst>
-        </p:spPr>
-      </p:pic>
-      <p:sp>
-        <p:nvSpPr>
-          <p:cNvPr id="20" name="Title 1">
-            <a:extLst>
-              <a:ext uri="{FF2B5EF4-FFF2-40B4-BE49-F238E27FC236}">
-                <a16:creationId xmlns:a16="http://schemas.microsoft.com/office/drawing/2014/main" id="{A768B6E7-76B8-4DF1-9B5C-732BFB29136A}"/>
-              </a:ext>
-            </a:extLst>
-          </p:cNvPr>
-          <p:cNvSpPr>
-            <a:spLocks noGrp="1"/>
-          </p:cNvSpPr>
-          <p:nvPr>
-            <p:ph type="title"/>
-          </p:nvPr>
-        </p:nvSpPr>
-        <p:spPr>
-          <a:xfrm>
-            <a:off x="0" y="793808"/>
-            <a:ext cx="12192000" cy="606943"/>
-          </a:xfrm>
-          <a:noFill/>
-        </p:spPr>
-        <p:txBody>
-          <a:bodyPr>
-            <a:noAutofit/>
-          </a:bodyPr>
-          <a:lstStyle/>
-          <a:p>
-            <a:pPr algn="ctr"/>
-            <a:r>
-              <a:rPr lang="en-US" sz="3600" dirty="0">
-                <a:solidFill>
-                  <a:schemeClr val="tx1">
-                    <a:lumMod val="75000"/>
-                    <a:lumOff val="25000"/>
-                  </a:schemeClr>
-                </a:solidFill>
-                <a:latin typeface="Palatino Linotype" panose="02040502050505030304" pitchFamily="18" charset="0"/>
-              </a:rPr>
-              <a:t>Transformer Attention</a:t>
-            </a:r>
-            <a:endParaRPr lang="en-US" sz="3600" dirty="0">
-              <a:solidFill>
-                <a:schemeClr val="tx1">
-                  <a:lumMod val="75000"/>
-                  <a:lumOff val="25000"/>
-                </a:schemeClr>
-              </a:solidFill>
-              <a:latin typeface="Palatino Linotype" panose="02040502050505030304" pitchFamily="18" charset="0"/>
-              <a:cs typeface="Segoe UI Light" panose="020B0502040204020203" pitchFamily="34" charset="0"/>
-            </a:endParaRPr>
-          </a:p>
-        </p:txBody>
-      </p:sp>
-      <p:pic>
-        <p:nvPicPr>
-          <p:cNvPr id="4" name="Picture 3">
-            <a:extLst>
-              <a:ext uri="{FF2B5EF4-FFF2-40B4-BE49-F238E27FC236}">
-                <a16:creationId xmlns:a16="http://schemas.microsoft.com/office/drawing/2014/main" id="{49A6F357-2B30-46BD-8FDD-0411E11694D1}"/>
-              </a:ext>
-            </a:extLst>
-          </p:cNvPr>
-          <p:cNvPicPr>
-            <a:picLocks noChangeAspect="1"/>
-          </p:cNvPicPr>
-          <p:nvPr/>
-        </p:nvPicPr>
-        <p:blipFill>
-          <a:blip r:embed="rId4"/>
-          <a:stretch>
-            <a:fillRect/>
-          </a:stretch>
-        </p:blipFill>
-        <p:spPr>
-          <a:xfrm>
-            <a:off x="5379858" y="3636516"/>
-            <a:ext cx="1790700" cy="635000"/>
-          </a:xfrm>
-          <a:prstGeom prst="rect">
-            <a:avLst/>
-          </a:prstGeom>
-          <a:effectLst>
-            <a:outerShdw blurRad="50800" dist="38100" dir="2700000" algn="tl" rotWithShape="0">
-              <a:prstClr val="black">
-                <a:alpha val="40000"/>
-              </a:prstClr>
-            </a:outerShdw>
-          </a:effectLst>
-        </p:spPr>
-      </p:pic>
-      <p:pic>
-        <p:nvPicPr>
-          <p:cNvPr id="7" name="Picture 6">
-            <a:extLst>
-              <a:ext uri="{FF2B5EF4-FFF2-40B4-BE49-F238E27FC236}">
-                <a16:creationId xmlns:a16="http://schemas.microsoft.com/office/drawing/2014/main" id="{D5D9F89A-4E53-49F5-A27C-956248F9D86B}"/>
-              </a:ext>
-            </a:extLst>
-          </p:cNvPr>
-          <p:cNvPicPr>
-            <a:picLocks noChangeAspect="1"/>
-          </p:cNvPicPr>
-          <p:nvPr/>
-        </p:nvPicPr>
-        <p:blipFill>
-          <a:blip r:embed="rId5"/>
-          <a:stretch>
-            <a:fillRect/>
-          </a:stretch>
-        </p:blipFill>
-        <p:spPr>
-          <a:xfrm>
-            <a:off x="3928194" y="3059733"/>
-            <a:ext cx="2260600" cy="635000"/>
-          </a:xfrm>
-          <a:prstGeom prst="rect">
-            <a:avLst/>
-          </a:prstGeom>
-          <a:effectLst>
-            <a:outerShdw blurRad="50800" dist="38100" dir="2700000" algn="tl" rotWithShape="0">
-              <a:prstClr val="black">
-                <a:alpha val="40000"/>
-              </a:prstClr>
-            </a:outerShdw>
-          </a:effectLst>
-        </p:spPr>
-      </p:pic>
-      <p:pic>
-        <p:nvPicPr>
-          <p:cNvPr id="11" name="Picture 10">
-            <a:extLst>
-              <a:ext uri="{FF2B5EF4-FFF2-40B4-BE49-F238E27FC236}">
-                <a16:creationId xmlns:a16="http://schemas.microsoft.com/office/drawing/2014/main" id="{64C5ADC0-26B7-477C-8BC1-FD66E3F58AB9}"/>
-              </a:ext>
-            </a:extLst>
-          </p:cNvPr>
-          <p:cNvPicPr>
-            <a:picLocks noChangeAspect="1"/>
-          </p:cNvPicPr>
-          <p:nvPr/>
-        </p:nvPicPr>
-        <p:blipFill>
-          <a:blip r:embed="rId6"/>
-          <a:stretch>
-            <a:fillRect/>
-          </a:stretch>
-        </p:blipFill>
-        <p:spPr>
-          <a:xfrm>
-            <a:off x="6195607" y="3058464"/>
-            <a:ext cx="2755900" cy="635000"/>
-          </a:xfrm>
-          <a:prstGeom prst="rect">
-            <a:avLst/>
-          </a:prstGeom>
-          <a:effectLst>
-            <a:outerShdw blurRad="50800" dist="38100" dir="2700000" algn="tl" rotWithShape="0">
-              <a:prstClr val="black">
-                <a:alpha val="40000"/>
-              </a:prstClr>
-            </a:outerShdw>
-          </a:effectLst>
-        </p:spPr>
-      </p:pic>
-      <p:pic>
-        <p:nvPicPr>
-          <p:cNvPr id="15" name="Picture 14">
-            <a:extLst>
-              <a:ext uri="{FF2B5EF4-FFF2-40B4-BE49-F238E27FC236}">
-                <a16:creationId xmlns:a16="http://schemas.microsoft.com/office/drawing/2014/main" id="{1E147A74-E88F-4F6E-B05A-2153D3561A60}"/>
-              </a:ext>
-            </a:extLst>
-          </p:cNvPr>
-          <p:cNvPicPr>
-            <a:picLocks noChangeAspect="1"/>
-          </p:cNvPicPr>
-          <p:nvPr/>
-        </p:nvPicPr>
-        <p:blipFill>
-          <a:blip r:embed="rId7"/>
-          <a:stretch>
-            <a:fillRect/>
-          </a:stretch>
-        </p:blipFill>
-        <p:spPr>
-          <a:xfrm>
-            <a:off x="7150680" y="3645710"/>
-            <a:ext cx="2451100" cy="635000"/>
-          </a:xfrm>
-          <a:prstGeom prst="rect">
-            <a:avLst/>
-          </a:prstGeom>
-          <a:effectLst>
-            <a:outerShdw blurRad="50800" dist="38100" dir="2700000" algn="tl" rotWithShape="0">
-              <a:prstClr val="black">
-                <a:alpha val="40000"/>
-              </a:prstClr>
-            </a:outerShdw>
-          </a:effectLst>
-        </p:spPr>
-      </p:pic>
-    </p:spTree>
-    <p:extLst>
-      <p:ext uri="{BB962C8B-B14F-4D97-AF65-F5344CB8AC3E}">
-        <p14:creationId xmlns:p14="http://schemas.microsoft.com/office/powerpoint/2010/main" val="3602552699"/>
-      </p:ext>
-    </p:extLst>
-  </p:cSld>
-  <p:clrMapOvr>
-    <a:masterClrMapping/>
-  </p:clrMapOvr>
-  <mc:AlternateContent xmlns:mc="http://schemas.openxmlformats.org/markup-compatibility/2006" xmlns:p14="http://schemas.microsoft.com/office/powerpoint/2010/main">
-    <mc:Choice Requires="p14">
-      <p:transition spd="med" p14:dur="700">
-        <p:fade/>
-      </p:transition>
-    </mc:Choice>
-    <mc:Fallback xmlns="">
-      <p:transition spd="med">
-        <p:fade/>
-      </p:transition>
-    </mc:Fallback>
-  </mc:AlternateContent>
-</p:sld>
-</file>
-
-<file path=ppt/slides/slide4.xml><?xml version="1.0" encoding="utf-8"?>
 <p:sld xmlns:a="http://schemas.openxmlformats.org/drawingml/2006/main" xmlns:r="http://schemas.openxmlformats.org/officeDocument/2006/relationships" xmlns:p="http://schemas.openxmlformats.org/presentationml/2006/main">
   <p:cSld>
     <p:spTree>
@@ -13668,7 +13395,7 @@
 </p:sld>
 </file>
 
-<file path=ppt/slides/slide5.xml><?xml version="1.0" encoding="utf-8"?>
+<file path=ppt/slides/slide4.xml><?xml version="1.0" encoding="utf-8"?>
 <p:sld xmlns:a="http://schemas.openxmlformats.org/drawingml/2006/main" xmlns:r="http://schemas.openxmlformats.org/officeDocument/2006/relationships" xmlns:p="http://schemas.openxmlformats.org/presentationml/2006/main">
   <p:cSld>
     <p:spTree>
@@ -14108,7 +13835,7 @@
 </p:sld>
 </file>
 
-<file path=ppt/slides/slide6.xml><?xml version="1.0" encoding="utf-8"?>
+<file path=ppt/slides/slide5.xml><?xml version="1.0" encoding="utf-8"?>
 <p:sld xmlns:a="http://schemas.openxmlformats.org/drawingml/2006/main" xmlns:r="http://schemas.openxmlformats.org/officeDocument/2006/relationships" xmlns:p="http://schemas.openxmlformats.org/presentationml/2006/main">
   <p:cSld>
     <p:spTree>
@@ -14260,7 +13987,7 @@
 </p:sld>
 </file>
 
-<file path=ppt/slides/slide7.xml><?xml version="1.0" encoding="utf-8"?>
+<file path=ppt/slides/slide6.xml><?xml version="1.0" encoding="utf-8"?>
 <p:sld xmlns:a="http://schemas.openxmlformats.org/drawingml/2006/main" xmlns:r="http://schemas.openxmlformats.org/officeDocument/2006/relationships" xmlns:p="http://schemas.openxmlformats.org/presentationml/2006/main">
   <p:cSld>
     <p:spTree>
@@ -14459,7 +14186,7 @@
 </p:sld>
 </file>
 
-<file path=ppt/slides/slide8.xml><?xml version="1.0" encoding="utf-8"?>
+<file path=ppt/slides/slide7.xml><?xml version="1.0" encoding="utf-8"?>
 <p:sld xmlns:a="http://schemas.openxmlformats.org/drawingml/2006/main" xmlns:r="http://schemas.openxmlformats.org/officeDocument/2006/relationships" xmlns:p="http://schemas.openxmlformats.org/presentationml/2006/main">
   <p:cSld>
     <p:spTree>
@@ -14894,7 +14621,7 @@
                 </a:solidFill>
                 <a:latin typeface="+mj-lt"/>
               </a:rPr>
-              <a:t>Q   Query                     “Light yellow with a bit of dark orange.”</a:t>
+              <a:t>Q   Query                     “Fly or flies – moves through the air”</a:t>
             </a:r>
           </a:p>
         </p:txBody>
@@ -14934,7 +14661,7 @@
                 </a:solidFill>
                 <a:latin typeface="+mj-lt"/>
               </a:rPr>
-              <a:t>K    Key                          Descriptive label on each can of paint</a:t>
+              <a:t>K    Key                          Descriptive label on each word</a:t>
             </a:r>
           </a:p>
         </p:txBody>
@@ -14974,7 +14701,7 @@
                 </a:solidFill>
                 <a:latin typeface="+mj-lt"/>
               </a:rPr>
-              <a:t>V    Value                      Actual contents of each can of paint</a:t>
+              <a:t>V    Value                      Actual contents of each word</a:t>
             </a:r>
           </a:p>
         </p:txBody>
@@ -15196,6 +14923,59 @@
                       </p:childTnLst>
                     </p:cTn>
                   </p:par>
+                  <p:par>
+                    <p:cTn id="18" fill="hold">
+                      <p:stCondLst>
+                        <p:cond delay="indefinite"/>
+                      </p:stCondLst>
+                      <p:childTnLst>
+                        <p:par>
+                          <p:cTn id="19" fill="hold">
+                            <p:stCondLst>
+                              <p:cond delay="0"/>
+                            </p:stCondLst>
+                            <p:childTnLst>
+                              <p:par>
+                                <p:cTn id="20" presetID="10" presetClass="entr" presetSubtype="0" fill="hold" grpId="0" nodeType="clickEffect">
+                                  <p:stCondLst>
+                                    <p:cond delay="0"/>
+                                  </p:stCondLst>
+                                  <p:childTnLst>
+                                    <p:set>
+                                      <p:cBhvr>
+                                        <p:cTn id="21" dur="1" fill="hold">
+                                          <p:stCondLst>
+                                            <p:cond delay="0"/>
+                                          </p:stCondLst>
+                                        </p:cTn>
+                                        <p:tgtEl>
+                                          <p:spTgt spid="9"/>
+                                        </p:tgtEl>
+                                        <p:attrNameLst>
+                                          <p:attrName>style.visibility</p:attrName>
+                                        </p:attrNameLst>
+                                      </p:cBhvr>
+                                      <p:to>
+                                        <p:strVal val="visible"/>
+                                      </p:to>
+                                    </p:set>
+                                    <p:animEffect transition="in" filter="fade">
+                                      <p:cBhvr>
+                                        <p:cTn id="22" dur="500"/>
+                                        <p:tgtEl>
+                                          <p:spTgt spid="9"/>
+                                        </p:tgtEl>
+                                      </p:cBhvr>
+                                    </p:animEffect>
+                                  </p:childTnLst>
+                                </p:cTn>
+                              </p:par>
+                            </p:childTnLst>
+                          </p:cTn>
+                        </p:par>
+                      </p:childTnLst>
+                    </p:cTn>
+                  </p:par>
                 </p:childTnLst>
               </p:cTn>
               <p:prevCondLst>
@@ -15221,12 +15001,13 @@
       <p:bldP spid="2" grpId="0"/>
       <p:bldP spid="6" grpId="0"/>
       <p:bldP spid="7" grpId="0"/>
+      <p:bldP spid="9" grpId="0"/>
     </p:bldLst>
   </p:timing>
 </p:sld>
 </file>
 
-<file path=ppt/slides/slide9.xml><?xml version="1.0" encoding="utf-8"?>
+<file path=ppt/slides/slide8.xml><?xml version="1.0" encoding="utf-8"?>
 <p:sld xmlns:a="http://schemas.openxmlformats.org/drawingml/2006/main" xmlns:r="http://schemas.openxmlformats.org/officeDocument/2006/relationships" xmlns:p="http://schemas.openxmlformats.org/presentationml/2006/main">
   <p:cSld>
     <p:spTree>
@@ -15660,6 +15441,449 @@
     <p:extLst>
       <p:ext uri="{BB962C8B-B14F-4D97-AF65-F5344CB8AC3E}">
         <p14:creationId xmlns:p14="http://schemas.microsoft.com/office/powerpoint/2010/main" val="1874409243"/>
+      </p:ext>
+    </p:extLst>
+  </p:cSld>
+  <p:clrMapOvr>
+    <a:masterClrMapping/>
+  </p:clrMapOvr>
+</p:sld>
+</file>
+
+<file path=ppt/slides/slide9.xml><?xml version="1.0" encoding="utf-8"?>
+<p:sld xmlns:a="http://schemas.openxmlformats.org/drawingml/2006/main" xmlns:r="http://schemas.openxmlformats.org/officeDocument/2006/relationships" xmlns:p="http://schemas.openxmlformats.org/presentationml/2006/main">
+  <p:cSld>
+    <p:spTree>
+      <p:nvGrpSpPr>
+        <p:cNvPr id="1" name=""/>
+        <p:cNvGrpSpPr/>
+        <p:nvPr/>
+      </p:nvGrpSpPr>
+      <p:grpSpPr>
+        <a:xfrm>
+          <a:off x="0" y="0"/>
+          <a:ext cx="0" cy="0"/>
+          <a:chOff x="0" y="0"/>
+          <a:chExt cx="0" cy="0"/>
+        </a:xfrm>
+      </p:grpSpPr>
+      <p:pic>
+        <p:nvPicPr>
+          <p:cNvPr id="9" name="Picture 8">
+            <a:extLst>
+              <a:ext uri="{FF2B5EF4-FFF2-40B4-BE49-F238E27FC236}">
+                <a16:creationId xmlns:a16="http://schemas.microsoft.com/office/drawing/2014/main" id="{9C45DAD3-D954-0FF1-8F79-DBF6100A0C2F}"/>
+              </a:ext>
+            </a:extLst>
+          </p:cNvPr>
+          <p:cNvPicPr>
+            <a:picLocks noChangeAspect="1"/>
+          </p:cNvPicPr>
+          <p:nvPr/>
+        </p:nvPicPr>
+        <p:blipFill>
+          <a:blip r:embed="rId3"/>
+          <a:stretch>
+            <a:fillRect/>
+          </a:stretch>
+        </p:blipFill>
+        <p:spPr>
+          <a:xfrm>
+            <a:off x="1946275" y="117475"/>
+            <a:ext cx="8299450" cy="6623050"/>
+          </a:xfrm>
+          <a:prstGeom prst="rect">
+            <a:avLst/>
+          </a:prstGeom>
+        </p:spPr>
+      </p:pic>
+      <p:sp>
+        <p:nvSpPr>
+          <p:cNvPr id="3" name="TextBox 2">
+            <a:extLst>
+              <a:ext uri="{FF2B5EF4-FFF2-40B4-BE49-F238E27FC236}">
+                <a16:creationId xmlns:a16="http://schemas.microsoft.com/office/drawing/2014/main" id="{11F9E0E5-C8EC-B69F-C9F3-E277ADA47CB8}"/>
+              </a:ext>
+            </a:extLst>
+          </p:cNvPr>
+          <p:cNvSpPr txBox="1"/>
+          <p:nvPr/>
+        </p:nvSpPr>
+        <p:spPr>
+          <a:xfrm>
+            <a:off x="0" y="6550223"/>
+            <a:ext cx="12192000" cy="307777"/>
+          </a:xfrm>
+          <a:prstGeom prst="rect">
+            <a:avLst/>
+          </a:prstGeom>
+          <a:noFill/>
+        </p:spPr>
+        <p:txBody>
+          <a:bodyPr wrap="square" rtlCol="0">
+            <a:spAutoFit/>
+          </a:bodyPr>
+          <a:lstStyle/>
+          <a:p>
+            <a:r>
+              <a:rPr lang="en-US" sz="1400" dirty="0">
+                <a:solidFill>
+                  <a:schemeClr val="tx1">
+                    <a:lumMod val="65000"/>
+                    <a:lumOff val="35000"/>
+                  </a:schemeClr>
+                </a:solidFill>
+                <a:latin typeface="+mj-lt"/>
+                <a:ea typeface="Verdana" panose="020B0604030504040204" pitchFamily="34" charset="0"/>
+              </a:rPr>
+              <a:t>Story Source: Glassner, A. (2021). </a:t>
+            </a:r>
+            <a:r>
+              <a:rPr lang="en-US" sz="1400" i="1" dirty="0">
+                <a:solidFill>
+                  <a:schemeClr val="tx1">
+                    <a:lumMod val="65000"/>
+                    <a:lumOff val="35000"/>
+                  </a:schemeClr>
+                </a:solidFill>
+                <a:latin typeface="+mj-lt"/>
+                <a:ea typeface="Verdana" panose="020B0604030504040204" pitchFamily="34" charset="0"/>
+              </a:rPr>
+              <a:t>Deep learning: A visual approach</a:t>
+            </a:r>
+            <a:r>
+              <a:rPr lang="en-US" sz="1400" dirty="0">
+                <a:solidFill>
+                  <a:schemeClr val="tx1">
+                    <a:lumMod val="65000"/>
+                    <a:lumOff val="35000"/>
+                  </a:schemeClr>
+                </a:solidFill>
+                <a:latin typeface="+mj-lt"/>
+                <a:ea typeface="Verdana" panose="020B0604030504040204" pitchFamily="34" charset="0"/>
+              </a:rPr>
+              <a:t>. </a:t>
+            </a:r>
+            <a:r>
+              <a:rPr lang="en-US" sz="1400" b="0" i="0" dirty="0">
+                <a:solidFill>
+                  <a:schemeClr val="tx1">
+                    <a:lumMod val="65000"/>
+                    <a:lumOff val="35000"/>
+                  </a:schemeClr>
+                </a:solidFill>
+                <a:effectLst/>
+                <a:latin typeface="+mj-lt"/>
+                <a:ea typeface="Verdana" panose="020B0604030504040204" pitchFamily="34" charset="0"/>
+              </a:rPr>
+              <a:t>San Francisco, CA: No Starch Press. (Chapter </a:t>
+            </a:r>
+            <a:r>
+              <a:rPr lang="en-US" sz="1400" dirty="0">
+                <a:solidFill>
+                  <a:schemeClr val="tx1">
+                    <a:lumMod val="65000"/>
+                    <a:lumOff val="35000"/>
+                  </a:schemeClr>
+                </a:solidFill>
+                <a:latin typeface="+mj-lt"/>
+                <a:ea typeface="Verdana" panose="020B0604030504040204" pitchFamily="34" charset="0"/>
+              </a:rPr>
+              <a:t>20</a:t>
+            </a:r>
+            <a:r>
+              <a:rPr lang="en-US" sz="1400" b="0" i="0" dirty="0">
+                <a:solidFill>
+                  <a:schemeClr val="tx1">
+                    <a:lumMod val="65000"/>
+                    <a:lumOff val="35000"/>
+                  </a:schemeClr>
+                </a:solidFill>
+                <a:effectLst/>
+                <a:latin typeface="+mj-lt"/>
+                <a:ea typeface="Verdana" panose="020B0604030504040204" pitchFamily="34" charset="0"/>
+              </a:rPr>
+              <a:t>)</a:t>
+            </a:r>
+            <a:endParaRPr lang="en-US" sz="1400" dirty="0">
+              <a:solidFill>
+                <a:schemeClr val="tx1">
+                  <a:lumMod val="65000"/>
+                  <a:lumOff val="35000"/>
+                </a:schemeClr>
+              </a:solidFill>
+              <a:latin typeface="+mj-lt"/>
+              <a:ea typeface="Verdana" panose="020B0604030504040204" pitchFamily="34" charset="0"/>
+            </a:endParaRPr>
+          </a:p>
+        </p:txBody>
+      </p:sp>
+      <p:graphicFrame>
+        <p:nvGraphicFramePr>
+          <p:cNvPr id="4" name="Table 9">
+            <a:extLst>
+              <a:ext uri="{FF2B5EF4-FFF2-40B4-BE49-F238E27FC236}">
+                <a16:creationId xmlns:a16="http://schemas.microsoft.com/office/drawing/2014/main" id="{D9A2C165-E4BD-3D78-6733-92FC682CF65E}"/>
+              </a:ext>
+            </a:extLst>
+          </p:cNvPr>
+          <p:cNvGraphicFramePr>
+            <a:graphicFrameLocks noGrp="1"/>
+          </p:cNvGraphicFramePr>
+          <p:nvPr>
+            <p:extLst>
+              <p:ext uri="{D42A27DB-BD31-4B8C-83A1-F6EECF244321}">
+                <p14:modId xmlns:p14="http://schemas.microsoft.com/office/powerpoint/2010/main" val="1192574315"/>
+              </p:ext>
+            </p:extLst>
+          </p:nvPr>
+        </p:nvGraphicFramePr>
+        <p:xfrm>
+          <a:off x="95693" y="165817"/>
+          <a:ext cx="1329070" cy="1490816"/>
+        </p:xfrm>
+        <a:graphic>
+          <a:graphicData uri="http://schemas.openxmlformats.org/drawingml/2006/table">
+            <a:tbl>
+              <a:tblPr firstRow="1" bandRow="1">
+                <a:tableStyleId>{5940675A-B579-460E-94D1-54222C63F5DA}</a:tableStyleId>
+              </a:tblPr>
+              <a:tblGrid>
+                <a:gridCol w="312725">
+                  <a:extLst>
+                    <a:ext uri="{9D8B030D-6E8A-4147-A177-3AD203B41FA5}">
+                      <a16:colId xmlns:a16="http://schemas.microsoft.com/office/drawing/2014/main" val="2256347462"/>
+                    </a:ext>
+                  </a:extLst>
+                </a:gridCol>
+                <a:gridCol w="1016345">
+                  <a:extLst>
+                    <a:ext uri="{9D8B030D-6E8A-4147-A177-3AD203B41FA5}">
+                      <a16:colId xmlns:a16="http://schemas.microsoft.com/office/drawing/2014/main" val="1000086060"/>
+                    </a:ext>
+                  </a:extLst>
+                </a:gridCol>
+              </a:tblGrid>
+              <a:tr h="372704">
+                <a:tc>
+                  <a:txBody>
+                    <a:bodyPr/>
+                    <a:lstStyle/>
+                    <a:p>
+                      <a:r>
+                        <a:rPr lang="en-US" sz="1800" kern="1200" dirty="0">
+                          <a:solidFill>
+                            <a:srgbClr val="B71E56"/>
+                          </a:solidFill>
+                          <a:latin typeface="+mj-lt"/>
+                          <a:ea typeface="+mn-ea"/>
+                          <a:cs typeface="+mn-cs"/>
+                        </a:rPr>
+                        <a:t>Q</a:t>
+                      </a:r>
+                      <a:endParaRPr lang="en-US" sz="1800" dirty="0">
+                        <a:latin typeface="+mj-lt"/>
+                      </a:endParaRPr>
+                    </a:p>
+                  </a:txBody>
+                  <a:tcPr/>
+                </a:tc>
+                <a:tc>
+                  <a:txBody>
+                    <a:bodyPr/>
+                    <a:lstStyle/>
+                    <a:p>
+                      <a:r>
+                        <a:rPr lang="en-US" sz="1800" kern="1200" dirty="0">
+                          <a:solidFill>
+                            <a:srgbClr val="B71E56"/>
+                          </a:solidFill>
+                          <a:latin typeface="+mj-lt"/>
+                          <a:ea typeface="+mn-ea"/>
+                          <a:cs typeface="+mn-cs"/>
+                        </a:rPr>
+                        <a:t>Query</a:t>
+                      </a:r>
+                      <a:endParaRPr lang="en-US" sz="1800" dirty="0">
+                        <a:latin typeface="+mj-lt"/>
+                      </a:endParaRPr>
+                    </a:p>
+                  </a:txBody>
+                  <a:tcPr/>
+                </a:tc>
+                <a:extLst>
+                  <a:ext uri="{0D108BD9-81ED-4DB2-BD59-A6C34878D82A}">
+                    <a16:rowId xmlns:a16="http://schemas.microsoft.com/office/drawing/2014/main" val="1110988348"/>
+                  </a:ext>
+                </a:extLst>
+              </a:tr>
+              <a:tr h="372704">
+                <a:tc>
+                  <a:txBody>
+                    <a:bodyPr/>
+                    <a:lstStyle/>
+                    <a:p>
+                      <a:r>
+                        <a:rPr lang="en-US" sz="1800" kern="1200" dirty="0">
+                          <a:solidFill>
+                            <a:srgbClr val="2D83B7"/>
+                          </a:solidFill>
+                          <a:latin typeface="+mj-lt"/>
+                          <a:ea typeface="+mn-ea"/>
+                          <a:cs typeface="+mn-cs"/>
+                        </a:rPr>
+                        <a:t>K</a:t>
+                      </a:r>
+                      <a:endParaRPr lang="en-US" sz="1800" dirty="0">
+                        <a:latin typeface="+mj-lt"/>
+                      </a:endParaRPr>
+                    </a:p>
+                  </a:txBody>
+                  <a:tcPr/>
+                </a:tc>
+                <a:tc>
+                  <a:txBody>
+                    <a:bodyPr/>
+                    <a:lstStyle/>
+                    <a:p>
+                      <a:r>
+                        <a:rPr lang="en-US" sz="1800" kern="1200" dirty="0">
+                          <a:solidFill>
+                            <a:srgbClr val="2D83B7"/>
+                          </a:solidFill>
+                          <a:latin typeface="+mj-lt"/>
+                          <a:ea typeface="+mn-ea"/>
+                          <a:cs typeface="+mn-cs"/>
+                        </a:rPr>
+                        <a:t>Key </a:t>
+                      </a:r>
+                      <a:endParaRPr lang="en-US" sz="1800" dirty="0">
+                        <a:latin typeface="+mj-lt"/>
+                      </a:endParaRPr>
+                    </a:p>
+                  </a:txBody>
+                  <a:tcPr/>
+                </a:tc>
+                <a:extLst>
+                  <a:ext uri="{0D108BD9-81ED-4DB2-BD59-A6C34878D82A}">
+                    <a16:rowId xmlns:a16="http://schemas.microsoft.com/office/drawing/2014/main" val="1982827846"/>
+                  </a:ext>
+                </a:extLst>
+              </a:tr>
+              <a:tr h="372704">
+                <a:tc>
+                  <a:txBody>
+                    <a:bodyPr/>
+                    <a:lstStyle/>
+                    <a:p>
+                      <a:r>
+                        <a:rPr lang="en-US" sz="1800" kern="1200" dirty="0">
+                          <a:solidFill>
+                            <a:srgbClr val="319F48"/>
+                          </a:solidFill>
+                          <a:latin typeface="+mj-lt"/>
+                          <a:ea typeface="+mn-ea"/>
+                          <a:cs typeface="+mn-cs"/>
+                        </a:rPr>
+                        <a:t>V </a:t>
+                      </a:r>
+                      <a:endParaRPr lang="en-US" sz="1800" dirty="0">
+                        <a:latin typeface="+mj-lt"/>
+                      </a:endParaRPr>
+                    </a:p>
+                  </a:txBody>
+                  <a:tcPr/>
+                </a:tc>
+                <a:tc>
+                  <a:txBody>
+                    <a:bodyPr/>
+                    <a:lstStyle/>
+                    <a:p>
+                      <a:r>
+                        <a:rPr lang="en-US" sz="1800" kern="1200" dirty="0">
+                          <a:solidFill>
+                            <a:srgbClr val="319F48"/>
+                          </a:solidFill>
+                          <a:latin typeface="+mj-lt"/>
+                          <a:ea typeface="+mn-ea"/>
+                          <a:cs typeface="+mn-cs"/>
+                        </a:rPr>
+                        <a:t>Value</a:t>
+                      </a:r>
+                      <a:endParaRPr lang="en-US" sz="1800" dirty="0">
+                        <a:latin typeface="+mj-lt"/>
+                      </a:endParaRPr>
+                    </a:p>
+                  </a:txBody>
+                  <a:tcPr/>
+                </a:tc>
+                <a:extLst>
+                  <a:ext uri="{0D108BD9-81ED-4DB2-BD59-A6C34878D82A}">
+                    <a16:rowId xmlns:a16="http://schemas.microsoft.com/office/drawing/2014/main" val="2431682978"/>
+                  </a:ext>
+                </a:extLst>
+              </a:tr>
+              <a:tr h="372704">
+                <a:tc>
+                  <a:txBody>
+                    <a:bodyPr/>
+                    <a:lstStyle/>
+                    <a:p>
+                      <a:r>
+                        <a:rPr lang="en-US" sz="1800" kern="1200" dirty="0">
+                          <a:solidFill>
+                            <a:srgbClr val="93742C"/>
+                          </a:solidFill>
+                          <a:latin typeface="+mj-lt"/>
+                          <a:ea typeface="+mn-ea"/>
+                          <a:cs typeface="+mn-cs"/>
+                        </a:rPr>
+                        <a:t>S</a:t>
+                      </a:r>
+                      <a:endParaRPr lang="en-US" sz="1800" dirty="0">
+                        <a:latin typeface="+mj-lt"/>
+                      </a:endParaRPr>
+                    </a:p>
+                  </a:txBody>
+                  <a:tcPr/>
+                </a:tc>
+                <a:tc>
+                  <a:txBody>
+                    <a:bodyPr/>
+                    <a:lstStyle/>
+                    <a:p>
+                      <a:r>
+                        <a:rPr lang="en-US" sz="1800" kern="1200" dirty="0">
+                          <a:solidFill>
+                            <a:srgbClr val="93742C"/>
+                          </a:solidFill>
+                          <a:latin typeface="+mj-lt"/>
+                          <a:ea typeface="+mn-ea"/>
+                          <a:cs typeface="+mn-cs"/>
+                        </a:rPr>
+                        <a:t>Score</a:t>
+                      </a:r>
+                      <a:endParaRPr lang="en-US" sz="1800" dirty="0">
+                        <a:latin typeface="+mj-lt"/>
+                      </a:endParaRPr>
+                    </a:p>
+                  </a:txBody>
+                  <a:tcPr/>
+                </a:tc>
+                <a:extLst>
+                  <a:ext uri="{0D108BD9-81ED-4DB2-BD59-A6C34878D82A}">
+                    <a16:rowId xmlns:a16="http://schemas.microsoft.com/office/drawing/2014/main" val="3072527918"/>
+                  </a:ext>
+                </a:extLst>
+              </a:tr>
+            </a:tbl>
+          </a:graphicData>
+        </a:graphic>
+      </p:graphicFrame>
+    </p:spTree>
+    <p:extLst>
+      <p:ext uri="{BB962C8B-B14F-4D97-AF65-F5344CB8AC3E}">
+        <p14:creationId xmlns:p14="http://schemas.microsoft.com/office/powerpoint/2010/main" val="4133325865"/>
       </p:ext>
     </p:extLst>
   </p:cSld>
